--- a/Présentation/Présentation TPI DMA.pptx
+++ b/Présentation/Présentation TPI DMA.pptx
@@ -5,7 +5,7 @@
     <p:sldMasterId id="2147483802" r:id="rId1"/>
   </p:sldMasterIdLst>
   <p:notesMasterIdLst>
-    <p:notesMasterId r:id="rId18"/>
+    <p:notesMasterId r:id="rId20"/>
   </p:notesMasterIdLst>
   <p:sldIdLst>
     <p:sldId id="256" r:id="rId2"/>
@@ -15,15 +15,17 @@
     <p:sldId id="260" r:id="rId6"/>
     <p:sldId id="261" r:id="rId7"/>
     <p:sldId id="281" r:id="rId8"/>
-    <p:sldId id="282" r:id="rId9"/>
-    <p:sldId id="283" r:id="rId10"/>
-    <p:sldId id="284" r:id="rId11"/>
-    <p:sldId id="280" r:id="rId12"/>
-    <p:sldId id="262" r:id="rId13"/>
-    <p:sldId id="263" r:id="rId14"/>
-    <p:sldId id="264" r:id="rId15"/>
-    <p:sldId id="272" r:id="rId16"/>
-    <p:sldId id="277" r:id="rId17"/>
+    <p:sldId id="286" r:id="rId9"/>
+    <p:sldId id="282" r:id="rId10"/>
+    <p:sldId id="283" r:id="rId11"/>
+    <p:sldId id="285" r:id="rId12"/>
+    <p:sldId id="284" r:id="rId13"/>
+    <p:sldId id="280" r:id="rId14"/>
+    <p:sldId id="262" r:id="rId15"/>
+    <p:sldId id="263" r:id="rId16"/>
+    <p:sldId id="264" r:id="rId17"/>
+    <p:sldId id="272" r:id="rId18"/>
+    <p:sldId id="277" r:id="rId19"/>
   </p:sldIdLst>
   <p:sldSz cx="12192000" cy="6858000"/>
   <p:notesSz cx="6858000" cy="9144000"/>
@@ -3219,7 +3221,7 @@
         <a:p>
           <a:r>
             <a:rPr lang="fr-FR" dirty="0" smtClean="0"/>
-            <a:t>Phase 2</a:t>
+            <a:t>Implémentation CPNV</a:t>
           </a:r>
           <a:endParaRPr lang="fr-FR" dirty="0"/>
         </a:p>
@@ -3340,16 +3342,16 @@
     </dgm:pt>
   </dgm:ptLst>
   <dgm:cxnLst>
+    <dgm:cxn modelId="{1F94EBA9-D166-45EC-ACD7-94EDC709FFBC}" srcId="{EA1688D4-ED0E-4304-BF0D-89638AFE6B44}" destId="{50D16FB3-65E5-4AFF-AC48-8AB29ED6C424}" srcOrd="3" destOrd="0" parTransId="{4710D227-21D6-4DC8-AAE7-F122461E03D4}" sibTransId="{85F8DB90-6D6F-4C57-AFB6-63C3FBB55161}"/>
     <dgm:cxn modelId="{6840FCB8-4D4C-4FCE-8594-6AA55B679E45}" type="presOf" srcId="{90E0AF03-BD3C-4ED5-AD59-1E5FAE52C330}" destId="{740CB5E6-3FF8-4F1F-A87E-72327F376AB9}" srcOrd="0" destOrd="0" presId="urn:microsoft.com/office/officeart/2005/8/layout/cycle3"/>
-    <dgm:cxn modelId="{C3186E20-C87E-4992-B7F5-EC681BA0F2F9}" type="presOf" srcId="{48DFB929-3D3F-4DC3-8682-1D4194FD31A8}" destId="{861AD677-3874-4930-9B96-7D827FBAC34E}" srcOrd="0" destOrd="0" presId="urn:microsoft.com/office/officeart/2005/8/layout/cycle3"/>
-    <dgm:cxn modelId="{1F94EBA9-D166-45EC-ACD7-94EDC709FFBC}" srcId="{EA1688D4-ED0E-4304-BF0D-89638AFE6B44}" destId="{50D16FB3-65E5-4AFF-AC48-8AB29ED6C424}" srcOrd="3" destOrd="0" parTransId="{4710D227-21D6-4DC8-AAE7-F122461E03D4}" sibTransId="{85F8DB90-6D6F-4C57-AFB6-63C3FBB55161}"/>
-    <dgm:cxn modelId="{EC57D116-8840-4263-825E-2CA5EDDD3C68}" srcId="{EA1688D4-ED0E-4304-BF0D-89638AFE6B44}" destId="{9B7FAA97-EA17-46D4-85F0-505BC508118F}" srcOrd="0" destOrd="0" parTransId="{02FBA34E-9628-408A-9159-E500FF88A050}" sibTransId="{90E0AF03-BD3C-4ED5-AD59-1E5FAE52C330}"/>
-    <dgm:cxn modelId="{4202C5AE-9B42-4458-8F81-D0B68CA91AAA}" srcId="{EA1688D4-ED0E-4304-BF0D-89638AFE6B44}" destId="{48DFB929-3D3F-4DC3-8682-1D4194FD31A8}" srcOrd="2" destOrd="0" parTransId="{7DA58654-5EC8-4EF8-BCCF-D3BEE0604084}" sibTransId="{A0785AF5-018B-41D5-BCD9-3B1B42C2D0C3}"/>
-    <dgm:cxn modelId="{D815DC02-983E-48C3-B1D6-20DF7881CFC7}" type="presOf" srcId="{DF5153A3-2EAA-4940-B6E4-BCB20A9208F8}" destId="{B2A27D1C-9F3E-44F7-A758-1F6DD702645B}" srcOrd="0" destOrd="0" presId="urn:microsoft.com/office/officeart/2005/8/layout/cycle3"/>
-    <dgm:cxn modelId="{123C282B-A3EB-46D1-A797-87E3ADAA1EA7}" type="presOf" srcId="{EA1688D4-ED0E-4304-BF0D-89638AFE6B44}" destId="{70EEF79A-48E3-49B3-AAE5-28CFD967F923}" srcOrd="0" destOrd="0" presId="urn:microsoft.com/office/officeart/2005/8/layout/cycle3"/>
     <dgm:cxn modelId="{30DF51B2-17A6-45C5-ABA3-4E85FE2FF461}" type="presOf" srcId="{9B7FAA97-EA17-46D4-85F0-505BC508118F}" destId="{F8AD9F3E-71E6-40FC-B6BF-788AD850B686}" srcOrd="0" destOrd="0" presId="urn:microsoft.com/office/officeart/2005/8/layout/cycle3"/>
     <dgm:cxn modelId="{600B2ADA-B414-4A53-9BF8-8739C9D70B74}" srcId="{EA1688D4-ED0E-4304-BF0D-89638AFE6B44}" destId="{DF5153A3-2EAA-4940-B6E4-BCB20A9208F8}" srcOrd="1" destOrd="0" parTransId="{61E4273A-5DBD-4B7B-9FC1-6DA275BD364D}" sibTransId="{52C51974-5239-4F4C-A888-B3CFA7CDBBE1}"/>
+    <dgm:cxn modelId="{123C282B-A3EB-46D1-A797-87E3ADAA1EA7}" type="presOf" srcId="{EA1688D4-ED0E-4304-BF0D-89638AFE6B44}" destId="{70EEF79A-48E3-49B3-AAE5-28CFD967F923}" srcOrd="0" destOrd="0" presId="urn:microsoft.com/office/officeart/2005/8/layout/cycle3"/>
+    <dgm:cxn modelId="{D815DC02-983E-48C3-B1D6-20DF7881CFC7}" type="presOf" srcId="{DF5153A3-2EAA-4940-B6E4-BCB20A9208F8}" destId="{B2A27D1C-9F3E-44F7-A758-1F6DD702645B}" srcOrd="0" destOrd="0" presId="urn:microsoft.com/office/officeart/2005/8/layout/cycle3"/>
+    <dgm:cxn modelId="{C3186E20-C87E-4992-B7F5-EC681BA0F2F9}" type="presOf" srcId="{48DFB929-3D3F-4DC3-8682-1D4194FD31A8}" destId="{861AD677-3874-4930-9B96-7D827FBAC34E}" srcOrd="0" destOrd="0" presId="urn:microsoft.com/office/officeart/2005/8/layout/cycle3"/>
     <dgm:cxn modelId="{75CB994A-2E32-4DB8-A692-BC9238BB1006}" type="presOf" srcId="{50D16FB3-65E5-4AFF-AC48-8AB29ED6C424}" destId="{814FC475-AB1B-4D7D-8139-5660275FB348}" srcOrd="0" destOrd="0" presId="urn:microsoft.com/office/officeart/2005/8/layout/cycle3"/>
+    <dgm:cxn modelId="{4202C5AE-9B42-4458-8F81-D0B68CA91AAA}" srcId="{EA1688D4-ED0E-4304-BF0D-89638AFE6B44}" destId="{48DFB929-3D3F-4DC3-8682-1D4194FD31A8}" srcOrd="2" destOrd="0" parTransId="{7DA58654-5EC8-4EF8-BCCF-D3BEE0604084}" sibTransId="{A0785AF5-018B-41D5-BCD9-3B1B42C2D0C3}"/>
+    <dgm:cxn modelId="{EC57D116-8840-4263-825E-2CA5EDDD3C68}" srcId="{EA1688D4-ED0E-4304-BF0D-89638AFE6B44}" destId="{9B7FAA97-EA17-46D4-85F0-505BC508118F}" srcOrd="0" destOrd="0" parTransId="{02FBA34E-9628-408A-9159-E500FF88A050}" sibTransId="{90E0AF03-BD3C-4ED5-AD59-1E5FAE52C330}"/>
     <dgm:cxn modelId="{A9F1F7BF-FABA-49FD-BDBA-BE0D8B6078A9}" type="presParOf" srcId="{70EEF79A-48E3-49B3-AAE5-28CFD967F923}" destId="{3A86777D-9C32-43F0-96C5-2398967F9739}" srcOrd="0" destOrd="0" presId="urn:microsoft.com/office/officeart/2005/8/layout/cycle3"/>
     <dgm:cxn modelId="{8A59218D-E32C-443D-B077-053DCC749254}" type="presParOf" srcId="{3A86777D-9C32-43F0-96C5-2398967F9739}" destId="{F8AD9F3E-71E6-40FC-B6BF-788AD850B686}" srcOrd="0" destOrd="0" presId="urn:microsoft.com/office/officeart/2005/8/layout/cycle3"/>
     <dgm:cxn modelId="{57E63B14-B1AE-44CC-82BE-A46EFD2A6FA4}" type="presParOf" srcId="{3A86777D-9C32-43F0-96C5-2398967F9739}" destId="{740CB5E6-3FF8-4F1F-A87E-72327F376AB9}" srcOrd="1" destOrd="0" presId="urn:microsoft.com/office/officeart/2005/8/layout/cycle3"/>
@@ -3491,12 +3493,12 @@
         </a:fontRef>
       </dsp:style>
       <dsp:txBody>
-        <a:bodyPr spcFirstLastPara="0" vert="horz" wrap="square" lIns="114300" tIns="114300" rIns="114300" bIns="114300" numCol="1" spcCol="1270" anchor="ctr" anchorCtr="0">
+        <a:bodyPr spcFirstLastPara="0" vert="horz" wrap="square" lIns="102870" tIns="102870" rIns="102870" bIns="102870" numCol="1" spcCol="1270" anchor="ctr" anchorCtr="0">
           <a:noAutofit/>
         </a:bodyPr>
         <a:lstStyle/>
         <a:p>
-          <a:pPr lvl="0" algn="ctr" defTabSz="1333500">
+          <a:pPr lvl="0" algn="ctr" defTabSz="1200150">
             <a:lnSpc>
               <a:spcPct val="90000"/>
             </a:lnSpc>
@@ -3508,10 +3510,10 @@
             </a:spcAft>
           </a:pPr>
           <a:r>
-            <a:rPr lang="fr-FR" sz="3000" kern="1200" dirty="0" smtClean="0"/>
+            <a:rPr lang="fr-FR" sz="2700" kern="1200" dirty="0" smtClean="0"/>
             <a:t>Mise en place infrastructure</a:t>
           </a:r>
-          <a:endParaRPr lang="fr-FR" sz="3000" kern="1200" dirty="0"/>
+          <a:endParaRPr lang="fr-FR" sz="2700" kern="1200" dirty="0"/>
         </a:p>
       </dsp:txBody>
       <dsp:txXfrm>
@@ -3583,12 +3585,12 @@
         </a:fontRef>
       </dsp:style>
       <dsp:txBody>
-        <a:bodyPr spcFirstLastPara="0" vert="horz" wrap="square" lIns="114300" tIns="114300" rIns="114300" bIns="114300" numCol="1" spcCol="1270" anchor="ctr" anchorCtr="0">
+        <a:bodyPr spcFirstLastPara="0" vert="horz" wrap="square" lIns="102870" tIns="102870" rIns="102870" bIns="102870" numCol="1" spcCol="1270" anchor="ctr" anchorCtr="0">
           <a:noAutofit/>
         </a:bodyPr>
         <a:lstStyle/>
         <a:p>
-          <a:pPr lvl="0" algn="ctr" defTabSz="1333500">
+          <a:pPr lvl="0" algn="ctr" defTabSz="1200150">
             <a:lnSpc>
               <a:spcPct val="90000"/>
             </a:lnSpc>
@@ -3600,10 +3602,10 @@
             </a:spcAft>
           </a:pPr>
           <a:r>
-            <a:rPr lang="fr-FR" sz="3000" kern="1200" dirty="0" smtClean="0"/>
+            <a:rPr lang="fr-FR" sz="2700" kern="1200" dirty="0" smtClean="0"/>
             <a:t>Site à site</a:t>
           </a:r>
-          <a:endParaRPr lang="fr-FR" sz="3000" kern="1200" dirty="0"/>
+          <a:endParaRPr lang="fr-FR" sz="2700" kern="1200" dirty="0"/>
         </a:p>
       </dsp:txBody>
       <dsp:txXfrm>
@@ -3675,12 +3677,12 @@
         </a:fontRef>
       </dsp:style>
       <dsp:txBody>
-        <a:bodyPr spcFirstLastPara="0" vert="horz" wrap="square" lIns="114300" tIns="114300" rIns="114300" bIns="114300" numCol="1" spcCol="1270" anchor="ctr" anchorCtr="0">
+        <a:bodyPr spcFirstLastPara="0" vert="horz" wrap="square" lIns="102870" tIns="102870" rIns="102870" bIns="102870" numCol="1" spcCol="1270" anchor="ctr" anchorCtr="0">
           <a:noAutofit/>
         </a:bodyPr>
         <a:lstStyle/>
         <a:p>
-          <a:pPr lvl="0" algn="ctr" defTabSz="1333500">
+          <a:pPr lvl="0" algn="ctr" defTabSz="1200150">
             <a:lnSpc>
               <a:spcPct val="90000"/>
             </a:lnSpc>
@@ -3692,10 +3694,10 @@
             </a:spcAft>
           </a:pPr>
           <a:r>
-            <a:rPr lang="fr-FR" sz="3000" kern="1200" dirty="0" smtClean="0"/>
+            <a:rPr lang="fr-FR" sz="2700" kern="1200" dirty="0" smtClean="0"/>
             <a:t>Client à site</a:t>
           </a:r>
-          <a:endParaRPr lang="fr-FR" sz="3000" kern="1200" dirty="0"/>
+          <a:endParaRPr lang="fr-FR" sz="2700" kern="1200" dirty="0"/>
         </a:p>
       </dsp:txBody>
       <dsp:txXfrm>
@@ -3767,12 +3769,12 @@
         </a:fontRef>
       </dsp:style>
       <dsp:txBody>
-        <a:bodyPr spcFirstLastPara="0" vert="horz" wrap="square" lIns="114300" tIns="114300" rIns="114300" bIns="114300" numCol="1" spcCol="1270" anchor="ctr" anchorCtr="0">
+        <a:bodyPr spcFirstLastPara="0" vert="horz" wrap="square" lIns="102870" tIns="102870" rIns="102870" bIns="102870" numCol="1" spcCol="1270" anchor="ctr" anchorCtr="0">
           <a:noAutofit/>
         </a:bodyPr>
         <a:lstStyle/>
         <a:p>
-          <a:pPr lvl="0" algn="ctr" defTabSz="1333500">
+          <a:pPr lvl="0" algn="ctr" defTabSz="1200150">
             <a:lnSpc>
               <a:spcPct val="90000"/>
             </a:lnSpc>
@@ -3784,10 +3786,10 @@
             </a:spcAft>
           </a:pPr>
           <a:r>
-            <a:rPr lang="fr-FR" sz="3000" kern="1200" dirty="0" smtClean="0"/>
-            <a:t>Phase 2</a:t>
+            <a:rPr lang="fr-FR" sz="2700" kern="1200" dirty="0" smtClean="0"/>
+            <a:t>Implémentation CPNV</a:t>
           </a:r>
-          <a:endParaRPr lang="fr-FR" sz="3000" kern="1200" dirty="0"/>
+          <a:endParaRPr lang="fr-FR" sz="2700" kern="1200" dirty="0"/>
         </a:p>
       </dsp:txBody>
       <dsp:txXfrm>
@@ -12079,7 +12081,7 @@
           <a:p>
             <a:r>
               <a:rPr lang="fr-CH" dirty="0" smtClean="0"/>
-              <a:t>Phase 2</a:t>
+              <a:t>Client à site</a:t>
             </a:r>
             <a:endParaRPr lang="fr-CH" dirty="0"/>
           </a:p>
@@ -12153,13 +12155,20 @@
     </p:spTree>
     <p:extLst>
       <p:ext uri="{BB962C8B-B14F-4D97-AF65-F5344CB8AC3E}">
-        <p14:creationId xmlns:p14="http://schemas.microsoft.com/office/powerpoint/2010/main" val="1026835417"/>
+        <p14:creationId xmlns:p14="http://schemas.microsoft.com/office/powerpoint/2010/main" val="32687155"/>
       </p:ext>
     </p:extLst>
   </p:cSld>
   <p:clrMapOvr>
     <a:masterClrMapping/>
   </p:clrMapOvr>
+  <p:timing>
+    <p:tnLst>
+      <p:par>
+        <p:cTn id="1" dur="indefinite" restart="never" nodeType="tmRoot"/>
+      </p:par>
+    </p:tnLst>
+  </p:timing>
 </p:sld>
 </file>
 
@@ -12197,118 +12206,8 @@
           <a:p>
             <a:r>
               <a:rPr lang="fr-CH" dirty="0" smtClean="0"/>
-              <a:t>Points spécifiques</a:t>
-            </a:r>
-            <a:endParaRPr lang="fr-CH" dirty="0"/>
-          </a:p>
-        </p:txBody>
-      </p:sp>
-      <p:sp>
-        <p:nvSpPr>
-          <p:cNvPr id="3" name="Espace réservé du contenu 2"/>
-          <p:cNvSpPr>
-            <a:spLocks noGrp="1"/>
-          </p:cNvSpPr>
-          <p:nvPr>
-            <p:ph idx="1"/>
-          </p:nvPr>
-        </p:nvSpPr>
-        <p:spPr/>
-        <p:txBody>
-          <a:bodyPr/>
-          <a:lstStyle/>
-          <a:p>
-            <a:r>
-              <a:rPr lang="fr-CH" dirty="0" smtClean="0"/>
-              <a:t>Pertinence de l'implémentation du 1</a:t>
-            </a:r>
-            <a:r>
-              <a:rPr lang="fr-CH" baseline="30000" dirty="0" smtClean="0"/>
-              <a:t>er</a:t>
-            </a:r>
-            <a:r>
-              <a:rPr lang="fr-CH" dirty="0" smtClean="0"/>
-              <a:t> temps </a:t>
-            </a:r>
-          </a:p>
-          <a:p>
-            <a:r>
-              <a:rPr lang="fr-CH" dirty="0" smtClean="0"/>
-              <a:t>Pertinence de la partie "internet" du 1</a:t>
-            </a:r>
-            <a:r>
-              <a:rPr lang="fr-CH" baseline="30000" dirty="0" smtClean="0"/>
-              <a:t>er</a:t>
-            </a:r>
-            <a:r>
-              <a:rPr lang="fr-CH" dirty="0" smtClean="0"/>
-              <a:t> temps</a:t>
-            </a:r>
-          </a:p>
-          <a:p>
-            <a:r>
-              <a:rPr lang="fr-CH" dirty="0" smtClean="0"/>
-              <a:t>A la fin du 1</a:t>
-            </a:r>
-            <a:r>
-              <a:rPr lang="fr-CH" baseline="30000" dirty="0" smtClean="0"/>
-              <a:t>er</a:t>
-            </a:r>
-            <a:r>
-              <a:rPr lang="fr-CH" dirty="0" smtClean="0"/>
-              <a:t> temps : tous les clients et le télétravailleur peuvent atteindre le server et l'imprimantes par leur adresse IP</a:t>
-            </a:r>
-          </a:p>
-          <a:p>
-            <a:r>
-              <a:rPr lang="fr-CH" dirty="0" smtClean="0"/>
-              <a:t>Adressage IP conforme au schéma du CDC</a:t>
-            </a:r>
-          </a:p>
-          <a:p>
-            <a:r>
-              <a:rPr lang="fr-CH" dirty="0" smtClean="0"/>
-              <a:t>Pertinence de l'implémentation du 2</a:t>
-            </a:r>
-            <a:r>
-              <a:rPr lang="fr-CH" baseline="30000" dirty="0" smtClean="0"/>
-              <a:t>ème</a:t>
-            </a:r>
-            <a:r>
-              <a:rPr lang="fr-CH" dirty="0" smtClean="0"/>
-              <a:t> temps</a:t>
-            </a:r>
-          </a:p>
-          <a:p>
-            <a:r>
-              <a:rPr lang="fr-CH" dirty="0" smtClean="0"/>
-              <a:t>A la fin du 2</a:t>
-            </a:r>
-            <a:r>
-              <a:rPr lang="fr-CH" baseline="30000" dirty="0" smtClean="0"/>
-              <a:t>ème</a:t>
-            </a:r>
-            <a:r>
-              <a:rPr lang="fr-CH" dirty="0" smtClean="0"/>
-              <a:t> temps : </a:t>
-            </a:r>
-            <a:r>
-              <a:rPr lang="fr-CH" dirty="0"/>
-              <a:t>tous les clients et le télétravailleur peuvent atteindre le server et l'imprimantes par leur adresse </a:t>
-            </a:r>
-            <a:r>
-              <a:rPr lang="fr-CH" dirty="0" smtClean="0"/>
-              <a:t>IP</a:t>
-            </a:r>
-          </a:p>
-          <a:p>
-            <a:r>
-              <a:rPr lang="fr-CH" dirty="0" smtClean="0"/>
-              <a:t>Déterminer le nombre maximal d'implémentations du schéma proposé qu'il est théoriquement possible de réaliser</a:t>
-            </a:r>
-            <a:endParaRPr lang="fr-CH" dirty="0"/>
-          </a:p>
-          <a:p>
+              <a:t>Phase 2</a:t>
+            </a:r>
             <a:endParaRPr lang="fr-CH" dirty="0"/>
           </a:p>
         </p:txBody>
@@ -12354,6 +12253,383 @@
             <a:fld id="{2FCD9DE2-19B8-4E75-A167-0E6B1D03D668}" type="slidenum">
               <a:rPr lang="fr-CH" smtClean="0"/>
               <a:t>11</a:t>
+            </a:fld>
+            <a:endParaRPr lang="fr-CH"/>
+          </a:p>
+        </p:txBody>
+      </p:sp>
+      <p:pic>
+        <p:nvPicPr>
+          <p:cNvPr id="8" name="Espace réservé du contenu 7"/>
+          <p:cNvPicPr>
+            <a:picLocks noGrp="1" noChangeAspect="1"/>
+          </p:cNvPicPr>
+          <p:nvPr>
+            <p:ph idx="1"/>
+          </p:nvPr>
+        </p:nvPicPr>
+        <p:blipFill>
+          <a:blip r:embed="rId2">
+            <a:extLst>
+              <a:ext uri="{28A0092B-C50C-407E-A947-70E740481C1C}">
+                <a14:useLocalDpi xmlns:a14="http://schemas.microsoft.com/office/drawing/2010/main" val="0"/>
+              </a:ext>
+            </a:extLst>
+          </a:blip>
+          <a:stretch>
+            <a:fillRect/>
+          </a:stretch>
+        </p:blipFill>
+        <p:spPr>
+          <a:xfrm>
+            <a:off x="1238801" y="1418304"/>
+            <a:ext cx="8219341" cy="5410200"/>
+          </a:xfrm>
+          <a:ln>
+            <a:solidFill>
+              <a:schemeClr val="accent4">
+                <a:lumMod val="75000"/>
+              </a:schemeClr>
+            </a:solidFill>
+          </a:ln>
+        </p:spPr>
+      </p:pic>
+    </p:spTree>
+    <p:extLst>
+      <p:ext uri="{BB962C8B-B14F-4D97-AF65-F5344CB8AC3E}">
+        <p14:creationId xmlns:p14="http://schemas.microsoft.com/office/powerpoint/2010/main" val="3900965896"/>
+      </p:ext>
+    </p:extLst>
+  </p:cSld>
+  <p:clrMapOvr>
+    <a:masterClrMapping/>
+  </p:clrMapOvr>
+  <p:timing>
+    <p:tnLst>
+      <p:par>
+        <p:cTn id="1" dur="indefinite" restart="never" nodeType="tmRoot"/>
+      </p:par>
+    </p:tnLst>
+  </p:timing>
+</p:sld>
+</file>
+
+<file path=ppt/slides/slide12.xml><?xml version="1.0" encoding="utf-8"?>
+<p:sld xmlns:a="http://schemas.openxmlformats.org/drawingml/2006/main" xmlns:r="http://schemas.openxmlformats.org/officeDocument/2006/relationships" xmlns:p="http://schemas.openxmlformats.org/presentationml/2006/main">
+  <p:cSld>
+    <p:spTree>
+      <p:nvGrpSpPr>
+        <p:cNvPr id="1" name=""/>
+        <p:cNvGrpSpPr/>
+        <p:nvPr/>
+      </p:nvGrpSpPr>
+      <p:grpSpPr>
+        <a:xfrm>
+          <a:off x="0" y="0"/>
+          <a:ext cx="0" cy="0"/>
+          <a:chOff x="0" y="0"/>
+          <a:chExt cx="0" cy="0"/>
+        </a:xfrm>
+      </p:grpSpPr>
+      <p:sp>
+        <p:nvSpPr>
+          <p:cNvPr id="2" name="Titre 1"/>
+          <p:cNvSpPr>
+            <a:spLocks noGrp="1"/>
+          </p:cNvSpPr>
+          <p:nvPr>
+            <p:ph type="title"/>
+          </p:nvPr>
+        </p:nvSpPr>
+        <p:spPr/>
+        <p:txBody>
+          <a:bodyPr/>
+          <a:lstStyle/>
+          <a:p>
+            <a:r>
+              <a:rPr lang="fr-CH" dirty="0" smtClean="0"/>
+              <a:t>Implémentation CPNV</a:t>
+            </a:r>
+            <a:endParaRPr lang="fr-CH" dirty="0"/>
+          </a:p>
+        </p:txBody>
+      </p:sp>
+      <p:sp>
+        <p:nvSpPr>
+          <p:cNvPr id="3" name="Espace réservé du contenu 2"/>
+          <p:cNvSpPr>
+            <a:spLocks noGrp="1"/>
+          </p:cNvSpPr>
+          <p:nvPr>
+            <p:ph idx="1"/>
+          </p:nvPr>
+        </p:nvSpPr>
+        <p:spPr/>
+        <p:txBody>
+          <a:bodyPr/>
+          <a:lstStyle/>
+          <a:p>
+            <a:endParaRPr lang="fr-CH"/>
+          </a:p>
+        </p:txBody>
+      </p:sp>
+      <p:sp>
+        <p:nvSpPr>
+          <p:cNvPr id="4" name="Espace réservé du pied de page 3"/>
+          <p:cNvSpPr>
+            <a:spLocks noGrp="1"/>
+          </p:cNvSpPr>
+          <p:nvPr>
+            <p:ph type="ftr" sz="quarter" idx="11"/>
+          </p:nvPr>
+        </p:nvSpPr>
+        <p:spPr/>
+        <p:txBody>
+          <a:bodyPr/>
+          <a:lstStyle/>
+          <a:p>
+            <a:r>
+              <a:rPr lang="fr-CH" dirty="0" smtClean="0"/>
+              <a:t>Damien Mayor</a:t>
+            </a:r>
+            <a:endParaRPr lang="fr-CH" dirty="0"/>
+          </a:p>
+        </p:txBody>
+      </p:sp>
+      <p:sp>
+        <p:nvSpPr>
+          <p:cNvPr id="5" name="Espace réservé du numéro de diapositive 4"/>
+          <p:cNvSpPr>
+            <a:spLocks noGrp="1"/>
+          </p:cNvSpPr>
+          <p:nvPr>
+            <p:ph type="sldNum" sz="quarter" idx="12"/>
+          </p:nvPr>
+        </p:nvSpPr>
+        <p:spPr/>
+        <p:txBody>
+          <a:bodyPr/>
+          <a:lstStyle/>
+          <a:p>
+            <a:fld id="{2FCD9DE2-19B8-4E75-A167-0E6B1D03D668}" type="slidenum">
+              <a:rPr lang="fr-CH" smtClean="0"/>
+              <a:t>12</a:t>
+            </a:fld>
+            <a:endParaRPr lang="fr-CH"/>
+          </a:p>
+        </p:txBody>
+      </p:sp>
+    </p:spTree>
+    <p:extLst>
+      <p:ext uri="{BB962C8B-B14F-4D97-AF65-F5344CB8AC3E}">
+        <p14:creationId xmlns:p14="http://schemas.microsoft.com/office/powerpoint/2010/main" val="1026835417"/>
+      </p:ext>
+    </p:extLst>
+  </p:cSld>
+  <p:clrMapOvr>
+    <a:masterClrMapping/>
+  </p:clrMapOvr>
+  <p:timing>
+    <p:tnLst>
+      <p:par>
+        <p:cTn id="1" dur="indefinite" restart="never" nodeType="tmRoot"/>
+      </p:par>
+    </p:tnLst>
+  </p:timing>
+</p:sld>
+</file>
+
+<file path=ppt/slides/slide13.xml><?xml version="1.0" encoding="utf-8"?>
+<p:sld xmlns:a="http://schemas.openxmlformats.org/drawingml/2006/main" xmlns:r="http://schemas.openxmlformats.org/officeDocument/2006/relationships" xmlns:p="http://schemas.openxmlformats.org/presentationml/2006/main">
+  <p:cSld>
+    <p:spTree>
+      <p:nvGrpSpPr>
+        <p:cNvPr id="1" name=""/>
+        <p:cNvGrpSpPr/>
+        <p:nvPr/>
+      </p:nvGrpSpPr>
+      <p:grpSpPr>
+        <a:xfrm>
+          <a:off x="0" y="0"/>
+          <a:ext cx="0" cy="0"/>
+          <a:chOff x="0" y="0"/>
+          <a:chExt cx="0" cy="0"/>
+        </a:xfrm>
+      </p:grpSpPr>
+      <p:sp>
+        <p:nvSpPr>
+          <p:cNvPr id="2" name="Titre 1"/>
+          <p:cNvSpPr>
+            <a:spLocks noGrp="1"/>
+          </p:cNvSpPr>
+          <p:nvPr>
+            <p:ph type="title"/>
+          </p:nvPr>
+        </p:nvSpPr>
+        <p:spPr/>
+        <p:txBody>
+          <a:bodyPr/>
+          <a:lstStyle/>
+          <a:p>
+            <a:r>
+              <a:rPr lang="fr-CH" dirty="0" smtClean="0"/>
+              <a:t>Points spécifiques</a:t>
+            </a:r>
+            <a:endParaRPr lang="fr-CH" dirty="0"/>
+          </a:p>
+        </p:txBody>
+      </p:sp>
+      <p:sp>
+        <p:nvSpPr>
+          <p:cNvPr id="3" name="Espace réservé du contenu 2"/>
+          <p:cNvSpPr>
+            <a:spLocks noGrp="1"/>
+          </p:cNvSpPr>
+          <p:nvPr>
+            <p:ph idx="1"/>
+          </p:nvPr>
+        </p:nvSpPr>
+        <p:spPr/>
+        <p:txBody>
+          <a:bodyPr/>
+          <a:lstStyle/>
+          <a:p>
+            <a:r>
+              <a:rPr lang="fr-CH" dirty="0" smtClean="0"/>
+              <a:t>Pertinence de l'implémentation du 1</a:t>
+            </a:r>
+            <a:r>
+              <a:rPr lang="fr-CH" baseline="30000" dirty="0" smtClean="0"/>
+              <a:t>er</a:t>
+            </a:r>
+            <a:r>
+              <a:rPr lang="fr-CH" dirty="0" smtClean="0"/>
+              <a:t> temps </a:t>
+            </a:r>
+          </a:p>
+          <a:p>
+            <a:r>
+              <a:rPr lang="fr-CH" dirty="0" smtClean="0"/>
+              <a:t>Pertinence de la partie "internet" du 1</a:t>
+            </a:r>
+            <a:r>
+              <a:rPr lang="fr-CH" baseline="30000" dirty="0" smtClean="0"/>
+              <a:t>er</a:t>
+            </a:r>
+            <a:r>
+              <a:rPr lang="fr-CH" dirty="0" smtClean="0"/>
+              <a:t> temps</a:t>
+            </a:r>
+          </a:p>
+          <a:p>
+            <a:r>
+              <a:rPr lang="fr-CH" dirty="0" smtClean="0"/>
+              <a:t>A la fin du 1</a:t>
+            </a:r>
+            <a:r>
+              <a:rPr lang="fr-CH" baseline="30000" dirty="0" smtClean="0"/>
+              <a:t>er</a:t>
+            </a:r>
+            <a:r>
+              <a:rPr lang="fr-CH" dirty="0" smtClean="0"/>
+              <a:t> temps : tous les clients et le télétravailleur peuvent atteindre le server et l'imprimantes par leur adresse IP</a:t>
+            </a:r>
+          </a:p>
+          <a:p>
+            <a:r>
+              <a:rPr lang="fr-CH" dirty="0" smtClean="0"/>
+              <a:t>Adressage IP conforme au schéma du CDC</a:t>
+            </a:r>
+          </a:p>
+          <a:p>
+            <a:r>
+              <a:rPr lang="fr-CH" dirty="0" smtClean="0"/>
+              <a:t>Pertinence de l'implémentation du 2</a:t>
+            </a:r>
+            <a:r>
+              <a:rPr lang="fr-CH" baseline="30000" dirty="0" smtClean="0"/>
+              <a:t>ème</a:t>
+            </a:r>
+            <a:r>
+              <a:rPr lang="fr-CH" dirty="0" smtClean="0"/>
+              <a:t> temps</a:t>
+            </a:r>
+          </a:p>
+          <a:p>
+            <a:r>
+              <a:rPr lang="fr-CH" dirty="0" smtClean="0"/>
+              <a:t>A la fin du 2</a:t>
+            </a:r>
+            <a:r>
+              <a:rPr lang="fr-CH" baseline="30000" dirty="0" smtClean="0"/>
+              <a:t>ème</a:t>
+            </a:r>
+            <a:r>
+              <a:rPr lang="fr-CH" dirty="0" smtClean="0"/>
+              <a:t> temps : </a:t>
+            </a:r>
+            <a:r>
+              <a:rPr lang="fr-CH" dirty="0"/>
+              <a:t>tous les clients et le télétravailleur peuvent atteindre le server et l'imprimantes par leur adresse </a:t>
+            </a:r>
+            <a:r>
+              <a:rPr lang="fr-CH" dirty="0" smtClean="0"/>
+              <a:t>IP</a:t>
+            </a:r>
+          </a:p>
+          <a:p>
+            <a:r>
+              <a:rPr lang="fr-CH" dirty="0" smtClean="0"/>
+              <a:t>Déterminer le nombre maximal d'implémentations du schéma proposé qu'il est théoriquement possible de réaliser</a:t>
+            </a:r>
+            <a:endParaRPr lang="fr-CH" dirty="0"/>
+          </a:p>
+          <a:p>
+            <a:endParaRPr lang="fr-CH" dirty="0"/>
+          </a:p>
+        </p:txBody>
+      </p:sp>
+      <p:sp>
+        <p:nvSpPr>
+          <p:cNvPr id="4" name="Espace réservé du pied de page 3"/>
+          <p:cNvSpPr>
+            <a:spLocks noGrp="1"/>
+          </p:cNvSpPr>
+          <p:nvPr>
+            <p:ph type="ftr" sz="quarter" idx="11"/>
+          </p:nvPr>
+        </p:nvSpPr>
+        <p:spPr/>
+        <p:txBody>
+          <a:bodyPr/>
+          <a:lstStyle/>
+          <a:p>
+            <a:r>
+              <a:rPr lang="fr-CH" dirty="0" smtClean="0"/>
+              <a:t>Damien Mayor</a:t>
+            </a:r>
+            <a:endParaRPr lang="fr-CH" dirty="0"/>
+          </a:p>
+        </p:txBody>
+      </p:sp>
+      <p:sp>
+        <p:nvSpPr>
+          <p:cNvPr id="5" name="Espace réservé du numéro de diapositive 4"/>
+          <p:cNvSpPr>
+            <a:spLocks noGrp="1"/>
+          </p:cNvSpPr>
+          <p:nvPr>
+            <p:ph type="sldNum" sz="quarter" idx="12"/>
+          </p:nvPr>
+        </p:nvSpPr>
+        <p:spPr/>
+        <p:txBody>
+          <a:bodyPr/>
+          <a:lstStyle/>
+          <a:p>
+            <a:fld id="{2FCD9DE2-19B8-4E75-A167-0E6B1D03D668}" type="slidenum">
+              <a:rPr lang="fr-CH" smtClean="0"/>
+              <a:t>13</a:t>
             </a:fld>
             <a:endParaRPr lang="fr-CH"/>
           </a:p>
@@ -12642,10 +12918,17 @@
   <p:clrMapOvr>
     <a:masterClrMapping/>
   </p:clrMapOvr>
+  <p:timing>
+    <p:tnLst>
+      <p:par>
+        <p:cTn id="1" dur="indefinite" restart="never" nodeType="tmRoot"/>
+      </p:par>
+    </p:tnLst>
+  </p:timing>
 </p:sld>
 </file>
 
-<file path=ppt/slides/slide12.xml><?xml version="1.0" encoding="utf-8"?>
+<file path=ppt/slides/slide14.xml><?xml version="1.0" encoding="utf-8"?>
 <p:sld xmlns:a="http://schemas.openxmlformats.org/drawingml/2006/main" xmlns:r="http://schemas.openxmlformats.org/officeDocument/2006/relationships" xmlns:p="http://schemas.openxmlformats.org/presentationml/2006/main">
   <p:cSld>
     <p:spTree>
@@ -12793,7 +13076,6 @@
               <a:rPr lang="fr-CH" dirty="0" smtClean="0"/>
               <a:t>Intégration complète dans le module 146</a:t>
             </a:r>
-            <a:endParaRPr lang="fr-CH" dirty="0" smtClean="0"/>
           </a:p>
           <a:p>
             <a:endParaRPr lang="fr-CH" dirty="0" smtClean="0"/>
@@ -12853,7 +13135,7 @@
                   </a:outerShdw>
                 </a:effectLst>
               </a:rPr>
-              <a:t>12</a:t>
+              <a:t>14</a:t>
             </a:fld>
             <a:endParaRPr lang="fr-CH" dirty="0">
               <a:solidFill>
@@ -12878,7 +13160,7 @@
         </p:nvCxnSpPr>
         <p:spPr>
           <a:xfrm>
-            <a:off x="2895600" y="5029196"/>
+            <a:off x="2895600" y="5048446"/>
             <a:ext cx="832338" cy="0"/>
           </a:xfrm>
           <a:prstGeom prst="straightConnector1">
@@ -12916,7 +13198,7 @@
 </p:sld>
 </file>
 
-<file path=ppt/slides/slide13.xml><?xml version="1.0" encoding="utf-8"?>
+<file path=ppt/slides/slide15.xml><?xml version="1.0" encoding="utf-8"?>
 <p:sld xmlns:a="http://schemas.openxmlformats.org/drawingml/2006/main" xmlns:r="http://schemas.openxmlformats.org/officeDocument/2006/relationships" xmlns:p="http://schemas.openxmlformats.org/presentationml/2006/main">
   <p:cSld>
     <p:spTree>
@@ -13013,7 +13295,7 @@
                   </a:outerShdw>
                 </a:effectLst>
               </a:rPr>
-              <a:t>13</a:t>
+              <a:t>15</a:t>
             </a:fld>
             <a:endParaRPr lang="fr-CH" dirty="0">
               <a:solidFill>
@@ -13355,7 +13637,7 @@
 </p:sld>
 </file>
 
-<file path=ppt/slides/slide14.xml><?xml version="1.0" encoding="utf-8"?>
+<file path=ppt/slides/slide16.xml><?xml version="1.0" encoding="utf-8"?>
 <p:sld xmlns:a="http://schemas.openxmlformats.org/drawingml/2006/main" xmlns:r="http://schemas.openxmlformats.org/officeDocument/2006/relationships" xmlns:p="http://schemas.openxmlformats.org/presentationml/2006/main">
   <p:cSld>
     <p:spTree>
@@ -13452,7 +13734,7 @@
                   </a:outerShdw>
                 </a:effectLst>
               </a:rPr>
-              <a:t>14</a:t>
+              <a:t>16</a:t>
             </a:fld>
             <a:endParaRPr lang="fr-CH" dirty="0">
               <a:solidFill>
@@ -13564,7 +13846,7 @@
 </p:sld>
 </file>
 
-<file path=ppt/slides/slide15.xml><?xml version="1.0" encoding="utf-8"?>
+<file path=ppt/slides/slide17.xml><?xml version="1.0" encoding="utf-8"?>
 <p:sld xmlns:a="http://schemas.openxmlformats.org/drawingml/2006/main" xmlns:r="http://schemas.openxmlformats.org/officeDocument/2006/relationships" xmlns:p="http://schemas.openxmlformats.org/presentationml/2006/main">
   <p:cSld>
     <p:spTree>
@@ -13682,7 +13964,7 @@
           <a:p>
             <a:fld id="{2FCD9DE2-19B8-4E75-A167-0E6B1D03D668}" type="slidenum">
               <a:rPr lang="fr-CH" smtClean="0"/>
-              <a:t>15</a:t>
+              <a:t>17</a:t>
             </a:fld>
             <a:endParaRPr lang="fr-CH"/>
           </a:p>
@@ -13701,7 +13983,7 @@
 </p:sld>
 </file>
 
-<file path=ppt/slides/slide16.xml><?xml version="1.0" encoding="utf-8"?>
+<file path=ppt/slides/slide18.xml><?xml version="1.0" encoding="utf-8"?>
 <p:sld xmlns:a="http://schemas.openxmlformats.org/drawingml/2006/main" xmlns:r="http://schemas.openxmlformats.org/officeDocument/2006/relationships" xmlns:p="http://schemas.openxmlformats.org/presentationml/2006/main">
   <p:cSld>
     <p:spTree>
@@ -13791,7 +14073,7 @@
           <a:p>
             <a:fld id="{2FCD9DE2-19B8-4E75-A167-0E6B1D03D668}" type="slidenum">
               <a:rPr lang="fr-CH" smtClean="0"/>
-              <a:t>16</a:t>
+              <a:t>18</a:t>
             </a:fld>
             <a:endParaRPr lang="fr-CH"/>
           </a:p>
@@ -13807,7 +14089,7 @@
             <p:ph idx="1"/>
           </p:nvPr>
         </p:nvPicPr>
-        <p:blipFill>
+        <p:blipFill rotWithShape="1">
           <a:blip r:embed="rId2" cstate="print">
             <a:extLst>
               <a:ext uri="{28A0092B-C50C-407E-A947-70E740481C1C}">
@@ -13815,14 +14097,13 @@
               </a:ext>
             </a:extLst>
           </a:blip>
-          <a:stretch>
-            <a:fillRect/>
-          </a:stretch>
+          <a:srcRect b="13802"/>
+          <a:stretch/>
         </p:blipFill>
         <p:spPr>
           <a:xfrm>
             <a:off x="4134337" y="2052638"/>
-            <a:ext cx="2885101" cy="4195762"/>
+            <a:ext cx="2885101" cy="3616642"/>
           </a:xfrm>
         </p:spPr>
       </p:pic>
@@ -15491,7 +15772,6 @@
               <a:rPr lang="fr-CH" dirty="0"/>
               <a:t>Damien Mayor</a:t>
             </a:r>
-            <a:endParaRPr lang="fr-CH" dirty="0"/>
           </a:p>
         </p:txBody>
       </p:sp>
@@ -15795,7 +16075,7 @@
           <p:nvPr>
             <p:extLst>
               <p:ext uri="{D42A27DB-BD31-4B8C-83A1-F6EECF244321}">
-                <p14:modId xmlns:p14="http://schemas.microsoft.com/office/powerpoint/2010/main" val="2367381450"/>
+                <p14:modId xmlns:p14="http://schemas.microsoft.com/office/powerpoint/2010/main" val="111269744"/>
               </p:ext>
             </p:extLst>
           </p:nvPr>
@@ -15938,6 +16218,13 @@
   <p:clrMapOvr>
     <a:masterClrMapping/>
   </p:clrMapOvr>
+  <p:timing>
+    <p:tnLst>
+      <p:par>
+        <p:cTn id="1" dur="indefinite" restart="never" nodeType="tmRoot"/>
+      </p:par>
+    </p:tnLst>
+  </p:timing>
 </p:sld>
 </file>
 
@@ -15975,28 +16262,9 @@
           <a:p>
             <a:r>
               <a:rPr lang="fr-CH" dirty="0" smtClean="0"/>
-              <a:t>Site à site</a:t>
+              <a:t>Phase 1</a:t>
             </a:r>
             <a:endParaRPr lang="fr-CH" dirty="0"/>
-          </a:p>
-        </p:txBody>
-      </p:sp>
-      <p:sp>
-        <p:nvSpPr>
-          <p:cNvPr id="3" name="Espace réservé du contenu 2"/>
-          <p:cNvSpPr>
-            <a:spLocks noGrp="1"/>
-          </p:cNvSpPr>
-          <p:nvPr>
-            <p:ph idx="1"/>
-          </p:nvPr>
-        </p:nvSpPr>
-        <p:spPr/>
-        <p:txBody>
-          <a:bodyPr/>
-          <a:lstStyle/>
-          <a:p>
-            <a:endParaRPr lang="fr-CH"/>
           </a:p>
         </p:txBody>
       </p:sp>
@@ -16046,16 +16314,59 @@
           </a:p>
         </p:txBody>
       </p:sp>
+      <p:pic>
+        <p:nvPicPr>
+          <p:cNvPr id="8" name="Espace réservé du contenu 7"/>
+          <p:cNvPicPr>
+            <a:picLocks noGrp="1" noChangeAspect="1"/>
+          </p:cNvPicPr>
+          <p:nvPr>
+            <p:ph idx="1"/>
+          </p:nvPr>
+        </p:nvPicPr>
+        <p:blipFill>
+          <a:blip r:embed="rId2">
+            <a:extLst>
+              <a:ext uri="{28A0092B-C50C-407E-A947-70E740481C1C}">
+                <a14:useLocalDpi xmlns:a14="http://schemas.microsoft.com/office/drawing/2010/main" val="0"/>
+              </a:ext>
+            </a:extLst>
+          </a:blip>
+          <a:stretch>
+            <a:fillRect/>
+          </a:stretch>
+        </p:blipFill>
+        <p:spPr>
+          <a:xfrm>
+            <a:off x="1409243" y="1418304"/>
+            <a:ext cx="7878457" cy="5423632"/>
+          </a:xfrm>
+          <a:ln>
+            <a:solidFill>
+              <a:schemeClr val="accent4">
+                <a:lumMod val="75000"/>
+              </a:schemeClr>
+            </a:solidFill>
+          </a:ln>
+        </p:spPr>
+      </p:pic>
     </p:spTree>
     <p:extLst>
       <p:ext uri="{BB962C8B-B14F-4D97-AF65-F5344CB8AC3E}">
-        <p14:creationId xmlns:p14="http://schemas.microsoft.com/office/powerpoint/2010/main" val="173640064"/>
+        <p14:creationId xmlns:p14="http://schemas.microsoft.com/office/powerpoint/2010/main" val="1013049900"/>
       </p:ext>
     </p:extLst>
   </p:cSld>
   <p:clrMapOvr>
     <a:masterClrMapping/>
   </p:clrMapOvr>
+  <p:timing>
+    <p:tnLst>
+      <p:par>
+        <p:cTn id="1" dur="indefinite" restart="never" nodeType="tmRoot"/>
+      </p:par>
+    </p:tnLst>
+  </p:timing>
 </p:sld>
 </file>
 
@@ -16093,7 +16404,7 @@
           <a:p>
             <a:r>
               <a:rPr lang="fr-CH" dirty="0" smtClean="0"/>
-              <a:t>Client à site</a:t>
+              <a:t>Site à site</a:t>
             </a:r>
             <a:endParaRPr lang="fr-CH" dirty="0"/>
           </a:p>
@@ -16167,13 +16478,20 @@
     </p:spTree>
     <p:extLst>
       <p:ext uri="{BB962C8B-B14F-4D97-AF65-F5344CB8AC3E}">
-        <p14:creationId xmlns:p14="http://schemas.microsoft.com/office/powerpoint/2010/main" val="32687155"/>
+        <p14:creationId xmlns:p14="http://schemas.microsoft.com/office/powerpoint/2010/main" val="173640064"/>
       </p:ext>
     </p:extLst>
   </p:cSld>
   <p:clrMapOvr>
     <a:masterClrMapping/>
   </p:clrMapOvr>
+  <p:timing>
+    <p:tnLst>
+      <p:par>
+        <p:cTn id="1" dur="indefinite" restart="never" nodeType="tmRoot"/>
+      </p:par>
+    </p:tnLst>
+  </p:timing>
 </p:sld>
 </file>
 

--- a/Présentation/Présentation TPI DMA.pptx
+++ b/Présentation/Présentation TPI DMA.pptx
@@ -5,7 +5,7 @@
     <p:sldMasterId id="2147483802" r:id="rId1"/>
   </p:sldMasterIdLst>
   <p:notesMasterIdLst>
-    <p:notesMasterId r:id="rId20"/>
+    <p:notesMasterId r:id="rId21"/>
   </p:notesMasterIdLst>
   <p:sldIdLst>
     <p:sldId id="256" r:id="rId2"/>
@@ -15,17 +15,18 @@
     <p:sldId id="260" r:id="rId6"/>
     <p:sldId id="261" r:id="rId7"/>
     <p:sldId id="281" r:id="rId8"/>
-    <p:sldId id="286" r:id="rId9"/>
-    <p:sldId id="282" r:id="rId10"/>
-    <p:sldId id="283" r:id="rId11"/>
-    <p:sldId id="285" r:id="rId12"/>
-    <p:sldId id="284" r:id="rId13"/>
-    <p:sldId id="280" r:id="rId14"/>
-    <p:sldId id="262" r:id="rId15"/>
-    <p:sldId id="263" r:id="rId16"/>
-    <p:sldId id="264" r:id="rId17"/>
-    <p:sldId id="272" r:id="rId18"/>
-    <p:sldId id="277" r:id="rId19"/>
+    <p:sldId id="287" r:id="rId9"/>
+    <p:sldId id="286" r:id="rId10"/>
+    <p:sldId id="282" r:id="rId11"/>
+    <p:sldId id="283" r:id="rId12"/>
+    <p:sldId id="285" r:id="rId13"/>
+    <p:sldId id="284" r:id="rId14"/>
+    <p:sldId id="280" r:id="rId15"/>
+    <p:sldId id="262" r:id="rId16"/>
+    <p:sldId id="263" r:id="rId17"/>
+    <p:sldId id="264" r:id="rId18"/>
+    <p:sldId id="272" r:id="rId19"/>
+    <p:sldId id="277" r:id="rId20"/>
   </p:sldIdLst>
   <p:sldSz cx="12192000" cy="6858000"/>
   <p:notesSz cx="6858000" cy="9144000"/>
@@ -135,7 +136,7 @@
 <file path=ppt/charts/chart1.xml><?xml version="1.0" encoding="utf-8"?>
 <c:chartSpace xmlns:c="http://schemas.openxmlformats.org/drawingml/2006/chart" xmlns:a="http://schemas.openxmlformats.org/drawingml/2006/main" xmlns:r="http://schemas.openxmlformats.org/officeDocument/2006/relationships" xmlns:c16r2="http://schemas.microsoft.com/office/drawing/2015/06/chart">
   <c:date1904 val="0"/>
-  <c:lang val="fr-FR"/>
+  <c:lang val="en-GB"/>
   <c:roundedCorners val="0"/>
   <mc:AlternateContent xmlns:mc="http://schemas.openxmlformats.org/markup-compatibility/2006">
     <mc:Choice xmlns:c14="http://schemas.microsoft.com/office/drawing/2007/8/2/chart" Requires="c14">
@@ -147,7 +148,6 @@
   </mc:AlternateContent>
   <c:chart>
     <c:title>
-      <c:layout/>
       <c:overlay val="0"/>
       <c:spPr>
         <a:noFill/>
@@ -179,7 +179,7 @@
               <a:cs typeface="+mn-cs"/>
             </a:defRPr>
           </a:pPr>
-          <a:endParaRPr lang="fr-FR"/>
+          <a:endParaRPr lang="en-CH"/>
         </a:p>
       </c:txPr>
     </c:title>
@@ -502,7 +502,7 @@
               <a:lstStyle/>
               <a:p>
                 <a:pPr>
-                  <a:defRPr sz="900" b="0" i="0" u="none" strike="noStrike" kern="1200" baseline="0">
+                  <a:defRPr sz="1200" b="0" i="0" u="none" strike="noStrike" kern="1200" baseline="0">
                     <a:solidFill>
                       <a:schemeClr val="lt1">
                         <a:lumMod val="85000"/>
@@ -513,7 +513,7 @@
                     <a:cs typeface="+mn-cs"/>
                   </a:defRPr>
                 </a:pPr>
-                <a:endParaRPr lang="fr-FR"/>
+                <a:endParaRPr lang="en-CH"/>
               </a:p>
             </c:txPr>
             <c:showLegendKey val="0"/>
@@ -537,9 +537,7 @@
               </c:spPr>
             </c:leaderLines>
             <c:extLst>
-              <c:ext xmlns:c15="http://schemas.microsoft.com/office/drawing/2012/chart" uri="{CE6537A1-D6FC-4f65-9D91-7224C49458BB}">
-                <c15:layout/>
-              </c:ext>
+              <c:ext xmlns:c15="http://schemas.microsoft.com/office/drawing/2012/chart" uri="{CE6537A1-D6FC-4f65-9D91-7224C49458BB}"/>
             </c:extLst>
           </c:dLbls>
           <c:cat>
@@ -620,10 +618,10 @@
         <c:manualLayout>
           <c:xMode val="edge"/>
           <c:yMode val="edge"/>
-          <c:x val="0.12228324584426947"/>
+          <c:x val="0"/>
           <c:y val="0.74843503937007871"/>
-          <c:w val="0.87487795275590552"/>
-          <c:h val="0.2237871828521435"/>
+          <c:w val="0.99987795275590552"/>
+          <c:h val="0.25156496062992129"/>
         </c:manualLayout>
       </c:layout>
       <c:overlay val="0"/>
@@ -639,7 +637,7 @@
         <a:lstStyle/>
         <a:p>
           <a:pPr>
-            <a:defRPr sz="900" b="0" i="0" u="none" strike="noStrike" kern="1200" baseline="0">
+            <a:defRPr sz="1200" b="0" i="0" u="none" strike="noStrike" kern="1200" baseline="0">
               <a:solidFill>
                 <a:schemeClr val="lt1">
                   <a:lumMod val="85000"/>
@@ -650,7 +648,7 @@
               <a:cs typeface="+mn-cs"/>
             </a:defRPr>
           </a:pPr>
-          <a:endParaRPr lang="fr-FR"/>
+          <a:endParaRPr lang="en-CH"/>
         </a:p>
       </c:txPr>
     </c:legend>
@@ -691,7 +689,7 @@
       <a:pPr>
         <a:defRPr/>
       </a:pPr>
-      <a:endParaRPr lang="fr-FR"/>
+      <a:endParaRPr lang="en-CH"/>
     </a:p>
   </c:txPr>
   <c:externalData r:id="rId3">
@@ -703,7 +701,7 @@
 <file path=ppt/charts/chart2.xml><?xml version="1.0" encoding="utf-8"?>
 <c:chartSpace xmlns:c="http://schemas.openxmlformats.org/drawingml/2006/chart" xmlns:a="http://schemas.openxmlformats.org/drawingml/2006/main" xmlns:r="http://schemas.openxmlformats.org/officeDocument/2006/relationships" xmlns:c16r2="http://schemas.microsoft.com/office/drawing/2015/06/chart">
   <c:date1904 val="0"/>
-  <c:lang val="fr-FR"/>
+  <c:lang val="en-GB"/>
   <c:roundedCorners val="0"/>
   <mc:AlternateContent xmlns:mc="http://schemas.openxmlformats.org/markup-compatibility/2006">
     <mc:Choice xmlns:c14="http://schemas.microsoft.com/office/drawing/2007/8/2/chart" Requires="c14">
@@ -715,7 +713,6 @@
   </mc:AlternateContent>
   <c:chart>
     <c:title>
-      <c:layout/>
       <c:overlay val="0"/>
       <c:spPr>
         <a:noFill/>
@@ -747,7 +744,7 @@
               <a:cs typeface="+mn-cs"/>
             </a:defRPr>
           </a:pPr>
-          <a:endParaRPr lang="fr-FR"/>
+          <a:endParaRPr lang="en-CH"/>
         </a:p>
       </c:txPr>
     </c:title>
@@ -1070,7 +1067,7 @@
               <a:lstStyle/>
               <a:p>
                 <a:pPr>
-                  <a:defRPr sz="900" b="0" i="0" u="none" strike="noStrike" kern="1200" baseline="0">
+                  <a:defRPr sz="1200" b="0" i="0" u="none" strike="noStrike" kern="1200" baseline="0">
                     <a:solidFill>
                       <a:schemeClr val="lt1">
                         <a:lumMod val="85000"/>
@@ -1081,7 +1078,7 @@
                     <a:cs typeface="+mn-cs"/>
                   </a:defRPr>
                 </a:pPr>
-                <a:endParaRPr lang="fr-FR"/>
+                <a:endParaRPr lang="en-CH"/>
               </a:p>
             </c:txPr>
             <c:showLegendKey val="0"/>
@@ -1105,9 +1102,7 @@
               </c:spPr>
             </c:leaderLines>
             <c:extLst>
-              <c:ext xmlns:c15="http://schemas.microsoft.com/office/drawing/2012/chart" uri="{CE6537A1-D6FC-4f65-9D91-7224C49458BB}">
-                <c15:layout/>
-              </c:ext>
+              <c:ext xmlns:c15="http://schemas.microsoft.com/office/drawing/2012/chart" uri="{CE6537A1-D6FC-4f65-9D91-7224C49458BB}"/>
             </c:extLst>
           </c:dLbls>
           <c:cat>
@@ -1188,10 +1183,10 @@
         <c:manualLayout>
           <c:xMode val="edge"/>
           <c:yMode val="edge"/>
-          <c:x val="0.12228324584426947"/>
+          <c:x val="6.1023622047251526E-5"/>
           <c:y val="0.74843503937007871"/>
-          <c:w val="0.87765573053368318"/>
-          <c:h val="0.2237871828521435"/>
+          <c:w val="0.99987795275590552"/>
+          <c:h val="0.25156496062992129"/>
         </c:manualLayout>
       </c:layout>
       <c:overlay val="0"/>
@@ -1207,7 +1202,7 @@
         <a:lstStyle/>
         <a:p>
           <a:pPr>
-            <a:defRPr sz="900" b="0" i="0" u="none" strike="noStrike" kern="1200" baseline="0">
+            <a:defRPr sz="1200" b="0" i="0" u="none" strike="noStrike" kern="1200" baseline="0">
               <a:solidFill>
                 <a:schemeClr val="lt1">
                   <a:lumMod val="85000"/>
@@ -1218,7 +1213,7 @@
               <a:cs typeface="+mn-cs"/>
             </a:defRPr>
           </a:pPr>
-          <a:endParaRPr lang="fr-FR"/>
+          <a:endParaRPr lang="en-CH"/>
         </a:p>
       </c:txPr>
     </c:legend>
@@ -1259,7 +1254,7 @@
       <a:pPr>
         <a:defRPr/>
       </a:pPr>
-      <a:endParaRPr lang="fr-FR"/>
+      <a:endParaRPr lang="en-CH"/>
     </a:p>
   </c:txPr>
   <c:externalData r:id="rId3">
@@ -3109,10 +3104,9 @@
         <a:lstStyle/>
         <a:p>
           <a:r>
-            <a:rPr lang="fr-FR" dirty="0" smtClean="0"/>
+            <a:rPr lang="fr-FR" dirty="0"/>
             <a:t>Mise en place infrastructure</a:t>
           </a:r>
-          <a:endParaRPr lang="fr-FR" dirty="0"/>
         </a:p>
       </dgm:t>
     </dgm:pt>
@@ -3146,10 +3140,9 @@
         <a:lstStyle/>
         <a:p>
           <a:r>
-            <a:rPr lang="fr-FR" dirty="0" smtClean="0"/>
+            <a:rPr lang="fr-FR" dirty="0"/>
             <a:t>Site à site</a:t>
           </a:r>
-          <a:endParaRPr lang="fr-FR" dirty="0"/>
         </a:p>
       </dgm:t>
     </dgm:pt>
@@ -3183,10 +3176,9 @@
         <a:lstStyle/>
         <a:p>
           <a:r>
-            <a:rPr lang="fr-FR" dirty="0" smtClean="0"/>
+            <a:rPr lang="fr-FR" dirty="0"/>
             <a:t>Client à site</a:t>
           </a:r>
-          <a:endParaRPr lang="fr-FR" dirty="0"/>
         </a:p>
       </dgm:t>
     </dgm:pt>
@@ -3220,10 +3212,9 @@
         <a:lstStyle/>
         <a:p>
           <a:r>
-            <a:rPr lang="fr-FR" dirty="0" smtClean="0"/>
+            <a:rPr lang="fr-FR" dirty="0"/>
             <a:t>Implémentation CPNV</a:t>
           </a:r>
-          <a:endParaRPr lang="fr-FR" dirty="0"/>
         </a:p>
       </dgm:t>
     </dgm:pt>
@@ -3257,13 +3248,6 @@
         </dgm:presLayoutVars>
       </dgm:prSet>
       <dgm:spPr/>
-      <dgm:t>
-        <a:bodyPr/>
-        <a:lstStyle/>
-        <a:p>
-          <a:endParaRPr lang="fr-FR"/>
-        </a:p>
-      </dgm:t>
     </dgm:pt>
     <dgm:pt modelId="{3A86777D-9C32-43F0-96C5-2398967F9739}" type="pres">
       <dgm:prSet presAssocID="{EA1688D4-ED0E-4304-BF0D-89638AFE6B44}" presName="cycle" presStyleCnt="0"/>
@@ -3276,24 +3260,10 @@
         </dgm:presLayoutVars>
       </dgm:prSet>
       <dgm:spPr/>
-      <dgm:t>
-        <a:bodyPr/>
-        <a:lstStyle/>
-        <a:p>
-          <a:endParaRPr lang="fr-FR"/>
-        </a:p>
-      </dgm:t>
     </dgm:pt>
     <dgm:pt modelId="{740CB5E6-3FF8-4F1F-A87E-72327F376AB9}" type="pres">
       <dgm:prSet presAssocID="{90E0AF03-BD3C-4ED5-AD59-1E5FAE52C330}" presName="sibTransFirstNode" presStyleLbl="bgShp" presStyleIdx="0" presStyleCnt="1"/>
       <dgm:spPr/>
-      <dgm:t>
-        <a:bodyPr/>
-        <a:lstStyle/>
-        <a:p>
-          <a:endParaRPr lang="fr-FR"/>
-        </a:p>
-      </dgm:t>
     </dgm:pt>
     <dgm:pt modelId="{B2A27D1C-9F3E-44F7-A758-1F6DD702645B}" type="pres">
       <dgm:prSet presAssocID="{DF5153A3-2EAA-4940-B6E4-BCB20A9208F8}" presName="nodeFollowingNodes" presStyleLbl="node1" presStyleIdx="1" presStyleCnt="4">
@@ -3302,13 +3272,6 @@
         </dgm:presLayoutVars>
       </dgm:prSet>
       <dgm:spPr/>
-      <dgm:t>
-        <a:bodyPr/>
-        <a:lstStyle/>
-        <a:p>
-          <a:endParaRPr lang="fr-FR"/>
-        </a:p>
-      </dgm:t>
     </dgm:pt>
     <dgm:pt modelId="{861AD677-3874-4930-9B96-7D827FBAC34E}" type="pres">
       <dgm:prSet presAssocID="{48DFB929-3D3F-4DC3-8682-1D4194FD31A8}" presName="nodeFollowingNodes" presStyleLbl="node1" presStyleIdx="2" presStyleCnt="4">
@@ -3317,13 +3280,6 @@
         </dgm:presLayoutVars>
       </dgm:prSet>
       <dgm:spPr/>
-      <dgm:t>
-        <a:bodyPr/>
-        <a:lstStyle/>
-        <a:p>
-          <a:endParaRPr lang="fr-FR"/>
-        </a:p>
-      </dgm:t>
     </dgm:pt>
     <dgm:pt modelId="{814FC475-AB1B-4D7D-8139-5660275FB348}" type="pres">
       <dgm:prSet presAssocID="{50D16FB3-65E5-4AFF-AC48-8AB29ED6C424}" presName="nodeFollowingNodes" presStyleLbl="node1" presStyleIdx="3" presStyleCnt="4">
@@ -3332,26 +3288,19 @@
         </dgm:presLayoutVars>
       </dgm:prSet>
       <dgm:spPr/>
-      <dgm:t>
-        <a:bodyPr/>
-        <a:lstStyle/>
-        <a:p>
-          <a:endParaRPr lang="fr-FR"/>
-        </a:p>
-      </dgm:t>
     </dgm:pt>
   </dgm:ptLst>
   <dgm:cxnLst>
+    <dgm:cxn modelId="{D815DC02-983E-48C3-B1D6-20DF7881CFC7}" type="presOf" srcId="{DF5153A3-2EAA-4940-B6E4-BCB20A9208F8}" destId="{B2A27D1C-9F3E-44F7-A758-1F6DD702645B}" srcOrd="0" destOrd="0" presId="urn:microsoft.com/office/officeart/2005/8/layout/cycle3"/>
+    <dgm:cxn modelId="{EC57D116-8840-4263-825E-2CA5EDDD3C68}" srcId="{EA1688D4-ED0E-4304-BF0D-89638AFE6B44}" destId="{9B7FAA97-EA17-46D4-85F0-505BC508118F}" srcOrd="0" destOrd="0" parTransId="{02FBA34E-9628-408A-9159-E500FF88A050}" sibTransId="{90E0AF03-BD3C-4ED5-AD59-1E5FAE52C330}"/>
+    <dgm:cxn modelId="{C3186E20-C87E-4992-B7F5-EC681BA0F2F9}" type="presOf" srcId="{48DFB929-3D3F-4DC3-8682-1D4194FD31A8}" destId="{861AD677-3874-4930-9B96-7D827FBAC34E}" srcOrd="0" destOrd="0" presId="urn:microsoft.com/office/officeart/2005/8/layout/cycle3"/>
+    <dgm:cxn modelId="{123C282B-A3EB-46D1-A797-87E3ADAA1EA7}" type="presOf" srcId="{EA1688D4-ED0E-4304-BF0D-89638AFE6B44}" destId="{70EEF79A-48E3-49B3-AAE5-28CFD967F923}" srcOrd="0" destOrd="0" presId="urn:microsoft.com/office/officeart/2005/8/layout/cycle3"/>
+    <dgm:cxn modelId="{75CB994A-2E32-4DB8-A692-BC9238BB1006}" type="presOf" srcId="{50D16FB3-65E5-4AFF-AC48-8AB29ED6C424}" destId="{814FC475-AB1B-4D7D-8139-5660275FB348}" srcOrd="0" destOrd="0" presId="urn:microsoft.com/office/officeart/2005/8/layout/cycle3"/>
     <dgm:cxn modelId="{1F94EBA9-D166-45EC-ACD7-94EDC709FFBC}" srcId="{EA1688D4-ED0E-4304-BF0D-89638AFE6B44}" destId="{50D16FB3-65E5-4AFF-AC48-8AB29ED6C424}" srcOrd="3" destOrd="0" parTransId="{4710D227-21D6-4DC8-AAE7-F122461E03D4}" sibTransId="{85F8DB90-6D6F-4C57-AFB6-63C3FBB55161}"/>
+    <dgm:cxn modelId="{4202C5AE-9B42-4458-8F81-D0B68CA91AAA}" srcId="{EA1688D4-ED0E-4304-BF0D-89638AFE6B44}" destId="{48DFB929-3D3F-4DC3-8682-1D4194FD31A8}" srcOrd="2" destOrd="0" parTransId="{7DA58654-5EC8-4EF8-BCCF-D3BEE0604084}" sibTransId="{A0785AF5-018B-41D5-BCD9-3B1B42C2D0C3}"/>
+    <dgm:cxn modelId="{30DF51B2-17A6-45C5-ABA3-4E85FE2FF461}" type="presOf" srcId="{9B7FAA97-EA17-46D4-85F0-505BC508118F}" destId="{F8AD9F3E-71E6-40FC-B6BF-788AD850B686}" srcOrd="0" destOrd="0" presId="urn:microsoft.com/office/officeart/2005/8/layout/cycle3"/>
     <dgm:cxn modelId="{6840FCB8-4D4C-4FCE-8594-6AA55B679E45}" type="presOf" srcId="{90E0AF03-BD3C-4ED5-AD59-1E5FAE52C330}" destId="{740CB5E6-3FF8-4F1F-A87E-72327F376AB9}" srcOrd="0" destOrd="0" presId="urn:microsoft.com/office/officeart/2005/8/layout/cycle3"/>
-    <dgm:cxn modelId="{30DF51B2-17A6-45C5-ABA3-4E85FE2FF461}" type="presOf" srcId="{9B7FAA97-EA17-46D4-85F0-505BC508118F}" destId="{F8AD9F3E-71E6-40FC-B6BF-788AD850B686}" srcOrd="0" destOrd="0" presId="urn:microsoft.com/office/officeart/2005/8/layout/cycle3"/>
     <dgm:cxn modelId="{600B2ADA-B414-4A53-9BF8-8739C9D70B74}" srcId="{EA1688D4-ED0E-4304-BF0D-89638AFE6B44}" destId="{DF5153A3-2EAA-4940-B6E4-BCB20A9208F8}" srcOrd="1" destOrd="0" parTransId="{61E4273A-5DBD-4B7B-9FC1-6DA275BD364D}" sibTransId="{52C51974-5239-4F4C-A888-B3CFA7CDBBE1}"/>
-    <dgm:cxn modelId="{123C282B-A3EB-46D1-A797-87E3ADAA1EA7}" type="presOf" srcId="{EA1688D4-ED0E-4304-BF0D-89638AFE6B44}" destId="{70EEF79A-48E3-49B3-AAE5-28CFD967F923}" srcOrd="0" destOrd="0" presId="urn:microsoft.com/office/officeart/2005/8/layout/cycle3"/>
-    <dgm:cxn modelId="{D815DC02-983E-48C3-B1D6-20DF7881CFC7}" type="presOf" srcId="{DF5153A3-2EAA-4940-B6E4-BCB20A9208F8}" destId="{B2A27D1C-9F3E-44F7-A758-1F6DD702645B}" srcOrd="0" destOrd="0" presId="urn:microsoft.com/office/officeart/2005/8/layout/cycle3"/>
-    <dgm:cxn modelId="{C3186E20-C87E-4992-B7F5-EC681BA0F2F9}" type="presOf" srcId="{48DFB929-3D3F-4DC3-8682-1D4194FD31A8}" destId="{861AD677-3874-4930-9B96-7D827FBAC34E}" srcOrd="0" destOrd="0" presId="urn:microsoft.com/office/officeart/2005/8/layout/cycle3"/>
-    <dgm:cxn modelId="{75CB994A-2E32-4DB8-A692-BC9238BB1006}" type="presOf" srcId="{50D16FB3-65E5-4AFF-AC48-8AB29ED6C424}" destId="{814FC475-AB1B-4D7D-8139-5660275FB348}" srcOrd="0" destOrd="0" presId="urn:microsoft.com/office/officeart/2005/8/layout/cycle3"/>
-    <dgm:cxn modelId="{4202C5AE-9B42-4458-8F81-D0B68CA91AAA}" srcId="{EA1688D4-ED0E-4304-BF0D-89638AFE6B44}" destId="{48DFB929-3D3F-4DC3-8682-1D4194FD31A8}" srcOrd="2" destOrd="0" parTransId="{7DA58654-5EC8-4EF8-BCCF-D3BEE0604084}" sibTransId="{A0785AF5-018B-41D5-BCD9-3B1B42C2D0C3}"/>
-    <dgm:cxn modelId="{EC57D116-8840-4263-825E-2CA5EDDD3C68}" srcId="{EA1688D4-ED0E-4304-BF0D-89638AFE6B44}" destId="{9B7FAA97-EA17-46D4-85F0-505BC508118F}" srcOrd="0" destOrd="0" parTransId="{02FBA34E-9628-408A-9159-E500FF88A050}" sibTransId="{90E0AF03-BD3C-4ED5-AD59-1E5FAE52C330}"/>
     <dgm:cxn modelId="{A9F1F7BF-FABA-49FD-BDBA-BE0D8B6078A9}" type="presParOf" srcId="{70EEF79A-48E3-49B3-AAE5-28CFD967F923}" destId="{3A86777D-9C32-43F0-96C5-2398967F9739}" srcOrd="0" destOrd="0" presId="urn:microsoft.com/office/officeart/2005/8/layout/cycle3"/>
     <dgm:cxn modelId="{8A59218D-E32C-443D-B077-053DCC749254}" type="presParOf" srcId="{3A86777D-9C32-43F0-96C5-2398967F9739}" destId="{F8AD9F3E-71E6-40FC-B6BF-788AD850B686}" srcOrd="0" destOrd="0" presId="urn:microsoft.com/office/officeart/2005/8/layout/cycle3"/>
     <dgm:cxn modelId="{57E63B14-B1AE-44CC-82BE-A46EFD2A6FA4}" type="presParOf" srcId="{3A86777D-9C32-43F0-96C5-2398967F9739}" destId="{740CB5E6-3FF8-4F1F-A87E-72327F376AB9}" srcOrd="1" destOrd="0" presId="urn:microsoft.com/office/officeart/2005/8/layout/cycle3"/>
@@ -3498,7 +3447,7 @@
         </a:bodyPr>
         <a:lstStyle/>
         <a:p>
-          <a:pPr lvl="0" algn="ctr" defTabSz="1200150">
+          <a:pPr marL="0" lvl="0" indent="0" algn="ctr" defTabSz="1200150">
             <a:lnSpc>
               <a:spcPct val="90000"/>
             </a:lnSpc>
@@ -3508,12 +3457,12 @@
             <a:spcAft>
               <a:spcPct val="35000"/>
             </a:spcAft>
+            <a:buNone/>
           </a:pPr>
           <a:r>
-            <a:rPr lang="fr-FR" sz="2700" kern="1200" dirty="0" smtClean="0"/>
+            <a:rPr lang="fr-FR" sz="2700" kern="1200" dirty="0"/>
             <a:t>Mise en place infrastructure</a:t>
           </a:r>
-          <a:endParaRPr lang="fr-FR" sz="2700" kern="1200" dirty="0"/>
         </a:p>
       </dsp:txBody>
       <dsp:txXfrm>
@@ -3590,7 +3539,7 @@
         </a:bodyPr>
         <a:lstStyle/>
         <a:p>
-          <a:pPr lvl="0" algn="ctr" defTabSz="1200150">
+          <a:pPr marL="0" lvl="0" indent="0" algn="ctr" defTabSz="1200150">
             <a:lnSpc>
               <a:spcPct val="90000"/>
             </a:lnSpc>
@@ -3600,12 +3549,12 @@
             <a:spcAft>
               <a:spcPct val="35000"/>
             </a:spcAft>
+            <a:buNone/>
           </a:pPr>
           <a:r>
-            <a:rPr lang="fr-FR" sz="2700" kern="1200" dirty="0" smtClean="0"/>
+            <a:rPr lang="fr-FR" sz="2700" kern="1200" dirty="0"/>
             <a:t>Site à site</a:t>
           </a:r>
-          <a:endParaRPr lang="fr-FR" sz="2700" kern="1200" dirty="0"/>
         </a:p>
       </dsp:txBody>
       <dsp:txXfrm>
@@ -3682,7 +3631,7 @@
         </a:bodyPr>
         <a:lstStyle/>
         <a:p>
-          <a:pPr lvl="0" algn="ctr" defTabSz="1200150">
+          <a:pPr marL="0" lvl="0" indent="0" algn="ctr" defTabSz="1200150">
             <a:lnSpc>
               <a:spcPct val="90000"/>
             </a:lnSpc>
@@ -3692,12 +3641,12 @@
             <a:spcAft>
               <a:spcPct val="35000"/>
             </a:spcAft>
+            <a:buNone/>
           </a:pPr>
           <a:r>
-            <a:rPr lang="fr-FR" sz="2700" kern="1200" dirty="0" smtClean="0"/>
+            <a:rPr lang="fr-FR" sz="2700" kern="1200" dirty="0"/>
             <a:t>Client à site</a:t>
           </a:r>
-          <a:endParaRPr lang="fr-FR" sz="2700" kern="1200" dirty="0"/>
         </a:p>
       </dsp:txBody>
       <dsp:txXfrm>
@@ -3774,7 +3723,7 @@
         </a:bodyPr>
         <a:lstStyle/>
         <a:p>
-          <a:pPr lvl="0" algn="ctr" defTabSz="1200150">
+          <a:pPr marL="0" lvl="0" indent="0" algn="ctr" defTabSz="1200150">
             <a:lnSpc>
               <a:spcPct val="90000"/>
             </a:lnSpc>
@@ -3784,12 +3733,12 @@
             <a:spcAft>
               <a:spcPct val="35000"/>
             </a:spcAft>
+            <a:buNone/>
           </a:pPr>
           <a:r>
-            <a:rPr lang="fr-FR" sz="2700" kern="1200" dirty="0" smtClean="0"/>
+            <a:rPr lang="fr-FR" sz="2700" kern="1200" dirty="0"/>
             <a:t>Implémentation CPNV</a:t>
           </a:r>
-          <a:endParaRPr lang="fr-FR" sz="2700" kern="1200" dirty="0"/>
         </a:p>
       </dsp:txBody>
       <dsp:txXfrm>
@@ -5320,7 +5269,7 @@
           <a:p>
             <a:fld id="{EA33A278-C497-483E-9478-E90100C45B60}" type="datetimeFigureOut">
               <a:rPr lang="fr-CH" smtClean="0"/>
-              <a:t>01.06.2023</a:t>
+              <a:t>06.06.23</a:t>
             </a:fld>
             <a:endParaRPr lang="fr-CH"/>
           </a:p>
@@ -5479,7 +5428,7 @@
           <a:p>
             <a:fld id="{E5B182D0-A1C7-4980-AD66-8484012760C2}" type="slidenum">
               <a:rPr lang="fr-CH" smtClean="0"/>
-              <a:t>‹N°›</a:t>
+              <a:t>‹#›</a:t>
             </a:fld>
             <a:endParaRPr lang="fr-CH"/>
           </a:p>
@@ -6040,7 +5989,7 @@
           <a:p>
             <a:fld id="{271BB588-6F7B-498A-B2DB-1FE07C0B96F9}" type="datetime1">
               <a:rPr lang="fr-CH" smtClean="0"/>
-              <a:t>01.06.2023</a:t>
+              <a:t>06.06.23</a:t>
             </a:fld>
             <a:endParaRPr lang="fr-CH"/>
           </a:p>
@@ -6082,7 +6031,7 @@
           <a:p>
             <a:fld id="{2FCD9DE2-19B8-4E75-A167-0E6B1D03D668}" type="slidenum">
               <a:rPr lang="fr-CH" smtClean="0"/>
-              <a:t>‹N°›</a:t>
+              <a:t>‹#›</a:t>
             </a:fld>
             <a:endParaRPr lang="fr-CH"/>
           </a:p>
@@ -6315,7 +6264,7 @@
           <a:p>
             <a:fld id="{1407890E-51B4-482C-8C2B-161F4F736322}" type="datetime1">
               <a:rPr lang="fr-CH" smtClean="0"/>
-              <a:t>01.06.2023</a:t>
+              <a:t>06.06.23</a:t>
             </a:fld>
             <a:endParaRPr lang="fr-CH"/>
           </a:p>
@@ -6357,7 +6306,7 @@
           <a:p>
             <a:fld id="{2FCD9DE2-19B8-4E75-A167-0E6B1D03D668}" type="slidenum">
               <a:rPr lang="fr-CH" smtClean="0"/>
-              <a:t>‹N°›</a:t>
+              <a:t>‹#›</a:t>
             </a:fld>
             <a:endParaRPr lang="fr-CH"/>
           </a:p>
@@ -6509,7 +6458,7 @@
           <a:p>
             <a:fld id="{392B27F0-2195-4CF8-9721-754DECE78B20}" type="datetime1">
               <a:rPr lang="fr-CH" smtClean="0"/>
-              <a:t>01.06.2023</a:t>
+              <a:t>06.06.23</a:t>
             </a:fld>
             <a:endParaRPr lang="fr-CH"/>
           </a:p>
@@ -6551,7 +6500,7 @@
           <a:p>
             <a:fld id="{2FCD9DE2-19B8-4E75-A167-0E6B1D03D668}" type="slidenum">
               <a:rPr lang="fr-CH" smtClean="0"/>
-              <a:t>‹N°›</a:t>
+              <a:t>‹#›</a:t>
             </a:fld>
             <a:endParaRPr lang="fr-CH"/>
           </a:p>
@@ -6782,7 +6731,7 @@
           <a:p>
             <a:fld id="{6FCFB39F-86B7-472C-B330-B3067347DFE0}" type="datetime1">
               <a:rPr lang="fr-CH" smtClean="0"/>
-              <a:t>01.06.2023</a:t>
+              <a:t>06.06.23</a:t>
             </a:fld>
             <a:endParaRPr lang="fr-CH"/>
           </a:p>
@@ -6824,7 +6773,7 @@
           <a:p>
             <a:fld id="{2FCD9DE2-19B8-4E75-A167-0E6B1D03D668}" type="slidenum">
               <a:rPr lang="fr-CH" smtClean="0"/>
-              <a:t>‹N°›</a:t>
+              <a:t>‹#›</a:t>
             </a:fld>
             <a:endParaRPr lang="fr-CH"/>
           </a:p>
@@ -7124,7 +7073,7 @@
           <a:p>
             <a:fld id="{581D5674-D429-4038-A27E-284788D1F51B}" type="datetime1">
               <a:rPr lang="fr-CH" smtClean="0"/>
-              <a:t>01.06.2023</a:t>
+              <a:t>06.06.23</a:t>
             </a:fld>
             <a:endParaRPr lang="fr-CH"/>
           </a:p>
@@ -7166,7 +7115,7 @@
           <a:p>
             <a:fld id="{2FCD9DE2-19B8-4E75-A167-0E6B1D03D668}" type="slidenum">
               <a:rPr lang="fr-CH" smtClean="0"/>
-              <a:t>‹N°›</a:t>
+              <a:t>‹#›</a:t>
             </a:fld>
             <a:endParaRPr lang="fr-CH"/>
           </a:p>
@@ -7747,7 +7696,7 @@
           <a:p>
             <a:fld id="{D6F689BF-7353-4F9B-8EDD-68188F4A3886}" type="datetime1">
               <a:rPr lang="fr-CH" smtClean="0"/>
-              <a:t>01.06.2023</a:t>
+              <a:t>06.06.23</a:t>
             </a:fld>
             <a:endParaRPr lang="fr-CH"/>
           </a:p>
@@ -7789,7 +7738,7 @@
           <a:p>
             <a:fld id="{2FCD9DE2-19B8-4E75-A167-0E6B1D03D668}" type="slidenum">
               <a:rPr lang="fr-CH" smtClean="0"/>
-              <a:t>‹N°›</a:t>
+              <a:t>‹#›</a:t>
             </a:fld>
             <a:endParaRPr lang="fr-CH"/>
           </a:p>
@@ -8607,7 +8556,7 @@
           <a:p>
             <a:fld id="{04FBDC78-C71D-4095-9CDF-0432BE83E5B4}" type="datetime1">
               <a:rPr lang="fr-CH" smtClean="0"/>
-              <a:t>01.06.2023</a:t>
+              <a:t>06.06.23</a:t>
             </a:fld>
             <a:endParaRPr lang="fr-CH"/>
           </a:p>
@@ -8649,7 +8598,7 @@
           <a:p>
             <a:fld id="{2FCD9DE2-19B8-4E75-A167-0E6B1D03D668}" type="slidenum">
               <a:rPr lang="fr-CH" smtClean="0"/>
-              <a:t>‹N°›</a:t>
+              <a:t>‹#›</a:t>
             </a:fld>
             <a:endParaRPr lang="fr-CH"/>
           </a:p>
@@ -8777,7 +8726,7 @@
           <a:p>
             <a:fld id="{90AB08ED-5818-49F9-AAE0-E3BA3731C6C5}" type="datetime1">
               <a:rPr lang="fr-CH" smtClean="0"/>
-              <a:t>01.06.2023</a:t>
+              <a:t>06.06.23</a:t>
             </a:fld>
             <a:endParaRPr lang="fr-CH"/>
           </a:p>
@@ -8819,7 +8768,7 @@
           <a:p>
             <a:fld id="{2FCD9DE2-19B8-4E75-A167-0E6B1D03D668}" type="slidenum">
               <a:rPr lang="fr-CH" smtClean="0"/>
-              <a:t>‹N°›</a:t>
+              <a:t>‹#›</a:t>
             </a:fld>
             <a:endParaRPr lang="fr-CH"/>
           </a:p>
@@ -8957,7 +8906,7 @@
           <a:p>
             <a:fld id="{591265D1-6730-4D18-AD72-F627A0280CC9}" type="datetime1">
               <a:rPr lang="fr-CH" smtClean="0"/>
-              <a:t>01.06.2023</a:t>
+              <a:t>06.06.23</a:t>
             </a:fld>
             <a:endParaRPr lang="fr-CH"/>
           </a:p>
@@ -8999,7 +8948,7 @@
           <a:p>
             <a:fld id="{2FCD9DE2-19B8-4E75-A167-0E6B1D03D668}" type="slidenum">
               <a:rPr lang="fr-CH" smtClean="0"/>
-              <a:t>‹N°›</a:t>
+              <a:t>‹#›</a:t>
             </a:fld>
             <a:endParaRPr lang="fr-CH"/>
           </a:p>
@@ -9127,7 +9076,7 @@
           <a:p>
             <a:fld id="{A61D31DA-FC4F-4736-B55F-F371A16D9D5C}" type="datetime1">
               <a:rPr lang="fr-CH" smtClean="0"/>
-              <a:t>01.06.2023</a:t>
+              <a:t>06.06.23</a:t>
             </a:fld>
             <a:endParaRPr lang="fr-CH"/>
           </a:p>
@@ -9169,7 +9118,7 @@
           <a:p>
             <a:fld id="{2FCD9DE2-19B8-4E75-A167-0E6B1D03D668}" type="slidenum">
               <a:rPr lang="fr-CH" smtClean="0"/>
-              <a:t>‹N°›</a:t>
+              <a:t>‹#›</a:t>
             </a:fld>
             <a:endParaRPr lang="fr-CH"/>
           </a:p>
@@ -9374,7 +9323,7 @@
           <a:p>
             <a:fld id="{CF8A2FB5-104B-4B24-AC8F-02EB529D4132}" type="datetime1">
               <a:rPr lang="fr-CH" smtClean="0"/>
-              <a:t>01.06.2023</a:t>
+              <a:t>06.06.23</a:t>
             </a:fld>
             <a:endParaRPr lang="fr-CH"/>
           </a:p>
@@ -9416,7 +9365,7 @@
           <a:p>
             <a:fld id="{2FCD9DE2-19B8-4E75-A167-0E6B1D03D668}" type="slidenum">
               <a:rPr lang="fr-CH" smtClean="0"/>
-              <a:t>‹N°›</a:t>
+              <a:t>‹#›</a:t>
             </a:fld>
             <a:endParaRPr lang="fr-CH"/>
           </a:p>
@@ -9666,7 +9615,7 @@
           <a:p>
             <a:fld id="{35F6674B-669E-41C9-9C4F-694DBCF7D322}" type="datetime1">
               <a:rPr lang="fr-CH" smtClean="0"/>
-              <a:t>01.06.2023</a:t>
+              <a:t>06.06.23</a:t>
             </a:fld>
             <a:endParaRPr lang="fr-CH"/>
           </a:p>
@@ -9708,7 +9657,7 @@
           <a:p>
             <a:fld id="{2FCD9DE2-19B8-4E75-A167-0E6B1D03D668}" type="slidenum">
               <a:rPr lang="fr-CH" smtClean="0"/>
-              <a:t>‹N°›</a:t>
+              <a:t>‹#›</a:t>
             </a:fld>
             <a:endParaRPr lang="fr-CH"/>
           </a:p>
@@ -10110,7 +10059,7 @@
           <a:p>
             <a:fld id="{2BD73BC7-A51B-4B24-BBB9-44859DC713F3}" type="datetime1">
               <a:rPr lang="fr-CH" smtClean="0"/>
-              <a:t>01.06.2023</a:t>
+              <a:t>06.06.23</a:t>
             </a:fld>
             <a:endParaRPr lang="fr-CH"/>
           </a:p>
@@ -10152,7 +10101,7 @@
           <a:p>
             <a:fld id="{2FCD9DE2-19B8-4E75-A167-0E6B1D03D668}" type="slidenum">
               <a:rPr lang="fr-CH" smtClean="0"/>
-              <a:t>‹N°›</a:t>
+              <a:t>‹#›</a:t>
             </a:fld>
             <a:endParaRPr lang="fr-CH"/>
           </a:p>
@@ -10228,7 +10177,7 @@
           <a:p>
             <a:fld id="{8E8D19E6-7F4D-40D9-AD51-2E25C7EE1D07}" type="datetime1">
               <a:rPr lang="fr-CH" smtClean="0"/>
-              <a:t>01.06.2023</a:t>
+              <a:t>06.06.23</a:t>
             </a:fld>
             <a:endParaRPr lang="fr-CH"/>
           </a:p>
@@ -10270,7 +10219,7 @@
           <a:p>
             <a:fld id="{2FCD9DE2-19B8-4E75-A167-0E6B1D03D668}" type="slidenum">
               <a:rPr lang="fr-CH" smtClean="0"/>
-              <a:t>‹N°›</a:t>
+              <a:t>‹#›</a:t>
             </a:fld>
             <a:endParaRPr lang="fr-CH"/>
           </a:p>
@@ -10323,7 +10272,7 @@
           <a:p>
             <a:fld id="{9AE5F204-9DE5-4DA4-A075-89D82E25988F}" type="datetime1">
               <a:rPr lang="fr-CH" smtClean="0"/>
-              <a:t>01.06.2023</a:t>
+              <a:t>06.06.23</a:t>
             </a:fld>
             <a:endParaRPr lang="fr-CH"/>
           </a:p>
@@ -10365,7 +10314,7 @@
           <a:p>
             <a:fld id="{2FCD9DE2-19B8-4E75-A167-0E6B1D03D668}" type="slidenum">
               <a:rPr lang="fr-CH" smtClean="0"/>
-              <a:t>‹N°›</a:t>
+              <a:t>‹#›</a:t>
             </a:fld>
             <a:endParaRPr lang="fr-CH"/>
           </a:p>
@@ -10602,7 +10551,7 @@
           <a:p>
             <a:fld id="{F9A5B153-2246-46F2-A5D9-592BBA77E441}" type="datetime1">
               <a:rPr lang="fr-CH" smtClean="0"/>
-              <a:t>01.06.2023</a:t>
+              <a:t>06.06.23</a:t>
             </a:fld>
             <a:endParaRPr lang="fr-CH"/>
           </a:p>
@@ -10644,7 +10593,7 @@
           <a:p>
             <a:fld id="{2FCD9DE2-19B8-4E75-A167-0E6B1D03D668}" type="slidenum">
               <a:rPr lang="fr-CH" smtClean="0"/>
-              <a:t>‹N°›</a:t>
+              <a:t>‹#›</a:t>
             </a:fld>
             <a:endParaRPr lang="fr-CH"/>
           </a:p>
@@ -10877,7 +10826,7 @@
           <a:p>
             <a:fld id="{CC02CFAF-43D6-4D3E-A775-28173887B551}" type="datetime1">
               <a:rPr lang="fr-CH" smtClean="0"/>
-              <a:t>01.06.2023</a:t>
+              <a:t>06.06.23</a:t>
             </a:fld>
             <a:endParaRPr lang="fr-CH"/>
           </a:p>
@@ -10919,7 +10868,7 @@
           <a:p>
             <a:fld id="{2FCD9DE2-19B8-4E75-A167-0E6B1D03D668}" type="slidenum">
               <a:rPr lang="fr-CH" smtClean="0"/>
-              <a:t>‹N°›</a:t>
+              <a:t>‹#›</a:t>
             </a:fld>
             <a:endParaRPr lang="fr-CH"/>
           </a:p>
@@ -11306,7 +11255,7 @@
           <a:p>
             <a:fld id="{6FCFB39F-86B7-472C-B330-B3067347DFE0}" type="datetime1">
               <a:rPr lang="fr-CH" smtClean="0"/>
-              <a:t>01.06.2023</a:t>
+              <a:t>06.06.23</a:t>
             </a:fld>
             <a:endParaRPr lang="fr-CH"/>
           </a:p>
@@ -11385,7 +11334,7 @@
           <a:p>
             <a:fld id="{2FCD9DE2-19B8-4E75-A167-0E6B1D03D668}" type="slidenum">
               <a:rPr lang="fr-CH" smtClean="0"/>
-              <a:t>‹N°›</a:t>
+              <a:t>‹#›</a:t>
             </a:fld>
             <a:endParaRPr lang="fr-CH"/>
           </a:p>
@@ -11856,7 +11805,7 @@
           <a:lstStyle/>
           <a:p>
             <a:r>
-              <a:rPr lang="fr-CH" dirty="0" smtClean="0">
+              <a:rPr lang="fr-CH" dirty="0">
                 <a:effectLst>
                   <a:outerShdw blurRad="38100" dist="38100" dir="2700000" algn="tl">
                     <a:srgbClr val="000000">
@@ -11868,7 +11817,7 @@
               <a:t>Mise en place de firewalls virtuels sur une Appliance</a:t>
             </a:r>
             <a:br>
-              <a:rPr lang="fr-CH" dirty="0" smtClean="0">
+              <a:rPr lang="fr-CH" dirty="0">
                 <a:effectLst>
                   <a:outerShdw blurRad="38100" dist="38100" dir="2700000" algn="tl">
                     <a:srgbClr val="000000">
@@ -11879,7 +11828,7 @@
               </a:rPr>
             </a:br>
             <a:r>
-              <a:rPr lang="fr-CH" dirty="0" smtClean="0">
+              <a:rPr lang="fr-CH" dirty="0">
                 <a:effectLst>
                   <a:outerShdw blurRad="38100" dist="38100" dir="2700000" algn="tl">
                     <a:srgbClr val="000000">
@@ -11890,15 +11839,6 @@
               </a:rPr>
               <a:t>adapté au module 146</a:t>
             </a:r>
-            <a:endParaRPr lang="fr-CH" dirty="0">
-              <a:effectLst>
-                <a:outerShdw blurRad="38100" dist="38100" dir="2700000" algn="tl">
-                  <a:srgbClr val="000000">
-                    <a:alpha val="43137"/>
-                  </a:srgbClr>
-                </a:outerShdw>
-              </a:effectLst>
-            </a:endParaRPr>
           </a:p>
         </p:txBody>
       </p:sp>
@@ -11929,10 +11869,9 @@
           </a:p>
           <a:p>
             <a:r>
-              <a:rPr lang="fr-CH" dirty="0" smtClean="0"/>
+              <a:rPr lang="fr-CH" dirty="0"/>
               <a:t>Lundi 12 juin 2023</a:t>
             </a:r>
-            <a:endParaRPr lang="fr-CH" dirty="0"/>
           </a:p>
         </p:txBody>
       </p:sp>
@@ -11952,10 +11891,9 @@
           <a:lstStyle/>
           <a:p>
             <a:r>
-              <a:rPr lang="fr-CH" dirty="0" smtClean="0"/>
+              <a:rPr lang="fr-CH" dirty="0"/>
               <a:t>TPI</a:t>
             </a:r>
-            <a:endParaRPr lang="fr-CH" dirty="0"/>
           </a:p>
         </p:txBody>
       </p:sp>
@@ -12080,10 +12018,9 @@
           <a:lstStyle/>
           <a:p>
             <a:r>
-              <a:rPr lang="fr-CH" dirty="0" smtClean="0"/>
-              <a:t>Client à site</a:t>
-            </a:r>
-            <a:endParaRPr lang="fr-CH" dirty="0"/>
+              <a:rPr lang="fr-CH" dirty="0"/>
+              <a:t>Site à site</a:t>
+            </a:r>
           </a:p>
         </p:txBody>
       </p:sp>
@@ -12102,7 +12039,10 @@
           <a:bodyPr/>
           <a:lstStyle/>
           <a:p>
-            <a:endParaRPr lang="fr-CH"/>
+            <a:r>
+              <a:rPr lang="fr-CH" dirty="0"/>
+              <a:t>Les étapes selon rapport de TPI</a:t>
+            </a:r>
           </a:p>
         </p:txBody>
       </p:sp>
@@ -12122,10 +12062,9 @@
           <a:lstStyle/>
           <a:p>
             <a:r>
-              <a:rPr lang="fr-CH" dirty="0" smtClean="0"/>
+              <a:rPr lang="fr-CH" dirty="0"/>
               <a:t>Damien Mayor</a:t>
             </a:r>
-            <a:endParaRPr lang="fr-CH" dirty="0"/>
           </a:p>
         </p:txBody>
       </p:sp>
@@ -12155,20 +12094,13 @@
     </p:spTree>
     <p:extLst>
       <p:ext uri="{BB962C8B-B14F-4D97-AF65-F5344CB8AC3E}">
-        <p14:creationId xmlns:p14="http://schemas.microsoft.com/office/powerpoint/2010/main" val="32687155"/>
+        <p14:creationId xmlns:p14="http://schemas.microsoft.com/office/powerpoint/2010/main" val="173640064"/>
       </p:ext>
     </p:extLst>
   </p:cSld>
   <p:clrMapOvr>
     <a:masterClrMapping/>
   </p:clrMapOvr>
-  <p:timing>
-    <p:tnLst>
-      <p:par>
-        <p:cTn id="1" dur="indefinite" restart="never" nodeType="tmRoot"/>
-      </p:par>
-    </p:tnLst>
-  </p:timing>
 </p:sld>
 </file>
 
@@ -12205,21 +12137,20 @@
           <a:lstStyle/>
           <a:p>
             <a:r>
-              <a:rPr lang="fr-CH" dirty="0" smtClean="0"/>
-              <a:t>Phase 2</a:t>
-            </a:r>
-            <a:endParaRPr lang="fr-CH" dirty="0"/>
-          </a:p>
-        </p:txBody>
-      </p:sp>
-      <p:sp>
-        <p:nvSpPr>
-          <p:cNvPr id="4" name="Espace réservé du pied de page 3"/>
-          <p:cNvSpPr>
-            <a:spLocks noGrp="1"/>
-          </p:cNvSpPr>
-          <p:nvPr>
-            <p:ph type="ftr" sz="quarter" idx="11"/>
+              <a:rPr lang="fr-CH" dirty="0"/>
+              <a:t>Client à site</a:t>
+            </a:r>
+          </a:p>
+        </p:txBody>
+      </p:sp>
+      <p:sp>
+        <p:nvSpPr>
+          <p:cNvPr id="3" name="Espace réservé du contenu 2"/>
+          <p:cNvSpPr>
+            <a:spLocks noGrp="1"/>
+          </p:cNvSpPr>
+          <p:nvPr>
+            <p:ph idx="1"/>
           </p:nvPr>
         </p:nvSpPr>
         <p:spPr/>
@@ -12227,11 +12158,35 @@
           <a:bodyPr/>
           <a:lstStyle/>
           <a:p>
-            <a:r>
-              <a:rPr lang="fr-CH" dirty="0" smtClean="0"/>
+            <a:pPr marL="0" indent="0">
+              <a:buNone/>
+            </a:pPr>
+            <a:r>
+              <a:rPr lang="fr-CH" dirty="0"/>
+              <a:t>Les étapes selon rapport de TPI</a:t>
+            </a:r>
+          </a:p>
+        </p:txBody>
+      </p:sp>
+      <p:sp>
+        <p:nvSpPr>
+          <p:cNvPr id="4" name="Espace réservé du pied de page 3"/>
+          <p:cNvSpPr>
+            <a:spLocks noGrp="1"/>
+          </p:cNvSpPr>
+          <p:nvPr>
+            <p:ph type="ftr" sz="quarter" idx="11"/>
+          </p:nvPr>
+        </p:nvSpPr>
+        <p:spPr/>
+        <p:txBody>
+          <a:bodyPr/>
+          <a:lstStyle/>
+          <a:p>
+            <a:r>
+              <a:rPr lang="fr-CH" dirty="0"/>
               <a:t>Damien Mayor</a:t>
             </a:r>
-            <a:endParaRPr lang="fr-CH" dirty="0"/>
           </a:p>
         </p:txBody>
       </p:sp>
@@ -12253,6 +12208,103 @@
             <a:fld id="{2FCD9DE2-19B8-4E75-A167-0E6B1D03D668}" type="slidenum">
               <a:rPr lang="fr-CH" smtClean="0"/>
               <a:t>11</a:t>
+            </a:fld>
+            <a:endParaRPr lang="fr-CH"/>
+          </a:p>
+        </p:txBody>
+      </p:sp>
+    </p:spTree>
+    <p:extLst>
+      <p:ext uri="{BB962C8B-B14F-4D97-AF65-F5344CB8AC3E}">
+        <p14:creationId xmlns:p14="http://schemas.microsoft.com/office/powerpoint/2010/main" val="32687155"/>
+      </p:ext>
+    </p:extLst>
+  </p:cSld>
+  <p:clrMapOvr>
+    <a:masterClrMapping/>
+  </p:clrMapOvr>
+</p:sld>
+</file>
+
+<file path=ppt/slides/slide12.xml><?xml version="1.0" encoding="utf-8"?>
+<p:sld xmlns:a="http://schemas.openxmlformats.org/drawingml/2006/main" xmlns:r="http://schemas.openxmlformats.org/officeDocument/2006/relationships" xmlns:p="http://schemas.openxmlformats.org/presentationml/2006/main">
+  <p:cSld>
+    <p:spTree>
+      <p:nvGrpSpPr>
+        <p:cNvPr id="1" name=""/>
+        <p:cNvGrpSpPr/>
+        <p:nvPr/>
+      </p:nvGrpSpPr>
+      <p:grpSpPr>
+        <a:xfrm>
+          <a:off x="0" y="0"/>
+          <a:ext cx="0" cy="0"/>
+          <a:chOff x="0" y="0"/>
+          <a:chExt cx="0" cy="0"/>
+        </a:xfrm>
+      </p:grpSpPr>
+      <p:sp>
+        <p:nvSpPr>
+          <p:cNvPr id="2" name="Titre 1"/>
+          <p:cNvSpPr>
+            <a:spLocks noGrp="1"/>
+          </p:cNvSpPr>
+          <p:nvPr>
+            <p:ph type="title"/>
+          </p:nvPr>
+        </p:nvSpPr>
+        <p:spPr/>
+        <p:txBody>
+          <a:bodyPr/>
+          <a:lstStyle/>
+          <a:p>
+            <a:r>
+              <a:rPr lang="fr-CH" dirty="0"/>
+              <a:t>Phase 2</a:t>
+            </a:r>
+          </a:p>
+        </p:txBody>
+      </p:sp>
+      <p:sp>
+        <p:nvSpPr>
+          <p:cNvPr id="4" name="Espace réservé du pied de page 3"/>
+          <p:cNvSpPr>
+            <a:spLocks noGrp="1"/>
+          </p:cNvSpPr>
+          <p:nvPr>
+            <p:ph type="ftr" sz="quarter" idx="11"/>
+          </p:nvPr>
+        </p:nvSpPr>
+        <p:spPr/>
+        <p:txBody>
+          <a:bodyPr/>
+          <a:lstStyle/>
+          <a:p>
+            <a:r>
+              <a:rPr lang="fr-CH" dirty="0"/>
+              <a:t>Damien Mayor</a:t>
+            </a:r>
+          </a:p>
+        </p:txBody>
+      </p:sp>
+      <p:sp>
+        <p:nvSpPr>
+          <p:cNvPr id="5" name="Espace réservé du numéro de diapositive 4"/>
+          <p:cNvSpPr>
+            <a:spLocks noGrp="1"/>
+          </p:cNvSpPr>
+          <p:nvPr>
+            <p:ph type="sldNum" sz="quarter" idx="12"/>
+          </p:nvPr>
+        </p:nvSpPr>
+        <p:spPr/>
+        <p:txBody>
+          <a:bodyPr/>
+          <a:lstStyle/>
+          <a:p>
+            <a:fld id="{2FCD9DE2-19B8-4E75-A167-0E6B1D03D668}" type="slidenum">
+              <a:rPr lang="fr-CH" smtClean="0"/>
+              <a:t>12</a:t>
             </a:fld>
             <a:endParaRPr lang="fr-CH"/>
           </a:p>
@@ -12282,7 +12334,7 @@
         </p:blipFill>
         <p:spPr>
           <a:xfrm>
-            <a:off x="1238801" y="1418304"/>
+            <a:off x="9441" y="1418304"/>
             <a:ext cx="8219341" cy="5410200"/>
           </a:xfrm>
           <a:ln>
@@ -12304,138 +12356,6 @@
   <p:clrMapOvr>
     <a:masterClrMapping/>
   </p:clrMapOvr>
-  <p:timing>
-    <p:tnLst>
-      <p:par>
-        <p:cTn id="1" dur="indefinite" restart="never" nodeType="tmRoot"/>
-      </p:par>
-    </p:tnLst>
-  </p:timing>
-</p:sld>
-</file>
-
-<file path=ppt/slides/slide12.xml><?xml version="1.0" encoding="utf-8"?>
-<p:sld xmlns:a="http://schemas.openxmlformats.org/drawingml/2006/main" xmlns:r="http://schemas.openxmlformats.org/officeDocument/2006/relationships" xmlns:p="http://schemas.openxmlformats.org/presentationml/2006/main">
-  <p:cSld>
-    <p:spTree>
-      <p:nvGrpSpPr>
-        <p:cNvPr id="1" name=""/>
-        <p:cNvGrpSpPr/>
-        <p:nvPr/>
-      </p:nvGrpSpPr>
-      <p:grpSpPr>
-        <a:xfrm>
-          <a:off x="0" y="0"/>
-          <a:ext cx="0" cy="0"/>
-          <a:chOff x="0" y="0"/>
-          <a:chExt cx="0" cy="0"/>
-        </a:xfrm>
-      </p:grpSpPr>
-      <p:sp>
-        <p:nvSpPr>
-          <p:cNvPr id="2" name="Titre 1"/>
-          <p:cNvSpPr>
-            <a:spLocks noGrp="1"/>
-          </p:cNvSpPr>
-          <p:nvPr>
-            <p:ph type="title"/>
-          </p:nvPr>
-        </p:nvSpPr>
-        <p:spPr/>
-        <p:txBody>
-          <a:bodyPr/>
-          <a:lstStyle/>
-          <a:p>
-            <a:r>
-              <a:rPr lang="fr-CH" dirty="0" smtClean="0"/>
-              <a:t>Implémentation CPNV</a:t>
-            </a:r>
-            <a:endParaRPr lang="fr-CH" dirty="0"/>
-          </a:p>
-        </p:txBody>
-      </p:sp>
-      <p:sp>
-        <p:nvSpPr>
-          <p:cNvPr id="3" name="Espace réservé du contenu 2"/>
-          <p:cNvSpPr>
-            <a:spLocks noGrp="1"/>
-          </p:cNvSpPr>
-          <p:nvPr>
-            <p:ph idx="1"/>
-          </p:nvPr>
-        </p:nvSpPr>
-        <p:spPr/>
-        <p:txBody>
-          <a:bodyPr/>
-          <a:lstStyle/>
-          <a:p>
-            <a:endParaRPr lang="fr-CH"/>
-          </a:p>
-        </p:txBody>
-      </p:sp>
-      <p:sp>
-        <p:nvSpPr>
-          <p:cNvPr id="4" name="Espace réservé du pied de page 3"/>
-          <p:cNvSpPr>
-            <a:spLocks noGrp="1"/>
-          </p:cNvSpPr>
-          <p:nvPr>
-            <p:ph type="ftr" sz="quarter" idx="11"/>
-          </p:nvPr>
-        </p:nvSpPr>
-        <p:spPr/>
-        <p:txBody>
-          <a:bodyPr/>
-          <a:lstStyle/>
-          <a:p>
-            <a:r>
-              <a:rPr lang="fr-CH" dirty="0" smtClean="0"/>
-              <a:t>Damien Mayor</a:t>
-            </a:r>
-            <a:endParaRPr lang="fr-CH" dirty="0"/>
-          </a:p>
-        </p:txBody>
-      </p:sp>
-      <p:sp>
-        <p:nvSpPr>
-          <p:cNvPr id="5" name="Espace réservé du numéro de diapositive 4"/>
-          <p:cNvSpPr>
-            <a:spLocks noGrp="1"/>
-          </p:cNvSpPr>
-          <p:nvPr>
-            <p:ph type="sldNum" sz="quarter" idx="12"/>
-          </p:nvPr>
-        </p:nvSpPr>
-        <p:spPr/>
-        <p:txBody>
-          <a:bodyPr/>
-          <a:lstStyle/>
-          <a:p>
-            <a:fld id="{2FCD9DE2-19B8-4E75-A167-0E6B1D03D668}" type="slidenum">
-              <a:rPr lang="fr-CH" smtClean="0"/>
-              <a:t>12</a:t>
-            </a:fld>
-            <a:endParaRPr lang="fr-CH"/>
-          </a:p>
-        </p:txBody>
-      </p:sp>
-    </p:spTree>
-    <p:extLst>
-      <p:ext uri="{BB962C8B-B14F-4D97-AF65-F5344CB8AC3E}">
-        <p14:creationId xmlns:p14="http://schemas.microsoft.com/office/powerpoint/2010/main" val="1026835417"/>
-      </p:ext>
-    </p:extLst>
-  </p:cSld>
-  <p:clrMapOvr>
-    <a:masterClrMapping/>
-  </p:clrMapOvr>
-  <p:timing>
-    <p:tnLst>
-      <p:par>
-        <p:cTn id="1" dur="indefinite" restart="never" nodeType="tmRoot"/>
-      </p:par>
-    </p:tnLst>
-  </p:timing>
 </p:sld>
 </file>
 
@@ -12472,10 +12392,9 @@
           <a:lstStyle/>
           <a:p>
             <a:r>
-              <a:rPr lang="fr-CH" dirty="0" smtClean="0"/>
-              <a:t>Points spécifiques</a:t>
-            </a:r>
-            <a:endParaRPr lang="fr-CH" dirty="0"/>
+              <a:rPr lang="fr-CH" dirty="0"/>
+              <a:t>Implémentation CPNV</a:t>
+            </a:r>
           </a:p>
         </p:txBody>
       </p:sp>
@@ -12495,97 +12414,9 @@
           <a:lstStyle/>
           <a:p>
             <a:r>
-              <a:rPr lang="fr-CH" dirty="0" smtClean="0"/>
-              <a:t>Pertinence de l'implémentation du 1</a:t>
-            </a:r>
-            <a:r>
-              <a:rPr lang="fr-CH" baseline="30000" dirty="0" smtClean="0"/>
-              <a:t>er</a:t>
-            </a:r>
-            <a:r>
-              <a:rPr lang="fr-CH" dirty="0" smtClean="0"/>
-              <a:t> temps </a:t>
-            </a:r>
-          </a:p>
-          <a:p>
-            <a:r>
-              <a:rPr lang="fr-CH" dirty="0" smtClean="0"/>
-              <a:t>Pertinence de la partie "internet" du 1</a:t>
-            </a:r>
-            <a:r>
-              <a:rPr lang="fr-CH" baseline="30000" dirty="0" smtClean="0"/>
-              <a:t>er</a:t>
-            </a:r>
-            <a:r>
-              <a:rPr lang="fr-CH" dirty="0" smtClean="0"/>
-              <a:t> temps</a:t>
-            </a:r>
-          </a:p>
-          <a:p>
-            <a:r>
-              <a:rPr lang="fr-CH" dirty="0" smtClean="0"/>
-              <a:t>A la fin du 1</a:t>
-            </a:r>
-            <a:r>
-              <a:rPr lang="fr-CH" baseline="30000" dirty="0" smtClean="0"/>
-              <a:t>er</a:t>
-            </a:r>
-            <a:r>
-              <a:rPr lang="fr-CH" dirty="0" smtClean="0"/>
-              <a:t> temps : tous les clients et le télétravailleur peuvent atteindre le server et l'imprimantes par leur adresse IP</a:t>
-            </a:r>
-          </a:p>
-          <a:p>
-            <a:r>
-              <a:rPr lang="fr-CH" dirty="0" smtClean="0"/>
-              <a:t>Adressage IP conforme au schéma du CDC</a:t>
-            </a:r>
-          </a:p>
-          <a:p>
-            <a:r>
-              <a:rPr lang="fr-CH" dirty="0" smtClean="0"/>
-              <a:t>Pertinence de l'implémentation du 2</a:t>
-            </a:r>
-            <a:r>
-              <a:rPr lang="fr-CH" baseline="30000" dirty="0" smtClean="0"/>
-              <a:t>ème</a:t>
-            </a:r>
-            <a:r>
-              <a:rPr lang="fr-CH" dirty="0" smtClean="0"/>
-              <a:t> temps</a:t>
-            </a:r>
-          </a:p>
-          <a:p>
-            <a:r>
-              <a:rPr lang="fr-CH" dirty="0" smtClean="0"/>
-              <a:t>A la fin du 2</a:t>
-            </a:r>
-            <a:r>
-              <a:rPr lang="fr-CH" baseline="30000" dirty="0" smtClean="0"/>
-              <a:t>ème</a:t>
-            </a:r>
-            <a:r>
-              <a:rPr lang="fr-CH" dirty="0" smtClean="0"/>
-              <a:t> temps : </a:t>
-            </a:r>
-            <a:r>
               <a:rPr lang="fr-CH" dirty="0"/>
-              <a:t>tous les clients et le télétravailleur peuvent atteindre le server et l'imprimantes par leur adresse </a:t>
-            </a:r>
-            <a:r>
-              <a:rPr lang="fr-CH" dirty="0" smtClean="0"/>
-              <a:t>IP</a:t>
-            </a:r>
-          </a:p>
-          <a:p>
-            <a:r>
-              <a:rPr lang="fr-CH" dirty="0" smtClean="0"/>
-              <a:t>Déterminer le nombre maximal d'implémentations du schéma proposé qu'il est théoriquement possible de réaliser</a:t>
-            </a:r>
-            <a:endParaRPr lang="fr-CH" dirty="0"/>
-          </a:p>
-          <a:p>
-            <a:endParaRPr lang="fr-CH" dirty="0"/>
+              <a:t>Selon rapport de TPI</a:t>
+            </a:r>
           </a:p>
         </p:txBody>
       </p:sp>
@@ -12605,10 +12436,9 @@
           <a:lstStyle/>
           <a:p>
             <a:r>
-              <a:rPr lang="fr-CH" dirty="0" smtClean="0"/>
+              <a:rPr lang="fr-CH" dirty="0"/>
               <a:t>Damien Mayor</a:t>
             </a:r>
-            <a:endParaRPr lang="fr-CH" dirty="0"/>
           </a:p>
         </p:txBody>
       </p:sp>
@@ -12630,6 +12460,204 @@
             <a:fld id="{2FCD9DE2-19B8-4E75-A167-0E6B1D03D668}" type="slidenum">
               <a:rPr lang="fr-CH" smtClean="0"/>
               <a:t>13</a:t>
+            </a:fld>
+            <a:endParaRPr lang="fr-CH"/>
+          </a:p>
+        </p:txBody>
+      </p:sp>
+    </p:spTree>
+    <p:extLst>
+      <p:ext uri="{BB962C8B-B14F-4D97-AF65-F5344CB8AC3E}">
+        <p14:creationId xmlns:p14="http://schemas.microsoft.com/office/powerpoint/2010/main" val="1026835417"/>
+      </p:ext>
+    </p:extLst>
+  </p:cSld>
+  <p:clrMapOvr>
+    <a:masterClrMapping/>
+  </p:clrMapOvr>
+</p:sld>
+</file>
+
+<file path=ppt/slides/slide14.xml><?xml version="1.0" encoding="utf-8"?>
+<p:sld xmlns:a="http://schemas.openxmlformats.org/drawingml/2006/main" xmlns:r="http://schemas.openxmlformats.org/officeDocument/2006/relationships" xmlns:p="http://schemas.openxmlformats.org/presentationml/2006/main">
+  <p:cSld>
+    <p:spTree>
+      <p:nvGrpSpPr>
+        <p:cNvPr id="1" name=""/>
+        <p:cNvGrpSpPr/>
+        <p:nvPr/>
+      </p:nvGrpSpPr>
+      <p:grpSpPr>
+        <a:xfrm>
+          <a:off x="0" y="0"/>
+          <a:ext cx="0" cy="0"/>
+          <a:chOff x="0" y="0"/>
+          <a:chExt cx="0" cy="0"/>
+        </a:xfrm>
+      </p:grpSpPr>
+      <p:sp>
+        <p:nvSpPr>
+          <p:cNvPr id="2" name="Titre 1"/>
+          <p:cNvSpPr>
+            <a:spLocks noGrp="1"/>
+          </p:cNvSpPr>
+          <p:nvPr>
+            <p:ph type="title"/>
+          </p:nvPr>
+        </p:nvSpPr>
+        <p:spPr/>
+        <p:txBody>
+          <a:bodyPr/>
+          <a:lstStyle/>
+          <a:p>
+            <a:r>
+              <a:rPr lang="fr-CH" dirty="0"/>
+              <a:t>Points spécifiques</a:t>
+            </a:r>
+          </a:p>
+        </p:txBody>
+      </p:sp>
+      <p:sp>
+        <p:nvSpPr>
+          <p:cNvPr id="3" name="Espace réservé du contenu 2"/>
+          <p:cNvSpPr>
+            <a:spLocks noGrp="1"/>
+          </p:cNvSpPr>
+          <p:nvPr>
+            <p:ph idx="1"/>
+          </p:nvPr>
+        </p:nvSpPr>
+        <p:spPr/>
+        <p:txBody>
+          <a:bodyPr/>
+          <a:lstStyle/>
+          <a:p>
+            <a:r>
+              <a:rPr lang="fr-CH" dirty="0"/>
+              <a:t>Pertinence de l'implémentation du 1</a:t>
+            </a:r>
+            <a:r>
+              <a:rPr lang="fr-CH" baseline="30000" dirty="0"/>
+              <a:t>er</a:t>
+            </a:r>
+            <a:r>
+              <a:rPr lang="fr-CH" dirty="0"/>
+              <a:t> temps </a:t>
+            </a:r>
+          </a:p>
+          <a:p>
+            <a:r>
+              <a:rPr lang="fr-CH" dirty="0"/>
+              <a:t>Pertinence de la partie "internet" du 1</a:t>
+            </a:r>
+            <a:r>
+              <a:rPr lang="fr-CH" baseline="30000" dirty="0"/>
+              <a:t>er</a:t>
+            </a:r>
+            <a:r>
+              <a:rPr lang="fr-CH" dirty="0"/>
+              <a:t> temps</a:t>
+            </a:r>
+          </a:p>
+          <a:p>
+            <a:r>
+              <a:rPr lang="fr-CH" dirty="0"/>
+              <a:t>A la fin du 1</a:t>
+            </a:r>
+            <a:r>
+              <a:rPr lang="fr-CH" baseline="30000" dirty="0"/>
+              <a:t>er</a:t>
+            </a:r>
+            <a:r>
+              <a:rPr lang="fr-CH" dirty="0"/>
+              <a:t> temps : tous les clients et le télétravailleur peuvent atteindre le server et l'imprimantes par leur adresse IP</a:t>
+            </a:r>
+          </a:p>
+          <a:p>
+            <a:r>
+              <a:rPr lang="fr-CH" dirty="0"/>
+              <a:t>Adressage IP conforme au schéma du CDC</a:t>
+            </a:r>
+          </a:p>
+          <a:p>
+            <a:r>
+              <a:rPr lang="fr-CH" dirty="0"/>
+              <a:t>Pertinence de l'implémentation du 2</a:t>
+            </a:r>
+            <a:r>
+              <a:rPr lang="fr-CH" baseline="30000" dirty="0"/>
+              <a:t>ème</a:t>
+            </a:r>
+            <a:r>
+              <a:rPr lang="fr-CH" dirty="0"/>
+              <a:t> temps</a:t>
+            </a:r>
+          </a:p>
+          <a:p>
+            <a:r>
+              <a:rPr lang="fr-CH" dirty="0"/>
+              <a:t>A la fin du 2</a:t>
+            </a:r>
+            <a:r>
+              <a:rPr lang="fr-CH" baseline="30000" dirty="0"/>
+              <a:t>ème</a:t>
+            </a:r>
+            <a:r>
+              <a:rPr lang="fr-CH" dirty="0"/>
+              <a:t> temps : tous les clients et le télétravailleur peuvent atteindre le server et l'imprimantes par leur adresse IP</a:t>
+            </a:r>
+          </a:p>
+          <a:p>
+            <a:r>
+              <a:rPr lang="fr-CH" dirty="0"/>
+              <a:t>Déterminer le nombre maximal d'implémentations du schéma proposé qu'il est théoriquement possible de réaliser</a:t>
+            </a:r>
+          </a:p>
+          <a:p>
+            <a:endParaRPr lang="fr-CH" dirty="0"/>
+          </a:p>
+        </p:txBody>
+      </p:sp>
+      <p:sp>
+        <p:nvSpPr>
+          <p:cNvPr id="4" name="Espace réservé du pied de page 3"/>
+          <p:cNvSpPr>
+            <a:spLocks noGrp="1"/>
+          </p:cNvSpPr>
+          <p:nvPr>
+            <p:ph type="ftr" sz="quarter" idx="11"/>
+          </p:nvPr>
+        </p:nvSpPr>
+        <p:spPr/>
+        <p:txBody>
+          <a:bodyPr/>
+          <a:lstStyle/>
+          <a:p>
+            <a:r>
+              <a:rPr lang="fr-CH" dirty="0"/>
+              <a:t>Damien Mayor</a:t>
+            </a:r>
+          </a:p>
+        </p:txBody>
+      </p:sp>
+      <p:sp>
+        <p:nvSpPr>
+          <p:cNvPr id="5" name="Espace réservé du numéro de diapositive 4"/>
+          <p:cNvSpPr>
+            <a:spLocks noGrp="1"/>
+          </p:cNvSpPr>
+          <p:nvPr>
+            <p:ph type="sldNum" sz="quarter" idx="12"/>
+          </p:nvPr>
+        </p:nvSpPr>
+        <p:spPr/>
+        <p:txBody>
+          <a:bodyPr/>
+          <a:lstStyle/>
+          <a:p>
+            <a:fld id="{2FCD9DE2-19B8-4E75-A167-0E6B1D03D668}" type="slidenum">
+              <a:rPr lang="fr-CH" smtClean="0"/>
+              <a:t>14</a:t>
             </a:fld>
             <a:endParaRPr lang="fr-CH"/>
           </a:p>
@@ -12918,17 +12946,10 @@
   <p:clrMapOvr>
     <a:masterClrMapping/>
   </p:clrMapOvr>
-  <p:timing>
-    <p:tnLst>
-      <p:par>
-        <p:cTn id="1" dur="indefinite" restart="never" nodeType="tmRoot"/>
-      </p:par>
-    </p:tnLst>
-  </p:timing>
 </p:sld>
 </file>
 
-<file path=ppt/slides/slide14.xml><?xml version="1.0" encoding="utf-8"?>
+<file path=ppt/slides/slide15.xml><?xml version="1.0" encoding="utf-8"?>
 <p:sld xmlns:a="http://schemas.openxmlformats.org/drawingml/2006/main" xmlns:r="http://schemas.openxmlformats.org/officeDocument/2006/relationships" xmlns:p="http://schemas.openxmlformats.org/presentationml/2006/main">
   <p:cSld>
     <p:spTree>
@@ -12970,22 +12991,10 @@
                   </a:outerShdw>
                 </a:effectLst>
               </a:rPr>
-              <a:t>Points restants </a:t>
-            </a:r>
-            <a:r>
-              <a:rPr lang="fr-CH" strike="sngStrike" dirty="0" smtClean="0">
-                <a:effectLst>
-                  <a:outerShdw blurRad="38100" dist="38100" dir="2700000" algn="tl">
-                    <a:srgbClr val="000000">
-                      <a:alpha val="43137"/>
-                    </a:srgbClr>
-                  </a:outerShdw>
-                </a:effectLst>
-              </a:rPr>
-              <a:t>&amp;</a:t>
-            </a:r>
-            <a:r>
-              <a:rPr lang="fr-CH" dirty="0" smtClean="0">
+              <a:t>Points restants &amp;</a:t>
+            </a:r>
+            <a:r>
+              <a:rPr lang="fr-CH" dirty="0">
                 <a:effectLst>
                   <a:outerShdw blurRad="38100" dist="38100" dir="2700000" algn="tl">
                     <a:srgbClr val="000000">
@@ -12996,15 +13005,6 @@
               </a:rPr>
               <a:t> améliorations</a:t>
             </a:r>
-            <a:endParaRPr lang="fr-CH" dirty="0">
-              <a:effectLst>
-                <a:outerShdw blurRad="38100" dist="38100" dir="2700000" algn="tl">
-                  <a:srgbClr val="000000">
-                    <a:alpha val="43137"/>
-                  </a:srgbClr>
-                </a:outerShdw>
-              </a:effectLst>
-            </a:endParaRPr>
           </a:p>
         </p:txBody>
       </p:sp>
@@ -13021,7 +13021,7 @@
         <p:spPr/>
         <p:txBody>
           <a:bodyPr>
-            <a:normAutofit lnSpcReduction="10000"/>
+            <a:normAutofit/>
           </a:bodyPr>
           <a:lstStyle/>
           <a:p>
@@ -13029,56 +13029,39 @@
           </a:p>
           <a:p>
             <a:r>
-              <a:rPr lang="fr-CH" dirty="0" smtClean="0"/>
-              <a:t>Fixer les adresses IP ainsi</a:t>
-            </a:r>
-          </a:p>
-          <a:p>
-            <a:endParaRPr lang="fr-CH" dirty="0" smtClean="0"/>
-          </a:p>
-          <a:p>
-            <a:r>
-              <a:rPr lang="fr-CH" dirty="0" smtClean="0"/>
-              <a:t>Nettoyage du superflus</a:t>
-            </a:r>
-          </a:p>
-          <a:p>
-            <a:endParaRPr lang="fr-CH" dirty="0" smtClean="0"/>
-          </a:p>
-          <a:p>
-            <a:r>
-              <a:rPr lang="fr-CH" dirty="0" smtClean="0"/>
-              <a:t>Mise en place permanente</a:t>
-            </a:r>
-          </a:p>
-          <a:p>
-            <a:endParaRPr lang="fr-CH" dirty="0" smtClean="0"/>
-          </a:p>
-          <a:p>
-            <a:r>
-              <a:rPr lang="fr-CH" dirty="0" smtClean="0"/>
-              <a:t>Efficacité                </a:t>
-            </a:r>
-            <a:r>
               <a:rPr lang="fr-CH" dirty="0"/>
-              <a:t> </a:t>
-            </a:r>
-            <a:r>
-              <a:rPr lang="fr-CH" dirty="0" smtClean="0"/>
-              <a:t>Efficience</a:t>
-            </a:r>
-          </a:p>
-          <a:p>
-            <a:endParaRPr lang="fr-CH" dirty="0" smtClean="0"/>
-          </a:p>
-          <a:p>
-            <a:r>
-              <a:rPr lang="fr-CH" dirty="0" smtClean="0"/>
+              <a:t>Fixer les adresses IP selon plan du CPNV</a:t>
+            </a:r>
+          </a:p>
+          <a:p>
+            <a:endParaRPr lang="fr-CH" dirty="0"/>
+          </a:p>
+          <a:p>
+            <a:r>
+              <a:rPr lang="fr-CH" dirty="0"/>
+              <a:t>Mise en place physique permanente</a:t>
+            </a:r>
+          </a:p>
+          <a:p>
+            <a:endParaRPr lang="fr-CH" dirty="0"/>
+          </a:p>
+          <a:p>
+            <a:r>
+              <a:rPr lang="fr-CH" dirty="0"/>
+              <a:t>Efficacité                 Efficience</a:t>
+            </a:r>
+          </a:p>
+          <a:p>
+            <a:endParaRPr lang="fr-CH" dirty="0"/>
+          </a:p>
+          <a:p>
+            <a:r>
+              <a:rPr lang="fr-CH" dirty="0"/>
               <a:t>Intégration complète dans le module 146</a:t>
             </a:r>
           </a:p>
           <a:p>
-            <a:endParaRPr lang="fr-CH" dirty="0" smtClean="0"/>
+            <a:endParaRPr lang="fr-CH" dirty="0"/>
           </a:p>
           <a:p>
             <a:endParaRPr lang="fr-CH" dirty="0"/>
@@ -13135,7 +13118,7 @@
                   </a:outerShdw>
                 </a:effectLst>
               </a:rPr>
-              <a:t>14</a:t>
+              <a:t>15</a:t>
             </a:fld>
             <a:endParaRPr lang="fr-CH" dirty="0">
               <a:solidFill>
@@ -13198,7 +13181,7 @@
 </p:sld>
 </file>
 
-<file path=ppt/slides/slide15.xml><?xml version="1.0" encoding="utf-8"?>
+<file path=ppt/slides/slide16.xml><?xml version="1.0" encoding="utf-8"?>
 <p:sld xmlns:a="http://schemas.openxmlformats.org/drawingml/2006/main" xmlns:r="http://schemas.openxmlformats.org/officeDocument/2006/relationships" xmlns:p="http://schemas.openxmlformats.org/presentationml/2006/main">
   <p:cSld>
     <p:spTree>
@@ -13295,7 +13278,7 @@
                   </a:outerShdw>
                 </a:effectLst>
               </a:rPr>
-              <a:t>15</a:t>
+              <a:t>16</a:t>
             </a:fld>
             <a:endParaRPr lang="fr-CH" dirty="0">
               <a:solidFill>
@@ -13603,19 +13586,19 @@
           <a:lstStyle/>
           <a:p>
             <a:r>
-              <a:rPr lang="fr-CH" dirty="0" smtClean="0"/>
+              <a:rPr lang="fr-CH" dirty="0"/>
               <a:t>1</a:t>
             </a:r>
           </a:p>
           <a:p>
             <a:r>
-              <a:rPr lang="fr-CH" dirty="0" smtClean="0"/>
+              <a:rPr lang="fr-CH" dirty="0"/>
               <a:t>2</a:t>
             </a:r>
           </a:p>
           <a:p>
             <a:r>
-              <a:rPr lang="fr-CH" dirty="0" smtClean="0"/>
+              <a:rPr lang="fr-CH" dirty="0"/>
               <a:t>3</a:t>
             </a:r>
           </a:p>
@@ -13637,7 +13620,7 @@
 </p:sld>
 </file>
 
-<file path=ppt/slides/slide16.xml><?xml version="1.0" encoding="utf-8"?>
+<file path=ppt/slides/slide17.xml><?xml version="1.0" encoding="utf-8"?>
 <p:sld xmlns:a="http://schemas.openxmlformats.org/drawingml/2006/main" xmlns:r="http://schemas.openxmlformats.org/officeDocument/2006/relationships" xmlns:p="http://schemas.openxmlformats.org/presentationml/2006/main">
   <p:cSld>
     <p:spTree>
@@ -13734,7 +13717,7 @@
                   </a:outerShdw>
                 </a:effectLst>
               </a:rPr>
-              <a:t>16</a:t>
+              <a:t>17</a:t>
             </a:fld>
             <a:endParaRPr lang="fr-CH" dirty="0">
               <a:solidFill>
@@ -13846,143 +13829,6 @@
 </p:sld>
 </file>
 
-<file path=ppt/slides/slide17.xml><?xml version="1.0" encoding="utf-8"?>
-<p:sld xmlns:a="http://schemas.openxmlformats.org/drawingml/2006/main" xmlns:r="http://schemas.openxmlformats.org/officeDocument/2006/relationships" xmlns:p="http://schemas.openxmlformats.org/presentationml/2006/main">
-  <p:cSld>
-    <p:spTree>
-      <p:nvGrpSpPr>
-        <p:cNvPr id="1" name=""/>
-        <p:cNvGrpSpPr/>
-        <p:nvPr/>
-      </p:nvGrpSpPr>
-      <p:grpSpPr>
-        <a:xfrm>
-          <a:off x="0" y="0"/>
-          <a:ext cx="0" cy="0"/>
-          <a:chOff x="0" y="0"/>
-          <a:chExt cx="0" cy="0"/>
-        </a:xfrm>
-      </p:grpSpPr>
-      <p:sp>
-        <p:nvSpPr>
-          <p:cNvPr id="2" name="Titre 1">
-            <a:extLst>
-              <a:ext uri="{FF2B5EF4-FFF2-40B4-BE49-F238E27FC236}">
-                <a16:creationId xmlns:a16="http://schemas.microsoft.com/office/drawing/2014/main" id="{0592E228-FE8F-FF0C-23DA-AA188C365D07}"/>
-              </a:ext>
-            </a:extLst>
-          </p:cNvPr>
-          <p:cNvSpPr>
-            <a:spLocks noGrp="1"/>
-          </p:cNvSpPr>
-          <p:nvPr>
-            <p:ph type="ctrTitle"/>
-          </p:nvPr>
-        </p:nvSpPr>
-        <p:spPr/>
-        <p:txBody>
-          <a:bodyPr/>
-          <a:lstStyle/>
-          <a:p>
-            <a:r>
-              <a:rPr lang="fr-CH" dirty="0"/>
-              <a:t>Slides de réserve</a:t>
-            </a:r>
-          </a:p>
-        </p:txBody>
-      </p:sp>
-      <p:sp>
-        <p:nvSpPr>
-          <p:cNvPr id="3" name="Sous-titre 2">
-            <a:extLst>
-              <a:ext uri="{FF2B5EF4-FFF2-40B4-BE49-F238E27FC236}">
-                <a16:creationId xmlns:a16="http://schemas.microsoft.com/office/drawing/2014/main" id="{67F210D2-4D63-C9DC-25D2-E8E573C5EE97}"/>
-              </a:ext>
-            </a:extLst>
-          </p:cNvPr>
-          <p:cNvSpPr>
-            <a:spLocks noGrp="1"/>
-          </p:cNvSpPr>
-          <p:nvPr>
-            <p:ph type="subTitle" idx="1"/>
-          </p:nvPr>
-        </p:nvSpPr>
-        <p:spPr/>
-        <p:txBody>
-          <a:bodyPr/>
-          <a:lstStyle/>
-          <a:p>
-            <a:endParaRPr lang="fr-CH"/>
-          </a:p>
-        </p:txBody>
-      </p:sp>
-      <p:sp>
-        <p:nvSpPr>
-          <p:cNvPr id="4" name="Espace réservé du pied de page 3">
-            <a:extLst>
-              <a:ext uri="{FF2B5EF4-FFF2-40B4-BE49-F238E27FC236}">
-                <a16:creationId xmlns:a16="http://schemas.microsoft.com/office/drawing/2014/main" id="{1482425C-F09E-6780-6002-D4AEBB9C8B10}"/>
-              </a:ext>
-            </a:extLst>
-          </p:cNvPr>
-          <p:cNvSpPr>
-            <a:spLocks noGrp="1"/>
-          </p:cNvSpPr>
-          <p:nvPr>
-            <p:ph type="ftr" sz="quarter" idx="11"/>
-          </p:nvPr>
-        </p:nvSpPr>
-        <p:spPr/>
-        <p:txBody>
-          <a:bodyPr/>
-          <a:lstStyle/>
-          <a:p>
-            <a:endParaRPr lang="fr-CH"/>
-          </a:p>
-        </p:txBody>
-      </p:sp>
-      <p:sp>
-        <p:nvSpPr>
-          <p:cNvPr id="5" name="Espace réservé du numéro de diapositive 4">
-            <a:extLst>
-              <a:ext uri="{FF2B5EF4-FFF2-40B4-BE49-F238E27FC236}">
-                <a16:creationId xmlns:a16="http://schemas.microsoft.com/office/drawing/2014/main" id="{676A2B88-08ED-24D5-E112-DFB9E55736CE}"/>
-              </a:ext>
-            </a:extLst>
-          </p:cNvPr>
-          <p:cNvSpPr>
-            <a:spLocks noGrp="1"/>
-          </p:cNvSpPr>
-          <p:nvPr>
-            <p:ph type="sldNum" sz="quarter" idx="12"/>
-          </p:nvPr>
-        </p:nvSpPr>
-        <p:spPr/>
-        <p:txBody>
-          <a:bodyPr/>
-          <a:lstStyle/>
-          <a:p>
-            <a:fld id="{2FCD9DE2-19B8-4E75-A167-0E6B1D03D668}" type="slidenum">
-              <a:rPr lang="fr-CH" smtClean="0"/>
-              <a:t>17</a:t>
-            </a:fld>
-            <a:endParaRPr lang="fr-CH"/>
-          </a:p>
-        </p:txBody>
-      </p:sp>
-    </p:spTree>
-    <p:extLst>
-      <p:ext uri="{BB962C8B-B14F-4D97-AF65-F5344CB8AC3E}">
-        <p14:creationId xmlns:p14="http://schemas.microsoft.com/office/powerpoint/2010/main" val="3322913745"/>
-      </p:ext>
-    </p:extLst>
-  </p:cSld>
-  <p:clrMapOvr>
-    <a:masterClrMapping/>
-  </p:clrMapOvr>
-</p:sld>
-</file>
-
 <file path=ppt/slides/slide18.xml><?xml version="1.0" encoding="utf-8"?>
 <p:sld xmlns:a="http://schemas.openxmlformats.org/drawingml/2006/main" xmlns:r="http://schemas.openxmlformats.org/officeDocument/2006/relationships" xmlns:p="http://schemas.openxmlformats.org/presentationml/2006/main">
   <p:cSld>
@@ -14005,6 +13851,143 @@
           <p:cNvPr id="2" name="Titre 1">
             <a:extLst>
               <a:ext uri="{FF2B5EF4-FFF2-40B4-BE49-F238E27FC236}">
+                <a16:creationId xmlns:a16="http://schemas.microsoft.com/office/drawing/2014/main" id="{0592E228-FE8F-FF0C-23DA-AA188C365D07}"/>
+              </a:ext>
+            </a:extLst>
+          </p:cNvPr>
+          <p:cNvSpPr>
+            <a:spLocks noGrp="1"/>
+          </p:cNvSpPr>
+          <p:nvPr>
+            <p:ph type="ctrTitle"/>
+          </p:nvPr>
+        </p:nvSpPr>
+        <p:spPr/>
+        <p:txBody>
+          <a:bodyPr/>
+          <a:lstStyle/>
+          <a:p>
+            <a:r>
+              <a:rPr lang="fr-CH" dirty="0"/>
+              <a:t>Slides de réserve</a:t>
+            </a:r>
+          </a:p>
+        </p:txBody>
+      </p:sp>
+      <p:sp>
+        <p:nvSpPr>
+          <p:cNvPr id="3" name="Sous-titre 2">
+            <a:extLst>
+              <a:ext uri="{FF2B5EF4-FFF2-40B4-BE49-F238E27FC236}">
+                <a16:creationId xmlns:a16="http://schemas.microsoft.com/office/drawing/2014/main" id="{67F210D2-4D63-C9DC-25D2-E8E573C5EE97}"/>
+              </a:ext>
+            </a:extLst>
+          </p:cNvPr>
+          <p:cNvSpPr>
+            <a:spLocks noGrp="1"/>
+          </p:cNvSpPr>
+          <p:nvPr>
+            <p:ph type="subTitle" idx="1"/>
+          </p:nvPr>
+        </p:nvSpPr>
+        <p:spPr/>
+        <p:txBody>
+          <a:bodyPr/>
+          <a:lstStyle/>
+          <a:p>
+            <a:endParaRPr lang="fr-CH"/>
+          </a:p>
+        </p:txBody>
+      </p:sp>
+      <p:sp>
+        <p:nvSpPr>
+          <p:cNvPr id="4" name="Espace réservé du pied de page 3">
+            <a:extLst>
+              <a:ext uri="{FF2B5EF4-FFF2-40B4-BE49-F238E27FC236}">
+                <a16:creationId xmlns:a16="http://schemas.microsoft.com/office/drawing/2014/main" id="{1482425C-F09E-6780-6002-D4AEBB9C8B10}"/>
+              </a:ext>
+            </a:extLst>
+          </p:cNvPr>
+          <p:cNvSpPr>
+            <a:spLocks noGrp="1"/>
+          </p:cNvSpPr>
+          <p:nvPr>
+            <p:ph type="ftr" sz="quarter" idx="11"/>
+          </p:nvPr>
+        </p:nvSpPr>
+        <p:spPr/>
+        <p:txBody>
+          <a:bodyPr/>
+          <a:lstStyle/>
+          <a:p>
+            <a:endParaRPr lang="fr-CH"/>
+          </a:p>
+        </p:txBody>
+      </p:sp>
+      <p:sp>
+        <p:nvSpPr>
+          <p:cNvPr id="5" name="Espace réservé du numéro de diapositive 4">
+            <a:extLst>
+              <a:ext uri="{FF2B5EF4-FFF2-40B4-BE49-F238E27FC236}">
+                <a16:creationId xmlns:a16="http://schemas.microsoft.com/office/drawing/2014/main" id="{676A2B88-08ED-24D5-E112-DFB9E55736CE}"/>
+              </a:ext>
+            </a:extLst>
+          </p:cNvPr>
+          <p:cNvSpPr>
+            <a:spLocks noGrp="1"/>
+          </p:cNvSpPr>
+          <p:nvPr>
+            <p:ph type="sldNum" sz="quarter" idx="12"/>
+          </p:nvPr>
+        </p:nvSpPr>
+        <p:spPr/>
+        <p:txBody>
+          <a:bodyPr/>
+          <a:lstStyle/>
+          <a:p>
+            <a:fld id="{2FCD9DE2-19B8-4E75-A167-0E6B1D03D668}" type="slidenum">
+              <a:rPr lang="fr-CH" smtClean="0"/>
+              <a:t>18</a:t>
+            </a:fld>
+            <a:endParaRPr lang="fr-CH"/>
+          </a:p>
+        </p:txBody>
+      </p:sp>
+    </p:spTree>
+    <p:extLst>
+      <p:ext uri="{BB962C8B-B14F-4D97-AF65-F5344CB8AC3E}">
+        <p14:creationId xmlns:p14="http://schemas.microsoft.com/office/powerpoint/2010/main" val="3322913745"/>
+      </p:ext>
+    </p:extLst>
+  </p:cSld>
+  <p:clrMapOvr>
+    <a:masterClrMapping/>
+  </p:clrMapOvr>
+</p:sld>
+</file>
+
+<file path=ppt/slides/slide19.xml><?xml version="1.0" encoding="utf-8"?>
+<p:sld xmlns:a="http://schemas.openxmlformats.org/drawingml/2006/main" xmlns:r="http://schemas.openxmlformats.org/officeDocument/2006/relationships" xmlns:p="http://schemas.openxmlformats.org/presentationml/2006/main">
+  <p:cSld>
+    <p:spTree>
+      <p:nvGrpSpPr>
+        <p:cNvPr id="1" name=""/>
+        <p:cNvGrpSpPr/>
+        <p:nvPr/>
+      </p:nvGrpSpPr>
+      <p:grpSpPr>
+        <a:xfrm>
+          <a:off x="0" y="0"/>
+          <a:ext cx="0" cy="0"/>
+          <a:chOff x="0" y="0"/>
+          <a:chExt cx="0" cy="0"/>
+        </a:xfrm>
+      </p:grpSpPr>
+      <p:sp>
+        <p:nvSpPr>
+          <p:cNvPr id="2" name="Titre 1">
+            <a:extLst>
+              <a:ext uri="{FF2B5EF4-FFF2-40B4-BE49-F238E27FC236}">
                 <a16:creationId xmlns:a16="http://schemas.microsoft.com/office/drawing/2014/main" id="{CE4DC12E-E983-ECA8-5945-82732125F923}"/>
               </a:ext>
             </a:extLst>
@@ -14073,7 +14056,7 @@
           <a:p>
             <a:fld id="{2FCD9DE2-19B8-4E75-A167-0E6B1D03D668}" type="slidenum">
               <a:rPr lang="fr-CH" smtClean="0"/>
-              <a:t>18</a:t>
+              <a:t>19</a:t>
             </a:fld>
             <a:endParaRPr lang="fr-CH"/>
           </a:p>
@@ -14201,16 +14184,15 @@
           </a:p>
           <a:p>
             <a:r>
-              <a:rPr lang="fr-CH" dirty="0" smtClean="0"/>
+              <a:rPr lang="fr-CH" dirty="0"/>
               <a:t>Réalisation</a:t>
             </a:r>
           </a:p>
           <a:p>
             <a:r>
-              <a:rPr lang="fr-CH" dirty="0" smtClean="0"/>
+              <a:rPr lang="fr-CH" dirty="0"/>
               <a:t>Points spécifiques</a:t>
             </a:r>
-            <a:endParaRPr lang="fr-CH" dirty="0"/>
           </a:p>
           <a:p>
             <a:r>
@@ -14248,12 +14230,8 @@
           <a:lstStyle/>
           <a:p>
             <a:r>
-              <a:rPr lang="fr-CH" dirty="0" smtClean="0"/>
-              <a:t>Damien </a:t>
-            </a:r>
-            <a:r>
               <a:rPr lang="fr-CH" dirty="0"/>
-              <a:t>Mayor</a:t>
+              <a:t>Damien Mayor</a:t>
             </a:r>
           </a:p>
         </p:txBody>
@@ -14380,13 +14358,8 @@
           <a:p>
             <a:r>
               <a:rPr lang="fr-CH" dirty="0"/>
-              <a:t>Damien </a:t>
-            </a:r>
-            <a:r>
-              <a:rPr lang="fr-CH" dirty="0" smtClean="0"/>
-              <a:t>Mayor</a:t>
-            </a:r>
-            <a:endParaRPr lang="fr-CH" dirty="0"/>
+              <a:t>Damien Mayor</a:t>
+            </a:r>
           </a:p>
         </p:txBody>
       </p:sp>
@@ -14660,7 +14633,7 @@
           </a:lstStyle>
           <a:p>
             <a:r>
-              <a:rPr lang="fr-CH" sz="2400" dirty="0" smtClean="0">
+              <a:rPr lang="fr-CH" sz="2400" dirty="0">
                 <a:solidFill>
                   <a:schemeClr val="accent3">
                     <a:lumMod val="75000"/>
@@ -14676,27 +14649,12 @@
               </a:rPr>
               <a:t>Sujet de pré-TPI</a:t>
             </a:r>
-            <a:endParaRPr lang="fr-CH" sz="2400" dirty="0">
-              <a:solidFill>
-                <a:schemeClr val="accent3">
-                  <a:lumMod val="75000"/>
-                </a:schemeClr>
-              </a:solidFill>
-              <a:effectLst>
-                <a:outerShdw blurRad="38100" dist="38100" dir="2700000" algn="tl">
-                  <a:srgbClr val="000000">
-                    <a:alpha val="43137"/>
-                  </a:srgbClr>
-                </a:outerShdw>
-              </a:effectLst>
-            </a:endParaRPr>
-          </a:p>
-          <a:p>
-            <a:r>
-              <a:rPr lang="fr-CH" sz="2400" dirty="0" smtClean="0"/>
+          </a:p>
+          <a:p>
+            <a:r>
+              <a:rPr lang="fr-CH" sz="2400" dirty="0"/>
               <a:t>"Mise en service d'un pare-feu Fortinet"</a:t>
             </a:r>
-            <a:endParaRPr lang="fr-CH" sz="2400" dirty="0"/>
           </a:p>
         </p:txBody>
       </p:sp>
@@ -14931,7 +14889,7 @@
           </a:lstStyle>
           <a:p>
             <a:r>
-              <a:rPr lang="fr-CH" sz="2400" dirty="0" smtClean="0">
+              <a:rPr lang="fr-CH" sz="2400" dirty="0">
                 <a:solidFill>
                   <a:schemeClr val="accent5">
                     <a:lumMod val="75000"/>
@@ -14947,27 +14905,12 @@
               </a:rPr>
               <a:t>Pourquoi ce thème?</a:t>
             </a:r>
-            <a:endParaRPr lang="fr-CH" sz="2400" dirty="0">
-              <a:solidFill>
-                <a:schemeClr val="accent5">
-                  <a:lumMod val="75000"/>
-                </a:schemeClr>
-              </a:solidFill>
-              <a:effectLst>
-                <a:outerShdw blurRad="38100" dist="38100" dir="2700000" algn="tl">
-                  <a:srgbClr val="000000">
-                    <a:alpha val="43137"/>
-                  </a:srgbClr>
-                </a:outerShdw>
-              </a:effectLst>
-            </a:endParaRPr>
-          </a:p>
-          <a:p>
-            <a:r>
-              <a:rPr lang="fr-CH" sz="2400" dirty="0" smtClean="0"/>
+          </a:p>
+          <a:p>
+            <a:r>
+              <a:rPr lang="fr-CH" sz="2400" dirty="0"/>
               <a:t>C'est la raison de ma reconversion professionnelle</a:t>
             </a:r>
-            <a:endParaRPr lang="fr-CH" sz="2400" dirty="0"/>
           </a:p>
         </p:txBody>
       </p:sp>
@@ -15023,13 +14966,8 @@
           <a:p>
             <a:r>
               <a:rPr lang="fr-CH" dirty="0"/>
-              <a:t>Cahier des </a:t>
-            </a:r>
-            <a:r>
-              <a:rPr lang="fr-CH" dirty="0" smtClean="0"/>
-              <a:t>charges</a:t>
-            </a:r>
-            <a:endParaRPr lang="fr-CH" dirty="0"/>
+              <a:t>Cahier des charges</a:t>
+            </a:r>
           </a:p>
         </p:txBody>
       </p:sp>
@@ -15243,10 +15181,9 @@
           <a:lstStyle/>
           <a:p>
             <a:r>
-              <a:rPr lang="fr-CH" dirty="0" smtClean="0"/>
+              <a:rPr lang="fr-CH" dirty="0"/>
               <a:t>Damien Mayor</a:t>
             </a:r>
-            <a:endParaRPr lang="fr-CH" dirty="0"/>
           </a:p>
         </p:txBody>
       </p:sp>
@@ -15397,7 +15334,7 @@
           </a:lstStyle>
           <a:p>
             <a:r>
-              <a:rPr lang="fr-CH" sz="3400" dirty="0" smtClean="0">
+              <a:rPr lang="fr-CH" sz="3400" dirty="0">
                 <a:solidFill>
                   <a:schemeClr val="accent2">
                     <a:lumMod val="75000"/>
@@ -15414,7 +15351,7 @@
               <a:t>Mise en place de firewalls virtuels sur une Appliance </a:t>
             </a:r>
             <a:r>
-              <a:rPr lang="fr-CH" sz="3400" dirty="0" smtClean="0">
+              <a:rPr lang="fr-CH" sz="3400" dirty="0">
                 <a:solidFill>
                   <a:srgbClr val="C00000"/>
                 </a:solidFill>
@@ -15429,7 +15366,7 @@
               <a:t>FORTINET</a:t>
             </a:r>
             <a:r>
-              <a:rPr lang="fr-CH" sz="3400" dirty="0" smtClean="0">
+              <a:rPr lang="fr-CH" sz="3400" dirty="0">
                 <a:solidFill>
                   <a:schemeClr val="accent2">
                     <a:lumMod val="75000"/>
@@ -15445,20 +15382,6 @@
               </a:rPr>
               <a:t> adapté au module 146</a:t>
             </a:r>
-            <a:endParaRPr lang="fr-CH" sz="3400" dirty="0">
-              <a:solidFill>
-                <a:schemeClr val="accent2">
-                  <a:lumMod val="75000"/>
-                </a:schemeClr>
-              </a:solidFill>
-              <a:effectLst>
-                <a:outerShdw blurRad="38100" dist="38100" dir="2700000" algn="tl">
-                  <a:srgbClr val="000000">
-                    <a:alpha val="43137"/>
-                  </a:srgbClr>
-                </a:outerShdw>
-              </a:effectLst>
-            </a:endParaRPr>
           </a:p>
         </p:txBody>
       </p:sp>
@@ -15630,7 +15553,7 @@
           </a:lstStyle>
           <a:p>
             <a:r>
-              <a:rPr lang="fr-CH" sz="3400" dirty="0" smtClean="0">
+              <a:rPr lang="fr-CH" sz="3400" dirty="0">
                 <a:solidFill>
                   <a:schemeClr val="accent4">
                     <a:lumMod val="75000"/>
@@ -15646,20 +15569,6 @@
               </a:rPr>
               <a:t>Annexe 7.2 page 40</a:t>
             </a:r>
-            <a:endParaRPr lang="fr-CH" sz="3400" dirty="0">
-              <a:solidFill>
-                <a:schemeClr val="accent4">
-                  <a:lumMod val="75000"/>
-                </a:schemeClr>
-              </a:solidFill>
-              <a:effectLst>
-                <a:outerShdw blurRad="38100" dist="38100" dir="2700000" algn="tl">
-                  <a:srgbClr val="000000">
-                    <a:alpha val="43137"/>
-                  </a:srgbClr>
-                </a:outerShdw>
-              </a:effectLst>
-            </a:endParaRPr>
           </a:p>
         </p:txBody>
       </p:sp>
@@ -15829,14 +15738,14 @@
           <p:nvPr>
             <p:extLst>
               <p:ext uri="{D42A27DB-BD31-4B8C-83A1-F6EECF244321}">
-                <p14:modId xmlns:p14="http://schemas.microsoft.com/office/powerpoint/2010/main" val="3493394056"/>
+                <p14:modId xmlns:p14="http://schemas.microsoft.com/office/powerpoint/2010/main" val="1752883262"/>
               </p:ext>
             </p:extLst>
           </p:nvPr>
         </p:nvGraphicFramePr>
         <p:xfrm>
-          <a:off x="421908" y="2006097"/>
-          <a:ext cx="4572000" cy="2743200"/>
+          <a:off x="0" y="1729212"/>
+          <a:ext cx="4993908" cy="3020085"/>
         </p:xfrm>
         <a:graphic>
           <a:graphicData uri="http://schemas.openxmlformats.org/drawingml/2006/chart">
@@ -15853,14 +15762,14 @@
           <p:nvPr>
             <p:extLst>
               <p:ext uri="{D42A27DB-BD31-4B8C-83A1-F6EECF244321}">
-                <p14:modId xmlns:p14="http://schemas.microsoft.com/office/powerpoint/2010/main" val="4249642151"/>
+                <p14:modId xmlns:p14="http://schemas.microsoft.com/office/powerpoint/2010/main" val="3802393882"/>
               </p:ext>
             </p:extLst>
           </p:nvPr>
         </p:nvGraphicFramePr>
         <p:xfrm>
-          <a:off x="5575489" y="2006097"/>
-          <a:ext cx="4572000" cy="2743200"/>
+          <a:off x="5260063" y="1729212"/>
+          <a:ext cx="4887426" cy="3020085"/>
         </p:xfrm>
         <a:graphic>
           <a:graphicData uri="http://schemas.openxmlformats.org/drawingml/2006/chart">
@@ -15891,7 +15800,7 @@
           <a:lstStyle/>
           <a:p>
             <a:r>
-              <a:rPr lang="fr-CH" dirty="0" smtClean="0">
+              <a:rPr lang="fr-CH" dirty="0">
                 <a:solidFill>
                   <a:schemeClr val="tx2"/>
                 </a:solidFill>
@@ -15899,7 +15808,7 @@
               <a:t>Implémentation 2</a:t>
             </a:r>
             <a:r>
-              <a:rPr lang="fr-CH" baseline="30000" dirty="0" smtClean="0">
+              <a:rPr lang="fr-CH" baseline="30000" dirty="0">
                 <a:solidFill>
                   <a:schemeClr val="tx2"/>
                 </a:solidFill>
@@ -15907,33 +15816,23 @@
               <a:t>ème</a:t>
             </a:r>
             <a:r>
-              <a:rPr lang="fr-CH" dirty="0" smtClean="0">
+              <a:rPr lang="fr-CH" dirty="0">
                 <a:solidFill>
                   <a:schemeClr val="tx2"/>
                 </a:solidFill>
               </a:rPr>
               <a:t> temps : -21.2%</a:t>
             </a:r>
-            <a:endParaRPr lang="fr-CH" dirty="0">
-              <a:solidFill>
-                <a:schemeClr val="tx2"/>
-              </a:solidFill>
-            </a:endParaRPr>
-          </a:p>
-          <a:p>
-            <a:r>
-              <a:rPr lang="fr-CH" dirty="0" smtClean="0">
+          </a:p>
+          <a:p>
+            <a:r>
+              <a:rPr lang="fr-CH" dirty="0">
                 <a:solidFill>
                   <a:schemeClr val="tx2"/>
                 </a:solidFill>
               </a:rPr>
               <a:t>Documentation : +21.9%</a:t>
             </a:r>
-            <a:endParaRPr lang="fr-CH" dirty="0">
-              <a:solidFill>
-                <a:schemeClr val="tx2"/>
-              </a:solidFill>
-            </a:endParaRPr>
           </a:p>
         </p:txBody>
       </p:sp>
@@ -16013,12 +15912,8 @@
           <a:lstStyle/>
           <a:p>
             <a:r>
-              <a:rPr lang="fr-CH" dirty="0" smtClean="0"/>
-              <a:t>Damien </a:t>
-            </a:r>
-            <a:r>
               <a:rPr lang="fr-CH" dirty="0"/>
-              <a:t>Mayor</a:t>
+              <a:t>Damien Mayor</a:t>
             </a:r>
           </a:p>
         </p:txBody>
@@ -16136,21 +16031,55 @@
           <a:lstStyle/>
           <a:p>
             <a:r>
-              <a:rPr lang="fr-CH" dirty="0" smtClean="0"/>
+              <a:rPr lang="fr-CH" dirty="0"/>
               <a:t>Mise en place infrastructure</a:t>
             </a:r>
-            <a:endParaRPr lang="fr-CH" dirty="0"/>
-          </a:p>
-        </p:txBody>
-      </p:sp>
-      <p:sp>
-        <p:nvSpPr>
-          <p:cNvPr id="3" name="Espace réservé du contenu 2"/>
-          <p:cNvSpPr>
-            <a:spLocks noGrp="1"/>
-          </p:cNvSpPr>
+          </a:p>
+        </p:txBody>
+      </p:sp>
+      <p:pic>
+        <p:nvPicPr>
+          <p:cNvPr id="7" name="Content Placeholder 6" descr="A diagram of a computer network&#10;&#10;Description automatically generated with low confidence">
+            <a:extLst>
+              <a:ext uri="{FF2B5EF4-FFF2-40B4-BE49-F238E27FC236}">
+                <a16:creationId xmlns:a16="http://schemas.microsoft.com/office/drawing/2014/main" id="{13E178C9-D749-96EC-0A97-58F1B61A55AB}"/>
+              </a:ext>
+            </a:extLst>
+          </p:cNvPr>
+          <p:cNvPicPr>
+            <a:picLocks noGrp="1" noChangeAspect="1"/>
+          </p:cNvPicPr>
           <p:nvPr>
             <p:ph idx="1"/>
+          </p:nvPr>
+        </p:nvPicPr>
+        <p:blipFill>
+          <a:blip r:embed="rId2">
+            <a:extLst>
+              <a:ext uri="{28A0092B-C50C-407E-A947-70E740481C1C}">
+                <a14:useLocalDpi xmlns:a14="http://schemas.microsoft.com/office/drawing/2010/main" val="0"/>
+              </a:ext>
+            </a:extLst>
+          </a:blip>
+          <a:stretch>
+            <a:fillRect/>
+          </a:stretch>
+        </p:blipFill>
+        <p:spPr>
+          <a:xfrm>
+            <a:off x="0" y="1447800"/>
+            <a:ext cx="6418400" cy="5410200"/>
+          </a:xfrm>
+        </p:spPr>
+      </p:pic>
+      <p:sp>
+        <p:nvSpPr>
+          <p:cNvPr id="4" name="Espace réservé du pied de page 3"/>
+          <p:cNvSpPr>
+            <a:spLocks noGrp="1"/>
+          </p:cNvSpPr>
+          <p:nvPr>
+            <p:ph type="ftr" sz="quarter" idx="11"/>
           </p:nvPr>
         </p:nvSpPr>
         <p:spPr/>
@@ -16158,30 +16087,10 @@
           <a:bodyPr/>
           <a:lstStyle/>
           <a:p>
-            <a:endParaRPr lang="fr-CH"/>
-          </a:p>
-        </p:txBody>
-      </p:sp>
-      <p:sp>
-        <p:nvSpPr>
-          <p:cNvPr id="4" name="Espace réservé du pied de page 3"/>
-          <p:cNvSpPr>
-            <a:spLocks noGrp="1"/>
-          </p:cNvSpPr>
-          <p:nvPr>
-            <p:ph type="ftr" sz="quarter" idx="11"/>
-          </p:nvPr>
-        </p:nvSpPr>
-        <p:spPr/>
-        <p:txBody>
-          <a:bodyPr/>
-          <a:lstStyle/>
-          <a:p>
-            <a:r>
-              <a:rPr lang="fr-CH" dirty="0" smtClean="0"/>
+            <a:r>
+              <a:rPr lang="fr-CH" dirty="0"/>
               <a:t>Damien Mayor</a:t>
             </a:r>
-            <a:endParaRPr lang="fr-CH" dirty="0"/>
           </a:p>
         </p:txBody>
       </p:sp>
@@ -16218,13 +16127,6 @@
   <p:clrMapOvr>
     <a:masterClrMapping/>
   </p:clrMapOvr>
-  <p:timing>
-    <p:tnLst>
-      <p:par>
-        <p:cTn id="1" dur="indefinite" restart="never" nodeType="tmRoot"/>
-      </p:par>
-    </p:tnLst>
-  </p:timing>
 </p:sld>
 </file>
 
@@ -16247,7 +16149,13 @@
       </p:grpSpPr>
       <p:sp>
         <p:nvSpPr>
-          <p:cNvPr id="2" name="Titre 1"/>
+          <p:cNvPr id="2" name="Title 1">
+            <a:extLst>
+              <a:ext uri="{FF2B5EF4-FFF2-40B4-BE49-F238E27FC236}">
+                <a16:creationId xmlns:a16="http://schemas.microsoft.com/office/drawing/2014/main" id="{98CC434C-830B-F4C4-75C2-B7DBE1B61AFE}"/>
+              </a:ext>
+            </a:extLst>
+          </p:cNvPr>
           <p:cNvSpPr>
             <a:spLocks noGrp="1"/>
           </p:cNvSpPr>
@@ -16261,21 +16169,26 @@
           <a:lstStyle/>
           <a:p>
             <a:r>
-              <a:rPr lang="fr-CH" dirty="0" smtClean="0"/>
-              <a:t>Phase 1</a:t>
-            </a:r>
-            <a:endParaRPr lang="fr-CH" dirty="0"/>
-          </a:p>
-        </p:txBody>
-      </p:sp>
-      <p:sp>
-        <p:nvSpPr>
-          <p:cNvPr id="4" name="Espace réservé du pied de page 3"/>
-          <p:cNvSpPr>
-            <a:spLocks noGrp="1"/>
-          </p:cNvSpPr>
-          <p:nvPr>
-            <p:ph type="ftr" sz="quarter" idx="11"/>
+              <a:rPr lang="en-CH" dirty="0"/>
+              <a:t>liste</a:t>
+            </a:r>
+          </a:p>
+        </p:txBody>
+      </p:sp>
+      <p:sp>
+        <p:nvSpPr>
+          <p:cNvPr id="3" name="Content Placeholder 2">
+            <a:extLst>
+              <a:ext uri="{FF2B5EF4-FFF2-40B4-BE49-F238E27FC236}">
+                <a16:creationId xmlns:a16="http://schemas.microsoft.com/office/drawing/2014/main" id="{D22D68A1-892F-E6EA-1725-C51515731DC5}"/>
+              </a:ext>
+            </a:extLst>
+          </p:cNvPr>
+          <p:cNvSpPr>
+            <a:spLocks noGrp="1"/>
+          </p:cNvSpPr>
+          <p:nvPr>
+            <p:ph idx="1"/>
           </p:nvPr>
         </p:nvSpPr>
         <p:spPr/>
@@ -16284,16 +16197,50 @@
           <a:lstStyle/>
           <a:p>
             <a:r>
-              <a:rPr lang="fr-CH" dirty="0" smtClean="0"/>
-              <a:t>Damien Mayor</a:t>
-            </a:r>
-            <a:endParaRPr lang="fr-CH" dirty="0"/>
-          </a:p>
-        </p:txBody>
-      </p:sp>
-      <p:sp>
-        <p:nvSpPr>
-          <p:cNvPr id="5" name="Espace réservé du numéro de diapositive 4"/>
+              <a:rPr lang="en-GB" dirty="0"/>
+              <a:t>S</a:t>
+            </a:r>
+            <a:r>
+              <a:rPr lang="en-CH" dirty="0"/>
+              <a:t>elon rapport de TPI les étapes</a:t>
+            </a:r>
+          </a:p>
+        </p:txBody>
+      </p:sp>
+      <p:sp>
+        <p:nvSpPr>
+          <p:cNvPr id="4" name="Footer Placeholder 3">
+            <a:extLst>
+              <a:ext uri="{FF2B5EF4-FFF2-40B4-BE49-F238E27FC236}">
+                <a16:creationId xmlns:a16="http://schemas.microsoft.com/office/drawing/2014/main" id="{4F1E2F61-397B-7DED-9805-7589FE31C9F3}"/>
+              </a:ext>
+            </a:extLst>
+          </p:cNvPr>
+          <p:cNvSpPr>
+            <a:spLocks noGrp="1"/>
+          </p:cNvSpPr>
+          <p:nvPr>
+            <p:ph type="ftr" sz="quarter" idx="11"/>
+          </p:nvPr>
+        </p:nvSpPr>
+        <p:spPr/>
+        <p:txBody>
+          <a:bodyPr/>
+          <a:lstStyle/>
+          <a:p>
+            <a:endParaRPr lang="fr-CH"/>
+          </a:p>
+        </p:txBody>
+      </p:sp>
+      <p:sp>
+        <p:nvSpPr>
+          <p:cNvPr id="5" name="Slide Number Placeholder 4">
+            <a:extLst>
+              <a:ext uri="{FF2B5EF4-FFF2-40B4-BE49-F238E27FC236}">
+                <a16:creationId xmlns:a16="http://schemas.microsoft.com/office/drawing/2014/main" id="{6393EC6E-2BF1-5DE5-2FFC-521A1526E106}"/>
+              </a:ext>
+            </a:extLst>
+          </p:cNvPr>
           <p:cNvSpPr>
             <a:spLocks noGrp="1"/>
           </p:cNvSpPr>
@@ -16309,6 +16256,103 @@
             <a:fld id="{2FCD9DE2-19B8-4E75-A167-0E6B1D03D668}" type="slidenum">
               <a:rPr lang="fr-CH" smtClean="0"/>
               <a:t>8</a:t>
+            </a:fld>
+            <a:endParaRPr lang="fr-CH"/>
+          </a:p>
+        </p:txBody>
+      </p:sp>
+    </p:spTree>
+    <p:extLst>
+      <p:ext uri="{BB962C8B-B14F-4D97-AF65-F5344CB8AC3E}">
+        <p14:creationId xmlns:p14="http://schemas.microsoft.com/office/powerpoint/2010/main" val="801122207"/>
+      </p:ext>
+    </p:extLst>
+  </p:cSld>
+  <p:clrMapOvr>
+    <a:masterClrMapping/>
+  </p:clrMapOvr>
+</p:sld>
+</file>
+
+<file path=ppt/slides/slide9.xml><?xml version="1.0" encoding="utf-8"?>
+<p:sld xmlns:a="http://schemas.openxmlformats.org/drawingml/2006/main" xmlns:r="http://schemas.openxmlformats.org/officeDocument/2006/relationships" xmlns:p="http://schemas.openxmlformats.org/presentationml/2006/main">
+  <p:cSld>
+    <p:spTree>
+      <p:nvGrpSpPr>
+        <p:cNvPr id="1" name=""/>
+        <p:cNvGrpSpPr/>
+        <p:nvPr/>
+      </p:nvGrpSpPr>
+      <p:grpSpPr>
+        <a:xfrm>
+          <a:off x="0" y="0"/>
+          <a:ext cx="0" cy="0"/>
+          <a:chOff x="0" y="0"/>
+          <a:chExt cx="0" cy="0"/>
+        </a:xfrm>
+      </p:grpSpPr>
+      <p:sp>
+        <p:nvSpPr>
+          <p:cNvPr id="2" name="Titre 1"/>
+          <p:cNvSpPr>
+            <a:spLocks noGrp="1"/>
+          </p:cNvSpPr>
+          <p:nvPr>
+            <p:ph type="title"/>
+          </p:nvPr>
+        </p:nvSpPr>
+        <p:spPr/>
+        <p:txBody>
+          <a:bodyPr/>
+          <a:lstStyle/>
+          <a:p>
+            <a:r>
+              <a:rPr lang="fr-CH" dirty="0"/>
+              <a:t>Phase 1</a:t>
+            </a:r>
+          </a:p>
+        </p:txBody>
+      </p:sp>
+      <p:sp>
+        <p:nvSpPr>
+          <p:cNvPr id="4" name="Espace réservé du pied de page 3"/>
+          <p:cNvSpPr>
+            <a:spLocks noGrp="1"/>
+          </p:cNvSpPr>
+          <p:nvPr>
+            <p:ph type="ftr" sz="quarter" idx="11"/>
+          </p:nvPr>
+        </p:nvSpPr>
+        <p:spPr/>
+        <p:txBody>
+          <a:bodyPr/>
+          <a:lstStyle/>
+          <a:p>
+            <a:r>
+              <a:rPr lang="fr-CH" dirty="0"/>
+              <a:t>Damien Mayor</a:t>
+            </a:r>
+          </a:p>
+        </p:txBody>
+      </p:sp>
+      <p:sp>
+        <p:nvSpPr>
+          <p:cNvPr id="5" name="Espace réservé du numéro de diapositive 4"/>
+          <p:cNvSpPr>
+            <a:spLocks noGrp="1"/>
+          </p:cNvSpPr>
+          <p:nvPr>
+            <p:ph type="sldNum" sz="quarter" idx="12"/>
+          </p:nvPr>
+        </p:nvSpPr>
+        <p:spPr/>
+        <p:txBody>
+          <a:bodyPr/>
+          <a:lstStyle/>
+          <a:p>
+            <a:fld id="{2FCD9DE2-19B8-4E75-A167-0E6B1D03D668}" type="slidenum">
+              <a:rPr lang="fr-CH" smtClean="0"/>
+              <a:t>9</a:t>
             </a:fld>
             <a:endParaRPr lang="fr-CH"/>
           </a:p>
@@ -16338,7 +16382,7 @@
         </p:blipFill>
         <p:spPr>
           <a:xfrm>
-            <a:off x="1409243" y="1418304"/>
+            <a:off x="7163" y="1418304"/>
             <a:ext cx="7878457" cy="5423632"/>
           </a:xfrm>
           <a:ln>
@@ -16360,138 +16404,6 @@
   <p:clrMapOvr>
     <a:masterClrMapping/>
   </p:clrMapOvr>
-  <p:timing>
-    <p:tnLst>
-      <p:par>
-        <p:cTn id="1" dur="indefinite" restart="never" nodeType="tmRoot"/>
-      </p:par>
-    </p:tnLst>
-  </p:timing>
-</p:sld>
-</file>
-
-<file path=ppt/slides/slide9.xml><?xml version="1.0" encoding="utf-8"?>
-<p:sld xmlns:a="http://schemas.openxmlformats.org/drawingml/2006/main" xmlns:r="http://schemas.openxmlformats.org/officeDocument/2006/relationships" xmlns:p="http://schemas.openxmlformats.org/presentationml/2006/main">
-  <p:cSld>
-    <p:spTree>
-      <p:nvGrpSpPr>
-        <p:cNvPr id="1" name=""/>
-        <p:cNvGrpSpPr/>
-        <p:nvPr/>
-      </p:nvGrpSpPr>
-      <p:grpSpPr>
-        <a:xfrm>
-          <a:off x="0" y="0"/>
-          <a:ext cx="0" cy="0"/>
-          <a:chOff x="0" y="0"/>
-          <a:chExt cx="0" cy="0"/>
-        </a:xfrm>
-      </p:grpSpPr>
-      <p:sp>
-        <p:nvSpPr>
-          <p:cNvPr id="2" name="Titre 1"/>
-          <p:cNvSpPr>
-            <a:spLocks noGrp="1"/>
-          </p:cNvSpPr>
-          <p:nvPr>
-            <p:ph type="title"/>
-          </p:nvPr>
-        </p:nvSpPr>
-        <p:spPr/>
-        <p:txBody>
-          <a:bodyPr/>
-          <a:lstStyle/>
-          <a:p>
-            <a:r>
-              <a:rPr lang="fr-CH" dirty="0" smtClean="0"/>
-              <a:t>Site à site</a:t>
-            </a:r>
-            <a:endParaRPr lang="fr-CH" dirty="0"/>
-          </a:p>
-        </p:txBody>
-      </p:sp>
-      <p:sp>
-        <p:nvSpPr>
-          <p:cNvPr id="3" name="Espace réservé du contenu 2"/>
-          <p:cNvSpPr>
-            <a:spLocks noGrp="1"/>
-          </p:cNvSpPr>
-          <p:nvPr>
-            <p:ph idx="1"/>
-          </p:nvPr>
-        </p:nvSpPr>
-        <p:spPr/>
-        <p:txBody>
-          <a:bodyPr/>
-          <a:lstStyle/>
-          <a:p>
-            <a:endParaRPr lang="fr-CH"/>
-          </a:p>
-        </p:txBody>
-      </p:sp>
-      <p:sp>
-        <p:nvSpPr>
-          <p:cNvPr id="4" name="Espace réservé du pied de page 3"/>
-          <p:cNvSpPr>
-            <a:spLocks noGrp="1"/>
-          </p:cNvSpPr>
-          <p:nvPr>
-            <p:ph type="ftr" sz="quarter" idx="11"/>
-          </p:nvPr>
-        </p:nvSpPr>
-        <p:spPr/>
-        <p:txBody>
-          <a:bodyPr/>
-          <a:lstStyle/>
-          <a:p>
-            <a:r>
-              <a:rPr lang="fr-CH" dirty="0" smtClean="0"/>
-              <a:t>Damien Mayor</a:t>
-            </a:r>
-            <a:endParaRPr lang="fr-CH" dirty="0"/>
-          </a:p>
-        </p:txBody>
-      </p:sp>
-      <p:sp>
-        <p:nvSpPr>
-          <p:cNvPr id="5" name="Espace réservé du numéro de diapositive 4"/>
-          <p:cNvSpPr>
-            <a:spLocks noGrp="1"/>
-          </p:cNvSpPr>
-          <p:nvPr>
-            <p:ph type="sldNum" sz="quarter" idx="12"/>
-          </p:nvPr>
-        </p:nvSpPr>
-        <p:spPr/>
-        <p:txBody>
-          <a:bodyPr/>
-          <a:lstStyle/>
-          <a:p>
-            <a:fld id="{2FCD9DE2-19B8-4E75-A167-0E6B1D03D668}" type="slidenum">
-              <a:rPr lang="fr-CH" smtClean="0"/>
-              <a:t>9</a:t>
-            </a:fld>
-            <a:endParaRPr lang="fr-CH"/>
-          </a:p>
-        </p:txBody>
-      </p:sp>
-    </p:spTree>
-    <p:extLst>
-      <p:ext uri="{BB962C8B-B14F-4D97-AF65-F5344CB8AC3E}">
-        <p14:creationId xmlns:p14="http://schemas.microsoft.com/office/powerpoint/2010/main" val="173640064"/>
-      </p:ext>
-    </p:extLst>
-  </p:cSld>
-  <p:clrMapOvr>
-    <a:masterClrMapping/>
-  </p:clrMapOvr>
-  <p:timing>
-    <p:tnLst>
-      <p:par>
-        <p:cTn id="1" dur="indefinite" restart="never" nodeType="tmRoot"/>
-      </p:par>
-    </p:tnLst>
-  </p:timing>
 </p:sld>
 </file>
 

--- a/Présentation/Présentation TPI DMA.pptx
+++ b/Présentation/Présentation TPI DMA.pptx
@@ -1,6 +1,6 @@
 
 <file path=ppt/presentation.xml><?xml version="1.0" encoding="utf-8"?>
-<p:presentation xmlns:a="http://schemas.openxmlformats.org/drawingml/2006/main" xmlns:r="http://schemas.openxmlformats.org/officeDocument/2006/relationships" xmlns:p="http://schemas.openxmlformats.org/presentationml/2006/main" saveSubsetFonts="1">
+<p:presentation xmlns:a="http://schemas.openxmlformats.org/drawingml/2006/main" xmlns:r="http://schemas.openxmlformats.org/officeDocument/2006/relationships" xmlns:p="http://schemas.openxmlformats.org/presentationml/2006/main" showSpecialPlsOnTitleSld="0" saveSubsetFonts="1">
   <p:sldMasterIdLst>
     <p:sldMasterId id="2147483802" r:id="rId1"/>
   </p:sldMasterIdLst>
@@ -14,18 +14,18 @@
     <p:sldId id="279" r:id="rId5"/>
     <p:sldId id="260" r:id="rId6"/>
     <p:sldId id="261" r:id="rId7"/>
-    <p:sldId id="281" r:id="rId8"/>
-    <p:sldId id="287" r:id="rId9"/>
-    <p:sldId id="286" r:id="rId10"/>
-    <p:sldId id="282" r:id="rId11"/>
-    <p:sldId id="283" r:id="rId12"/>
-    <p:sldId id="285" r:id="rId13"/>
-    <p:sldId id="284" r:id="rId14"/>
-    <p:sldId id="280" r:id="rId15"/>
-    <p:sldId id="262" r:id="rId16"/>
-    <p:sldId id="263" r:id="rId17"/>
-    <p:sldId id="264" r:id="rId18"/>
-    <p:sldId id="272" r:id="rId19"/>
+    <p:sldId id="286" r:id="rId8"/>
+    <p:sldId id="290" r:id="rId9"/>
+    <p:sldId id="291" r:id="rId10"/>
+    <p:sldId id="292" r:id="rId11"/>
+    <p:sldId id="285" r:id="rId12"/>
+    <p:sldId id="284" r:id="rId13"/>
+    <p:sldId id="288" r:id="rId14"/>
+    <p:sldId id="262" r:id="rId15"/>
+    <p:sldId id="263" r:id="rId16"/>
+    <p:sldId id="264" r:id="rId17"/>
+    <p:sldId id="272" r:id="rId18"/>
+    <p:sldId id="289" r:id="rId19"/>
     <p:sldId id="277" r:id="rId20"/>
   </p:sldIdLst>
   <p:sldSz cx="12192000" cy="6858000"/>
@@ -136,7 +136,7 @@
 <file path=ppt/charts/chart1.xml><?xml version="1.0" encoding="utf-8"?>
 <c:chartSpace xmlns:c="http://schemas.openxmlformats.org/drawingml/2006/chart" xmlns:a="http://schemas.openxmlformats.org/drawingml/2006/main" xmlns:r="http://schemas.openxmlformats.org/officeDocument/2006/relationships" xmlns:c16r2="http://schemas.microsoft.com/office/drawing/2015/06/chart">
   <c:date1904 val="0"/>
-  <c:lang val="en-GB"/>
+  <c:lang val="fr-FR"/>
   <c:roundedCorners val="0"/>
   <mc:AlternateContent xmlns:mc="http://schemas.openxmlformats.org/markup-compatibility/2006">
     <mc:Choice xmlns:c14="http://schemas.microsoft.com/office/drawing/2007/8/2/chart" Requires="c14">
@@ -148,6 +148,7 @@
   </mc:AlternateContent>
   <c:chart>
     <c:title>
+      <c:layout/>
       <c:overlay val="0"/>
       <c:spPr>
         <a:noFill/>
@@ -179,7 +180,7 @@
               <a:cs typeface="+mn-cs"/>
             </a:defRPr>
           </a:pPr>
-          <a:endParaRPr lang="en-CH"/>
+          <a:endParaRPr lang="fr-FR"/>
         </a:p>
       </c:txPr>
     </c:title>
@@ -513,7 +514,7 @@
                     <a:cs typeface="+mn-cs"/>
                   </a:defRPr>
                 </a:pPr>
-                <a:endParaRPr lang="en-CH"/>
+                <a:endParaRPr lang="fr-FR"/>
               </a:p>
             </c:txPr>
             <c:showLegendKey val="0"/>
@@ -537,7 +538,9 @@
               </c:spPr>
             </c:leaderLines>
             <c:extLst>
-              <c:ext xmlns:c15="http://schemas.microsoft.com/office/drawing/2012/chart" uri="{CE6537A1-D6FC-4f65-9D91-7224C49458BB}"/>
+              <c:ext xmlns:c15="http://schemas.microsoft.com/office/drawing/2012/chart" uri="{CE6537A1-D6FC-4f65-9D91-7224C49458BB}">
+                <c15:layout/>
+              </c:ext>
             </c:extLst>
           </c:dLbls>
           <c:cat>
@@ -648,7 +651,7 @@
               <a:cs typeface="+mn-cs"/>
             </a:defRPr>
           </a:pPr>
-          <a:endParaRPr lang="en-CH"/>
+          <a:endParaRPr lang="fr-FR"/>
         </a:p>
       </c:txPr>
     </c:legend>
@@ -689,7 +692,7 @@
       <a:pPr>
         <a:defRPr/>
       </a:pPr>
-      <a:endParaRPr lang="en-CH"/>
+      <a:endParaRPr lang="fr-FR"/>
     </a:p>
   </c:txPr>
   <c:externalData r:id="rId3">
@@ -701,7 +704,7 @@
 <file path=ppt/charts/chart2.xml><?xml version="1.0" encoding="utf-8"?>
 <c:chartSpace xmlns:c="http://schemas.openxmlformats.org/drawingml/2006/chart" xmlns:a="http://schemas.openxmlformats.org/drawingml/2006/main" xmlns:r="http://schemas.openxmlformats.org/officeDocument/2006/relationships" xmlns:c16r2="http://schemas.microsoft.com/office/drawing/2015/06/chart">
   <c:date1904 val="0"/>
-  <c:lang val="en-GB"/>
+  <c:lang val="fr-FR"/>
   <c:roundedCorners val="0"/>
   <mc:AlternateContent xmlns:mc="http://schemas.openxmlformats.org/markup-compatibility/2006">
     <mc:Choice xmlns:c14="http://schemas.microsoft.com/office/drawing/2007/8/2/chart" Requires="c14">
@@ -713,6 +716,7 @@
   </mc:AlternateContent>
   <c:chart>
     <c:title>
+      <c:layout/>
       <c:overlay val="0"/>
       <c:spPr>
         <a:noFill/>
@@ -744,7 +748,7 @@
               <a:cs typeface="+mn-cs"/>
             </a:defRPr>
           </a:pPr>
-          <a:endParaRPr lang="en-CH"/>
+          <a:endParaRPr lang="fr-FR"/>
         </a:p>
       </c:txPr>
     </c:title>
@@ -1078,7 +1082,7 @@
                     <a:cs typeface="+mn-cs"/>
                   </a:defRPr>
                 </a:pPr>
-                <a:endParaRPr lang="en-CH"/>
+                <a:endParaRPr lang="fr-FR"/>
               </a:p>
             </c:txPr>
             <c:showLegendKey val="0"/>
@@ -1102,7 +1106,9 @@
               </c:spPr>
             </c:leaderLines>
             <c:extLst>
-              <c:ext xmlns:c15="http://schemas.microsoft.com/office/drawing/2012/chart" uri="{CE6537A1-D6FC-4f65-9D91-7224C49458BB}"/>
+              <c:ext xmlns:c15="http://schemas.microsoft.com/office/drawing/2012/chart" uri="{CE6537A1-D6FC-4f65-9D91-7224C49458BB}">
+                <c15:layout/>
+              </c:ext>
             </c:extLst>
           </c:dLbls>
           <c:cat>
@@ -1213,7 +1219,7 @@
               <a:cs typeface="+mn-cs"/>
             </a:defRPr>
           </a:pPr>
-          <a:endParaRPr lang="en-CH"/>
+          <a:endParaRPr lang="fr-FR"/>
         </a:p>
       </c:txPr>
     </c:legend>
@@ -1254,7 +1260,7 @@
       <a:pPr>
         <a:defRPr/>
       </a:pPr>
-      <a:endParaRPr lang="en-CH"/>
+      <a:endParaRPr lang="fr-FR"/>
     </a:p>
   </c:txPr>
   <c:externalData r:id="rId3">
@@ -3248,6 +3254,13 @@
         </dgm:presLayoutVars>
       </dgm:prSet>
       <dgm:spPr/>
+      <dgm:t>
+        <a:bodyPr/>
+        <a:lstStyle/>
+        <a:p>
+          <a:endParaRPr lang="fr-FR"/>
+        </a:p>
+      </dgm:t>
     </dgm:pt>
     <dgm:pt modelId="{3A86777D-9C32-43F0-96C5-2398967F9739}" type="pres">
       <dgm:prSet presAssocID="{EA1688D4-ED0E-4304-BF0D-89638AFE6B44}" presName="cycle" presStyleCnt="0"/>
@@ -3260,10 +3273,24 @@
         </dgm:presLayoutVars>
       </dgm:prSet>
       <dgm:spPr/>
+      <dgm:t>
+        <a:bodyPr/>
+        <a:lstStyle/>
+        <a:p>
+          <a:endParaRPr lang="fr-FR"/>
+        </a:p>
+      </dgm:t>
     </dgm:pt>
     <dgm:pt modelId="{740CB5E6-3FF8-4F1F-A87E-72327F376AB9}" type="pres">
-      <dgm:prSet presAssocID="{90E0AF03-BD3C-4ED5-AD59-1E5FAE52C330}" presName="sibTransFirstNode" presStyleLbl="bgShp" presStyleIdx="0" presStyleCnt="1"/>
+      <dgm:prSet presAssocID="{90E0AF03-BD3C-4ED5-AD59-1E5FAE52C330}" presName="sibTransFirstNode" presStyleLbl="bgShp" presStyleIdx="0" presStyleCnt="1" custLinFactNeighborX="-195"/>
       <dgm:spPr/>
+      <dgm:t>
+        <a:bodyPr/>
+        <a:lstStyle/>
+        <a:p>
+          <a:endParaRPr lang="fr-FR"/>
+        </a:p>
+      </dgm:t>
     </dgm:pt>
     <dgm:pt modelId="{B2A27D1C-9F3E-44F7-A758-1F6DD702645B}" type="pres">
       <dgm:prSet presAssocID="{DF5153A3-2EAA-4940-B6E4-BCB20A9208F8}" presName="nodeFollowingNodes" presStyleLbl="node1" presStyleIdx="1" presStyleCnt="4">
@@ -3272,6 +3299,13 @@
         </dgm:presLayoutVars>
       </dgm:prSet>
       <dgm:spPr/>
+      <dgm:t>
+        <a:bodyPr/>
+        <a:lstStyle/>
+        <a:p>
+          <a:endParaRPr lang="fr-FR"/>
+        </a:p>
+      </dgm:t>
     </dgm:pt>
     <dgm:pt modelId="{861AD677-3874-4930-9B96-7D827FBAC34E}" type="pres">
       <dgm:prSet presAssocID="{48DFB929-3D3F-4DC3-8682-1D4194FD31A8}" presName="nodeFollowingNodes" presStyleLbl="node1" presStyleIdx="2" presStyleCnt="4">
@@ -3280,6 +3314,13 @@
         </dgm:presLayoutVars>
       </dgm:prSet>
       <dgm:spPr/>
+      <dgm:t>
+        <a:bodyPr/>
+        <a:lstStyle/>
+        <a:p>
+          <a:endParaRPr lang="fr-FR"/>
+        </a:p>
+      </dgm:t>
     </dgm:pt>
     <dgm:pt modelId="{814FC475-AB1B-4D7D-8139-5660275FB348}" type="pres">
       <dgm:prSet presAssocID="{50D16FB3-65E5-4AFF-AC48-8AB29ED6C424}" presName="nodeFollowingNodes" presStyleLbl="node1" presStyleIdx="3" presStyleCnt="4">
@@ -3288,19 +3329,26 @@
         </dgm:presLayoutVars>
       </dgm:prSet>
       <dgm:spPr/>
+      <dgm:t>
+        <a:bodyPr/>
+        <a:lstStyle/>
+        <a:p>
+          <a:endParaRPr lang="fr-FR"/>
+        </a:p>
+      </dgm:t>
     </dgm:pt>
   </dgm:ptLst>
   <dgm:cxnLst>
+    <dgm:cxn modelId="{1F94EBA9-D166-45EC-ACD7-94EDC709FFBC}" srcId="{EA1688D4-ED0E-4304-BF0D-89638AFE6B44}" destId="{50D16FB3-65E5-4AFF-AC48-8AB29ED6C424}" srcOrd="3" destOrd="0" parTransId="{4710D227-21D6-4DC8-AAE7-F122461E03D4}" sibTransId="{85F8DB90-6D6F-4C57-AFB6-63C3FBB55161}"/>
+    <dgm:cxn modelId="{6840FCB8-4D4C-4FCE-8594-6AA55B679E45}" type="presOf" srcId="{90E0AF03-BD3C-4ED5-AD59-1E5FAE52C330}" destId="{740CB5E6-3FF8-4F1F-A87E-72327F376AB9}" srcOrd="0" destOrd="0" presId="urn:microsoft.com/office/officeart/2005/8/layout/cycle3"/>
+    <dgm:cxn modelId="{30DF51B2-17A6-45C5-ABA3-4E85FE2FF461}" type="presOf" srcId="{9B7FAA97-EA17-46D4-85F0-505BC508118F}" destId="{F8AD9F3E-71E6-40FC-B6BF-788AD850B686}" srcOrd="0" destOrd="0" presId="urn:microsoft.com/office/officeart/2005/8/layout/cycle3"/>
+    <dgm:cxn modelId="{600B2ADA-B414-4A53-9BF8-8739C9D70B74}" srcId="{EA1688D4-ED0E-4304-BF0D-89638AFE6B44}" destId="{DF5153A3-2EAA-4940-B6E4-BCB20A9208F8}" srcOrd="1" destOrd="0" parTransId="{61E4273A-5DBD-4B7B-9FC1-6DA275BD364D}" sibTransId="{52C51974-5239-4F4C-A888-B3CFA7CDBBE1}"/>
+    <dgm:cxn modelId="{123C282B-A3EB-46D1-A797-87E3ADAA1EA7}" type="presOf" srcId="{EA1688D4-ED0E-4304-BF0D-89638AFE6B44}" destId="{70EEF79A-48E3-49B3-AAE5-28CFD967F923}" srcOrd="0" destOrd="0" presId="urn:microsoft.com/office/officeart/2005/8/layout/cycle3"/>
     <dgm:cxn modelId="{D815DC02-983E-48C3-B1D6-20DF7881CFC7}" type="presOf" srcId="{DF5153A3-2EAA-4940-B6E4-BCB20A9208F8}" destId="{B2A27D1C-9F3E-44F7-A758-1F6DD702645B}" srcOrd="0" destOrd="0" presId="urn:microsoft.com/office/officeart/2005/8/layout/cycle3"/>
+    <dgm:cxn modelId="{C3186E20-C87E-4992-B7F5-EC681BA0F2F9}" type="presOf" srcId="{48DFB929-3D3F-4DC3-8682-1D4194FD31A8}" destId="{861AD677-3874-4930-9B96-7D827FBAC34E}" srcOrd="0" destOrd="0" presId="urn:microsoft.com/office/officeart/2005/8/layout/cycle3"/>
+    <dgm:cxn modelId="{75CB994A-2E32-4DB8-A692-BC9238BB1006}" type="presOf" srcId="{50D16FB3-65E5-4AFF-AC48-8AB29ED6C424}" destId="{814FC475-AB1B-4D7D-8139-5660275FB348}" srcOrd="0" destOrd="0" presId="urn:microsoft.com/office/officeart/2005/8/layout/cycle3"/>
+    <dgm:cxn modelId="{4202C5AE-9B42-4458-8F81-D0B68CA91AAA}" srcId="{EA1688D4-ED0E-4304-BF0D-89638AFE6B44}" destId="{48DFB929-3D3F-4DC3-8682-1D4194FD31A8}" srcOrd="2" destOrd="0" parTransId="{7DA58654-5EC8-4EF8-BCCF-D3BEE0604084}" sibTransId="{A0785AF5-018B-41D5-BCD9-3B1B42C2D0C3}"/>
     <dgm:cxn modelId="{EC57D116-8840-4263-825E-2CA5EDDD3C68}" srcId="{EA1688D4-ED0E-4304-BF0D-89638AFE6B44}" destId="{9B7FAA97-EA17-46D4-85F0-505BC508118F}" srcOrd="0" destOrd="0" parTransId="{02FBA34E-9628-408A-9159-E500FF88A050}" sibTransId="{90E0AF03-BD3C-4ED5-AD59-1E5FAE52C330}"/>
-    <dgm:cxn modelId="{C3186E20-C87E-4992-B7F5-EC681BA0F2F9}" type="presOf" srcId="{48DFB929-3D3F-4DC3-8682-1D4194FD31A8}" destId="{861AD677-3874-4930-9B96-7D827FBAC34E}" srcOrd="0" destOrd="0" presId="urn:microsoft.com/office/officeart/2005/8/layout/cycle3"/>
-    <dgm:cxn modelId="{123C282B-A3EB-46D1-A797-87E3ADAA1EA7}" type="presOf" srcId="{EA1688D4-ED0E-4304-BF0D-89638AFE6B44}" destId="{70EEF79A-48E3-49B3-AAE5-28CFD967F923}" srcOrd="0" destOrd="0" presId="urn:microsoft.com/office/officeart/2005/8/layout/cycle3"/>
-    <dgm:cxn modelId="{75CB994A-2E32-4DB8-A692-BC9238BB1006}" type="presOf" srcId="{50D16FB3-65E5-4AFF-AC48-8AB29ED6C424}" destId="{814FC475-AB1B-4D7D-8139-5660275FB348}" srcOrd="0" destOrd="0" presId="urn:microsoft.com/office/officeart/2005/8/layout/cycle3"/>
-    <dgm:cxn modelId="{1F94EBA9-D166-45EC-ACD7-94EDC709FFBC}" srcId="{EA1688D4-ED0E-4304-BF0D-89638AFE6B44}" destId="{50D16FB3-65E5-4AFF-AC48-8AB29ED6C424}" srcOrd="3" destOrd="0" parTransId="{4710D227-21D6-4DC8-AAE7-F122461E03D4}" sibTransId="{85F8DB90-6D6F-4C57-AFB6-63C3FBB55161}"/>
-    <dgm:cxn modelId="{4202C5AE-9B42-4458-8F81-D0B68CA91AAA}" srcId="{EA1688D4-ED0E-4304-BF0D-89638AFE6B44}" destId="{48DFB929-3D3F-4DC3-8682-1D4194FD31A8}" srcOrd="2" destOrd="0" parTransId="{7DA58654-5EC8-4EF8-BCCF-D3BEE0604084}" sibTransId="{A0785AF5-018B-41D5-BCD9-3B1B42C2D0C3}"/>
-    <dgm:cxn modelId="{30DF51B2-17A6-45C5-ABA3-4E85FE2FF461}" type="presOf" srcId="{9B7FAA97-EA17-46D4-85F0-505BC508118F}" destId="{F8AD9F3E-71E6-40FC-B6BF-788AD850B686}" srcOrd="0" destOrd="0" presId="urn:microsoft.com/office/officeart/2005/8/layout/cycle3"/>
-    <dgm:cxn modelId="{6840FCB8-4D4C-4FCE-8594-6AA55B679E45}" type="presOf" srcId="{90E0AF03-BD3C-4ED5-AD59-1E5FAE52C330}" destId="{740CB5E6-3FF8-4F1F-A87E-72327F376AB9}" srcOrd="0" destOrd="0" presId="urn:microsoft.com/office/officeart/2005/8/layout/cycle3"/>
-    <dgm:cxn modelId="{600B2ADA-B414-4A53-9BF8-8739C9D70B74}" srcId="{EA1688D4-ED0E-4304-BF0D-89638AFE6B44}" destId="{DF5153A3-2EAA-4940-B6E4-BCB20A9208F8}" srcOrd="1" destOrd="0" parTransId="{61E4273A-5DBD-4B7B-9FC1-6DA275BD364D}" sibTransId="{52C51974-5239-4F4C-A888-B3CFA7CDBBE1}"/>
     <dgm:cxn modelId="{A9F1F7BF-FABA-49FD-BDBA-BE0D8B6078A9}" type="presParOf" srcId="{70EEF79A-48E3-49B3-AAE5-28CFD967F923}" destId="{3A86777D-9C32-43F0-96C5-2398967F9739}" srcOrd="0" destOrd="0" presId="urn:microsoft.com/office/officeart/2005/8/layout/cycle3"/>
     <dgm:cxn modelId="{8A59218D-E32C-443D-B077-053DCC749254}" type="presParOf" srcId="{3A86777D-9C32-43F0-96C5-2398967F9739}" destId="{F8AD9F3E-71E6-40FC-B6BF-788AD850B686}" srcOrd="0" destOrd="0" presId="urn:microsoft.com/office/officeart/2005/8/layout/cycle3"/>
     <dgm:cxn modelId="{57E63B14-B1AE-44CC-82BE-A46EFD2A6FA4}" type="presParOf" srcId="{3A86777D-9C32-43F0-96C5-2398967F9739}" destId="{740CB5E6-3FF8-4F1F-A87E-72327F376AB9}" srcOrd="1" destOrd="0" presId="urn:microsoft.com/office/officeart/2005/8/layout/cycle3"/>
@@ -3333,7 +3381,7 @@
       </dsp:nvSpPr>
       <dsp:spPr>
         <a:xfrm>
-          <a:off x="1525112" y="-107615"/>
+          <a:off x="1516079" y="-107615"/>
           <a:ext cx="4632046" cy="4632046"/>
         </a:xfrm>
         <a:prstGeom prst="circularArrow">
@@ -3447,7 +3495,7 @@
         </a:bodyPr>
         <a:lstStyle/>
         <a:p>
-          <a:pPr marL="0" lvl="0" indent="0" algn="ctr" defTabSz="1200150">
+          <a:pPr lvl="0" algn="ctr" defTabSz="1200150">
             <a:lnSpc>
               <a:spcPct val="90000"/>
             </a:lnSpc>
@@ -3457,7 +3505,6 @@
             <a:spcAft>
               <a:spcPct val="35000"/>
             </a:spcAft>
-            <a:buNone/>
           </a:pPr>
           <a:r>
             <a:rPr lang="fr-FR" sz="2700" kern="1200" dirty="0"/>
@@ -3539,7 +3586,7 @@
         </a:bodyPr>
         <a:lstStyle/>
         <a:p>
-          <a:pPr marL="0" lvl="0" indent="0" algn="ctr" defTabSz="1200150">
+          <a:pPr lvl="0" algn="ctr" defTabSz="1200150">
             <a:lnSpc>
               <a:spcPct val="90000"/>
             </a:lnSpc>
@@ -3549,7 +3596,6 @@
             <a:spcAft>
               <a:spcPct val="35000"/>
             </a:spcAft>
-            <a:buNone/>
           </a:pPr>
           <a:r>
             <a:rPr lang="fr-FR" sz="2700" kern="1200" dirty="0"/>
@@ -3631,7 +3677,7 @@
         </a:bodyPr>
         <a:lstStyle/>
         <a:p>
-          <a:pPr marL="0" lvl="0" indent="0" algn="ctr" defTabSz="1200150">
+          <a:pPr lvl="0" algn="ctr" defTabSz="1200150">
             <a:lnSpc>
               <a:spcPct val="90000"/>
             </a:lnSpc>
@@ -3641,7 +3687,6 @@
             <a:spcAft>
               <a:spcPct val="35000"/>
             </a:spcAft>
-            <a:buNone/>
           </a:pPr>
           <a:r>
             <a:rPr lang="fr-FR" sz="2700" kern="1200" dirty="0"/>
@@ -3723,7 +3768,7 @@
         </a:bodyPr>
         <a:lstStyle/>
         <a:p>
-          <a:pPr marL="0" lvl="0" indent="0" algn="ctr" defTabSz="1200150">
+          <a:pPr lvl="0" algn="ctr" defTabSz="1200150">
             <a:lnSpc>
               <a:spcPct val="90000"/>
             </a:lnSpc>
@@ -3733,7 +3778,6 @@
             <a:spcAft>
               <a:spcPct val="35000"/>
             </a:spcAft>
-            <a:buNone/>
           </a:pPr>
           <a:r>
             <a:rPr lang="fr-FR" sz="2700" kern="1200" dirty="0"/>
@@ -5269,7 +5313,7 @@
           <a:p>
             <a:fld id="{EA33A278-C497-483E-9478-E90100C45B60}" type="datetimeFigureOut">
               <a:rPr lang="fr-CH" smtClean="0"/>
-              <a:t>06.06.23</a:t>
+              <a:t>08.06.2023</a:t>
             </a:fld>
             <a:endParaRPr lang="fr-CH"/>
           </a:p>
@@ -5428,7 +5472,7 @@
           <a:p>
             <a:fld id="{E5B182D0-A1C7-4980-AD66-8484012760C2}" type="slidenum">
               <a:rPr lang="fr-CH" smtClean="0"/>
-              <a:t>‹#›</a:t>
+              <a:t>‹N°›</a:t>
             </a:fld>
             <a:endParaRPr lang="fr-CH"/>
           </a:p>
@@ -5803,6 +5847,118 @@
 </p:notes>
 </file>
 
+<file path=ppt/notesSlides/notesSlide4.xml><?xml version="1.0" encoding="utf-8"?>
+<p:notes xmlns:a="http://schemas.openxmlformats.org/drawingml/2006/main" xmlns:r="http://schemas.openxmlformats.org/officeDocument/2006/relationships" xmlns:p="http://schemas.openxmlformats.org/presentationml/2006/main">
+  <p:cSld>
+    <p:spTree>
+      <p:nvGrpSpPr>
+        <p:cNvPr id="1" name=""/>
+        <p:cNvGrpSpPr/>
+        <p:nvPr/>
+      </p:nvGrpSpPr>
+      <p:grpSpPr>
+        <a:xfrm>
+          <a:off x="0" y="0"/>
+          <a:ext cx="0" cy="0"/>
+          <a:chOff x="0" y="0"/>
+          <a:chExt cx="0" cy="0"/>
+        </a:xfrm>
+      </p:grpSpPr>
+      <p:sp>
+        <p:nvSpPr>
+          <p:cNvPr id="2" name="Espace réservé de l'image des diapositives 1"/>
+          <p:cNvSpPr>
+            <a:spLocks noGrp="1" noRot="1" noChangeAspect="1"/>
+          </p:cNvSpPr>
+          <p:nvPr>
+            <p:ph type="sldImg"/>
+          </p:nvPr>
+        </p:nvSpPr>
+        <p:spPr/>
+      </p:sp>
+      <p:sp>
+        <p:nvSpPr>
+          <p:cNvPr id="3" name="Espace réservé des notes 2"/>
+          <p:cNvSpPr>
+            <a:spLocks noGrp="1"/>
+          </p:cNvSpPr>
+          <p:nvPr>
+            <p:ph type="body" idx="1"/>
+          </p:nvPr>
+        </p:nvSpPr>
+        <p:spPr/>
+        <p:txBody>
+          <a:bodyPr/>
+          <a:lstStyle/>
+          <a:p>
+            <a:r>
+              <a:rPr lang="fr-CH" dirty="0" smtClean="0"/>
+              <a:t>-Brancher</a:t>
+            </a:r>
+            <a:r>
+              <a:rPr lang="fr-CH" baseline="0" dirty="0" smtClean="0"/>
+              <a:t> correctement</a:t>
+            </a:r>
+          </a:p>
+          <a:p>
+            <a:r>
+              <a:rPr lang="fr-CH" baseline="0" dirty="0" smtClean="0"/>
+              <a:t>-Changer les adresses des tunnels par les adresses distribuées par le DHCP du CPNV</a:t>
+            </a:r>
+          </a:p>
+          <a:p>
+            <a:r>
+              <a:rPr lang="fr-CH" baseline="0" dirty="0" smtClean="0"/>
+              <a:t>-Fixer les </a:t>
+            </a:r>
+            <a:r>
+              <a:rPr lang="fr-CH" baseline="0" dirty="0" err="1" smtClean="0"/>
+              <a:t>ips</a:t>
+            </a:r>
+            <a:r>
+              <a:rPr lang="fr-CH" baseline="0" dirty="0" smtClean="0"/>
+              <a:t> dans le FortiGate</a:t>
+            </a:r>
+            <a:endParaRPr lang="fr-CH" dirty="0"/>
+          </a:p>
+        </p:txBody>
+      </p:sp>
+      <p:sp>
+        <p:nvSpPr>
+          <p:cNvPr id="4" name="Espace réservé du numéro de diapositive 3"/>
+          <p:cNvSpPr>
+            <a:spLocks noGrp="1"/>
+          </p:cNvSpPr>
+          <p:nvPr>
+            <p:ph type="sldNum" sz="quarter" idx="10"/>
+          </p:nvPr>
+        </p:nvSpPr>
+        <p:spPr/>
+        <p:txBody>
+          <a:bodyPr/>
+          <a:lstStyle/>
+          <a:p>
+            <a:fld id="{E5B182D0-A1C7-4980-AD66-8484012760C2}" type="slidenum">
+              <a:rPr lang="fr-CH" smtClean="0"/>
+              <a:t>12</a:t>
+            </a:fld>
+            <a:endParaRPr lang="fr-CH"/>
+          </a:p>
+        </p:txBody>
+      </p:sp>
+    </p:spTree>
+    <p:extLst>
+      <p:ext uri="{BB962C8B-B14F-4D97-AF65-F5344CB8AC3E}">
+        <p14:creationId xmlns:p14="http://schemas.microsoft.com/office/powerpoint/2010/main" val="1877394036"/>
+      </p:ext>
+    </p:extLst>
+  </p:cSld>
+  <p:clrMapOvr>
+    <a:masterClrMapping/>
+  </p:clrMapOvr>
+</p:notes>
+</file>
+
 <file path=ppt/slideLayouts/slideLayout1.xml><?xml version="1.0" encoding="utf-8"?>
 <p:sldLayout xmlns:a="http://schemas.openxmlformats.org/drawingml/2006/main" xmlns:r="http://schemas.openxmlformats.org/officeDocument/2006/relationships" xmlns:p="http://schemas.openxmlformats.org/presentationml/2006/main" type="title" preserve="1">
   <p:cSld name="Diapositive de titre">
@@ -5987,9 +6143,9 @@
           <a:bodyPr/>
           <a:lstStyle/>
           <a:p>
-            <a:fld id="{271BB588-6F7B-498A-B2DB-1FE07C0B96F9}" type="datetime1">
+            <a:fld id="{4078D55A-F282-4229-B0AD-5471D7149A00}" type="datetime1">
               <a:rPr lang="fr-CH" smtClean="0"/>
-              <a:t>06.06.23</a:t>
+              <a:t>08.06.2023</a:t>
             </a:fld>
             <a:endParaRPr lang="fr-CH"/>
           </a:p>
@@ -6010,6 +6166,10 @@
           <a:bodyPr/>
           <a:lstStyle/>
           <a:p>
+            <a:r>
+              <a:rPr lang="fr-CH" smtClean="0"/>
+              <a:t>Damien Mayor</a:t>
+            </a:r>
             <a:endParaRPr lang="fr-CH"/>
           </a:p>
         </p:txBody>
@@ -6031,7 +6191,7 @@
           <a:p>
             <a:fld id="{2FCD9DE2-19B8-4E75-A167-0E6B1D03D668}" type="slidenum">
               <a:rPr lang="fr-CH" smtClean="0"/>
-              <a:t>‹#›</a:t>
+              <a:t>‹N°›</a:t>
             </a:fld>
             <a:endParaRPr lang="fr-CH"/>
           </a:p>
@@ -6262,9 +6422,9 @@
           <a:bodyPr/>
           <a:lstStyle/>
           <a:p>
-            <a:fld id="{1407890E-51B4-482C-8C2B-161F4F736322}" type="datetime1">
+            <a:fld id="{3AB7BCF0-DE29-4A4E-B9DC-EE086987C3F6}" type="datetime1">
               <a:rPr lang="fr-CH" smtClean="0"/>
-              <a:t>06.06.23</a:t>
+              <a:t>08.06.2023</a:t>
             </a:fld>
             <a:endParaRPr lang="fr-CH"/>
           </a:p>
@@ -6285,6 +6445,10 @@
           <a:bodyPr/>
           <a:lstStyle/>
           <a:p>
+            <a:r>
+              <a:rPr lang="fr-CH" smtClean="0"/>
+              <a:t>Damien Mayor</a:t>
+            </a:r>
             <a:endParaRPr lang="fr-CH"/>
           </a:p>
         </p:txBody>
@@ -6306,7 +6470,7 @@
           <a:p>
             <a:fld id="{2FCD9DE2-19B8-4E75-A167-0E6B1D03D668}" type="slidenum">
               <a:rPr lang="fr-CH" smtClean="0"/>
-              <a:t>‹#›</a:t>
+              <a:t>‹N°›</a:t>
             </a:fld>
             <a:endParaRPr lang="fr-CH"/>
           </a:p>
@@ -6456,9 +6620,9 @@
           <a:bodyPr/>
           <a:lstStyle/>
           <a:p>
-            <a:fld id="{392B27F0-2195-4CF8-9721-754DECE78B20}" type="datetime1">
+            <a:fld id="{C873B47A-1E7F-4EE7-9D8F-668FD4412AA6}" type="datetime1">
               <a:rPr lang="fr-CH" smtClean="0"/>
-              <a:t>06.06.23</a:t>
+              <a:t>08.06.2023</a:t>
             </a:fld>
             <a:endParaRPr lang="fr-CH"/>
           </a:p>
@@ -6479,6 +6643,10 @@
           <a:bodyPr/>
           <a:lstStyle/>
           <a:p>
+            <a:r>
+              <a:rPr lang="fr-CH" smtClean="0"/>
+              <a:t>Damien Mayor</a:t>
+            </a:r>
             <a:endParaRPr lang="fr-CH"/>
           </a:p>
         </p:txBody>
@@ -6500,7 +6668,7 @@
           <a:p>
             <a:fld id="{2FCD9DE2-19B8-4E75-A167-0E6B1D03D668}" type="slidenum">
               <a:rPr lang="fr-CH" smtClean="0"/>
-              <a:t>‹#›</a:t>
+              <a:t>‹N°›</a:t>
             </a:fld>
             <a:endParaRPr lang="fr-CH"/>
           </a:p>
@@ -6729,9 +6897,9 @@
           <a:bodyPr/>
           <a:lstStyle/>
           <a:p>
-            <a:fld id="{6FCFB39F-86B7-472C-B330-B3067347DFE0}" type="datetime1">
+            <a:fld id="{953B0343-2783-4E77-AE0B-E6C994245F40}" type="datetime1">
               <a:rPr lang="fr-CH" smtClean="0"/>
-              <a:t>06.06.23</a:t>
+              <a:t>08.06.2023</a:t>
             </a:fld>
             <a:endParaRPr lang="fr-CH"/>
           </a:p>
@@ -6752,6 +6920,10 @@
           <a:bodyPr/>
           <a:lstStyle/>
           <a:p>
+            <a:r>
+              <a:rPr lang="fr-CH" smtClean="0"/>
+              <a:t>Damien Mayor</a:t>
+            </a:r>
             <a:endParaRPr lang="fr-CH"/>
           </a:p>
         </p:txBody>
@@ -6773,7 +6945,7 @@
           <a:p>
             <a:fld id="{2FCD9DE2-19B8-4E75-A167-0E6B1D03D668}" type="slidenum">
               <a:rPr lang="fr-CH" smtClean="0"/>
-              <a:t>‹#›</a:t>
+              <a:t>‹N°›</a:t>
             </a:fld>
             <a:endParaRPr lang="fr-CH"/>
           </a:p>
@@ -6883,7 +7055,6 @@
   <p:clrMapOvr>
     <a:masterClrMapping/>
   </p:clrMapOvr>
-  <p:hf hdr="0" dt="0"/>
 </p:sldLayout>
 </file>
 
@@ -7071,9 +7242,9 @@
           <a:bodyPr/>
           <a:lstStyle/>
           <a:p>
-            <a:fld id="{581D5674-D429-4038-A27E-284788D1F51B}" type="datetime1">
+            <a:fld id="{AF15959C-DFE8-4160-9033-F7A5ECB47ADC}" type="datetime1">
               <a:rPr lang="fr-CH" smtClean="0"/>
-              <a:t>06.06.23</a:t>
+              <a:t>08.06.2023</a:t>
             </a:fld>
             <a:endParaRPr lang="fr-CH"/>
           </a:p>
@@ -7094,6 +7265,10 @@
           <a:bodyPr/>
           <a:lstStyle/>
           <a:p>
+            <a:r>
+              <a:rPr lang="fr-CH" smtClean="0"/>
+              <a:t>Damien Mayor</a:t>
+            </a:r>
             <a:endParaRPr lang="fr-CH"/>
           </a:p>
         </p:txBody>
@@ -7115,7 +7290,7 @@
           <a:p>
             <a:fld id="{2FCD9DE2-19B8-4E75-A167-0E6B1D03D668}" type="slidenum">
               <a:rPr lang="fr-CH" smtClean="0"/>
-              <a:t>‹#›</a:t>
+              <a:t>‹N°›</a:t>
             </a:fld>
             <a:endParaRPr lang="fr-CH"/>
           </a:p>
@@ -7694,9 +7869,9 @@
           <a:bodyPr/>
           <a:lstStyle/>
           <a:p>
-            <a:fld id="{D6F689BF-7353-4F9B-8EDD-68188F4A3886}" type="datetime1">
+            <a:fld id="{29B5814B-84BE-42B3-B8D6-3505A3B96C83}" type="datetime1">
               <a:rPr lang="fr-CH" smtClean="0"/>
-              <a:t>06.06.23</a:t>
+              <a:t>08.06.2023</a:t>
             </a:fld>
             <a:endParaRPr lang="fr-CH"/>
           </a:p>
@@ -7717,6 +7892,10 @@
           <a:bodyPr/>
           <a:lstStyle/>
           <a:p>
+            <a:r>
+              <a:rPr lang="fr-CH" smtClean="0"/>
+              <a:t>Damien Mayor</a:t>
+            </a:r>
             <a:endParaRPr lang="fr-CH"/>
           </a:p>
         </p:txBody>
@@ -7738,7 +7917,7 @@
           <a:p>
             <a:fld id="{2FCD9DE2-19B8-4E75-A167-0E6B1D03D668}" type="slidenum">
               <a:rPr lang="fr-CH" smtClean="0"/>
-              <a:t>‹#›</a:t>
+              <a:t>‹N°›</a:t>
             </a:fld>
             <a:endParaRPr lang="fr-CH"/>
           </a:p>
@@ -8554,9 +8733,9 @@
           <a:bodyPr/>
           <a:lstStyle/>
           <a:p>
-            <a:fld id="{04FBDC78-C71D-4095-9CDF-0432BE83E5B4}" type="datetime1">
+            <a:fld id="{61B8FD67-CC35-445D-A5AD-855A66946585}" type="datetime1">
               <a:rPr lang="fr-CH" smtClean="0"/>
-              <a:t>06.06.23</a:t>
+              <a:t>08.06.2023</a:t>
             </a:fld>
             <a:endParaRPr lang="fr-CH"/>
           </a:p>
@@ -8577,6 +8756,10 @@
           <a:bodyPr/>
           <a:lstStyle/>
           <a:p>
+            <a:r>
+              <a:rPr lang="fr-CH" smtClean="0"/>
+              <a:t>Damien Mayor</a:t>
+            </a:r>
             <a:endParaRPr lang="fr-CH"/>
           </a:p>
         </p:txBody>
@@ -8598,7 +8781,7 @@
           <a:p>
             <a:fld id="{2FCD9DE2-19B8-4E75-A167-0E6B1D03D668}" type="slidenum">
               <a:rPr lang="fr-CH" smtClean="0"/>
-              <a:t>‹#›</a:t>
+              <a:t>‹N°›</a:t>
             </a:fld>
             <a:endParaRPr lang="fr-CH"/>
           </a:p>
@@ -8724,9 +8907,9 @@
           <a:bodyPr/>
           <a:lstStyle/>
           <a:p>
-            <a:fld id="{90AB08ED-5818-49F9-AAE0-E3BA3731C6C5}" type="datetime1">
+            <a:fld id="{219BBFBA-68E1-44DC-A685-51DFFD597C46}" type="datetime1">
               <a:rPr lang="fr-CH" smtClean="0"/>
-              <a:t>06.06.23</a:t>
+              <a:t>08.06.2023</a:t>
             </a:fld>
             <a:endParaRPr lang="fr-CH"/>
           </a:p>
@@ -8747,6 +8930,10 @@
           <a:bodyPr/>
           <a:lstStyle/>
           <a:p>
+            <a:r>
+              <a:rPr lang="fr-CH" smtClean="0"/>
+              <a:t>Damien Mayor</a:t>
+            </a:r>
             <a:endParaRPr lang="fr-CH"/>
           </a:p>
         </p:txBody>
@@ -8768,7 +8955,7 @@
           <a:p>
             <a:fld id="{2FCD9DE2-19B8-4E75-A167-0E6B1D03D668}" type="slidenum">
               <a:rPr lang="fr-CH" smtClean="0"/>
-              <a:t>‹#›</a:t>
+              <a:t>‹N°›</a:t>
             </a:fld>
             <a:endParaRPr lang="fr-CH"/>
           </a:p>
@@ -8904,9 +9091,9 @@
           <a:bodyPr/>
           <a:lstStyle/>
           <a:p>
-            <a:fld id="{591265D1-6730-4D18-AD72-F627A0280CC9}" type="datetime1">
+            <a:fld id="{186A523B-F31B-4316-A0C6-E4EAA07C6ACE}" type="datetime1">
               <a:rPr lang="fr-CH" smtClean="0"/>
-              <a:t>06.06.23</a:t>
+              <a:t>08.06.2023</a:t>
             </a:fld>
             <a:endParaRPr lang="fr-CH"/>
           </a:p>
@@ -8927,6 +9114,10 @@
           <a:bodyPr/>
           <a:lstStyle/>
           <a:p>
+            <a:r>
+              <a:rPr lang="fr-CH" smtClean="0"/>
+              <a:t>Damien Mayor</a:t>
+            </a:r>
             <a:endParaRPr lang="fr-CH"/>
           </a:p>
         </p:txBody>
@@ -8948,7 +9139,7 @@
           <a:p>
             <a:fld id="{2FCD9DE2-19B8-4E75-A167-0E6B1D03D668}" type="slidenum">
               <a:rPr lang="fr-CH" smtClean="0"/>
-              <a:t>‹#›</a:t>
+              <a:t>‹N°›</a:t>
             </a:fld>
             <a:endParaRPr lang="fr-CH"/>
           </a:p>
@@ -9074,9 +9265,9 @@
           <a:bodyPr/>
           <a:lstStyle/>
           <a:p>
-            <a:fld id="{A61D31DA-FC4F-4736-B55F-F371A16D9D5C}" type="datetime1">
+            <a:fld id="{D20EDD74-6E23-4231-A09A-AB29CFC4E040}" type="datetime1">
               <a:rPr lang="fr-CH" smtClean="0"/>
-              <a:t>06.06.23</a:t>
+              <a:t>08.06.2023</a:t>
             </a:fld>
             <a:endParaRPr lang="fr-CH"/>
           </a:p>
@@ -9097,6 +9288,10 @@
           <a:bodyPr/>
           <a:lstStyle/>
           <a:p>
+            <a:r>
+              <a:rPr lang="fr-CH" smtClean="0"/>
+              <a:t>Damien Mayor</a:t>
+            </a:r>
             <a:endParaRPr lang="fr-CH"/>
           </a:p>
         </p:txBody>
@@ -9118,7 +9313,7 @@
           <a:p>
             <a:fld id="{2FCD9DE2-19B8-4E75-A167-0E6B1D03D668}" type="slidenum">
               <a:rPr lang="fr-CH" smtClean="0"/>
-              <a:t>‹#›</a:t>
+              <a:t>‹N°›</a:t>
             </a:fld>
             <a:endParaRPr lang="fr-CH"/>
           </a:p>
@@ -9321,9 +9516,9 @@
           <a:bodyPr/>
           <a:lstStyle/>
           <a:p>
-            <a:fld id="{CF8A2FB5-104B-4B24-AC8F-02EB529D4132}" type="datetime1">
+            <a:fld id="{B0F2FA08-EEE0-46F6-B5CC-3AAA0DD17086}" type="datetime1">
               <a:rPr lang="fr-CH" smtClean="0"/>
-              <a:t>06.06.23</a:t>
+              <a:t>08.06.2023</a:t>
             </a:fld>
             <a:endParaRPr lang="fr-CH"/>
           </a:p>
@@ -9344,6 +9539,10 @@
           <a:bodyPr/>
           <a:lstStyle/>
           <a:p>
+            <a:r>
+              <a:rPr lang="fr-CH" smtClean="0"/>
+              <a:t>Damien Mayor</a:t>
+            </a:r>
             <a:endParaRPr lang="fr-CH"/>
           </a:p>
         </p:txBody>
@@ -9365,7 +9564,7 @@
           <a:p>
             <a:fld id="{2FCD9DE2-19B8-4E75-A167-0E6B1D03D668}" type="slidenum">
               <a:rPr lang="fr-CH" smtClean="0"/>
-              <a:t>‹#›</a:t>
+              <a:t>‹N°›</a:t>
             </a:fld>
             <a:endParaRPr lang="fr-CH"/>
           </a:p>
@@ -9613,9 +9812,9 @@
           <a:bodyPr/>
           <a:lstStyle/>
           <a:p>
-            <a:fld id="{35F6674B-669E-41C9-9C4F-694DBCF7D322}" type="datetime1">
+            <a:fld id="{64D03F82-11E3-4147-A0D6-0C02F8B897EB}" type="datetime1">
               <a:rPr lang="fr-CH" smtClean="0"/>
-              <a:t>06.06.23</a:t>
+              <a:t>08.06.2023</a:t>
             </a:fld>
             <a:endParaRPr lang="fr-CH"/>
           </a:p>
@@ -9636,6 +9835,10 @@
           <a:bodyPr/>
           <a:lstStyle/>
           <a:p>
+            <a:r>
+              <a:rPr lang="fr-CH" smtClean="0"/>
+              <a:t>Damien Mayor</a:t>
+            </a:r>
             <a:endParaRPr lang="fr-CH"/>
           </a:p>
         </p:txBody>
@@ -9657,7 +9860,7 @@
           <a:p>
             <a:fld id="{2FCD9DE2-19B8-4E75-A167-0E6B1D03D668}" type="slidenum">
               <a:rPr lang="fr-CH" smtClean="0"/>
-              <a:t>‹#›</a:t>
+              <a:t>‹N°›</a:t>
             </a:fld>
             <a:endParaRPr lang="fr-CH"/>
           </a:p>
@@ -10057,9 +10260,9 @@
           <a:bodyPr/>
           <a:lstStyle/>
           <a:p>
-            <a:fld id="{2BD73BC7-A51B-4B24-BBB9-44859DC713F3}" type="datetime1">
+            <a:fld id="{17E33147-EE39-422D-97C5-D9B35B3F8914}" type="datetime1">
               <a:rPr lang="fr-CH" smtClean="0"/>
-              <a:t>06.06.23</a:t>
+              <a:t>08.06.2023</a:t>
             </a:fld>
             <a:endParaRPr lang="fr-CH"/>
           </a:p>
@@ -10080,6 +10283,10 @@
           <a:bodyPr/>
           <a:lstStyle/>
           <a:p>
+            <a:r>
+              <a:rPr lang="fr-CH" smtClean="0"/>
+              <a:t>Damien Mayor</a:t>
+            </a:r>
             <a:endParaRPr lang="fr-CH"/>
           </a:p>
         </p:txBody>
@@ -10101,7 +10308,7 @@
           <a:p>
             <a:fld id="{2FCD9DE2-19B8-4E75-A167-0E6B1D03D668}" type="slidenum">
               <a:rPr lang="fr-CH" smtClean="0"/>
-              <a:t>‹#›</a:t>
+              <a:t>‹N°›</a:t>
             </a:fld>
             <a:endParaRPr lang="fr-CH"/>
           </a:p>
@@ -10175,9 +10382,9 @@
           <a:bodyPr/>
           <a:lstStyle/>
           <a:p>
-            <a:fld id="{8E8D19E6-7F4D-40D9-AD51-2E25C7EE1D07}" type="datetime1">
+            <a:fld id="{21989639-79D9-45CE-8B2B-5566F6A978D1}" type="datetime1">
               <a:rPr lang="fr-CH" smtClean="0"/>
-              <a:t>06.06.23</a:t>
+              <a:t>08.06.2023</a:t>
             </a:fld>
             <a:endParaRPr lang="fr-CH"/>
           </a:p>
@@ -10198,6 +10405,10 @@
           <a:bodyPr/>
           <a:lstStyle/>
           <a:p>
+            <a:r>
+              <a:rPr lang="fr-CH" smtClean="0"/>
+              <a:t>Damien Mayor</a:t>
+            </a:r>
             <a:endParaRPr lang="fr-CH"/>
           </a:p>
         </p:txBody>
@@ -10219,7 +10430,7 @@
           <a:p>
             <a:fld id="{2FCD9DE2-19B8-4E75-A167-0E6B1D03D668}" type="slidenum">
               <a:rPr lang="fr-CH" smtClean="0"/>
-              <a:t>‹#›</a:t>
+              <a:t>‹N°›</a:t>
             </a:fld>
             <a:endParaRPr lang="fr-CH"/>
           </a:p>
@@ -10270,9 +10481,9 @@
           <a:bodyPr/>
           <a:lstStyle/>
           <a:p>
-            <a:fld id="{9AE5F204-9DE5-4DA4-A075-89D82E25988F}" type="datetime1">
+            <a:fld id="{3303979B-A48B-479E-AE25-399F9449CF35}" type="datetime1">
               <a:rPr lang="fr-CH" smtClean="0"/>
-              <a:t>06.06.23</a:t>
+              <a:t>08.06.2023</a:t>
             </a:fld>
             <a:endParaRPr lang="fr-CH"/>
           </a:p>
@@ -10293,6 +10504,10 @@
           <a:bodyPr/>
           <a:lstStyle/>
           <a:p>
+            <a:r>
+              <a:rPr lang="fr-CH" smtClean="0"/>
+              <a:t>Damien Mayor</a:t>
+            </a:r>
             <a:endParaRPr lang="fr-CH"/>
           </a:p>
         </p:txBody>
@@ -10314,7 +10529,7 @@
           <a:p>
             <a:fld id="{2FCD9DE2-19B8-4E75-A167-0E6B1D03D668}" type="slidenum">
               <a:rPr lang="fr-CH" smtClean="0"/>
-              <a:t>‹#›</a:t>
+              <a:t>‹N°›</a:t>
             </a:fld>
             <a:endParaRPr lang="fr-CH"/>
           </a:p>
@@ -10549,9 +10764,9 @@
           <a:bodyPr/>
           <a:lstStyle/>
           <a:p>
-            <a:fld id="{F9A5B153-2246-46F2-A5D9-592BBA77E441}" type="datetime1">
+            <a:fld id="{BBA436E7-9520-416B-A0F2-F5D6DDDD9DFC}" type="datetime1">
               <a:rPr lang="fr-CH" smtClean="0"/>
-              <a:t>06.06.23</a:t>
+              <a:t>08.06.2023</a:t>
             </a:fld>
             <a:endParaRPr lang="fr-CH"/>
           </a:p>
@@ -10572,6 +10787,10 @@
           <a:bodyPr/>
           <a:lstStyle/>
           <a:p>
+            <a:r>
+              <a:rPr lang="fr-CH" smtClean="0"/>
+              <a:t>Damien Mayor</a:t>
+            </a:r>
             <a:endParaRPr lang="fr-CH"/>
           </a:p>
         </p:txBody>
@@ -10593,7 +10812,7 @@
           <a:p>
             <a:fld id="{2FCD9DE2-19B8-4E75-A167-0E6B1D03D668}" type="slidenum">
               <a:rPr lang="fr-CH" smtClean="0"/>
-              <a:t>‹#›</a:t>
+              <a:t>‹N°›</a:t>
             </a:fld>
             <a:endParaRPr lang="fr-CH"/>
           </a:p>
@@ -10824,9 +11043,9 @@
           <a:bodyPr/>
           <a:lstStyle/>
           <a:p>
-            <a:fld id="{CC02CFAF-43D6-4D3E-A775-28173887B551}" type="datetime1">
+            <a:fld id="{F11FCDA8-281B-4250-B365-D93DDB08F04F}" type="datetime1">
               <a:rPr lang="fr-CH" smtClean="0"/>
-              <a:t>06.06.23</a:t>
+              <a:t>08.06.2023</a:t>
             </a:fld>
             <a:endParaRPr lang="fr-CH"/>
           </a:p>
@@ -10847,6 +11066,10 @@
           <a:bodyPr/>
           <a:lstStyle/>
           <a:p>
+            <a:r>
+              <a:rPr lang="fr-CH" smtClean="0"/>
+              <a:t>Damien Mayor</a:t>
+            </a:r>
             <a:endParaRPr lang="fr-CH"/>
           </a:p>
         </p:txBody>
@@ -10868,7 +11091,7 @@
           <a:p>
             <a:fld id="{2FCD9DE2-19B8-4E75-A167-0E6B1D03D668}" type="slidenum">
               <a:rPr lang="fr-CH" smtClean="0"/>
-              <a:t>‹#›</a:t>
+              <a:t>‹N°›</a:t>
             </a:fld>
             <a:endParaRPr lang="fr-CH"/>
           </a:p>
@@ -11253,9 +11476,9 @@
             </a:lvl1pPr>
           </a:lstStyle>
           <a:p>
-            <a:fld id="{6FCFB39F-86B7-472C-B330-B3067347DFE0}" type="datetime1">
+            <a:fld id="{C6DE1F3E-C4B5-4DDD-8095-8C4B5943318B}" type="datetime1">
               <a:rPr lang="fr-CH" smtClean="0"/>
-              <a:t>06.06.23</a:t>
+              <a:t>08.06.2023</a:t>
             </a:fld>
             <a:endParaRPr lang="fr-CH"/>
           </a:p>
@@ -11295,6 +11518,10 @@
             </a:lvl1pPr>
           </a:lstStyle>
           <a:p>
+            <a:r>
+              <a:rPr lang="fr-CH" smtClean="0"/>
+              <a:t>Damien Mayor</a:t>
+            </a:r>
             <a:endParaRPr lang="fr-CH"/>
           </a:p>
         </p:txBody>
@@ -11334,7 +11561,7 @@
           <a:p>
             <a:fld id="{2FCD9DE2-19B8-4E75-A167-0E6B1D03D668}" type="slidenum">
               <a:rPr lang="fr-CH" smtClean="0"/>
-              <a:t>‹#›</a:t>
+              <a:t>‹N°›</a:t>
             </a:fld>
             <a:endParaRPr lang="fr-CH"/>
           </a:p>
@@ -11875,73 +12102,6 @@
           </a:p>
         </p:txBody>
       </p:sp>
-      <p:sp>
-        <p:nvSpPr>
-          <p:cNvPr id="4" name="Espace réservé du pied de page 3"/>
-          <p:cNvSpPr>
-            <a:spLocks noGrp="1"/>
-          </p:cNvSpPr>
-          <p:nvPr>
-            <p:ph type="ftr" sz="quarter" idx="11"/>
-          </p:nvPr>
-        </p:nvSpPr>
-        <p:spPr/>
-        <p:txBody>
-          <a:bodyPr/>
-          <a:lstStyle/>
-          <a:p>
-            <a:r>
-              <a:rPr lang="fr-CH" dirty="0"/>
-              <a:t>TPI</a:t>
-            </a:r>
-          </a:p>
-        </p:txBody>
-      </p:sp>
-      <p:sp>
-        <p:nvSpPr>
-          <p:cNvPr id="5" name="Espace réservé du numéro de diapositive 4"/>
-          <p:cNvSpPr>
-            <a:spLocks noGrp="1"/>
-          </p:cNvSpPr>
-          <p:nvPr>
-            <p:ph type="sldNum" sz="quarter" idx="12"/>
-          </p:nvPr>
-        </p:nvSpPr>
-        <p:spPr/>
-        <p:txBody>
-          <a:bodyPr/>
-          <a:lstStyle/>
-          <a:p>
-            <a:fld id="{2FCD9DE2-19B8-4E75-A167-0E6B1D03D668}" type="slidenum">
-              <a:rPr lang="fr-CH" smtClean="0">
-                <a:solidFill>
-                  <a:srgbClr val="C00000"/>
-                </a:solidFill>
-                <a:effectLst>
-                  <a:outerShdw blurRad="38100" dist="38100" dir="2700000" algn="tl">
-                    <a:srgbClr val="000000">
-                      <a:alpha val="43137"/>
-                    </a:srgbClr>
-                  </a:outerShdw>
-                </a:effectLst>
-              </a:rPr>
-              <a:t>1</a:t>
-            </a:fld>
-            <a:endParaRPr lang="fr-CH" dirty="0">
-              <a:solidFill>
-                <a:srgbClr val="C00000"/>
-              </a:solidFill>
-              <a:effectLst>
-                <a:outerShdw blurRad="38100" dist="38100" dir="2700000" algn="tl">
-                  <a:srgbClr val="000000">
-                    <a:alpha val="43137"/>
-                  </a:srgbClr>
-                </a:outerShdw>
-              </a:effectLst>
-            </a:endParaRPr>
-          </a:p>
-        </p:txBody>
-      </p:sp>
       <p:pic>
         <p:nvPicPr>
           <p:cNvPr id="6" name="Image 5"/>
@@ -11982,6 +12142,13 @@
   <p:clrMapOvr>
     <a:masterClrMapping/>
   </p:clrMapOvr>
+  <p:timing>
+    <p:tnLst>
+      <p:par>
+        <p:cTn id="1" dur="indefinite" restart="never" nodeType="tmRoot"/>
+      </p:par>
+    </p:tnLst>
+  </p:timing>
 </p:sld>
 </file>
 
@@ -12018,9 +12185,10 @@
           <a:lstStyle/>
           <a:p>
             <a:r>
-              <a:rPr lang="fr-CH" dirty="0"/>
-              <a:t>Site à site</a:t>
-            </a:r>
+              <a:rPr lang="fr-CH" dirty="0" smtClean="0"/>
+              <a:t>Client-à-site</a:t>
+            </a:r>
+            <a:endParaRPr lang="fr-CH" dirty="0"/>
           </a:p>
         </p:txBody>
       </p:sp>
@@ -12039,10 +12207,7 @@
           <a:bodyPr/>
           <a:lstStyle/>
           <a:p>
-            <a:r>
-              <a:rPr lang="fr-CH" dirty="0"/>
-              <a:t>Les étapes selon rapport de TPI</a:t>
-            </a:r>
+            <a:endParaRPr lang="fr-CH"/>
           </a:p>
         </p:txBody>
       </p:sp>
@@ -12062,9 +12227,10 @@
           <a:lstStyle/>
           <a:p>
             <a:r>
-              <a:rPr lang="fr-CH" dirty="0"/>
+              <a:rPr lang="fr-CH" smtClean="0"/>
               <a:t>Damien Mayor</a:t>
             </a:r>
+            <a:endParaRPr lang="fr-CH"/>
           </a:p>
         </p:txBody>
       </p:sp>
@@ -12084,23 +12250,53 @@
           <a:lstStyle/>
           <a:p>
             <a:fld id="{2FCD9DE2-19B8-4E75-A167-0E6B1D03D668}" type="slidenum">
-              <a:rPr lang="fr-CH" smtClean="0"/>
+              <a:rPr lang="fr-CH">
+                <a:solidFill>
+                  <a:srgbClr val="C00000"/>
+                </a:solidFill>
+                <a:effectLst>
+                  <a:outerShdw blurRad="38100" dist="38100" dir="2700000" algn="tl">
+                    <a:srgbClr val="000000">
+                      <a:alpha val="43137"/>
+                    </a:srgbClr>
+                  </a:outerShdw>
+                </a:effectLst>
+              </a:rPr>
+              <a:pPr/>
               <a:t>10</a:t>
             </a:fld>
-            <a:endParaRPr lang="fr-CH"/>
+            <a:endParaRPr lang="fr-CH" dirty="0">
+              <a:solidFill>
+                <a:srgbClr val="C00000"/>
+              </a:solidFill>
+              <a:effectLst>
+                <a:outerShdw blurRad="38100" dist="38100" dir="2700000" algn="tl">
+                  <a:srgbClr val="000000">
+                    <a:alpha val="43137"/>
+                  </a:srgbClr>
+                </a:outerShdw>
+              </a:effectLst>
+            </a:endParaRPr>
           </a:p>
         </p:txBody>
       </p:sp>
     </p:spTree>
     <p:extLst>
       <p:ext uri="{BB962C8B-B14F-4D97-AF65-F5344CB8AC3E}">
-        <p14:creationId xmlns:p14="http://schemas.microsoft.com/office/powerpoint/2010/main" val="173640064"/>
+        <p14:creationId xmlns:p14="http://schemas.microsoft.com/office/powerpoint/2010/main" val="3434550955"/>
       </p:ext>
     </p:extLst>
   </p:cSld>
   <p:clrMapOvr>
     <a:masterClrMapping/>
   </p:clrMapOvr>
+  <p:timing>
+    <p:tnLst>
+      <p:par>
+        <p:cTn id="1" dur="indefinite" restart="never" nodeType="tmRoot"/>
+      </p:par>
+    </p:tnLst>
+  </p:timing>
 </p:sld>
 </file>
 
@@ -12138,19 +12334,24 @@
           <a:p>
             <a:r>
               <a:rPr lang="fr-CH" dirty="0"/>
-              <a:t>Client à site</a:t>
-            </a:r>
-          </a:p>
-        </p:txBody>
-      </p:sp>
-      <p:sp>
-        <p:nvSpPr>
-          <p:cNvPr id="3" name="Espace réservé du contenu 2"/>
-          <p:cNvSpPr>
-            <a:spLocks noGrp="1"/>
-          </p:cNvSpPr>
-          <p:nvPr>
-            <p:ph idx="1"/>
+              <a:t>Phase </a:t>
+            </a:r>
+            <a:r>
+              <a:rPr lang="fr-CH" dirty="0" smtClean="0"/>
+              <a:t>2 – Réseau CPNV</a:t>
+            </a:r>
+            <a:endParaRPr lang="fr-CH" dirty="0"/>
+          </a:p>
+        </p:txBody>
+      </p:sp>
+      <p:sp>
+        <p:nvSpPr>
+          <p:cNvPr id="4" name="Espace réservé du pied de page 3"/>
+          <p:cNvSpPr>
+            <a:spLocks noGrp="1"/>
+          </p:cNvSpPr>
+          <p:nvPr>
+            <p:ph type="ftr" sz="quarter" idx="11"/>
           </p:nvPr>
         </p:nvSpPr>
         <p:spPr/>
@@ -12158,24 +12359,21 @@
           <a:bodyPr/>
           <a:lstStyle/>
           <a:p>
-            <a:pPr marL="0" indent="0">
-              <a:buNone/>
-            </a:pPr>
             <a:r>
               <a:rPr lang="fr-CH" dirty="0"/>
-              <a:t>Les étapes selon rapport de TPI</a:t>
-            </a:r>
-          </a:p>
-        </p:txBody>
-      </p:sp>
-      <p:sp>
-        <p:nvSpPr>
-          <p:cNvPr id="4" name="Espace réservé du pied de page 3"/>
-          <p:cNvSpPr>
-            <a:spLocks noGrp="1"/>
-          </p:cNvSpPr>
-          <p:nvPr>
-            <p:ph type="ftr" sz="quarter" idx="11"/>
+              <a:t>Damien Mayor</a:t>
+            </a:r>
+          </a:p>
+        </p:txBody>
+      </p:sp>
+      <p:sp>
+        <p:nvSpPr>
+          <p:cNvPr id="5" name="Espace réservé du numéro de diapositive 4"/>
+          <p:cNvSpPr>
+            <a:spLocks noGrp="1"/>
+          </p:cNvSpPr>
+          <p:nvPr>
+            <p:ph type="sldNum" sz="quarter" idx="12"/>
           </p:nvPr>
         </p:nvSpPr>
         <p:spPr/>
@@ -12183,130 +12381,34 @@
           <a:bodyPr/>
           <a:lstStyle/>
           <a:p>
-            <a:r>
-              <a:rPr lang="fr-CH" dirty="0"/>
-              <a:t>Damien Mayor</a:t>
-            </a:r>
-          </a:p>
-        </p:txBody>
-      </p:sp>
-      <p:sp>
-        <p:nvSpPr>
-          <p:cNvPr id="5" name="Espace réservé du numéro de diapositive 4"/>
-          <p:cNvSpPr>
-            <a:spLocks noGrp="1"/>
-          </p:cNvSpPr>
-          <p:nvPr>
-            <p:ph type="sldNum" sz="quarter" idx="12"/>
-          </p:nvPr>
-        </p:nvSpPr>
-        <p:spPr/>
-        <p:txBody>
-          <a:bodyPr/>
-          <a:lstStyle/>
-          <a:p>
             <a:fld id="{2FCD9DE2-19B8-4E75-A167-0E6B1D03D668}" type="slidenum">
-              <a:rPr lang="fr-CH" smtClean="0"/>
+              <a:rPr lang="fr-CH">
+                <a:solidFill>
+                  <a:srgbClr val="C00000"/>
+                </a:solidFill>
+                <a:effectLst>
+                  <a:outerShdw blurRad="38100" dist="38100" dir="2700000" algn="tl">
+                    <a:srgbClr val="000000">
+                      <a:alpha val="43137"/>
+                    </a:srgbClr>
+                  </a:outerShdw>
+                </a:effectLst>
+              </a:rPr>
+              <a:pPr/>
               <a:t>11</a:t>
             </a:fld>
-            <a:endParaRPr lang="fr-CH"/>
-          </a:p>
-        </p:txBody>
-      </p:sp>
-    </p:spTree>
-    <p:extLst>
-      <p:ext uri="{BB962C8B-B14F-4D97-AF65-F5344CB8AC3E}">
-        <p14:creationId xmlns:p14="http://schemas.microsoft.com/office/powerpoint/2010/main" val="32687155"/>
-      </p:ext>
-    </p:extLst>
-  </p:cSld>
-  <p:clrMapOvr>
-    <a:masterClrMapping/>
-  </p:clrMapOvr>
-</p:sld>
-</file>
-
-<file path=ppt/slides/slide12.xml><?xml version="1.0" encoding="utf-8"?>
-<p:sld xmlns:a="http://schemas.openxmlformats.org/drawingml/2006/main" xmlns:r="http://schemas.openxmlformats.org/officeDocument/2006/relationships" xmlns:p="http://schemas.openxmlformats.org/presentationml/2006/main">
-  <p:cSld>
-    <p:spTree>
-      <p:nvGrpSpPr>
-        <p:cNvPr id="1" name=""/>
-        <p:cNvGrpSpPr/>
-        <p:nvPr/>
-      </p:nvGrpSpPr>
-      <p:grpSpPr>
-        <a:xfrm>
-          <a:off x="0" y="0"/>
-          <a:ext cx="0" cy="0"/>
-          <a:chOff x="0" y="0"/>
-          <a:chExt cx="0" cy="0"/>
-        </a:xfrm>
-      </p:grpSpPr>
-      <p:sp>
-        <p:nvSpPr>
-          <p:cNvPr id="2" name="Titre 1"/>
-          <p:cNvSpPr>
-            <a:spLocks noGrp="1"/>
-          </p:cNvSpPr>
-          <p:nvPr>
-            <p:ph type="title"/>
-          </p:nvPr>
-        </p:nvSpPr>
-        <p:spPr/>
-        <p:txBody>
-          <a:bodyPr/>
-          <a:lstStyle/>
-          <a:p>
-            <a:r>
-              <a:rPr lang="fr-CH" dirty="0"/>
-              <a:t>Phase 2</a:t>
-            </a:r>
-          </a:p>
-        </p:txBody>
-      </p:sp>
-      <p:sp>
-        <p:nvSpPr>
-          <p:cNvPr id="4" name="Espace réservé du pied de page 3"/>
-          <p:cNvSpPr>
-            <a:spLocks noGrp="1"/>
-          </p:cNvSpPr>
-          <p:nvPr>
-            <p:ph type="ftr" sz="quarter" idx="11"/>
-          </p:nvPr>
-        </p:nvSpPr>
-        <p:spPr/>
-        <p:txBody>
-          <a:bodyPr/>
-          <a:lstStyle/>
-          <a:p>
-            <a:r>
-              <a:rPr lang="fr-CH" dirty="0"/>
-              <a:t>Damien Mayor</a:t>
-            </a:r>
-          </a:p>
-        </p:txBody>
-      </p:sp>
-      <p:sp>
-        <p:nvSpPr>
-          <p:cNvPr id="5" name="Espace réservé du numéro de diapositive 4"/>
-          <p:cNvSpPr>
-            <a:spLocks noGrp="1"/>
-          </p:cNvSpPr>
-          <p:nvPr>
-            <p:ph type="sldNum" sz="quarter" idx="12"/>
-          </p:nvPr>
-        </p:nvSpPr>
-        <p:spPr/>
-        <p:txBody>
-          <a:bodyPr/>
-          <a:lstStyle/>
-          <a:p>
-            <a:fld id="{2FCD9DE2-19B8-4E75-A167-0E6B1D03D668}" type="slidenum">
-              <a:rPr lang="fr-CH" smtClean="0"/>
-              <a:t>12</a:t>
-            </a:fld>
-            <a:endParaRPr lang="fr-CH"/>
+            <a:endParaRPr lang="fr-CH" dirty="0">
+              <a:solidFill>
+                <a:srgbClr val="C00000"/>
+              </a:solidFill>
+              <a:effectLst>
+                <a:outerShdw blurRad="38100" dist="38100" dir="2700000" algn="tl">
+                  <a:srgbClr val="000000">
+                    <a:alpha val="43137"/>
+                  </a:srgbClr>
+                </a:outerShdw>
+              </a:effectLst>
+            </a:endParaRPr>
           </a:p>
         </p:txBody>
       </p:sp>
@@ -12356,6 +12458,340 @@
   <p:clrMapOvr>
     <a:masterClrMapping/>
   </p:clrMapOvr>
+  <p:timing>
+    <p:tnLst>
+      <p:par>
+        <p:cTn id="1" dur="indefinite" restart="never" nodeType="tmRoot"/>
+      </p:par>
+    </p:tnLst>
+  </p:timing>
+</p:sld>
+</file>
+
+<file path=ppt/slides/slide12.xml><?xml version="1.0" encoding="utf-8"?>
+<p:sld xmlns:a="http://schemas.openxmlformats.org/drawingml/2006/main" xmlns:r="http://schemas.openxmlformats.org/officeDocument/2006/relationships" xmlns:p="http://schemas.openxmlformats.org/presentationml/2006/main">
+  <p:cSld>
+    <p:spTree>
+      <p:nvGrpSpPr>
+        <p:cNvPr id="1" name=""/>
+        <p:cNvGrpSpPr/>
+        <p:nvPr/>
+      </p:nvGrpSpPr>
+      <p:grpSpPr>
+        <a:xfrm>
+          <a:off x="0" y="0"/>
+          <a:ext cx="0" cy="0"/>
+          <a:chOff x="0" y="0"/>
+          <a:chExt cx="0" cy="0"/>
+        </a:xfrm>
+      </p:grpSpPr>
+      <p:sp>
+        <p:nvSpPr>
+          <p:cNvPr id="2" name="Titre 1"/>
+          <p:cNvSpPr>
+            <a:spLocks noGrp="1"/>
+          </p:cNvSpPr>
+          <p:nvPr>
+            <p:ph type="title"/>
+          </p:nvPr>
+        </p:nvSpPr>
+        <p:spPr/>
+        <p:txBody>
+          <a:bodyPr/>
+          <a:lstStyle/>
+          <a:p>
+            <a:r>
+              <a:rPr lang="fr-CH" dirty="0"/>
+              <a:t>Implémentation CPNV</a:t>
+            </a:r>
+          </a:p>
+        </p:txBody>
+      </p:sp>
+      <p:pic>
+        <p:nvPicPr>
+          <p:cNvPr id="7" name="Espace réservé du contenu 6"/>
+          <p:cNvPicPr>
+            <a:picLocks noGrp="1" noChangeAspect="1"/>
+          </p:cNvPicPr>
+          <p:nvPr>
+            <p:ph idx="1"/>
+          </p:nvPr>
+        </p:nvPicPr>
+        <p:blipFill>
+          <a:blip r:embed="rId3">
+            <a:extLst>
+              <a:ext uri="{28A0092B-C50C-407E-A947-70E740481C1C}">
+                <a14:useLocalDpi xmlns:a14="http://schemas.microsoft.com/office/drawing/2010/main" val="0"/>
+              </a:ext>
+            </a:extLst>
+          </a:blip>
+          <a:stretch>
+            <a:fillRect/>
+          </a:stretch>
+        </p:blipFill>
+        <p:spPr>
+          <a:xfrm>
+            <a:off x="0" y="1152983"/>
+            <a:ext cx="8213881" cy="4195762"/>
+          </a:xfrm>
+          <a:ln>
+            <a:solidFill>
+              <a:schemeClr val="accent1">
+                <a:lumMod val="50000"/>
+              </a:schemeClr>
+            </a:solidFill>
+          </a:ln>
+        </p:spPr>
+      </p:pic>
+      <p:sp>
+        <p:nvSpPr>
+          <p:cNvPr id="4" name="Espace réservé du pied de page 3"/>
+          <p:cNvSpPr>
+            <a:spLocks noGrp="1"/>
+          </p:cNvSpPr>
+          <p:nvPr>
+            <p:ph type="ftr" sz="quarter" idx="11"/>
+          </p:nvPr>
+        </p:nvSpPr>
+        <p:spPr/>
+        <p:txBody>
+          <a:bodyPr/>
+          <a:lstStyle/>
+          <a:p>
+            <a:r>
+              <a:rPr lang="fr-CH" dirty="0"/>
+              <a:t>Damien Mayor</a:t>
+            </a:r>
+          </a:p>
+        </p:txBody>
+      </p:sp>
+      <p:sp>
+        <p:nvSpPr>
+          <p:cNvPr id="5" name="Espace réservé du numéro de diapositive 4"/>
+          <p:cNvSpPr>
+            <a:spLocks noGrp="1"/>
+          </p:cNvSpPr>
+          <p:nvPr>
+            <p:ph type="sldNum" sz="quarter" idx="12"/>
+          </p:nvPr>
+        </p:nvSpPr>
+        <p:spPr/>
+        <p:txBody>
+          <a:bodyPr/>
+          <a:lstStyle/>
+          <a:p>
+            <a:fld id="{2FCD9DE2-19B8-4E75-A167-0E6B1D03D668}" type="slidenum">
+              <a:rPr lang="fr-CH">
+                <a:solidFill>
+                  <a:srgbClr val="C00000"/>
+                </a:solidFill>
+                <a:effectLst>
+                  <a:outerShdw blurRad="38100" dist="38100" dir="2700000" algn="tl">
+                    <a:srgbClr val="000000">
+                      <a:alpha val="43137"/>
+                    </a:srgbClr>
+                  </a:outerShdw>
+                </a:effectLst>
+              </a:rPr>
+              <a:pPr/>
+              <a:t>12</a:t>
+            </a:fld>
+            <a:endParaRPr lang="fr-CH" dirty="0">
+              <a:solidFill>
+                <a:srgbClr val="C00000"/>
+              </a:solidFill>
+              <a:effectLst>
+                <a:outerShdw blurRad="38100" dist="38100" dir="2700000" algn="tl">
+                  <a:srgbClr val="000000">
+                    <a:alpha val="43137"/>
+                  </a:srgbClr>
+                </a:outerShdw>
+              </a:effectLst>
+            </a:endParaRPr>
+          </a:p>
+        </p:txBody>
+      </p:sp>
+      <p:pic>
+        <p:nvPicPr>
+          <p:cNvPr id="8" name="Image 7"/>
+          <p:cNvPicPr>
+            <a:picLocks noChangeAspect="1"/>
+          </p:cNvPicPr>
+          <p:nvPr/>
+        </p:nvPicPr>
+        <p:blipFill rotWithShape="1">
+          <a:blip r:embed="rId4">
+            <a:extLst>
+              <a:ext uri="{28A0092B-C50C-407E-A947-70E740481C1C}">
+                <a14:useLocalDpi xmlns:a14="http://schemas.microsoft.com/office/drawing/2010/main" val="0"/>
+              </a:ext>
+            </a:extLst>
+          </a:blip>
+          <a:srcRect l="3063" r="45133"/>
+          <a:stretch/>
+        </p:blipFill>
+        <p:spPr>
+          <a:xfrm>
+            <a:off x="8289042" y="2749778"/>
+            <a:ext cx="3902958" cy="2374483"/>
+          </a:xfrm>
+          <a:prstGeom prst="rect">
+            <a:avLst/>
+          </a:prstGeom>
+          <a:ln>
+            <a:solidFill>
+              <a:schemeClr val="accent1">
+                <a:lumMod val="50000"/>
+              </a:schemeClr>
+            </a:solidFill>
+          </a:ln>
+        </p:spPr>
+      </p:pic>
+      <p:pic>
+        <p:nvPicPr>
+          <p:cNvPr id="9" name="Image 8"/>
+          <p:cNvPicPr>
+            <a:picLocks noChangeAspect="1"/>
+          </p:cNvPicPr>
+          <p:nvPr/>
+        </p:nvPicPr>
+        <p:blipFill rotWithShape="1">
+          <a:blip r:embed="rId5">
+            <a:extLst>
+              <a:ext uri="{28A0092B-C50C-407E-A947-70E740481C1C}">
+                <a14:useLocalDpi xmlns:a14="http://schemas.microsoft.com/office/drawing/2010/main" val="0"/>
+              </a:ext>
+            </a:extLst>
+          </a:blip>
+          <a:srcRect t="8323" r="23223"/>
+          <a:stretch/>
+        </p:blipFill>
+        <p:spPr>
+          <a:xfrm>
+            <a:off x="8716495" y="4541929"/>
+            <a:ext cx="3475505" cy="2316071"/>
+          </a:xfrm>
+          <a:prstGeom prst="rect">
+            <a:avLst/>
+          </a:prstGeom>
+          <a:ln>
+            <a:solidFill>
+              <a:schemeClr val="accent1">
+                <a:lumMod val="50000"/>
+              </a:schemeClr>
+            </a:solidFill>
+          </a:ln>
+        </p:spPr>
+      </p:pic>
+      <p:sp>
+        <p:nvSpPr>
+          <p:cNvPr id="11" name="Ellipse 10"/>
+          <p:cNvSpPr/>
+          <p:nvPr/>
+        </p:nvSpPr>
+        <p:spPr>
+          <a:xfrm>
+            <a:off x="9578565" y="5819513"/>
+            <a:ext cx="2009871" cy="343234"/>
+          </a:xfrm>
+          <a:prstGeom prst="ellipse">
+            <a:avLst/>
+          </a:prstGeom>
+          <a:noFill/>
+          <a:ln>
+            <a:solidFill>
+              <a:srgbClr val="C00000"/>
+            </a:solidFill>
+          </a:ln>
+        </p:spPr>
+        <p:style>
+          <a:lnRef idx="2">
+            <a:schemeClr val="accent1">
+              <a:shade val="50000"/>
+            </a:schemeClr>
+          </a:lnRef>
+          <a:fillRef idx="1">
+            <a:schemeClr val="accent1"/>
+          </a:fillRef>
+          <a:effectRef idx="0">
+            <a:schemeClr val="accent1"/>
+          </a:effectRef>
+          <a:fontRef idx="minor">
+            <a:schemeClr val="lt1"/>
+          </a:fontRef>
+        </p:style>
+        <p:txBody>
+          <a:bodyPr rtlCol="0" anchor="ctr"/>
+          <a:lstStyle/>
+          <a:p>
+            <a:pPr algn="ctr"/>
+            <a:endParaRPr lang="fr-CH"/>
+          </a:p>
+        </p:txBody>
+      </p:sp>
+      <p:sp>
+        <p:nvSpPr>
+          <p:cNvPr id="12" name="Ellipse 11"/>
+          <p:cNvSpPr/>
+          <p:nvPr/>
+        </p:nvSpPr>
+        <p:spPr>
+          <a:xfrm>
+            <a:off x="8642572" y="3744766"/>
+            <a:ext cx="1777968" cy="343234"/>
+          </a:xfrm>
+          <a:prstGeom prst="ellipse">
+            <a:avLst/>
+          </a:prstGeom>
+          <a:noFill/>
+          <a:ln>
+            <a:solidFill>
+              <a:srgbClr val="C00000"/>
+            </a:solidFill>
+          </a:ln>
+        </p:spPr>
+        <p:style>
+          <a:lnRef idx="2">
+            <a:schemeClr val="accent1">
+              <a:shade val="50000"/>
+            </a:schemeClr>
+          </a:lnRef>
+          <a:fillRef idx="1">
+            <a:schemeClr val="accent1"/>
+          </a:fillRef>
+          <a:effectRef idx="0">
+            <a:schemeClr val="accent1"/>
+          </a:effectRef>
+          <a:fontRef idx="minor">
+            <a:schemeClr val="lt1"/>
+          </a:fontRef>
+        </p:style>
+        <p:txBody>
+          <a:bodyPr rtlCol="0" anchor="ctr"/>
+          <a:lstStyle/>
+          <a:p>
+            <a:pPr algn="ctr"/>
+            <a:endParaRPr lang="fr-CH"/>
+          </a:p>
+        </p:txBody>
+      </p:sp>
+    </p:spTree>
+    <p:extLst>
+      <p:ext uri="{BB962C8B-B14F-4D97-AF65-F5344CB8AC3E}">
+        <p14:creationId xmlns:p14="http://schemas.microsoft.com/office/powerpoint/2010/main" val="1026835417"/>
+      </p:ext>
+    </p:extLst>
+  </p:cSld>
+  <p:clrMapOvr>
+    <a:masterClrMapping/>
+  </p:clrMapOvr>
+  <p:timing>
+    <p:tnLst>
+      <p:par>
+        <p:cTn id="1" dur="indefinite" restart="never" nodeType="tmRoot"/>
+      </p:par>
+    </p:tnLst>
+  </p:timing>
 </p:sld>
 </file>
 
@@ -12392,9 +12828,10 @@
           <a:lstStyle/>
           <a:p>
             <a:r>
-              <a:rPr lang="fr-CH" dirty="0"/>
-              <a:t>Implémentation CPNV</a:t>
-            </a:r>
+              <a:rPr lang="fr-CH" dirty="0" smtClean="0"/>
+              <a:t>Challenges rencontrés</a:t>
+            </a:r>
+            <a:endParaRPr lang="fr-CH" dirty="0"/>
           </a:p>
         </p:txBody>
       </p:sp>
@@ -12414,9 +12851,51 @@
           <a:lstStyle/>
           <a:p>
             <a:r>
-              <a:rPr lang="fr-CH" dirty="0"/>
-              <a:t>Selon rapport de TPI</a:t>
-            </a:r>
+              <a:rPr lang="fr-CH" dirty="0" smtClean="0"/>
+              <a:t>Planification initiale</a:t>
+            </a:r>
+          </a:p>
+          <a:p>
+            <a:pPr marL="0" indent="0">
+              <a:buNone/>
+            </a:pPr>
+            <a:endParaRPr lang="fr-CH" dirty="0" smtClean="0"/>
+          </a:p>
+          <a:p>
+            <a:r>
+              <a:rPr lang="fr-CH" dirty="0" smtClean="0"/>
+              <a:t>VDOMs</a:t>
+            </a:r>
+          </a:p>
+          <a:p>
+            <a:pPr marL="0" indent="0">
+              <a:buNone/>
+            </a:pPr>
+            <a:endParaRPr lang="fr-CH" dirty="0" smtClean="0"/>
+          </a:p>
+          <a:p>
+            <a:r>
+              <a:rPr lang="fr-CH" dirty="0" smtClean="0"/>
+              <a:t>GUI volatil</a:t>
+            </a:r>
+          </a:p>
+          <a:p>
+            <a:pPr marL="0" indent="0">
+              <a:buNone/>
+            </a:pPr>
+            <a:endParaRPr lang="fr-CH" dirty="0" smtClean="0"/>
+          </a:p>
+          <a:p>
+            <a:r>
+              <a:rPr lang="fr-CH" dirty="0" smtClean="0"/>
+              <a:t>Tunnels pas alignés</a:t>
+            </a:r>
+          </a:p>
+          <a:p>
+            <a:endParaRPr lang="fr-CH" dirty="0" smtClean="0"/>
+          </a:p>
+          <a:p>
+            <a:endParaRPr lang="fr-CH" dirty="0" smtClean="0"/>
           </a:p>
         </p:txBody>
       </p:sp>
@@ -12436,9 +12915,10 @@
           <a:lstStyle/>
           <a:p>
             <a:r>
-              <a:rPr lang="fr-CH" dirty="0"/>
+              <a:rPr lang="fr-CH" dirty="0" smtClean="0"/>
               <a:t>Damien Mayor</a:t>
             </a:r>
+            <a:endParaRPr lang="fr-CH" dirty="0"/>
           </a:p>
         </p:txBody>
       </p:sp>
@@ -12458,23 +12938,53 @@
           <a:lstStyle/>
           <a:p>
             <a:fld id="{2FCD9DE2-19B8-4E75-A167-0E6B1D03D668}" type="slidenum">
-              <a:rPr lang="fr-CH" smtClean="0"/>
+              <a:rPr lang="fr-CH">
+                <a:solidFill>
+                  <a:srgbClr val="C00000"/>
+                </a:solidFill>
+                <a:effectLst>
+                  <a:outerShdw blurRad="38100" dist="38100" dir="2700000" algn="tl">
+                    <a:srgbClr val="000000">
+                      <a:alpha val="43137"/>
+                    </a:srgbClr>
+                  </a:outerShdw>
+                </a:effectLst>
+              </a:rPr>
+              <a:pPr/>
               <a:t>13</a:t>
             </a:fld>
-            <a:endParaRPr lang="fr-CH"/>
+            <a:endParaRPr lang="fr-CH" dirty="0">
+              <a:solidFill>
+                <a:srgbClr val="C00000"/>
+              </a:solidFill>
+              <a:effectLst>
+                <a:outerShdw blurRad="38100" dist="38100" dir="2700000" algn="tl">
+                  <a:srgbClr val="000000">
+                    <a:alpha val="43137"/>
+                  </a:srgbClr>
+                </a:outerShdw>
+              </a:effectLst>
+            </a:endParaRPr>
           </a:p>
         </p:txBody>
       </p:sp>
     </p:spTree>
     <p:extLst>
       <p:ext uri="{BB962C8B-B14F-4D97-AF65-F5344CB8AC3E}">
-        <p14:creationId xmlns:p14="http://schemas.microsoft.com/office/powerpoint/2010/main" val="1026835417"/>
+        <p14:creationId xmlns:p14="http://schemas.microsoft.com/office/powerpoint/2010/main" val="2761578671"/>
       </p:ext>
     </p:extLst>
   </p:cSld>
   <p:clrMapOvr>
     <a:masterClrMapping/>
   </p:clrMapOvr>
+  <p:timing>
+    <p:tnLst>
+      <p:par>
+        <p:cTn id="1" dur="indefinite" restart="never" nodeType="tmRoot"/>
+      </p:par>
+    </p:tnLst>
+  </p:timing>
 </p:sld>
 </file>
 
@@ -12511,477 +13021,6 @@
           <a:lstStyle/>
           <a:p>
             <a:r>
-              <a:rPr lang="fr-CH" dirty="0"/>
-              <a:t>Points spécifiques</a:t>
-            </a:r>
-          </a:p>
-        </p:txBody>
-      </p:sp>
-      <p:sp>
-        <p:nvSpPr>
-          <p:cNvPr id="3" name="Espace réservé du contenu 2"/>
-          <p:cNvSpPr>
-            <a:spLocks noGrp="1"/>
-          </p:cNvSpPr>
-          <p:nvPr>
-            <p:ph idx="1"/>
-          </p:nvPr>
-        </p:nvSpPr>
-        <p:spPr/>
-        <p:txBody>
-          <a:bodyPr/>
-          <a:lstStyle/>
-          <a:p>
-            <a:r>
-              <a:rPr lang="fr-CH" dirty="0"/>
-              <a:t>Pertinence de l'implémentation du 1</a:t>
-            </a:r>
-            <a:r>
-              <a:rPr lang="fr-CH" baseline="30000" dirty="0"/>
-              <a:t>er</a:t>
-            </a:r>
-            <a:r>
-              <a:rPr lang="fr-CH" dirty="0"/>
-              <a:t> temps </a:t>
-            </a:r>
-          </a:p>
-          <a:p>
-            <a:r>
-              <a:rPr lang="fr-CH" dirty="0"/>
-              <a:t>Pertinence de la partie "internet" du 1</a:t>
-            </a:r>
-            <a:r>
-              <a:rPr lang="fr-CH" baseline="30000" dirty="0"/>
-              <a:t>er</a:t>
-            </a:r>
-            <a:r>
-              <a:rPr lang="fr-CH" dirty="0"/>
-              <a:t> temps</a:t>
-            </a:r>
-          </a:p>
-          <a:p>
-            <a:r>
-              <a:rPr lang="fr-CH" dirty="0"/>
-              <a:t>A la fin du 1</a:t>
-            </a:r>
-            <a:r>
-              <a:rPr lang="fr-CH" baseline="30000" dirty="0"/>
-              <a:t>er</a:t>
-            </a:r>
-            <a:r>
-              <a:rPr lang="fr-CH" dirty="0"/>
-              <a:t> temps : tous les clients et le télétravailleur peuvent atteindre le server et l'imprimantes par leur adresse IP</a:t>
-            </a:r>
-          </a:p>
-          <a:p>
-            <a:r>
-              <a:rPr lang="fr-CH" dirty="0"/>
-              <a:t>Adressage IP conforme au schéma du CDC</a:t>
-            </a:r>
-          </a:p>
-          <a:p>
-            <a:r>
-              <a:rPr lang="fr-CH" dirty="0"/>
-              <a:t>Pertinence de l'implémentation du 2</a:t>
-            </a:r>
-            <a:r>
-              <a:rPr lang="fr-CH" baseline="30000" dirty="0"/>
-              <a:t>ème</a:t>
-            </a:r>
-            <a:r>
-              <a:rPr lang="fr-CH" dirty="0"/>
-              <a:t> temps</a:t>
-            </a:r>
-          </a:p>
-          <a:p>
-            <a:r>
-              <a:rPr lang="fr-CH" dirty="0"/>
-              <a:t>A la fin du 2</a:t>
-            </a:r>
-            <a:r>
-              <a:rPr lang="fr-CH" baseline="30000" dirty="0"/>
-              <a:t>ème</a:t>
-            </a:r>
-            <a:r>
-              <a:rPr lang="fr-CH" dirty="0"/>
-              <a:t> temps : tous les clients et le télétravailleur peuvent atteindre le server et l'imprimantes par leur adresse IP</a:t>
-            </a:r>
-          </a:p>
-          <a:p>
-            <a:r>
-              <a:rPr lang="fr-CH" dirty="0"/>
-              <a:t>Déterminer le nombre maximal d'implémentations du schéma proposé qu'il est théoriquement possible de réaliser</a:t>
-            </a:r>
-          </a:p>
-          <a:p>
-            <a:endParaRPr lang="fr-CH" dirty="0"/>
-          </a:p>
-        </p:txBody>
-      </p:sp>
-      <p:sp>
-        <p:nvSpPr>
-          <p:cNvPr id="4" name="Espace réservé du pied de page 3"/>
-          <p:cNvSpPr>
-            <a:spLocks noGrp="1"/>
-          </p:cNvSpPr>
-          <p:nvPr>
-            <p:ph type="ftr" sz="quarter" idx="11"/>
-          </p:nvPr>
-        </p:nvSpPr>
-        <p:spPr/>
-        <p:txBody>
-          <a:bodyPr/>
-          <a:lstStyle/>
-          <a:p>
-            <a:r>
-              <a:rPr lang="fr-CH" dirty="0"/>
-              <a:t>Damien Mayor</a:t>
-            </a:r>
-          </a:p>
-        </p:txBody>
-      </p:sp>
-      <p:sp>
-        <p:nvSpPr>
-          <p:cNvPr id="5" name="Espace réservé du numéro de diapositive 4"/>
-          <p:cNvSpPr>
-            <a:spLocks noGrp="1"/>
-          </p:cNvSpPr>
-          <p:nvPr>
-            <p:ph type="sldNum" sz="quarter" idx="12"/>
-          </p:nvPr>
-        </p:nvSpPr>
-        <p:spPr/>
-        <p:txBody>
-          <a:bodyPr/>
-          <a:lstStyle/>
-          <a:p>
-            <a:fld id="{2FCD9DE2-19B8-4E75-A167-0E6B1D03D668}" type="slidenum">
-              <a:rPr lang="fr-CH" smtClean="0"/>
-              <a:t>14</a:t>
-            </a:fld>
-            <a:endParaRPr lang="fr-CH"/>
-          </a:p>
-        </p:txBody>
-      </p:sp>
-      <p:pic>
-        <p:nvPicPr>
-          <p:cNvPr id="8" name="Image 7"/>
-          <p:cNvPicPr>
-            <a:picLocks noChangeAspect="1"/>
-          </p:cNvPicPr>
-          <p:nvPr/>
-        </p:nvPicPr>
-        <p:blipFill>
-          <a:blip r:embed="rId2" cstate="print">
-            <a:extLst>
-              <a:ext uri="{BEBA8EAE-BF5A-486C-A8C5-ECC9F3942E4B}">
-                <a14:imgProps xmlns:a14="http://schemas.microsoft.com/office/drawing/2010/main">
-                  <a14:imgLayer r:embed="rId3">
-                    <a14:imgEffect>
-                      <a14:backgroundRemoval t="2791" b="89860" l="5870" r="94239"/>
-                    </a14:imgEffect>
-                  </a14:imgLayer>
-                </a14:imgProps>
-              </a:ext>
-              <a:ext uri="{28A0092B-C50C-407E-A947-70E740481C1C}">
-                <a14:useLocalDpi xmlns:a14="http://schemas.microsoft.com/office/drawing/2010/main" val="0"/>
-              </a:ext>
-            </a:extLst>
-          </a:blip>
-          <a:stretch>
-            <a:fillRect/>
-          </a:stretch>
-        </p:blipFill>
-        <p:spPr>
-          <a:xfrm>
-            <a:off x="8097570" y="1819437"/>
-            <a:ext cx="521705" cy="609601"/>
-          </a:xfrm>
-          <a:prstGeom prst="rect">
-            <a:avLst/>
-          </a:prstGeom>
-        </p:spPr>
-      </p:pic>
-      <p:pic>
-        <p:nvPicPr>
-          <p:cNvPr id="9" name="Image 8"/>
-          <p:cNvPicPr>
-            <a:picLocks noChangeAspect="1"/>
-          </p:cNvPicPr>
-          <p:nvPr/>
-        </p:nvPicPr>
-        <p:blipFill>
-          <a:blip r:embed="rId2" cstate="print">
-            <a:extLst>
-              <a:ext uri="{BEBA8EAE-BF5A-486C-A8C5-ECC9F3942E4B}">
-                <a14:imgProps xmlns:a14="http://schemas.microsoft.com/office/drawing/2010/main">
-                  <a14:imgLayer r:embed="rId3">
-                    <a14:imgEffect>
-                      <a14:backgroundRemoval t="2791" b="89860" l="5870" r="94239"/>
-                    </a14:imgEffect>
-                  </a14:imgLayer>
-                </a14:imgProps>
-              </a:ext>
-              <a:ext uri="{28A0092B-C50C-407E-A947-70E740481C1C}">
-                <a14:useLocalDpi xmlns:a14="http://schemas.microsoft.com/office/drawing/2010/main" val="0"/>
-              </a:ext>
-            </a:extLst>
-          </a:blip>
-          <a:stretch>
-            <a:fillRect/>
-          </a:stretch>
-        </p:blipFill>
-        <p:spPr>
-          <a:xfrm>
-            <a:off x="8053769" y="2265410"/>
-            <a:ext cx="521705" cy="609601"/>
-          </a:xfrm>
-          <a:prstGeom prst="rect">
-            <a:avLst/>
-          </a:prstGeom>
-        </p:spPr>
-      </p:pic>
-      <p:pic>
-        <p:nvPicPr>
-          <p:cNvPr id="10" name="Image 9"/>
-          <p:cNvPicPr>
-            <a:picLocks noChangeAspect="1"/>
-          </p:cNvPicPr>
-          <p:nvPr/>
-        </p:nvPicPr>
-        <p:blipFill>
-          <a:blip r:embed="rId2" cstate="print">
-            <a:extLst>
-              <a:ext uri="{BEBA8EAE-BF5A-486C-A8C5-ECC9F3942E4B}">
-                <a14:imgProps xmlns:a14="http://schemas.microsoft.com/office/drawing/2010/main">
-                  <a14:imgLayer r:embed="rId3">
-                    <a14:imgEffect>
-                      <a14:backgroundRemoval t="2791" b="89860" l="5870" r="94239"/>
-                    </a14:imgEffect>
-                  </a14:imgLayer>
-                </a14:imgProps>
-              </a:ext>
-              <a:ext uri="{28A0092B-C50C-407E-A947-70E740481C1C}">
-                <a14:useLocalDpi xmlns:a14="http://schemas.microsoft.com/office/drawing/2010/main" val="0"/>
-              </a:ext>
-            </a:extLst>
-          </a:blip>
-          <a:stretch>
-            <a:fillRect/>
-          </a:stretch>
-        </p:blipFill>
-        <p:spPr>
-          <a:xfrm>
-            <a:off x="8097570" y="3072896"/>
-            <a:ext cx="521705" cy="609601"/>
-          </a:xfrm>
-          <a:prstGeom prst="rect">
-            <a:avLst/>
-          </a:prstGeom>
-        </p:spPr>
-      </p:pic>
-      <p:pic>
-        <p:nvPicPr>
-          <p:cNvPr id="11" name="Image 10"/>
-          <p:cNvPicPr>
-            <a:picLocks noChangeAspect="1"/>
-          </p:cNvPicPr>
-          <p:nvPr/>
-        </p:nvPicPr>
-        <p:blipFill>
-          <a:blip r:embed="rId2" cstate="print">
-            <a:extLst>
-              <a:ext uri="{BEBA8EAE-BF5A-486C-A8C5-ECC9F3942E4B}">
-                <a14:imgProps xmlns:a14="http://schemas.microsoft.com/office/drawing/2010/main">
-                  <a14:imgLayer r:embed="rId3">
-                    <a14:imgEffect>
-                      <a14:backgroundRemoval t="2791" b="89860" l="5870" r="94239"/>
-                    </a14:imgEffect>
-                  </a14:imgLayer>
-                </a14:imgProps>
-              </a:ext>
-              <a:ext uri="{28A0092B-C50C-407E-A947-70E740481C1C}">
-                <a14:useLocalDpi xmlns:a14="http://schemas.microsoft.com/office/drawing/2010/main" val="0"/>
-              </a:ext>
-            </a:extLst>
-          </a:blip>
-          <a:stretch>
-            <a:fillRect/>
-          </a:stretch>
-        </p:blipFill>
-        <p:spPr>
-          <a:xfrm>
-            <a:off x="8100291" y="3493624"/>
-            <a:ext cx="521705" cy="609601"/>
-          </a:xfrm>
-          <a:prstGeom prst="rect">
-            <a:avLst/>
-          </a:prstGeom>
-        </p:spPr>
-      </p:pic>
-      <p:pic>
-        <p:nvPicPr>
-          <p:cNvPr id="12" name="Image 11"/>
-          <p:cNvPicPr>
-            <a:picLocks noChangeAspect="1"/>
-          </p:cNvPicPr>
-          <p:nvPr/>
-        </p:nvPicPr>
-        <p:blipFill>
-          <a:blip r:embed="rId2" cstate="print">
-            <a:extLst>
-              <a:ext uri="{BEBA8EAE-BF5A-486C-A8C5-ECC9F3942E4B}">
-                <a14:imgProps xmlns:a14="http://schemas.microsoft.com/office/drawing/2010/main">
-                  <a14:imgLayer r:embed="rId3">
-                    <a14:imgEffect>
-                      <a14:backgroundRemoval t="2791" b="89860" l="5870" r="94239"/>
-                    </a14:imgEffect>
-                  </a14:imgLayer>
-                </a14:imgProps>
-              </a:ext>
-              <a:ext uri="{28A0092B-C50C-407E-A947-70E740481C1C}">
-                <a14:useLocalDpi xmlns:a14="http://schemas.microsoft.com/office/drawing/2010/main" val="0"/>
-              </a:ext>
-            </a:extLst>
-          </a:blip>
-          <a:stretch>
-            <a:fillRect/>
-          </a:stretch>
-        </p:blipFill>
-        <p:spPr>
-          <a:xfrm>
-            <a:off x="8054740" y="3951211"/>
-            <a:ext cx="521705" cy="609601"/>
-          </a:xfrm>
-          <a:prstGeom prst="rect">
-            <a:avLst/>
-          </a:prstGeom>
-        </p:spPr>
-      </p:pic>
-      <p:pic>
-        <p:nvPicPr>
-          <p:cNvPr id="13" name="Image 12"/>
-          <p:cNvPicPr>
-            <a:picLocks noChangeAspect="1"/>
-          </p:cNvPicPr>
-          <p:nvPr/>
-        </p:nvPicPr>
-        <p:blipFill>
-          <a:blip r:embed="rId2" cstate="print">
-            <a:extLst>
-              <a:ext uri="{BEBA8EAE-BF5A-486C-A8C5-ECC9F3942E4B}">
-                <a14:imgProps xmlns:a14="http://schemas.microsoft.com/office/drawing/2010/main">
-                  <a14:imgLayer r:embed="rId3">
-                    <a14:imgEffect>
-                      <a14:backgroundRemoval t="2791" b="89860" l="5870" r="94239"/>
-                    </a14:imgEffect>
-                  </a14:imgLayer>
-                </a14:imgProps>
-              </a:ext>
-              <a:ext uri="{28A0092B-C50C-407E-A947-70E740481C1C}">
-                <a14:useLocalDpi xmlns:a14="http://schemas.microsoft.com/office/drawing/2010/main" val="0"/>
-              </a:ext>
-            </a:extLst>
-          </a:blip>
-          <a:stretch>
-            <a:fillRect/>
-          </a:stretch>
-        </p:blipFill>
-        <p:spPr>
-          <a:xfrm>
-            <a:off x="8097570" y="4660647"/>
-            <a:ext cx="521705" cy="609601"/>
-          </a:xfrm>
-          <a:prstGeom prst="rect">
-            <a:avLst/>
-          </a:prstGeom>
-        </p:spPr>
-      </p:pic>
-      <p:pic>
-        <p:nvPicPr>
-          <p:cNvPr id="14" name="Image 13"/>
-          <p:cNvPicPr>
-            <a:picLocks noChangeAspect="1"/>
-          </p:cNvPicPr>
-          <p:nvPr/>
-        </p:nvPicPr>
-        <p:blipFill>
-          <a:blip r:embed="rId2" cstate="print">
-            <a:extLst>
-              <a:ext uri="{BEBA8EAE-BF5A-486C-A8C5-ECC9F3942E4B}">
-                <a14:imgProps xmlns:a14="http://schemas.microsoft.com/office/drawing/2010/main">
-                  <a14:imgLayer r:embed="rId3">
-                    <a14:imgEffect>
-                      <a14:backgroundRemoval t="2791" b="89860" l="5870" r="94239"/>
-                    </a14:imgEffect>
-                  </a14:imgLayer>
-                </a14:imgProps>
-              </a:ext>
-              <a:ext uri="{28A0092B-C50C-407E-A947-70E740481C1C}">
-                <a14:useLocalDpi xmlns:a14="http://schemas.microsoft.com/office/drawing/2010/main" val="0"/>
-              </a:ext>
-            </a:extLst>
-          </a:blip>
-          <a:stretch>
-            <a:fillRect/>
-          </a:stretch>
-        </p:blipFill>
-        <p:spPr>
-          <a:xfrm>
-            <a:off x="8097570" y="5423034"/>
-            <a:ext cx="521705" cy="609601"/>
-          </a:xfrm>
-          <a:prstGeom prst="rect">
-            <a:avLst/>
-          </a:prstGeom>
-        </p:spPr>
-      </p:pic>
-    </p:spTree>
-    <p:extLst>
-      <p:ext uri="{BB962C8B-B14F-4D97-AF65-F5344CB8AC3E}">
-        <p14:creationId xmlns:p14="http://schemas.microsoft.com/office/powerpoint/2010/main" val="3799301629"/>
-      </p:ext>
-    </p:extLst>
-  </p:cSld>
-  <p:clrMapOvr>
-    <a:masterClrMapping/>
-  </p:clrMapOvr>
-</p:sld>
-</file>
-
-<file path=ppt/slides/slide15.xml><?xml version="1.0" encoding="utf-8"?>
-<p:sld xmlns:a="http://schemas.openxmlformats.org/drawingml/2006/main" xmlns:r="http://schemas.openxmlformats.org/officeDocument/2006/relationships" xmlns:p="http://schemas.openxmlformats.org/presentationml/2006/main">
-  <p:cSld>
-    <p:spTree>
-      <p:nvGrpSpPr>
-        <p:cNvPr id="1" name=""/>
-        <p:cNvGrpSpPr/>
-        <p:nvPr/>
-      </p:nvGrpSpPr>
-      <p:grpSpPr>
-        <a:xfrm>
-          <a:off x="0" y="0"/>
-          <a:ext cx="0" cy="0"/>
-          <a:chOff x="0" y="0"/>
-          <a:chExt cx="0" cy="0"/>
-        </a:xfrm>
-      </p:grpSpPr>
-      <p:sp>
-        <p:nvSpPr>
-          <p:cNvPr id="2" name="Titre 1"/>
-          <p:cNvSpPr>
-            <a:spLocks noGrp="1"/>
-          </p:cNvSpPr>
-          <p:nvPr>
-            <p:ph type="title"/>
-          </p:nvPr>
-        </p:nvSpPr>
-        <p:spPr/>
-        <p:txBody>
-          <a:bodyPr/>
-          <a:lstStyle/>
-          <a:p>
-            <a:r>
               <a:rPr lang="fr-CH" strike="sngStrike" dirty="0">
                 <a:effectLst>
                   <a:outerShdw blurRad="38100" dist="38100" dir="2700000" algn="tl">
@@ -13056,8 +13095,12 @@
           </a:p>
           <a:p>
             <a:r>
+              <a:rPr lang="fr-CH" dirty="0" smtClean="0"/>
+              <a:t>Intégration dans </a:t>
+            </a:r>
+            <a:r>
               <a:rPr lang="fr-CH" dirty="0"/>
-              <a:t>Intégration complète dans le module 146</a:t>
+              <a:t>le module 146</a:t>
             </a:r>
           </a:p>
           <a:p>
@@ -13084,9 +13127,10 @@
           <a:lstStyle/>
           <a:p>
             <a:r>
-              <a:rPr lang="fr-CH" dirty="0"/>
-              <a:t>Damien "FortiDam" Mayor</a:t>
-            </a:r>
+              <a:rPr lang="fr-CH" smtClean="0"/>
+              <a:t>Damien Mayor</a:t>
+            </a:r>
+            <a:endParaRPr lang="fr-CH" dirty="0"/>
           </a:p>
         </p:txBody>
       </p:sp>
@@ -13118,7 +13162,7 @@
                   </a:outerShdw>
                 </a:effectLst>
               </a:rPr>
-              <a:t>15</a:t>
+              <a:t>14</a:t>
             </a:fld>
             <a:endParaRPr lang="fr-CH" dirty="0">
               <a:solidFill>
@@ -13143,7 +13187,7 @@
         </p:nvCxnSpPr>
         <p:spPr>
           <a:xfrm>
-            <a:off x="2895600" y="5048446"/>
+            <a:off x="2895600" y="4423763"/>
             <a:ext cx="832338" cy="0"/>
           </a:xfrm>
           <a:prstGeom prst="straightConnector1">
@@ -13178,10 +13222,17 @@
   <p:clrMapOvr>
     <a:masterClrMapping/>
   </p:clrMapOvr>
+  <p:timing>
+    <p:tnLst>
+      <p:par>
+        <p:cTn id="1" dur="indefinite" restart="never" nodeType="tmRoot"/>
+      </p:par>
+    </p:tnLst>
+  </p:timing>
 </p:sld>
 </file>
 
-<file path=ppt/slides/slide16.xml><?xml version="1.0" encoding="utf-8"?>
+<file path=ppt/slides/slide15.xml><?xml version="1.0" encoding="utf-8"?>
 <p:sld xmlns:a="http://schemas.openxmlformats.org/drawingml/2006/main" xmlns:r="http://schemas.openxmlformats.org/officeDocument/2006/relationships" xmlns:p="http://schemas.openxmlformats.org/presentationml/2006/main">
   <p:cSld>
     <p:spTree>
@@ -13245,8 +13296,13 @@
           <a:p>
             <a:r>
               <a:rPr lang="fr-CH" dirty="0"/>
-              <a:t>Damien "FortiDam" Mayor</a:t>
-            </a:r>
+              <a:t>Damien </a:t>
+            </a:r>
+            <a:r>
+              <a:rPr lang="fr-CH" dirty="0" smtClean="0"/>
+              <a:t>Mayor</a:t>
+            </a:r>
+            <a:endParaRPr lang="fr-CH" dirty="0"/>
           </a:p>
         </p:txBody>
       </p:sp>
@@ -13278,7 +13334,7 @@
                   </a:outerShdw>
                 </a:effectLst>
               </a:rPr>
-              <a:t>16</a:t>
+              <a:t>15</a:t>
             </a:fld>
             <a:endParaRPr lang="fr-CH" dirty="0">
               <a:solidFill>
@@ -13617,10 +13673,17 @@
   <p:clrMapOvr>
     <a:masterClrMapping/>
   </p:clrMapOvr>
+  <p:timing>
+    <p:tnLst>
+      <p:par>
+        <p:cTn id="1" dur="indefinite" restart="never" nodeType="tmRoot"/>
+      </p:par>
+    </p:tnLst>
+  </p:timing>
 </p:sld>
 </file>
 
-<file path=ppt/slides/slide17.xml><?xml version="1.0" encoding="utf-8"?>
+<file path=ppt/slides/slide16.xml><?xml version="1.0" encoding="utf-8"?>
 <p:sld xmlns:a="http://schemas.openxmlformats.org/drawingml/2006/main" xmlns:r="http://schemas.openxmlformats.org/officeDocument/2006/relationships" xmlns:p="http://schemas.openxmlformats.org/presentationml/2006/main">
   <p:cSld>
     <p:spTree>
@@ -13684,8 +13747,13 @@
           <a:p>
             <a:r>
               <a:rPr lang="fr-CH" dirty="0"/>
-              <a:t>Damien "FortiDam" Mayor</a:t>
-            </a:r>
+              <a:t>Damien </a:t>
+            </a:r>
+            <a:r>
+              <a:rPr lang="fr-CH" dirty="0" smtClean="0"/>
+              <a:t>Mayor</a:t>
+            </a:r>
+            <a:endParaRPr lang="fr-CH" dirty="0"/>
           </a:p>
         </p:txBody>
       </p:sp>
@@ -13717,7 +13785,7 @@
                   </a:outerShdw>
                 </a:effectLst>
               </a:rPr>
-              <a:t>17</a:t>
+              <a:t>16</a:t>
             </a:fld>
             <a:endParaRPr lang="fr-CH" dirty="0">
               <a:solidFill>
@@ -13826,6 +13894,96 @@
   <p:clrMapOvr>
     <a:masterClrMapping/>
   </p:clrMapOvr>
+  <p:timing>
+    <p:tnLst>
+      <p:par>
+        <p:cTn id="1" dur="indefinite" restart="never" nodeType="tmRoot"/>
+      </p:par>
+    </p:tnLst>
+  </p:timing>
+</p:sld>
+</file>
+
+<file path=ppt/slides/slide17.xml><?xml version="1.0" encoding="utf-8"?>
+<p:sld xmlns:a="http://schemas.openxmlformats.org/drawingml/2006/main" xmlns:r="http://schemas.openxmlformats.org/officeDocument/2006/relationships" xmlns:p="http://schemas.openxmlformats.org/presentationml/2006/main">
+  <p:cSld>
+    <p:spTree>
+      <p:nvGrpSpPr>
+        <p:cNvPr id="1" name=""/>
+        <p:cNvGrpSpPr/>
+        <p:nvPr/>
+      </p:nvGrpSpPr>
+      <p:grpSpPr>
+        <a:xfrm>
+          <a:off x="0" y="0"/>
+          <a:ext cx="0" cy="0"/>
+          <a:chOff x="0" y="0"/>
+          <a:chExt cx="0" cy="0"/>
+        </a:xfrm>
+      </p:grpSpPr>
+      <p:sp>
+        <p:nvSpPr>
+          <p:cNvPr id="2" name="Titre 1">
+            <a:extLst>
+              <a:ext uri="{FF2B5EF4-FFF2-40B4-BE49-F238E27FC236}">
+                <a16:creationId xmlns:a16="http://schemas.microsoft.com/office/drawing/2014/main" id="{0592E228-FE8F-FF0C-23DA-AA188C365D07}"/>
+              </a:ext>
+            </a:extLst>
+          </p:cNvPr>
+          <p:cNvSpPr>
+            <a:spLocks noGrp="1"/>
+          </p:cNvSpPr>
+          <p:nvPr>
+            <p:ph type="ctrTitle"/>
+          </p:nvPr>
+        </p:nvSpPr>
+        <p:spPr/>
+        <p:txBody>
+          <a:bodyPr/>
+          <a:lstStyle/>
+          <a:p>
+            <a:r>
+              <a:rPr lang="fr-CH" dirty="0"/>
+              <a:t>Slides de réserve</a:t>
+            </a:r>
+          </a:p>
+        </p:txBody>
+      </p:sp>
+      <p:sp>
+        <p:nvSpPr>
+          <p:cNvPr id="3" name="Sous-titre 2">
+            <a:extLst>
+              <a:ext uri="{FF2B5EF4-FFF2-40B4-BE49-F238E27FC236}">
+                <a16:creationId xmlns:a16="http://schemas.microsoft.com/office/drawing/2014/main" id="{67F210D2-4D63-C9DC-25D2-E8E573C5EE97}"/>
+              </a:ext>
+            </a:extLst>
+          </p:cNvPr>
+          <p:cNvSpPr>
+            <a:spLocks noGrp="1"/>
+          </p:cNvSpPr>
+          <p:nvPr>
+            <p:ph type="subTitle" idx="1"/>
+          </p:nvPr>
+        </p:nvSpPr>
+        <p:spPr/>
+        <p:txBody>
+          <a:bodyPr/>
+          <a:lstStyle/>
+          <a:p>
+            <a:endParaRPr lang="fr-CH"/>
+          </a:p>
+        </p:txBody>
+      </p:sp>
+    </p:spTree>
+    <p:extLst>
+      <p:ext uri="{BB962C8B-B14F-4D97-AF65-F5344CB8AC3E}">
+        <p14:creationId xmlns:p14="http://schemas.microsoft.com/office/powerpoint/2010/main" val="3322913745"/>
+      </p:ext>
+    </p:extLst>
+  </p:cSld>
+  <p:clrMapOvr>
+    <a:masterClrMapping/>
+  </p:clrMapOvr>
 </p:sld>
 </file>
 
@@ -13848,18 +14006,12 @@
       </p:grpSpPr>
       <p:sp>
         <p:nvSpPr>
-          <p:cNvPr id="2" name="Titre 1">
-            <a:extLst>
-              <a:ext uri="{FF2B5EF4-FFF2-40B4-BE49-F238E27FC236}">
-                <a16:creationId xmlns:a16="http://schemas.microsoft.com/office/drawing/2014/main" id="{0592E228-FE8F-FF0C-23DA-AA188C365D07}"/>
-              </a:ext>
-            </a:extLst>
-          </p:cNvPr>
-          <p:cNvSpPr>
-            <a:spLocks noGrp="1"/>
-          </p:cNvSpPr>
-          <p:nvPr>
-            <p:ph type="ctrTitle"/>
+          <p:cNvPr id="2" name="Titre 1"/>
+          <p:cNvSpPr>
+            <a:spLocks noGrp="1"/>
+          </p:cNvSpPr>
+          <p:nvPr>
+            <p:ph type="title"/>
           </p:nvPr>
         </p:nvSpPr>
         <p:spPr/>
@@ -13867,27 +14019,18 @@
           <a:bodyPr/>
           <a:lstStyle/>
           <a:p>
-            <a:r>
-              <a:rPr lang="fr-CH" dirty="0"/>
-              <a:t>Slides de réserve</a:t>
-            </a:r>
-          </a:p>
-        </p:txBody>
-      </p:sp>
-      <p:sp>
-        <p:nvSpPr>
-          <p:cNvPr id="3" name="Sous-titre 2">
-            <a:extLst>
-              <a:ext uri="{FF2B5EF4-FFF2-40B4-BE49-F238E27FC236}">
-                <a16:creationId xmlns:a16="http://schemas.microsoft.com/office/drawing/2014/main" id="{67F210D2-4D63-C9DC-25D2-E8E573C5EE97}"/>
-              </a:ext>
-            </a:extLst>
-          </p:cNvPr>
-          <p:cNvSpPr>
-            <a:spLocks noGrp="1"/>
-          </p:cNvSpPr>
-          <p:nvPr>
-            <p:ph type="subTitle" idx="1"/>
+            <a:endParaRPr lang="fr-CH"/>
+          </a:p>
+        </p:txBody>
+      </p:sp>
+      <p:sp>
+        <p:nvSpPr>
+          <p:cNvPr id="4" name="Espace réservé du pied de page 3"/>
+          <p:cNvSpPr>
+            <a:spLocks noGrp="1"/>
+          </p:cNvSpPr>
+          <p:nvPr>
+            <p:ph type="ftr" sz="quarter" idx="11"/>
           </p:nvPr>
         </p:nvSpPr>
         <p:spPr/>
@@ -13895,44 +14038,17 @@
           <a:bodyPr/>
           <a:lstStyle/>
           <a:p>
+            <a:r>
+              <a:rPr lang="fr-CH" smtClean="0"/>
+              <a:t>Damien Mayor</a:t>
+            </a:r>
             <a:endParaRPr lang="fr-CH"/>
           </a:p>
         </p:txBody>
       </p:sp>
       <p:sp>
         <p:nvSpPr>
-          <p:cNvPr id="4" name="Espace réservé du pied de page 3">
-            <a:extLst>
-              <a:ext uri="{FF2B5EF4-FFF2-40B4-BE49-F238E27FC236}">
-                <a16:creationId xmlns:a16="http://schemas.microsoft.com/office/drawing/2014/main" id="{1482425C-F09E-6780-6002-D4AEBB9C8B10}"/>
-              </a:ext>
-            </a:extLst>
-          </p:cNvPr>
-          <p:cNvSpPr>
-            <a:spLocks noGrp="1"/>
-          </p:cNvSpPr>
-          <p:nvPr>
-            <p:ph type="ftr" sz="quarter" idx="11"/>
-          </p:nvPr>
-        </p:nvSpPr>
-        <p:spPr/>
-        <p:txBody>
-          <a:bodyPr/>
-          <a:lstStyle/>
-          <a:p>
-            <a:endParaRPr lang="fr-CH"/>
-          </a:p>
-        </p:txBody>
-      </p:sp>
-      <p:sp>
-        <p:nvSpPr>
-          <p:cNvPr id="5" name="Espace réservé du numéro de diapositive 4">
-            <a:extLst>
-              <a:ext uri="{FF2B5EF4-FFF2-40B4-BE49-F238E27FC236}">
-                <a16:creationId xmlns:a16="http://schemas.microsoft.com/office/drawing/2014/main" id="{676A2B88-08ED-24D5-E112-DFB9E55736CE}"/>
-              </a:ext>
-            </a:extLst>
-          </p:cNvPr>
+          <p:cNvPr id="5" name="Espace réservé du numéro de diapositive 4"/>
           <p:cNvSpPr>
             <a:spLocks noGrp="1"/>
           </p:cNvSpPr>
@@ -13953,10 +14069,36 @@
           </a:p>
         </p:txBody>
       </p:sp>
+      <p:pic>
+        <p:nvPicPr>
+          <p:cNvPr id="7" name="Espace réservé du contenu 6"/>
+          <p:cNvPicPr>
+            <a:picLocks noGrp="1" noChangeAspect="1"/>
+          </p:cNvPicPr>
+          <p:nvPr>
+            <p:ph idx="1"/>
+          </p:nvPr>
+        </p:nvPicPr>
+        <p:blipFill>
+          <a:blip r:embed="rId2"/>
+          <a:stretch>
+            <a:fillRect/>
+          </a:stretch>
+        </p:blipFill>
+        <p:spPr>
+          <a:xfrm>
+            <a:off x="1847322" y="2052638"/>
+            <a:ext cx="7459132" cy="4195762"/>
+          </a:xfrm>
+          <a:prstGeom prst="rect">
+            <a:avLst/>
+          </a:prstGeom>
+        </p:spPr>
+      </p:pic>
     </p:spTree>
     <p:extLst>
       <p:ext uri="{BB962C8B-B14F-4D97-AF65-F5344CB8AC3E}">
-        <p14:creationId xmlns:p14="http://schemas.microsoft.com/office/powerpoint/2010/main" val="3322913745"/>
+        <p14:creationId xmlns:p14="http://schemas.microsoft.com/office/powerpoint/2010/main" val="1261366277"/>
       </p:ext>
     </p:extLst>
   </p:cSld>
@@ -14029,6 +14171,10 @@
           <a:bodyPr/>
           <a:lstStyle/>
           <a:p>
+            <a:r>
+              <a:rPr lang="fr-CH" smtClean="0"/>
+              <a:t>Damien Mayor</a:t>
+            </a:r>
             <a:endParaRPr lang="fr-CH"/>
           </a:p>
         </p:txBody>
@@ -14136,7 +14282,7 @@
           <a:lstStyle/>
           <a:p>
             <a:r>
-              <a:rPr lang="fr-CH" dirty="0">
+              <a:rPr lang="fr-CH" dirty="0" err="1" smtClean="0">
                 <a:effectLst>
                   <a:outerShdw blurRad="38100" dist="38100" dir="2700000" algn="tl">
                     <a:srgbClr val="000000">
@@ -14145,8 +14291,17 @@
                   </a:outerShdw>
                 </a:effectLst>
               </a:rPr>
-              <a:t>Déroulement</a:t>
-            </a:r>
+              <a:t>XXXDéroulement</a:t>
+            </a:r>
+            <a:endParaRPr lang="fr-CH" dirty="0">
+              <a:effectLst>
+                <a:outerShdw blurRad="38100" dist="38100" dir="2700000" algn="tl">
+                  <a:srgbClr val="000000">
+                    <a:alpha val="43137"/>
+                  </a:srgbClr>
+                </a:outerShdw>
+              </a:effectLst>
+            </a:endParaRPr>
           </a:p>
         </p:txBody>
       </p:sp>
@@ -14190,9 +14345,10 @@
           </a:p>
           <a:p>
             <a:r>
-              <a:rPr lang="fr-CH" dirty="0"/>
-              <a:t>Points spécifiques</a:t>
-            </a:r>
+              <a:rPr lang="fr-CH" dirty="0" smtClean="0"/>
+              <a:t>Challenges rencontrés</a:t>
+            </a:r>
+            <a:endParaRPr lang="fr-CH" dirty="0"/>
           </a:p>
           <a:p>
             <a:r>
@@ -14291,6 +14447,13 @@
   <p:clrMapOvr>
     <a:masterClrMapping/>
   </p:clrMapOvr>
+  <p:timing>
+    <p:tnLst>
+      <p:par>
+        <p:cTn id="1" dur="indefinite" restart="never" nodeType="tmRoot"/>
+      </p:par>
+    </p:tnLst>
+  </p:timing>
 </p:sld>
 </file>
 
@@ -14924,6 +15087,13 @@
   <p:clrMapOvr>
     <a:masterClrMapping/>
   </p:clrMapOvr>
+  <p:timing>
+    <p:tnLst>
+      <p:par>
+        <p:cTn id="1" dur="indefinite" restart="never" nodeType="tmRoot"/>
+      </p:par>
+    </p:tnLst>
+  </p:timing>
 </p:sld>
 </file>
 
@@ -15612,6 +15782,13 @@
   <p:clrMapOvr>
     <a:masterClrMapping/>
   </p:clrMapOvr>
+  <p:timing>
+    <p:tnLst>
+      <p:par>
+        <p:cTn id="1" dur="indefinite" restart="never" nodeType="tmRoot"/>
+      </p:par>
+    </p:tnLst>
+  </p:timing>
 </p:sld>
 </file>
 
@@ -15846,6 +16023,13 @@
   <p:clrMapOvr>
     <a:masterClrMapping/>
   </p:clrMapOvr>
+  <p:timing>
+    <p:tnLst>
+      <p:par>
+        <p:cTn id="1" dur="indefinite" restart="never" nodeType="tmRoot"/>
+      </p:par>
+    </p:tnLst>
+  </p:timing>
 </p:sld>
 </file>
 
@@ -15970,13 +16154,13 @@
           <p:nvPr>
             <p:extLst>
               <p:ext uri="{D42A27DB-BD31-4B8C-83A1-F6EECF244321}">
-                <p14:modId xmlns:p14="http://schemas.microsoft.com/office/powerpoint/2010/main" val="111269744"/>
+                <p14:modId xmlns:p14="http://schemas.microsoft.com/office/powerpoint/2010/main" val="3696211957"/>
               </p:ext>
             </p:extLst>
           </p:nvPr>
         </p:nvGraphicFramePr>
         <p:xfrm>
-          <a:off x="2477728" y="1297858"/>
+          <a:off x="1318882" y="1297858"/>
           <a:ext cx="7682271" cy="4840475"/>
         </p:xfrm>
         <a:graphic>
@@ -15995,6 +16179,13 @@
   <p:clrMapOvr>
     <a:masterClrMapping/>
   </p:clrMapOvr>
+  <p:timing>
+    <p:tnLst>
+      <p:par>
+        <p:cTn id="1" dur="indefinite" restart="never" nodeType="tmRoot"/>
+      </p:par>
+    </p:tnLst>
+  </p:timing>
 </p:sld>
 </file>
 
@@ -16032,46 +16223,16 @@
           <a:p>
             <a:r>
               <a:rPr lang="fr-CH" dirty="0"/>
-              <a:t>Mise en place infrastructure</a:t>
-            </a:r>
-          </a:p>
-        </p:txBody>
-      </p:sp>
-      <p:pic>
-        <p:nvPicPr>
-          <p:cNvPr id="7" name="Content Placeholder 6" descr="A diagram of a computer network&#10;&#10;Description automatically generated with low confidence">
-            <a:extLst>
-              <a:ext uri="{FF2B5EF4-FFF2-40B4-BE49-F238E27FC236}">
-                <a16:creationId xmlns:a16="http://schemas.microsoft.com/office/drawing/2014/main" id="{13E178C9-D749-96EC-0A97-58F1B61A55AB}"/>
-              </a:ext>
-            </a:extLst>
-          </p:cNvPr>
-          <p:cNvPicPr>
-            <a:picLocks noGrp="1" noChangeAspect="1"/>
-          </p:cNvPicPr>
-          <p:nvPr>
-            <p:ph idx="1"/>
-          </p:nvPr>
-        </p:nvPicPr>
-        <p:blipFill>
-          <a:blip r:embed="rId2">
-            <a:extLst>
-              <a:ext uri="{28A0092B-C50C-407E-A947-70E740481C1C}">
-                <a14:useLocalDpi xmlns:a14="http://schemas.microsoft.com/office/drawing/2010/main" val="0"/>
-              </a:ext>
-            </a:extLst>
-          </a:blip>
-          <a:stretch>
-            <a:fillRect/>
-          </a:stretch>
-        </p:blipFill>
-        <p:spPr>
-          <a:xfrm>
-            <a:off x="0" y="1447800"/>
-            <a:ext cx="6418400" cy="5410200"/>
-          </a:xfrm>
-        </p:spPr>
-      </p:pic>
+              <a:t>Phase </a:t>
+            </a:r>
+            <a:r>
+              <a:rPr lang="fr-CH" dirty="0" smtClean="0"/>
+              <a:t>1- Salle C111</a:t>
+            </a:r>
+            <a:endParaRPr lang="fr-CH" dirty="0"/>
+          </a:p>
+        </p:txBody>
+      </p:sp>
       <p:sp>
         <p:nvSpPr>
           <p:cNvPr id="4" name="Espace réservé du pied de page 3"/>
@@ -16110,251 +16271,33 @@
           <a:lstStyle/>
           <a:p>
             <a:fld id="{2FCD9DE2-19B8-4E75-A167-0E6B1D03D668}" type="slidenum">
-              <a:rPr lang="fr-CH" smtClean="0"/>
+              <a:rPr lang="fr-CH">
+                <a:solidFill>
+                  <a:srgbClr val="C00000"/>
+                </a:solidFill>
+                <a:effectLst>
+                  <a:outerShdw blurRad="38100" dist="38100" dir="2700000" algn="tl">
+                    <a:srgbClr val="000000">
+                      <a:alpha val="43137"/>
+                    </a:srgbClr>
+                  </a:outerShdw>
+                </a:effectLst>
+              </a:rPr>
+              <a:pPr/>
               <a:t>7</a:t>
             </a:fld>
-            <a:endParaRPr lang="fr-CH"/>
-          </a:p>
-        </p:txBody>
-      </p:sp>
-    </p:spTree>
-    <p:extLst>
-      <p:ext uri="{BB962C8B-B14F-4D97-AF65-F5344CB8AC3E}">
-        <p14:creationId xmlns:p14="http://schemas.microsoft.com/office/powerpoint/2010/main" val="3929386121"/>
-      </p:ext>
-    </p:extLst>
-  </p:cSld>
-  <p:clrMapOvr>
-    <a:masterClrMapping/>
-  </p:clrMapOvr>
-</p:sld>
-</file>
-
-<file path=ppt/slides/slide8.xml><?xml version="1.0" encoding="utf-8"?>
-<p:sld xmlns:a="http://schemas.openxmlformats.org/drawingml/2006/main" xmlns:r="http://schemas.openxmlformats.org/officeDocument/2006/relationships" xmlns:p="http://schemas.openxmlformats.org/presentationml/2006/main">
-  <p:cSld>
-    <p:spTree>
-      <p:nvGrpSpPr>
-        <p:cNvPr id="1" name=""/>
-        <p:cNvGrpSpPr/>
-        <p:nvPr/>
-      </p:nvGrpSpPr>
-      <p:grpSpPr>
-        <a:xfrm>
-          <a:off x="0" y="0"/>
-          <a:ext cx="0" cy="0"/>
-          <a:chOff x="0" y="0"/>
-          <a:chExt cx="0" cy="0"/>
-        </a:xfrm>
-      </p:grpSpPr>
-      <p:sp>
-        <p:nvSpPr>
-          <p:cNvPr id="2" name="Title 1">
-            <a:extLst>
-              <a:ext uri="{FF2B5EF4-FFF2-40B4-BE49-F238E27FC236}">
-                <a16:creationId xmlns:a16="http://schemas.microsoft.com/office/drawing/2014/main" id="{98CC434C-830B-F4C4-75C2-B7DBE1B61AFE}"/>
-              </a:ext>
-            </a:extLst>
-          </p:cNvPr>
-          <p:cNvSpPr>
-            <a:spLocks noGrp="1"/>
-          </p:cNvSpPr>
-          <p:nvPr>
-            <p:ph type="title"/>
-          </p:nvPr>
-        </p:nvSpPr>
-        <p:spPr/>
-        <p:txBody>
-          <a:bodyPr/>
-          <a:lstStyle/>
-          <a:p>
-            <a:r>
-              <a:rPr lang="en-CH" dirty="0"/>
-              <a:t>liste</a:t>
-            </a:r>
-          </a:p>
-        </p:txBody>
-      </p:sp>
-      <p:sp>
-        <p:nvSpPr>
-          <p:cNvPr id="3" name="Content Placeholder 2">
-            <a:extLst>
-              <a:ext uri="{FF2B5EF4-FFF2-40B4-BE49-F238E27FC236}">
-                <a16:creationId xmlns:a16="http://schemas.microsoft.com/office/drawing/2014/main" id="{D22D68A1-892F-E6EA-1725-C51515731DC5}"/>
-              </a:ext>
-            </a:extLst>
-          </p:cNvPr>
-          <p:cNvSpPr>
-            <a:spLocks noGrp="1"/>
-          </p:cNvSpPr>
-          <p:nvPr>
-            <p:ph idx="1"/>
-          </p:nvPr>
-        </p:nvSpPr>
-        <p:spPr/>
-        <p:txBody>
-          <a:bodyPr/>
-          <a:lstStyle/>
-          <a:p>
-            <a:r>
-              <a:rPr lang="en-GB" dirty="0"/>
-              <a:t>S</a:t>
-            </a:r>
-            <a:r>
-              <a:rPr lang="en-CH" dirty="0"/>
-              <a:t>elon rapport de TPI les étapes</a:t>
-            </a:r>
-          </a:p>
-        </p:txBody>
-      </p:sp>
-      <p:sp>
-        <p:nvSpPr>
-          <p:cNvPr id="4" name="Footer Placeholder 3">
-            <a:extLst>
-              <a:ext uri="{FF2B5EF4-FFF2-40B4-BE49-F238E27FC236}">
-                <a16:creationId xmlns:a16="http://schemas.microsoft.com/office/drawing/2014/main" id="{4F1E2F61-397B-7DED-9805-7589FE31C9F3}"/>
-              </a:ext>
-            </a:extLst>
-          </p:cNvPr>
-          <p:cNvSpPr>
-            <a:spLocks noGrp="1"/>
-          </p:cNvSpPr>
-          <p:nvPr>
-            <p:ph type="ftr" sz="quarter" idx="11"/>
-          </p:nvPr>
-        </p:nvSpPr>
-        <p:spPr/>
-        <p:txBody>
-          <a:bodyPr/>
-          <a:lstStyle/>
-          <a:p>
-            <a:endParaRPr lang="fr-CH"/>
-          </a:p>
-        </p:txBody>
-      </p:sp>
-      <p:sp>
-        <p:nvSpPr>
-          <p:cNvPr id="5" name="Slide Number Placeholder 4">
-            <a:extLst>
-              <a:ext uri="{FF2B5EF4-FFF2-40B4-BE49-F238E27FC236}">
-                <a16:creationId xmlns:a16="http://schemas.microsoft.com/office/drawing/2014/main" id="{6393EC6E-2BF1-5DE5-2FFC-521A1526E106}"/>
-              </a:ext>
-            </a:extLst>
-          </p:cNvPr>
-          <p:cNvSpPr>
-            <a:spLocks noGrp="1"/>
-          </p:cNvSpPr>
-          <p:nvPr>
-            <p:ph type="sldNum" sz="quarter" idx="12"/>
-          </p:nvPr>
-        </p:nvSpPr>
-        <p:spPr/>
-        <p:txBody>
-          <a:bodyPr/>
-          <a:lstStyle/>
-          <a:p>
-            <a:fld id="{2FCD9DE2-19B8-4E75-A167-0E6B1D03D668}" type="slidenum">
-              <a:rPr lang="fr-CH" smtClean="0"/>
-              <a:t>8</a:t>
-            </a:fld>
-            <a:endParaRPr lang="fr-CH"/>
-          </a:p>
-        </p:txBody>
-      </p:sp>
-    </p:spTree>
-    <p:extLst>
-      <p:ext uri="{BB962C8B-B14F-4D97-AF65-F5344CB8AC3E}">
-        <p14:creationId xmlns:p14="http://schemas.microsoft.com/office/powerpoint/2010/main" val="801122207"/>
-      </p:ext>
-    </p:extLst>
-  </p:cSld>
-  <p:clrMapOvr>
-    <a:masterClrMapping/>
-  </p:clrMapOvr>
-</p:sld>
-</file>
-
-<file path=ppt/slides/slide9.xml><?xml version="1.0" encoding="utf-8"?>
-<p:sld xmlns:a="http://schemas.openxmlformats.org/drawingml/2006/main" xmlns:r="http://schemas.openxmlformats.org/officeDocument/2006/relationships" xmlns:p="http://schemas.openxmlformats.org/presentationml/2006/main">
-  <p:cSld>
-    <p:spTree>
-      <p:nvGrpSpPr>
-        <p:cNvPr id="1" name=""/>
-        <p:cNvGrpSpPr/>
-        <p:nvPr/>
-      </p:nvGrpSpPr>
-      <p:grpSpPr>
-        <a:xfrm>
-          <a:off x="0" y="0"/>
-          <a:ext cx="0" cy="0"/>
-          <a:chOff x="0" y="0"/>
-          <a:chExt cx="0" cy="0"/>
-        </a:xfrm>
-      </p:grpSpPr>
-      <p:sp>
-        <p:nvSpPr>
-          <p:cNvPr id="2" name="Titre 1"/>
-          <p:cNvSpPr>
-            <a:spLocks noGrp="1"/>
-          </p:cNvSpPr>
-          <p:nvPr>
-            <p:ph type="title"/>
-          </p:nvPr>
-        </p:nvSpPr>
-        <p:spPr/>
-        <p:txBody>
-          <a:bodyPr/>
-          <a:lstStyle/>
-          <a:p>
-            <a:r>
-              <a:rPr lang="fr-CH" dirty="0"/>
-              <a:t>Phase 1</a:t>
-            </a:r>
-          </a:p>
-        </p:txBody>
-      </p:sp>
-      <p:sp>
-        <p:nvSpPr>
-          <p:cNvPr id="4" name="Espace réservé du pied de page 3"/>
-          <p:cNvSpPr>
-            <a:spLocks noGrp="1"/>
-          </p:cNvSpPr>
-          <p:nvPr>
-            <p:ph type="ftr" sz="quarter" idx="11"/>
-          </p:nvPr>
-        </p:nvSpPr>
-        <p:spPr/>
-        <p:txBody>
-          <a:bodyPr/>
-          <a:lstStyle/>
-          <a:p>
-            <a:r>
-              <a:rPr lang="fr-CH" dirty="0"/>
-              <a:t>Damien Mayor</a:t>
-            </a:r>
-          </a:p>
-        </p:txBody>
-      </p:sp>
-      <p:sp>
-        <p:nvSpPr>
-          <p:cNvPr id="5" name="Espace réservé du numéro de diapositive 4"/>
-          <p:cNvSpPr>
-            <a:spLocks noGrp="1"/>
-          </p:cNvSpPr>
-          <p:nvPr>
-            <p:ph type="sldNum" sz="quarter" idx="12"/>
-          </p:nvPr>
-        </p:nvSpPr>
-        <p:spPr/>
-        <p:txBody>
-          <a:bodyPr/>
-          <a:lstStyle/>
-          <a:p>
-            <a:fld id="{2FCD9DE2-19B8-4E75-A167-0E6B1D03D668}" type="slidenum">
-              <a:rPr lang="fr-CH" smtClean="0"/>
-              <a:t>9</a:t>
-            </a:fld>
-            <a:endParaRPr lang="fr-CH"/>
+            <a:endParaRPr lang="fr-CH" dirty="0">
+              <a:solidFill>
+                <a:srgbClr val="C00000"/>
+              </a:solidFill>
+              <a:effectLst>
+                <a:outerShdw blurRad="38100" dist="38100" dir="2700000" algn="tl">
+                  <a:srgbClr val="000000">
+                    <a:alpha val="43137"/>
+                  </a:srgbClr>
+                </a:outerShdw>
+              </a:effectLst>
+            </a:endParaRPr>
           </a:p>
         </p:txBody>
       </p:sp>
@@ -16404,6 +16347,322 @@
   <p:clrMapOvr>
     <a:masterClrMapping/>
   </p:clrMapOvr>
+  <p:timing>
+    <p:tnLst>
+      <p:par>
+        <p:cTn id="1" dur="indefinite" restart="never" nodeType="tmRoot"/>
+      </p:par>
+    </p:tnLst>
+  </p:timing>
+</p:sld>
+</file>
+
+<file path=ppt/slides/slide8.xml><?xml version="1.0" encoding="utf-8"?>
+<p:sld xmlns:a="http://schemas.openxmlformats.org/drawingml/2006/main" xmlns:r="http://schemas.openxmlformats.org/officeDocument/2006/relationships" xmlns:p="http://schemas.openxmlformats.org/presentationml/2006/main">
+  <p:cSld>
+    <p:spTree>
+      <p:nvGrpSpPr>
+        <p:cNvPr id="1" name=""/>
+        <p:cNvGrpSpPr/>
+        <p:nvPr/>
+      </p:nvGrpSpPr>
+      <p:grpSpPr>
+        <a:xfrm>
+          <a:off x="0" y="0"/>
+          <a:ext cx="0" cy="0"/>
+          <a:chOff x="0" y="0"/>
+          <a:chExt cx="0" cy="0"/>
+        </a:xfrm>
+      </p:grpSpPr>
+      <p:sp>
+        <p:nvSpPr>
+          <p:cNvPr id="2" name="Titre 1"/>
+          <p:cNvSpPr>
+            <a:spLocks noGrp="1"/>
+          </p:cNvSpPr>
+          <p:nvPr>
+            <p:ph type="title"/>
+          </p:nvPr>
+        </p:nvSpPr>
+        <p:spPr/>
+        <p:txBody>
+          <a:bodyPr/>
+          <a:lstStyle/>
+          <a:p>
+            <a:r>
+              <a:rPr lang="fr-CH" dirty="0" smtClean="0"/>
+              <a:t>VDOMs</a:t>
+            </a:r>
+            <a:endParaRPr lang="fr-CH" dirty="0"/>
+          </a:p>
+        </p:txBody>
+      </p:sp>
+      <p:sp>
+        <p:nvSpPr>
+          <p:cNvPr id="4" name="Espace réservé du pied de page 3"/>
+          <p:cNvSpPr>
+            <a:spLocks noGrp="1"/>
+          </p:cNvSpPr>
+          <p:nvPr>
+            <p:ph type="ftr" sz="quarter" idx="11"/>
+          </p:nvPr>
+        </p:nvSpPr>
+        <p:spPr/>
+        <p:txBody>
+          <a:bodyPr/>
+          <a:lstStyle/>
+          <a:p>
+            <a:r>
+              <a:rPr lang="fr-CH" dirty="0" smtClean="0"/>
+              <a:t>Damien Mayor</a:t>
+            </a:r>
+            <a:endParaRPr lang="fr-CH" dirty="0"/>
+          </a:p>
+        </p:txBody>
+      </p:sp>
+      <p:sp>
+        <p:nvSpPr>
+          <p:cNvPr id="5" name="Espace réservé du numéro de diapositive 4"/>
+          <p:cNvSpPr>
+            <a:spLocks noGrp="1"/>
+          </p:cNvSpPr>
+          <p:nvPr>
+            <p:ph type="sldNum" sz="quarter" idx="12"/>
+          </p:nvPr>
+        </p:nvSpPr>
+        <p:spPr/>
+        <p:txBody>
+          <a:bodyPr/>
+          <a:lstStyle/>
+          <a:p>
+            <a:fld id="{2FCD9DE2-19B8-4E75-A167-0E6B1D03D668}" type="slidenum">
+              <a:rPr lang="fr-CH">
+                <a:solidFill>
+                  <a:srgbClr val="C00000"/>
+                </a:solidFill>
+                <a:effectLst>
+                  <a:outerShdw blurRad="38100" dist="38100" dir="2700000" algn="tl">
+                    <a:srgbClr val="000000">
+                      <a:alpha val="43137"/>
+                    </a:srgbClr>
+                  </a:outerShdw>
+                </a:effectLst>
+              </a:rPr>
+              <a:pPr/>
+              <a:t>8</a:t>
+            </a:fld>
+            <a:endParaRPr lang="fr-CH" dirty="0">
+              <a:solidFill>
+                <a:srgbClr val="C00000"/>
+              </a:solidFill>
+              <a:effectLst>
+                <a:outerShdw blurRad="38100" dist="38100" dir="2700000" algn="tl">
+                  <a:srgbClr val="000000">
+                    <a:alpha val="43137"/>
+                  </a:srgbClr>
+                </a:outerShdw>
+              </a:effectLst>
+            </a:endParaRPr>
+          </a:p>
+        </p:txBody>
+      </p:sp>
+      <p:pic>
+        <p:nvPicPr>
+          <p:cNvPr id="6" name="Espace réservé du contenu 5"/>
+          <p:cNvPicPr>
+            <a:picLocks noGrp="1"/>
+          </p:cNvPicPr>
+          <p:nvPr>
+            <p:ph idx="1"/>
+          </p:nvPr>
+        </p:nvPicPr>
+        <p:blipFill>
+          <a:blip r:embed="rId2">
+            <a:extLst>
+              <a:ext uri="{28A0092B-C50C-407E-A947-70E740481C1C}">
+                <a14:useLocalDpi xmlns:a14="http://schemas.microsoft.com/office/drawing/2010/main" val="0"/>
+              </a:ext>
+            </a:extLst>
+          </a:blip>
+          <a:stretch>
+            <a:fillRect/>
+          </a:stretch>
+        </p:blipFill>
+        <p:spPr>
+          <a:xfrm>
+            <a:off x="4443554" y="3360043"/>
+            <a:ext cx="2266667" cy="1580952"/>
+          </a:xfrm>
+          <a:prstGeom prst="rect">
+            <a:avLst/>
+          </a:prstGeom>
+        </p:spPr>
+      </p:pic>
+    </p:spTree>
+    <p:extLst>
+      <p:ext uri="{BB962C8B-B14F-4D97-AF65-F5344CB8AC3E}">
+        <p14:creationId xmlns:p14="http://schemas.microsoft.com/office/powerpoint/2010/main" val="787465654"/>
+      </p:ext>
+    </p:extLst>
+  </p:cSld>
+  <p:clrMapOvr>
+    <a:masterClrMapping/>
+  </p:clrMapOvr>
+  <p:timing>
+    <p:tnLst>
+      <p:par>
+        <p:cTn id="1" dur="indefinite" restart="never" nodeType="tmRoot"/>
+      </p:par>
+    </p:tnLst>
+  </p:timing>
+</p:sld>
+</file>
+
+<file path=ppt/slides/slide9.xml><?xml version="1.0" encoding="utf-8"?>
+<p:sld xmlns:a="http://schemas.openxmlformats.org/drawingml/2006/main" xmlns:r="http://schemas.openxmlformats.org/officeDocument/2006/relationships" xmlns:p="http://schemas.openxmlformats.org/presentationml/2006/main">
+  <p:cSld>
+    <p:spTree>
+      <p:nvGrpSpPr>
+        <p:cNvPr id="1" name=""/>
+        <p:cNvGrpSpPr/>
+        <p:nvPr/>
+      </p:nvGrpSpPr>
+      <p:grpSpPr>
+        <a:xfrm>
+          <a:off x="0" y="0"/>
+          <a:ext cx="0" cy="0"/>
+          <a:chOff x="0" y="0"/>
+          <a:chExt cx="0" cy="0"/>
+        </a:xfrm>
+      </p:grpSpPr>
+      <p:sp>
+        <p:nvSpPr>
+          <p:cNvPr id="2" name="Titre 1"/>
+          <p:cNvSpPr>
+            <a:spLocks noGrp="1"/>
+          </p:cNvSpPr>
+          <p:nvPr>
+            <p:ph type="title"/>
+          </p:nvPr>
+        </p:nvSpPr>
+        <p:spPr/>
+        <p:txBody>
+          <a:bodyPr/>
+          <a:lstStyle/>
+          <a:p>
+            <a:r>
+              <a:rPr lang="fr-CH" dirty="0" smtClean="0"/>
+              <a:t>Site-à-site</a:t>
+            </a:r>
+            <a:endParaRPr lang="fr-CH" dirty="0"/>
+          </a:p>
+        </p:txBody>
+      </p:sp>
+      <p:sp>
+        <p:nvSpPr>
+          <p:cNvPr id="3" name="Espace réservé du contenu 2"/>
+          <p:cNvSpPr>
+            <a:spLocks noGrp="1"/>
+          </p:cNvSpPr>
+          <p:nvPr>
+            <p:ph idx="1"/>
+          </p:nvPr>
+        </p:nvSpPr>
+        <p:spPr/>
+        <p:txBody>
+          <a:bodyPr/>
+          <a:lstStyle/>
+          <a:p>
+            <a:endParaRPr lang="fr-CH"/>
+          </a:p>
+        </p:txBody>
+      </p:sp>
+      <p:sp>
+        <p:nvSpPr>
+          <p:cNvPr id="4" name="Espace réservé du pied de page 3"/>
+          <p:cNvSpPr>
+            <a:spLocks noGrp="1"/>
+          </p:cNvSpPr>
+          <p:nvPr>
+            <p:ph type="ftr" sz="quarter" idx="11"/>
+          </p:nvPr>
+        </p:nvSpPr>
+        <p:spPr/>
+        <p:txBody>
+          <a:bodyPr/>
+          <a:lstStyle/>
+          <a:p>
+            <a:r>
+              <a:rPr lang="fr-CH" smtClean="0"/>
+              <a:t>Damien Mayor</a:t>
+            </a:r>
+            <a:endParaRPr lang="fr-CH"/>
+          </a:p>
+        </p:txBody>
+      </p:sp>
+      <p:sp>
+        <p:nvSpPr>
+          <p:cNvPr id="5" name="Espace réservé du numéro de diapositive 4"/>
+          <p:cNvSpPr>
+            <a:spLocks noGrp="1"/>
+          </p:cNvSpPr>
+          <p:nvPr>
+            <p:ph type="sldNum" sz="quarter" idx="12"/>
+          </p:nvPr>
+        </p:nvSpPr>
+        <p:spPr/>
+        <p:txBody>
+          <a:bodyPr/>
+          <a:lstStyle/>
+          <a:p>
+            <a:fld id="{2FCD9DE2-19B8-4E75-A167-0E6B1D03D668}" type="slidenum">
+              <a:rPr lang="fr-CH">
+                <a:solidFill>
+                  <a:srgbClr val="C00000"/>
+                </a:solidFill>
+                <a:effectLst>
+                  <a:outerShdw blurRad="38100" dist="38100" dir="2700000" algn="tl">
+                    <a:srgbClr val="000000">
+                      <a:alpha val="43137"/>
+                    </a:srgbClr>
+                  </a:outerShdw>
+                </a:effectLst>
+              </a:rPr>
+              <a:pPr/>
+              <a:t>9</a:t>
+            </a:fld>
+            <a:endParaRPr lang="fr-CH" dirty="0">
+              <a:solidFill>
+                <a:srgbClr val="C00000"/>
+              </a:solidFill>
+              <a:effectLst>
+                <a:outerShdw blurRad="38100" dist="38100" dir="2700000" algn="tl">
+                  <a:srgbClr val="000000">
+                    <a:alpha val="43137"/>
+                  </a:srgbClr>
+                </a:outerShdw>
+              </a:effectLst>
+            </a:endParaRPr>
+          </a:p>
+        </p:txBody>
+      </p:sp>
+    </p:spTree>
+    <p:extLst>
+      <p:ext uri="{BB962C8B-B14F-4D97-AF65-F5344CB8AC3E}">
+        <p14:creationId xmlns:p14="http://schemas.microsoft.com/office/powerpoint/2010/main" val="3092024143"/>
+      </p:ext>
+    </p:extLst>
+  </p:cSld>
+  <p:clrMapOvr>
+    <a:masterClrMapping/>
+  </p:clrMapOvr>
+  <p:timing>
+    <p:tnLst>
+      <p:par>
+        <p:cTn id="1" dur="indefinite" restart="never" nodeType="tmRoot"/>
+      </p:par>
+    </p:tnLst>
+  </p:timing>
 </p:sld>
 </file>
 

--- a/Présentation/Présentation TPI DMA.pptx
+++ b/Présentation/Présentation TPI DMA.pptx
@@ -16,12 +16,12 @@
     <p:sldId id="261" r:id="rId7"/>
     <p:sldId id="286" r:id="rId8"/>
     <p:sldId id="290" r:id="rId9"/>
-    <p:sldId id="291" r:id="rId10"/>
+    <p:sldId id="293" r:id="rId10"/>
     <p:sldId id="292" r:id="rId11"/>
     <p:sldId id="285" r:id="rId12"/>
     <p:sldId id="284" r:id="rId13"/>
-    <p:sldId id="288" r:id="rId14"/>
-    <p:sldId id="262" r:id="rId15"/>
+    <p:sldId id="262" r:id="rId14"/>
+    <p:sldId id="288" r:id="rId15"/>
     <p:sldId id="263" r:id="rId16"/>
     <p:sldId id="264" r:id="rId17"/>
     <p:sldId id="272" r:id="rId18"/>
@@ -148,7 +148,6 @@
   </mc:AlternateContent>
   <c:chart>
     <c:title>
-      <c:layout/>
       <c:overlay val="0"/>
       <c:spPr>
         <a:noFill/>
@@ -538,9 +537,7 @@
               </c:spPr>
             </c:leaderLines>
             <c:extLst>
-              <c:ext xmlns:c15="http://schemas.microsoft.com/office/drawing/2012/chart" uri="{CE6537A1-D6FC-4f65-9D91-7224C49458BB}">
-                <c15:layout/>
-              </c:ext>
+              <c:ext xmlns:c15="http://schemas.microsoft.com/office/drawing/2012/chart" uri="{CE6537A1-D6FC-4f65-9D91-7224C49458BB}"/>
             </c:extLst>
           </c:dLbls>
           <c:cat>
@@ -716,7 +713,6 @@
   </mc:AlternateContent>
   <c:chart>
     <c:title>
-      <c:layout/>
       <c:overlay val="0"/>
       <c:spPr>
         <a:noFill/>
@@ -1106,9 +1102,7 @@
               </c:spPr>
             </c:leaderLines>
             <c:extLst>
-              <c:ext xmlns:c15="http://schemas.microsoft.com/office/drawing/2012/chart" uri="{CE6537A1-D6FC-4f65-9D91-7224C49458BB}">
-                <c15:layout/>
-              </c:ext>
+              <c:ext xmlns:c15="http://schemas.microsoft.com/office/drawing/2012/chart" uri="{CE6537A1-D6FC-4f65-9D91-7224C49458BB}"/>
             </c:extLst>
           </c:dLbls>
           <c:cat>
@@ -12436,7 +12430,7 @@
         </p:blipFill>
         <p:spPr>
           <a:xfrm>
-            <a:off x="9441" y="1418304"/>
+            <a:off x="9441" y="1445463"/>
             <a:ext cx="8219341" cy="5410200"/>
           </a:xfrm>
           <a:ln>
@@ -12448,6 +12442,533 @@
           </a:ln>
         </p:spPr>
       </p:pic>
+      <p:sp>
+        <p:nvSpPr>
+          <p:cNvPr id="6" name="Espace réservé du contenu 2"/>
+          <p:cNvSpPr txBox="1">
+            <a:spLocks/>
+          </p:cNvSpPr>
+          <p:nvPr/>
+        </p:nvSpPr>
+        <p:spPr>
+          <a:xfrm>
+            <a:off x="8228782" y="1418304"/>
+            <a:ext cx="3893808" cy="5423632"/>
+          </a:xfrm>
+          <a:prstGeom prst="rect">
+            <a:avLst/>
+          </a:prstGeom>
+        </p:spPr>
+        <p:txBody>
+          <a:bodyPr vert="horz" lIns="91440" tIns="45720" rIns="91440" bIns="45720" rtlCol="0">
+            <a:normAutofit/>
+          </a:bodyPr>
+          <a:lstStyle>
+            <a:lvl1pPr marL="342900" indent="-342900" algn="l" defTabSz="457200" rtl="0" eaLnBrk="1" latinLnBrk="0" hangingPunct="1">
+              <a:spcBef>
+                <a:spcPts val="1000"/>
+              </a:spcBef>
+              <a:spcAft>
+                <a:spcPts val="0"/>
+              </a:spcAft>
+              <a:buClr>
+                <a:schemeClr val="bg2">
+                  <a:lumMod val="40000"/>
+                  <a:lumOff val="60000"/>
+                </a:schemeClr>
+              </a:buClr>
+              <a:buSzPct val="80000"/>
+              <a:buFont typeface="Wingdings 3" charset="2"/>
+              <a:buChar char=""/>
+              <a:defRPr sz="2000" b="0" i="0" kern="1200">
+                <a:solidFill>
+                  <a:schemeClr val="tx1"/>
+                </a:solidFill>
+                <a:latin typeface="+mj-lt"/>
+                <a:ea typeface="+mj-ea"/>
+                <a:cs typeface="+mj-cs"/>
+              </a:defRPr>
+            </a:lvl1pPr>
+            <a:lvl2pPr marL="742950" indent="-285750" algn="l" defTabSz="457200" rtl="0" eaLnBrk="1" latinLnBrk="0" hangingPunct="1">
+              <a:spcBef>
+                <a:spcPts val="1000"/>
+              </a:spcBef>
+              <a:spcAft>
+                <a:spcPts val="0"/>
+              </a:spcAft>
+              <a:buClr>
+                <a:schemeClr val="bg2">
+                  <a:lumMod val="40000"/>
+                  <a:lumOff val="60000"/>
+                </a:schemeClr>
+              </a:buClr>
+              <a:buSzPct val="80000"/>
+              <a:buFont typeface="Wingdings 3" charset="2"/>
+              <a:buChar char=""/>
+              <a:defRPr sz="1800" b="0" i="0" kern="1200">
+                <a:solidFill>
+                  <a:schemeClr val="tx1"/>
+                </a:solidFill>
+                <a:latin typeface="+mj-lt"/>
+                <a:ea typeface="+mj-ea"/>
+                <a:cs typeface="+mj-cs"/>
+              </a:defRPr>
+            </a:lvl2pPr>
+            <a:lvl3pPr marL="1143000" indent="-228600" algn="l" defTabSz="457200" rtl="0" eaLnBrk="1" latinLnBrk="0" hangingPunct="1">
+              <a:spcBef>
+                <a:spcPts val="1000"/>
+              </a:spcBef>
+              <a:spcAft>
+                <a:spcPts val="0"/>
+              </a:spcAft>
+              <a:buClr>
+                <a:schemeClr val="bg2">
+                  <a:lumMod val="40000"/>
+                  <a:lumOff val="60000"/>
+                </a:schemeClr>
+              </a:buClr>
+              <a:buSzPct val="80000"/>
+              <a:buFont typeface="Wingdings 3" charset="2"/>
+              <a:buChar char=""/>
+              <a:defRPr sz="1600" b="0" i="0" kern="1200">
+                <a:solidFill>
+                  <a:schemeClr val="tx1"/>
+                </a:solidFill>
+                <a:latin typeface="+mj-lt"/>
+                <a:ea typeface="+mj-ea"/>
+                <a:cs typeface="+mj-cs"/>
+              </a:defRPr>
+            </a:lvl3pPr>
+            <a:lvl4pPr marL="1600200" indent="-228600" algn="l" defTabSz="457200" rtl="0" eaLnBrk="1" latinLnBrk="0" hangingPunct="1">
+              <a:spcBef>
+                <a:spcPts val="1000"/>
+              </a:spcBef>
+              <a:spcAft>
+                <a:spcPts val="0"/>
+              </a:spcAft>
+              <a:buClr>
+                <a:schemeClr val="bg2">
+                  <a:lumMod val="40000"/>
+                  <a:lumOff val="60000"/>
+                </a:schemeClr>
+              </a:buClr>
+              <a:buSzPct val="80000"/>
+              <a:buFont typeface="Wingdings 3" charset="2"/>
+              <a:buChar char=""/>
+              <a:defRPr sz="1400" b="0" i="0" kern="1200">
+                <a:solidFill>
+                  <a:schemeClr val="tx1"/>
+                </a:solidFill>
+                <a:latin typeface="+mj-lt"/>
+                <a:ea typeface="+mj-ea"/>
+                <a:cs typeface="+mj-cs"/>
+              </a:defRPr>
+            </a:lvl4pPr>
+            <a:lvl5pPr marL="2057400" indent="-228600" algn="l" defTabSz="457200" rtl="0" eaLnBrk="1" latinLnBrk="0" hangingPunct="1">
+              <a:spcBef>
+                <a:spcPts val="1000"/>
+              </a:spcBef>
+              <a:spcAft>
+                <a:spcPts val="0"/>
+              </a:spcAft>
+              <a:buClr>
+                <a:schemeClr val="bg2">
+                  <a:lumMod val="40000"/>
+                  <a:lumOff val="60000"/>
+                </a:schemeClr>
+              </a:buClr>
+              <a:buSzPct val="80000"/>
+              <a:buFont typeface="Wingdings 3" charset="2"/>
+              <a:buChar char=""/>
+              <a:defRPr sz="1400" b="0" i="0" kern="1200">
+                <a:solidFill>
+                  <a:schemeClr val="tx1"/>
+                </a:solidFill>
+                <a:latin typeface="+mj-lt"/>
+                <a:ea typeface="+mj-ea"/>
+                <a:cs typeface="+mj-cs"/>
+              </a:defRPr>
+            </a:lvl5pPr>
+            <a:lvl6pPr marL="2506000" indent="-228600" algn="l" defTabSz="457200" rtl="0" eaLnBrk="1" latinLnBrk="0" hangingPunct="1">
+              <a:spcBef>
+                <a:spcPts val="1000"/>
+              </a:spcBef>
+              <a:spcAft>
+                <a:spcPts val="0"/>
+              </a:spcAft>
+              <a:buClr>
+                <a:schemeClr val="bg2">
+                  <a:lumMod val="40000"/>
+                  <a:lumOff val="60000"/>
+                </a:schemeClr>
+              </a:buClr>
+              <a:buSzPct val="80000"/>
+              <a:buFont typeface="Wingdings 3" charset="2"/>
+              <a:buChar char=""/>
+              <a:defRPr sz="1400" b="0" i="0" kern="1200">
+                <a:solidFill>
+                  <a:schemeClr val="tx1"/>
+                </a:solidFill>
+                <a:latin typeface="+mj-lt"/>
+                <a:ea typeface="+mj-ea"/>
+                <a:cs typeface="+mj-cs"/>
+              </a:defRPr>
+            </a:lvl6pPr>
+            <a:lvl7pPr marL="2971800" indent="-228600" algn="l" defTabSz="457200" rtl="0" eaLnBrk="1" latinLnBrk="0" hangingPunct="1">
+              <a:spcBef>
+                <a:spcPts val="1000"/>
+              </a:spcBef>
+              <a:spcAft>
+                <a:spcPts val="0"/>
+              </a:spcAft>
+              <a:buClr>
+                <a:schemeClr val="bg2">
+                  <a:lumMod val="40000"/>
+                  <a:lumOff val="60000"/>
+                </a:schemeClr>
+              </a:buClr>
+              <a:buSzPct val="80000"/>
+              <a:buFont typeface="Wingdings 3" charset="2"/>
+              <a:buChar char=""/>
+              <a:defRPr sz="1400" b="0" i="0" kern="1200">
+                <a:solidFill>
+                  <a:schemeClr val="tx1"/>
+                </a:solidFill>
+                <a:latin typeface="+mj-lt"/>
+                <a:ea typeface="+mj-ea"/>
+                <a:cs typeface="+mj-cs"/>
+              </a:defRPr>
+            </a:lvl7pPr>
+            <a:lvl8pPr marL="3429000" indent="-228600" algn="l" defTabSz="457200" rtl="0" eaLnBrk="1" latinLnBrk="0" hangingPunct="1">
+              <a:spcBef>
+                <a:spcPts val="1000"/>
+              </a:spcBef>
+              <a:spcAft>
+                <a:spcPts val="0"/>
+              </a:spcAft>
+              <a:buClr>
+                <a:schemeClr val="bg2">
+                  <a:lumMod val="40000"/>
+                  <a:lumOff val="60000"/>
+                </a:schemeClr>
+              </a:buClr>
+              <a:buSzPct val="80000"/>
+              <a:buFont typeface="Wingdings 3" charset="2"/>
+              <a:buChar char=""/>
+              <a:defRPr sz="1400" b="0" i="0" kern="1200">
+                <a:solidFill>
+                  <a:schemeClr val="tx1"/>
+                </a:solidFill>
+                <a:latin typeface="+mj-lt"/>
+                <a:ea typeface="+mj-ea"/>
+                <a:cs typeface="+mj-cs"/>
+              </a:defRPr>
+            </a:lvl8pPr>
+            <a:lvl9pPr marL="3886200" indent="-228600" algn="l" defTabSz="457200" rtl="0" eaLnBrk="1" latinLnBrk="0" hangingPunct="1">
+              <a:spcBef>
+                <a:spcPts val="1000"/>
+              </a:spcBef>
+              <a:spcAft>
+                <a:spcPts val="0"/>
+              </a:spcAft>
+              <a:buClr>
+                <a:schemeClr val="bg2">
+                  <a:lumMod val="40000"/>
+                  <a:lumOff val="60000"/>
+                </a:schemeClr>
+              </a:buClr>
+              <a:buSzPct val="80000"/>
+              <a:buFont typeface="Wingdings 3" charset="2"/>
+              <a:buChar char=""/>
+              <a:defRPr sz="1400" b="0" i="0" kern="1200">
+                <a:solidFill>
+                  <a:schemeClr val="tx1"/>
+                </a:solidFill>
+                <a:latin typeface="+mj-lt"/>
+                <a:ea typeface="+mj-ea"/>
+                <a:cs typeface="+mj-cs"/>
+              </a:defRPr>
+            </a:lvl9pPr>
+          </a:lstStyle>
+          <a:p>
+            <a:endParaRPr lang="fr-CH" sz="1000" dirty="0" smtClean="0"/>
+          </a:p>
+          <a:p>
+            <a:endParaRPr lang="fr-CH" sz="1000" dirty="0"/>
+          </a:p>
+        </p:txBody>
+      </p:sp>
+      <p:sp>
+        <p:nvSpPr>
+          <p:cNvPr id="7" name="Espace réservé du contenu 2"/>
+          <p:cNvSpPr txBox="1">
+            <a:spLocks/>
+          </p:cNvSpPr>
+          <p:nvPr/>
+        </p:nvSpPr>
+        <p:spPr>
+          <a:xfrm>
+            <a:off x="8228782" y="1418304"/>
+            <a:ext cx="3893808" cy="5423632"/>
+          </a:xfrm>
+          <a:prstGeom prst="rect">
+            <a:avLst/>
+          </a:prstGeom>
+        </p:spPr>
+        <p:txBody>
+          <a:bodyPr vert="horz" lIns="91440" tIns="45720" rIns="91440" bIns="45720" rtlCol="0">
+            <a:normAutofit/>
+          </a:bodyPr>
+          <a:lstStyle>
+            <a:lvl1pPr marL="342900" indent="-342900" algn="l" defTabSz="457200" rtl="0" eaLnBrk="1" latinLnBrk="0" hangingPunct="1">
+              <a:spcBef>
+                <a:spcPts val="1000"/>
+              </a:spcBef>
+              <a:spcAft>
+                <a:spcPts val="0"/>
+              </a:spcAft>
+              <a:buClr>
+                <a:schemeClr val="bg2">
+                  <a:lumMod val="40000"/>
+                  <a:lumOff val="60000"/>
+                </a:schemeClr>
+              </a:buClr>
+              <a:buSzPct val="80000"/>
+              <a:buFont typeface="Wingdings 3" charset="2"/>
+              <a:buChar char=""/>
+              <a:defRPr sz="2000" b="0" i="0" kern="1200">
+                <a:solidFill>
+                  <a:schemeClr val="tx1"/>
+                </a:solidFill>
+                <a:latin typeface="+mj-lt"/>
+                <a:ea typeface="+mj-ea"/>
+                <a:cs typeface="+mj-cs"/>
+              </a:defRPr>
+            </a:lvl1pPr>
+            <a:lvl2pPr marL="742950" indent="-285750" algn="l" defTabSz="457200" rtl="0" eaLnBrk="1" latinLnBrk="0" hangingPunct="1">
+              <a:spcBef>
+                <a:spcPts val="1000"/>
+              </a:spcBef>
+              <a:spcAft>
+                <a:spcPts val="0"/>
+              </a:spcAft>
+              <a:buClr>
+                <a:schemeClr val="bg2">
+                  <a:lumMod val="40000"/>
+                  <a:lumOff val="60000"/>
+                </a:schemeClr>
+              </a:buClr>
+              <a:buSzPct val="80000"/>
+              <a:buFont typeface="Wingdings 3" charset="2"/>
+              <a:buChar char=""/>
+              <a:defRPr sz="1800" b="0" i="0" kern="1200">
+                <a:solidFill>
+                  <a:schemeClr val="tx1"/>
+                </a:solidFill>
+                <a:latin typeface="+mj-lt"/>
+                <a:ea typeface="+mj-ea"/>
+                <a:cs typeface="+mj-cs"/>
+              </a:defRPr>
+            </a:lvl2pPr>
+            <a:lvl3pPr marL="1143000" indent="-228600" algn="l" defTabSz="457200" rtl="0" eaLnBrk="1" latinLnBrk="0" hangingPunct="1">
+              <a:spcBef>
+                <a:spcPts val="1000"/>
+              </a:spcBef>
+              <a:spcAft>
+                <a:spcPts val="0"/>
+              </a:spcAft>
+              <a:buClr>
+                <a:schemeClr val="bg2">
+                  <a:lumMod val="40000"/>
+                  <a:lumOff val="60000"/>
+                </a:schemeClr>
+              </a:buClr>
+              <a:buSzPct val="80000"/>
+              <a:buFont typeface="Wingdings 3" charset="2"/>
+              <a:buChar char=""/>
+              <a:defRPr sz="1600" b="0" i="0" kern="1200">
+                <a:solidFill>
+                  <a:schemeClr val="tx1"/>
+                </a:solidFill>
+                <a:latin typeface="+mj-lt"/>
+                <a:ea typeface="+mj-ea"/>
+                <a:cs typeface="+mj-cs"/>
+              </a:defRPr>
+            </a:lvl3pPr>
+            <a:lvl4pPr marL="1600200" indent="-228600" algn="l" defTabSz="457200" rtl="0" eaLnBrk="1" latinLnBrk="0" hangingPunct="1">
+              <a:spcBef>
+                <a:spcPts val="1000"/>
+              </a:spcBef>
+              <a:spcAft>
+                <a:spcPts val="0"/>
+              </a:spcAft>
+              <a:buClr>
+                <a:schemeClr val="bg2">
+                  <a:lumMod val="40000"/>
+                  <a:lumOff val="60000"/>
+                </a:schemeClr>
+              </a:buClr>
+              <a:buSzPct val="80000"/>
+              <a:buFont typeface="Wingdings 3" charset="2"/>
+              <a:buChar char=""/>
+              <a:defRPr sz="1400" b="0" i="0" kern="1200">
+                <a:solidFill>
+                  <a:schemeClr val="tx1"/>
+                </a:solidFill>
+                <a:latin typeface="+mj-lt"/>
+                <a:ea typeface="+mj-ea"/>
+                <a:cs typeface="+mj-cs"/>
+              </a:defRPr>
+            </a:lvl4pPr>
+            <a:lvl5pPr marL="2057400" indent="-228600" algn="l" defTabSz="457200" rtl="0" eaLnBrk="1" latinLnBrk="0" hangingPunct="1">
+              <a:spcBef>
+                <a:spcPts val="1000"/>
+              </a:spcBef>
+              <a:spcAft>
+                <a:spcPts val="0"/>
+              </a:spcAft>
+              <a:buClr>
+                <a:schemeClr val="bg2">
+                  <a:lumMod val="40000"/>
+                  <a:lumOff val="60000"/>
+                </a:schemeClr>
+              </a:buClr>
+              <a:buSzPct val="80000"/>
+              <a:buFont typeface="Wingdings 3" charset="2"/>
+              <a:buChar char=""/>
+              <a:defRPr sz="1400" b="0" i="0" kern="1200">
+                <a:solidFill>
+                  <a:schemeClr val="tx1"/>
+                </a:solidFill>
+                <a:latin typeface="+mj-lt"/>
+                <a:ea typeface="+mj-ea"/>
+                <a:cs typeface="+mj-cs"/>
+              </a:defRPr>
+            </a:lvl5pPr>
+            <a:lvl6pPr marL="2506000" indent="-228600" algn="l" defTabSz="457200" rtl="0" eaLnBrk="1" latinLnBrk="0" hangingPunct="1">
+              <a:spcBef>
+                <a:spcPts val="1000"/>
+              </a:spcBef>
+              <a:spcAft>
+                <a:spcPts val="0"/>
+              </a:spcAft>
+              <a:buClr>
+                <a:schemeClr val="bg2">
+                  <a:lumMod val="40000"/>
+                  <a:lumOff val="60000"/>
+                </a:schemeClr>
+              </a:buClr>
+              <a:buSzPct val="80000"/>
+              <a:buFont typeface="Wingdings 3" charset="2"/>
+              <a:buChar char=""/>
+              <a:defRPr sz="1400" b="0" i="0" kern="1200">
+                <a:solidFill>
+                  <a:schemeClr val="tx1"/>
+                </a:solidFill>
+                <a:latin typeface="+mj-lt"/>
+                <a:ea typeface="+mj-ea"/>
+                <a:cs typeface="+mj-cs"/>
+              </a:defRPr>
+            </a:lvl6pPr>
+            <a:lvl7pPr marL="2971800" indent="-228600" algn="l" defTabSz="457200" rtl="0" eaLnBrk="1" latinLnBrk="0" hangingPunct="1">
+              <a:spcBef>
+                <a:spcPts val="1000"/>
+              </a:spcBef>
+              <a:spcAft>
+                <a:spcPts val="0"/>
+              </a:spcAft>
+              <a:buClr>
+                <a:schemeClr val="bg2">
+                  <a:lumMod val="40000"/>
+                  <a:lumOff val="60000"/>
+                </a:schemeClr>
+              </a:buClr>
+              <a:buSzPct val="80000"/>
+              <a:buFont typeface="Wingdings 3" charset="2"/>
+              <a:buChar char=""/>
+              <a:defRPr sz="1400" b="0" i="0" kern="1200">
+                <a:solidFill>
+                  <a:schemeClr val="tx1"/>
+                </a:solidFill>
+                <a:latin typeface="+mj-lt"/>
+                <a:ea typeface="+mj-ea"/>
+                <a:cs typeface="+mj-cs"/>
+              </a:defRPr>
+            </a:lvl7pPr>
+            <a:lvl8pPr marL="3429000" indent="-228600" algn="l" defTabSz="457200" rtl="0" eaLnBrk="1" latinLnBrk="0" hangingPunct="1">
+              <a:spcBef>
+                <a:spcPts val="1000"/>
+              </a:spcBef>
+              <a:spcAft>
+                <a:spcPts val="0"/>
+              </a:spcAft>
+              <a:buClr>
+                <a:schemeClr val="bg2">
+                  <a:lumMod val="40000"/>
+                  <a:lumOff val="60000"/>
+                </a:schemeClr>
+              </a:buClr>
+              <a:buSzPct val="80000"/>
+              <a:buFont typeface="Wingdings 3" charset="2"/>
+              <a:buChar char=""/>
+              <a:defRPr sz="1400" b="0" i="0" kern="1200">
+                <a:solidFill>
+                  <a:schemeClr val="tx1"/>
+                </a:solidFill>
+                <a:latin typeface="+mj-lt"/>
+                <a:ea typeface="+mj-ea"/>
+                <a:cs typeface="+mj-cs"/>
+              </a:defRPr>
+            </a:lvl8pPr>
+            <a:lvl9pPr marL="3886200" indent="-228600" algn="l" defTabSz="457200" rtl="0" eaLnBrk="1" latinLnBrk="0" hangingPunct="1">
+              <a:spcBef>
+                <a:spcPts val="1000"/>
+              </a:spcBef>
+              <a:spcAft>
+                <a:spcPts val="0"/>
+              </a:spcAft>
+              <a:buClr>
+                <a:schemeClr val="bg2">
+                  <a:lumMod val="40000"/>
+                  <a:lumOff val="60000"/>
+                </a:schemeClr>
+              </a:buClr>
+              <a:buSzPct val="80000"/>
+              <a:buFont typeface="Wingdings 3" charset="2"/>
+              <a:buChar char=""/>
+              <a:defRPr sz="1400" b="0" i="0" kern="1200">
+                <a:solidFill>
+                  <a:schemeClr val="tx1"/>
+                </a:solidFill>
+                <a:latin typeface="+mj-lt"/>
+                <a:ea typeface="+mj-ea"/>
+                <a:cs typeface="+mj-cs"/>
+              </a:defRPr>
+            </a:lvl9pPr>
+          </a:lstStyle>
+          <a:p>
+            <a:r>
+              <a:rPr lang="fr-CH" sz="1000" dirty="0" smtClean="0"/>
+              <a:t>Brancher le FortiGate au CPNV</a:t>
+            </a:r>
+          </a:p>
+          <a:p>
+            <a:r>
+              <a:rPr lang="fr-CH" sz="1000" dirty="0" smtClean="0"/>
+              <a:t>Observer</a:t>
+            </a:r>
+          </a:p>
+          <a:p>
+            <a:r>
+              <a:rPr lang="fr-CH" sz="1000" dirty="0" smtClean="0"/>
+              <a:t>???</a:t>
+            </a:r>
+          </a:p>
+          <a:p>
+            <a:endParaRPr lang="fr-CH" sz="1000" dirty="0"/>
+          </a:p>
+        </p:txBody>
+      </p:sp>
     </p:spTree>
     <p:extLst>
       <p:ext uri="{BB962C8B-B14F-4D97-AF65-F5344CB8AC3E}">
@@ -12828,199 +13349,6 @@
           <a:lstStyle/>
           <a:p>
             <a:r>
-              <a:rPr lang="fr-CH" dirty="0" smtClean="0"/>
-              <a:t>Challenges rencontrés</a:t>
-            </a:r>
-            <a:endParaRPr lang="fr-CH" dirty="0"/>
-          </a:p>
-        </p:txBody>
-      </p:sp>
-      <p:sp>
-        <p:nvSpPr>
-          <p:cNvPr id="3" name="Espace réservé du contenu 2"/>
-          <p:cNvSpPr>
-            <a:spLocks noGrp="1"/>
-          </p:cNvSpPr>
-          <p:nvPr>
-            <p:ph idx="1"/>
-          </p:nvPr>
-        </p:nvSpPr>
-        <p:spPr/>
-        <p:txBody>
-          <a:bodyPr/>
-          <a:lstStyle/>
-          <a:p>
-            <a:r>
-              <a:rPr lang="fr-CH" dirty="0" smtClean="0"/>
-              <a:t>Planification initiale</a:t>
-            </a:r>
-          </a:p>
-          <a:p>
-            <a:pPr marL="0" indent="0">
-              <a:buNone/>
-            </a:pPr>
-            <a:endParaRPr lang="fr-CH" dirty="0" smtClean="0"/>
-          </a:p>
-          <a:p>
-            <a:r>
-              <a:rPr lang="fr-CH" dirty="0" smtClean="0"/>
-              <a:t>VDOMs</a:t>
-            </a:r>
-          </a:p>
-          <a:p>
-            <a:pPr marL="0" indent="0">
-              <a:buNone/>
-            </a:pPr>
-            <a:endParaRPr lang="fr-CH" dirty="0" smtClean="0"/>
-          </a:p>
-          <a:p>
-            <a:r>
-              <a:rPr lang="fr-CH" dirty="0" smtClean="0"/>
-              <a:t>GUI volatil</a:t>
-            </a:r>
-          </a:p>
-          <a:p>
-            <a:pPr marL="0" indent="0">
-              <a:buNone/>
-            </a:pPr>
-            <a:endParaRPr lang="fr-CH" dirty="0" smtClean="0"/>
-          </a:p>
-          <a:p>
-            <a:r>
-              <a:rPr lang="fr-CH" dirty="0" smtClean="0"/>
-              <a:t>Tunnels pas alignés</a:t>
-            </a:r>
-          </a:p>
-          <a:p>
-            <a:endParaRPr lang="fr-CH" dirty="0" smtClean="0"/>
-          </a:p>
-          <a:p>
-            <a:endParaRPr lang="fr-CH" dirty="0" smtClean="0"/>
-          </a:p>
-        </p:txBody>
-      </p:sp>
-      <p:sp>
-        <p:nvSpPr>
-          <p:cNvPr id="4" name="Espace réservé du pied de page 3"/>
-          <p:cNvSpPr>
-            <a:spLocks noGrp="1"/>
-          </p:cNvSpPr>
-          <p:nvPr>
-            <p:ph type="ftr" sz="quarter" idx="11"/>
-          </p:nvPr>
-        </p:nvSpPr>
-        <p:spPr/>
-        <p:txBody>
-          <a:bodyPr/>
-          <a:lstStyle/>
-          <a:p>
-            <a:r>
-              <a:rPr lang="fr-CH" dirty="0" smtClean="0"/>
-              <a:t>Damien Mayor</a:t>
-            </a:r>
-            <a:endParaRPr lang="fr-CH" dirty="0"/>
-          </a:p>
-        </p:txBody>
-      </p:sp>
-      <p:sp>
-        <p:nvSpPr>
-          <p:cNvPr id="5" name="Espace réservé du numéro de diapositive 4"/>
-          <p:cNvSpPr>
-            <a:spLocks noGrp="1"/>
-          </p:cNvSpPr>
-          <p:nvPr>
-            <p:ph type="sldNum" sz="quarter" idx="12"/>
-          </p:nvPr>
-        </p:nvSpPr>
-        <p:spPr/>
-        <p:txBody>
-          <a:bodyPr/>
-          <a:lstStyle/>
-          <a:p>
-            <a:fld id="{2FCD9DE2-19B8-4E75-A167-0E6B1D03D668}" type="slidenum">
-              <a:rPr lang="fr-CH">
-                <a:solidFill>
-                  <a:srgbClr val="C00000"/>
-                </a:solidFill>
-                <a:effectLst>
-                  <a:outerShdw blurRad="38100" dist="38100" dir="2700000" algn="tl">
-                    <a:srgbClr val="000000">
-                      <a:alpha val="43137"/>
-                    </a:srgbClr>
-                  </a:outerShdw>
-                </a:effectLst>
-              </a:rPr>
-              <a:pPr/>
-              <a:t>13</a:t>
-            </a:fld>
-            <a:endParaRPr lang="fr-CH" dirty="0">
-              <a:solidFill>
-                <a:srgbClr val="C00000"/>
-              </a:solidFill>
-              <a:effectLst>
-                <a:outerShdw blurRad="38100" dist="38100" dir="2700000" algn="tl">
-                  <a:srgbClr val="000000">
-                    <a:alpha val="43137"/>
-                  </a:srgbClr>
-                </a:outerShdw>
-              </a:effectLst>
-            </a:endParaRPr>
-          </a:p>
-        </p:txBody>
-      </p:sp>
-    </p:spTree>
-    <p:extLst>
-      <p:ext uri="{BB962C8B-B14F-4D97-AF65-F5344CB8AC3E}">
-        <p14:creationId xmlns:p14="http://schemas.microsoft.com/office/powerpoint/2010/main" val="2761578671"/>
-      </p:ext>
-    </p:extLst>
-  </p:cSld>
-  <p:clrMapOvr>
-    <a:masterClrMapping/>
-  </p:clrMapOvr>
-  <p:timing>
-    <p:tnLst>
-      <p:par>
-        <p:cTn id="1" dur="indefinite" restart="never" nodeType="tmRoot"/>
-      </p:par>
-    </p:tnLst>
-  </p:timing>
-</p:sld>
-</file>
-
-<file path=ppt/slides/slide14.xml><?xml version="1.0" encoding="utf-8"?>
-<p:sld xmlns:a="http://schemas.openxmlformats.org/drawingml/2006/main" xmlns:r="http://schemas.openxmlformats.org/officeDocument/2006/relationships" xmlns:p="http://schemas.openxmlformats.org/presentationml/2006/main">
-  <p:cSld>
-    <p:spTree>
-      <p:nvGrpSpPr>
-        <p:cNvPr id="1" name=""/>
-        <p:cNvGrpSpPr/>
-        <p:nvPr/>
-      </p:nvGrpSpPr>
-      <p:grpSpPr>
-        <a:xfrm>
-          <a:off x="0" y="0"/>
-          <a:ext cx="0" cy="0"/>
-          <a:chOff x="0" y="0"/>
-          <a:chExt cx="0" cy="0"/>
-        </a:xfrm>
-      </p:grpSpPr>
-      <p:sp>
-        <p:nvSpPr>
-          <p:cNvPr id="2" name="Titre 1"/>
-          <p:cNvSpPr>
-            <a:spLocks noGrp="1"/>
-          </p:cNvSpPr>
-          <p:nvPr>
-            <p:ph type="title"/>
-          </p:nvPr>
-        </p:nvSpPr>
-        <p:spPr/>
-        <p:txBody>
-          <a:bodyPr/>
-          <a:lstStyle/>
-          <a:p>
-            <a:r>
               <a:rPr lang="fr-CH" strike="sngStrike" dirty="0">
                 <a:effectLst>
                   <a:outerShdw blurRad="38100" dist="38100" dir="2700000" algn="tl">
@@ -13162,7 +13490,7 @@
                   </a:outerShdw>
                 </a:effectLst>
               </a:rPr>
-              <a:t>14</a:t>
+              <a:t>13</a:t>
             </a:fld>
             <a:endParaRPr lang="fr-CH" dirty="0">
               <a:solidFill>
@@ -13216,6 +13544,199 @@
     <p:extLst>
       <p:ext uri="{BB962C8B-B14F-4D97-AF65-F5344CB8AC3E}">
         <p14:creationId xmlns:p14="http://schemas.microsoft.com/office/powerpoint/2010/main" val="2742412165"/>
+      </p:ext>
+    </p:extLst>
+  </p:cSld>
+  <p:clrMapOvr>
+    <a:masterClrMapping/>
+  </p:clrMapOvr>
+  <p:timing>
+    <p:tnLst>
+      <p:par>
+        <p:cTn id="1" dur="indefinite" restart="never" nodeType="tmRoot"/>
+      </p:par>
+    </p:tnLst>
+  </p:timing>
+</p:sld>
+</file>
+
+<file path=ppt/slides/slide14.xml><?xml version="1.0" encoding="utf-8"?>
+<p:sld xmlns:a="http://schemas.openxmlformats.org/drawingml/2006/main" xmlns:r="http://schemas.openxmlformats.org/officeDocument/2006/relationships" xmlns:p="http://schemas.openxmlformats.org/presentationml/2006/main">
+  <p:cSld>
+    <p:spTree>
+      <p:nvGrpSpPr>
+        <p:cNvPr id="1" name=""/>
+        <p:cNvGrpSpPr/>
+        <p:nvPr/>
+      </p:nvGrpSpPr>
+      <p:grpSpPr>
+        <a:xfrm>
+          <a:off x="0" y="0"/>
+          <a:ext cx="0" cy="0"/>
+          <a:chOff x="0" y="0"/>
+          <a:chExt cx="0" cy="0"/>
+        </a:xfrm>
+      </p:grpSpPr>
+      <p:sp>
+        <p:nvSpPr>
+          <p:cNvPr id="2" name="Titre 1"/>
+          <p:cNvSpPr>
+            <a:spLocks noGrp="1"/>
+          </p:cNvSpPr>
+          <p:nvPr>
+            <p:ph type="title"/>
+          </p:nvPr>
+        </p:nvSpPr>
+        <p:spPr/>
+        <p:txBody>
+          <a:bodyPr/>
+          <a:lstStyle/>
+          <a:p>
+            <a:r>
+              <a:rPr lang="fr-CH" dirty="0" smtClean="0"/>
+              <a:t>Challenges rencontrés</a:t>
+            </a:r>
+            <a:endParaRPr lang="fr-CH" dirty="0"/>
+          </a:p>
+        </p:txBody>
+      </p:sp>
+      <p:sp>
+        <p:nvSpPr>
+          <p:cNvPr id="3" name="Espace réservé du contenu 2"/>
+          <p:cNvSpPr>
+            <a:spLocks noGrp="1"/>
+          </p:cNvSpPr>
+          <p:nvPr>
+            <p:ph idx="1"/>
+          </p:nvPr>
+        </p:nvSpPr>
+        <p:spPr/>
+        <p:txBody>
+          <a:bodyPr/>
+          <a:lstStyle/>
+          <a:p>
+            <a:r>
+              <a:rPr lang="fr-CH" dirty="0" smtClean="0"/>
+              <a:t>Planification initiale</a:t>
+            </a:r>
+          </a:p>
+          <a:p>
+            <a:pPr marL="0" indent="0">
+              <a:buNone/>
+            </a:pPr>
+            <a:endParaRPr lang="fr-CH" dirty="0" smtClean="0"/>
+          </a:p>
+          <a:p>
+            <a:r>
+              <a:rPr lang="fr-CH" dirty="0" smtClean="0"/>
+              <a:t>VDOMs</a:t>
+            </a:r>
+          </a:p>
+          <a:p>
+            <a:pPr marL="0" indent="0">
+              <a:buNone/>
+            </a:pPr>
+            <a:endParaRPr lang="fr-CH" dirty="0" smtClean="0"/>
+          </a:p>
+          <a:p>
+            <a:r>
+              <a:rPr lang="fr-CH" dirty="0" smtClean="0"/>
+              <a:t>GUI volatil</a:t>
+            </a:r>
+          </a:p>
+          <a:p>
+            <a:pPr marL="0" indent="0">
+              <a:buNone/>
+            </a:pPr>
+            <a:endParaRPr lang="fr-CH" dirty="0" smtClean="0"/>
+          </a:p>
+          <a:p>
+            <a:r>
+              <a:rPr lang="fr-CH" dirty="0" smtClean="0"/>
+              <a:t>Tunnels pas alignés</a:t>
+            </a:r>
+          </a:p>
+          <a:p>
+            <a:endParaRPr lang="fr-CH" dirty="0" smtClean="0"/>
+          </a:p>
+          <a:p>
+            <a:endParaRPr lang="fr-CH" dirty="0" smtClean="0"/>
+          </a:p>
+        </p:txBody>
+      </p:sp>
+      <p:sp>
+        <p:nvSpPr>
+          <p:cNvPr id="4" name="Espace réservé du pied de page 3"/>
+          <p:cNvSpPr>
+            <a:spLocks noGrp="1"/>
+          </p:cNvSpPr>
+          <p:nvPr>
+            <p:ph type="ftr" sz="quarter" idx="11"/>
+          </p:nvPr>
+        </p:nvSpPr>
+        <p:spPr/>
+        <p:txBody>
+          <a:bodyPr/>
+          <a:lstStyle/>
+          <a:p>
+            <a:r>
+              <a:rPr lang="fr-CH" dirty="0" smtClean="0"/>
+              <a:t>Damien Mayor</a:t>
+            </a:r>
+            <a:endParaRPr lang="fr-CH" dirty="0"/>
+          </a:p>
+        </p:txBody>
+      </p:sp>
+      <p:sp>
+        <p:nvSpPr>
+          <p:cNvPr id="5" name="Espace réservé du numéro de diapositive 4"/>
+          <p:cNvSpPr>
+            <a:spLocks noGrp="1"/>
+          </p:cNvSpPr>
+          <p:nvPr>
+            <p:ph type="sldNum" sz="quarter" idx="12"/>
+          </p:nvPr>
+        </p:nvSpPr>
+        <p:spPr/>
+        <p:txBody>
+          <a:bodyPr/>
+          <a:lstStyle/>
+          <a:p>
+            <a:fld id="{2FCD9DE2-19B8-4E75-A167-0E6B1D03D668}" type="slidenum">
+              <a:rPr lang="fr-CH">
+                <a:solidFill>
+                  <a:srgbClr val="C00000"/>
+                </a:solidFill>
+                <a:effectLst>
+                  <a:outerShdw blurRad="38100" dist="38100" dir="2700000" algn="tl">
+                    <a:srgbClr val="000000">
+                      <a:alpha val="43137"/>
+                    </a:srgbClr>
+                  </a:outerShdw>
+                </a:effectLst>
+              </a:rPr>
+              <a:pPr/>
+              <a:t>14</a:t>
+            </a:fld>
+            <a:endParaRPr lang="fr-CH" dirty="0">
+              <a:solidFill>
+                <a:srgbClr val="C00000"/>
+              </a:solidFill>
+              <a:effectLst>
+                <a:outerShdw blurRad="38100" dist="38100" dir="2700000" algn="tl">
+                  <a:srgbClr val="000000">
+                    <a:alpha val="43137"/>
+                  </a:srgbClr>
+                </a:outerShdw>
+              </a:effectLst>
+            </a:endParaRPr>
+          </a:p>
+        </p:txBody>
+      </p:sp>
+    </p:spTree>
+    <p:extLst>
+      <p:ext uri="{BB962C8B-B14F-4D97-AF65-F5344CB8AC3E}">
+        <p14:creationId xmlns:p14="http://schemas.microsoft.com/office/powerpoint/2010/main" val="2761578671"/>
       </p:ext>
     </p:extLst>
   </p:cSld>
@@ -16337,6 +16858,405 @@
           </a:ln>
         </p:spPr>
       </p:pic>
+      <p:sp>
+        <p:nvSpPr>
+          <p:cNvPr id="6" name="Espace réservé du contenu 2"/>
+          <p:cNvSpPr txBox="1">
+            <a:spLocks/>
+          </p:cNvSpPr>
+          <p:nvPr/>
+        </p:nvSpPr>
+        <p:spPr>
+          <a:xfrm>
+            <a:off x="8071444" y="1418304"/>
+            <a:ext cx="4051146" cy="5423632"/>
+          </a:xfrm>
+          <a:prstGeom prst="rect">
+            <a:avLst/>
+          </a:prstGeom>
+        </p:spPr>
+        <p:txBody>
+          <a:bodyPr vert="horz" lIns="91440" tIns="45720" rIns="91440" bIns="45720" rtlCol="0">
+            <a:normAutofit fontScale="92500" lnSpcReduction="20000"/>
+          </a:bodyPr>
+          <a:lstStyle>
+            <a:lvl1pPr marL="342900" indent="-342900" algn="l" defTabSz="457200" rtl="0" eaLnBrk="1" latinLnBrk="0" hangingPunct="1">
+              <a:spcBef>
+                <a:spcPts val="1000"/>
+              </a:spcBef>
+              <a:spcAft>
+                <a:spcPts val="0"/>
+              </a:spcAft>
+              <a:buClr>
+                <a:schemeClr val="bg2">
+                  <a:lumMod val="40000"/>
+                  <a:lumOff val="60000"/>
+                </a:schemeClr>
+              </a:buClr>
+              <a:buSzPct val="80000"/>
+              <a:buFont typeface="Wingdings 3" charset="2"/>
+              <a:buChar char=""/>
+              <a:defRPr sz="2000" b="0" i="0" kern="1200">
+                <a:solidFill>
+                  <a:schemeClr val="tx1"/>
+                </a:solidFill>
+                <a:latin typeface="+mj-lt"/>
+                <a:ea typeface="+mj-ea"/>
+                <a:cs typeface="+mj-cs"/>
+              </a:defRPr>
+            </a:lvl1pPr>
+            <a:lvl2pPr marL="742950" indent="-285750" algn="l" defTabSz="457200" rtl="0" eaLnBrk="1" latinLnBrk="0" hangingPunct="1">
+              <a:spcBef>
+                <a:spcPts val="1000"/>
+              </a:spcBef>
+              <a:spcAft>
+                <a:spcPts val="0"/>
+              </a:spcAft>
+              <a:buClr>
+                <a:schemeClr val="bg2">
+                  <a:lumMod val="40000"/>
+                  <a:lumOff val="60000"/>
+                </a:schemeClr>
+              </a:buClr>
+              <a:buSzPct val="80000"/>
+              <a:buFont typeface="Wingdings 3" charset="2"/>
+              <a:buChar char=""/>
+              <a:defRPr sz="1800" b="0" i="0" kern="1200">
+                <a:solidFill>
+                  <a:schemeClr val="tx1"/>
+                </a:solidFill>
+                <a:latin typeface="+mj-lt"/>
+                <a:ea typeface="+mj-ea"/>
+                <a:cs typeface="+mj-cs"/>
+              </a:defRPr>
+            </a:lvl2pPr>
+            <a:lvl3pPr marL="1143000" indent="-228600" algn="l" defTabSz="457200" rtl="0" eaLnBrk="1" latinLnBrk="0" hangingPunct="1">
+              <a:spcBef>
+                <a:spcPts val="1000"/>
+              </a:spcBef>
+              <a:spcAft>
+                <a:spcPts val="0"/>
+              </a:spcAft>
+              <a:buClr>
+                <a:schemeClr val="bg2">
+                  <a:lumMod val="40000"/>
+                  <a:lumOff val="60000"/>
+                </a:schemeClr>
+              </a:buClr>
+              <a:buSzPct val="80000"/>
+              <a:buFont typeface="Wingdings 3" charset="2"/>
+              <a:buChar char=""/>
+              <a:defRPr sz="1600" b="0" i="0" kern="1200">
+                <a:solidFill>
+                  <a:schemeClr val="tx1"/>
+                </a:solidFill>
+                <a:latin typeface="+mj-lt"/>
+                <a:ea typeface="+mj-ea"/>
+                <a:cs typeface="+mj-cs"/>
+              </a:defRPr>
+            </a:lvl3pPr>
+            <a:lvl4pPr marL="1600200" indent="-228600" algn="l" defTabSz="457200" rtl="0" eaLnBrk="1" latinLnBrk="0" hangingPunct="1">
+              <a:spcBef>
+                <a:spcPts val="1000"/>
+              </a:spcBef>
+              <a:spcAft>
+                <a:spcPts val="0"/>
+              </a:spcAft>
+              <a:buClr>
+                <a:schemeClr val="bg2">
+                  <a:lumMod val="40000"/>
+                  <a:lumOff val="60000"/>
+                </a:schemeClr>
+              </a:buClr>
+              <a:buSzPct val="80000"/>
+              <a:buFont typeface="Wingdings 3" charset="2"/>
+              <a:buChar char=""/>
+              <a:defRPr sz="1400" b="0" i="0" kern="1200">
+                <a:solidFill>
+                  <a:schemeClr val="tx1"/>
+                </a:solidFill>
+                <a:latin typeface="+mj-lt"/>
+                <a:ea typeface="+mj-ea"/>
+                <a:cs typeface="+mj-cs"/>
+              </a:defRPr>
+            </a:lvl4pPr>
+            <a:lvl5pPr marL="2057400" indent="-228600" algn="l" defTabSz="457200" rtl="0" eaLnBrk="1" latinLnBrk="0" hangingPunct="1">
+              <a:spcBef>
+                <a:spcPts val="1000"/>
+              </a:spcBef>
+              <a:spcAft>
+                <a:spcPts val="0"/>
+              </a:spcAft>
+              <a:buClr>
+                <a:schemeClr val="bg2">
+                  <a:lumMod val="40000"/>
+                  <a:lumOff val="60000"/>
+                </a:schemeClr>
+              </a:buClr>
+              <a:buSzPct val="80000"/>
+              <a:buFont typeface="Wingdings 3" charset="2"/>
+              <a:buChar char=""/>
+              <a:defRPr sz="1400" b="0" i="0" kern="1200">
+                <a:solidFill>
+                  <a:schemeClr val="tx1"/>
+                </a:solidFill>
+                <a:latin typeface="+mj-lt"/>
+                <a:ea typeface="+mj-ea"/>
+                <a:cs typeface="+mj-cs"/>
+              </a:defRPr>
+            </a:lvl5pPr>
+            <a:lvl6pPr marL="2506000" indent="-228600" algn="l" defTabSz="457200" rtl="0" eaLnBrk="1" latinLnBrk="0" hangingPunct="1">
+              <a:spcBef>
+                <a:spcPts val="1000"/>
+              </a:spcBef>
+              <a:spcAft>
+                <a:spcPts val="0"/>
+              </a:spcAft>
+              <a:buClr>
+                <a:schemeClr val="bg2">
+                  <a:lumMod val="40000"/>
+                  <a:lumOff val="60000"/>
+                </a:schemeClr>
+              </a:buClr>
+              <a:buSzPct val="80000"/>
+              <a:buFont typeface="Wingdings 3" charset="2"/>
+              <a:buChar char=""/>
+              <a:defRPr sz="1400" b="0" i="0" kern="1200">
+                <a:solidFill>
+                  <a:schemeClr val="tx1"/>
+                </a:solidFill>
+                <a:latin typeface="+mj-lt"/>
+                <a:ea typeface="+mj-ea"/>
+                <a:cs typeface="+mj-cs"/>
+              </a:defRPr>
+            </a:lvl6pPr>
+            <a:lvl7pPr marL="2971800" indent="-228600" algn="l" defTabSz="457200" rtl="0" eaLnBrk="1" latinLnBrk="0" hangingPunct="1">
+              <a:spcBef>
+                <a:spcPts val="1000"/>
+              </a:spcBef>
+              <a:spcAft>
+                <a:spcPts val="0"/>
+              </a:spcAft>
+              <a:buClr>
+                <a:schemeClr val="bg2">
+                  <a:lumMod val="40000"/>
+                  <a:lumOff val="60000"/>
+                </a:schemeClr>
+              </a:buClr>
+              <a:buSzPct val="80000"/>
+              <a:buFont typeface="Wingdings 3" charset="2"/>
+              <a:buChar char=""/>
+              <a:defRPr sz="1400" b="0" i="0" kern="1200">
+                <a:solidFill>
+                  <a:schemeClr val="tx1"/>
+                </a:solidFill>
+                <a:latin typeface="+mj-lt"/>
+                <a:ea typeface="+mj-ea"/>
+                <a:cs typeface="+mj-cs"/>
+              </a:defRPr>
+            </a:lvl7pPr>
+            <a:lvl8pPr marL="3429000" indent="-228600" algn="l" defTabSz="457200" rtl="0" eaLnBrk="1" latinLnBrk="0" hangingPunct="1">
+              <a:spcBef>
+                <a:spcPts val="1000"/>
+              </a:spcBef>
+              <a:spcAft>
+                <a:spcPts val="0"/>
+              </a:spcAft>
+              <a:buClr>
+                <a:schemeClr val="bg2">
+                  <a:lumMod val="40000"/>
+                  <a:lumOff val="60000"/>
+                </a:schemeClr>
+              </a:buClr>
+              <a:buSzPct val="80000"/>
+              <a:buFont typeface="Wingdings 3" charset="2"/>
+              <a:buChar char=""/>
+              <a:defRPr sz="1400" b="0" i="0" kern="1200">
+                <a:solidFill>
+                  <a:schemeClr val="tx1"/>
+                </a:solidFill>
+                <a:latin typeface="+mj-lt"/>
+                <a:ea typeface="+mj-ea"/>
+                <a:cs typeface="+mj-cs"/>
+              </a:defRPr>
+            </a:lvl8pPr>
+            <a:lvl9pPr marL="3886200" indent="-228600" algn="l" defTabSz="457200" rtl="0" eaLnBrk="1" latinLnBrk="0" hangingPunct="1">
+              <a:spcBef>
+                <a:spcPts val="1000"/>
+              </a:spcBef>
+              <a:spcAft>
+                <a:spcPts val="0"/>
+              </a:spcAft>
+              <a:buClr>
+                <a:schemeClr val="bg2">
+                  <a:lumMod val="40000"/>
+                  <a:lumOff val="60000"/>
+                </a:schemeClr>
+              </a:buClr>
+              <a:buSzPct val="80000"/>
+              <a:buFont typeface="Wingdings 3" charset="2"/>
+              <a:buChar char=""/>
+              <a:defRPr sz="1400" b="0" i="0" kern="1200">
+                <a:solidFill>
+                  <a:schemeClr val="tx1"/>
+                </a:solidFill>
+                <a:latin typeface="+mj-lt"/>
+                <a:ea typeface="+mj-ea"/>
+                <a:cs typeface="+mj-cs"/>
+              </a:defRPr>
+            </a:lvl9pPr>
+          </a:lstStyle>
+          <a:p>
+            <a:r>
+              <a:rPr lang="fr-CH" sz="1000" dirty="0" smtClean="0"/>
+              <a:t>Configuration siège principal</a:t>
+            </a:r>
+          </a:p>
+          <a:p>
+            <a:r>
+              <a:rPr lang="fr-CH" sz="1000" dirty="0" smtClean="0"/>
+              <a:t>Configuration FortiGate</a:t>
+            </a:r>
+          </a:p>
+          <a:p>
+            <a:r>
+              <a:rPr lang="fr-CH" sz="1000" dirty="0" smtClean="0"/>
+              <a:t>Activation VDOMs</a:t>
+            </a:r>
+          </a:p>
+          <a:p>
+            <a:r>
+              <a:rPr lang="fr-CH" sz="1000" dirty="0" smtClean="0"/>
+              <a:t>Création domaine Principal</a:t>
+            </a:r>
+          </a:p>
+          <a:p>
+            <a:r>
+              <a:rPr lang="fr-CH" sz="1000" dirty="0" smtClean="0"/>
+              <a:t>Création domaine Secondaire</a:t>
+            </a:r>
+          </a:p>
+          <a:p>
+            <a:r>
+              <a:rPr lang="fr-CH" sz="1000" dirty="0" smtClean="0"/>
+              <a:t>Création des administrateurs</a:t>
+            </a:r>
+          </a:p>
+          <a:p>
+            <a:r>
+              <a:rPr lang="fr-CH" sz="1000" dirty="0" smtClean="0"/>
+              <a:t>Mise en place VDOM Principal</a:t>
+            </a:r>
+          </a:p>
+          <a:p>
+            <a:r>
+              <a:rPr lang="fr-CH" sz="1000" dirty="0" smtClean="0"/>
+              <a:t>Création règles pare-feu</a:t>
+            </a:r>
+          </a:p>
+          <a:p>
+            <a:r>
+              <a:rPr lang="fr-CH" sz="1000" dirty="0" smtClean="0"/>
+              <a:t>Configuration succursale secondaire</a:t>
+            </a:r>
+          </a:p>
+          <a:p>
+            <a:r>
+              <a:rPr lang="fr-CH" sz="1000" dirty="0" smtClean="0"/>
+              <a:t>Mise en place VDOM Secondaire</a:t>
+            </a:r>
+          </a:p>
+          <a:p>
+            <a:r>
+              <a:rPr lang="fr-CH" sz="1000" dirty="0" smtClean="0"/>
+              <a:t>Création règles pare-feu</a:t>
+            </a:r>
+          </a:p>
+          <a:p>
+            <a:r>
+              <a:rPr lang="fr-CH" sz="1000" dirty="0" smtClean="0"/>
+              <a:t>Configuration Routeur</a:t>
+            </a:r>
+          </a:p>
+          <a:p>
+            <a:r>
+              <a:rPr lang="fr-CH" sz="1000" dirty="0" smtClean="0"/>
+              <a:t>Configuration tunnels site-à-site SP</a:t>
+            </a:r>
+          </a:p>
+          <a:p>
+            <a:r>
+              <a:rPr lang="fr-CH" sz="1000" dirty="0" smtClean="0"/>
+              <a:t>Création règle pare-feu pour tunnel SP</a:t>
+            </a:r>
+          </a:p>
+          <a:p>
+            <a:r>
+              <a:rPr lang="fr-CH" sz="1000" dirty="0" smtClean="0"/>
+              <a:t>Création route pour tunnel SP</a:t>
+            </a:r>
+          </a:p>
+          <a:p>
+            <a:r>
+              <a:rPr lang="fr-CH" sz="1000" dirty="0"/>
+              <a:t>Configuration tunnels site-à-site </a:t>
+            </a:r>
+            <a:r>
+              <a:rPr lang="fr-CH" sz="1000" dirty="0" smtClean="0"/>
+              <a:t>SS</a:t>
+            </a:r>
+            <a:endParaRPr lang="fr-CH" sz="1000" dirty="0"/>
+          </a:p>
+          <a:p>
+            <a:r>
+              <a:rPr lang="fr-CH" sz="1000" dirty="0"/>
+              <a:t>Création règle pare-feu pour tunnel </a:t>
+            </a:r>
+            <a:r>
+              <a:rPr lang="fr-CH" sz="1000" dirty="0" smtClean="0"/>
+              <a:t>SS</a:t>
+            </a:r>
+            <a:endParaRPr lang="fr-CH" sz="1000" dirty="0"/>
+          </a:p>
+          <a:p>
+            <a:r>
+              <a:rPr lang="fr-CH" sz="1000" dirty="0"/>
+              <a:t>Création route pour tunnel </a:t>
+            </a:r>
+            <a:r>
+              <a:rPr lang="fr-CH" sz="1000" dirty="0" smtClean="0"/>
+              <a:t>SS</a:t>
+            </a:r>
+          </a:p>
+          <a:p>
+            <a:r>
+              <a:rPr lang="fr-CH" sz="1000" dirty="0" smtClean="0"/>
+              <a:t>Remplacement routeur par switch</a:t>
+            </a:r>
+          </a:p>
+          <a:p>
+            <a:r>
+              <a:rPr lang="fr-CH" sz="1000" dirty="0" smtClean="0"/>
+              <a:t>Configuration PC Télétravailleur</a:t>
+            </a:r>
+          </a:p>
+          <a:p>
+            <a:r>
+              <a:rPr lang="fr-CH" sz="1000" dirty="0" smtClean="0"/>
+              <a:t>Configuration tunnel client-à-site</a:t>
+            </a:r>
+          </a:p>
+          <a:p>
+            <a:r>
+              <a:rPr lang="fr-CH" sz="1000" dirty="0" smtClean="0"/>
+              <a:t>Configuration FortiClient VPN</a:t>
+            </a:r>
+          </a:p>
+          <a:p>
+            <a:endParaRPr lang="fr-CH" sz="1000" dirty="0"/>
+          </a:p>
+        </p:txBody>
+      </p:sp>
     </p:spTree>
     <p:extLst>
       <p:ext uri="{BB962C8B-B14F-4D97-AF65-F5344CB8AC3E}">
@@ -16490,7 +17410,7 @@
         </p:blipFill>
         <p:spPr>
           <a:xfrm>
-            <a:off x="4443554" y="3360043"/>
+            <a:off x="7783186" y="2070524"/>
             <a:ext cx="2266667" cy="1580952"/>
           </a:xfrm>
           <a:prstGeom prst="rect">
@@ -16498,6 +17418,287 @@
           </a:prstGeom>
         </p:spPr>
       </p:pic>
+      <p:sp>
+        <p:nvSpPr>
+          <p:cNvPr id="8" name="Espace réservé du contenu 2"/>
+          <p:cNvSpPr txBox="1">
+            <a:spLocks/>
+          </p:cNvSpPr>
+          <p:nvPr/>
+        </p:nvSpPr>
+        <p:spPr>
+          <a:xfrm>
+            <a:off x="1103312" y="2052918"/>
+            <a:ext cx="8946541" cy="4195481"/>
+          </a:xfrm>
+          <a:prstGeom prst="rect">
+            <a:avLst/>
+          </a:prstGeom>
+        </p:spPr>
+        <p:txBody>
+          <a:bodyPr vert="horz" lIns="91440" tIns="45720" rIns="91440" bIns="45720" rtlCol="0">
+            <a:normAutofit/>
+          </a:bodyPr>
+          <a:lstStyle>
+            <a:lvl1pPr marL="342900" indent="-342900" algn="l" defTabSz="457200" rtl="0" eaLnBrk="1" latinLnBrk="0" hangingPunct="1">
+              <a:spcBef>
+                <a:spcPts val="1000"/>
+              </a:spcBef>
+              <a:spcAft>
+                <a:spcPts val="0"/>
+              </a:spcAft>
+              <a:buClr>
+                <a:schemeClr val="bg2">
+                  <a:lumMod val="40000"/>
+                  <a:lumOff val="60000"/>
+                </a:schemeClr>
+              </a:buClr>
+              <a:buSzPct val="80000"/>
+              <a:buFont typeface="Wingdings 3" charset="2"/>
+              <a:buChar char=""/>
+              <a:defRPr sz="2000" b="0" i="0" kern="1200">
+                <a:solidFill>
+                  <a:schemeClr val="tx1"/>
+                </a:solidFill>
+                <a:latin typeface="+mj-lt"/>
+                <a:ea typeface="+mj-ea"/>
+                <a:cs typeface="+mj-cs"/>
+              </a:defRPr>
+            </a:lvl1pPr>
+            <a:lvl2pPr marL="742950" indent="-285750" algn="l" defTabSz="457200" rtl="0" eaLnBrk="1" latinLnBrk="0" hangingPunct="1">
+              <a:spcBef>
+                <a:spcPts val="1000"/>
+              </a:spcBef>
+              <a:spcAft>
+                <a:spcPts val="0"/>
+              </a:spcAft>
+              <a:buClr>
+                <a:schemeClr val="bg2">
+                  <a:lumMod val="40000"/>
+                  <a:lumOff val="60000"/>
+                </a:schemeClr>
+              </a:buClr>
+              <a:buSzPct val="80000"/>
+              <a:buFont typeface="Wingdings 3" charset="2"/>
+              <a:buChar char=""/>
+              <a:defRPr sz="1800" b="0" i="0" kern="1200">
+                <a:solidFill>
+                  <a:schemeClr val="tx1"/>
+                </a:solidFill>
+                <a:latin typeface="+mj-lt"/>
+                <a:ea typeface="+mj-ea"/>
+                <a:cs typeface="+mj-cs"/>
+              </a:defRPr>
+            </a:lvl2pPr>
+            <a:lvl3pPr marL="1143000" indent="-228600" algn="l" defTabSz="457200" rtl="0" eaLnBrk="1" latinLnBrk="0" hangingPunct="1">
+              <a:spcBef>
+                <a:spcPts val="1000"/>
+              </a:spcBef>
+              <a:spcAft>
+                <a:spcPts val="0"/>
+              </a:spcAft>
+              <a:buClr>
+                <a:schemeClr val="bg2">
+                  <a:lumMod val="40000"/>
+                  <a:lumOff val="60000"/>
+                </a:schemeClr>
+              </a:buClr>
+              <a:buSzPct val="80000"/>
+              <a:buFont typeface="Wingdings 3" charset="2"/>
+              <a:buChar char=""/>
+              <a:defRPr sz="1600" b="0" i="0" kern="1200">
+                <a:solidFill>
+                  <a:schemeClr val="tx1"/>
+                </a:solidFill>
+                <a:latin typeface="+mj-lt"/>
+                <a:ea typeface="+mj-ea"/>
+                <a:cs typeface="+mj-cs"/>
+              </a:defRPr>
+            </a:lvl3pPr>
+            <a:lvl4pPr marL="1600200" indent="-228600" algn="l" defTabSz="457200" rtl="0" eaLnBrk="1" latinLnBrk="0" hangingPunct="1">
+              <a:spcBef>
+                <a:spcPts val="1000"/>
+              </a:spcBef>
+              <a:spcAft>
+                <a:spcPts val="0"/>
+              </a:spcAft>
+              <a:buClr>
+                <a:schemeClr val="bg2">
+                  <a:lumMod val="40000"/>
+                  <a:lumOff val="60000"/>
+                </a:schemeClr>
+              </a:buClr>
+              <a:buSzPct val="80000"/>
+              <a:buFont typeface="Wingdings 3" charset="2"/>
+              <a:buChar char=""/>
+              <a:defRPr sz="1400" b="0" i="0" kern="1200">
+                <a:solidFill>
+                  <a:schemeClr val="tx1"/>
+                </a:solidFill>
+                <a:latin typeface="+mj-lt"/>
+                <a:ea typeface="+mj-ea"/>
+                <a:cs typeface="+mj-cs"/>
+              </a:defRPr>
+            </a:lvl4pPr>
+            <a:lvl5pPr marL="2057400" indent="-228600" algn="l" defTabSz="457200" rtl="0" eaLnBrk="1" latinLnBrk="0" hangingPunct="1">
+              <a:spcBef>
+                <a:spcPts val="1000"/>
+              </a:spcBef>
+              <a:spcAft>
+                <a:spcPts val="0"/>
+              </a:spcAft>
+              <a:buClr>
+                <a:schemeClr val="bg2">
+                  <a:lumMod val="40000"/>
+                  <a:lumOff val="60000"/>
+                </a:schemeClr>
+              </a:buClr>
+              <a:buSzPct val="80000"/>
+              <a:buFont typeface="Wingdings 3" charset="2"/>
+              <a:buChar char=""/>
+              <a:defRPr sz="1400" b="0" i="0" kern="1200">
+                <a:solidFill>
+                  <a:schemeClr val="tx1"/>
+                </a:solidFill>
+                <a:latin typeface="+mj-lt"/>
+                <a:ea typeface="+mj-ea"/>
+                <a:cs typeface="+mj-cs"/>
+              </a:defRPr>
+            </a:lvl5pPr>
+            <a:lvl6pPr marL="2506000" indent="-228600" algn="l" defTabSz="457200" rtl="0" eaLnBrk="1" latinLnBrk="0" hangingPunct="1">
+              <a:spcBef>
+                <a:spcPts val="1000"/>
+              </a:spcBef>
+              <a:spcAft>
+                <a:spcPts val="0"/>
+              </a:spcAft>
+              <a:buClr>
+                <a:schemeClr val="bg2">
+                  <a:lumMod val="40000"/>
+                  <a:lumOff val="60000"/>
+                </a:schemeClr>
+              </a:buClr>
+              <a:buSzPct val="80000"/>
+              <a:buFont typeface="Wingdings 3" charset="2"/>
+              <a:buChar char=""/>
+              <a:defRPr sz="1400" b="0" i="0" kern="1200">
+                <a:solidFill>
+                  <a:schemeClr val="tx1"/>
+                </a:solidFill>
+                <a:latin typeface="+mj-lt"/>
+                <a:ea typeface="+mj-ea"/>
+                <a:cs typeface="+mj-cs"/>
+              </a:defRPr>
+            </a:lvl6pPr>
+            <a:lvl7pPr marL="2971800" indent="-228600" algn="l" defTabSz="457200" rtl="0" eaLnBrk="1" latinLnBrk="0" hangingPunct="1">
+              <a:spcBef>
+                <a:spcPts val="1000"/>
+              </a:spcBef>
+              <a:spcAft>
+                <a:spcPts val="0"/>
+              </a:spcAft>
+              <a:buClr>
+                <a:schemeClr val="bg2">
+                  <a:lumMod val="40000"/>
+                  <a:lumOff val="60000"/>
+                </a:schemeClr>
+              </a:buClr>
+              <a:buSzPct val="80000"/>
+              <a:buFont typeface="Wingdings 3" charset="2"/>
+              <a:buChar char=""/>
+              <a:defRPr sz="1400" b="0" i="0" kern="1200">
+                <a:solidFill>
+                  <a:schemeClr val="tx1"/>
+                </a:solidFill>
+                <a:latin typeface="+mj-lt"/>
+                <a:ea typeface="+mj-ea"/>
+                <a:cs typeface="+mj-cs"/>
+              </a:defRPr>
+            </a:lvl7pPr>
+            <a:lvl8pPr marL="3429000" indent="-228600" algn="l" defTabSz="457200" rtl="0" eaLnBrk="1" latinLnBrk="0" hangingPunct="1">
+              <a:spcBef>
+                <a:spcPts val="1000"/>
+              </a:spcBef>
+              <a:spcAft>
+                <a:spcPts val="0"/>
+              </a:spcAft>
+              <a:buClr>
+                <a:schemeClr val="bg2">
+                  <a:lumMod val="40000"/>
+                  <a:lumOff val="60000"/>
+                </a:schemeClr>
+              </a:buClr>
+              <a:buSzPct val="80000"/>
+              <a:buFont typeface="Wingdings 3" charset="2"/>
+              <a:buChar char=""/>
+              <a:defRPr sz="1400" b="0" i="0" kern="1200">
+                <a:solidFill>
+                  <a:schemeClr val="tx1"/>
+                </a:solidFill>
+                <a:latin typeface="+mj-lt"/>
+                <a:ea typeface="+mj-ea"/>
+                <a:cs typeface="+mj-cs"/>
+              </a:defRPr>
+            </a:lvl8pPr>
+            <a:lvl9pPr marL="3886200" indent="-228600" algn="l" defTabSz="457200" rtl="0" eaLnBrk="1" latinLnBrk="0" hangingPunct="1">
+              <a:spcBef>
+                <a:spcPts val="1000"/>
+              </a:spcBef>
+              <a:spcAft>
+                <a:spcPts val="0"/>
+              </a:spcAft>
+              <a:buClr>
+                <a:schemeClr val="bg2">
+                  <a:lumMod val="40000"/>
+                  <a:lumOff val="60000"/>
+                </a:schemeClr>
+              </a:buClr>
+              <a:buSzPct val="80000"/>
+              <a:buFont typeface="Wingdings 3" charset="2"/>
+              <a:buChar char=""/>
+              <a:defRPr sz="1400" b="0" i="0" kern="1200">
+                <a:solidFill>
+                  <a:schemeClr val="tx1"/>
+                </a:solidFill>
+                <a:latin typeface="+mj-lt"/>
+                <a:ea typeface="+mj-ea"/>
+                <a:cs typeface="+mj-cs"/>
+              </a:defRPr>
+            </a:lvl9pPr>
+          </a:lstStyle>
+          <a:p>
+            <a:r>
+              <a:rPr lang="fr-CH" dirty="0" smtClean="0"/>
+              <a:t>Solution de virtualisation</a:t>
+            </a:r>
+          </a:p>
+          <a:p>
+            <a:pPr marL="0" indent="0">
+              <a:buNone/>
+            </a:pPr>
+            <a:endParaRPr lang="fr-CH" dirty="0" smtClean="0"/>
+          </a:p>
+          <a:p>
+            <a:r>
+              <a:rPr lang="fr-CH" dirty="0" smtClean="0"/>
+              <a:t>Mise en place</a:t>
+            </a:r>
+          </a:p>
+          <a:p>
+            <a:pPr marL="0" indent="0">
+              <a:buNone/>
+            </a:pPr>
+            <a:endParaRPr lang="fr-CH" dirty="0" smtClean="0"/>
+          </a:p>
+          <a:p>
+            <a:r>
+              <a:rPr lang="fr-CH" dirty="0" smtClean="0"/>
+              <a:t>Limitations</a:t>
+            </a:r>
+            <a:endParaRPr lang="fr-CH" dirty="0"/>
+          </a:p>
+        </p:txBody>
+      </p:sp>
     </p:spTree>
     <p:extLst>
       <p:ext uri="{BB962C8B-B14F-4D97-AF65-F5344CB8AC3E}">
@@ -16552,7 +17753,7 @@
           <a:p>
             <a:r>
               <a:rPr lang="fr-CH" dirty="0" smtClean="0"/>
-              <a:t>Site-à-site</a:t>
+              <a:t>IPsec vs SSL</a:t>
             </a:r>
             <a:endParaRPr lang="fr-CH" dirty="0"/>
           </a:p>
@@ -16573,7 +17774,11 @@
           <a:bodyPr/>
           <a:lstStyle/>
           <a:p>
-            <a:endParaRPr lang="fr-CH"/>
+            <a:r>
+              <a:rPr lang="fr-CH" dirty="0" smtClean="0"/>
+              <a:t>vs</a:t>
+            </a:r>
+            <a:endParaRPr lang="fr-CH" dirty="0"/>
           </a:p>
         </p:txBody>
       </p:sp>
@@ -16616,53 +17821,23 @@
           <a:lstStyle/>
           <a:p>
             <a:fld id="{2FCD9DE2-19B8-4E75-A167-0E6B1D03D668}" type="slidenum">
-              <a:rPr lang="fr-CH">
-                <a:solidFill>
-                  <a:srgbClr val="C00000"/>
-                </a:solidFill>
-                <a:effectLst>
-                  <a:outerShdw blurRad="38100" dist="38100" dir="2700000" algn="tl">
-                    <a:srgbClr val="000000">
-                      <a:alpha val="43137"/>
-                    </a:srgbClr>
-                  </a:outerShdw>
-                </a:effectLst>
-              </a:rPr>
-              <a:pPr/>
+              <a:rPr lang="fr-CH" smtClean="0"/>
               <a:t>9</a:t>
             </a:fld>
-            <a:endParaRPr lang="fr-CH" dirty="0">
-              <a:solidFill>
-                <a:srgbClr val="C00000"/>
-              </a:solidFill>
-              <a:effectLst>
-                <a:outerShdw blurRad="38100" dist="38100" dir="2700000" algn="tl">
-                  <a:srgbClr val="000000">
-                    <a:alpha val="43137"/>
-                  </a:srgbClr>
-                </a:outerShdw>
-              </a:effectLst>
-            </a:endParaRPr>
+            <a:endParaRPr lang="fr-CH"/>
           </a:p>
         </p:txBody>
       </p:sp>
     </p:spTree>
     <p:extLst>
       <p:ext uri="{BB962C8B-B14F-4D97-AF65-F5344CB8AC3E}">
-        <p14:creationId xmlns:p14="http://schemas.microsoft.com/office/powerpoint/2010/main" val="3092024143"/>
+        <p14:creationId xmlns:p14="http://schemas.microsoft.com/office/powerpoint/2010/main" val="571767169"/>
       </p:ext>
     </p:extLst>
   </p:cSld>
   <p:clrMapOvr>
     <a:masterClrMapping/>
   </p:clrMapOvr>
-  <p:timing>
-    <p:tnLst>
-      <p:par>
-        <p:cTn id="1" dur="indefinite" restart="never" nodeType="tmRoot"/>
-      </p:par>
-    </p:tnLst>
-  </p:timing>
 </p:sld>
 </file>
 

--- a/Présentation/Présentation TPI DMA.pptx
+++ b/Présentation/Présentation TPI DMA.pptx
@@ -5,7 +5,7 @@
     <p:sldMasterId id="2147483802" r:id="rId1"/>
   </p:sldMasterIdLst>
   <p:notesMasterIdLst>
-    <p:notesMasterId r:id="rId24"/>
+    <p:notesMasterId r:id="rId29"/>
   </p:notesMasterIdLst>
   <p:sldIdLst>
     <p:sldId id="256" r:id="rId2"/>
@@ -17,19 +17,24 @@
     <p:sldId id="294" r:id="rId8"/>
     <p:sldId id="295" r:id="rId9"/>
     <p:sldId id="296" r:id="rId10"/>
-    <p:sldId id="284" r:id="rId11"/>
-    <p:sldId id="262" r:id="rId12"/>
+    <p:sldId id="299" r:id="rId11"/>
+    <p:sldId id="284" r:id="rId12"/>
     <p:sldId id="288" r:id="rId13"/>
-    <p:sldId id="263" r:id="rId14"/>
-    <p:sldId id="264" r:id="rId15"/>
-    <p:sldId id="272" r:id="rId16"/>
-    <p:sldId id="289" r:id="rId17"/>
-    <p:sldId id="277" r:id="rId18"/>
-    <p:sldId id="286" r:id="rId19"/>
-    <p:sldId id="290" r:id="rId20"/>
-    <p:sldId id="293" r:id="rId21"/>
-    <p:sldId id="292" r:id="rId22"/>
-    <p:sldId id="285" r:id="rId23"/>
+    <p:sldId id="262" r:id="rId14"/>
+    <p:sldId id="300" r:id="rId15"/>
+    <p:sldId id="263" r:id="rId16"/>
+    <p:sldId id="264" r:id="rId17"/>
+    <p:sldId id="272" r:id="rId18"/>
+    <p:sldId id="289" r:id="rId19"/>
+    <p:sldId id="277" r:id="rId20"/>
+    <p:sldId id="298" r:id="rId21"/>
+    <p:sldId id="286" r:id="rId22"/>
+    <p:sldId id="290" r:id="rId23"/>
+    <p:sldId id="293" r:id="rId24"/>
+    <p:sldId id="292" r:id="rId25"/>
+    <p:sldId id="285" r:id="rId26"/>
+    <p:sldId id="297" r:id="rId27"/>
+    <p:sldId id="301" r:id="rId28"/>
   </p:sldIdLst>
   <p:sldSz cx="12192000" cy="6858000"/>
   <p:notesSz cx="6858000" cy="9144000"/>
@@ -5908,6 +5913,118 @@
     </p:spTree>
     <p:extLst>
       <p:ext uri="{BB962C8B-B14F-4D97-AF65-F5344CB8AC3E}">
+        <p14:creationId xmlns:p14="http://schemas.microsoft.com/office/powerpoint/2010/main" val="1396121567"/>
+      </p:ext>
+    </p:extLst>
+  </p:cSld>
+  <p:clrMapOvr>
+    <a:masterClrMapping/>
+  </p:clrMapOvr>
+</p:notes>
+</file>
+
+<file path=ppt/notesSlides/notesSlide5.xml><?xml version="1.0" encoding="utf-8"?>
+<p:notes xmlns:a="http://schemas.openxmlformats.org/drawingml/2006/main" xmlns:r="http://schemas.openxmlformats.org/officeDocument/2006/relationships" xmlns:p="http://schemas.openxmlformats.org/presentationml/2006/main">
+  <p:cSld>
+    <p:spTree>
+      <p:nvGrpSpPr>
+        <p:cNvPr id="1" name=""/>
+        <p:cNvGrpSpPr/>
+        <p:nvPr/>
+      </p:nvGrpSpPr>
+      <p:grpSpPr>
+        <a:xfrm>
+          <a:off x="0" y="0"/>
+          <a:ext cx="0" cy="0"/>
+          <a:chOff x="0" y="0"/>
+          <a:chExt cx="0" cy="0"/>
+        </a:xfrm>
+      </p:grpSpPr>
+      <p:sp>
+        <p:nvSpPr>
+          <p:cNvPr id="2" name="Espace réservé de l'image des diapositives 1"/>
+          <p:cNvSpPr>
+            <a:spLocks noGrp="1" noRot="1" noChangeAspect="1"/>
+          </p:cNvSpPr>
+          <p:nvPr>
+            <p:ph type="sldImg"/>
+          </p:nvPr>
+        </p:nvSpPr>
+        <p:spPr/>
+      </p:sp>
+      <p:sp>
+        <p:nvSpPr>
+          <p:cNvPr id="3" name="Espace réservé des notes 2"/>
+          <p:cNvSpPr>
+            <a:spLocks noGrp="1"/>
+          </p:cNvSpPr>
+          <p:nvPr>
+            <p:ph type="body" idx="1"/>
+          </p:nvPr>
+        </p:nvSpPr>
+        <p:spPr/>
+        <p:txBody>
+          <a:bodyPr/>
+          <a:lstStyle/>
+          <a:p>
+            <a:r>
+              <a:rPr lang="fr-CH" dirty="0"/>
+              <a:t>-Brancher</a:t>
+            </a:r>
+            <a:r>
+              <a:rPr lang="fr-CH" baseline="0" dirty="0"/>
+              <a:t> correctement</a:t>
+            </a:r>
+          </a:p>
+          <a:p>
+            <a:r>
+              <a:rPr lang="fr-CH" baseline="0" dirty="0"/>
+              <a:t>-Changer les adresses des tunnels par les adresses distribuées par le DHCP du CPNV</a:t>
+            </a:r>
+          </a:p>
+          <a:p>
+            <a:r>
+              <a:rPr lang="fr-CH" baseline="0" dirty="0"/>
+              <a:t>-Fixer les </a:t>
+            </a:r>
+            <a:r>
+              <a:rPr lang="fr-CH" baseline="0" dirty="0" err="1"/>
+              <a:t>ips</a:t>
+            </a:r>
+            <a:r>
+              <a:rPr lang="fr-CH" baseline="0" dirty="0"/>
+              <a:t> dans le FortiGate</a:t>
+            </a:r>
+            <a:endParaRPr lang="fr-CH" dirty="0"/>
+          </a:p>
+        </p:txBody>
+      </p:sp>
+      <p:sp>
+        <p:nvSpPr>
+          <p:cNvPr id="4" name="Espace réservé du numéro de diapositive 3"/>
+          <p:cNvSpPr>
+            <a:spLocks noGrp="1"/>
+          </p:cNvSpPr>
+          <p:nvPr>
+            <p:ph type="sldNum" sz="quarter" idx="10"/>
+          </p:nvPr>
+        </p:nvSpPr>
+        <p:spPr/>
+        <p:txBody>
+          <a:bodyPr/>
+          <a:lstStyle/>
+          <a:p>
+            <a:fld id="{E5B182D0-A1C7-4980-AD66-8484012760C2}" type="slidenum">
+              <a:rPr lang="fr-CH" smtClean="0"/>
+              <a:t>11</a:t>
+            </a:fld>
+            <a:endParaRPr lang="fr-CH"/>
+          </a:p>
+        </p:txBody>
+      </p:sp>
+    </p:spTree>
+    <p:extLst>
+      <p:ext uri="{BB962C8B-B14F-4D97-AF65-F5344CB8AC3E}">
         <p14:creationId xmlns:p14="http://schemas.microsoft.com/office/powerpoint/2010/main" val="1877394036"/>
       </p:ext>
     </p:extLst>
@@ -12119,48 +12236,20 @@
           <a:lstStyle/>
           <a:p>
             <a:r>
-              <a:rPr lang="fr-CH" dirty="0"/>
-              <a:t>Implémentation CPNV</a:t>
-            </a:r>
-          </a:p>
-        </p:txBody>
-      </p:sp>
-      <p:pic>
-        <p:nvPicPr>
-          <p:cNvPr id="7" name="Espace réservé du contenu 6"/>
-          <p:cNvPicPr>
-            <a:picLocks noGrp="1" noChangeAspect="1"/>
-          </p:cNvPicPr>
-          <p:nvPr>
-            <p:ph idx="1"/>
-          </p:nvPr>
-        </p:nvPicPr>
-        <p:blipFill>
-          <a:blip r:embed="rId3">
-            <a:extLst>
-              <a:ext uri="{28A0092B-C50C-407E-A947-70E740481C1C}">
-                <a14:useLocalDpi xmlns:a14="http://schemas.microsoft.com/office/drawing/2010/main" val="0"/>
-              </a:ext>
-            </a:extLst>
-          </a:blip>
-          <a:stretch>
-            <a:fillRect/>
-          </a:stretch>
-        </p:blipFill>
-        <p:spPr>
-          <a:xfrm>
-            <a:off x="0" y="1152983"/>
-            <a:ext cx="8213881" cy="4195762"/>
-          </a:xfrm>
-          <a:ln>
-            <a:solidFill>
-              <a:schemeClr val="accent1">
-                <a:lumMod val="50000"/>
-              </a:schemeClr>
-            </a:solidFill>
-          </a:ln>
-        </p:spPr>
-      </p:pic>
+              <a:rPr lang="fr-CH" dirty="0">
+                <a:effectLst>
+                  <a:outerShdw blurRad="38100" dist="38100" dir="2700000" algn="tl">
+                    <a:srgbClr val="000000">
+                      <a:alpha val="43137"/>
+                    </a:srgbClr>
+                  </a:outerShdw>
+                </a:effectLst>
+              </a:rPr>
+              <a:t>Phase 2</a:t>
+            </a:r>
+          </a:p>
+        </p:txBody>
+      </p:sp>
       <p:sp>
         <p:nvSpPr>
           <p:cNvPr id="4" name="Espace réservé du pied de page 3"/>
@@ -12231,6 +12320,483 @@
       </p:sp>
       <p:pic>
         <p:nvPicPr>
+          <p:cNvPr id="13" name="Espace réservé du contenu 7">
+            <a:extLst>
+              <a:ext uri="{FF2B5EF4-FFF2-40B4-BE49-F238E27FC236}">
+                <a16:creationId xmlns:a16="http://schemas.microsoft.com/office/drawing/2014/main" id="{79AA8F58-28E1-59DA-2AFE-743862CC7EF3}"/>
+              </a:ext>
+            </a:extLst>
+          </p:cNvPr>
+          <p:cNvPicPr>
+            <a:picLocks noGrp="1" noChangeAspect="1"/>
+          </p:cNvPicPr>
+          <p:nvPr>
+            <p:ph idx="1"/>
+          </p:nvPr>
+        </p:nvPicPr>
+        <p:blipFill rotWithShape="1">
+          <a:blip r:embed="rId3">
+            <a:extLst>
+              <a:ext uri="{28A0092B-C50C-407E-A947-70E740481C1C}">
+                <a14:useLocalDpi xmlns:a14="http://schemas.microsoft.com/office/drawing/2010/main" val="0"/>
+              </a:ext>
+            </a:extLst>
+          </a:blip>
+          <a:srcRect l="762" t="636" r="253" b="1389"/>
+          <a:stretch/>
+        </p:blipFill>
+        <p:spPr>
+          <a:xfrm>
+            <a:off x="4461189" y="2475418"/>
+            <a:ext cx="6031881" cy="3929864"/>
+          </a:xfrm>
+          <a:ln>
+            <a:solidFill>
+              <a:schemeClr val="accent1"/>
+            </a:solidFill>
+          </a:ln>
+        </p:spPr>
+      </p:pic>
+      <p:sp>
+        <p:nvSpPr>
+          <p:cNvPr id="14" name="Espace réservé du contenu 2">
+            <a:extLst>
+              <a:ext uri="{FF2B5EF4-FFF2-40B4-BE49-F238E27FC236}">
+                <a16:creationId xmlns:a16="http://schemas.microsoft.com/office/drawing/2014/main" id="{9F85C45F-AC9C-2617-A369-3A770136258C}"/>
+              </a:ext>
+            </a:extLst>
+          </p:cNvPr>
+          <p:cNvSpPr txBox="1">
+            <a:spLocks/>
+          </p:cNvSpPr>
+          <p:nvPr/>
+        </p:nvSpPr>
+        <p:spPr>
+          <a:xfrm>
+            <a:off x="57515" y="1264256"/>
+            <a:ext cx="10740356" cy="2631883"/>
+          </a:xfrm>
+          <a:prstGeom prst="rect">
+            <a:avLst/>
+          </a:prstGeom>
+        </p:spPr>
+        <p:txBody>
+          <a:bodyPr vert="horz" lIns="91440" tIns="45720" rIns="91440" bIns="45720" rtlCol="0">
+            <a:noAutofit/>
+          </a:bodyPr>
+          <a:lstStyle>
+            <a:lvl1pPr marL="342900" indent="-342900" algn="l" defTabSz="457200" rtl="0" eaLnBrk="1" latinLnBrk="0" hangingPunct="1">
+              <a:spcBef>
+                <a:spcPts val="1000"/>
+              </a:spcBef>
+              <a:spcAft>
+                <a:spcPts val="0"/>
+              </a:spcAft>
+              <a:buClr>
+                <a:schemeClr val="bg2">
+                  <a:lumMod val="40000"/>
+                  <a:lumOff val="60000"/>
+                </a:schemeClr>
+              </a:buClr>
+              <a:buSzPct val="80000"/>
+              <a:buFont typeface="Wingdings 3" charset="2"/>
+              <a:buChar char=""/>
+              <a:defRPr sz="2000" b="0" i="0" kern="1200">
+                <a:solidFill>
+                  <a:schemeClr val="tx1"/>
+                </a:solidFill>
+                <a:latin typeface="+mj-lt"/>
+                <a:ea typeface="+mj-ea"/>
+                <a:cs typeface="+mj-cs"/>
+              </a:defRPr>
+            </a:lvl1pPr>
+            <a:lvl2pPr marL="742950" indent="-285750" algn="l" defTabSz="457200" rtl="0" eaLnBrk="1" latinLnBrk="0" hangingPunct="1">
+              <a:spcBef>
+                <a:spcPts val="1000"/>
+              </a:spcBef>
+              <a:spcAft>
+                <a:spcPts val="0"/>
+              </a:spcAft>
+              <a:buClr>
+                <a:schemeClr val="bg2">
+                  <a:lumMod val="40000"/>
+                  <a:lumOff val="60000"/>
+                </a:schemeClr>
+              </a:buClr>
+              <a:buSzPct val="80000"/>
+              <a:buFont typeface="Wingdings 3" charset="2"/>
+              <a:buChar char=""/>
+              <a:defRPr sz="1800" b="0" i="0" kern="1200">
+                <a:solidFill>
+                  <a:schemeClr val="tx1"/>
+                </a:solidFill>
+                <a:latin typeface="+mj-lt"/>
+                <a:ea typeface="+mj-ea"/>
+                <a:cs typeface="+mj-cs"/>
+              </a:defRPr>
+            </a:lvl2pPr>
+            <a:lvl3pPr marL="1143000" indent="-228600" algn="l" defTabSz="457200" rtl="0" eaLnBrk="1" latinLnBrk="0" hangingPunct="1">
+              <a:spcBef>
+                <a:spcPts val="1000"/>
+              </a:spcBef>
+              <a:spcAft>
+                <a:spcPts val="0"/>
+              </a:spcAft>
+              <a:buClr>
+                <a:schemeClr val="bg2">
+                  <a:lumMod val="40000"/>
+                  <a:lumOff val="60000"/>
+                </a:schemeClr>
+              </a:buClr>
+              <a:buSzPct val="80000"/>
+              <a:buFont typeface="Wingdings 3" charset="2"/>
+              <a:buChar char=""/>
+              <a:defRPr sz="1600" b="0" i="0" kern="1200">
+                <a:solidFill>
+                  <a:schemeClr val="tx1"/>
+                </a:solidFill>
+                <a:latin typeface="+mj-lt"/>
+                <a:ea typeface="+mj-ea"/>
+                <a:cs typeface="+mj-cs"/>
+              </a:defRPr>
+            </a:lvl3pPr>
+            <a:lvl4pPr marL="1600200" indent="-228600" algn="l" defTabSz="457200" rtl="0" eaLnBrk="1" latinLnBrk="0" hangingPunct="1">
+              <a:spcBef>
+                <a:spcPts val="1000"/>
+              </a:spcBef>
+              <a:spcAft>
+                <a:spcPts val="0"/>
+              </a:spcAft>
+              <a:buClr>
+                <a:schemeClr val="bg2">
+                  <a:lumMod val="40000"/>
+                  <a:lumOff val="60000"/>
+                </a:schemeClr>
+              </a:buClr>
+              <a:buSzPct val="80000"/>
+              <a:buFont typeface="Wingdings 3" charset="2"/>
+              <a:buChar char=""/>
+              <a:defRPr sz="1400" b="0" i="0" kern="1200">
+                <a:solidFill>
+                  <a:schemeClr val="tx1"/>
+                </a:solidFill>
+                <a:latin typeface="+mj-lt"/>
+                <a:ea typeface="+mj-ea"/>
+                <a:cs typeface="+mj-cs"/>
+              </a:defRPr>
+            </a:lvl4pPr>
+            <a:lvl5pPr marL="2057400" indent="-228600" algn="l" defTabSz="457200" rtl="0" eaLnBrk="1" latinLnBrk="0" hangingPunct="1">
+              <a:spcBef>
+                <a:spcPts val="1000"/>
+              </a:spcBef>
+              <a:spcAft>
+                <a:spcPts val="0"/>
+              </a:spcAft>
+              <a:buClr>
+                <a:schemeClr val="bg2">
+                  <a:lumMod val="40000"/>
+                  <a:lumOff val="60000"/>
+                </a:schemeClr>
+              </a:buClr>
+              <a:buSzPct val="80000"/>
+              <a:buFont typeface="Wingdings 3" charset="2"/>
+              <a:buChar char=""/>
+              <a:defRPr sz="1400" b="0" i="0" kern="1200">
+                <a:solidFill>
+                  <a:schemeClr val="tx1"/>
+                </a:solidFill>
+                <a:latin typeface="+mj-lt"/>
+                <a:ea typeface="+mj-ea"/>
+                <a:cs typeface="+mj-cs"/>
+              </a:defRPr>
+            </a:lvl5pPr>
+            <a:lvl6pPr marL="2506000" indent="-228600" algn="l" defTabSz="457200" rtl="0" eaLnBrk="1" latinLnBrk="0" hangingPunct="1">
+              <a:spcBef>
+                <a:spcPts val="1000"/>
+              </a:spcBef>
+              <a:spcAft>
+                <a:spcPts val="0"/>
+              </a:spcAft>
+              <a:buClr>
+                <a:schemeClr val="bg2">
+                  <a:lumMod val="40000"/>
+                  <a:lumOff val="60000"/>
+                </a:schemeClr>
+              </a:buClr>
+              <a:buSzPct val="80000"/>
+              <a:buFont typeface="Wingdings 3" charset="2"/>
+              <a:buChar char=""/>
+              <a:defRPr sz="1400" b="0" i="0" kern="1200">
+                <a:solidFill>
+                  <a:schemeClr val="tx1"/>
+                </a:solidFill>
+                <a:latin typeface="+mj-lt"/>
+                <a:ea typeface="+mj-ea"/>
+                <a:cs typeface="+mj-cs"/>
+              </a:defRPr>
+            </a:lvl6pPr>
+            <a:lvl7pPr marL="2971800" indent="-228600" algn="l" defTabSz="457200" rtl="0" eaLnBrk="1" latinLnBrk="0" hangingPunct="1">
+              <a:spcBef>
+                <a:spcPts val="1000"/>
+              </a:spcBef>
+              <a:spcAft>
+                <a:spcPts val="0"/>
+              </a:spcAft>
+              <a:buClr>
+                <a:schemeClr val="bg2">
+                  <a:lumMod val="40000"/>
+                  <a:lumOff val="60000"/>
+                </a:schemeClr>
+              </a:buClr>
+              <a:buSzPct val="80000"/>
+              <a:buFont typeface="Wingdings 3" charset="2"/>
+              <a:buChar char=""/>
+              <a:defRPr sz="1400" b="0" i="0" kern="1200">
+                <a:solidFill>
+                  <a:schemeClr val="tx1"/>
+                </a:solidFill>
+                <a:latin typeface="+mj-lt"/>
+                <a:ea typeface="+mj-ea"/>
+                <a:cs typeface="+mj-cs"/>
+              </a:defRPr>
+            </a:lvl7pPr>
+            <a:lvl8pPr marL="3429000" indent="-228600" algn="l" defTabSz="457200" rtl="0" eaLnBrk="1" latinLnBrk="0" hangingPunct="1">
+              <a:spcBef>
+                <a:spcPts val="1000"/>
+              </a:spcBef>
+              <a:spcAft>
+                <a:spcPts val="0"/>
+              </a:spcAft>
+              <a:buClr>
+                <a:schemeClr val="bg2">
+                  <a:lumMod val="40000"/>
+                  <a:lumOff val="60000"/>
+                </a:schemeClr>
+              </a:buClr>
+              <a:buSzPct val="80000"/>
+              <a:buFont typeface="Wingdings 3" charset="2"/>
+              <a:buChar char=""/>
+              <a:defRPr sz="1400" b="0" i="0" kern="1200">
+                <a:solidFill>
+                  <a:schemeClr val="tx1"/>
+                </a:solidFill>
+                <a:latin typeface="+mj-lt"/>
+                <a:ea typeface="+mj-ea"/>
+                <a:cs typeface="+mj-cs"/>
+              </a:defRPr>
+            </a:lvl8pPr>
+            <a:lvl9pPr marL="3886200" indent="-228600" algn="l" defTabSz="457200" rtl="0" eaLnBrk="1" latinLnBrk="0" hangingPunct="1">
+              <a:spcBef>
+                <a:spcPts val="1000"/>
+              </a:spcBef>
+              <a:spcAft>
+                <a:spcPts val="0"/>
+              </a:spcAft>
+              <a:buClr>
+                <a:schemeClr val="bg2">
+                  <a:lumMod val="40000"/>
+                  <a:lumOff val="60000"/>
+                </a:schemeClr>
+              </a:buClr>
+              <a:buSzPct val="80000"/>
+              <a:buFont typeface="Wingdings 3" charset="2"/>
+              <a:buChar char=""/>
+              <a:defRPr sz="1400" b="0" i="0" kern="1200">
+                <a:solidFill>
+                  <a:schemeClr val="tx1"/>
+                </a:solidFill>
+                <a:latin typeface="+mj-lt"/>
+                <a:ea typeface="+mj-ea"/>
+                <a:cs typeface="+mj-cs"/>
+              </a:defRPr>
+            </a:lvl9pPr>
+          </a:lstStyle>
+          <a:p>
+            <a:pPr marL="0" indent="0">
+              <a:buNone/>
+            </a:pPr>
+            <a:r>
+              <a:rPr lang="fr-CH" i="1" dirty="0">
+                <a:latin typeface="Century Gothic" panose="020B0502020202020204" pitchFamily="34" charset="0"/>
+              </a:rPr>
+              <a:t>«</a:t>
+            </a:r>
+            <a:r>
+              <a:rPr lang="fr-CH" b="0" i="1" strike="noStrike" baseline="0" dirty="0">
+                <a:latin typeface="Century Gothic" panose="020B0502020202020204" pitchFamily="34" charset="0"/>
+              </a:rPr>
+              <a:t>Dans un 2ème temps le FortiGate sera connecté au réseau physique de l’école en conservant sa configuration tel quel, afin de d’évaluer les possibilités et les limites d’un tel implémentation.»</a:t>
+            </a:r>
+            <a:endParaRPr lang="fr-CH" i="1" dirty="0"/>
+          </a:p>
+        </p:txBody>
+      </p:sp>
+    </p:spTree>
+    <p:extLst>
+      <p:ext uri="{BB962C8B-B14F-4D97-AF65-F5344CB8AC3E}">
+        <p14:creationId xmlns:p14="http://schemas.microsoft.com/office/powerpoint/2010/main" val="2166588161"/>
+      </p:ext>
+    </p:extLst>
+  </p:cSld>
+  <p:clrMapOvr>
+    <a:masterClrMapping/>
+  </p:clrMapOvr>
+</p:sld>
+</file>
+
+<file path=ppt/slides/slide11.xml><?xml version="1.0" encoding="utf-8"?>
+<p:sld xmlns:a="http://schemas.openxmlformats.org/drawingml/2006/main" xmlns:r="http://schemas.openxmlformats.org/officeDocument/2006/relationships" xmlns:p="http://schemas.openxmlformats.org/presentationml/2006/main">
+  <p:cSld>
+    <p:spTree>
+      <p:nvGrpSpPr>
+        <p:cNvPr id="1" name=""/>
+        <p:cNvGrpSpPr/>
+        <p:nvPr/>
+      </p:nvGrpSpPr>
+      <p:grpSpPr>
+        <a:xfrm>
+          <a:off x="0" y="0"/>
+          <a:ext cx="0" cy="0"/>
+          <a:chOff x="0" y="0"/>
+          <a:chExt cx="0" cy="0"/>
+        </a:xfrm>
+      </p:grpSpPr>
+      <p:sp>
+        <p:nvSpPr>
+          <p:cNvPr id="2" name="Titre 1"/>
+          <p:cNvSpPr>
+            <a:spLocks noGrp="1"/>
+          </p:cNvSpPr>
+          <p:nvPr>
+            <p:ph type="title"/>
+          </p:nvPr>
+        </p:nvSpPr>
+        <p:spPr/>
+        <p:txBody>
+          <a:bodyPr/>
+          <a:lstStyle/>
+          <a:p>
+            <a:r>
+              <a:rPr lang="fr-CH" dirty="0">
+                <a:effectLst>
+                  <a:outerShdw blurRad="38100" dist="38100" dir="2700000" algn="tl">
+                    <a:srgbClr val="000000">
+                      <a:alpha val="43137"/>
+                    </a:srgbClr>
+                  </a:outerShdw>
+                </a:effectLst>
+              </a:rPr>
+              <a:t>Implémentation CPNV</a:t>
+            </a:r>
+          </a:p>
+        </p:txBody>
+      </p:sp>
+      <p:pic>
+        <p:nvPicPr>
+          <p:cNvPr id="7" name="Espace réservé du contenu 6"/>
+          <p:cNvPicPr>
+            <a:picLocks noGrp="1" noChangeAspect="1"/>
+          </p:cNvPicPr>
+          <p:nvPr>
+            <p:ph idx="1"/>
+          </p:nvPr>
+        </p:nvPicPr>
+        <p:blipFill>
+          <a:blip r:embed="rId3">
+            <a:extLst>
+              <a:ext uri="{28A0092B-C50C-407E-A947-70E740481C1C}">
+                <a14:useLocalDpi xmlns:a14="http://schemas.microsoft.com/office/drawing/2010/main" val="0"/>
+              </a:ext>
+            </a:extLst>
+          </a:blip>
+          <a:stretch>
+            <a:fillRect/>
+          </a:stretch>
+        </p:blipFill>
+        <p:spPr>
+          <a:xfrm>
+            <a:off x="739471" y="1152983"/>
+            <a:ext cx="7474410" cy="3818030"/>
+          </a:xfrm>
+          <a:ln>
+            <a:solidFill>
+              <a:schemeClr val="accent1">
+                <a:lumMod val="50000"/>
+              </a:schemeClr>
+            </a:solidFill>
+          </a:ln>
+        </p:spPr>
+      </p:pic>
+      <p:sp>
+        <p:nvSpPr>
+          <p:cNvPr id="4" name="Espace réservé du pied de page 3"/>
+          <p:cNvSpPr>
+            <a:spLocks noGrp="1"/>
+          </p:cNvSpPr>
+          <p:nvPr>
+            <p:ph type="ftr" sz="quarter" idx="11"/>
+          </p:nvPr>
+        </p:nvSpPr>
+        <p:spPr/>
+        <p:txBody>
+          <a:bodyPr/>
+          <a:lstStyle/>
+          <a:p>
+            <a:r>
+              <a:rPr lang="fr-CH" dirty="0"/>
+              <a:t>Damien Mayor</a:t>
+            </a:r>
+          </a:p>
+        </p:txBody>
+      </p:sp>
+      <p:sp>
+        <p:nvSpPr>
+          <p:cNvPr id="5" name="Espace réservé du numéro de diapositive 4"/>
+          <p:cNvSpPr>
+            <a:spLocks noGrp="1"/>
+          </p:cNvSpPr>
+          <p:nvPr>
+            <p:ph type="sldNum" sz="quarter" idx="12"/>
+          </p:nvPr>
+        </p:nvSpPr>
+        <p:spPr/>
+        <p:txBody>
+          <a:bodyPr/>
+          <a:lstStyle/>
+          <a:p>
+            <a:fld id="{2FCD9DE2-19B8-4E75-A167-0E6B1D03D668}" type="slidenum">
+              <a:rPr lang="fr-CH">
+                <a:solidFill>
+                  <a:srgbClr val="C00000"/>
+                </a:solidFill>
+                <a:effectLst>
+                  <a:outerShdw blurRad="38100" dist="38100" dir="2700000" algn="tl">
+                    <a:srgbClr val="000000">
+                      <a:alpha val="43137"/>
+                    </a:srgbClr>
+                  </a:outerShdw>
+                </a:effectLst>
+              </a:rPr>
+              <a:pPr/>
+              <a:t>11</a:t>
+            </a:fld>
+            <a:endParaRPr lang="fr-CH" dirty="0">
+              <a:solidFill>
+                <a:srgbClr val="C00000"/>
+              </a:solidFill>
+              <a:effectLst>
+                <a:outerShdw blurRad="38100" dist="38100" dir="2700000" algn="tl">
+                  <a:srgbClr val="000000">
+                    <a:alpha val="43137"/>
+                  </a:srgbClr>
+                </a:outerShdw>
+              </a:effectLst>
+            </a:endParaRPr>
+          </a:p>
+        </p:txBody>
+      </p:sp>
+      <p:pic>
+        <p:nvPicPr>
           <p:cNvPr id="8" name="Image 7"/>
           <p:cNvPicPr>
             <a:picLocks noChangeAspect="1"/>
@@ -12250,7 +12816,7 @@
         </p:blipFill>
         <p:spPr>
           <a:xfrm>
-            <a:off x="8289042" y="2749778"/>
+            <a:off x="8249287" y="2749778"/>
             <a:ext cx="3902958" cy="2374483"/>
           </a:xfrm>
           <a:prstGeom prst="rect">
@@ -12286,7 +12852,7 @@
         </p:blipFill>
         <p:spPr>
           <a:xfrm>
-            <a:off x="8716495" y="4541929"/>
+            <a:off x="8684682" y="4510125"/>
             <a:ext cx="3475505" cy="2316071"/>
           </a:xfrm>
           <a:prstGeom prst="rect">
@@ -12406,7 +12972,7 @@
 </p:sld>
 </file>
 
-<file path=ppt/slides/slide11.xml><?xml version="1.0" encoding="utf-8"?>
+<file path=ppt/slides/slide12.xml><?xml version="1.0" encoding="utf-8"?>
 <p:sld xmlns:a="http://schemas.openxmlformats.org/drawingml/2006/main" xmlns:r="http://schemas.openxmlformats.org/officeDocument/2006/relationships" xmlns:p="http://schemas.openxmlformats.org/presentationml/2006/main">
   <p:cSld>
     <p:spTree>
@@ -12439,6 +13005,259 @@
           <a:lstStyle/>
           <a:p>
             <a:r>
+              <a:rPr lang="fr-CH" dirty="0">
+                <a:effectLst>
+                  <a:outerShdw blurRad="38100" dist="38100" dir="2700000" algn="tl">
+                    <a:srgbClr val="000000">
+                      <a:alpha val="43137"/>
+                    </a:srgbClr>
+                  </a:outerShdw>
+                </a:effectLst>
+              </a:rPr>
+              <a:t>Challenges rencontrés</a:t>
+            </a:r>
+          </a:p>
+        </p:txBody>
+      </p:sp>
+      <p:sp>
+        <p:nvSpPr>
+          <p:cNvPr id="3" name="Espace réservé du contenu 2"/>
+          <p:cNvSpPr>
+            <a:spLocks noGrp="1"/>
+          </p:cNvSpPr>
+          <p:nvPr>
+            <p:ph idx="1"/>
+          </p:nvPr>
+        </p:nvSpPr>
+        <p:spPr>
+          <a:xfrm>
+            <a:off x="6979326" y="1853248"/>
+            <a:ext cx="3611811" cy="4195481"/>
+          </a:xfrm>
+        </p:spPr>
+        <p:txBody>
+          <a:bodyPr/>
+          <a:lstStyle/>
+          <a:p>
+            <a:r>
+              <a:rPr lang="fr-CH" dirty="0"/>
+              <a:t>Planification initiale</a:t>
+            </a:r>
+          </a:p>
+          <a:p>
+            <a:pPr marL="0" indent="0">
+              <a:buNone/>
+            </a:pPr>
+            <a:endParaRPr lang="fr-CH" dirty="0"/>
+          </a:p>
+          <a:p>
+            <a:r>
+              <a:rPr lang="fr-CH" dirty="0"/>
+              <a:t>VDOMs</a:t>
+            </a:r>
+          </a:p>
+          <a:p>
+            <a:endParaRPr lang="fr-CH" dirty="0"/>
+          </a:p>
+          <a:p>
+            <a:r>
+              <a:rPr lang="fr-CH" dirty="0"/>
+              <a:t>Routage: -14pts</a:t>
+            </a:r>
+          </a:p>
+          <a:p>
+            <a:pPr marL="0" indent="0">
+              <a:buNone/>
+            </a:pPr>
+            <a:endParaRPr lang="fr-CH" dirty="0"/>
+          </a:p>
+          <a:p>
+            <a:r>
+              <a:rPr lang="fr-CH" dirty="0"/>
+              <a:t>FortiOS joueur</a:t>
+            </a:r>
+          </a:p>
+          <a:p>
+            <a:pPr marL="0" indent="0">
+              <a:buNone/>
+            </a:pPr>
+            <a:endParaRPr lang="fr-CH" dirty="0"/>
+          </a:p>
+          <a:p>
+            <a:r>
+              <a:rPr lang="fr-CH" dirty="0"/>
+              <a:t>Tunnels pas alignés</a:t>
+            </a:r>
+          </a:p>
+          <a:p>
+            <a:endParaRPr lang="fr-CH" dirty="0"/>
+          </a:p>
+          <a:p>
+            <a:endParaRPr lang="fr-CH" dirty="0"/>
+          </a:p>
+        </p:txBody>
+      </p:sp>
+      <p:sp>
+        <p:nvSpPr>
+          <p:cNvPr id="4" name="Espace réservé du pied de page 3"/>
+          <p:cNvSpPr>
+            <a:spLocks noGrp="1"/>
+          </p:cNvSpPr>
+          <p:nvPr>
+            <p:ph type="ftr" sz="quarter" idx="11"/>
+          </p:nvPr>
+        </p:nvSpPr>
+        <p:spPr/>
+        <p:txBody>
+          <a:bodyPr/>
+          <a:lstStyle/>
+          <a:p>
+            <a:r>
+              <a:rPr lang="fr-CH" dirty="0"/>
+              <a:t>Damien Mayor</a:t>
+            </a:r>
+          </a:p>
+        </p:txBody>
+      </p:sp>
+      <p:sp>
+        <p:nvSpPr>
+          <p:cNvPr id="5" name="Espace réservé du numéro de diapositive 4"/>
+          <p:cNvSpPr>
+            <a:spLocks noGrp="1"/>
+          </p:cNvSpPr>
+          <p:nvPr>
+            <p:ph type="sldNum" sz="quarter" idx="12"/>
+          </p:nvPr>
+        </p:nvSpPr>
+        <p:spPr/>
+        <p:txBody>
+          <a:bodyPr/>
+          <a:lstStyle/>
+          <a:p>
+            <a:fld id="{2FCD9DE2-19B8-4E75-A167-0E6B1D03D668}" type="slidenum">
+              <a:rPr lang="fr-CH">
+                <a:solidFill>
+                  <a:srgbClr val="C00000"/>
+                </a:solidFill>
+                <a:effectLst>
+                  <a:outerShdw blurRad="38100" dist="38100" dir="2700000" algn="tl">
+                    <a:srgbClr val="000000">
+                      <a:alpha val="43137"/>
+                    </a:srgbClr>
+                  </a:outerShdw>
+                </a:effectLst>
+              </a:rPr>
+              <a:pPr/>
+              <a:t>12</a:t>
+            </a:fld>
+            <a:endParaRPr lang="fr-CH" dirty="0">
+              <a:solidFill>
+                <a:srgbClr val="C00000"/>
+              </a:solidFill>
+              <a:effectLst>
+                <a:outerShdw blurRad="38100" dist="38100" dir="2700000" algn="tl">
+                  <a:srgbClr val="000000">
+                    <a:alpha val="43137"/>
+                  </a:srgbClr>
+                </a:outerShdw>
+              </a:effectLst>
+            </a:endParaRPr>
+          </a:p>
+        </p:txBody>
+      </p:sp>
+      <p:pic>
+        <p:nvPicPr>
+          <p:cNvPr id="2050" name="Picture 2">
+            <a:extLst>
+              <a:ext uri="{FF2B5EF4-FFF2-40B4-BE49-F238E27FC236}">
+                <a16:creationId xmlns:a16="http://schemas.microsoft.com/office/drawing/2014/main" id="{E94ABB63-655D-9626-6F82-918AE6AEC483}"/>
+              </a:ext>
+            </a:extLst>
+          </p:cNvPr>
+          <p:cNvPicPr>
+            <a:picLocks noChangeAspect="1" noChangeArrowheads="1"/>
+          </p:cNvPicPr>
+          <p:nvPr/>
+        </p:nvPicPr>
+        <p:blipFill>
+          <a:blip r:embed="rId2">
+            <a:extLst>
+              <a:ext uri="{28A0092B-C50C-407E-A947-70E740481C1C}">
+                <a14:useLocalDpi xmlns:a14="http://schemas.microsoft.com/office/drawing/2010/main" val="0"/>
+              </a:ext>
+            </a:extLst>
+          </a:blip>
+          <a:srcRect/>
+          <a:stretch>
+            <a:fillRect/>
+          </a:stretch>
+        </p:blipFill>
+        <p:spPr bwMode="auto">
+          <a:xfrm>
+            <a:off x="646111" y="1447800"/>
+            <a:ext cx="4642285" cy="4887692"/>
+          </a:xfrm>
+          <a:prstGeom prst="rect">
+            <a:avLst/>
+          </a:prstGeom>
+          <a:noFill/>
+          <a:extLst>
+            <a:ext uri="{909E8E84-426E-40DD-AFC4-6F175D3DCCD1}">
+              <a14:hiddenFill xmlns:a14="http://schemas.microsoft.com/office/drawing/2010/main">
+                <a:solidFill>
+                  <a:srgbClr val="FFFFFF"/>
+                </a:solidFill>
+              </a14:hiddenFill>
+            </a:ext>
+          </a:extLst>
+        </p:spPr>
+      </p:pic>
+    </p:spTree>
+    <p:extLst>
+      <p:ext uri="{BB962C8B-B14F-4D97-AF65-F5344CB8AC3E}">
+        <p14:creationId xmlns:p14="http://schemas.microsoft.com/office/powerpoint/2010/main" val="2761578671"/>
+      </p:ext>
+    </p:extLst>
+  </p:cSld>
+  <p:clrMapOvr>
+    <a:masterClrMapping/>
+  </p:clrMapOvr>
+</p:sld>
+</file>
+
+<file path=ppt/slides/slide13.xml><?xml version="1.0" encoding="utf-8"?>
+<p:sld xmlns:a="http://schemas.openxmlformats.org/drawingml/2006/main" xmlns:r="http://schemas.openxmlformats.org/officeDocument/2006/relationships" xmlns:p="http://schemas.openxmlformats.org/presentationml/2006/main">
+  <p:cSld>
+    <p:spTree>
+      <p:nvGrpSpPr>
+        <p:cNvPr id="1" name=""/>
+        <p:cNvGrpSpPr/>
+        <p:nvPr/>
+      </p:nvGrpSpPr>
+      <p:grpSpPr>
+        <a:xfrm>
+          <a:off x="0" y="0"/>
+          <a:ext cx="0" cy="0"/>
+          <a:chOff x="0" y="0"/>
+          <a:chExt cx="0" cy="0"/>
+        </a:xfrm>
+      </p:grpSpPr>
+      <p:sp>
+        <p:nvSpPr>
+          <p:cNvPr id="2" name="Titre 1"/>
+          <p:cNvSpPr>
+            <a:spLocks noGrp="1"/>
+          </p:cNvSpPr>
+          <p:nvPr>
+            <p:ph type="title"/>
+          </p:nvPr>
+        </p:nvSpPr>
+        <p:spPr/>
+        <p:txBody>
+          <a:bodyPr/>
+          <a:lstStyle/>
+          <a:p>
+            <a:r>
               <a:rPr lang="fr-CH" strike="sngStrike" dirty="0">
                 <a:effectLst>
                   <a:outerShdw blurRad="38100" dist="38100" dir="2700000" algn="tl">
@@ -12487,7 +13306,7 @@
           <a:p>
             <a:r>
               <a:rPr lang="fr-CH" dirty="0"/>
-              <a:t>Fixer les adresses IP selon plan du CPNV</a:t>
+              <a:t>Mise en place logique permanente</a:t>
             </a:r>
           </a:p>
           <a:p>
@@ -12514,7 +13333,7 @@
           <a:p>
             <a:r>
               <a:rPr lang="fr-CH" dirty="0"/>
-              <a:t>Intégration dans le module 146</a:t>
+              <a:t>Intégration avec le module 146</a:t>
             </a:r>
           </a:p>
           <a:p>
@@ -12576,7 +13395,7 @@
                   </a:outerShdw>
                 </a:effectLst>
               </a:rPr>
-              <a:t>11</a:t>
+              <a:t>13</a:t>
             </a:fld>
             <a:endParaRPr lang="fr-CH" dirty="0">
               <a:solidFill>
@@ -12626,633 +13445,61 @@
           </a:fontRef>
         </p:style>
       </p:cxnSp>
-    </p:spTree>
-    <p:extLst>
-      <p:ext uri="{BB962C8B-B14F-4D97-AF65-F5344CB8AC3E}">
-        <p14:creationId xmlns:p14="http://schemas.microsoft.com/office/powerpoint/2010/main" val="2742412165"/>
-      </p:ext>
-    </p:extLst>
-  </p:cSld>
-  <p:clrMapOvr>
-    <a:masterClrMapping/>
-  </p:clrMapOvr>
-</p:sld>
-</file>
-
-<file path=ppt/slides/slide12.xml><?xml version="1.0" encoding="utf-8"?>
-<p:sld xmlns:a="http://schemas.openxmlformats.org/drawingml/2006/main" xmlns:r="http://schemas.openxmlformats.org/officeDocument/2006/relationships" xmlns:p="http://schemas.openxmlformats.org/presentationml/2006/main">
-  <p:cSld>
-    <p:spTree>
-      <p:nvGrpSpPr>
-        <p:cNvPr id="1" name=""/>
-        <p:cNvGrpSpPr/>
-        <p:nvPr/>
-      </p:nvGrpSpPr>
-      <p:grpSpPr>
-        <a:xfrm>
-          <a:off x="0" y="0"/>
-          <a:ext cx="0" cy="0"/>
-          <a:chOff x="0" y="0"/>
-          <a:chExt cx="0" cy="0"/>
-        </a:xfrm>
-      </p:grpSpPr>
-      <p:sp>
-        <p:nvSpPr>
-          <p:cNvPr id="2" name="Titre 1"/>
-          <p:cNvSpPr>
-            <a:spLocks noGrp="1"/>
-          </p:cNvSpPr>
-          <p:nvPr>
-            <p:ph type="title"/>
-          </p:nvPr>
-        </p:nvSpPr>
-        <p:spPr/>
-        <p:txBody>
-          <a:bodyPr/>
-          <a:lstStyle/>
-          <a:p>
-            <a:r>
-              <a:rPr lang="fr-CH" dirty="0"/>
-              <a:t>Challenges rencontrés</a:t>
-            </a:r>
-          </a:p>
-        </p:txBody>
-      </p:sp>
-      <p:sp>
-        <p:nvSpPr>
-          <p:cNvPr id="3" name="Espace réservé du contenu 2"/>
-          <p:cNvSpPr>
-            <a:spLocks noGrp="1"/>
-          </p:cNvSpPr>
-          <p:nvPr>
-            <p:ph idx="1"/>
-          </p:nvPr>
-        </p:nvSpPr>
-        <p:spPr/>
-        <p:txBody>
-          <a:bodyPr/>
-          <a:lstStyle/>
-          <a:p>
-            <a:r>
-              <a:rPr lang="fr-CH" dirty="0"/>
-              <a:t>Planification initiale</a:t>
-            </a:r>
-          </a:p>
-          <a:p>
-            <a:pPr marL="0" indent="0">
-              <a:buNone/>
-            </a:pPr>
-            <a:endParaRPr lang="fr-CH" dirty="0"/>
-          </a:p>
-          <a:p>
-            <a:r>
-              <a:rPr lang="fr-CH" dirty="0"/>
-              <a:t>VDOMs</a:t>
-            </a:r>
-          </a:p>
-          <a:p>
-            <a:pPr marL="0" indent="0">
-              <a:buNone/>
-            </a:pPr>
-            <a:endParaRPr lang="fr-CH" dirty="0"/>
-          </a:p>
-          <a:p>
-            <a:r>
-              <a:rPr lang="fr-CH" dirty="0"/>
-              <a:t>GUI volatil</a:t>
-            </a:r>
-          </a:p>
-          <a:p>
-            <a:pPr marL="0" indent="0">
-              <a:buNone/>
-            </a:pPr>
-            <a:endParaRPr lang="fr-CH" dirty="0"/>
-          </a:p>
-          <a:p>
-            <a:r>
-              <a:rPr lang="fr-CH" dirty="0"/>
-              <a:t>Tunnels pas alignés</a:t>
-            </a:r>
-          </a:p>
-          <a:p>
-            <a:endParaRPr lang="fr-CH" dirty="0"/>
-          </a:p>
-          <a:p>
-            <a:endParaRPr lang="fr-CH" dirty="0"/>
-          </a:p>
-        </p:txBody>
-      </p:sp>
-      <p:sp>
-        <p:nvSpPr>
-          <p:cNvPr id="4" name="Espace réservé du pied de page 3"/>
-          <p:cNvSpPr>
-            <a:spLocks noGrp="1"/>
-          </p:cNvSpPr>
-          <p:nvPr>
-            <p:ph type="ftr" sz="quarter" idx="11"/>
-          </p:nvPr>
-        </p:nvSpPr>
-        <p:spPr/>
-        <p:txBody>
-          <a:bodyPr/>
-          <a:lstStyle/>
-          <a:p>
-            <a:r>
-              <a:rPr lang="fr-CH" dirty="0"/>
-              <a:t>Damien Mayor</a:t>
-            </a:r>
-          </a:p>
-        </p:txBody>
-      </p:sp>
-      <p:sp>
-        <p:nvSpPr>
-          <p:cNvPr id="5" name="Espace réservé du numéro de diapositive 4"/>
-          <p:cNvSpPr>
-            <a:spLocks noGrp="1"/>
-          </p:cNvSpPr>
-          <p:nvPr>
-            <p:ph type="sldNum" sz="quarter" idx="12"/>
-          </p:nvPr>
-        </p:nvSpPr>
-        <p:spPr/>
-        <p:txBody>
-          <a:bodyPr/>
-          <a:lstStyle/>
-          <a:p>
-            <a:fld id="{2FCD9DE2-19B8-4E75-A167-0E6B1D03D668}" type="slidenum">
-              <a:rPr lang="fr-CH">
-                <a:solidFill>
-                  <a:srgbClr val="C00000"/>
-                </a:solidFill>
-                <a:effectLst>
-                  <a:outerShdw blurRad="38100" dist="38100" dir="2700000" algn="tl">
-                    <a:srgbClr val="000000">
-                      <a:alpha val="43137"/>
-                    </a:srgbClr>
-                  </a:outerShdw>
-                </a:effectLst>
-              </a:rPr>
-              <a:pPr/>
-              <a:t>12</a:t>
-            </a:fld>
-            <a:endParaRPr lang="fr-CH" dirty="0">
-              <a:solidFill>
-                <a:srgbClr val="C00000"/>
-              </a:solidFill>
-              <a:effectLst>
-                <a:outerShdw blurRad="38100" dist="38100" dir="2700000" algn="tl">
-                  <a:srgbClr val="000000">
-                    <a:alpha val="43137"/>
-                  </a:srgbClr>
-                </a:outerShdw>
-              </a:effectLst>
-            </a:endParaRPr>
-          </a:p>
-        </p:txBody>
-      </p:sp>
-    </p:spTree>
-    <p:extLst>
-      <p:ext uri="{BB962C8B-B14F-4D97-AF65-F5344CB8AC3E}">
-        <p14:creationId xmlns:p14="http://schemas.microsoft.com/office/powerpoint/2010/main" val="2761578671"/>
-      </p:ext>
-    </p:extLst>
-  </p:cSld>
-  <p:clrMapOvr>
-    <a:masterClrMapping/>
-  </p:clrMapOvr>
-</p:sld>
-</file>
-
-<file path=ppt/slides/slide13.xml><?xml version="1.0" encoding="utf-8"?>
-<p:sld xmlns:a="http://schemas.openxmlformats.org/drawingml/2006/main" xmlns:r="http://schemas.openxmlformats.org/officeDocument/2006/relationships" xmlns:p="http://schemas.openxmlformats.org/presentationml/2006/main">
-  <p:cSld>
-    <p:spTree>
-      <p:nvGrpSpPr>
-        <p:cNvPr id="1" name=""/>
-        <p:cNvGrpSpPr/>
-        <p:nvPr/>
-      </p:nvGrpSpPr>
-      <p:grpSpPr>
-        <a:xfrm>
-          <a:off x="0" y="0"/>
-          <a:ext cx="0" cy="0"/>
-          <a:chOff x="0" y="0"/>
-          <a:chExt cx="0" cy="0"/>
-        </a:xfrm>
-      </p:grpSpPr>
-      <p:sp>
-        <p:nvSpPr>
-          <p:cNvPr id="2" name="Titre 1"/>
-          <p:cNvSpPr>
-            <a:spLocks noGrp="1"/>
-          </p:cNvSpPr>
-          <p:nvPr>
-            <p:ph type="title"/>
-          </p:nvPr>
-        </p:nvSpPr>
-        <p:spPr/>
-        <p:txBody>
-          <a:bodyPr/>
-          <a:lstStyle/>
-          <a:p>
-            <a:r>
-              <a:rPr lang="fr-CH" dirty="0">
-                <a:effectLst>
-                  <a:outerShdw blurRad="38100" dist="38100" dir="2700000" algn="tl">
-                    <a:srgbClr val="000000">
-                      <a:alpha val="43137"/>
-                    </a:srgbClr>
-                  </a:outerShdw>
-                </a:effectLst>
-              </a:rPr>
-              <a:t>Conclusion &amp; retour personnel</a:t>
-            </a:r>
-          </a:p>
-        </p:txBody>
-      </p:sp>
-      <p:sp>
-        <p:nvSpPr>
-          <p:cNvPr id="4" name="Espace réservé du pied de page 3"/>
-          <p:cNvSpPr>
-            <a:spLocks noGrp="1"/>
-          </p:cNvSpPr>
-          <p:nvPr>
-            <p:ph type="ftr" sz="quarter" idx="11"/>
-          </p:nvPr>
-        </p:nvSpPr>
-        <p:spPr/>
-        <p:txBody>
-          <a:bodyPr/>
-          <a:lstStyle/>
-          <a:p>
-            <a:r>
-              <a:rPr lang="fr-CH" dirty="0"/>
-              <a:t>Damien Mayor</a:t>
-            </a:r>
-          </a:p>
-        </p:txBody>
-      </p:sp>
-      <p:sp>
-        <p:nvSpPr>
-          <p:cNvPr id="5" name="Espace réservé du numéro de diapositive 4"/>
-          <p:cNvSpPr>
-            <a:spLocks noGrp="1"/>
-          </p:cNvSpPr>
-          <p:nvPr>
-            <p:ph type="sldNum" sz="quarter" idx="12"/>
-          </p:nvPr>
-        </p:nvSpPr>
-        <p:spPr/>
-        <p:txBody>
-          <a:bodyPr/>
-          <a:lstStyle/>
-          <a:p>
-            <a:fld id="{2FCD9DE2-19B8-4E75-A167-0E6B1D03D668}" type="slidenum">
-              <a:rPr lang="fr-CH" smtClean="0">
-                <a:solidFill>
-                  <a:srgbClr val="C00000"/>
-                </a:solidFill>
-                <a:effectLst>
-                  <a:outerShdw blurRad="38100" dist="38100" dir="2700000" algn="tl">
-                    <a:srgbClr val="000000">
-                      <a:alpha val="43137"/>
-                    </a:srgbClr>
-                  </a:outerShdw>
-                </a:effectLst>
-              </a:rPr>
-              <a:t>13</a:t>
-            </a:fld>
-            <a:endParaRPr lang="fr-CH" dirty="0">
-              <a:solidFill>
-                <a:srgbClr val="C00000"/>
-              </a:solidFill>
-              <a:effectLst>
-                <a:outerShdw blurRad="38100" dist="38100" dir="2700000" algn="tl">
-                  <a:srgbClr val="000000">
-                    <a:alpha val="43137"/>
-                  </a:srgbClr>
-                </a:outerShdw>
-              </a:effectLst>
-            </a:endParaRPr>
-          </a:p>
-        </p:txBody>
-      </p:sp>
-      <p:sp>
-        <p:nvSpPr>
-          <p:cNvPr id="3" name="Espace réservé du contenu 2">
+      <p:pic>
+        <p:nvPicPr>
+          <p:cNvPr id="7" name="Image 6">
             <a:extLst>
               <a:ext uri="{FF2B5EF4-FFF2-40B4-BE49-F238E27FC236}">
-                <a16:creationId xmlns:a16="http://schemas.microsoft.com/office/drawing/2014/main" id="{E39F12B9-20EB-C05A-57A0-E4EFD9B138AD}"/>
+                <a16:creationId xmlns:a16="http://schemas.microsoft.com/office/drawing/2014/main" id="{BD3003B1-1E4F-7BA7-201C-9A7D02AAA301}"/>
               </a:ext>
             </a:extLst>
           </p:cNvPr>
-          <p:cNvSpPr txBox="1">
-            <a:spLocks/>
-          </p:cNvSpPr>
+          <p:cNvPicPr>
+            <a:picLocks noChangeAspect="1"/>
+          </p:cNvPicPr>
           <p:nvPr/>
-        </p:nvSpPr>
+        </p:nvPicPr>
+        <p:blipFill>
+          <a:blip r:embed="rId2" cstate="print">
+            <a:extLst>
+              <a:ext uri="{BEBA8EAE-BF5A-486C-A8C5-ECC9F3942E4B}">
+                <a14:imgProps xmlns:a14="http://schemas.microsoft.com/office/drawing/2010/main">
+                  <a14:imgLayer r:embed="rId3">
+                    <a14:imgEffect>
+                      <a14:backgroundRemoval t="9728" b="90467" l="2326" r="97442">
+                        <a14:foregroundMark x1="93876" y1="40661" x2="93876" y2="40661"/>
+                        <a14:foregroundMark x1="97442" y1="52140" x2="97442" y2="52140"/>
+                        <a14:foregroundMark x1="7674" y1="59339" x2="7674" y2="59339"/>
+                        <a14:foregroundMark x1="2326" y1="57588" x2="2326" y2="57588"/>
+                        <a14:foregroundMark x1="15426" y1="90467" x2="15426" y2="90467"/>
+                      </a14:backgroundRemoval>
+                    </a14:imgEffect>
+                  </a14:imgLayer>
+                </a14:imgProps>
+              </a:ext>
+              <a:ext uri="{28A0092B-C50C-407E-A947-70E740481C1C}">
+                <a14:useLocalDpi xmlns:a14="http://schemas.microsoft.com/office/drawing/2010/main" val="0"/>
+              </a:ext>
+            </a:extLst>
+          </a:blip>
+          <a:stretch>
+            <a:fillRect/>
+          </a:stretch>
+        </p:blipFill>
         <p:spPr>
           <a:xfrm>
-            <a:off x="646112" y="1631574"/>
-            <a:ext cx="8839634" cy="1201559"/>
+            <a:off x="7142339" y="3034793"/>
+            <a:ext cx="2260533" cy="900708"/>
           </a:xfrm>
           <a:prstGeom prst="rect">
             <a:avLst/>
           </a:prstGeom>
         </p:spPr>
-        <p:txBody>
-          <a:bodyPr vert="horz" lIns="91440" tIns="45720" rIns="91440" bIns="45720" rtlCol="0">
-            <a:normAutofit/>
-          </a:bodyPr>
-          <a:lstStyle>
-            <a:lvl1pPr marL="342900" indent="-342900" algn="l" defTabSz="457200" rtl="0" eaLnBrk="1" latinLnBrk="0" hangingPunct="1">
-              <a:spcBef>
-                <a:spcPts val="1000"/>
-              </a:spcBef>
-              <a:spcAft>
-                <a:spcPts val="0"/>
-              </a:spcAft>
-              <a:buClr>
-                <a:schemeClr val="accent1"/>
-              </a:buClr>
-              <a:buSzPct val="80000"/>
-              <a:buFont typeface="Wingdings 3" charset="2"/>
-              <a:buChar char=""/>
-              <a:defRPr sz="2000" b="0" i="0" kern="1200">
-                <a:solidFill>
-                  <a:schemeClr val="tx1"/>
-                </a:solidFill>
-                <a:latin typeface="+mj-lt"/>
-                <a:ea typeface="+mj-ea"/>
-                <a:cs typeface="+mj-cs"/>
-              </a:defRPr>
-            </a:lvl1pPr>
-            <a:lvl2pPr marL="742950" indent="-285750" algn="l" defTabSz="457200" rtl="0" eaLnBrk="1" latinLnBrk="0" hangingPunct="1">
-              <a:spcBef>
-                <a:spcPts val="1000"/>
-              </a:spcBef>
-              <a:spcAft>
-                <a:spcPts val="0"/>
-              </a:spcAft>
-              <a:buClr>
-                <a:schemeClr val="accent1"/>
-              </a:buClr>
-              <a:buSzPct val="80000"/>
-              <a:buFont typeface="Wingdings 3" charset="2"/>
-              <a:buChar char=""/>
-              <a:defRPr sz="1800" b="0" i="0" kern="1200">
-                <a:solidFill>
-                  <a:schemeClr val="tx1"/>
-                </a:solidFill>
-                <a:latin typeface="+mj-lt"/>
-                <a:ea typeface="+mj-ea"/>
-                <a:cs typeface="+mj-cs"/>
-              </a:defRPr>
-            </a:lvl2pPr>
-            <a:lvl3pPr marL="1143000" indent="-228600" algn="l" defTabSz="457200" rtl="0" eaLnBrk="1" latinLnBrk="0" hangingPunct="1">
-              <a:spcBef>
-                <a:spcPts val="1000"/>
-              </a:spcBef>
-              <a:spcAft>
-                <a:spcPts val="0"/>
-              </a:spcAft>
-              <a:buClr>
-                <a:schemeClr val="accent1"/>
-              </a:buClr>
-              <a:buSzPct val="80000"/>
-              <a:buFont typeface="Wingdings 3" charset="2"/>
-              <a:buChar char=""/>
-              <a:defRPr sz="1600" b="0" i="0" kern="1200">
-                <a:solidFill>
-                  <a:schemeClr val="tx1"/>
-                </a:solidFill>
-                <a:latin typeface="+mj-lt"/>
-                <a:ea typeface="+mj-ea"/>
-                <a:cs typeface="+mj-cs"/>
-              </a:defRPr>
-            </a:lvl3pPr>
-            <a:lvl4pPr marL="1600200" indent="-228600" algn="l" defTabSz="457200" rtl="0" eaLnBrk="1" latinLnBrk="0" hangingPunct="1">
-              <a:spcBef>
-                <a:spcPts val="1000"/>
-              </a:spcBef>
-              <a:spcAft>
-                <a:spcPts val="0"/>
-              </a:spcAft>
-              <a:buClr>
-                <a:schemeClr val="accent1"/>
-              </a:buClr>
-              <a:buSzPct val="80000"/>
-              <a:buFont typeface="Wingdings 3" charset="2"/>
-              <a:buChar char=""/>
-              <a:defRPr sz="1400" b="0" i="0" kern="1200">
-                <a:solidFill>
-                  <a:schemeClr val="tx1"/>
-                </a:solidFill>
-                <a:latin typeface="+mj-lt"/>
-                <a:ea typeface="+mj-ea"/>
-                <a:cs typeface="+mj-cs"/>
-              </a:defRPr>
-            </a:lvl4pPr>
-            <a:lvl5pPr marL="2057400" indent="-228600" algn="l" defTabSz="457200" rtl="0" eaLnBrk="1" latinLnBrk="0" hangingPunct="1">
-              <a:spcBef>
-                <a:spcPts val="1000"/>
-              </a:spcBef>
-              <a:spcAft>
-                <a:spcPts val="0"/>
-              </a:spcAft>
-              <a:buClr>
-                <a:schemeClr val="accent1"/>
-              </a:buClr>
-              <a:buSzPct val="80000"/>
-              <a:buFont typeface="Wingdings 3" charset="2"/>
-              <a:buChar char=""/>
-              <a:defRPr sz="1400" b="0" i="0" kern="1200">
-                <a:solidFill>
-                  <a:schemeClr val="tx1"/>
-                </a:solidFill>
-                <a:latin typeface="+mj-lt"/>
-                <a:ea typeface="+mj-ea"/>
-                <a:cs typeface="+mj-cs"/>
-              </a:defRPr>
-            </a:lvl5pPr>
-            <a:lvl6pPr marL="2514600" indent="-228600" algn="l" defTabSz="457200" rtl="0" eaLnBrk="1" latinLnBrk="0" hangingPunct="1">
-              <a:spcBef>
-                <a:spcPts val="1000"/>
-              </a:spcBef>
-              <a:spcAft>
-                <a:spcPts val="0"/>
-              </a:spcAft>
-              <a:buClr>
-                <a:schemeClr val="accent1"/>
-              </a:buClr>
-              <a:buSzPct val="80000"/>
-              <a:buFont typeface="Wingdings 3" charset="2"/>
-              <a:buChar char=""/>
-              <a:defRPr sz="1400" b="0" i="0" kern="1200">
-                <a:solidFill>
-                  <a:schemeClr val="tx1"/>
-                </a:solidFill>
-                <a:latin typeface="+mj-lt"/>
-                <a:ea typeface="+mj-ea"/>
-                <a:cs typeface="+mj-cs"/>
-              </a:defRPr>
-            </a:lvl6pPr>
-            <a:lvl7pPr marL="2971800" indent="-228600" algn="l" defTabSz="457200" rtl="0" eaLnBrk="1" latinLnBrk="0" hangingPunct="1">
-              <a:spcBef>
-                <a:spcPts val="1000"/>
-              </a:spcBef>
-              <a:spcAft>
-                <a:spcPts val="0"/>
-              </a:spcAft>
-              <a:buClr>
-                <a:schemeClr val="accent1"/>
-              </a:buClr>
-              <a:buSzPct val="80000"/>
-              <a:buFont typeface="Wingdings 3" charset="2"/>
-              <a:buChar char=""/>
-              <a:defRPr sz="1400" b="0" i="0" kern="1200">
-                <a:solidFill>
-                  <a:schemeClr val="tx1"/>
-                </a:solidFill>
-                <a:latin typeface="+mj-lt"/>
-                <a:ea typeface="+mj-ea"/>
-                <a:cs typeface="+mj-cs"/>
-              </a:defRPr>
-            </a:lvl7pPr>
-            <a:lvl8pPr marL="3429000" indent="-228600" algn="l" defTabSz="457200" rtl="0" eaLnBrk="1" latinLnBrk="0" hangingPunct="1">
-              <a:spcBef>
-                <a:spcPts val="1000"/>
-              </a:spcBef>
-              <a:spcAft>
-                <a:spcPts val="0"/>
-              </a:spcAft>
-              <a:buClr>
-                <a:schemeClr val="accent1"/>
-              </a:buClr>
-              <a:buSzPct val="80000"/>
-              <a:buFont typeface="Wingdings 3" charset="2"/>
-              <a:buChar char=""/>
-              <a:defRPr sz="1400" b="0" i="0" kern="1200">
-                <a:solidFill>
-                  <a:schemeClr val="tx1"/>
-                </a:solidFill>
-                <a:latin typeface="+mj-lt"/>
-                <a:ea typeface="+mj-ea"/>
-                <a:cs typeface="+mj-cs"/>
-              </a:defRPr>
-            </a:lvl8pPr>
-            <a:lvl9pPr marL="3886200" indent="-228600" algn="l" defTabSz="457200" rtl="0" eaLnBrk="1" latinLnBrk="0" hangingPunct="1">
-              <a:spcBef>
-                <a:spcPts val="1000"/>
-              </a:spcBef>
-              <a:spcAft>
-                <a:spcPts val="0"/>
-              </a:spcAft>
-              <a:buClr>
-                <a:schemeClr val="accent1"/>
-              </a:buClr>
-              <a:buSzPct val="80000"/>
-              <a:buFont typeface="Wingdings 3" charset="2"/>
-              <a:buChar char=""/>
-              <a:defRPr sz="1400" b="0" i="0" kern="1200">
-                <a:solidFill>
-                  <a:schemeClr val="tx1"/>
-                </a:solidFill>
-                <a:latin typeface="+mj-lt"/>
-                <a:ea typeface="+mj-ea"/>
-                <a:cs typeface="+mj-cs"/>
-              </a:defRPr>
-            </a:lvl9pPr>
-          </a:lstStyle>
-          <a:p>
-            <a:pPr marL="0" marR="0" lvl="0" indent="0" algn="l" defTabSz="457200" rtl="0" eaLnBrk="1" fontAlgn="auto" latinLnBrk="0" hangingPunct="1">
-              <a:lnSpc>
-                <a:spcPct val="100000"/>
-              </a:lnSpc>
-              <a:spcBef>
-                <a:spcPts val="1000"/>
-              </a:spcBef>
-              <a:spcAft>
-                <a:spcPts val="0"/>
-              </a:spcAft>
-              <a:buClr>
-                <a:srgbClr val="A5B592"/>
-              </a:buClr>
-              <a:buSzPct val="80000"/>
-              <a:buFont typeface="Wingdings 3" charset="2"/>
-              <a:buNone/>
-              <a:tabLst/>
-              <a:defRPr/>
-            </a:pPr>
-            <a:endParaRPr kumimoji="0" lang="fr-CH" sz="2000" b="0" i="0" u="none" strike="noStrike" kern="1200" cap="none" spc="0" normalizeH="0" baseline="0" noProof="0" dirty="0">
-              <a:ln>
-                <a:noFill/>
-              </a:ln>
-              <a:solidFill>
-                <a:prstClr val="white"/>
-              </a:solidFill>
-              <a:effectLst/>
-              <a:uLnTx/>
-              <a:uFillTx/>
-              <a:latin typeface="Adobe Devanagari" panose="02040503050201020203" pitchFamily="18" charset="0"/>
-              <a:ea typeface="+mj-ea"/>
-              <a:cs typeface="Adobe Devanagari" panose="02040503050201020203" pitchFamily="18" charset="0"/>
-            </a:endParaRPr>
-          </a:p>
-        </p:txBody>
-      </p:sp>
-      <p:sp>
-        <p:nvSpPr>
-          <p:cNvPr id="9" name="Espace réservé du contenu 2">
-            <a:extLst>
-              <a:ext uri="{FF2B5EF4-FFF2-40B4-BE49-F238E27FC236}">
-                <a16:creationId xmlns:a16="http://schemas.microsoft.com/office/drawing/2014/main" id="{3E084FC4-3368-D2C6-C983-3E4ED4245484}"/>
-              </a:ext>
-            </a:extLst>
-          </p:cNvPr>
-          <p:cNvSpPr>
-            <a:spLocks noGrp="1"/>
-          </p:cNvSpPr>
-          <p:nvPr>
-            <p:ph idx="1"/>
-          </p:nvPr>
-        </p:nvSpPr>
-        <p:spPr>
-          <a:xfrm>
-            <a:off x="1103312" y="2052918"/>
-            <a:ext cx="8946541" cy="1869377"/>
-          </a:xfrm>
-        </p:spPr>
-        <p:txBody>
-          <a:bodyPr/>
-          <a:lstStyle/>
-          <a:p>
-            <a:r>
-              <a:rPr lang="fr-CH" dirty="0"/>
-              <a:t>1</a:t>
-            </a:r>
-          </a:p>
-          <a:p>
-            <a:r>
-              <a:rPr lang="fr-CH" dirty="0"/>
-              <a:t>2</a:t>
-            </a:r>
-          </a:p>
-          <a:p>
-            <a:r>
-              <a:rPr lang="fr-CH" dirty="0"/>
-              <a:t>3</a:t>
-            </a:r>
-          </a:p>
-          <a:p>
-            <a:endParaRPr lang="fr-CH" dirty="0"/>
-          </a:p>
-        </p:txBody>
-      </p:sp>
+      </p:pic>
     </p:spTree>
     <p:extLst>
       <p:ext uri="{BB962C8B-B14F-4D97-AF65-F5344CB8AC3E}">
-        <p14:creationId xmlns:p14="http://schemas.microsoft.com/office/powerpoint/2010/main" val="1970585625"/>
+        <p14:creationId xmlns:p14="http://schemas.microsoft.com/office/powerpoint/2010/main" val="2742412165"/>
       </p:ext>
     </p:extLst>
   </p:cSld>
@@ -13281,6 +13528,1103 @@
       </p:grpSpPr>
       <p:sp>
         <p:nvSpPr>
+          <p:cNvPr id="2" name="Titre 1">
+            <a:extLst>
+              <a:ext uri="{FF2B5EF4-FFF2-40B4-BE49-F238E27FC236}">
+                <a16:creationId xmlns:a16="http://schemas.microsoft.com/office/drawing/2014/main" id="{1EFEA715-D6C2-71F6-2DAB-2B2F3B667443}"/>
+              </a:ext>
+            </a:extLst>
+          </p:cNvPr>
+          <p:cNvSpPr>
+            <a:spLocks noGrp="1"/>
+          </p:cNvSpPr>
+          <p:nvPr>
+            <p:ph type="title"/>
+          </p:nvPr>
+        </p:nvSpPr>
+        <p:spPr/>
+        <p:txBody>
+          <a:bodyPr/>
+          <a:lstStyle/>
+          <a:p>
+            <a:r>
+              <a:rPr lang="fr-CH" dirty="0">
+                <a:effectLst>
+                  <a:outerShdw blurRad="38100" dist="38100" dir="2700000" algn="tl">
+                    <a:srgbClr val="000000">
+                      <a:alpha val="43137"/>
+                    </a:srgbClr>
+                  </a:outerShdw>
+                </a:effectLst>
+              </a:rPr>
+              <a:t>Points spécifiques</a:t>
+            </a:r>
+          </a:p>
+        </p:txBody>
+      </p:sp>
+      <p:sp>
+        <p:nvSpPr>
+          <p:cNvPr id="3" name="Espace réservé du contenu 2">
+            <a:extLst>
+              <a:ext uri="{FF2B5EF4-FFF2-40B4-BE49-F238E27FC236}">
+                <a16:creationId xmlns:a16="http://schemas.microsoft.com/office/drawing/2014/main" id="{1919A211-290B-652F-8191-CDF2CCCF3E31}"/>
+              </a:ext>
+            </a:extLst>
+          </p:cNvPr>
+          <p:cNvSpPr>
+            <a:spLocks noGrp="1"/>
+          </p:cNvSpPr>
+          <p:nvPr>
+            <p:ph idx="1"/>
+          </p:nvPr>
+        </p:nvSpPr>
+        <p:spPr>
+          <a:xfrm>
+            <a:off x="1103312" y="1447800"/>
+            <a:ext cx="8946541" cy="4800599"/>
+          </a:xfrm>
+        </p:spPr>
+        <p:txBody>
+          <a:bodyPr/>
+          <a:lstStyle/>
+          <a:p>
+            <a:r>
+              <a:rPr lang="fr-CH" dirty="0"/>
+              <a:t>1. </a:t>
+            </a:r>
+            <a:r>
+              <a:rPr lang="fr-CH" u="sng" dirty="0"/>
+              <a:t>Pertinence</a:t>
+            </a:r>
+            <a:r>
+              <a:rPr lang="fr-CH" dirty="0"/>
+              <a:t> de l’implémentation du 1</a:t>
+            </a:r>
+            <a:r>
+              <a:rPr lang="fr-CH" baseline="30000" dirty="0"/>
+              <a:t>er</a:t>
+            </a:r>
+            <a:r>
+              <a:rPr lang="fr-CH" dirty="0"/>
+              <a:t> temps</a:t>
+            </a:r>
+          </a:p>
+          <a:p>
+            <a:r>
+              <a:rPr lang="fr-CH" dirty="0"/>
+              <a:t>2. </a:t>
+            </a:r>
+            <a:r>
+              <a:rPr lang="fr-CH" u="sng" dirty="0"/>
+              <a:t>Pertinence</a:t>
+            </a:r>
+            <a:r>
+              <a:rPr lang="fr-CH" dirty="0"/>
+              <a:t> de la partie «internet» proposée dans le 1</a:t>
+            </a:r>
+            <a:r>
+              <a:rPr lang="fr-CH" baseline="30000" dirty="0"/>
+              <a:t>er</a:t>
+            </a:r>
+            <a:r>
+              <a:rPr lang="fr-CH" dirty="0"/>
+              <a:t> temps</a:t>
+            </a:r>
+          </a:p>
+          <a:p>
+            <a:r>
+              <a:rPr lang="fr-CH" dirty="0"/>
+              <a:t>3. A la fin du 1</a:t>
+            </a:r>
+            <a:r>
+              <a:rPr lang="fr-CH" baseline="30000" dirty="0"/>
+              <a:t>er</a:t>
+            </a:r>
+            <a:r>
+              <a:rPr lang="fr-CH" dirty="0"/>
+              <a:t> temps tous les clients et le télétravailleur peuvent atteindre le serveur et les imprimantes par leur adresse IP</a:t>
+            </a:r>
+          </a:p>
+          <a:p>
+            <a:r>
+              <a:rPr lang="fr-CH" dirty="0"/>
+              <a:t>4. Adressage IP proposé pour le siège, la succursale et le télétravailleur conforme au schéma du CDC</a:t>
+            </a:r>
+          </a:p>
+          <a:p>
+            <a:r>
+              <a:rPr lang="fr-CH" dirty="0"/>
+              <a:t>5. </a:t>
+            </a:r>
+            <a:r>
+              <a:rPr lang="fr-CH" u="sng" dirty="0"/>
+              <a:t>Pertinence</a:t>
+            </a:r>
+            <a:r>
+              <a:rPr lang="fr-CH" dirty="0"/>
+              <a:t> de l’implémentation du 2</a:t>
+            </a:r>
+            <a:r>
+              <a:rPr lang="fr-CH" baseline="30000" dirty="0"/>
+              <a:t>ème</a:t>
+            </a:r>
+            <a:r>
+              <a:rPr lang="fr-CH" dirty="0"/>
+              <a:t> temps.</a:t>
+            </a:r>
+          </a:p>
+          <a:p>
+            <a:r>
+              <a:rPr lang="fr-CH" dirty="0"/>
+              <a:t>6. A la fin du 2</a:t>
+            </a:r>
+            <a:r>
+              <a:rPr lang="fr-CH" baseline="30000" dirty="0"/>
+              <a:t>ème</a:t>
+            </a:r>
+            <a:r>
+              <a:rPr lang="fr-CH" dirty="0"/>
+              <a:t> temps tous les clients et le télétravailleur peuvent atteindre le serveur et les imprimantes par leur adresse IP</a:t>
+            </a:r>
+          </a:p>
+          <a:p>
+            <a:r>
+              <a:rPr lang="fr-CH" dirty="0"/>
+              <a:t>7. Nombre maximal d’implémentations qu’il est théoriquement possible de réaliser sans tenir compte des performances</a:t>
+            </a:r>
+          </a:p>
+        </p:txBody>
+      </p:sp>
+      <p:sp>
+        <p:nvSpPr>
+          <p:cNvPr id="4" name="Espace réservé du pied de page 3">
+            <a:extLst>
+              <a:ext uri="{FF2B5EF4-FFF2-40B4-BE49-F238E27FC236}">
+                <a16:creationId xmlns:a16="http://schemas.microsoft.com/office/drawing/2014/main" id="{8B917117-89EE-1141-C35F-DE193D597D89}"/>
+              </a:ext>
+            </a:extLst>
+          </p:cNvPr>
+          <p:cNvSpPr>
+            <a:spLocks noGrp="1"/>
+          </p:cNvSpPr>
+          <p:nvPr>
+            <p:ph type="ftr" sz="quarter" idx="11"/>
+          </p:nvPr>
+        </p:nvSpPr>
+        <p:spPr/>
+        <p:txBody>
+          <a:bodyPr/>
+          <a:lstStyle/>
+          <a:p>
+            <a:r>
+              <a:rPr lang="fr-CH"/>
+              <a:t>Damien Mayor</a:t>
+            </a:r>
+          </a:p>
+        </p:txBody>
+      </p:sp>
+      <p:sp>
+        <p:nvSpPr>
+          <p:cNvPr id="5" name="Espace réservé du numéro de diapositive 4">
+            <a:extLst>
+              <a:ext uri="{FF2B5EF4-FFF2-40B4-BE49-F238E27FC236}">
+                <a16:creationId xmlns:a16="http://schemas.microsoft.com/office/drawing/2014/main" id="{028EB9FB-EC1F-DFB7-9691-10CC02234072}"/>
+              </a:ext>
+            </a:extLst>
+          </p:cNvPr>
+          <p:cNvSpPr>
+            <a:spLocks noGrp="1"/>
+          </p:cNvSpPr>
+          <p:nvPr>
+            <p:ph type="sldNum" sz="quarter" idx="12"/>
+          </p:nvPr>
+        </p:nvSpPr>
+        <p:spPr/>
+        <p:txBody>
+          <a:bodyPr/>
+          <a:lstStyle/>
+          <a:p>
+            <a:fld id="{2FCD9DE2-19B8-4E75-A167-0E6B1D03D668}" type="slidenum">
+              <a:rPr lang="fr-CH" smtClean="0"/>
+              <a:t>14</a:t>
+            </a:fld>
+            <a:endParaRPr lang="fr-CH"/>
+          </a:p>
+        </p:txBody>
+      </p:sp>
+      <p:pic>
+        <p:nvPicPr>
+          <p:cNvPr id="6" name="Image 5">
+            <a:extLst>
+              <a:ext uri="{FF2B5EF4-FFF2-40B4-BE49-F238E27FC236}">
+                <a16:creationId xmlns:a16="http://schemas.microsoft.com/office/drawing/2014/main" id="{156D6E0F-A021-36F2-2B8A-CDA7595FF468}"/>
+              </a:ext>
+            </a:extLst>
+          </p:cNvPr>
+          <p:cNvPicPr>
+            <a:picLocks noChangeAspect="1"/>
+          </p:cNvPicPr>
+          <p:nvPr/>
+        </p:nvPicPr>
+        <p:blipFill>
+          <a:blip r:embed="rId2"/>
+          <a:stretch>
+            <a:fillRect/>
+          </a:stretch>
+        </p:blipFill>
+        <p:spPr>
+          <a:xfrm>
+            <a:off x="9678456" y="2350202"/>
+            <a:ext cx="371888" cy="329213"/>
+          </a:xfrm>
+          <a:prstGeom prst="rect">
+            <a:avLst/>
+          </a:prstGeom>
+        </p:spPr>
+      </p:pic>
+      <p:pic>
+        <p:nvPicPr>
+          <p:cNvPr id="7" name="Picture 2" descr="Minecraft: Pocket Edition Video Game Heart The Legend Of ...">
+            <a:extLst>
+              <a:ext uri="{FF2B5EF4-FFF2-40B4-BE49-F238E27FC236}">
+                <a16:creationId xmlns:a16="http://schemas.microsoft.com/office/drawing/2014/main" id="{52D8A619-0029-EA28-CFC6-B7EE1E86F5A3}"/>
+              </a:ext>
+            </a:extLst>
+          </p:cNvPr>
+          <p:cNvPicPr>
+            <a:picLocks noChangeAspect="1" noChangeArrowheads="1"/>
+          </p:cNvPicPr>
+          <p:nvPr/>
+        </p:nvPicPr>
+        <p:blipFill rotWithShape="1">
+          <a:blip r:embed="rId3" cstate="print">
+            <a:extLst>
+              <a:ext uri="{BEBA8EAE-BF5A-486C-A8C5-ECC9F3942E4B}">
+                <a14:imgProps xmlns:a14="http://schemas.microsoft.com/office/drawing/2010/main">
+                  <a14:imgLayer r:embed="rId4">
+                    <a14:imgEffect>
+                      <a14:backgroundRemoval t="7283" b="89961" l="9890" r="89973">
+                        <a14:foregroundMark x1="34341" y1="41535" x2="34341" y2="41535"/>
+                        <a14:foregroundMark x1="41758" y1="29331" x2="41758" y2="29331"/>
+                        <a14:foregroundMark x1="30082" y1="7283" x2="30082" y2="7283"/>
+                        <a14:foregroundMark x1="40934" y1="29528" x2="40934" y2="29528"/>
+                        <a14:foregroundMark x1="32555" y1="37402" x2="32555" y2="37402"/>
+                      </a14:backgroundRemoval>
+                    </a14:imgEffect>
+                  </a14:imgLayer>
+                </a14:imgProps>
+              </a:ext>
+              <a:ext uri="{28A0092B-C50C-407E-A947-70E740481C1C}">
+                <a14:useLocalDpi xmlns:a14="http://schemas.microsoft.com/office/drawing/2010/main" val="0"/>
+              </a:ext>
+            </a:extLst>
+          </a:blip>
+          <a:srcRect l="15795" t="4285" r="15754" b="7619"/>
+          <a:stretch/>
+        </p:blipFill>
+        <p:spPr bwMode="auto">
+          <a:xfrm>
+            <a:off x="9368589" y="4976239"/>
+            <a:ext cx="368969" cy="331356"/>
+          </a:xfrm>
+          <a:prstGeom prst="rect">
+            <a:avLst/>
+          </a:prstGeom>
+          <a:noFill/>
+          <a:extLst>
+            <a:ext uri="{909E8E84-426E-40DD-AFC4-6F175D3DCCD1}">
+              <a14:hiddenFill xmlns:a14="http://schemas.microsoft.com/office/drawing/2010/main">
+                <a:solidFill>
+                  <a:srgbClr val="FFFFFF"/>
+                </a:solidFill>
+              </a14:hiddenFill>
+            </a:ext>
+          </a:extLst>
+        </p:spPr>
+      </p:pic>
+      <p:pic>
+        <p:nvPicPr>
+          <p:cNvPr id="8" name="Picture 2" descr="Minecraft: Pocket Edition Video Game Heart The Legend Of ...">
+            <a:extLst>
+              <a:ext uri="{FF2B5EF4-FFF2-40B4-BE49-F238E27FC236}">
+                <a16:creationId xmlns:a16="http://schemas.microsoft.com/office/drawing/2014/main" id="{6AAC02CC-FF54-D1C1-E5A3-42A18C638373}"/>
+              </a:ext>
+            </a:extLst>
+          </p:cNvPr>
+          <p:cNvPicPr>
+            <a:picLocks noChangeAspect="1" noChangeArrowheads="1"/>
+          </p:cNvPicPr>
+          <p:nvPr/>
+        </p:nvPicPr>
+        <p:blipFill rotWithShape="1">
+          <a:blip r:embed="rId3" cstate="print">
+            <a:extLst>
+              <a:ext uri="{BEBA8EAE-BF5A-486C-A8C5-ECC9F3942E4B}">
+                <a14:imgProps xmlns:a14="http://schemas.microsoft.com/office/drawing/2010/main">
+                  <a14:imgLayer r:embed="rId4">
+                    <a14:imgEffect>
+                      <a14:backgroundRemoval t="7283" b="89961" l="9890" r="89973">
+                        <a14:foregroundMark x1="34341" y1="41535" x2="34341" y2="41535"/>
+                        <a14:foregroundMark x1="41758" y1="29331" x2="41758" y2="29331"/>
+                        <a14:foregroundMark x1="30082" y1="7283" x2="30082" y2="7283"/>
+                        <a14:foregroundMark x1="40934" y1="29528" x2="40934" y2="29528"/>
+                        <a14:foregroundMark x1="32555" y1="37402" x2="32555" y2="37402"/>
+                      </a14:backgroundRemoval>
+                    </a14:imgEffect>
+                  </a14:imgLayer>
+                </a14:imgProps>
+              </a:ext>
+              <a:ext uri="{28A0092B-C50C-407E-A947-70E740481C1C}">
+                <a14:useLocalDpi xmlns:a14="http://schemas.microsoft.com/office/drawing/2010/main" val="0"/>
+              </a:ext>
+            </a:extLst>
+          </a:blip>
+          <a:srcRect l="15795" t="4285" r="15754" b="7619"/>
+          <a:stretch/>
+        </p:blipFill>
+        <p:spPr bwMode="auto">
+          <a:xfrm>
+            <a:off x="9865859" y="4264707"/>
+            <a:ext cx="368969" cy="331356"/>
+          </a:xfrm>
+          <a:prstGeom prst="rect">
+            <a:avLst/>
+          </a:prstGeom>
+          <a:noFill/>
+          <a:extLst>
+            <a:ext uri="{909E8E84-426E-40DD-AFC4-6F175D3DCCD1}">
+              <a14:hiddenFill xmlns:a14="http://schemas.microsoft.com/office/drawing/2010/main">
+                <a:solidFill>
+                  <a:srgbClr val="FFFFFF"/>
+                </a:solidFill>
+              </a14:hiddenFill>
+            </a:ext>
+          </a:extLst>
+        </p:spPr>
+      </p:pic>
+      <p:pic>
+        <p:nvPicPr>
+          <p:cNvPr id="9" name="Picture 2" descr="Minecraft: Pocket Edition Video Game Heart The Legend Of ...">
+            <a:extLst>
+              <a:ext uri="{FF2B5EF4-FFF2-40B4-BE49-F238E27FC236}">
+                <a16:creationId xmlns:a16="http://schemas.microsoft.com/office/drawing/2014/main" id="{9E821055-5617-25F0-BF52-529491DC8EE3}"/>
+              </a:ext>
+            </a:extLst>
+          </p:cNvPr>
+          <p:cNvPicPr>
+            <a:picLocks noChangeAspect="1" noChangeArrowheads="1"/>
+          </p:cNvPicPr>
+          <p:nvPr/>
+        </p:nvPicPr>
+        <p:blipFill rotWithShape="1">
+          <a:blip r:embed="rId3" cstate="print">
+            <a:extLst>
+              <a:ext uri="{BEBA8EAE-BF5A-486C-A8C5-ECC9F3942E4B}">
+                <a14:imgProps xmlns:a14="http://schemas.microsoft.com/office/drawing/2010/main">
+                  <a14:imgLayer r:embed="rId4">
+                    <a14:imgEffect>
+                      <a14:backgroundRemoval t="7283" b="89961" l="9890" r="89973">
+                        <a14:foregroundMark x1="34341" y1="41535" x2="34341" y2="41535"/>
+                        <a14:foregroundMark x1="41758" y1="29331" x2="41758" y2="29331"/>
+                        <a14:foregroundMark x1="30082" y1="7283" x2="30082" y2="7283"/>
+                        <a14:foregroundMark x1="40934" y1="29528" x2="40934" y2="29528"/>
+                        <a14:foregroundMark x1="32555" y1="37402" x2="32555" y2="37402"/>
+                      </a14:backgroundRemoval>
+                    </a14:imgEffect>
+                  </a14:imgLayer>
+                </a14:imgProps>
+              </a:ext>
+              <a:ext uri="{28A0092B-C50C-407E-A947-70E740481C1C}">
+                <a14:useLocalDpi xmlns:a14="http://schemas.microsoft.com/office/drawing/2010/main" val="0"/>
+              </a:ext>
+            </a:extLst>
+          </a:blip>
+          <a:srcRect l="15795" t="4285" r="15754" b="7619"/>
+          <a:stretch/>
+        </p:blipFill>
+        <p:spPr bwMode="auto">
+          <a:xfrm>
+            <a:off x="8630652" y="3097644"/>
+            <a:ext cx="368969" cy="331356"/>
+          </a:xfrm>
+          <a:prstGeom prst="rect">
+            <a:avLst/>
+          </a:prstGeom>
+          <a:noFill/>
+          <a:extLst>
+            <a:ext uri="{909E8E84-426E-40DD-AFC4-6F175D3DCCD1}">
+              <a14:hiddenFill xmlns:a14="http://schemas.microsoft.com/office/drawing/2010/main">
+                <a:solidFill>
+                  <a:srgbClr val="FFFFFF"/>
+                </a:solidFill>
+              </a14:hiddenFill>
+            </a:ext>
+          </a:extLst>
+        </p:spPr>
+      </p:pic>
+      <p:pic>
+        <p:nvPicPr>
+          <p:cNvPr id="10" name="Picture 2" descr="Minecraft: Pocket Edition Video Game Heart The Legend Of ...">
+            <a:extLst>
+              <a:ext uri="{FF2B5EF4-FFF2-40B4-BE49-F238E27FC236}">
+                <a16:creationId xmlns:a16="http://schemas.microsoft.com/office/drawing/2014/main" id="{8F920C8A-03F0-F774-6541-7F14B19E4445}"/>
+              </a:ext>
+            </a:extLst>
+          </p:cNvPr>
+          <p:cNvPicPr>
+            <a:picLocks noChangeAspect="1" noChangeArrowheads="1"/>
+          </p:cNvPicPr>
+          <p:nvPr/>
+        </p:nvPicPr>
+        <p:blipFill rotWithShape="1">
+          <a:blip r:embed="rId3" cstate="print">
+            <a:extLst>
+              <a:ext uri="{BEBA8EAE-BF5A-486C-A8C5-ECC9F3942E4B}">
+                <a14:imgProps xmlns:a14="http://schemas.microsoft.com/office/drawing/2010/main">
+                  <a14:imgLayer r:embed="rId4">
+                    <a14:imgEffect>
+                      <a14:backgroundRemoval t="7283" b="89961" l="9890" r="89973">
+                        <a14:foregroundMark x1="34341" y1="41535" x2="34341" y2="41535"/>
+                        <a14:foregroundMark x1="41758" y1="29331" x2="41758" y2="29331"/>
+                        <a14:foregroundMark x1="30082" y1="7283" x2="30082" y2="7283"/>
+                        <a14:foregroundMark x1="40934" y1="29528" x2="40934" y2="29528"/>
+                        <a14:foregroundMark x1="32555" y1="37402" x2="32555" y2="37402"/>
+                      </a14:backgroundRemoval>
+                    </a14:imgEffect>
+                  </a14:imgLayer>
+                </a14:imgProps>
+              </a:ext>
+              <a:ext uri="{28A0092B-C50C-407E-A947-70E740481C1C}">
+                <a14:useLocalDpi xmlns:a14="http://schemas.microsoft.com/office/drawing/2010/main" val="0"/>
+              </a:ext>
+            </a:extLst>
+          </a:blip>
+          <a:srcRect l="15795" t="4285" r="15754" b="7619"/>
+          <a:stretch/>
+        </p:blipFill>
+        <p:spPr bwMode="auto">
+          <a:xfrm>
+            <a:off x="7788442" y="3848099"/>
+            <a:ext cx="368969" cy="331356"/>
+          </a:xfrm>
+          <a:prstGeom prst="rect">
+            <a:avLst/>
+          </a:prstGeom>
+          <a:noFill/>
+          <a:extLst>
+            <a:ext uri="{909E8E84-426E-40DD-AFC4-6F175D3DCCD1}">
+              <a14:hiddenFill xmlns:a14="http://schemas.microsoft.com/office/drawing/2010/main">
+                <a:solidFill>
+                  <a:srgbClr val="FFFFFF"/>
+                </a:solidFill>
+              </a14:hiddenFill>
+            </a:ext>
+          </a:extLst>
+        </p:spPr>
+      </p:pic>
+      <p:pic>
+        <p:nvPicPr>
+          <p:cNvPr id="11" name="Picture 2" descr="Minecraft: Pocket Edition Video Game Heart The Legend Of ...">
+            <a:extLst>
+              <a:ext uri="{FF2B5EF4-FFF2-40B4-BE49-F238E27FC236}">
+                <a16:creationId xmlns:a16="http://schemas.microsoft.com/office/drawing/2014/main" id="{01F6B22D-75C1-F298-A3FA-BAC9AD6BB5D3}"/>
+              </a:ext>
+            </a:extLst>
+          </p:cNvPr>
+          <p:cNvPicPr>
+            <a:picLocks noChangeAspect="1" noChangeArrowheads="1"/>
+          </p:cNvPicPr>
+          <p:nvPr/>
+        </p:nvPicPr>
+        <p:blipFill rotWithShape="1">
+          <a:blip r:embed="rId3" cstate="print">
+            <a:extLst>
+              <a:ext uri="{BEBA8EAE-BF5A-486C-A8C5-ECC9F3942E4B}">
+                <a14:imgProps xmlns:a14="http://schemas.microsoft.com/office/drawing/2010/main">
+                  <a14:imgLayer r:embed="rId4">
+                    <a14:imgEffect>
+                      <a14:backgroundRemoval t="7283" b="89961" l="9890" r="89973">
+                        <a14:foregroundMark x1="34341" y1="41535" x2="34341" y2="41535"/>
+                        <a14:foregroundMark x1="41758" y1="29331" x2="41758" y2="29331"/>
+                        <a14:foregroundMark x1="30082" y1="7283" x2="30082" y2="7283"/>
+                        <a14:foregroundMark x1="40934" y1="29528" x2="40934" y2="29528"/>
+                        <a14:foregroundMark x1="32555" y1="37402" x2="32555" y2="37402"/>
+                      </a14:backgroundRemoval>
+                    </a14:imgEffect>
+                  </a14:imgLayer>
+                </a14:imgProps>
+              </a:ext>
+              <a:ext uri="{28A0092B-C50C-407E-A947-70E740481C1C}">
+                <a14:useLocalDpi xmlns:a14="http://schemas.microsoft.com/office/drawing/2010/main" val="0"/>
+              </a:ext>
+            </a:extLst>
+          </a:blip>
+          <a:srcRect l="15795" t="4285" r="15754" b="7619"/>
+          <a:stretch/>
+        </p:blipFill>
+        <p:spPr bwMode="auto">
+          <a:xfrm>
+            <a:off x="7419473" y="1521892"/>
+            <a:ext cx="368969" cy="331356"/>
+          </a:xfrm>
+          <a:prstGeom prst="rect">
+            <a:avLst/>
+          </a:prstGeom>
+          <a:noFill/>
+          <a:extLst>
+            <a:ext uri="{909E8E84-426E-40DD-AFC4-6F175D3DCCD1}">
+              <a14:hiddenFill xmlns:a14="http://schemas.microsoft.com/office/drawing/2010/main">
+                <a:solidFill>
+                  <a:srgbClr val="FFFFFF"/>
+                </a:solidFill>
+              </a14:hiddenFill>
+            </a:ext>
+          </a:extLst>
+        </p:spPr>
+      </p:pic>
+      <p:pic>
+        <p:nvPicPr>
+          <p:cNvPr id="12" name="Picture 2" descr="Minecraft: Pocket Edition Video Game Heart The Legend Of ...">
+            <a:extLst>
+              <a:ext uri="{FF2B5EF4-FFF2-40B4-BE49-F238E27FC236}">
+                <a16:creationId xmlns:a16="http://schemas.microsoft.com/office/drawing/2014/main" id="{285DCF26-778D-1011-34C2-8FDE7679A856}"/>
+              </a:ext>
+            </a:extLst>
+          </p:cNvPr>
+          <p:cNvPicPr>
+            <a:picLocks noChangeAspect="1" noChangeArrowheads="1"/>
+          </p:cNvPicPr>
+          <p:nvPr/>
+        </p:nvPicPr>
+        <p:blipFill rotWithShape="1">
+          <a:blip r:embed="rId3" cstate="print">
+            <a:extLst>
+              <a:ext uri="{BEBA8EAE-BF5A-486C-A8C5-ECC9F3942E4B}">
+                <a14:imgProps xmlns:a14="http://schemas.microsoft.com/office/drawing/2010/main">
+                  <a14:imgLayer r:embed="rId4">
+                    <a14:imgEffect>
+                      <a14:backgroundRemoval t="7283" b="89961" l="9890" r="89973">
+                        <a14:foregroundMark x1="34341" y1="41535" x2="34341" y2="41535"/>
+                        <a14:foregroundMark x1="41758" y1="29331" x2="41758" y2="29331"/>
+                        <a14:foregroundMark x1="30082" y1="7283" x2="30082" y2="7283"/>
+                        <a14:foregroundMark x1="40934" y1="29528" x2="40934" y2="29528"/>
+                        <a14:foregroundMark x1="32555" y1="37402" x2="32555" y2="37402"/>
+                      </a14:backgroundRemoval>
+                    </a14:imgEffect>
+                  </a14:imgLayer>
+                </a14:imgProps>
+              </a:ext>
+              <a:ext uri="{28A0092B-C50C-407E-A947-70E740481C1C}">
+                <a14:useLocalDpi xmlns:a14="http://schemas.microsoft.com/office/drawing/2010/main" val="0"/>
+              </a:ext>
+            </a:extLst>
+          </a:blip>
+          <a:srcRect l="15795" t="4285" r="15754" b="7619"/>
+          <a:stretch/>
+        </p:blipFill>
+        <p:spPr bwMode="auto">
+          <a:xfrm>
+            <a:off x="9424737" y="1936047"/>
+            <a:ext cx="368969" cy="331356"/>
+          </a:xfrm>
+          <a:prstGeom prst="rect">
+            <a:avLst/>
+          </a:prstGeom>
+          <a:noFill/>
+          <a:extLst>
+            <a:ext uri="{909E8E84-426E-40DD-AFC4-6F175D3DCCD1}">
+              <a14:hiddenFill xmlns:a14="http://schemas.microsoft.com/office/drawing/2010/main">
+                <a:solidFill>
+                  <a:srgbClr val="FFFFFF"/>
+                </a:solidFill>
+              </a14:hiddenFill>
+            </a:ext>
+          </a:extLst>
+        </p:spPr>
+      </p:pic>
+    </p:spTree>
+    <p:extLst>
+      <p:ext uri="{BB962C8B-B14F-4D97-AF65-F5344CB8AC3E}">
+        <p14:creationId xmlns:p14="http://schemas.microsoft.com/office/powerpoint/2010/main" val="2672627159"/>
+      </p:ext>
+    </p:extLst>
+  </p:cSld>
+  <p:clrMapOvr>
+    <a:masterClrMapping/>
+  </p:clrMapOvr>
+</p:sld>
+</file>
+
+<file path=ppt/slides/slide15.xml><?xml version="1.0" encoding="utf-8"?>
+<p:sld xmlns:a="http://schemas.openxmlformats.org/drawingml/2006/main" xmlns:r="http://schemas.openxmlformats.org/officeDocument/2006/relationships" xmlns:p="http://schemas.openxmlformats.org/presentationml/2006/main">
+  <p:cSld>
+    <p:spTree>
+      <p:nvGrpSpPr>
+        <p:cNvPr id="1" name=""/>
+        <p:cNvGrpSpPr/>
+        <p:nvPr/>
+      </p:nvGrpSpPr>
+      <p:grpSpPr>
+        <a:xfrm>
+          <a:off x="0" y="0"/>
+          <a:ext cx="0" cy="0"/>
+          <a:chOff x="0" y="0"/>
+          <a:chExt cx="0" cy="0"/>
+        </a:xfrm>
+      </p:grpSpPr>
+      <p:sp>
+        <p:nvSpPr>
+          <p:cNvPr id="2" name="Titre 1"/>
+          <p:cNvSpPr>
+            <a:spLocks noGrp="1"/>
+          </p:cNvSpPr>
+          <p:nvPr>
+            <p:ph type="title"/>
+          </p:nvPr>
+        </p:nvSpPr>
+        <p:spPr/>
+        <p:txBody>
+          <a:bodyPr/>
+          <a:lstStyle/>
+          <a:p>
+            <a:r>
+              <a:rPr lang="fr-CH" dirty="0">
+                <a:effectLst>
+                  <a:outerShdw blurRad="38100" dist="38100" dir="2700000" algn="tl">
+                    <a:srgbClr val="000000">
+                      <a:alpha val="43137"/>
+                    </a:srgbClr>
+                  </a:outerShdw>
+                </a:effectLst>
+              </a:rPr>
+              <a:t>Conclusion &amp; retour personnel</a:t>
+            </a:r>
+          </a:p>
+        </p:txBody>
+      </p:sp>
+      <p:sp>
+        <p:nvSpPr>
+          <p:cNvPr id="4" name="Espace réservé du pied de page 3"/>
+          <p:cNvSpPr>
+            <a:spLocks noGrp="1"/>
+          </p:cNvSpPr>
+          <p:nvPr>
+            <p:ph type="ftr" sz="quarter" idx="11"/>
+          </p:nvPr>
+        </p:nvSpPr>
+        <p:spPr/>
+        <p:txBody>
+          <a:bodyPr/>
+          <a:lstStyle/>
+          <a:p>
+            <a:r>
+              <a:rPr lang="fr-CH" dirty="0"/>
+              <a:t>Damien Mayor</a:t>
+            </a:r>
+          </a:p>
+        </p:txBody>
+      </p:sp>
+      <p:sp>
+        <p:nvSpPr>
+          <p:cNvPr id="5" name="Espace réservé du numéro de diapositive 4"/>
+          <p:cNvSpPr>
+            <a:spLocks noGrp="1"/>
+          </p:cNvSpPr>
+          <p:nvPr>
+            <p:ph type="sldNum" sz="quarter" idx="12"/>
+          </p:nvPr>
+        </p:nvSpPr>
+        <p:spPr/>
+        <p:txBody>
+          <a:bodyPr/>
+          <a:lstStyle/>
+          <a:p>
+            <a:fld id="{2FCD9DE2-19B8-4E75-A167-0E6B1D03D668}" type="slidenum">
+              <a:rPr lang="fr-CH" smtClean="0">
+                <a:solidFill>
+                  <a:srgbClr val="C00000"/>
+                </a:solidFill>
+                <a:effectLst>
+                  <a:outerShdw blurRad="38100" dist="38100" dir="2700000" algn="tl">
+                    <a:srgbClr val="000000">
+                      <a:alpha val="43137"/>
+                    </a:srgbClr>
+                  </a:outerShdw>
+                </a:effectLst>
+              </a:rPr>
+              <a:t>15</a:t>
+            </a:fld>
+            <a:endParaRPr lang="fr-CH" dirty="0">
+              <a:solidFill>
+                <a:srgbClr val="C00000"/>
+              </a:solidFill>
+              <a:effectLst>
+                <a:outerShdw blurRad="38100" dist="38100" dir="2700000" algn="tl">
+                  <a:srgbClr val="000000">
+                    <a:alpha val="43137"/>
+                  </a:srgbClr>
+                </a:outerShdw>
+              </a:effectLst>
+            </a:endParaRPr>
+          </a:p>
+        </p:txBody>
+      </p:sp>
+      <p:sp>
+        <p:nvSpPr>
+          <p:cNvPr id="3" name="Espace réservé du contenu 2">
+            <a:extLst>
+              <a:ext uri="{FF2B5EF4-FFF2-40B4-BE49-F238E27FC236}">
+                <a16:creationId xmlns:a16="http://schemas.microsoft.com/office/drawing/2014/main" id="{E39F12B9-20EB-C05A-57A0-E4EFD9B138AD}"/>
+              </a:ext>
+            </a:extLst>
+          </p:cNvPr>
+          <p:cNvSpPr txBox="1">
+            <a:spLocks/>
+          </p:cNvSpPr>
+          <p:nvPr/>
+        </p:nvSpPr>
+        <p:spPr>
+          <a:xfrm>
+            <a:off x="646112" y="1631574"/>
+            <a:ext cx="8839634" cy="1201559"/>
+          </a:xfrm>
+          <a:prstGeom prst="rect">
+            <a:avLst/>
+          </a:prstGeom>
+        </p:spPr>
+        <p:txBody>
+          <a:bodyPr vert="horz" lIns="91440" tIns="45720" rIns="91440" bIns="45720" rtlCol="0">
+            <a:normAutofit/>
+          </a:bodyPr>
+          <a:lstStyle>
+            <a:lvl1pPr marL="342900" indent="-342900" algn="l" defTabSz="457200" rtl="0" eaLnBrk="1" latinLnBrk="0" hangingPunct="1">
+              <a:spcBef>
+                <a:spcPts val="1000"/>
+              </a:spcBef>
+              <a:spcAft>
+                <a:spcPts val="0"/>
+              </a:spcAft>
+              <a:buClr>
+                <a:schemeClr val="accent1"/>
+              </a:buClr>
+              <a:buSzPct val="80000"/>
+              <a:buFont typeface="Wingdings 3" charset="2"/>
+              <a:buChar char=""/>
+              <a:defRPr sz="2000" b="0" i="0" kern="1200">
+                <a:solidFill>
+                  <a:schemeClr val="tx1"/>
+                </a:solidFill>
+                <a:latin typeface="+mj-lt"/>
+                <a:ea typeface="+mj-ea"/>
+                <a:cs typeface="+mj-cs"/>
+              </a:defRPr>
+            </a:lvl1pPr>
+            <a:lvl2pPr marL="742950" indent="-285750" algn="l" defTabSz="457200" rtl="0" eaLnBrk="1" latinLnBrk="0" hangingPunct="1">
+              <a:spcBef>
+                <a:spcPts val="1000"/>
+              </a:spcBef>
+              <a:spcAft>
+                <a:spcPts val="0"/>
+              </a:spcAft>
+              <a:buClr>
+                <a:schemeClr val="accent1"/>
+              </a:buClr>
+              <a:buSzPct val="80000"/>
+              <a:buFont typeface="Wingdings 3" charset="2"/>
+              <a:buChar char=""/>
+              <a:defRPr sz="1800" b="0" i="0" kern="1200">
+                <a:solidFill>
+                  <a:schemeClr val="tx1"/>
+                </a:solidFill>
+                <a:latin typeface="+mj-lt"/>
+                <a:ea typeface="+mj-ea"/>
+                <a:cs typeface="+mj-cs"/>
+              </a:defRPr>
+            </a:lvl2pPr>
+            <a:lvl3pPr marL="1143000" indent="-228600" algn="l" defTabSz="457200" rtl="0" eaLnBrk="1" latinLnBrk="0" hangingPunct="1">
+              <a:spcBef>
+                <a:spcPts val="1000"/>
+              </a:spcBef>
+              <a:spcAft>
+                <a:spcPts val="0"/>
+              </a:spcAft>
+              <a:buClr>
+                <a:schemeClr val="accent1"/>
+              </a:buClr>
+              <a:buSzPct val="80000"/>
+              <a:buFont typeface="Wingdings 3" charset="2"/>
+              <a:buChar char=""/>
+              <a:defRPr sz="1600" b="0" i="0" kern="1200">
+                <a:solidFill>
+                  <a:schemeClr val="tx1"/>
+                </a:solidFill>
+                <a:latin typeface="+mj-lt"/>
+                <a:ea typeface="+mj-ea"/>
+                <a:cs typeface="+mj-cs"/>
+              </a:defRPr>
+            </a:lvl3pPr>
+            <a:lvl4pPr marL="1600200" indent="-228600" algn="l" defTabSz="457200" rtl="0" eaLnBrk="1" latinLnBrk="0" hangingPunct="1">
+              <a:spcBef>
+                <a:spcPts val="1000"/>
+              </a:spcBef>
+              <a:spcAft>
+                <a:spcPts val="0"/>
+              </a:spcAft>
+              <a:buClr>
+                <a:schemeClr val="accent1"/>
+              </a:buClr>
+              <a:buSzPct val="80000"/>
+              <a:buFont typeface="Wingdings 3" charset="2"/>
+              <a:buChar char=""/>
+              <a:defRPr sz="1400" b="0" i="0" kern="1200">
+                <a:solidFill>
+                  <a:schemeClr val="tx1"/>
+                </a:solidFill>
+                <a:latin typeface="+mj-lt"/>
+                <a:ea typeface="+mj-ea"/>
+                <a:cs typeface="+mj-cs"/>
+              </a:defRPr>
+            </a:lvl4pPr>
+            <a:lvl5pPr marL="2057400" indent="-228600" algn="l" defTabSz="457200" rtl="0" eaLnBrk="1" latinLnBrk="0" hangingPunct="1">
+              <a:spcBef>
+                <a:spcPts val="1000"/>
+              </a:spcBef>
+              <a:spcAft>
+                <a:spcPts val="0"/>
+              </a:spcAft>
+              <a:buClr>
+                <a:schemeClr val="accent1"/>
+              </a:buClr>
+              <a:buSzPct val="80000"/>
+              <a:buFont typeface="Wingdings 3" charset="2"/>
+              <a:buChar char=""/>
+              <a:defRPr sz="1400" b="0" i="0" kern="1200">
+                <a:solidFill>
+                  <a:schemeClr val="tx1"/>
+                </a:solidFill>
+                <a:latin typeface="+mj-lt"/>
+                <a:ea typeface="+mj-ea"/>
+                <a:cs typeface="+mj-cs"/>
+              </a:defRPr>
+            </a:lvl5pPr>
+            <a:lvl6pPr marL="2514600" indent="-228600" algn="l" defTabSz="457200" rtl="0" eaLnBrk="1" latinLnBrk="0" hangingPunct="1">
+              <a:spcBef>
+                <a:spcPts val="1000"/>
+              </a:spcBef>
+              <a:spcAft>
+                <a:spcPts val="0"/>
+              </a:spcAft>
+              <a:buClr>
+                <a:schemeClr val="accent1"/>
+              </a:buClr>
+              <a:buSzPct val="80000"/>
+              <a:buFont typeface="Wingdings 3" charset="2"/>
+              <a:buChar char=""/>
+              <a:defRPr sz="1400" b="0" i="0" kern="1200">
+                <a:solidFill>
+                  <a:schemeClr val="tx1"/>
+                </a:solidFill>
+                <a:latin typeface="+mj-lt"/>
+                <a:ea typeface="+mj-ea"/>
+                <a:cs typeface="+mj-cs"/>
+              </a:defRPr>
+            </a:lvl6pPr>
+            <a:lvl7pPr marL="2971800" indent="-228600" algn="l" defTabSz="457200" rtl="0" eaLnBrk="1" latinLnBrk="0" hangingPunct="1">
+              <a:spcBef>
+                <a:spcPts val="1000"/>
+              </a:spcBef>
+              <a:spcAft>
+                <a:spcPts val="0"/>
+              </a:spcAft>
+              <a:buClr>
+                <a:schemeClr val="accent1"/>
+              </a:buClr>
+              <a:buSzPct val="80000"/>
+              <a:buFont typeface="Wingdings 3" charset="2"/>
+              <a:buChar char=""/>
+              <a:defRPr sz="1400" b="0" i="0" kern="1200">
+                <a:solidFill>
+                  <a:schemeClr val="tx1"/>
+                </a:solidFill>
+                <a:latin typeface="+mj-lt"/>
+                <a:ea typeface="+mj-ea"/>
+                <a:cs typeface="+mj-cs"/>
+              </a:defRPr>
+            </a:lvl7pPr>
+            <a:lvl8pPr marL="3429000" indent="-228600" algn="l" defTabSz="457200" rtl="0" eaLnBrk="1" latinLnBrk="0" hangingPunct="1">
+              <a:spcBef>
+                <a:spcPts val="1000"/>
+              </a:spcBef>
+              <a:spcAft>
+                <a:spcPts val="0"/>
+              </a:spcAft>
+              <a:buClr>
+                <a:schemeClr val="accent1"/>
+              </a:buClr>
+              <a:buSzPct val="80000"/>
+              <a:buFont typeface="Wingdings 3" charset="2"/>
+              <a:buChar char=""/>
+              <a:defRPr sz="1400" b="0" i="0" kern="1200">
+                <a:solidFill>
+                  <a:schemeClr val="tx1"/>
+                </a:solidFill>
+                <a:latin typeface="+mj-lt"/>
+                <a:ea typeface="+mj-ea"/>
+                <a:cs typeface="+mj-cs"/>
+              </a:defRPr>
+            </a:lvl8pPr>
+            <a:lvl9pPr marL="3886200" indent="-228600" algn="l" defTabSz="457200" rtl="0" eaLnBrk="1" latinLnBrk="0" hangingPunct="1">
+              <a:spcBef>
+                <a:spcPts val="1000"/>
+              </a:spcBef>
+              <a:spcAft>
+                <a:spcPts val="0"/>
+              </a:spcAft>
+              <a:buClr>
+                <a:schemeClr val="accent1"/>
+              </a:buClr>
+              <a:buSzPct val="80000"/>
+              <a:buFont typeface="Wingdings 3" charset="2"/>
+              <a:buChar char=""/>
+              <a:defRPr sz="1400" b="0" i="0" kern="1200">
+                <a:solidFill>
+                  <a:schemeClr val="tx1"/>
+                </a:solidFill>
+                <a:latin typeface="+mj-lt"/>
+                <a:ea typeface="+mj-ea"/>
+                <a:cs typeface="+mj-cs"/>
+              </a:defRPr>
+            </a:lvl9pPr>
+          </a:lstStyle>
+          <a:p>
+            <a:pPr marL="0" marR="0" lvl="0" indent="0" algn="l" defTabSz="457200" rtl="0" eaLnBrk="1" fontAlgn="auto" latinLnBrk="0" hangingPunct="1">
+              <a:lnSpc>
+                <a:spcPct val="100000"/>
+              </a:lnSpc>
+              <a:spcBef>
+                <a:spcPts val="1000"/>
+              </a:spcBef>
+              <a:spcAft>
+                <a:spcPts val="0"/>
+              </a:spcAft>
+              <a:buClr>
+                <a:srgbClr val="A5B592"/>
+              </a:buClr>
+              <a:buSzPct val="80000"/>
+              <a:buFont typeface="Wingdings 3" charset="2"/>
+              <a:buNone/>
+              <a:tabLst/>
+              <a:defRPr/>
+            </a:pPr>
+            <a:endParaRPr kumimoji="0" lang="fr-CH" sz="2000" b="0" i="0" u="none" strike="noStrike" kern="1200" cap="none" spc="0" normalizeH="0" baseline="0" noProof="0" dirty="0">
+              <a:ln>
+                <a:noFill/>
+              </a:ln>
+              <a:solidFill>
+                <a:prstClr val="white"/>
+              </a:solidFill>
+              <a:effectLst/>
+              <a:uLnTx/>
+              <a:uFillTx/>
+              <a:latin typeface="Adobe Devanagari" panose="02040503050201020203" pitchFamily="18" charset="0"/>
+              <a:ea typeface="+mj-ea"/>
+              <a:cs typeface="Adobe Devanagari" panose="02040503050201020203" pitchFamily="18" charset="0"/>
+            </a:endParaRPr>
+          </a:p>
+        </p:txBody>
+      </p:sp>
+      <p:sp>
+        <p:nvSpPr>
+          <p:cNvPr id="9" name="Espace réservé du contenu 2">
+            <a:extLst>
+              <a:ext uri="{FF2B5EF4-FFF2-40B4-BE49-F238E27FC236}">
+                <a16:creationId xmlns:a16="http://schemas.microsoft.com/office/drawing/2014/main" id="{3E084FC4-3368-D2C6-C983-3E4ED4245484}"/>
+              </a:ext>
+            </a:extLst>
+          </p:cNvPr>
+          <p:cNvSpPr>
+            <a:spLocks noGrp="1"/>
+          </p:cNvSpPr>
+          <p:nvPr>
+            <p:ph idx="1"/>
+          </p:nvPr>
+        </p:nvSpPr>
+        <p:spPr>
+          <a:xfrm>
+            <a:off x="1103311" y="2052918"/>
+            <a:ext cx="9404723" cy="1869377"/>
+          </a:xfrm>
+        </p:spPr>
+        <p:txBody>
+          <a:bodyPr/>
+          <a:lstStyle/>
+          <a:p>
+            <a:r>
+              <a:rPr lang="fr-CH" dirty="0"/>
+              <a:t>Solution fonctionnelle qui </a:t>
+            </a:r>
+            <a:r>
+              <a:rPr lang="fr-CH"/>
+              <a:t>répond aux points </a:t>
+            </a:r>
+            <a:r>
+              <a:rPr lang="fr-CH" u="sng" dirty="0"/>
+              <a:t>mesurables</a:t>
+            </a:r>
+            <a:r>
+              <a:rPr lang="fr-CH" dirty="0"/>
+              <a:t> du CDC</a:t>
+            </a:r>
+          </a:p>
+          <a:p>
+            <a:r>
+              <a:rPr lang="fr-CH" dirty="0"/>
+              <a:t>2</a:t>
+            </a:r>
+          </a:p>
+          <a:p>
+            <a:r>
+              <a:rPr lang="fr-CH" dirty="0"/>
+              <a:t>3</a:t>
+            </a:r>
+          </a:p>
+          <a:p>
+            <a:endParaRPr lang="fr-CH" dirty="0"/>
+          </a:p>
+        </p:txBody>
+      </p:sp>
+    </p:spTree>
+    <p:extLst>
+      <p:ext uri="{BB962C8B-B14F-4D97-AF65-F5344CB8AC3E}">
+        <p14:creationId xmlns:p14="http://schemas.microsoft.com/office/powerpoint/2010/main" val="1970585625"/>
+      </p:ext>
+    </p:extLst>
+  </p:cSld>
+  <p:clrMapOvr>
+    <a:masterClrMapping/>
+  </p:clrMapOvr>
+</p:sld>
+</file>
+
+<file path=ppt/slides/slide16.xml><?xml version="1.0" encoding="utf-8"?>
+<p:sld xmlns:a="http://schemas.openxmlformats.org/drawingml/2006/main" xmlns:r="http://schemas.openxmlformats.org/officeDocument/2006/relationships" xmlns:p="http://schemas.openxmlformats.org/presentationml/2006/main">
+  <p:cSld>
+    <p:spTree>
+      <p:nvGrpSpPr>
+        <p:cNvPr id="1" name=""/>
+        <p:cNvGrpSpPr/>
+        <p:nvPr/>
+      </p:nvGrpSpPr>
+      <p:grpSpPr>
+        <a:xfrm>
+          <a:off x="0" y="0"/>
+          <a:ext cx="0" cy="0"/>
+          <a:chOff x="0" y="0"/>
+          <a:chExt cx="0" cy="0"/>
+        </a:xfrm>
+      </p:grpSpPr>
+      <p:sp>
+        <p:nvSpPr>
           <p:cNvPr id="2" name="Titre 1"/>
           <p:cNvSpPr>
             <a:spLocks noGrp="1"/>
@@ -13359,7 +14703,7 @@
                   </a:outerShdw>
                 </a:effectLst>
               </a:rPr>
-              <a:t>14</a:t>
+              <a:t>16</a:t>
             </a:fld>
             <a:endParaRPr lang="fr-CH" dirty="0">
               <a:solidFill>
@@ -13471,7 +14815,7 @@
 </p:sld>
 </file>
 
-<file path=ppt/slides/slide15.xml><?xml version="1.0" encoding="utf-8"?>
+<file path=ppt/slides/slide17.xml><?xml version="1.0" encoding="utf-8"?>
 <p:sld xmlns:a="http://schemas.openxmlformats.org/drawingml/2006/main" xmlns:r="http://schemas.openxmlformats.org/officeDocument/2006/relationships" xmlns:p="http://schemas.openxmlformats.org/presentationml/2006/main">
   <p:cSld>
     <p:spTree>
@@ -13554,7 +14898,7 @@
 </p:sld>
 </file>
 
-<file path=ppt/slides/slide16.xml><?xml version="1.0" encoding="utf-8"?>
+<file path=ppt/slides/slide18.xml><?xml version="1.0" encoding="utf-8"?>
 <p:sld xmlns:a="http://schemas.openxmlformats.org/drawingml/2006/main" xmlns:r="http://schemas.openxmlformats.org/officeDocument/2006/relationships" xmlns:p="http://schemas.openxmlformats.org/presentationml/2006/main">
   <p:cSld>
     <p:spTree>
@@ -13629,7 +14973,7 @@
           <a:p>
             <a:fld id="{2FCD9DE2-19B8-4E75-A167-0E6B1D03D668}" type="slidenum">
               <a:rPr lang="fr-CH" smtClean="0"/>
-              <a:t>16</a:t>
+              <a:t>18</a:t>
             </a:fld>
             <a:endParaRPr lang="fr-CH"/>
           </a:p>
@@ -13674,7 +15018,7 @@
 </p:sld>
 </file>
 
-<file path=ppt/slides/slide17.xml><?xml version="1.0" encoding="utf-8"?>
+<file path=ppt/slides/slide19.xml><?xml version="1.0" encoding="utf-8"?>
 <p:sld xmlns:a="http://schemas.openxmlformats.org/drawingml/2006/main" xmlns:r="http://schemas.openxmlformats.org/officeDocument/2006/relationships" xmlns:p="http://schemas.openxmlformats.org/presentationml/2006/main">
   <p:cSld>
     <p:spTree>
@@ -13767,7 +15111,7 @@
           <a:p>
             <a:fld id="{2FCD9DE2-19B8-4E75-A167-0E6B1D03D668}" type="slidenum">
               <a:rPr lang="fr-CH" smtClean="0"/>
-              <a:t>17</a:t>
+              <a:t>19</a:t>
             </a:fld>
             <a:endParaRPr lang="fr-CH"/>
           </a:p>
@@ -13814,979 +15158,6 @@
 </p:sld>
 </file>
 
-<file path=ppt/slides/slide18.xml><?xml version="1.0" encoding="utf-8"?>
-<p:sld xmlns:a="http://schemas.openxmlformats.org/drawingml/2006/main" xmlns:r="http://schemas.openxmlformats.org/officeDocument/2006/relationships" xmlns:p="http://schemas.openxmlformats.org/presentationml/2006/main">
-  <p:cSld>
-    <p:spTree>
-      <p:nvGrpSpPr>
-        <p:cNvPr id="1" name=""/>
-        <p:cNvGrpSpPr/>
-        <p:nvPr/>
-      </p:nvGrpSpPr>
-      <p:grpSpPr>
-        <a:xfrm>
-          <a:off x="0" y="0"/>
-          <a:ext cx="0" cy="0"/>
-          <a:chOff x="0" y="0"/>
-          <a:chExt cx="0" cy="0"/>
-        </a:xfrm>
-      </p:grpSpPr>
-      <p:sp>
-        <p:nvSpPr>
-          <p:cNvPr id="2" name="Titre 1"/>
-          <p:cNvSpPr>
-            <a:spLocks noGrp="1"/>
-          </p:cNvSpPr>
-          <p:nvPr>
-            <p:ph type="title"/>
-          </p:nvPr>
-        </p:nvSpPr>
-        <p:spPr/>
-        <p:txBody>
-          <a:bodyPr/>
-          <a:lstStyle/>
-          <a:p>
-            <a:r>
-              <a:rPr lang="fr-CH" dirty="0"/>
-              <a:t>Phase 1- Salle C111</a:t>
-            </a:r>
-          </a:p>
-        </p:txBody>
-      </p:sp>
-      <p:sp>
-        <p:nvSpPr>
-          <p:cNvPr id="4" name="Espace réservé du pied de page 3"/>
-          <p:cNvSpPr>
-            <a:spLocks noGrp="1"/>
-          </p:cNvSpPr>
-          <p:nvPr>
-            <p:ph type="ftr" sz="quarter" idx="11"/>
-          </p:nvPr>
-        </p:nvSpPr>
-        <p:spPr/>
-        <p:txBody>
-          <a:bodyPr/>
-          <a:lstStyle/>
-          <a:p>
-            <a:r>
-              <a:rPr lang="fr-CH" dirty="0"/>
-              <a:t>Damien Mayor</a:t>
-            </a:r>
-          </a:p>
-        </p:txBody>
-      </p:sp>
-      <p:sp>
-        <p:nvSpPr>
-          <p:cNvPr id="5" name="Espace réservé du numéro de diapositive 4"/>
-          <p:cNvSpPr>
-            <a:spLocks noGrp="1"/>
-          </p:cNvSpPr>
-          <p:nvPr>
-            <p:ph type="sldNum" sz="quarter" idx="12"/>
-          </p:nvPr>
-        </p:nvSpPr>
-        <p:spPr/>
-        <p:txBody>
-          <a:bodyPr/>
-          <a:lstStyle/>
-          <a:p>
-            <a:fld id="{2FCD9DE2-19B8-4E75-A167-0E6B1D03D668}" type="slidenum">
-              <a:rPr lang="fr-CH">
-                <a:solidFill>
-                  <a:srgbClr val="C00000"/>
-                </a:solidFill>
-                <a:effectLst>
-                  <a:outerShdw blurRad="38100" dist="38100" dir="2700000" algn="tl">
-                    <a:srgbClr val="000000">
-                      <a:alpha val="43137"/>
-                    </a:srgbClr>
-                  </a:outerShdw>
-                </a:effectLst>
-              </a:rPr>
-              <a:pPr/>
-              <a:t>18</a:t>
-            </a:fld>
-            <a:endParaRPr lang="fr-CH" dirty="0">
-              <a:solidFill>
-                <a:srgbClr val="C00000"/>
-              </a:solidFill>
-              <a:effectLst>
-                <a:outerShdw blurRad="38100" dist="38100" dir="2700000" algn="tl">
-                  <a:srgbClr val="000000">
-                    <a:alpha val="43137"/>
-                  </a:srgbClr>
-                </a:outerShdw>
-              </a:effectLst>
-            </a:endParaRPr>
-          </a:p>
-        </p:txBody>
-      </p:sp>
-      <p:pic>
-        <p:nvPicPr>
-          <p:cNvPr id="8" name="Espace réservé du contenu 7"/>
-          <p:cNvPicPr>
-            <a:picLocks noGrp="1" noChangeAspect="1"/>
-          </p:cNvPicPr>
-          <p:nvPr>
-            <p:ph idx="1"/>
-          </p:nvPr>
-        </p:nvPicPr>
-        <p:blipFill>
-          <a:blip r:embed="rId2">
-            <a:extLst>
-              <a:ext uri="{28A0092B-C50C-407E-A947-70E740481C1C}">
-                <a14:useLocalDpi xmlns:a14="http://schemas.microsoft.com/office/drawing/2010/main" val="0"/>
-              </a:ext>
-            </a:extLst>
-          </a:blip>
-          <a:stretch>
-            <a:fillRect/>
-          </a:stretch>
-        </p:blipFill>
-        <p:spPr>
-          <a:xfrm>
-            <a:off x="7163" y="1418304"/>
-            <a:ext cx="7878457" cy="5423632"/>
-          </a:xfrm>
-          <a:ln>
-            <a:solidFill>
-              <a:schemeClr val="accent4">
-                <a:lumMod val="75000"/>
-              </a:schemeClr>
-            </a:solidFill>
-          </a:ln>
-        </p:spPr>
-      </p:pic>
-      <p:sp>
-        <p:nvSpPr>
-          <p:cNvPr id="6" name="Espace réservé du contenu 2"/>
-          <p:cNvSpPr txBox="1">
-            <a:spLocks/>
-          </p:cNvSpPr>
-          <p:nvPr/>
-        </p:nvSpPr>
-        <p:spPr>
-          <a:xfrm>
-            <a:off x="8071444" y="1418304"/>
-            <a:ext cx="4051146" cy="5423632"/>
-          </a:xfrm>
-          <a:prstGeom prst="rect">
-            <a:avLst/>
-          </a:prstGeom>
-        </p:spPr>
-        <p:txBody>
-          <a:bodyPr vert="horz" lIns="91440" tIns="45720" rIns="91440" bIns="45720" rtlCol="0">
-            <a:normAutofit fontScale="92500" lnSpcReduction="20000"/>
-          </a:bodyPr>
-          <a:lstStyle>
-            <a:lvl1pPr marL="342900" indent="-342900" algn="l" defTabSz="457200" rtl="0" eaLnBrk="1" latinLnBrk="0" hangingPunct="1">
-              <a:spcBef>
-                <a:spcPts val="1000"/>
-              </a:spcBef>
-              <a:spcAft>
-                <a:spcPts val="0"/>
-              </a:spcAft>
-              <a:buClr>
-                <a:schemeClr val="bg2">
-                  <a:lumMod val="40000"/>
-                  <a:lumOff val="60000"/>
-                </a:schemeClr>
-              </a:buClr>
-              <a:buSzPct val="80000"/>
-              <a:buFont typeface="Wingdings 3" charset="2"/>
-              <a:buChar char=""/>
-              <a:defRPr sz="2000" b="0" i="0" kern="1200">
-                <a:solidFill>
-                  <a:schemeClr val="tx1"/>
-                </a:solidFill>
-                <a:latin typeface="+mj-lt"/>
-                <a:ea typeface="+mj-ea"/>
-                <a:cs typeface="+mj-cs"/>
-              </a:defRPr>
-            </a:lvl1pPr>
-            <a:lvl2pPr marL="742950" indent="-285750" algn="l" defTabSz="457200" rtl="0" eaLnBrk="1" latinLnBrk="0" hangingPunct="1">
-              <a:spcBef>
-                <a:spcPts val="1000"/>
-              </a:spcBef>
-              <a:spcAft>
-                <a:spcPts val="0"/>
-              </a:spcAft>
-              <a:buClr>
-                <a:schemeClr val="bg2">
-                  <a:lumMod val="40000"/>
-                  <a:lumOff val="60000"/>
-                </a:schemeClr>
-              </a:buClr>
-              <a:buSzPct val="80000"/>
-              <a:buFont typeface="Wingdings 3" charset="2"/>
-              <a:buChar char=""/>
-              <a:defRPr sz="1800" b="0" i="0" kern="1200">
-                <a:solidFill>
-                  <a:schemeClr val="tx1"/>
-                </a:solidFill>
-                <a:latin typeface="+mj-lt"/>
-                <a:ea typeface="+mj-ea"/>
-                <a:cs typeface="+mj-cs"/>
-              </a:defRPr>
-            </a:lvl2pPr>
-            <a:lvl3pPr marL="1143000" indent="-228600" algn="l" defTabSz="457200" rtl="0" eaLnBrk="1" latinLnBrk="0" hangingPunct="1">
-              <a:spcBef>
-                <a:spcPts val="1000"/>
-              </a:spcBef>
-              <a:spcAft>
-                <a:spcPts val="0"/>
-              </a:spcAft>
-              <a:buClr>
-                <a:schemeClr val="bg2">
-                  <a:lumMod val="40000"/>
-                  <a:lumOff val="60000"/>
-                </a:schemeClr>
-              </a:buClr>
-              <a:buSzPct val="80000"/>
-              <a:buFont typeface="Wingdings 3" charset="2"/>
-              <a:buChar char=""/>
-              <a:defRPr sz="1600" b="0" i="0" kern="1200">
-                <a:solidFill>
-                  <a:schemeClr val="tx1"/>
-                </a:solidFill>
-                <a:latin typeface="+mj-lt"/>
-                <a:ea typeface="+mj-ea"/>
-                <a:cs typeface="+mj-cs"/>
-              </a:defRPr>
-            </a:lvl3pPr>
-            <a:lvl4pPr marL="1600200" indent="-228600" algn="l" defTabSz="457200" rtl="0" eaLnBrk="1" latinLnBrk="0" hangingPunct="1">
-              <a:spcBef>
-                <a:spcPts val="1000"/>
-              </a:spcBef>
-              <a:spcAft>
-                <a:spcPts val="0"/>
-              </a:spcAft>
-              <a:buClr>
-                <a:schemeClr val="bg2">
-                  <a:lumMod val="40000"/>
-                  <a:lumOff val="60000"/>
-                </a:schemeClr>
-              </a:buClr>
-              <a:buSzPct val="80000"/>
-              <a:buFont typeface="Wingdings 3" charset="2"/>
-              <a:buChar char=""/>
-              <a:defRPr sz="1400" b="0" i="0" kern="1200">
-                <a:solidFill>
-                  <a:schemeClr val="tx1"/>
-                </a:solidFill>
-                <a:latin typeface="+mj-lt"/>
-                <a:ea typeface="+mj-ea"/>
-                <a:cs typeface="+mj-cs"/>
-              </a:defRPr>
-            </a:lvl4pPr>
-            <a:lvl5pPr marL="2057400" indent="-228600" algn="l" defTabSz="457200" rtl="0" eaLnBrk="1" latinLnBrk="0" hangingPunct="1">
-              <a:spcBef>
-                <a:spcPts val="1000"/>
-              </a:spcBef>
-              <a:spcAft>
-                <a:spcPts val="0"/>
-              </a:spcAft>
-              <a:buClr>
-                <a:schemeClr val="bg2">
-                  <a:lumMod val="40000"/>
-                  <a:lumOff val="60000"/>
-                </a:schemeClr>
-              </a:buClr>
-              <a:buSzPct val="80000"/>
-              <a:buFont typeface="Wingdings 3" charset="2"/>
-              <a:buChar char=""/>
-              <a:defRPr sz="1400" b="0" i="0" kern="1200">
-                <a:solidFill>
-                  <a:schemeClr val="tx1"/>
-                </a:solidFill>
-                <a:latin typeface="+mj-lt"/>
-                <a:ea typeface="+mj-ea"/>
-                <a:cs typeface="+mj-cs"/>
-              </a:defRPr>
-            </a:lvl5pPr>
-            <a:lvl6pPr marL="2506000" indent="-228600" algn="l" defTabSz="457200" rtl="0" eaLnBrk="1" latinLnBrk="0" hangingPunct="1">
-              <a:spcBef>
-                <a:spcPts val="1000"/>
-              </a:spcBef>
-              <a:spcAft>
-                <a:spcPts val="0"/>
-              </a:spcAft>
-              <a:buClr>
-                <a:schemeClr val="bg2">
-                  <a:lumMod val="40000"/>
-                  <a:lumOff val="60000"/>
-                </a:schemeClr>
-              </a:buClr>
-              <a:buSzPct val="80000"/>
-              <a:buFont typeface="Wingdings 3" charset="2"/>
-              <a:buChar char=""/>
-              <a:defRPr sz="1400" b="0" i="0" kern="1200">
-                <a:solidFill>
-                  <a:schemeClr val="tx1"/>
-                </a:solidFill>
-                <a:latin typeface="+mj-lt"/>
-                <a:ea typeface="+mj-ea"/>
-                <a:cs typeface="+mj-cs"/>
-              </a:defRPr>
-            </a:lvl6pPr>
-            <a:lvl7pPr marL="2971800" indent="-228600" algn="l" defTabSz="457200" rtl="0" eaLnBrk="1" latinLnBrk="0" hangingPunct="1">
-              <a:spcBef>
-                <a:spcPts val="1000"/>
-              </a:spcBef>
-              <a:spcAft>
-                <a:spcPts val="0"/>
-              </a:spcAft>
-              <a:buClr>
-                <a:schemeClr val="bg2">
-                  <a:lumMod val="40000"/>
-                  <a:lumOff val="60000"/>
-                </a:schemeClr>
-              </a:buClr>
-              <a:buSzPct val="80000"/>
-              <a:buFont typeface="Wingdings 3" charset="2"/>
-              <a:buChar char=""/>
-              <a:defRPr sz="1400" b="0" i="0" kern="1200">
-                <a:solidFill>
-                  <a:schemeClr val="tx1"/>
-                </a:solidFill>
-                <a:latin typeface="+mj-lt"/>
-                <a:ea typeface="+mj-ea"/>
-                <a:cs typeface="+mj-cs"/>
-              </a:defRPr>
-            </a:lvl7pPr>
-            <a:lvl8pPr marL="3429000" indent="-228600" algn="l" defTabSz="457200" rtl="0" eaLnBrk="1" latinLnBrk="0" hangingPunct="1">
-              <a:spcBef>
-                <a:spcPts val="1000"/>
-              </a:spcBef>
-              <a:spcAft>
-                <a:spcPts val="0"/>
-              </a:spcAft>
-              <a:buClr>
-                <a:schemeClr val="bg2">
-                  <a:lumMod val="40000"/>
-                  <a:lumOff val="60000"/>
-                </a:schemeClr>
-              </a:buClr>
-              <a:buSzPct val="80000"/>
-              <a:buFont typeface="Wingdings 3" charset="2"/>
-              <a:buChar char=""/>
-              <a:defRPr sz="1400" b="0" i="0" kern="1200">
-                <a:solidFill>
-                  <a:schemeClr val="tx1"/>
-                </a:solidFill>
-                <a:latin typeface="+mj-lt"/>
-                <a:ea typeface="+mj-ea"/>
-                <a:cs typeface="+mj-cs"/>
-              </a:defRPr>
-            </a:lvl8pPr>
-            <a:lvl9pPr marL="3886200" indent="-228600" algn="l" defTabSz="457200" rtl="0" eaLnBrk="1" latinLnBrk="0" hangingPunct="1">
-              <a:spcBef>
-                <a:spcPts val="1000"/>
-              </a:spcBef>
-              <a:spcAft>
-                <a:spcPts val="0"/>
-              </a:spcAft>
-              <a:buClr>
-                <a:schemeClr val="bg2">
-                  <a:lumMod val="40000"/>
-                  <a:lumOff val="60000"/>
-                </a:schemeClr>
-              </a:buClr>
-              <a:buSzPct val="80000"/>
-              <a:buFont typeface="Wingdings 3" charset="2"/>
-              <a:buChar char=""/>
-              <a:defRPr sz="1400" b="0" i="0" kern="1200">
-                <a:solidFill>
-                  <a:schemeClr val="tx1"/>
-                </a:solidFill>
-                <a:latin typeface="+mj-lt"/>
-                <a:ea typeface="+mj-ea"/>
-                <a:cs typeface="+mj-cs"/>
-              </a:defRPr>
-            </a:lvl9pPr>
-          </a:lstStyle>
-          <a:p>
-            <a:r>
-              <a:rPr lang="fr-CH" sz="1000" dirty="0"/>
-              <a:t>Configuration siège principal</a:t>
-            </a:r>
-          </a:p>
-          <a:p>
-            <a:r>
-              <a:rPr lang="fr-CH" sz="1000" dirty="0"/>
-              <a:t>Configuration FortiGate</a:t>
-            </a:r>
-          </a:p>
-          <a:p>
-            <a:r>
-              <a:rPr lang="fr-CH" sz="1000" dirty="0"/>
-              <a:t>Activation VDOMs</a:t>
-            </a:r>
-          </a:p>
-          <a:p>
-            <a:r>
-              <a:rPr lang="fr-CH" sz="1000" dirty="0"/>
-              <a:t>Création domaine Principal</a:t>
-            </a:r>
-          </a:p>
-          <a:p>
-            <a:r>
-              <a:rPr lang="fr-CH" sz="1000" dirty="0"/>
-              <a:t>Création domaine Secondaire</a:t>
-            </a:r>
-          </a:p>
-          <a:p>
-            <a:r>
-              <a:rPr lang="fr-CH" sz="1000" dirty="0"/>
-              <a:t>Création des administrateurs</a:t>
-            </a:r>
-          </a:p>
-          <a:p>
-            <a:r>
-              <a:rPr lang="fr-CH" sz="1000" dirty="0"/>
-              <a:t>Mise en place VDOM Principal</a:t>
-            </a:r>
-          </a:p>
-          <a:p>
-            <a:r>
-              <a:rPr lang="fr-CH" sz="1000" dirty="0"/>
-              <a:t>Création règles pare-feu</a:t>
-            </a:r>
-          </a:p>
-          <a:p>
-            <a:r>
-              <a:rPr lang="fr-CH" sz="1000" dirty="0"/>
-              <a:t>Configuration succursale secondaire</a:t>
-            </a:r>
-          </a:p>
-          <a:p>
-            <a:r>
-              <a:rPr lang="fr-CH" sz="1000" dirty="0"/>
-              <a:t>Mise en place VDOM Secondaire</a:t>
-            </a:r>
-          </a:p>
-          <a:p>
-            <a:r>
-              <a:rPr lang="fr-CH" sz="1000" dirty="0"/>
-              <a:t>Création règles pare-feu</a:t>
-            </a:r>
-          </a:p>
-          <a:p>
-            <a:r>
-              <a:rPr lang="fr-CH" sz="1000" dirty="0"/>
-              <a:t>Configuration Routeur</a:t>
-            </a:r>
-          </a:p>
-          <a:p>
-            <a:r>
-              <a:rPr lang="fr-CH" sz="1000" dirty="0"/>
-              <a:t>Configuration tunnels site-à-site SP</a:t>
-            </a:r>
-          </a:p>
-          <a:p>
-            <a:r>
-              <a:rPr lang="fr-CH" sz="1000" dirty="0"/>
-              <a:t>Création règle pare-feu pour tunnel SP</a:t>
-            </a:r>
-          </a:p>
-          <a:p>
-            <a:r>
-              <a:rPr lang="fr-CH" sz="1000" dirty="0"/>
-              <a:t>Création route pour tunnel SP</a:t>
-            </a:r>
-          </a:p>
-          <a:p>
-            <a:r>
-              <a:rPr lang="fr-CH" sz="1000" dirty="0"/>
-              <a:t>Configuration tunnels site-à-site SS</a:t>
-            </a:r>
-          </a:p>
-          <a:p>
-            <a:r>
-              <a:rPr lang="fr-CH" sz="1000" dirty="0"/>
-              <a:t>Création règle pare-feu pour tunnel SS</a:t>
-            </a:r>
-          </a:p>
-          <a:p>
-            <a:r>
-              <a:rPr lang="fr-CH" sz="1000" dirty="0"/>
-              <a:t>Création route pour tunnel SS</a:t>
-            </a:r>
-          </a:p>
-          <a:p>
-            <a:r>
-              <a:rPr lang="fr-CH" sz="1000" dirty="0"/>
-              <a:t>Remplacement routeur par switch</a:t>
-            </a:r>
-          </a:p>
-          <a:p>
-            <a:r>
-              <a:rPr lang="fr-CH" sz="1000" dirty="0"/>
-              <a:t>Configuration PC Télétravailleur</a:t>
-            </a:r>
-          </a:p>
-          <a:p>
-            <a:r>
-              <a:rPr lang="fr-CH" sz="1000" dirty="0"/>
-              <a:t>Configuration tunnel client-à-site</a:t>
-            </a:r>
-          </a:p>
-          <a:p>
-            <a:r>
-              <a:rPr lang="fr-CH" sz="1000" dirty="0"/>
-              <a:t>Configuration FortiClient VPN</a:t>
-            </a:r>
-          </a:p>
-          <a:p>
-            <a:endParaRPr lang="fr-CH" sz="1000" dirty="0"/>
-          </a:p>
-        </p:txBody>
-      </p:sp>
-    </p:spTree>
-    <p:extLst>
-      <p:ext uri="{BB962C8B-B14F-4D97-AF65-F5344CB8AC3E}">
-        <p14:creationId xmlns:p14="http://schemas.microsoft.com/office/powerpoint/2010/main" val="1013049900"/>
-      </p:ext>
-    </p:extLst>
-  </p:cSld>
-  <p:clrMapOvr>
-    <a:masterClrMapping/>
-  </p:clrMapOvr>
-</p:sld>
-</file>
-
-<file path=ppt/slides/slide19.xml><?xml version="1.0" encoding="utf-8"?>
-<p:sld xmlns:a="http://schemas.openxmlformats.org/drawingml/2006/main" xmlns:r="http://schemas.openxmlformats.org/officeDocument/2006/relationships" xmlns:p="http://schemas.openxmlformats.org/presentationml/2006/main">
-  <p:cSld>
-    <p:spTree>
-      <p:nvGrpSpPr>
-        <p:cNvPr id="1" name=""/>
-        <p:cNvGrpSpPr/>
-        <p:nvPr/>
-      </p:nvGrpSpPr>
-      <p:grpSpPr>
-        <a:xfrm>
-          <a:off x="0" y="0"/>
-          <a:ext cx="0" cy="0"/>
-          <a:chOff x="0" y="0"/>
-          <a:chExt cx="0" cy="0"/>
-        </a:xfrm>
-      </p:grpSpPr>
-      <p:sp>
-        <p:nvSpPr>
-          <p:cNvPr id="2" name="Titre 1"/>
-          <p:cNvSpPr>
-            <a:spLocks noGrp="1"/>
-          </p:cNvSpPr>
-          <p:nvPr>
-            <p:ph type="title"/>
-          </p:nvPr>
-        </p:nvSpPr>
-        <p:spPr/>
-        <p:txBody>
-          <a:bodyPr/>
-          <a:lstStyle/>
-          <a:p>
-            <a:r>
-              <a:rPr lang="fr-CH" dirty="0"/>
-              <a:t>VDOMs</a:t>
-            </a:r>
-          </a:p>
-        </p:txBody>
-      </p:sp>
-      <p:sp>
-        <p:nvSpPr>
-          <p:cNvPr id="4" name="Espace réservé du pied de page 3"/>
-          <p:cNvSpPr>
-            <a:spLocks noGrp="1"/>
-          </p:cNvSpPr>
-          <p:nvPr>
-            <p:ph type="ftr" sz="quarter" idx="11"/>
-          </p:nvPr>
-        </p:nvSpPr>
-        <p:spPr/>
-        <p:txBody>
-          <a:bodyPr/>
-          <a:lstStyle/>
-          <a:p>
-            <a:r>
-              <a:rPr lang="fr-CH" dirty="0"/>
-              <a:t>Damien Mayor</a:t>
-            </a:r>
-          </a:p>
-        </p:txBody>
-      </p:sp>
-      <p:sp>
-        <p:nvSpPr>
-          <p:cNvPr id="5" name="Espace réservé du numéro de diapositive 4"/>
-          <p:cNvSpPr>
-            <a:spLocks noGrp="1"/>
-          </p:cNvSpPr>
-          <p:nvPr>
-            <p:ph type="sldNum" sz="quarter" idx="12"/>
-          </p:nvPr>
-        </p:nvSpPr>
-        <p:spPr/>
-        <p:txBody>
-          <a:bodyPr/>
-          <a:lstStyle/>
-          <a:p>
-            <a:fld id="{2FCD9DE2-19B8-4E75-A167-0E6B1D03D668}" type="slidenum">
-              <a:rPr lang="fr-CH">
-                <a:solidFill>
-                  <a:srgbClr val="C00000"/>
-                </a:solidFill>
-                <a:effectLst>
-                  <a:outerShdw blurRad="38100" dist="38100" dir="2700000" algn="tl">
-                    <a:srgbClr val="000000">
-                      <a:alpha val="43137"/>
-                    </a:srgbClr>
-                  </a:outerShdw>
-                </a:effectLst>
-              </a:rPr>
-              <a:pPr/>
-              <a:t>19</a:t>
-            </a:fld>
-            <a:endParaRPr lang="fr-CH" dirty="0">
-              <a:solidFill>
-                <a:srgbClr val="C00000"/>
-              </a:solidFill>
-              <a:effectLst>
-                <a:outerShdw blurRad="38100" dist="38100" dir="2700000" algn="tl">
-                  <a:srgbClr val="000000">
-                    <a:alpha val="43137"/>
-                  </a:srgbClr>
-                </a:outerShdw>
-              </a:effectLst>
-            </a:endParaRPr>
-          </a:p>
-        </p:txBody>
-      </p:sp>
-      <p:pic>
-        <p:nvPicPr>
-          <p:cNvPr id="6" name="Espace réservé du contenu 5"/>
-          <p:cNvPicPr>
-            <a:picLocks noGrp="1"/>
-          </p:cNvPicPr>
-          <p:nvPr>
-            <p:ph idx="1"/>
-          </p:nvPr>
-        </p:nvPicPr>
-        <p:blipFill>
-          <a:blip r:embed="rId2">
-            <a:extLst>
-              <a:ext uri="{28A0092B-C50C-407E-A947-70E740481C1C}">
-                <a14:useLocalDpi xmlns:a14="http://schemas.microsoft.com/office/drawing/2010/main" val="0"/>
-              </a:ext>
-            </a:extLst>
-          </a:blip>
-          <a:stretch>
-            <a:fillRect/>
-          </a:stretch>
-        </p:blipFill>
-        <p:spPr>
-          <a:xfrm>
-            <a:off x="7783186" y="2070524"/>
-            <a:ext cx="2266667" cy="1580952"/>
-          </a:xfrm>
-          <a:prstGeom prst="rect">
-            <a:avLst/>
-          </a:prstGeom>
-        </p:spPr>
-      </p:pic>
-      <p:sp>
-        <p:nvSpPr>
-          <p:cNvPr id="8" name="Espace réservé du contenu 2"/>
-          <p:cNvSpPr txBox="1">
-            <a:spLocks/>
-          </p:cNvSpPr>
-          <p:nvPr/>
-        </p:nvSpPr>
-        <p:spPr>
-          <a:xfrm>
-            <a:off x="1103312" y="2052918"/>
-            <a:ext cx="8946541" cy="4195481"/>
-          </a:xfrm>
-          <a:prstGeom prst="rect">
-            <a:avLst/>
-          </a:prstGeom>
-        </p:spPr>
-        <p:txBody>
-          <a:bodyPr vert="horz" lIns="91440" tIns="45720" rIns="91440" bIns="45720" rtlCol="0">
-            <a:normAutofit/>
-          </a:bodyPr>
-          <a:lstStyle>
-            <a:lvl1pPr marL="342900" indent="-342900" algn="l" defTabSz="457200" rtl="0" eaLnBrk="1" latinLnBrk="0" hangingPunct="1">
-              <a:spcBef>
-                <a:spcPts val="1000"/>
-              </a:spcBef>
-              <a:spcAft>
-                <a:spcPts val="0"/>
-              </a:spcAft>
-              <a:buClr>
-                <a:schemeClr val="bg2">
-                  <a:lumMod val="40000"/>
-                  <a:lumOff val="60000"/>
-                </a:schemeClr>
-              </a:buClr>
-              <a:buSzPct val="80000"/>
-              <a:buFont typeface="Wingdings 3" charset="2"/>
-              <a:buChar char=""/>
-              <a:defRPr sz="2000" b="0" i="0" kern="1200">
-                <a:solidFill>
-                  <a:schemeClr val="tx1"/>
-                </a:solidFill>
-                <a:latin typeface="+mj-lt"/>
-                <a:ea typeface="+mj-ea"/>
-                <a:cs typeface="+mj-cs"/>
-              </a:defRPr>
-            </a:lvl1pPr>
-            <a:lvl2pPr marL="742950" indent="-285750" algn="l" defTabSz="457200" rtl="0" eaLnBrk="1" latinLnBrk="0" hangingPunct="1">
-              <a:spcBef>
-                <a:spcPts val="1000"/>
-              </a:spcBef>
-              <a:spcAft>
-                <a:spcPts val="0"/>
-              </a:spcAft>
-              <a:buClr>
-                <a:schemeClr val="bg2">
-                  <a:lumMod val="40000"/>
-                  <a:lumOff val="60000"/>
-                </a:schemeClr>
-              </a:buClr>
-              <a:buSzPct val="80000"/>
-              <a:buFont typeface="Wingdings 3" charset="2"/>
-              <a:buChar char=""/>
-              <a:defRPr sz="1800" b="0" i="0" kern="1200">
-                <a:solidFill>
-                  <a:schemeClr val="tx1"/>
-                </a:solidFill>
-                <a:latin typeface="+mj-lt"/>
-                <a:ea typeface="+mj-ea"/>
-                <a:cs typeface="+mj-cs"/>
-              </a:defRPr>
-            </a:lvl2pPr>
-            <a:lvl3pPr marL="1143000" indent="-228600" algn="l" defTabSz="457200" rtl="0" eaLnBrk="1" latinLnBrk="0" hangingPunct="1">
-              <a:spcBef>
-                <a:spcPts val="1000"/>
-              </a:spcBef>
-              <a:spcAft>
-                <a:spcPts val="0"/>
-              </a:spcAft>
-              <a:buClr>
-                <a:schemeClr val="bg2">
-                  <a:lumMod val="40000"/>
-                  <a:lumOff val="60000"/>
-                </a:schemeClr>
-              </a:buClr>
-              <a:buSzPct val="80000"/>
-              <a:buFont typeface="Wingdings 3" charset="2"/>
-              <a:buChar char=""/>
-              <a:defRPr sz="1600" b="0" i="0" kern="1200">
-                <a:solidFill>
-                  <a:schemeClr val="tx1"/>
-                </a:solidFill>
-                <a:latin typeface="+mj-lt"/>
-                <a:ea typeface="+mj-ea"/>
-                <a:cs typeface="+mj-cs"/>
-              </a:defRPr>
-            </a:lvl3pPr>
-            <a:lvl4pPr marL="1600200" indent="-228600" algn="l" defTabSz="457200" rtl="0" eaLnBrk="1" latinLnBrk="0" hangingPunct="1">
-              <a:spcBef>
-                <a:spcPts val="1000"/>
-              </a:spcBef>
-              <a:spcAft>
-                <a:spcPts val="0"/>
-              </a:spcAft>
-              <a:buClr>
-                <a:schemeClr val="bg2">
-                  <a:lumMod val="40000"/>
-                  <a:lumOff val="60000"/>
-                </a:schemeClr>
-              </a:buClr>
-              <a:buSzPct val="80000"/>
-              <a:buFont typeface="Wingdings 3" charset="2"/>
-              <a:buChar char=""/>
-              <a:defRPr sz="1400" b="0" i="0" kern="1200">
-                <a:solidFill>
-                  <a:schemeClr val="tx1"/>
-                </a:solidFill>
-                <a:latin typeface="+mj-lt"/>
-                <a:ea typeface="+mj-ea"/>
-                <a:cs typeface="+mj-cs"/>
-              </a:defRPr>
-            </a:lvl4pPr>
-            <a:lvl5pPr marL="2057400" indent="-228600" algn="l" defTabSz="457200" rtl="0" eaLnBrk="1" latinLnBrk="0" hangingPunct="1">
-              <a:spcBef>
-                <a:spcPts val="1000"/>
-              </a:spcBef>
-              <a:spcAft>
-                <a:spcPts val="0"/>
-              </a:spcAft>
-              <a:buClr>
-                <a:schemeClr val="bg2">
-                  <a:lumMod val="40000"/>
-                  <a:lumOff val="60000"/>
-                </a:schemeClr>
-              </a:buClr>
-              <a:buSzPct val="80000"/>
-              <a:buFont typeface="Wingdings 3" charset="2"/>
-              <a:buChar char=""/>
-              <a:defRPr sz="1400" b="0" i="0" kern="1200">
-                <a:solidFill>
-                  <a:schemeClr val="tx1"/>
-                </a:solidFill>
-                <a:latin typeface="+mj-lt"/>
-                <a:ea typeface="+mj-ea"/>
-                <a:cs typeface="+mj-cs"/>
-              </a:defRPr>
-            </a:lvl5pPr>
-            <a:lvl6pPr marL="2506000" indent="-228600" algn="l" defTabSz="457200" rtl="0" eaLnBrk="1" latinLnBrk="0" hangingPunct="1">
-              <a:spcBef>
-                <a:spcPts val="1000"/>
-              </a:spcBef>
-              <a:spcAft>
-                <a:spcPts val="0"/>
-              </a:spcAft>
-              <a:buClr>
-                <a:schemeClr val="bg2">
-                  <a:lumMod val="40000"/>
-                  <a:lumOff val="60000"/>
-                </a:schemeClr>
-              </a:buClr>
-              <a:buSzPct val="80000"/>
-              <a:buFont typeface="Wingdings 3" charset="2"/>
-              <a:buChar char=""/>
-              <a:defRPr sz="1400" b="0" i="0" kern="1200">
-                <a:solidFill>
-                  <a:schemeClr val="tx1"/>
-                </a:solidFill>
-                <a:latin typeface="+mj-lt"/>
-                <a:ea typeface="+mj-ea"/>
-                <a:cs typeface="+mj-cs"/>
-              </a:defRPr>
-            </a:lvl6pPr>
-            <a:lvl7pPr marL="2971800" indent="-228600" algn="l" defTabSz="457200" rtl="0" eaLnBrk="1" latinLnBrk="0" hangingPunct="1">
-              <a:spcBef>
-                <a:spcPts val="1000"/>
-              </a:spcBef>
-              <a:spcAft>
-                <a:spcPts val="0"/>
-              </a:spcAft>
-              <a:buClr>
-                <a:schemeClr val="bg2">
-                  <a:lumMod val="40000"/>
-                  <a:lumOff val="60000"/>
-                </a:schemeClr>
-              </a:buClr>
-              <a:buSzPct val="80000"/>
-              <a:buFont typeface="Wingdings 3" charset="2"/>
-              <a:buChar char=""/>
-              <a:defRPr sz="1400" b="0" i="0" kern="1200">
-                <a:solidFill>
-                  <a:schemeClr val="tx1"/>
-                </a:solidFill>
-                <a:latin typeface="+mj-lt"/>
-                <a:ea typeface="+mj-ea"/>
-                <a:cs typeface="+mj-cs"/>
-              </a:defRPr>
-            </a:lvl7pPr>
-            <a:lvl8pPr marL="3429000" indent="-228600" algn="l" defTabSz="457200" rtl="0" eaLnBrk="1" latinLnBrk="0" hangingPunct="1">
-              <a:spcBef>
-                <a:spcPts val="1000"/>
-              </a:spcBef>
-              <a:spcAft>
-                <a:spcPts val="0"/>
-              </a:spcAft>
-              <a:buClr>
-                <a:schemeClr val="bg2">
-                  <a:lumMod val="40000"/>
-                  <a:lumOff val="60000"/>
-                </a:schemeClr>
-              </a:buClr>
-              <a:buSzPct val="80000"/>
-              <a:buFont typeface="Wingdings 3" charset="2"/>
-              <a:buChar char=""/>
-              <a:defRPr sz="1400" b="0" i="0" kern="1200">
-                <a:solidFill>
-                  <a:schemeClr val="tx1"/>
-                </a:solidFill>
-                <a:latin typeface="+mj-lt"/>
-                <a:ea typeface="+mj-ea"/>
-                <a:cs typeface="+mj-cs"/>
-              </a:defRPr>
-            </a:lvl8pPr>
-            <a:lvl9pPr marL="3886200" indent="-228600" algn="l" defTabSz="457200" rtl="0" eaLnBrk="1" latinLnBrk="0" hangingPunct="1">
-              <a:spcBef>
-                <a:spcPts val="1000"/>
-              </a:spcBef>
-              <a:spcAft>
-                <a:spcPts val="0"/>
-              </a:spcAft>
-              <a:buClr>
-                <a:schemeClr val="bg2">
-                  <a:lumMod val="40000"/>
-                  <a:lumOff val="60000"/>
-                </a:schemeClr>
-              </a:buClr>
-              <a:buSzPct val="80000"/>
-              <a:buFont typeface="Wingdings 3" charset="2"/>
-              <a:buChar char=""/>
-              <a:defRPr sz="1400" b="0" i="0" kern="1200">
-                <a:solidFill>
-                  <a:schemeClr val="tx1"/>
-                </a:solidFill>
-                <a:latin typeface="+mj-lt"/>
-                <a:ea typeface="+mj-ea"/>
-                <a:cs typeface="+mj-cs"/>
-              </a:defRPr>
-            </a:lvl9pPr>
-          </a:lstStyle>
-          <a:p>
-            <a:r>
-              <a:rPr lang="fr-CH" dirty="0"/>
-              <a:t>Solution de virtualisation</a:t>
-            </a:r>
-          </a:p>
-          <a:p>
-            <a:pPr marL="0" indent="0">
-              <a:buNone/>
-            </a:pPr>
-            <a:endParaRPr lang="fr-CH" dirty="0"/>
-          </a:p>
-          <a:p>
-            <a:r>
-              <a:rPr lang="fr-CH" dirty="0"/>
-              <a:t>Mise en place</a:t>
-            </a:r>
-          </a:p>
-          <a:p>
-            <a:pPr marL="0" indent="0">
-              <a:buNone/>
-            </a:pPr>
-            <a:endParaRPr lang="fr-CH" dirty="0"/>
-          </a:p>
-          <a:p>
-            <a:r>
-              <a:rPr lang="fr-CH" dirty="0"/>
-              <a:t>Limitations</a:t>
-            </a:r>
-          </a:p>
-        </p:txBody>
-      </p:sp>
-    </p:spTree>
-    <p:extLst>
-      <p:ext uri="{BB962C8B-B14F-4D97-AF65-F5344CB8AC3E}">
-        <p14:creationId xmlns:p14="http://schemas.microsoft.com/office/powerpoint/2010/main" val="787465654"/>
-      </p:ext>
-    </p:extLst>
-  </p:cSld>
-  <p:clrMapOvr>
-    <a:masterClrMapping/>
-  </p:clrMapOvr>
-</p:sld>
-</file>
-
 <file path=ppt/slides/slide2.xml><?xml version="1.0" encoding="utf-8"?>
 <p:sld xmlns:a="http://schemas.openxmlformats.org/drawingml/2006/main" xmlns:r="http://schemas.openxmlformats.org/officeDocument/2006/relationships" xmlns:p="http://schemas.openxmlformats.org/presentationml/2006/main">
   <p:cSld>
@@ -15006,7 +15377,13 @@
       </p:grpSpPr>
       <p:sp>
         <p:nvSpPr>
-          <p:cNvPr id="2" name="Titre 1"/>
+          <p:cNvPr id="2" name="Titre 1">
+            <a:extLst>
+              <a:ext uri="{FF2B5EF4-FFF2-40B4-BE49-F238E27FC236}">
+                <a16:creationId xmlns:a16="http://schemas.microsoft.com/office/drawing/2014/main" id="{9CB3D25D-A96E-6C53-6177-5F129DF45F4A}"/>
+              </a:ext>
+            </a:extLst>
+          </p:cNvPr>
           <p:cNvSpPr>
             <a:spLocks noGrp="1"/>
           </p:cNvSpPr>
@@ -15021,19 +15398,60 @@
           <a:p>
             <a:r>
               <a:rPr lang="fr-CH" dirty="0"/>
-              <a:t>IPsec vs SSL</a:t>
-            </a:r>
-          </a:p>
-        </p:txBody>
-      </p:sp>
-      <p:sp>
-        <p:nvSpPr>
-          <p:cNvPr id="3" name="Espace réservé du contenu 2"/>
+              <a:t>Schéma</a:t>
+            </a:r>
+          </a:p>
+        </p:txBody>
+      </p:sp>
+      <p:pic>
+        <p:nvPicPr>
+          <p:cNvPr id="7" name="Espace réservé du contenu 6">
+            <a:extLst>
+              <a:ext uri="{FF2B5EF4-FFF2-40B4-BE49-F238E27FC236}">
+                <a16:creationId xmlns:a16="http://schemas.microsoft.com/office/drawing/2014/main" id="{47C5B229-C4E8-E4BB-6F62-C9E73EDE5426}"/>
+              </a:ext>
+            </a:extLst>
+          </p:cNvPr>
+          <p:cNvPicPr>
+            <a:picLocks noGrp="1" noChangeAspect="1"/>
+          </p:cNvPicPr>
+          <p:nvPr>
+            <p:ph idx="1"/>
+          </p:nvPr>
+        </p:nvPicPr>
+        <p:blipFill>
+          <a:blip r:embed="rId2">
+            <a:extLst>
+              <a:ext uri="{28A0092B-C50C-407E-A947-70E740481C1C}">
+                <a14:useLocalDpi xmlns:a14="http://schemas.microsoft.com/office/drawing/2010/main" val="0"/>
+              </a:ext>
+            </a:extLst>
+          </a:blip>
+          <a:stretch>
+            <a:fillRect/>
+          </a:stretch>
+        </p:blipFill>
+        <p:spPr>
+          <a:xfrm>
+            <a:off x="3085310" y="2052638"/>
+            <a:ext cx="4983155" cy="4195762"/>
+          </a:xfrm>
+        </p:spPr>
+      </p:pic>
+      <p:sp>
+        <p:nvSpPr>
+          <p:cNvPr id="4" name="Espace réservé du pied de page 3">
+            <a:extLst>
+              <a:ext uri="{FF2B5EF4-FFF2-40B4-BE49-F238E27FC236}">
+                <a16:creationId xmlns:a16="http://schemas.microsoft.com/office/drawing/2014/main" id="{B39FBDBA-9567-25C7-AFAA-1AE810A6FC77}"/>
+              </a:ext>
+            </a:extLst>
+          </p:cNvPr>
           <p:cNvSpPr>
             <a:spLocks noGrp="1"/>
           </p:cNvSpPr>
           <p:nvPr>
-            <p:ph idx="1"/>
+            <p:ph type="ftr" sz="quarter" idx="11"/>
           </p:nvPr>
         </p:nvSpPr>
         <p:spPr/>
@@ -15042,28 +15460,6 @@
           <a:lstStyle/>
           <a:p>
             <a:r>
-              <a:rPr lang="fr-CH" dirty="0"/>
-              <a:t>vs</a:t>
-            </a:r>
-          </a:p>
-        </p:txBody>
-      </p:sp>
-      <p:sp>
-        <p:nvSpPr>
-          <p:cNvPr id="4" name="Espace réservé du pied de page 3"/>
-          <p:cNvSpPr>
-            <a:spLocks noGrp="1"/>
-          </p:cNvSpPr>
-          <p:nvPr>
-            <p:ph type="ftr" sz="quarter" idx="11"/>
-          </p:nvPr>
-        </p:nvSpPr>
-        <p:spPr/>
-        <p:txBody>
-          <a:bodyPr/>
-          <a:lstStyle/>
-          <a:p>
-            <a:r>
               <a:rPr lang="fr-CH"/>
               <a:t>Damien Mayor</a:t>
             </a:r>
@@ -15072,7 +15468,13 @@
       </p:sp>
       <p:sp>
         <p:nvSpPr>
-          <p:cNvPr id="5" name="Espace réservé du numéro de diapositive 4"/>
+          <p:cNvPr id="5" name="Espace réservé du numéro de diapositive 4">
+            <a:extLst>
+              <a:ext uri="{FF2B5EF4-FFF2-40B4-BE49-F238E27FC236}">
+                <a16:creationId xmlns:a16="http://schemas.microsoft.com/office/drawing/2014/main" id="{4761D3C6-EE90-D91F-7F68-B78CECDAFB66}"/>
+              </a:ext>
+            </a:extLst>
+          </p:cNvPr>
           <p:cNvSpPr>
             <a:spLocks noGrp="1"/>
           </p:cNvSpPr>
@@ -15096,7 +15498,7 @@
     </p:spTree>
     <p:extLst>
       <p:ext uri="{BB962C8B-B14F-4D97-AF65-F5344CB8AC3E}">
-        <p14:creationId xmlns:p14="http://schemas.microsoft.com/office/powerpoint/2010/main" val="571767169"/>
+        <p14:creationId xmlns:p14="http://schemas.microsoft.com/office/powerpoint/2010/main" val="1117888082"/>
       </p:ext>
     </p:extLst>
   </p:cSld>
@@ -15140,19 +15542,19 @@
           <a:p>
             <a:r>
               <a:rPr lang="fr-CH" dirty="0"/>
-              <a:t>Client-à-site</a:t>
-            </a:r>
-          </a:p>
-        </p:txBody>
-      </p:sp>
-      <p:sp>
-        <p:nvSpPr>
-          <p:cNvPr id="3" name="Espace réservé du contenu 2"/>
+              <a:t>Phase 1- Salle C111</a:t>
+            </a:r>
+          </a:p>
+        </p:txBody>
+      </p:sp>
+      <p:sp>
+        <p:nvSpPr>
+          <p:cNvPr id="4" name="Espace réservé du pied de page 3"/>
           <p:cNvSpPr>
             <a:spLocks noGrp="1"/>
           </p:cNvSpPr>
           <p:nvPr>
-            <p:ph idx="1"/>
+            <p:ph type="ftr" sz="quarter" idx="11"/>
           </p:nvPr>
         </p:nvSpPr>
         <p:spPr/>
@@ -15160,27 +15562,8 @@
           <a:bodyPr/>
           <a:lstStyle/>
           <a:p>
-            <a:endParaRPr lang="fr-CH"/>
-          </a:p>
-        </p:txBody>
-      </p:sp>
-      <p:sp>
-        <p:nvSpPr>
-          <p:cNvPr id="4" name="Espace réservé du pied de page 3"/>
-          <p:cNvSpPr>
-            <a:spLocks noGrp="1"/>
-          </p:cNvSpPr>
-          <p:nvPr>
-            <p:ph type="ftr" sz="quarter" idx="11"/>
-          </p:nvPr>
-        </p:nvSpPr>
-        <p:spPr/>
-        <p:txBody>
-          <a:bodyPr/>
-          <a:lstStyle/>
-          <a:p>
-            <a:r>
-              <a:rPr lang="fr-CH"/>
+            <a:r>
+              <a:rPr lang="fr-CH" dirty="0"/>
               <a:t>Damien Mayor</a:t>
             </a:r>
           </a:p>
@@ -15232,10 +15615,431 @@
           </a:p>
         </p:txBody>
       </p:sp>
+      <p:pic>
+        <p:nvPicPr>
+          <p:cNvPr id="8" name="Espace réservé du contenu 7"/>
+          <p:cNvPicPr>
+            <a:picLocks noGrp="1" noChangeAspect="1"/>
+          </p:cNvPicPr>
+          <p:nvPr>
+            <p:ph idx="1"/>
+          </p:nvPr>
+        </p:nvPicPr>
+        <p:blipFill>
+          <a:blip r:embed="rId2">
+            <a:extLst>
+              <a:ext uri="{28A0092B-C50C-407E-A947-70E740481C1C}">
+                <a14:useLocalDpi xmlns:a14="http://schemas.microsoft.com/office/drawing/2010/main" val="0"/>
+              </a:ext>
+            </a:extLst>
+          </a:blip>
+          <a:stretch>
+            <a:fillRect/>
+          </a:stretch>
+        </p:blipFill>
+        <p:spPr>
+          <a:xfrm>
+            <a:off x="7163" y="1418304"/>
+            <a:ext cx="7878457" cy="5423632"/>
+          </a:xfrm>
+          <a:ln>
+            <a:solidFill>
+              <a:schemeClr val="accent4">
+                <a:lumMod val="75000"/>
+              </a:schemeClr>
+            </a:solidFill>
+          </a:ln>
+        </p:spPr>
+      </p:pic>
+      <p:sp>
+        <p:nvSpPr>
+          <p:cNvPr id="6" name="Espace réservé du contenu 2"/>
+          <p:cNvSpPr txBox="1">
+            <a:spLocks/>
+          </p:cNvSpPr>
+          <p:nvPr/>
+        </p:nvSpPr>
+        <p:spPr>
+          <a:xfrm>
+            <a:off x="8071444" y="1418304"/>
+            <a:ext cx="4051146" cy="5423632"/>
+          </a:xfrm>
+          <a:prstGeom prst="rect">
+            <a:avLst/>
+          </a:prstGeom>
+        </p:spPr>
+        <p:txBody>
+          <a:bodyPr vert="horz" lIns="91440" tIns="45720" rIns="91440" bIns="45720" rtlCol="0">
+            <a:normAutofit fontScale="92500" lnSpcReduction="20000"/>
+          </a:bodyPr>
+          <a:lstStyle>
+            <a:lvl1pPr marL="342900" indent="-342900" algn="l" defTabSz="457200" rtl="0" eaLnBrk="1" latinLnBrk="0" hangingPunct="1">
+              <a:spcBef>
+                <a:spcPts val="1000"/>
+              </a:spcBef>
+              <a:spcAft>
+                <a:spcPts val="0"/>
+              </a:spcAft>
+              <a:buClr>
+                <a:schemeClr val="bg2">
+                  <a:lumMod val="40000"/>
+                  <a:lumOff val="60000"/>
+                </a:schemeClr>
+              </a:buClr>
+              <a:buSzPct val="80000"/>
+              <a:buFont typeface="Wingdings 3" charset="2"/>
+              <a:buChar char=""/>
+              <a:defRPr sz="2000" b="0" i="0" kern="1200">
+                <a:solidFill>
+                  <a:schemeClr val="tx1"/>
+                </a:solidFill>
+                <a:latin typeface="+mj-lt"/>
+                <a:ea typeface="+mj-ea"/>
+                <a:cs typeface="+mj-cs"/>
+              </a:defRPr>
+            </a:lvl1pPr>
+            <a:lvl2pPr marL="742950" indent="-285750" algn="l" defTabSz="457200" rtl="0" eaLnBrk="1" latinLnBrk="0" hangingPunct="1">
+              <a:spcBef>
+                <a:spcPts val="1000"/>
+              </a:spcBef>
+              <a:spcAft>
+                <a:spcPts val="0"/>
+              </a:spcAft>
+              <a:buClr>
+                <a:schemeClr val="bg2">
+                  <a:lumMod val="40000"/>
+                  <a:lumOff val="60000"/>
+                </a:schemeClr>
+              </a:buClr>
+              <a:buSzPct val="80000"/>
+              <a:buFont typeface="Wingdings 3" charset="2"/>
+              <a:buChar char=""/>
+              <a:defRPr sz="1800" b="0" i="0" kern="1200">
+                <a:solidFill>
+                  <a:schemeClr val="tx1"/>
+                </a:solidFill>
+                <a:latin typeface="+mj-lt"/>
+                <a:ea typeface="+mj-ea"/>
+                <a:cs typeface="+mj-cs"/>
+              </a:defRPr>
+            </a:lvl2pPr>
+            <a:lvl3pPr marL="1143000" indent="-228600" algn="l" defTabSz="457200" rtl="0" eaLnBrk="1" latinLnBrk="0" hangingPunct="1">
+              <a:spcBef>
+                <a:spcPts val="1000"/>
+              </a:spcBef>
+              <a:spcAft>
+                <a:spcPts val="0"/>
+              </a:spcAft>
+              <a:buClr>
+                <a:schemeClr val="bg2">
+                  <a:lumMod val="40000"/>
+                  <a:lumOff val="60000"/>
+                </a:schemeClr>
+              </a:buClr>
+              <a:buSzPct val="80000"/>
+              <a:buFont typeface="Wingdings 3" charset="2"/>
+              <a:buChar char=""/>
+              <a:defRPr sz="1600" b="0" i="0" kern="1200">
+                <a:solidFill>
+                  <a:schemeClr val="tx1"/>
+                </a:solidFill>
+                <a:latin typeface="+mj-lt"/>
+                <a:ea typeface="+mj-ea"/>
+                <a:cs typeface="+mj-cs"/>
+              </a:defRPr>
+            </a:lvl3pPr>
+            <a:lvl4pPr marL="1600200" indent="-228600" algn="l" defTabSz="457200" rtl="0" eaLnBrk="1" latinLnBrk="0" hangingPunct="1">
+              <a:spcBef>
+                <a:spcPts val="1000"/>
+              </a:spcBef>
+              <a:spcAft>
+                <a:spcPts val="0"/>
+              </a:spcAft>
+              <a:buClr>
+                <a:schemeClr val="bg2">
+                  <a:lumMod val="40000"/>
+                  <a:lumOff val="60000"/>
+                </a:schemeClr>
+              </a:buClr>
+              <a:buSzPct val="80000"/>
+              <a:buFont typeface="Wingdings 3" charset="2"/>
+              <a:buChar char=""/>
+              <a:defRPr sz="1400" b="0" i="0" kern="1200">
+                <a:solidFill>
+                  <a:schemeClr val="tx1"/>
+                </a:solidFill>
+                <a:latin typeface="+mj-lt"/>
+                <a:ea typeface="+mj-ea"/>
+                <a:cs typeface="+mj-cs"/>
+              </a:defRPr>
+            </a:lvl4pPr>
+            <a:lvl5pPr marL="2057400" indent="-228600" algn="l" defTabSz="457200" rtl="0" eaLnBrk="1" latinLnBrk="0" hangingPunct="1">
+              <a:spcBef>
+                <a:spcPts val="1000"/>
+              </a:spcBef>
+              <a:spcAft>
+                <a:spcPts val="0"/>
+              </a:spcAft>
+              <a:buClr>
+                <a:schemeClr val="bg2">
+                  <a:lumMod val="40000"/>
+                  <a:lumOff val="60000"/>
+                </a:schemeClr>
+              </a:buClr>
+              <a:buSzPct val="80000"/>
+              <a:buFont typeface="Wingdings 3" charset="2"/>
+              <a:buChar char=""/>
+              <a:defRPr sz="1400" b="0" i="0" kern="1200">
+                <a:solidFill>
+                  <a:schemeClr val="tx1"/>
+                </a:solidFill>
+                <a:latin typeface="+mj-lt"/>
+                <a:ea typeface="+mj-ea"/>
+                <a:cs typeface="+mj-cs"/>
+              </a:defRPr>
+            </a:lvl5pPr>
+            <a:lvl6pPr marL="2506000" indent="-228600" algn="l" defTabSz="457200" rtl="0" eaLnBrk="1" latinLnBrk="0" hangingPunct="1">
+              <a:spcBef>
+                <a:spcPts val="1000"/>
+              </a:spcBef>
+              <a:spcAft>
+                <a:spcPts val="0"/>
+              </a:spcAft>
+              <a:buClr>
+                <a:schemeClr val="bg2">
+                  <a:lumMod val="40000"/>
+                  <a:lumOff val="60000"/>
+                </a:schemeClr>
+              </a:buClr>
+              <a:buSzPct val="80000"/>
+              <a:buFont typeface="Wingdings 3" charset="2"/>
+              <a:buChar char=""/>
+              <a:defRPr sz="1400" b="0" i="0" kern="1200">
+                <a:solidFill>
+                  <a:schemeClr val="tx1"/>
+                </a:solidFill>
+                <a:latin typeface="+mj-lt"/>
+                <a:ea typeface="+mj-ea"/>
+                <a:cs typeface="+mj-cs"/>
+              </a:defRPr>
+            </a:lvl6pPr>
+            <a:lvl7pPr marL="2971800" indent="-228600" algn="l" defTabSz="457200" rtl="0" eaLnBrk="1" latinLnBrk="0" hangingPunct="1">
+              <a:spcBef>
+                <a:spcPts val="1000"/>
+              </a:spcBef>
+              <a:spcAft>
+                <a:spcPts val="0"/>
+              </a:spcAft>
+              <a:buClr>
+                <a:schemeClr val="bg2">
+                  <a:lumMod val="40000"/>
+                  <a:lumOff val="60000"/>
+                </a:schemeClr>
+              </a:buClr>
+              <a:buSzPct val="80000"/>
+              <a:buFont typeface="Wingdings 3" charset="2"/>
+              <a:buChar char=""/>
+              <a:defRPr sz="1400" b="0" i="0" kern="1200">
+                <a:solidFill>
+                  <a:schemeClr val="tx1"/>
+                </a:solidFill>
+                <a:latin typeface="+mj-lt"/>
+                <a:ea typeface="+mj-ea"/>
+                <a:cs typeface="+mj-cs"/>
+              </a:defRPr>
+            </a:lvl7pPr>
+            <a:lvl8pPr marL="3429000" indent="-228600" algn="l" defTabSz="457200" rtl="0" eaLnBrk="1" latinLnBrk="0" hangingPunct="1">
+              <a:spcBef>
+                <a:spcPts val="1000"/>
+              </a:spcBef>
+              <a:spcAft>
+                <a:spcPts val="0"/>
+              </a:spcAft>
+              <a:buClr>
+                <a:schemeClr val="bg2">
+                  <a:lumMod val="40000"/>
+                  <a:lumOff val="60000"/>
+                </a:schemeClr>
+              </a:buClr>
+              <a:buSzPct val="80000"/>
+              <a:buFont typeface="Wingdings 3" charset="2"/>
+              <a:buChar char=""/>
+              <a:defRPr sz="1400" b="0" i="0" kern="1200">
+                <a:solidFill>
+                  <a:schemeClr val="tx1"/>
+                </a:solidFill>
+                <a:latin typeface="+mj-lt"/>
+                <a:ea typeface="+mj-ea"/>
+                <a:cs typeface="+mj-cs"/>
+              </a:defRPr>
+            </a:lvl8pPr>
+            <a:lvl9pPr marL="3886200" indent="-228600" algn="l" defTabSz="457200" rtl="0" eaLnBrk="1" latinLnBrk="0" hangingPunct="1">
+              <a:spcBef>
+                <a:spcPts val="1000"/>
+              </a:spcBef>
+              <a:spcAft>
+                <a:spcPts val="0"/>
+              </a:spcAft>
+              <a:buClr>
+                <a:schemeClr val="bg2">
+                  <a:lumMod val="40000"/>
+                  <a:lumOff val="60000"/>
+                </a:schemeClr>
+              </a:buClr>
+              <a:buSzPct val="80000"/>
+              <a:buFont typeface="Wingdings 3" charset="2"/>
+              <a:buChar char=""/>
+              <a:defRPr sz="1400" b="0" i="0" kern="1200">
+                <a:solidFill>
+                  <a:schemeClr val="tx1"/>
+                </a:solidFill>
+                <a:latin typeface="+mj-lt"/>
+                <a:ea typeface="+mj-ea"/>
+                <a:cs typeface="+mj-cs"/>
+              </a:defRPr>
+            </a:lvl9pPr>
+          </a:lstStyle>
+          <a:p>
+            <a:r>
+              <a:rPr lang="fr-CH" sz="1000" dirty="0"/>
+              <a:t>Configuration siège principal</a:t>
+            </a:r>
+          </a:p>
+          <a:p>
+            <a:r>
+              <a:rPr lang="fr-CH" sz="1000" dirty="0"/>
+              <a:t>Configuration FortiGate</a:t>
+            </a:r>
+          </a:p>
+          <a:p>
+            <a:r>
+              <a:rPr lang="fr-CH" sz="1000" dirty="0"/>
+              <a:t>Activation VDOMs</a:t>
+            </a:r>
+          </a:p>
+          <a:p>
+            <a:r>
+              <a:rPr lang="fr-CH" sz="1000" dirty="0"/>
+              <a:t>Création domaine Principal</a:t>
+            </a:r>
+          </a:p>
+          <a:p>
+            <a:r>
+              <a:rPr lang="fr-CH" sz="1000" dirty="0"/>
+              <a:t>Création domaine Secondaire</a:t>
+            </a:r>
+          </a:p>
+          <a:p>
+            <a:r>
+              <a:rPr lang="fr-CH" sz="1000" dirty="0"/>
+              <a:t>Création des administrateurs</a:t>
+            </a:r>
+          </a:p>
+          <a:p>
+            <a:r>
+              <a:rPr lang="fr-CH" sz="1000" dirty="0"/>
+              <a:t>Mise en place VDOM Principal</a:t>
+            </a:r>
+          </a:p>
+          <a:p>
+            <a:r>
+              <a:rPr lang="fr-CH" sz="1000" dirty="0"/>
+              <a:t>Création règles pare-feu</a:t>
+            </a:r>
+          </a:p>
+          <a:p>
+            <a:r>
+              <a:rPr lang="fr-CH" sz="1000" dirty="0"/>
+              <a:t>Configuration succursale secondaire</a:t>
+            </a:r>
+          </a:p>
+          <a:p>
+            <a:r>
+              <a:rPr lang="fr-CH" sz="1000" dirty="0"/>
+              <a:t>Mise en place VDOM Secondaire</a:t>
+            </a:r>
+          </a:p>
+          <a:p>
+            <a:r>
+              <a:rPr lang="fr-CH" sz="1000" dirty="0"/>
+              <a:t>Création règles pare-feu</a:t>
+            </a:r>
+          </a:p>
+          <a:p>
+            <a:r>
+              <a:rPr lang="fr-CH" sz="1000" dirty="0"/>
+              <a:t>Configuration Routeur</a:t>
+            </a:r>
+          </a:p>
+          <a:p>
+            <a:r>
+              <a:rPr lang="fr-CH" sz="1000" dirty="0"/>
+              <a:t>Configuration tunnels site-à-site SP</a:t>
+            </a:r>
+          </a:p>
+          <a:p>
+            <a:r>
+              <a:rPr lang="fr-CH" sz="1000" dirty="0"/>
+              <a:t>Création règle pare-feu pour tunnel SP</a:t>
+            </a:r>
+          </a:p>
+          <a:p>
+            <a:r>
+              <a:rPr lang="fr-CH" sz="1000" dirty="0"/>
+              <a:t>Création route pour tunnel SP</a:t>
+            </a:r>
+          </a:p>
+          <a:p>
+            <a:r>
+              <a:rPr lang="fr-CH" sz="1000" dirty="0"/>
+              <a:t>Configuration tunnels site-à-site SS</a:t>
+            </a:r>
+          </a:p>
+          <a:p>
+            <a:r>
+              <a:rPr lang="fr-CH" sz="1000" dirty="0"/>
+              <a:t>Création règle pare-feu pour tunnel SS</a:t>
+            </a:r>
+          </a:p>
+          <a:p>
+            <a:r>
+              <a:rPr lang="fr-CH" sz="1000" dirty="0"/>
+              <a:t>Création route pour tunnel SS</a:t>
+            </a:r>
+          </a:p>
+          <a:p>
+            <a:r>
+              <a:rPr lang="fr-CH" sz="1000" dirty="0"/>
+              <a:t>Remplacement routeur par switch</a:t>
+            </a:r>
+          </a:p>
+          <a:p>
+            <a:r>
+              <a:rPr lang="fr-CH" sz="1000" dirty="0"/>
+              <a:t>Configuration PC Télétravailleur</a:t>
+            </a:r>
+          </a:p>
+          <a:p>
+            <a:r>
+              <a:rPr lang="fr-CH" sz="1000" dirty="0"/>
+              <a:t>Configuration tunnel client-à-site</a:t>
+            </a:r>
+          </a:p>
+          <a:p>
+            <a:r>
+              <a:rPr lang="fr-CH" sz="1000" dirty="0"/>
+              <a:t>Configuration FortiClient VPN</a:t>
+            </a:r>
+          </a:p>
+          <a:p>
+            <a:endParaRPr lang="fr-CH" sz="1000" dirty="0"/>
+          </a:p>
+        </p:txBody>
+      </p:sp>
     </p:spTree>
     <p:extLst>
       <p:ext uri="{BB962C8B-B14F-4D97-AF65-F5344CB8AC3E}">
-        <p14:creationId xmlns:p14="http://schemas.microsoft.com/office/powerpoint/2010/main" val="3434550955"/>
+        <p14:creationId xmlns:p14="http://schemas.microsoft.com/office/powerpoint/2010/main" val="1013049900"/>
       </p:ext>
     </p:extLst>
   </p:cSld>
@@ -15279,7 +16083,7 @@
           <a:p>
             <a:r>
               <a:rPr lang="fr-CH" dirty="0"/>
-              <a:t>Phase 2 – Réseau CPNV</a:t>
+              <a:t>VDOMs</a:t>
             </a:r>
           </a:p>
         </p:txBody>
@@ -15336,6 +16140,696 @@
               </a:rPr>
               <a:pPr/>
               <a:t>22</a:t>
+            </a:fld>
+            <a:endParaRPr lang="fr-CH" dirty="0">
+              <a:solidFill>
+                <a:srgbClr val="C00000"/>
+              </a:solidFill>
+              <a:effectLst>
+                <a:outerShdw blurRad="38100" dist="38100" dir="2700000" algn="tl">
+                  <a:srgbClr val="000000">
+                    <a:alpha val="43137"/>
+                  </a:srgbClr>
+                </a:outerShdw>
+              </a:effectLst>
+            </a:endParaRPr>
+          </a:p>
+        </p:txBody>
+      </p:sp>
+      <p:pic>
+        <p:nvPicPr>
+          <p:cNvPr id="6" name="Espace réservé du contenu 5"/>
+          <p:cNvPicPr>
+            <a:picLocks noGrp="1"/>
+          </p:cNvPicPr>
+          <p:nvPr>
+            <p:ph idx="1"/>
+          </p:nvPr>
+        </p:nvPicPr>
+        <p:blipFill>
+          <a:blip r:embed="rId2">
+            <a:extLst>
+              <a:ext uri="{28A0092B-C50C-407E-A947-70E740481C1C}">
+                <a14:useLocalDpi xmlns:a14="http://schemas.microsoft.com/office/drawing/2010/main" val="0"/>
+              </a:ext>
+            </a:extLst>
+          </a:blip>
+          <a:stretch>
+            <a:fillRect/>
+          </a:stretch>
+        </p:blipFill>
+        <p:spPr>
+          <a:xfrm>
+            <a:off x="7783186" y="2070524"/>
+            <a:ext cx="2266667" cy="1580952"/>
+          </a:xfrm>
+          <a:prstGeom prst="rect">
+            <a:avLst/>
+          </a:prstGeom>
+        </p:spPr>
+      </p:pic>
+      <p:sp>
+        <p:nvSpPr>
+          <p:cNvPr id="8" name="Espace réservé du contenu 2"/>
+          <p:cNvSpPr txBox="1">
+            <a:spLocks/>
+          </p:cNvSpPr>
+          <p:nvPr/>
+        </p:nvSpPr>
+        <p:spPr>
+          <a:xfrm>
+            <a:off x="1103312" y="2052918"/>
+            <a:ext cx="8946541" cy="4195481"/>
+          </a:xfrm>
+          <a:prstGeom prst="rect">
+            <a:avLst/>
+          </a:prstGeom>
+        </p:spPr>
+        <p:txBody>
+          <a:bodyPr vert="horz" lIns="91440" tIns="45720" rIns="91440" bIns="45720" rtlCol="0">
+            <a:normAutofit/>
+          </a:bodyPr>
+          <a:lstStyle>
+            <a:lvl1pPr marL="342900" indent="-342900" algn="l" defTabSz="457200" rtl="0" eaLnBrk="1" latinLnBrk="0" hangingPunct="1">
+              <a:spcBef>
+                <a:spcPts val="1000"/>
+              </a:spcBef>
+              <a:spcAft>
+                <a:spcPts val="0"/>
+              </a:spcAft>
+              <a:buClr>
+                <a:schemeClr val="bg2">
+                  <a:lumMod val="40000"/>
+                  <a:lumOff val="60000"/>
+                </a:schemeClr>
+              </a:buClr>
+              <a:buSzPct val="80000"/>
+              <a:buFont typeface="Wingdings 3" charset="2"/>
+              <a:buChar char=""/>
+              <a:defRPr sz="2000" b="0" i="0" kern="1200">
+                <a:solidFill>
+                  <a:schemeClr val="tx1"/>
+                </a:solidFill>
+                <a:latin typeface="+mj-lt"/>
+                <a:ea typeface="+mj-ea"/>
+                <a:cs typeface="+mj-cs"/>
+              </a:defRPr>
+            </a:lvl1pPr>
+            <a:lvl2pPr marL="742950" indent="-285750" algn="l" defTabSz="457200" rtl="0" eaLnBrk="1" latinLnBrk="0" hangingPunct="1">
+              <a:spcBef>
+                <a:spcPts val="1000"/>
+              </a:spcBef>
+              <a:spcAft>
+                <a:spcPts val="0"/>
+              </a:spcAft>
+              <a:buClr>
+                <a:schemeClr val="bg2">
+                  <a:lumMod val="40000"/>
+                  <a:lumOff val="60000"/>
+                </a:schemeClr>
+              </a:buClr>
+              <a:buSzPct val="80000"/>
+              <a:buFont typeface="Wingdings 3" charset="2"/>
+              <a:buChar char=""/>
+              <a:defRPr sz="1800" b="0" i="0" kern="1200">
+                <a:solidFill>
+                  <a:schemeClr val="tx1"/>
+                </a:solidFill>
+                <a:latin typeface="+mj-lt"/>
+                <a:ea typeface="+mj-ea"/>
+                <a:cs typeface="+mj-cs"/>
+              </a:defRPr>
+            </a:lvl2pPr>
+            <a:lvl3pPr marL="1143000" indent="-228600" algn="l" defTabSz="457200" rtl="0" eaLnBrk="1" latinLnBrk="0" hangingPunct="1">
+              <a:spcBef>
+                <a:spcPts val="1000"/>
+              </a:spcBef>
+              <a:spcAft>
+                <a:spcPts val="0"/>
+              </a:spcAft>
+              <a:buClr>
+                <a:schemeClr val="bg2">
+                  <a:lumMod val="40000"/>
+                  <a:lumOff val="60000"/>
+                </a:schemeClr>
+              </a:buClr>
+              <a:buSzPct val="80000"/>
+              <a:buFont typeface="Wingdings 3" charset="2"/>
+              <a:buChar char=""/>
+              <a:defRPr sz="1600" b="0" i="0" kern="1200">
+                <a:solidFill>
+                  <a:schemeClr val="tx1"/>
+                </a:solidFill>
+                <a:latin typeface="+mj-lt"/>
+                <a:ea typeface="+mj-ea"/>
+                <a:cs typeface="+mj-cs"/>
+              </a:defRPr>
+            </a:lvl3pPr>
+            <a:lvl4pPr marL="1600200" indent="-228600" algn="l" defTabSz="457200" rtl="0" eaLnBrk="1" latinLnBrk="0" hangingPunct="1">
+              <a:spcBef>
+                <a:spcPts val="1000"/>
+              </a:spcBef>
+              <a:spcAft>
+                <a:spcPts val="0"/>
+              </a:spcAft>
+              <a:buClr>
+                <a:schemeClr val="bg2">
+                  <a:lumMod val="40000"/>
+                  <a:lumOff val="60000"/>
+                </a:schemeClr>
+              </a:buClr>
+              <a:buSzPct val="80000"/>
+              <a:buFont typeface="Wingdings 3" charset="2"/>
+              <a:buChar char=""/>
+              <a:defRPr sz="1400" b="0" i="0" kern="1200">
+                <a:solidFill>
+                  <a:schemeClr val="tx1"/>
+                </a:solidFill>
+                <a:latin typeface="+mj-lt"/>
+                <a:ea typeface="+mj-ea"/>
+                <a:cs typeface="+mj-cs"/>
+              </a:defRPr>
+            </a:lvl4pPr>
+            <a:lvl5pPr marL="2057400" indent="-228600" algn="l" defTabSz="457200" rtl="0" eaLnBrk="1" latinLnBrk="0" hangingPunct="1">
+              <a:spcBef>
+                <a:spcPts val="1000"/>
+              </a:spcBef>
+              <a:spcAft>
+                <a:spcPts val="0"/>
+              </a:spcAft>
+              <a:buClr>
+                <a:schemeClr val="bg2">
+                  <a:lumMod val="40000"/>
+                  <a:lumOff val="60000"/>
+                </a:schemeClr>
+              </a:buClr>
+              <a:buSzPct val="80000"/>
+              <a:buFont typeface="Wingdings 3" charset="2"/>
+              <a:buChar char=""/>
+              <a:defRPr sz="1400" b="0" i="0" kern="1200">
+                <a:solidFill>
+                  <a:schemeClr val="tx1"/>
+                </a:solidFill>
+                <a:latin typeface="+mj-lt"/>
+                <a:ea typeface="+mj-ea"/>
+                <a:cs typeface="+mj-cs"/>
+              </a:defRPr>
+            </a:lvl5pPr>
+            <a:lvl6pPr marL="2506000" indent="-228600" algn="l" defTabSz="457200" rtl="0" eaLnBrk="1" latinLnBrk="0" hangingPunct="1">
+              <a:spcBef>
+                <a:spcPts val="1000"/>
+              </a:spcBef>
+              <a:spcAft>
+                <a:spcPts val="0"/>
+              </a:spcAft>
+              <a:buClr>
+                <a:schemeClr val="bg2">
+                  <a:lumMod val="40000"/>
+                  <a:lumOff val="60000"/>
+                </a:schemeClr>
+              </a:buClr>
+              <a:buSzPct val="80000"/>
+              <a:buFont typeface="Wingdings 3" charset="2"/>
+              <a:buChar char=""/>
+              <a:defRPr sz="1400" b="0" i="0" kern="1200">
+                <a:solidFill>
+                  <a:schemeClr val="tx1"/>
+                </a:solidFill>
+                <a:latin typeface="+mj-lt"/>
+                <a:ea typeface="+mj-ea"/>
+                <a:cs typeface="+mj-cs"/>
+              </a:defRPr>
+            </a:lvl6pPr>
+            <a:lvl7pPr marL="2971800" indent="-228600" algn="l" defTabSz="457200" rtl="0" eaLnBrk="1" latinLnBrk="0" hangingPunct="1">
+              <a:spcBef>
+                <a:spcPts val="1000"/>
+              </a:spcBef>
+              <a:spcAft>
+                <a:spcPts val="0"/>
+              </a:spcAft>
+              <a:buClr>
+                <a:schemeClr val="bg2">
+                  <a:lumMod val="40000"/>
+                  <a:lumOff val="60000"/>
+                </a:schemeClr>
+              </a:buClr>
+              <a:buSzPct val="80000"/>
+              <a:buFont typeface="Wingdings 3" charset="2"/>
+              <a:buChar char=""/>
+              <a:defRPr sz="1400" b="0" i="0" kern="1200">
+                <a:solidFill>
+                  <a:schemeClr val="tx1"/>
+                </a:solidFill>
+                <a:latin typeface="+mj-lt"/>
+                <a:ea typeface="+mj-ea"/>
+                <a:cs typeface="+mj-cs"/>
+              </a:defRPr>
+            </a:lvl7pPr>
+            <a:lvl8pPr marL="3429000" indent="-228600" algn="l" defTabSz="457200" rtl="0" eaLnBrk="1" latinLnBrk="0" hangingPunct="1">
+              <a:spcBef>
+                <a:spcPts val="1000"/>
+              </a:spcBef>
+              <a:spcAft>
+                <a:spcPts val="0"/>
+              </a:spcAft>
+              <a:buClr>
+                <a:schemeClr val="bg2">
+                  <a:lumMod val="40000"/>
+                  <a:lumOff val="60000"/>
+                </a:schemeClr>
+              </a:buClr>
+              <a:buSzPct val="80000"/>
+              <a:buFont typeface="Wingdings 3" charset="2"/>
+              <a:buChar char=""/>
+              <a:defRPr sz="1400" b="0" i="0" kern="1200">
+                <a:solidFill>
+                  <a:schemeClr val="tx1"/>
+                </a:solidFill>
+                <a:latin typeface="+mj-lt"/>
+                <a:ea typeface="+mj-ea"/>
+                <a:cs typeface="+mj-cs"/>
+              </a:defRPr>
+            </a:lvl8pPr>
+            <a:lvl9pPr marL="3886200" indent="-228600" algn="l" defTabSz="457200" rtl="0" eaLnBrk="1" latinLnBrk="0" hangingPunct="1">
+              <a:spcBef>
+                <a:spcPts val="1000"/>
+              </a:spcBef>
+              <a:spcAft>
+                <a:spcPts val="0"/>
+              </a:spcAft>
+              <a:buClr>
+                <a:schemeClr val="bg2">
+                  <a:lumMod val="40000"/>
+                  <a:lumOff val="60000"/>
+                </a:schemeClr>
+              </a:buClr>
+              <a:buSzPct val="80000"/>
+              <a:buFont typeface="Wingdings 3" charset="2"/>
+              <a:buChar char=""/>
+              <a:defRPr sz="1400" b="0" i="0" kern="1200">
+                <a:solidFill>
+                  <a:schemeClr val="tx1"/>
+                </a:solidFill>
+                <a:latin typeface="+mj-lt"/>
+                <a:ea typeface="+mj-ea"/>
+                <a:cs typeface="+mj-cs"/>
+              </a:defRPr>
+            </a:lvl9pPr>
+          </a:lstStyle>
+          <a:p>
+            <a:r>
+              <a:rPr lang="fr-CH" dirty="0"/>
+              <a:t>Solution de virtualisation</a:t>
+            </a:r>
+          </a:p>
+          <a:p>
+            <a:pPr marL="0" indent="0">
+              <a:buNone/>
+            </a:pPr>
+            <a:endParaRPr lang="fr-CH" dirty="0"/>
+          </a:p>
+          <a:p>
+            <a:r>
+              <a:rPr lang="fr-CH" dirty="0"/>
+              <a:t>Mise en place</a:t>
+            </a:r>
+          </a:p>
+          <a:p>
+            <a:pPr marL="0" indent="0">
+              <a:buNone/>
+            </a:pPr>
+            <a:endParaRPr lang="fr-CH" dirty="0"/>
+          </a:p>
+          <a:p>
+            <a:r>
+              <a:rPr lang="fr-CH" dirty="0"/>
+              <a:t>Limitations</a:t>
+            </a:r>
+          </a:p>
+        </p:txBody>
+      </p:sp>
+    </p:spTree>
+    <p:extLst>
+      <p:ext uri="{BB962C8B-B14F-4D97-AF65-F5344CB8AC3E}">
+        <p14:creationId xmlns:p14="http://schemas.microsoft.com/office/powerpoint/2010/main" val="787465654"/>
+      </p:ext>
+    </p:extLst>
+  </p:cSld>
+  <p:clrMapOvr>
+    <a:masterClrMapping/>
+  </p:clrMapOvr>
+</p:sld>
+</file>
+
+<file path=ppt/slides/slide23.xml><?xml version="1.0" encoding="utf-8"?>
+<p:sld xmlns:a="http://schemas.openxmlformats.org/drawingml/2006/main" xmlns:r="http://schemas.openxmlformats.org/officeDocument/2006/relationships" xmlns:p="http://schemas.openxmlformats.org/presentationml/2006/main">
+  <p:cSld>
+    <p:spTree>
+      <p:nvGrpSpPr>
+        <p:cNvPr id="1" name=""/>
+        <p:cNvGrpSpPr/>
+        <p:nvPr/>
+      </p:nvGrpSpPr>
+      <p:grpSpPr>
+        <a:xfrm>
+          <a:off x="0" y="0"/>
+          <a:ext cx="0" cy="0"/>
+          <a:chOff x="0" y="0"/>
+          <a:chExt cx="0" cy="0"/>
+        </a:xfrm>
+      </p:grpSpPr>
+      <p:sp>
+        <p:nvSpPr>
+          <p:cNvPr id="2" name="Titre 1"/>
+          <p:cNvSpPr>
+            <a:spLocks noGrp="1"/>
+          </p:cNvSpPr>
+          <p:nvPr>
+            <p:ph type="title"/>
+          </p:nvPr>
+        </p:nvSpPr>
+        <p:spPr/>
+        <p:txBody>
+          <a:bodyPr/>
+          <a:lstStyle/>
+          <a:p>
+            <a:r>
+              <a:rPr lang="fr-CH" dirty="0"/>
+              <a:t>IPsec vs SSL</a:t>
+            </a:r>
+          </a:p>
+        </p:txBody>
+      </p:sp>
+      <p:sp>
+        <p:nvSpPr>
+          <p:cNvPr id="3" name="Espace réservé du contenu 2"/>
+          <p:cNvSpPr>
+            <a:spLocks noGrp="1"/>
+          </p:cNvSpPr>
+          <p:nvPr>
+            <p:ph idx="1"/>
+          </p:nvPr>
+        </p:nvSpPr>
+        <p:spPr/>
+        <p:txBody>
+          <a:bodyPr/>
+          <a:lstStyle/>
+          <a:p>
+            <a:r>
+              <a:rPr lang="fr-CH" dirty="0"/>
+              <a:t>vs</a:t>
+            </a:r>
+          </a:p>
+        </p:txBody>
+      </p:sp>
+      <p:sp>
+        <p:nvSpPr>
+          <p:cNvPr id="4" name="Espace réservé du pied de page 3"/>
+          <p:cNvSpPr>
+            <a:spLocks noGrp="1"/>
+          </p:cNvSpPr>
+          <p:nvPr>
+            <p:ph type="ftr" sz="quarter" idx="11"/>
+          </p:nvPr>
+        </p:nvSpPr>
+        <p:spPr/>
+        <p:txBody>
+          <a:bodyPr/>
+          <a:lstStyle/>
+          <a:p>
+            <a:r>
+              <a:rPr lang="fr-CH"/>
+              <a:t>Damien Mayor</a:t>
+            </a:r>
+          </a:p>
+        </p:txBody>
+      </p:sp>
+      <p:sp>
+        <p:nvSpPr>
+          <p:cNvPr id="5" name="Espace réservé du numéro de diapositive 4"/>
+          <p:cNvSpPr>
+            <a:spLocks noGrp="1"/>
+          </p:cNvSpPr>
+          <p:nvPr>
+            <p:ph type="sldNum" sz="quarter" idx="12"/>
+          </p:nvPr>
+        </p:nvSpPr>
+        <p:spPr/>
+        <p:txBody>
+          <a:bodyPr/>
+          <a:lstStyle/>
+          <a:p>
+            <a:fld id="{2FCD9DE2-19B8-4E75-A167-0E6B1D03D668}" type="slidenum">
+              <a:rPr lang="fr-CH" smtClean="0"/>
+              <a:t>23</a:t>
+            </a:fld>
+            <a:endParaRPr lang="fr-CH"/>
+          </a:p>
+        </p:txBody>
+      </p:sp>
+    </p:spTree>
+    <p:extLst>
+      <p:ext uri="{BB962C8B-B14F-4D97-AF65-F5344CB8AC3E}">
+        <p14:creationId xmlns:p14="http://schemas.microsoft.com/office/powerpoint/2010/main" val="571767169"/>
+      </p:ext>
+    </p:extLst>
+  </p:cSld>
+  <p:clrMapOvr>
+    <a:masterClrMapping/>
+  </p:clrMapOvr>
+</p:sld>
+</file>
+
+<file path=ppt/slides/slide24.xml><?xml version="1.0" encoding="utf-8"?>
+<p:sld xmlns:a="http://schemas.openxmlformats.org/drawingml/2006/main" xmlns:r="http://schemas.openxmlformats.org/officeDocument/2006/relationships" xmlns:p="http://schemas.openxmlformats.org/presentationml/2006/main">
+  <p:cSld>
+    <p:spTree>
+      <p:nvGrpSpPr>
+        <p:cNvPr id="1" name=""/>
+        <p:cNvGrpSpPr/>
+        <p:nvPr/>
+      </p:nvGrpSpPr>
+      <p:grpSpPr>
+        <a:xfrm>
+          <a:off x="0" y="0"/>
+          <a:ext cx="0" cy="0"/>
+          <a:chOff x="0" y="0"/>
+          <a:chExt cx="0" cy="0"/>
+        </a:xfrm>
+      </p:grpSpPr>
+      <p:sp>
+        <p:nvSpPr>
+          <p:cNvPr id="2" name="Titre 1"/>
+          <p:cNvSpPr>
+            <a:spLocks noGrp="1"/>
+          </p:cNvSpPr>
+          <p:nvPr>
+            <p:ph type="title"/>
+          </p:nvPr>
+        </p:nvSpPr>
+        <p:spPr/>
+        <p:txBody>
+          <a:bodyPr/>
+          <a:lstStyle/>
+          <a:p>
+            <a:r>
+              <a:rPr lang="fr-CH" dirty="0"/>
+              <a:t>Client-à-site</a:t>
+            </a:r>
+          </a:p>
+        </p:txBody>
+      </p:sp>
+      <p:sp>
+        <p:nvSpPr>
+          <p:cNvPr id="3" name="Espace réservé du contenu 2"/>
+          <p:cNvSpPr>
+            <a:spLocks noGrp="1"/>
+          </p:cNvSpPr>
+          <p:nvPr>
+            <p:ph idx="1"/>
+          </p:nvPr>
+        </p:nvSpPr>
+        <p:spPr/>
+        <p:txBody>
+          <a:bodyPr/>
+          <a:lstStyle/>
+          <a:p>
+            <a:endParaRPr lang="fr-CH"/>
+          </a:p>
+        </p:txBody>
+      </p:sp>
+      <p:sp>
+        <p:nvSpPr>
+          <p:cNvPr id="4" name="Espace réservé du pied de page 3"/>
+          <p:cNvSpPr>
+            <a:spLocks noGrp="1"/>
+          </p:cNvSpPr>
+          <p:nvPr>
+            <p:ph type="ftr" sz="quarter" idx="11"/>
+          </p:nvPr>
+        </p:nvSpPr>
+        <p:spPr/>
+        <p:txBody>
+          <a:bodyPr/>
+          <a:lstStyle/>
+          <a:p>
+            <a:r>
+              <a:rPr lang="fr-CH"/>
+              <a:t>Damien Mayor</a:t>
+            </a:r>
+          </a:p>
+        </p:txBody>
+      </p:sp>
+      <p:sp>
+        <p:nvSpPr>
+          <p:cNvPr id="5" name="Espace réservé du numéro de diapositive 4"/>
+          <p:cNvSpPr>
+            <a:spLocks noGrp="1"/>
+          </p:cNvSpPr>
+          <p:nvPr>
+            <p:ph type="sldNum" sz="quarter" idx="12"/>
+          </p:nvPr>
+        </p:nvSpPr>
+        <p:spPr/>
+        <p:txBody>
+          <a:bodyPr/>
+          <a:lstStyle/>
+          <a:p>
+            <a:fld id="{2FCD9DE2-19B8-4E75-A167-0E6B1D03D668}" type="slidenum">
+              <a:rPr lang="fr-CH">
+                <a:solidFill>
+                  <a:srgbClr val="C00000"/>
+                </a:solidFill>
+                <a:effectLst>
+                  <a:outerShdw blurRad="38100" dist="38100" dir="2700000" algn="tl">
+                    <a:srgbClr val="000000">
+                      <a:alpha val="43137"/>
+                    </a:srgbClr>
+                  </a:outerShdw>
+                </a:effectLst>
+              </a:rPr>
+              <a:pPr/>
+              <a:t>24</a:t>
+            </a:fld>
+            <a:endParaRPr lang="fr-CH" dirty="0">
+              <a:solidFill>
+                <a:srgbClr val="C00000"/>
+              </a:solidFill>
+              <a:effectLst>
+                <a:outerShdw blurRad="38100" dist="38100" dir="2700000" algn="tl">
+                  <a:srgbClr val="000000">
+                    <a:alpha val="43137"/>
+                  </a:srgbClr>
+                </a:outerShdw>
+              </a:effectLst>
+            </a:endParaRPr>
+          </a:p>
+        </p:txBody>
+      </p:sp>
+    </p:spTree>
+    <p:extLst>
+      <p:ext uri="{BB962C8B-B14F-4D97-AF65-F5344CB8AC3E}">
+        <p14:creationId xmlns:p14="http://schemas.microsoft.com/office/powerpoint/2010/main" val="3434550955"/>
+      </p:ext>
+    </p:extLst>
+  </p:cSld>
+  <p:clrMapOvr>
+    <a:masterClrMapping/>
+  </p:clrMapOvr>
+</p:sld>
+</file>
+
+<file path=ppt/slides/slide25.xml><?xml version="1.0" encoding="utf-8"?>
+<p:sld xmlns:a="http://schemas.openxmlformats.org/drawingml/2006/main" xmlns:r="http://schemas.openxmlformats.org/officeDocument/2006/relationships" xmlns:p="http://schemas.openxmlformats.org/presentationml/2006/main">
+  <p:cSld>
+    <p:spTree>
+      <p:nvGrpSpPr>
+        <p:cNvPr id="1" name=""/>
+        <p:cNvGrpSpPr/>
+        <p:nvPr/>
+      </p:nvGrpSpPr>
+      <p:grpSpPr>
+        <a:xfrm>
+          <a:off x="0" y="0"/>
+          <a:ext cx="0" cy="0"/>
+          <a:chOff x="0" y="0"/>
+          <a:chExt cx="0" cy="0"/>
+        </a:xfrm>
+      </p:grpSpPr>
+      <p:sp>
+        <p:nvSpPr>
+          <p:cNvPr id="2" name="Titre 1"/>
+          <p:cNvSpPr>
+            <a:spLocks noGrp="1"/>
+          </p:cNvSpPr>
+          <p:nvPr>
+            <p:ph type="title"/>
+          </p:nvPr>
+        </p:nvSpPr>
+        <p:spPr/>
+        <p:txBody>
+          <a:bodyPr/>
+          <a:lstStyle/>
+          <a:p>
+            <a:r>
+              <a:rPr lang="fr-CH" dirty="0"/>
+              <a:t>Phase 2 – Réseau CPNV</a:t>
+            </a:r>
+          </a:p>
+        </p:txBody>
+      </p:sp>
+      <p:sp>
+        <p:nvSpPr>
+          <p:cNvPr id="4" name="Espace réservé du pied de page 3"/>
+          <p:cNvSpPr>
+            <a:spLocks noGrp="1"/>
+          </p:cNvSpPr>
+          <p:nvPr>
+            <p:ph type="ftr" sz="quarter" idx="11"/>
+          </p:nvPr>
+        </p:nvSpPr>
+        <p:spPr/>
+        <p:txBody>
+          <a:bodyPr/>
+          <a:lstStyle/>
+          <a:p>
+            <a:r>
+              <a:rPr lang="fr-CH" dirty="0"/>
+              <a:t>Damien Mayor</a:t>
+            </a:r>
+          </a:p>
+        </p:txBody>
+      </p:sp>
+      <p:sp>
+        <p:nvSpPr>
+          <p:cNvPr id="5" name="Espace réservé du numéro de diapositive 4"/>
+          <p:cNvSpPr>
+            <a:spLocks noGrp="1"/>
+          </p:cNvSpPr>
+          <p:nvPr>
+            <p:ph type="sldNum" sz="quarter" idx="12"/>
+          </p:nvPr>
+        </p:nvSpPr>
+        <p:spPr/>
+        <p:txBody>
+          <a:bodyPr/>
+          <a:lstStyle/>
+          <a:p>
+            <a:fld id="{2FCD9DE2-19B8-4E75-A167-0E6B1D03D668}" type="slidenum">
+              <a:rPr lang="fr-CH">
+                <a:solidFill>
+                  <a:srgbClr val="C00000"/>
+                </a:solidFill>
+                <a:effectLst>
+                  <a:outerShdw blurRad="38100" dist="38100" dir="2700000" algn="tl">
+                    <a:srgbClr val="000000">
+                      <a:alpha val="43137"/>
+                    </a:srgbClr>
+                  </a:outerShdw>
+                </a:effectLst>
+              </a:rPr>
+              <a:pPr/>
+              <a:t>25</a:t>
             </a:fld>
             <a:endParaRPr lang="fr-CH" dirty="0">
               <a:solidFill>
@@ -15919,6 +17413,341 @@
     <p:extLst>
       <p:ext uri="{BB962C8B-B14F-4D97-AF65-F5344CB8AC3E}">
         <p14:creationId xmlns:p14="http://schemas.microsoft.com/office/powerpoint/2010/main" val="3900965896"/>
+      </p:ext>
+    </p:extLst>
+  </p:cSld>
+  <p:clrMapOvr>
+    <a:masterClrMapping/>
+  </p:clrMapOvr>
+</p:sld>
+</file>
+
+<file path=ppt/slides/slide26.xml><?xml version="1.0" encoding="utf-8"?>
+<p:sld xmlns:a="http://schemas.openxmlformats.org/drawingml/2006/main" xmlns:r="http://schemas.openxmlformats.org/officeDocument/2006/relationships" xmlns:p="http://schemas.openxmlformats.org/presentationml/2006/main">
+  <p:cSld>
+    <p:spTree>
+      <p:nvGrpSpPr>
+        <p:cNvPr id="1" name=""/>
+        <p:cNvGrpSpPr/>
+        <p:nvPr/>
+      </p:nvGrpSpPr>
+      <p:grpSpPr>
+        <a:xfrm>
+          <a:off x="0" y="0"/>
+          <a:ext cx="0" cy="0"/>
+          <a:chOff x="0" y="0"/>
+          <a:chExt cx="0" cy="0"/>
+        </a:xfrm>
+      </p:grpSpPr>
+      <p:sp>
+        <p:nvSpPr>
+          <p:cNvPr id="2" name="Titre 1">
+            <a:extLst>
+              <a:ext uri="{FF2B5EF4-FFF2-40B4-BE49-F238E27FC236}">
+                <a16:creationId xmlns:a16="http://schemas.microsoft.com/office/drawing/2014/main" id="{87149ED6-ABB6-931C-C63C-BF293F28BEB1}"/>
+              </a:ext>
+            </a:extLst>
+          </p:cNvPr>
+          <p:cNvSpPr>
+            <a:spLocks noGrp="1"/>
+          </p:cNvSpPr>
+          <p:nvPr>
+            <p:ph type="title"/>
+          </p:nvPr>
+        </p:nvSpPr>
+        <p:spPr/>
+        <p:txBody>
+          <a:bodyPr/>
+          <a:lstStyle/>
+          <a:p>
+            <a:endParaRPr lang="fr-CH"/>
+          </a:p>
+        </p:txBody>
+      </p:sp>
+      <p:sp>
+        <p:nvSpPr>
+          <p:cNvPr id="4" name="Espace réservé du pied de page 3">
+            <a:extLst>
+              <a:ext uri="{FF2B5EF4-FFF2-40B4-BE49-F238E27FC236}">
+                <a16:creationId xmlns:a16="http://schemas.microsoft.com/office/drawing/2014/main" id="{70A0A727-0061-21D6-8EF9-00EC15D9B04A}"/>
+              </a:ext>
+            </a:extLst>
+          </p:cNvPr>
+          <p:cNvSpPr>
+            <a:spLocks noGrp="1"/>
+          </p:cNvSpPr>
+          <p:nvPr>
+            <p:ph type="ftr" sz="quarter" idx="11"/>
+          </p:nvPr>
+        </p:nvSpPr>
+        <p:spPr/>
+        <p:txBody>
+          <a:bodyPr/>
+          <a:lstStyle/>
+          <a:p>
+            <a:r>
+              <a:rPr lang="fr-CH"/>
+              <a:t>Damien Mayor</a:t>
+            </a:r>
+          </a:p>
+        </p:txBody>
+      </p:sp>
+      <p:sp>
+        <p:nvSpPr>
+          <p:cNvPr id="5" name="Espace réservé du numéro de diapositive 4">
+            <a:extLst>
+              <a:ext uri="{FF2B5EF4-FFF2-40B4-BE49-F238E27FC236}">
+                <a16:creationId xmlns:a16="http://schemas.microsoft.com/office/drawing/2014/main" id="{4FE90BF8-7A22-8C03-9BC0-41225D1338CC}"/>
+              </a:ext>
+            </a:extLst>
+          </p:cNvPr>
+          <p:cNvSpPr>
+            <a:spLocks noGrp="1"/>
+          </p:cNvSpPr>
+          <p:nvPr>
+            <p:ph type="sldNum" sz="quarter" idx="12"/>
+          </p:nvPr>
+        </p:nvSpPr>
+        <p:spPr/>
+        <p:txBody>
+          <a:bodyPr/>
+          <a:lstStyle/>
+          <a:p>
+            <a:fld id="{2FCD9DE2-19B8-4E75-A167-0E6B1D03D668}" type="slidenum">
+              <a:rPr lang="fr-CH" smtClean="0"/>
+              <a:t>26</a:t>
+            </a:fld>
+            <a:endParaRPr lang="fr-CH"/>
+          </a:p>
+        </p:txBody>
+      </p:sp>
+      <p:pic>
+        <p:nvPicPr>
+          <p:cNvPr id="1026" name="Picture 2">
+            <a:extLst>
+              <a:ext uri="{FF2B5EF4-FFF2-40B4-BE49-F238E27FC236}">
+                <a16:creationId xmlns:a16="http://schemas.microsoft.com/office/drawing/2014/main" id="{40289A31-BA6E-9C2E-A1D0-01EDF1FF9DF4}"/>
+              </a:ext>
+            </a:extLst>
+          </p:cNvPr>
+          <p:cNvPicPr>
+            <a:picLocks noGrp="1" noChangeAspect="1" noChangeArrowheads="1"/>
+          </p:cNvPicPr>
+          <p:nvPr>
+            <p:ph idx="1"/>
+          </p:nvPr>
+        </p:nvPicPr>
+        <p:blipFill>
+          <a:blip r:embed="rId2">
+            <a:extLst>
+              <a:ext uri="{28A0092B-C50C-407E-A947-70E740481C1C}">
+                <a14:useLocalDpi xmlns:a14="http://schemas.microsoft.com/office/drawing/2010/main" val="0"/>
+              </a:ext>
+            </a:extLst>
+          </a:blip>
+          <a:srcRect/>
+          <a:stretch>
+            <a:fillRect/>
+          </a:stretch>
+        </p:blipFill>
+        <p:spPr bwMode="auto">
+          <a:xfrm>
+            <a:off x="4003477" y="2052638"/>
+            <a:ext cx="3146821" cy="4195762"/>
+          </a:xfrm>
+          <a:prstGeom prst="rect">
+            <a:avLst/>
+          </a:prstGeom>
+          <a:noFill/>
+          <a:extLst>
+            <a:ext uri="{909E8E84-426E-40DD-AFC4-6F175D3DCCD1}">
+              <a14:hiddenFill xmlns:a14="http://schemas.microsoft.com/office/drawing/2010/main">
+                <a:solidFill>
+                  <a:srgbClr val="FFFFFF"/>
+                </a:solidFill>
+              </a14:hiddenFill>
+            </a:ext>
+          </a:extLst>
+        </p:spPr>
+      </p:pic>
+    </p:spTree>
+    <p:extLst>
+      <p:ext uri="{BB962C8B-B14F-4D97-AF65-F5344CB8AC3E}">
+        <p14:creationId xmlns:p14="http://schemas.microsoft.com/office/powerpoint/2010/main" val="2785829591"/>
+      </p:ext>
+    </p:extLst>
+  </p:cSld>
+  <p:clrMapOvr>
+    <a:masterClrMapping/>
+  </p:clrMapOvr>
+</p:sld>
+</file>
+
+<file path=ppt/slides/slide27.xml><?xml version="1.0" encoding="utf-8"?>
+<p:sld xmlns:a="http://schemas.openxmlformats.org/drawingml/2006/main" xmlns:r="http://schemas.openxmlformats.org/officeDocument/2006/relationships" xmlns:p="http://schemas.openxmlformats.org/presentationml/2006/main">
+  <p:cSld>
+    <p:spTree>
+      <p:nvGrpSpPr>
+        <p:cNvPr id="1" name=""/>
+        <p:cNvGrpSpPr/>
+        <p:nvPr/>
+      </p:nvGrpSpPr>
+      <p:grpSpPr>
+        <a:xfrm>
+          <a:off x="0" y="0"/>
+          <a:ext cx="0" cy="0"/>
+          <a:chOff x="0" y="0"/>
+          <a:chExt cx="0" cy="0"/>
+        </a:xfrm>
+      </p:grpSpPr>
+      <p:sp>
+        <p:nvSpPr>
+          <p:cNvPr id="2" name="Titre 1">
+            <a:extLst>
+              <a:ext uri="{FF2B5EF4-FFF2-40B4-BE49-F238E27FC236}">
+                <a16:creationId xmlns:a16="http://schemas.microsoft.com/office/drawing/2014/main" id="{EC98BC84-1150-58BC-47E4-6EFA279C1615}"/>
+              </a:ext>
+            </a:extLst>
+          </p:cNvPr>
+          <p:cNvSpPr>
+            <a:spLocks noGrp="1"/>
+          </p:cNvSpPr>
+          <p:nvPr>
+            <p:ph type="title"/>
+          </p:nvPr>
+        </p:nvSpPr>
+        <p:spPr/>
+        <p:txBody>
+          <a:bodyPr/>
+          <a:lstStyle/>
+          <a:p>
+            <a:endParaRPr lang="fr-CH"/>
+          </a:p>
+        </p:txBody>
+      </p:sp>
+      <p:sp>
+        <p:nvSpPr>
+          <p:cNvPr id="4" name="Espace réservé du pied de page 3">
+            <a:extLst>
+              <a:ext uri="{FF2B5EF4-FFF2-40B4-BE49-F238E27FC236}">
+                <a16:creationId xmlns:a16="http://schemas.microsoft.com/office/drawing/2014/main" id="{38254E86-6AB1-5714-7567-7698C4299B8C}"/>
+              </a:ext>
+            </a:extLst>
+          </p:cNvPr>
+          <p:cNvSpPr>
+            <a:spLocks noGrp="1"/>
+          </p:cNvSpPr>
+          <p:nvPr>
+            <p:ph type="ftr" sz="quarter" idx="11"/>
+          </p:nvPr>
+        </p:nvSpPr>
+        <p:spPr/>
+        <p:txBody>
+          <a:bodyPr/>
+          <a:lstStyle/>
+          <a:p>
+            <a:r>
+              <a:rPr lang="fr-CH"/>
+              <a:t>Damien Mayor</a:t>
+            </a:r>
+          </a:p>
+        </p:txBody>
+      </p:sp>
+      <p:sp>
+        <p:nvSpPr>
+          <p:cNvPr id="5" name="Espace réservé du numéro de diapositive 4">
+            <a:extLst>
+              <a:ext uri="{FF2B5EF4-FFF2-40B4-BE49-F238E27FC236}">
+                <a16:creationId xmlns:a16="http://schemas.microsoft.com/office/drawing/2014/main" id="{20BC6133-686A-0FA3-1FE9-2BC61E5C13B4}"/>
+              </a:ext>
+            </a:extLst>
+          </p:cNvPr>
+          <p:cNvSpPr>
+            <a:spLocks noGrp="1"/>
+          </p:cNvSpPr>
+          <p:nvPr>
+            <p:ph type="sldNum" sz="quarter" idx="12"/>
+          </p:nvPr>
+        </p:nvSpPr>
+        <p:spPr/>
+        <p:txBody>
+          <a:bodyPr/>
+          <a:lstStyle/>
+          <a:p>
+            <a:fld id="{2FCD9DE2-19B8-4E75-A167-0E6B1D03D668}" type="slidenum">
+              <a:rPr lang="fr-CH" smtClean="0"/>
+              <a:t>27</a:t>
+            </a:fld>
+            <a:endParaRPr lang="fr-CH"/>
+          </a:p>
+        </p:txBody>
+      </p:sp>
+      <p:pic>
+        <p:nvPicPr>
+          <p:cNvPr id="3074" name="Picture 2" descr="Minecraft: Pocket Edition Video Game Heart The Legend Of ...">
+            <a:extLst>
+              <a:ext uri="{FF2B5EF4-FFF2-40B4-BE49-F238E27FC236}">
+                <a16:creationId xmlns:a16="http://schemas.microsoft.com/office/drawing/2014/main" id="{2E7B4289-B54A-B115-1F6F-EDBB39C4D65B}"/>
+              </a:ext>
+            </a:extLst>
+          </p:cNvPr>
+          <p:cNvPicPr>
+            <a:picLocks noGrp="1" noChangeAspect="1" noChangeArrowheads="1"/>
+          </p:cNvPicPr>
+          <p:nvPr>
+            <p:ph idx="1"/>
+          </p:nvPr>
+        </p:nvPicPr>
+        <p:blipFill rotWithShape="1">
+          <a:blip r:embed="rId2" cstate="print">
+            <a:extLst>
+              <a:ext uri="{BEBA8EAE-BF5A-486C-A8C5-ECC9F3942E4B}">
+                <a14:imgProps xmlns:a14="http://schemas.microsoft.com/office/drawing/2010/main">
+                  <a14:imgLayer r:embed="rId3">
+                    <a14:imgEffect>
+                      <a14:backgroundRemoval t="7283" b="89961" l="9890" r="89973">
+                        <a14:foregroundMark x1="34341" y1="41535" x2="34341" y2="41535"/>
+                        <a14:foregroundMark x1="41758" y1="29331" x2="41758" y2="29331"/>
+                        <a14:foregroundMark x1="30082" y1="7283" x2="30082" y2="7283"/>
+                        <a14:foregroundMark x1="40934" y1="29528" x2="40934" y2="29528"/>
+                        <a14:foregroundMark x1="32555" y1="37402" x2="32555" y2="37402"/>
+                      </a14:backgroundRemoval>
+                    </a14:imgEffect>
+                  </a14:imgLayer>
+                </a14:imgProps>
+              </a:ext>
+              <a:ext uri="{28A0092B-C50C-407E-A947-70E740481C1C}">
+                <a14:useLocalDpi xmlns:a14="http://schemas.microsoft.com/office/drawing/2010/main" val="0"/>
+              </a:ext>
+            </a:extLst>
+          </a:blip>
+          <a:srcRect l="15795" t="4285" r="15754" b="7619"/>
+          <a:stretch/>
+        </p:blipFill>
+        <p:spPr bwMode="auto">
+          <a:xfrm>
+            <a:off x="2951747" y="5788707"/>
+            <a:ext cx="368969" cy="331356"/>
+          </a:xfrm>
+          <a:prstGeom prst="rect">
+            <a:avLst/>
+          </a:prstGeom>
+          <a:noFill/>
+          <a:extLst>
+            <a:ext uri="{909E8E84-426E-40DD-AFC4-6F175D3DCCD1}">
+              <a14:hiddenFill xmlns:a14="http://schemas.microsoft.com/office/drawing/2010/main">
+                <a:solidFill>
+                  <a:srgbClr val="FFFFFF"/>
+                </a:solidFill>
+              </a14:hiddenFill>
+            </a:ext>
+          </a:extLst>
+        </p:spPr>
+      </p:pic>
+    </p:spTree>
+    <p:extLst>
+      <p:ext uri="{BB962C8B-B14F-4D97-AF65-F5344CB8AC3E}">
+        <p14:creationId xmlns:p14="http://schemas.microsoft.com/office/powerpoint/2010/main" val="258951326"/>
       </p:ext>
     </p:extLst>
   </p:cSld>
@@ -17372,13 +19201,13 @@
           <p:nvPr>
             <p:extLst>
               <p:ext uri="{D42A27DB-BD31-4B8C-83A1-F6EECF244321}">
-                <p14:modId xmlns:p14="http://schemas.microsoft.com/office/powerpoint/2010/main" val="1752883262"/>
+                <p14:modId xmlns:p14="http://schemas.microsoft.com/office/powerpoint/2010/main" val="3046648890"/>
               </p:ext>
             </p:extLst>
           </p:nvPr>
         </p:nvGraphicFramePr>
         <p:xfrm>
-          <a:off x="0" y="1729212"/>
+          <a:off x="734429" y="1729211"/>
           <a:ext cx="4993908" cy="3020085"/>
         </p:xfrm>
         <a:graphic>
@@ -17396,13 +19225,13 @@
           <p:nvPr>
             <p:extLst>
               <p:ext uri="{D42A27DB-BD31-4B8C-83A1-F6EECF244321}">
-                <p14:modId xmlns:p14="http://schemas.microsoft.com/office/powerpoint/2010/main" val="3802393882"/>
+                <p14:modId xmlns:p14="http://schemas.microsoft.com/office/powerpoint/2010/main" val="1357482943"/>
               </p:ext>
             </p:extLst>
           </p:nvPr>
         </p:nvGraphicFramePr>
         <p:xfrm>
-          <a:off x="5260063" y="1729212"/>
+          <a:off x="5816654" y="1729212"/>
           <a:ext cx="4887426" cy="3020085"/>
         </p:xfrm>
         <a:graphic>
@@ -17423,7 +19252,7 @@
         </p:nvSpPr>
         <p:spPr>
           <a:xfrm>
-            <a:off x="1103312" y="4902146"/>
+            <a:off x="734429" y="5004753"/>
             <a:ext cx="8946541" cy="1346253"/>
           </a:xfrm>
         </p:spPr>
@@ -17671,37 +19500,60 @@
           <a:lstStyle/>
           <a:p>
             <a:r>
-              <a:rPr lang="fr-CH" dirty="0"/>
+              <a:rPr lang="fr-CH" dirty="0">
+                <a:effectLst>
+                  <a:outerShdw blurRad="38100" dist="38100" dir="2700000" algn="tl">
+                    <a:srgbClr val="000000">
+                      <a:alpha val="43137"/>
+                    </a:srgbClr>
+                  </a:outerShdw>
+                </a:effectLst>
+              </a:rPr>
               <a:t>Mise en place infrastructure</a:t>
             </a:r>
           </a:p>
         </p:txBody>
       </p:sp>
-      <p:sp>
-        <p:nvSpPr>
-          <p:cNvPr id="3" name="Espace réservé du contenu 2">
+      <p:pic>
+        <p:nvPicPr>
+          <p:cNvPr id="7" name="Espace réservé du contenu 6">
             <a:extLst>
               <a:ext uri="{FF2B5EF4-FFF2-40B4-BE49-F238E27FC236}">
-                <a16:creationId xmlns:a16="http://schemas.microsoft.com/office/drawing/2014/main" id="{79ECC9F5-7791-9780-8CEC-94809115DDFB}"/>
+                <a16:creationId xmlns:a16="http://schemas.microsoft.com/office/drawing/2014/main" id="{78F7BA45-198D-5DDF-F090-AF78117E24F8}"/>
               </a:ext>
             </a:extLst>
           </p:cNvPr>
-          <p:cNvSpPr>
-            <a:spLocks noGrp="1"/>
-          </p:cNvSpPr>
+          <p:cNvPicPr>
+            <a:picLocks noGrp="1" noChangeAspect="1"/>
+          </p:cNvPicPr>
           <p:nvPr>
             <p:ph idx="1"/>
           </p:nvPr>
-        </p:nvSpPr>
-        <p:spPr/>
-        <p:txBody>
-          <a:bodyPr/>
-          <a:lstStyle/>
-          <a:p>
-            <a:endParaRPr lang="fr-CH"/>
-          </a:p>
-        </p:txBody>
-      </p:sp>
+        </p:nvPicPr>
+        <p:blipFill>
+          <a:blip r:embed="rId2">
+            <a:extLst>
+              <a:ext uri="{28A0092B-C50C-407E-A947-70E740481C1C}">
+                <a14:useLocalDpi xmlns:a14="http://schemas.microsoft.com/office/drawing/2010/main" val="0"/>
+              </a:ext>
+            </a:extLst>
+          </a:blip>
+          <a:stretch>
+            <a:fillRect/>
+          </a:stretch>
+        </p:blipFill>
+        <p:spPr>
+          <a:xfrm>
+            <a:off x="646111" y="1447800"/>
+            <a:ext cx="7425333" cy="4163738"/>
+          </a:xfrm>
+          <a:ln>
+            <a:solidFill>
+              <a:schemeClr val="accent1"/>
+            </a:solidFill>
+          </a:ln>
+        </p:spPr>
+      </p:pic>
       <p:sp>
         <p:nvSpPr>
           <p:cNvPr id="4" name="Espace réservé du pied de page 3">
@@ -17752,10 +19604,361 @@
           <a:lstStyle/>
           <a:p>
             <a:fld id="{2FCD9DE2-19B8-4E75-A167-0E6B1D03D668}" type="slidenum">
-              <a:rPr lang="fr-CH" smtClean="0"/>
+              <a:rPr lang="fr-CH" smtClean="0">
+                <a:solidFill>
+                  <a:srgbClr val="C00000"/>
+                </a:solidFill>
+                <a:effectLst>
+                  <a:outerShdw blurRad="38100" dist="38100" dir="2700000" algn="tl">
+                    <a:srgbClr val="000000">
+                      <a:alpha val="43137"/>
+                    </a:srgbClr>
+                  </a:outerShdw>
+                </a:effectLst>
+              </a:rPr>
+              <a:pPr/>
               <a:t>7</a:t>
             </a:fld>
-            <a:endParaRPr lang="fr-CH"/>
+            <a:endParaRPr lang="fr-CH" dirty="0">
+              <a:solidFill>
+                <a:srgbClr val="C00000"/>
+              </a:solidFill>
+              <a:effectLst>
+                <a:outerShdw blurRad="38100" dist="38100" dir="2700000" algn="tl">
+                  <a:srgbClr val="000000">
+                    <a:alpha val="43137"/>
+                  </a:srgbClr>
+                </a:outerShdw>
+              </a:effectLst>
+            </a:endParaRPr>
+          </a:p>
+        </p:txBody>
+      </p:sp>
+      <p:sp>
+        <p:nvSpPr>
+          <p:cNvPr id="8" name="Espace réservé du contenu 2">
+            <a:extLst>
+              <a:ext uri="{FF2B5EF4-FFF2-40B4-BE49-F238E27FC236}">
+                <a16:creationId xmlns:a16="http://schemas.microsoft.com/office/drawing/2014/main" id="{A1EBACF5-3365-F202-79AD-E8268BAEBB0F}"/>
+              </a:ext>
+            </a:extLst>
+          </p:cNvPr>
+          <p:cNvSpPr txBox="1">
+            <a:spLocks/>
+          </p:cNvSpPr>
+          <p:nvPr/>
+        </p:nvSpPr>
+        <p:spPr>
+          <a:xfrm>
+            <a:off x="8205490" y="2595779"/>
+            <a:ext cx="3690687" cy="4262221"/>
+          </a:xfrm>
+          <a:prstGeom prst="rect">
+            <a:avLst/>
+          </a:prstGeom>
+        </p:spPr>
+        <p:txBody>
+          <a:bodyPr vert="horz" lIns="91440" tIns="45720" rIns="91440" bIns="45720" rtlCol="0">
+            <a:normAutofit/>
+          </a:bodyPr>
+          <a:lstStyle>
+            <a:lvl1pPr marL="342900" indent="-342900" algn="l" defTabSz="457200" rtl="0" eaLnBrk="1" latinLnBrk="0" hangingPunct="1">
+              <a:spcBef>
+                <a:spcPts val="1000"/>
+              </a:spcBef>
+              <a:spcAft>
+                <a:spcPts val="0"/>
+              </a:spcAft>
+              <a:buClr>
+                <a:schemeClr val="bg2">
+                  <a:lumMod val="40000"/>
+                  <a:lumOff val="60000"/>
+                </a:schemeClr>
+              </a:buClr>
+              <a:buSzPct val="80000"/>
+              <a:buFont typeface="Wingdings 3" charset="2"/>
+              <a:buChar char=""/>
+              <a:defRPr sz="2000" b="0" i="0" kern="1200">
+                <a:solidFill>
+                  <a:schemeClr val="tx1"/>
+                </a:solidFill>
+                <a:latin typeface="+mj-lt"/>
+                <a:ea typeface="+mj-ea"/>
+                <a:cs typeface="+mj-cs"/>
+              </a:defRPr>
+            </a:lvl1pPr>
+            <a:lvl2pPr marL="742950" indent="-285750" algn="l" defTabSz="457200" rtl="0" eaLnBrk="1" latinLnBrk="0" hangingPunct="1">
+              <a:spcBef>
+                <a:spcPts val="1000"/>
+              </a:spcBef>
+              <a:spcAft>
+                <a:spcPts val="0"/>
+              </a:spcAft>
+              <a:buClr>
+                <a:schemeClr val="bg2">
+                  <a:lumMod val="40000"/>
+                  <a:lumOff val="60000"/>
+                </a:schemeClr>
+              </a:buClr>
+              <a:buSzPct val="80000"/>
+              <a:buFont typeface="Wingdings 3" charset="2"/>
+              <a:buChar char=""/>
+              <a:defRPr sz="1800" b="0" i="0" kern="1200">
+                <a:solidFill>
+                  <a:schemeClr val="tx1"/>
+                </a:solidFill>
+                <a:latin typeface="+mj-lt"/>
+                <a:ea typeface="+mj-ea"/>
+                <a:cs typeface="+mj-cs"/>
+              </a:defRPr>
+            </a:lvl2pPr>
+            <a:lvl3pPr marL="1143000" indent="-228600" algn="l" defTabSz="457200" rtl="0" eaLnBrk="1" latinLnBrk="0" hangingPunct="1">
+              <a:spcBef>
+                <a:spcPts val="1000"/>
+              </a:spcBef>
+              <a:spcAft>
+                <a:spcPts val="0"/>
+              </a:spcAft>
+              <a:buClr>
+                <a:schemeClr val="bg2">
+                  <a:lumMod val="40000"/>
+                  <a:lumOff val="60000"/>
+                </a:schemeClr>
+              </a:buClr>
+              <a:buSzPct val="80000"/>
+              <a:buFont typeface="Wingdings 3" charset="2"/>
+              <a:buChar char=""/>
+              <a:defRPr sz="1600" b="0" i="0" kern="1200">
+                <a:solidFill>
+                  <a:schemeClr val="tx1"/>
+                </a:solidFill>
+                <a:latin typeface="+mj-lt"/>
+                <a:ea typeface="+mj-ea"/>
+                <a:cs typeface="+mj-cs"/>
+              </a:defRPr>
+            </a:lvl3pPr>
+            <a:lvl4pPr marL="1600200" indent="-228600" algn="l" defTabSz="457200" rtl="0" eaLnBrk="1" latinLnBrk="0" hangingPunct="1">
+              <a:spcBef>
+                <a:spcPts val="1000"/>
+              </a:spcBef>
+              <a:spcAft>
+                <a:spcPts val="0"/>
+              </a:spcAft>
+              <a:buClr>
+                <a:schemeClr val="bg2">
+                  <a:lumMod val="40000"/>
+                  <a:lumOff val="60000"/>
+                </a:schemeClr>
+              </a:buClr>
+              <a:buSzPct val="80000"/>
+              <a:buFont typeface="Wingdings 3" charset="2"/>
+              <a:buChar char=""/>
+              <a:defRPr sz="1400" b="0" i="0" kern="1200">
+                <a:solidFill>
+                  <a:schemeClr val="tx1"/>
+                </a:solidFill>
+                <a:latin typeface="+mj-lt"/>
+                <a:ea typeface="+mj-ea"/>
+                <a:cs typeface="+mj-cs"/>
+              </a:defRPr>
+            </a:lvl4pPr>
+            <a:lvl5pPr marL="2057400" indent="-228600" algn="l" defTabSz="457200" rtl="0" eaLnBrk="1" latinLnBrk="0" hangingPunct="1">
+              <a:spcBef>
+                <a:spcPts val="1000"/>
+              </a:spcBef>
+              <a:spcAft>
+                <a:spcPts val="0"/>
+              </a:spcAft>
+              <a:buClr>
+                <a:schemeClr val="bg2">
+                  <a:lumMod val="40000"/>
+                  <a:lumOff val="60000"/>
+                </a:schemeClr>
+              </a:buClr>
+              <a:buSzPct val="80000"/>
+              <a:buFont typeface="Wingdings 3" charset="2"/>
+              <a:buChar char=""/>
+              <a:defRPr sz="1400" b="0" i="0" kern="1200">
+                <a:solidFill>
+                  <a:schemeClr val="tx1"/>
+                </a:solidFill>
+                <a:latin typeface="+mj-lt"/>
+                <a:ea typeface="+mj-ea"/>
+                <a:cs typeface="+mj-cs"/>
+              </a:defRPr>
+            </a:lvl5pPr>
+            <a:lvl6pPr marL="2506000" indent="-228600" algn="l" defTabSz="457200" rtl="0" eaLnBrk="1" latinLnBrk="0" hangingPunct="1">
+              <a:spcBef>
+                <a:spcPts val="1000"/>
+              </a:spcBef>
+              <a:spcAft>
+                <a:spcPts val="0"/>
+              </a:spcAft>
+              <a:buClr>
+                <a:schemeClr val="bg2">
+                  <a:lumMod val="40000"/>
+                  <a:lumOff val="60000"/>
+                </a:schemeClr>
+              </a:buClr>
+              <a:buSzPct val="80000"/>
+              <a:buFont typeface="Wingdings 3" charset="2"/>
+              <a:buChar char=""/>
+              <a:defRPr sz="1400" b="0" i="0" kern="1200">
+                <a:solidFill>
+                  <a:schemeClr val="tx1"/>
+                </a:solidFill>
+                <a:latin typeface="+mj-lt"/>
+                <a:ea typeface="+mj-ea"/>
+                <a:cs typeface="+mj-cs"/>
+              </a:defRPr>
+            </a:lvl6pPr>
+            <a:lvl7pPr marL="2971800" indent="-228600" algn="l" defTabSz="457200" rtl="0" eaLnBrk="1" latinLnBrk="0" hangingPunct="1">
+              <a:spcBef>
+                <a:spcPts val="1000"/>
+              </a:spcBef>
+              <a:spcAft>
+                <a:spcPts val="0"/>
+              </a:spcAft>
+              <a:buClr>
+                <a:schemeClr val="bg2">
+                  <a:lumMod val="40000"/>
+                  <a:lumOff val="60000"/>
+                </a:schemeClr>
+              </a:buClr>
+              <a:buSzPct val="80000"/>
+              <a:buFont typeface="Wingdings 3" charset="2"/>
+              <a:buChar char=""/>
+              <a:defRPr sz="1400" b="0" i="0" kern="1200">
+                <a:solidFill>
+                  <a:schemeClr val="tx1"/>
+                </a:solidFill>
+                <a:latin typeface="+mj-lt"/>
+                <a:ea typeface="+mj-ea"/>
+                <a:cs typeface="+mj-cs"/>
+              </a:defRPr>
+            </a:lvl7pPr>
+            <a:lvl8pPr marL="3429000" indent="-228600" algn="l" defTabSz="457200" rtl="0" eaLnBrk="1" latinLnBrk="0" hangingPunct="1">
+              <a:spcBef>
+                <a:spcPts val="1000"/>
+              </a:spcBef>
+              <a:spcAft>
+                <a:spcPts val="0"/>
+              </a:spcAft>
+              <a:buClr>
+                <a:schemeClr val="bg2">
+                  <a:lumMod val="40000"/>
+                  <a:lumOff val="60000"/>
+                </a:schemeClr>
+              </a:buClr>
+              <a:buSzPct val="80000"/>
+              <a:buFont typeface="Wingdings 3" charset="2"/>
+              <a:buChar char=""/>
+              <a:defRPr sz="1400" b="0" i="0" kern="1200">
+                <a:solidFill>
+                  <a:schemeClr val="tx1"/>
+                </a:solidFill>
+                <a:latin typeface="+mj-lt"/>
+                <a:ea typeface="+mj-ea"/>
+                <a:cs typeface="+mj-cs"/>
+              </a:defRPr>
+            </a:lvl8pPr>
+            <a:lvl9pPr marL="3886200" indent="-228600" algn="l" defTabSz="457200" rtl="0" eaLnBrk="1" latinLnBrk="0" hangingPunct="1">
+              <a:spcBef>
+                <a:spcPts val="1000"/>
+              </a:spcBef>
+              <a:spcAft>
+                <a:spcPts val="0"/>
+              </a:spcAft>
+              <a:buClr>
+                <a:schemeClr val="bg2">
+                  <a:lumMod val="40000"/>
+                  <a:lumOff val="60000"/>
+                </a:schemeClr>
+              </a:buClr>
+              <a:buSzPct val="80000"/>
+              <a:buFont typeface="Wingdings 3" charset="2"/>
+              <a:buChar char=""/>
+              <a:defRPr sz="1400" b="0" i="0" kern="1200">
+                <a:solidFill>
+                  <a:schemeClr val="tx1"/>
+                </a:solidFill>
+                <a:latin typeface="+mj-lt"/>
+                <a:ea typeface="+mj-ea"/>
+                <a:cs typeface="+mj-cs"/>
+              </a:defRPr>
+            </a:lvl9pPr>
+          </a:lstStyle>
+          <a:p>
+            <a:r>
+              <a:rPr lang="fr-CH" sz="1400" dirty="0"/>
+              <a:t>Configuration siège principal</a:t>
+            </a:r>
+          </a:p>
+          <a:p>
+            <a:r>
+              <a:rPr lang="fr-CH" sz="1400" dirty="0"/>
+              <a:t>Configuration FortiGate</a:t>
+            </a:r>
+          </a:p>
+          <a:p>
+            <a:r>
+              <a:rPr lang="fr-CH" sz="1400" dirty="0"/>
+              <a:t>Activation VDOMs</a:t>
+            </a:r>
+          </a:p>
+          <a:p>
+            <a:r>
+              <a:rPr lang="fr-CH" sz="1400" dirty="0"/>
+              <a:t>Création domaine Principal</a:t>
+            </a:r>
+          </a:p>
+          <a:p>
+            <a:r>
+              <a:rPr lang="fr-CH" sz="1400" dirty="0"/>
+              <a:t>Création domaine Secondaire</a:t>
+            </a:r>
+          </a:p>
+          <a:p>
+            <a:r>
+              <a:rPr lang="fr-CH" sz="1400" dirty="0"/>
+              <a:t>Création des administrateurs</a:t>
+            </a:r>
+          </a:p>
+          <a:p>
+            <a:r>
+              <a:rPr lang="fr-CH" sz="1400" dirty="0"/>
+              <a:t>Mise en place VDOM Principal</a:t>
+            </a:r>
+          </a:p>
+          <a:p>
+            <a:r>
+              <a:rPr lang="fr-CH" sz="1400" dirty="0"/>
+              <a:t>Création règles pare-feu Principal</a:t>
+            </a:r>
+          </a:p>
+          <a:p>
+            <a:r>
+              <a:rPr lang="fr-CH" sz="1400" dirty="0"/>
+              <a:t>Configuration succursale secondaire</a:t>
+            </a:r>
+          </a:p>
+          <a:p>
+            <a:r>
+              <a:rPr lang="fr-CH" sz="1400" dirty="0"/>
+              <a:t>Mise en place VDOM Secondaire</a:t>
+            </a:r>
+          </a:p>
+          <a:p>
+            <a:r>
+              <a:rPr lang="fr-CH" sz="1400" dirty="0"/>
+              <a:t>Création règles pare-feu Secondaire</a:t>
+            </a:r>
+          </a:p>
+          <a:p>
+            <a:pPr marL="0" indent="0">
+              <a:buNone/>
+            </a:pPr>
+            <a:endParaRPr lang="fr-CH" sz="1000" dirty="0"/>
           </a:p>
         </p:txBody>
       </p:sp>
@@ -17811,37 +20014,60 @@
           <a:lstStyle/>
           <a:p>
             <a:r>
-              <a:rPr lang="fr-CH" dirty="0"/>
+              <a:rPr lang="fr-CH" dirty="0">
+                <a:effectLst>
+                  <a:outerShdw blurRad="38100" dist="38100" dir="2700000" algn="tl">
+                    <a:srgbClr val="000000">
+                      <a:alpha val="43137"/>
+                    </a:srgbClr>
+                  </a:outerShdw>
+                </a:effectLst>
+              </a:rPr>
               <a:t>Site à site</a:t>
             </a:r>
           </a:p>
         </p:txBody>
       </p:sp>
-      <p:sp>
-        <p:nvSpPr>
-          <p:cNvPr id="3" name="Espace réservé du contenu 2">
+      <p:pic>
+        <p:nvPicPr>
+          <p:cNvPr id="7" name="Espace réservé du contenu 6">
             <a:extLst>
               <a:ext uri="{FF2B5EF4-FFF2-40B4-BE49-F238E27FC236}">
-                <a16:creationId xmlns:a16="http://schemas.microsoft.com/office/drawing/2014/main" id="{BAA5E406-BC67-1202-602D-CB51CFD7B583}"/>
+                <a16:creationId xmlns:a16="http://schemas.microsoft.com/office/drawing/2014/main" id="{65F8CBC7-DFAB-A7A2-7F7A-9A58C7EB0A00}"/>
               </a:ext>
             </a:extLst>
           </p:cNvPr>
-          <p:cNvSpPr>
-            <a:spLocks noGrp="1"/>
-          </p:cNvSpPr>
+          <p:cNvPicPr>
+            <a:picLocks noGrp="1" noChangeAspect="1"/>
+          </p:cNvPicPr>
           <p:nvPr>
             <p:ph idx="1"/>
           </p:nvPr>
-        </p:nvSpPr>
-        <p:spPr/>
-        <p:txBody>
-          <a:bodyPr/>
-          <a:lstStyle/>
-          <a:p>
-            <a:endParaRPr lang="fr-CH"/>
-          </a:p>
-        </p:txBody>
-      </p:sp>
+        </p:nvPicPr>
+        <p:blipFill>
+          <a:blip r:embed="rId2">
+            <a:extLst>
+              <a:ext uri="{28A0092B-C50C-407E-A947-70E740481C1C}">
+                <a14:useLocalDpi xmlns:a14="http://schemas.microsoft.com/office/drawing/2010/main" val="0"/>
+              </a:ext>
+            </a:extLst>
+          </a:blip>
+          <a:stretch>
+            <a:fillRect/>
+          </a:stretch>
+        </p:blipFill>
+        <p:spPr>
+          <a:xfrm>
+            <a:off x="646111" y="1447800"/>
+            <a:ext cx="6510063" cy="5118830"/>
+          </a:xfrm>
+          <a:ln>
+            <a:solidFill>
+              <a:schemeClr val="accent1"/>
+            </a:solidFill>
+          </a:ln>
+        </p:spPr>
+      </p:pic>
       <p:sp>
         <p:nvSpPr>
           <p:cNvPr id="4" name="Espace réservé du pied de page 3">
@@ -17892,10 +20118,336 @@
           <a:lstStyle/>
           <a:p>
             <a:fld id="{2FCD9DE2-19B8-4E75-A167-0E6B1D03D668}" type="slidenum">
-              <a:rPr lang="fr-CH" smtClean="0"/>
+              <a:rPr lang="fr-CH" smtClean="0">
+                <a:solidFill>
+                  <a:srgbClr val="C00000"/>
+                </a:solidFill>
+                <a:effectLst>
+                  <a:outerShdw blurRad="38100" dist="38100" dir="2700000" algn="tl">
+                    <a:srgbClr val="000000">
+                      <a:alpha val="43137"/>
+                    </a:srgbClr>
+                  </a:outerShdw>
+                </a:effectLst>
+              </a:rPr>
               <a:t>8</a:t>
             </a:fld>
-            <a:endParaRPr lang="fr-CH"/>
+            <a:endParaRPr lang="fr-CH" dirty="0">
+              <a:solidFill>
+                <a:srgbClr val="C00000"/>
+              </a:solidFill>
+              <a:effectLst>
+                <a:outerShdw blurRad="38100" dist="38100" dir="2700000" algn="tl">
+                  <a:srgbClr val="000000">
+                    <a:alpha val="43137"/>
+                  </a:srgbClr>
+                </a:outerShdw>
+              </a:effectLst>
+            </a:endParaRPr>
+          </a:p>
+        </p:txBody>
+      </p:sp>
+      <p:sp>
+        <p:nvSpPr>
+          <p:cNvPr id="8" name="Espace réservé du contenu 2">
+            <a:extLst>
+              <a:ext uri="{FF2B5EF4-FFF2-40B4-BE49-F238E27FC236}">
+                <a16:creationId xmlns:a16="http://schemas.microsoft.com/office/drawing/2014/main" id="{56E94B09-3DF2-B779-10AE-60DFB44E2F64}"/>
+              </a:ext>
+            </a:extLst>
+          </p:cNvPr>
+          <p:cNvSpPr txBox="1">
+            <a:spLocks/>
+          </p:cNvSpPr>
+          <p:nvPr/>
+        </p:nvSpPr>
+        <p:spPr>
+          <a:xfrm>
+            <a:off x="8111985" y="2625494"/>
+            <a:ext cx="3877697" cy="4232506"/>
+          </a:xfrm>
+          <a:prstGeom prst="rect">
+            <a:avLst/>
+          </a:prstGeom>
+        </p:spPr>
+        <p:txBody>
+          <a:bodyPr vert="horz" lIns="91440" tIns="45720" rIns="91440" bIns="45720" rtlCol="0">
+            <a:normAutofit/>
+          </a:bodyPr>
+          <a:lstStyle>
+            <a:lvl1pPr marL="342900" indent="-342900" algn="l" defTabSz="457200" rtl="0" eaLnBrk="1" latinLnBrk="0" hangingPunct="1">
+              <a:spcBef>
+                <a:spcPts val="1000"/>
+              </a:spcBef>
+              <a:spcAft>
+                <a:spcPts val="0"/>
+              </a:spcAft>
+              <a:buClr>
+                <a:schemeClr val="bg2">
+                  <a:lumMod val="40000"/>
+                  <a:lumOff val="60000"/>
+                </a:schemeClr>
+              </a:buClr>
+              <a:buSzPct val="80000"/>
+              <a:buFont typeface="Wingdings 3" charset="2"/>
+              <a:buChar char=""/>
+              <a:defRPr sz="2000" b="0" i="0" kern="1200">
+                <a:solidFill>
+                  <a:schemeClr val="tx1"/>
+                </a:solidFill>
+                <a:latin typeface="+mj-lt"/>
+                <a:ea typeface="+mj-ea"/>
+                <a:cs typeface="+mj-cs"/>
+              </a:defRPr>
+            </a:lvl1pPr>
+            <a:lvl2pPr marL="742950" indent="-285750" algn="l" defTabSz="457200" rtl="0" eaLnBrk="1" latinLnBrk="0" hangingPunct="1">
+              <a:spcBef>
+                <a:spcPts val="1000"/>
+              </a:spcBef>
+              <a:spcAft>
+                <a:spcPts val="0"/>
+              </a:spcAft>
+              <a:buClr>
+                <a:schemeClr val="bg2">
+                  <a:lumMod val="40000"/>
+                  <a:lumOff val="60000"/>
+                </a:schemeClr>
+              </a:buClr>
+              <a:buSzPct val="80000"/>
+              <a:buFont typeface="Wingdings 3" charset="2"/>
+              <a:buChar char=""/>
+              <a:defRPr sz="1800" b="0" i="0" kern="1200">
+                <a:solidFill>
+                  <a:schemeClr val="tx1"/>
+                </a:solidFill>
+                <a:latin typeface="+mj-lt"/>
+                <a:ea typeface="+mj-ea"/>
+                <a:cs typeface="+mj-cs"/>
+              </a:defRPr>
+            </a:lvl2pPr>
+            <a:lvl3pPr marL="1143000" indent="-228600" algn="l" defTabSz="457200" rtl="0" eaLnBrk="1" latinLnBrk="0" hangingPunct="1">
+              <a:spcBef>
+                <a:spcPts val="1000"/>
+              </a:spcBef>
+              <a:spcAft>
+                <a:spcPts val="0"/>
+              </a:spcAft>
+              <a:buClr>
+                <a:schemeClr val="bg2">
+                  <a:lumMod val="40000"/>
+                  <a:lumOff val="60000"/>
+                </a:schemeClr>
+              </a:buClr>
+              <a:buSzPct val="80000"/>
+              <a:buFont typeface="Wingdings 3" charset="2"/>
+              <a:buChar char=""/>
+              <a:defRPr sz="1600" b="0" i="0" kern="1200">
+                <a:solidFill>
+                  <a:schemeClr val="tx1"/>
+                </a:solidFill>
+                <a:latin typeface="+mj-lt"/>
+                <a:ea typeface="+mj-ea"/>
+                <a:cs typeface="+mj-cs"/>
+              </a:defRPr>
+            </a:lvl3pPr>
+            <a:lvl4pPr marL="1600200" indent="-228600" algn="l" defTabSz="457200" rtl="0" eaLnBrk="1" latinLnBrk="0" hangingPunct="1">
+              <a:spcBef>
+                <a:spcPts val="1000"/>
+              </a:spcBef>
+              <a:spcAft>
+                <a:spcPts val="0"/>
+              </a:spcAft>
+              <a:buClr>
+                <a:schemeClr val="bg2">
+                  <a:lumMod val="40000"/>
+                  <a:lumOff val="60000"/>
+                </a:schemeClr>
+              </a:buClr>
+              <a:buSzPct val="80000"/>
+              <a:buFont typeface="Wingdings 3" charset="2"/>
+              <a:buChar char=""/>
+              <a:defRPr sz="1400" b="0" i="0" kern="1200">
+                <a:solidFill>
+                  <a:schemeClr val="tx1"/>
+                </a:solidFill>
+                <a:latin typeface="+mj-lt"/>
+                <a:ea typeface="+mj-ea"/>
+                <a:cs typeface="+mj-cs"/>
+              </a:defRPr>
+            </a:lvl4pPr>
+            <a:lvl5pPr marL="2057400" indent="-228600" algn="l" defTabSz="457200" rtl="0" eaLnBrk="1" latinLnBrk="0" hangingPunct="1">
+              <a:spcBef>
+                <a:spcPts val="1000"/>
+              </a:spcBef>
+              <a:spcAft>
+                <a:spcPts val="0"/>
+              </a:spcAft>
+              <a:buClr>
+                <a:schemeClr val="bg2">
+                  <a:lumMod val="40000"/>
+                  <a:lumOff val="60000"/>
+                </a:schemeClr>
+              </a:buClr>
+              <a:buSzPct val="80000"/>
+              <a:buFont typeface="Wingdings 3" charset="2"/>
+              <a:buChar char=""/>
+              <a:defRPr sz="1400" b="0" i="0" kern="1200">
+                <a:solidFill>
+                  <a:schemeClr val="tx1"/>
+                </a:solidFill>
+                <a:latin typeface="+mj-lt"/>
+                <a:ea typeface="+mj-ea"/>
+                <a:cs typeface="+mj-cs"/>
+              </a:defRPr>
+            </a:lvl5pPr>
+            <a:lvl6pPr marL="2506000" indent="-228600" algn="l" defTabSz="457200" rtl="0" eaLnBrk="1" latinLnBrk="0" hangingPunct="1">
+              <a:spcBef>
+                <a:spcPts val="1000"/>
+              </a:spcBef>
+              <a:spcAft>
+                <a:spcPts val="0"/>
+              </a:spcAft>
+              <a:buClr>
+                <a:schemeClr val="bg2">
+                  <a:lumMod val="40000"/>
+                  <a:lumOff val="60000"/>
+                </a:schemeClr>
+              </a:buClr>
+              <a:buSzPct val="80000"/>
+              <a:buFont typeface="Wingdings 3" charset="2"/>
+              <a:buChar char=""/>
+              <a:defRPr sz="1400" b="0" i="0" kern="1200">
+                <a:solidFill>
+                  <a:schemeClr val="tx1"/>
+                </a:solidFill>
+                <a:latin typeface="+mj-lt"/>
+                <a:ea typeface="+mj-ea"/>
+                <a:cs typeface="+mj-cs"/>
+              </a:defRPr>
+            </a:lvl6pPr>
+            <a:lvl7pPr marL="2971800" indent="-228600" algn="l" defTabSz="457200" rtl="0" eaLnBrk="1" latinLnBrk="0" hangingPunct="1">
+              <a:spcBef>
+                <a:spcPts val="1000"/>
+              </a:spcBef>
+              <a:spcAft>
+                <a:spcPts val="0"/>
+              </a:spcAft>
+              <a:buClr>
+                <a:schemeClr val="bg2">
+                  <a:lumMod val="40000"/>
+                  <a:lumOff val="60000"/>
+                </a:schemeClr>
+              </a:buClr>
+              <a:buSzPct val="80000"/>
+              <a:buFont typeface="Wingdings 3" charset="2"/>
+              <a:buChar char=""/>
+              <a:defRPr sz="1400" b="0" i="0" kern="1200">
+                <a:solidFill>
+                  <a:schemeClr val="tx1"/>
+                </a:solidFill>
+                <a:latin typeface="+mj-lt"/>
+                <a:ea typeface="+mj-ea"/>
+                <a:cs typeface="+mj-cs"/>
+              </a:defRPr>
+            </a:lvl7pPr>
+            <a:lvl8pPr marL="3429000" indent="-228600" algn="l" defTabSz="457200" rtl="0" eaLnBrk="1" latinLnBrk="0" hangingPunct="1">
+              <a:spcBef>
+                <a:spcPts val="1000"/>
+              </a:spcBef>
+              <a:spcAft>
+                <a:spcPts val="0"/>
+              </a:spcAft>
+              <a:buClr>
+                <a:schemeClr val="bg2">
+                  <a:lumMod val="40000"/>
+                  <a:lumOff val="60000"/>
+                </a:schemeClr>
+              </a:buClr>
+              <a:buSzPct val="80000"/>
+              <a:buFont typeface="Wingdings 3" charset="2"/>
+              <a:buChar char=""/>
+              <a:defRPr sz="1400" b="0" i="0" kern="1200">
+                <a:solidFill>
+                  <a:schemeClr val="tx1"/>
+                </a:solidFill>
+                <a:latin typeface="+mj-lt"/>
+                <a:ea typeface="+mj-ea"/>
+                <a:cs typeface="+mj-cs"/>
+              </a:defRPr>
+            </a:lvl8pPr>
+            <a:lvl9pPr marL="3886200" indent="-228600" algn="l" defTabSz="457200" rtl="0" eaLnBrk="1" latinLnBrk="0" hangingPunct="1">
+              <a:spcBef>
+                <a:spcPts val="1000"/>
+              </a:spcBef>
+              <a:spcAft>
+                <a:spcPts val="0"/>
+              </a:spcAft>
+              <a:buClr>
+                <a:schemeClr val="bg2">
+                  <a:lumMod val="40000"/>
+                  <a:lumOff val="60000"/>
+                </a:schemeClr>
+              </a:buClr>
+              <a:buSzPct val="80000"/>
+              <a:buFont typeface="Wingdings 3" charset="2"/>
+              <a:buChar char=""/>
+              <a:defRPr sz="1400" b="0" i="0" kern="1200">
+                <a:solidFill>
+                  <a:schemeClr val="tx1"/>
+                </a:solidFill>
+                <a:latin typeface="+mj-lt"/>
+                <a:ea typeface="+mj-ea"/>
+                <a:cs typeface="+mj-cs"/>
+              </a:defRPr>
+            </a:lvl9pPr>
+          </a:lstStyle>
+          <a:p>
+            <a:r>
+              <a:rPr lang="fr-CH" sz="1400" dirty="0"/>
+              <a:t>Configuration Routeur</a:t>
+            </a:r>
+          </a:p>
+          <a:p>
+            <a:r>
+              <a:rPr lang="fr-CH" sz="1400" dirty="0"/>
+              <a:t>Configuration tunnels site-à-site SP</a:t>
+            </a:r>
+          </a:p>
+          <a:p>
+            <a:r>
+              <a:rPr lang="fr-CH" sz="1400" dirty="0"/>
+              <a:t>Création règle pare-feu pour tunnel SP</a:t>
+            </a:r>
+          </a:p>
+          <a:p>
+            <a:r>
+              <a:rPr lang="fr-CH" sz="1400" dirty="0"/>
+              <a:t>Création route pour tunnel SP</a:t>
+            </a:r>
+          </a:p>
+          <a:p>
+            <a:r>
+              <a:rPr lang="fr-CH" sz="1400" dirty="0"/>
+              <a:t>Configuration tunnels site-à-site SS</a:t>
+            </a:r>
+          </a:p>
+          <a:p>
+            <a:r>
+              <a:rPr lang="fr-CH" sz="1400" dirty="0"/>
+              <a:t>Création règle pare-feu pour tunnel SS</a:t>
+            </a:r>
+          </a:p>
+          <a:p>
+            <a:r>
+              <a:rPr lang="fr-CH" sz="1400" dirty="0"/>
+              <a:t>Création route pour tunnel SS</a:t>
+            </a:r>
+          </a:p>
+          <a:p>
+            <a:pPr marL="0" indent="0">
+              <a:buNone/>
+            </a:pPr>
+            <a:endParaRPr lang="fr-CH" sz="1000" dirty="0"/>
           </a:p>
         </p:txBody>
       </p:sp>
@@ -17951,37 +20503,60 @@
           <a:lstStyle/>
           <a:p>
             <a:r>
-              <a:rPr lang="fr-CH" dirty="0"/>
+              <a:rPr lang="fr-CH" dirty="0">
+                <a:effectLst>
+                  <a:outerShdw blurRad="38100" dist="38100" dir="2700000" algn="tl">
+                    <a:srgbClr val="000000">
+                      <a:alpha val="43137"/>
+                    </a:srgbClr>
+                  </a:outerShdw>
+                </a:effectLst>
+              </a:rPr>
               <a:t>Client à site</a:t>
             </a:r>
           </a:p>
         </p:txBody>
       </p:sp>
-      <p:sp>
-        <p:nvSpPr>
-          <p:cNvPr id="3" name="Espace réservé du contenu 2">
+      <p:pic>
+        <p:nvPicPr>
+          <p:cNvPr id="7" name="Espace réservé du contenu 6">
             <a:extLst>
               <a:ext uri="{FF2B5EF4-FFF2-40B4-BE49-F238E27FC236}">
-                <a16:creationId xmlns:a16="http://schemas.microsoft.com/office/drawing/2014/main" id="{89464DD8-DA7F-2C68-12F0-3F0C116E6D97}"/>
+                <a16:creationId xmlns:a16="http://schemas.microsoft.com/office/drawing/2014/main" id="{32B94379-BBBA-C8C5-B1D6-24020FF5EAC3}"/>
               </a:ext>
             </a:extLst>
           </p:cNvPr>
-          <p:cNvSpPr>
-            <a:spLocks noGrp="1"/>
-          </p:cNvSpPr>
+          <p:cNvPicPr>
+            <a:picLocks noGrp="1" noChangeAspect="1"/>
+          </p:cNvPicPr>
           <p:nvPr>
             <p:ph idx="1"/>
           </p:nvPr>
-        </p:nvSpPr>
-        <p:spPr/>
-        <p:txBody>
-          <a:bodyPr/>
-          <a:lstStyle/>
-          <a:p>
-            <a:endParaRPr lang="fr-CH"/>
-          </a:p>
-        </p:txBody>
-      </p:sp>
+        </p:nvPicPr>
+        <p:blipFill>
+          <a:blip r:embed="rId2">
+            <a:extLst>
+              <a:ext uri="{28A0092B-C50C-407E-A947-70E740481C1C}">
+                <a14:useLocalDpi xmlns:a14="http://schemas.microsoft.com/office/drawing/2010/main" val="0"/>
+              </a:ext>
+            </a:extLst>
+          </a:blip>
+          <a:stretch>
+            <a:fillRect/>
+          </a:stretch>
+        </p:blipFill>
+        <p:spPr>
+          <a:xfrm>
+            <a:off x="646111" y="1447799"/>
+            <a:ext cx="7425333" cy="5111695"/>
+          </a:xfrm>
+          <a:ln>
+            <a:solidFill>
+              <a:schemeClr val="accent1"/>
+            </a:solidFill>
+          </a:ln>
+        </p:spPr>
+      </p:pic>
       <p:sp>
         <p:nvSpPr>
           <p:cNvPr id="4" name="Espace réservé du pied de page 3">
@@ -18032,10 +20607,315 @@
           <a:lstStyle/>
           <a:p>
             <a:fld id="{2FCD9DE2-19B8-4E75-A167-0E6B1D03D668}" type="slidenum">
-              <a:rPr lang="fr-CH" smtClean="0"/>
+              <a:rPr lang="fr-CH" smtClean="0">
+                <a:solidFill>
+                  <a:srgbClr val="C00000"/>
+                </a:solidFill>
+                <a:effectLst>
+                  <a:outerShdw blurRad="38100" dist="38100" dir="2700000" algn="tl">
+                    <a:srgbClr val="000000">
+                      <a:alpha val="43137"/>
+                    </a:srgbClr>
+                  </a:outerShdw>
+                </a:effectLst>
+              </a:rPr>
               <a:t>9</a:t>
             </a:fld>
-            <a:endParaRPr lang="fr-CH"/>
+            <a:endParaRPr lang="fr-CH" dirty="0">
+              <a:solidFill>
+                <a:srgbClr val="C00000"/>
+              </a:solidFill>
+              <a:effectLst>
+                <a:outerShdw blurRad="38100" dist="38100" dir="2700000" algn="tl">
+                  <a:srgbClr val="000000">
+                    <a:alpha val="43137"/>
+                  </a:srgbClr>
+                </a:outerShdw>
+              </a:effectLst>
+            </a:endParaRPr>
+          </a:p>
+        </p:txBody>
+      </p:sp>
+      <p:sp>
+        <p:nvSpPr>
+          <p:cNvPr id="8" name="Espace réservé du contenu 2">
+            <a:extLst>
+              <a:ext uri="{FF2B5EF4-FFF2-40B4-BE49-F238E27FC236}">
+                <a16:creationId xmlns:a16="http://schemas.microsoft.com/office/drawing/2014/main" id="{CC042389-A0E4-544E-79AC-2078EF4FE958}"/>
+              </a:ext>
+            </a:extLst>
+          </p:cNvPr>
+          <p:cNvSpPr txBox="1">
+            <a:spLocks/>
+          </p:cNvSpPr>
+          <p:nvPr/>
+        </p:nvSpPr>
+        <p:spPr>
+          <a:xfrm>
+            <a:off x="8313611" y="2567853"/>
+            <a:ext cx="3474445" cy="4146862"/>
+          </a:xfrm>
+          <a:prstGeom prst="rect">
+            <a:avLst/>
+          </a:prstGeom>
+        </p:spPr>
+        <p:txBody>
+          <a:bodyPr vert="horz" lIns="91440" tIns="45720" rIns="91440" bIns="45720" rtlCol="0">
+            <a:normAutofit/>
+          </a:bodyPr>
+          <a:lstStyle>
+            <a:lvl1pPr marL="342900" indent="-342900" algn="l" defTabSz="457200" rtl="0" eaLnBrk="1" latinLnBrk="0" hangingPunct="1">
+              <a:spcBef>
+                <a:spcPts val="1000"/>
+              </a:spcBef>
+              <a:spcAft>
+                <a:spcPts val="0"/>
+              </a:spcAft>
+              <a:buClr>
+                <a:schemeClr val="bg2">
+                  <a:lumMod val="40000"/>
+                  <a:lumOff val="60000"/>
+                </a:schemeClr>
+              </a:buClr>
+              <a:buSzPct val="80000"/>
+              <a:buFont typeface="Wingdings 3" charset="2"/>
+              <a:buChar char=""/>
+              <a:defRPr sz="2000" b="0" i="0" kern="1200">
+                <a:solidFill>
+                  <a:schemeClr val="tx1"/>
+                </a:solidFill>
+                <a:latin typeface="+mj-lt"/>
+                <a:ea typeface="+mj-ea"/>
+                <a:cs typeface="+mj-cs"/>
+              </a:defRPr>
+            </a:lvl1pPr>
+            <a:lvl2pPr marL="742950" indent="-285750" algn="l" defTabSz="457200" rtl="0" eaLnBrk="1" latinLnBrk="0" hangingPunct="1">
+              <a:spcBef>
+                <a:spcPts val="1000"/>
+              </a:spcBef>
+              <a:spcAft>
+                <a:spcPts val="0"/>
+              </a:spcAft>
+              <a:buClr>
+                <a:schemeClr val="bg2">
+                  <a:lumMod val="40000"/>
+                  <a:lumOff val="60000"/>
+                </a:schemeClr>
+              </a:buClr>
+              <a:buSzPct val="80000"/>
+              <a:buFont typeface="Wingdings 3" charset="2"/>
+              <a:buChar char=""/>
+              <a:defRPr sz="1800" b="0" i="0" kern="1200">
+                <a:solidFill>
+                  <a:schemeClr val="tx1"/>
+                </a:solidFill>
+                <a:latin typeface="+mj-lt"/>
+                <a:ea typeface="+mj-ea"/>
+                <a:cs typeface="+mj-cs"/>
+              </a:defRPr>
+            </a:lvl2pPr>
+            <a:lvl3pPr marL="1143000" indent="-228600" algn="l" defTabSz="457200" rtl="0" eaLnBrk="1" latinLnBrk="0" hangingPunct="1">
+              <a:spcBef>
+                <a:spcPts val="1000"/>
+              </a:spcBef>
+              <a:spcAft>
+                <a:spcPts val="0"/>
+              </a:spcAft>
+              <a:buClr>
+                <a:schemeClr val="bg2">
+                  <a:lumMod val="40000"/>
+                  <a:lumOff val="60000"/>
+                </a:schemeClr>
+              </a:buClr>
+              <a:buSzPct val="80000"/>
+              <a:buFont typeface="Wingdings 3" charset="2"/>
+              <a:buChar char=""/>
+              <a:defRPr sz="1600" b="0" i="0" kern="1200">
+                <a:solidFill>
+                  <a:schemeClr val="tx1"/>
+                </a:solidFill>
+                <a:latin typeface="+mj-lt"/>
+                <a:ea typeface="+mj-ea"/>
+                <a:cs typeface="+mj-cs"/>
+              </a:defRPr>
+            </a:lvl3pPr>
+            <a:lvl4pPr marL="1600200" indent="-228600" algn="l" defTabSz="457200" rtl="0" eaLnBrk="1" latinLnBrk="0" hangingPunct="1">
+              <a:spcBef>
+                <a:spcPts val="1000"/>
+              </a:spcBef>
+              <a:spcAft>
+                <a:spcPts val="0"/>
+              </a:spcAft>
+              <a:buClr>
+                <a:schemeClr val="bg2">
+                  <a:lumMod val="40000"/>
+                  <a:lumOff val="60000"/>
+                </a:schemeClr>
+              </a:buClr>
+              <a:buSzPct val="80000"/>
+              <a:buFont typeface="Wingdings 3" charset="2"/>
+              <a:buChar char=""/>
+              <a:defRPr sz="1400" b="0" i="0" kern="1200">
+                <a:solidFill>
+                  <a:schemeClr val="tx1"/>
+                </a:solidFill>
+                <a:latin typeface="+mj-lt"/>
+                <a:ea typeface="+mj-ea"/>
+                <a:cs typeface="+mj-cs"/>
+              </a:defRPr>
+            </a:lvl4pPr>
+            <a:lvl5pPr marL="2057400" indent="-228600" algn="l" defTabSz="457200" rtl="0" eaLnBrk="1" latinLnBrk="0" hangingPunct="1">
+              <a:spcBef>
+                <a:spcPts val="1000"/>
+              </a:spcBef>
+              <a:spcAft>
+                <a:spcPts val="0"/>
+              </a:spcAft>
+              <a:buClr>
+                <a:schemeClr val="bg2">
+                  <a:lumMod val="40000"/>
+                  <a:lumOff val="60000"/>
+                </a:schemeClr>
+              </a:buClr>
+              <a:buSzPct val="80000"/>
+              <a:buFont typeface="Wingdings 3" charset="2"/>
+              <a:buChar char=""/>
+              <a:defRPr sz="1400" b="0" i="0" kern="1200">
+                <a:solidFill>
+                  <a:schemeClr val="tx1"/>
+                </a:solidFill>
+                <a:latin typeface="+mj-lt"/>
+                <a:ea typeface="+mj-ea"/>
+                <a:cs typeface="+mj-cs"/>
+              </a:defRPr>
+            </a:lvl5pPr>
+            <a:lvl6pPr marL="2506000" indent="-228600" algn="l" defTabSz="457200" rtl="0" eaLnBrk="1" latinLnBrk="0" hangingPunct="1">
+              <a:spcBef>
+                <a:spcPts val="1000"/>
+              </a:spcBef>
+              <a:spcAft>
+                <a:spcPts val="0"/>
+              </a:spcAft>
+              <a:buClr>
+                <a:schemeClr val="bg2">
+                  <a:lumMod val="40000"/>
+                  <a:lumOff val="60000"/>
+                </a:schemeClr>
+              </a:buClr>
+              <a:buSzPct val="80000"/>
+              <a:buFont typeface="Wingdings 3" charset="2"/>
+              <a:buChar char=""/>
+              <a:defRPr sz="1400" b="0" i="0" kern="1200">
+                <a:solidFill>
+                  <a:schemeClr val="tx1"/>
+                </a:solidFill>
+                <a:latin typeface="+mj-lt"/>
+                <a:ea typeface="+mj-ea"/>
+                <a:cs typeface="+mj-cs"/>
+              </a:defRPr>
+            </a:lvl6pPr>
+            <a:lvl7pPr marL="2971800" indent="-228600" algn="l" defTabSz="457200" rtl="0" eaLnBrk="1" latinLnBrk="0" hangingPunct="1">
+              <a:spcBef>
+                <a:spcPts val="1000"/>
+              </a:spcBef>
+              <a:spcAft>
+                <a:spcPts val="0"/>
+              </a:spcAft>
+              <a:buClr>
+                <a:schemeClr val="bg2">
+                  <a:lumMod val="40000"/>
+                  <a:lumOff val="60000"/>
+                </a:schemeClr>
+              </a:buClr>
+              <a:buSzPct val="80000"/>
+              <a:buFont typeface="Wingdings 3" charset="2"/>
+              <a:buChar char=""/>
+              <a:defRPr sz="1400" b="0" i="0" kern="1200">
+                <a:solidFill>
+                  <a:schemeClr val="tx1"/>
+                </a:solidFill>
+                <a:latin typeface="+mj-lt"/>
+                <a:ea typeface="+mj-ea"/>
+                <a:cs typeface="+mj-cs"/>
+              </a:defRPr>
+            </a:lvl7pPr>
+            <a:lvl8pPr marL="3429000" indent="-228600" algn="l" defTabSz="457200" rtl="0" eaLnBrk="1" latinLnBrk="0" hangingPunct="1">
+              <a:spcBef>
+                <a:spcPts val="1000"/>
+              </a:spcBef>
+              <a:spcAft>
+                <a:spcPts val="0"/>
+              </a:spcAft>
+              <a:buClr>
+                <a:schemeClr val="bg2">
+                  <a:lumMod val="40000"/>
+                  <a:lumOff val="60000"/>
+                </a:schemeClr>
+              </a:buClr>
+              <a:buSzPct val="80000"/>
+              <a:buFont typeface="Wingdings 3" charset="2"/>
+              <a:buChar char=""/>
+              <a:defRPr sz="1400" b="0" i="0" kern="1200">
+                <a:solidFill>
+                  <a:schemeClr val="tx1"/>
+                </a:solidFill>
+                <a:latin typeface="+mj-lt"/>
+                <a:ea typeface="+mj-ea"/>
+                <a:cs typeface="+mj-cs"/>
+              </a:defRPr>
+            </a:lvl8pPr>
+            <a:lvl9pPr marL="3886200" indent="-228600" algn="l" defTabSz="457200" rtl="0" eaLnBrk="1" latinLnBrk="0" hangingPunct="1">
+              <a:spcBef>
+                <a:spcPts val="1000"/>
+              </a:spcBef>
+              <a:spcAft>
+                <a:spcPts val="0"/>
+              </a:spcAft>
+              <a:buClr>
+                <a:schemeClr val="bg2">
+                  <a:lumMod val="40000"/>
+                  <a:lumOff val="60000"/>
+                </a:schemeClr>
+              </a:buClr>
+              <a:buSzPct val="80000"/>
+              <a:buFont typeface="Wingdings 3" charset="2"/>
+              <a:buChar char=""/>
+              <a:defRPr sz="1400" b="0" i="0" kern="1200">
+                <a:solidFill>
+                  <a:schemeClr val="tx1"/>
+                </a:solidFill>
+                <a:latin typeface="+mj-lt"/>
+                <a:ea typeface="+mj-ea"/>
+                <a:cs typeface="+mj-cs"/>
+              </a:defRPr>
+            </a:lvl9pPr>
+          </a:lstStyle>
+          <a:p>
+            <a:r>
+              <a:rPr lang="fr-CH" sz="1400" dirty="0"/>
+              <a:t>Remplacement routeur par switch</a:t>
+            </a:r>
+          </a:p>
+          <a:p>
+            <a:r>
+              <a:rPr lang="fr-CH" sz="1400" dirty="0"/>
+              <a:t>Configuration PC Télétravailleur</a:t>
+            </a:r>
+          </a:p>
+          <a:p>
+            <a:r>
+              <a:rPr lang="fr-CH" sz="1400" dirty="0"/>
+              <a:t>Configuration tunnel client-à-site</a:t>
+            </a:r>
+          </a:p>
+          <a:p>
+            <a:r>
+              <a:rPr lang="fr-CH" sz="1400" dirty="0"/>
+              <a:t>Configuration FortiClient VPN</a:t>
+            </a:r>
+          </a:p>
+          <a:p>
+            <a:endParaRPr lang="fr-CH" sz="1000" dirty="0"/>
           </a:p>
         </p:txBody>
       </p:sp>

--- a/Présentation/Présentation TPI DMA.pptx
+++ b/Présentation/Présentation TPI DMA.pptx
@@ -5,7 +5,7 @@
     <p:sldMasterId id="2147483802" r:id="rId1"/>
   </p:sldMasterIdLst>
   <p:notesMasterIdLst>
-    <p:notesMasterId r:id="rId29"/>
+    <p:notesMasterId r:id="rId18"/>
   </p:notesMasterIdLst>
   <p:sldIdLst>
     <p:sldId id="256" r:id="rId2"/>
@@ -24,17 +24,6 @@
     <p:sldId id="300" r:id="rId15"/>
     <p:sldId id="263" r:id="rId16"/>
     <p:sldId id="264" r:id="rId17"/>
-    <p:sldId id="272" r:id="rId18"/>
-    <p:sldId id="289" r:id="rId19"/>
-    <p:sldId id="277" r:id="rId20"/>
-    <p:sldId id="298" r:id="rId21"/>
-    <p:sldId id="286" r:id="rId22"/>
-    <p:sldId id="290" r:id="rId23"/>
-    <p:sldId id="293" r:id="rId24"/>
-    <p:sldId id="292" r:id="rId25"/>
-    <p:sldId id="285" r:id="rId26"/>
-    <p:sldId id="297" r:id="rId27"/>
-    <p:sldId id="301" r:id="rId28"/>
   </p:sldIdLst>
   <p:sldSz cx="12192000" cy="6858000"/>
   <p:notesSz cx="6858000" cy="9144000"/>
@@ -3106,13 +3095,27 @@
     </dgm:pt>
     <dgm:pt modelId="{9B7FAA97-EA17-46D4-85F0-505BC508118F}">
       <dgm:prSet phldrT="[Texte]"/>
-      <dgm:spPr/>
+      <dgm:spPr>
+        <a:ln>
+          <a:solidFill>
+            <a:schemeClr val="accent1"/>
+          </a:solidFill>
+        </a:ln>
+      </dgm:spPr>
       <dgm:t>
         <a:bodyPr/>
         <a:lstStyle/>
         <a:p>
           <a:r>
-            <a:rPr lang="fr-FR" dirty="0"/>
+            <a:rPr lang="fr-FR" dirty="0">
+              <a:effectLst>
+                <a:outerShdw blurRad="38100" dist="38100" dir="2700000" algn="tl">
+                  <a:srgbClr val="000000">
+                    <a:alpha val="43137"/>
+                  </a:srgbClr>
+                </a:outerShdw>
+              </a:effectLst>
+            </a:rPr>
             <a:t>Mise en place infrastructure</a:t>
           </a:r>
         </a:p>
@@ -3131,7 +3134,13 @@
     </dgm:pt>
     <dgm:pt modelId="{90E0AF03-BD3C-4ED5-AD59-1E5FAE52C330}" type="sibTrans" cxnId="{EC57D116-8840-4263-825E-2CA5EDDD3C68}">
       <dgm:prSet/>
-      <dgm:spPr/>
+      <dgm:spPr>
+        <a:ln>
+          <a:solidFill>
+            <a:schemeClr val="accent1"/>
+          </a:solidFill>
+        </a:ln>
+      </dgm:spPr>
       <dgm:t>
         <a:bodyPr/>
         <a:lstStyle/>
@@ -3142,13 +3151,27 @@
     </dgm:pt>
     <dgm:pt modelId="{DF5153A3-2EAA-4940-B6E4-BCB20A9208F8}">
       <dgm:prSet phldrT="[Texte]"/>
-      <dgm:spPr/>
+      <dgm:spPr>
+        <a:ln>
+          <a:solidFill>
+            <a:schemeClr val="accent1"/>
+          </a:solidFill>
+        </a:ln>
+      </dgm:spPr>
       <dgm:t>
         <a:bodyPr/>
         <a:lstStyle/>
         <a:p>
           <a:r>
-            <a:rPr lang="fr-FR" dirty="0"/>
+            <a:rPr lang="fr-FR" dirty="0">
+              <a:effectLst>
+                <a:outerShdw blurRad="38100" dist="38100" dir="2700000" algn="tl">
+                  <a:srgbClr val="000000">
+                    <a:alpha val="43137"/>
+                  </a:srgbClr>
+                </a:outerShdw>
+              </a:effectLst>
+            </a:rPr>
             <a:t>Site à site</a:t>
           </a:r>
         </a:p>
@@ -3178,13 +3201,27 @@
     </dgm:pt>
     <dgm:pt modelId="{48DFB929-3D3F-4DC3-8682-1D4194FD31A8}">
       <dgm:prSet phldrT="[Texte]"/>
-      <dgm:spPr/>
+      <dgm:spPr>
+        <a:ln>
+          <a:solidFill>
+            <a:schemeClr val="accent1"/>
+          </a:solidFill>
+        </a:ln>
+      </dgm:spPr>
       <dgm:t>
         <a:bodyPr/>
         <a:lstStyle/>
         <a:p>
           <a:r>
-            <a:rPr lang="fr-FR" dirty="0"/>
+            <a:rPr lang="fr-FR" dirty="0">
+              <a:effectLst>
+                <a:outerShdw blurRad="38100" dist="38100" dir="2700000" algn="tl">
+                  <a:srgbClr val="000000">
+                    <a:alpha val="43137"/>
+                  </a:srgbClr>
+                </a:outerShdw>
+              </a:effectLst>
+            </a:rPr>
             <a:t>Client à site</a:t>
           </a:r>
         </a:p>
@@ -3214,13 +3251,27 @@
     </dgm:pt>
     <dgm:pt modelId="{50D16FB3-65E5-4AFF-AC48-8AB29ED6C424}">
       <dgm:prSet phldrT="[Texte]"/>
-      <dgm:spPr/>
+      <dgm:spPr>
+        <a:ln>
+          <a:solidFill>
+            <a:schemeClr val="accent1"/>
+          </a:solidFill>
+        </a:ln>
+      </dgm:spPr>
       <dgm:t>
         <a:bodyPr/>
         <a:lstStyle/>
         <a:p>
           <a:r>
-            <a:rPr lang="fr-FR" dirty="0"/>
+            <a:rPr lang="fr-FR" dirty="0">
+              <a:effectLst>
+                <a:outerShdw blurRad="38100" dist="38100" dir="2700000" algn="tl">
+                  <a:srgbClr val="000000">
+                    <a:alpha val="43137"/>
+                  </a:srgbClr>
+                </a:outerShdw>
+              </a:effectLst>
+            </a:rPr>
             <a:t>Implémentation CPNV</a:t>
           </a:r>
         </a:p>
@@ -3363,7 +3414,9 @@
           </a:schemeClr>
         </a:solidFill>
         <a:ln>
-          <a:noFill/>
+          <a:solidFill>
+            <a:schemeClr val="accent1"/>
+          </a:solidFill>
         </a:ln>
         <a:effectLst>
           <a:outerShdw blurRad="38100" dist="25400" dir="5400000" rotWithShape="0">
@@ -3425,7 +3478,9 @@
           <a:lin ang="5400000" scaled="0"/>
         </a:gradFill>
         <a:ln>
-          <a:noFill/>
+          <a:solidFill>
+            <a:schemeClr val="accent1"/>
+          </a:solidFill>
         </a:ln>
         <a:effectLst>
           <a:outerShdw blurRad="38100" dist="25400" dir="5400000" rotWithShape="0">
@@ -3468,7 +3523,15 @@
             <a:buNone/>
           </a:pPr>
           <a:r>
-            <a:rPr lang="fr-FR" sz="2700" kern="1200" dirty="0"/>
+            <a:rPr lang="fr-FR" sz="2700" kern="1200" dirty="0">
+              <a:effectLst>
+                <a:outerShdw blurRad="38100" dist="38100" dir="2700000" algn="tl">
+                  <a:srgbClr val="000000">
+                    <a:alpha val="43137"/>
+                  </a:srgbClr>
+                </a:outerShdw>
+              </a:effectLst>
+            </a:rPr>
             <a:t>Mise en place infrastructure</a:t>
           </a:r>
         </a:p>
@@ -3517,7 +3580,9 @@
           <a:lin ang="5400000" scaled="0"/>
         </a:gradFill>
         <a:ln>
-          <a:noFill/>
+          <a:solidFill>
+            <a:schemeClr val="accent1"/>
+          </a:solidFill>
         </a:ln>
         <a:effectLst>
           <a:outerShdw blurRad="38100" dist="25400" dir="5400000" rotWithShape="0">
@@ -3560,7 +3625,15 @@
             <a:buNone/>
           </a:pPr>
           <a:r>
-            <a:rPr lang="fr-FR" sz="2700" kern="1200" dirty="0"/>
+            <a:rPr lang="fr-FR" sz="2700" kern="1200" dirty="0">
+              <a:effectLst>
+                <a:outerShdw blurRad="38100" dist="38100" dir="2700000" algn="tl">
+                  <a:srgbClr val="000000">
+                    <a:alpha val="43137"/>
+                  </a:srgbClr>
+                </a:outerShdw>
+              </a:effectLst>
+            </a:rPr>
             <a:t>Site à site</a:t>
           </a:r>
         </a:p>
@@ -3609,7 +3682,9 @@
           <a:lin ang="5400000" scaled="0"/>
         </a:gradFill>
         <a:ln>
-          <a:noFill/>
+          <a:solidFill>
+            <a:schemeClr val="accent1"/>
+          </a:solidFill>
         </a:ln>
         <a:effectLst>
           <a:outerShdw blurRad="38100" dist="25400" dir="5400000" rotWithShape="0">
@@ -3652,7 +3727,15 @@
             <a:buNone/>
           </a:pPr>
           <a:r>
-            <a:rPr lang="fr-FR" sz="2700" kern="1200" dirty="0"/>
+            <a:rPr lang="fr-FR" sz="2700" kern="1200" dirty="0">
+              <a:effectLst>
+                <a:outerShdw blurRad="38100" dist="38100" dir="2700000" algn="tl">
+                  <a:srgbClr val="000000">
+                    <a:alpha val="43137"/>
+                  </a:srgbClr>
+                </a:outerShdw>
+              </a:effectLst>
+            </a:rPr>
             <a:t>Client à site</a:t>
           </a:r>
         </a:p>
@@ -3701,7 +3784,9 @@
           <a:lin ang="5400000" scaled="0"/>
         </a:gradFill>
         <a:ln>
-          <a:noFill/>
+          <a:solidFill>
+            <a:schemeClr val="accent1"/>
+          </a:solidFill>
         </a:ln>
         <a:effectLst>
           <a:outerShdw blurRad="38100" dist="25400" dir="5400000" rotWithShape="0">
@@ -3744,7 +3829,15 @@
             <a:buNone/>
           </a:pPr>
           <a:r>
-            <a:rPr lang="fr-FR" sz="2700" kern="1200" dirty="0"/>
+            <a:rPr lang="fr-FR" sz="2700" kern="1200" dirty="0">
+              <a:effectLst>
+                <a:outerShdw blurRad="38100" dist="38100" dir="2700000" algn="tl">
+                  <a:srgbClr val="000000">
+                    <a:alpha val="43137"/>
+                  </a:srgbClr>
+                </a:outerShdw>
+              </a:effectLst>
+            </a:rPr>
             <a:t>Implémentation CPNV</a:t>
           </a:r>
         </a:p>
@@ -12252,28 +12345,6 @@
       </p:sp>
       <p:sp>
         <p:nvSpPr>
-          <p:cNvPr id="4" name="Espace réservé du pied de page 3"/>
-          <p:cNvSpPr>
-            <a:spLocks noGrp="1"/>
-          </p:cNvSpPr>
-          <p:nvPr>
-            <p:ph type="ftr" sz="quarter" idx="11"/>
-          </p:nvPr>
-        </p:nvSpPr>
-        <p:spPr/>
-        <p:txBody>
-          <a:bodyPr/>
-          <a:lstStyle/>
-          <a:p>
-            <a:r>
-              <a:rPr lang="fr-CH" dirty="0"/>
-              <a:t>Damien Mayor</a:t>
-            </a:r>
-          </a:p>
-        </p:txBody>
-      </p:sp>
-      <p:sp>
-        <p:nvSpPr>
           <p:cNvPr id="5" name="Espace réservé du numéro de diapositive 4"/>
           <p:cNvSpPr>
             <a:spLocks noGrp="1"/>
@@ -12347,8 +12418,8 @@
         </p:blipFill>
         <p:spPr>
           <a:xfrm>
-            <a:off x="4461189" y="2475418"/>
-            <a:ext cx="6031881" cy="3929864"/>
+            <a:off x="646111" y="2306909"/>
+            <a:ext cx="6981910" cy="4548822"/>
           </a:xfrm>
           <a:ln>
             <a:solidFill>
@@ -12373,12 +12444,17 @@
         </p:nvSpPr>
         <p:spPr>
           <a:xfrm>
-            <a:off x="57515" y="1264256"/>
-            <a:ext cx="10740356" cy="2631883"/>
+            <a:off x="646111" y="1165956"/>
+            <a:ext cx="8701474" cy="973618"/>
           </a:xfrm>
           <a:prstGeom prst="rect">
             <a:avLst/>
           </a:prstGeom>
+          <a:ln>
+            <a:solidFill>
+              <a:schemeClr val="accent1"/>
+            </a:solidFill>
+          </a:ln>
         </p:spPr>
         <p:txBody>
           <a:bodyPr vert="horz" lIns="91440" tIns="45720" rIns="91440" bIns="45720" rtlCol="0">
@@ -12729,28 +12805,6 @@
       </p:pic>
       <p:sp>
         <p:nvSpPr>
-          <p:cNvPr id="4" name="Espace réservé du pied de page 3"/>
-          <p:cNvSpPr>
-            <a:spLocks noGrp="1"/>
-          </p:cNvSpPr>
-          <p:nvPr>
-            <p:ph type="ftr" sz="quarter" idx="11"/>
-          </p:nvPr>
-        </p:nvSpPr>
-        <p:spPr/>
-        <p:txBody>
-          <a:bodyPr/>
-          <a:lstStyle/>
-          <a:p>
-            <a:r>
-              <a:rPr lang="fr-CH" dirty="0"/>
-              <a:t>Damien Mayor</a:t>
-            </a:r>
-          </a:p>
-        </p:txBody>
-      </p:sp>
-      <p:sp>
-        <p:nvSpPr>
           <p:cNvPr id="5" name="Espace réservé du numéro de diapositive 4"/>
           <p:cNvSpPr>
             <a:spLocks noGrp="1"/>
@@ -12816,7 +12870,7 @@
         </p:blipFill>
         <p:spPr>
           <a:xfrm>
-            <a:off x="8249287" y="2749778"/>
+            <a:off x="8249287" y="2605400"/>
             <a:ext cx="3902958" cy="2374483"/>
           </a:xfrm>
           <a:prstGeom prst="rect">
@@ -12824,9 +12878,7 @@
           </a:prstGeom>
           <a:ln>
             <a:solidFill>
-              <a:schemeClr val="accent1">
-                <a:lumMod val="50000"/>
-              </a:schemeClr>
+              <a:schemeClr val="accent1"/>
             </a:solidFill>
           </a:ln>
         </p:spPr>
@@ -12852,7 +12904,7 @@
         </p:blipFill>
         <p:spPr>
           <a:xfrm>
-            <a:off x="8684682" y="4510125"/>
+            <a:off x="8676740" y="4405519"/>
             <a:ext cx="3475505" cy="2316071"/>
           </a:xfrm>
           <a:prstGeom prst="rect">
@@ -12860,9 +12912,7 @@
           </a:prstGeom>
           <a:ln>
             <a:solidFill>
-              <a:schemeClr val="accent1">
-                <a:lumMod val="50000"/>
-              </a:schemeClr>
+              <a:schemeClr val="accent1"/>
             </a:solidFill>
           </a:ln>
         </p:spPr>
@@ -13181,6 +13231,13 @@
         </p:nvPicPr>
         <p:blipFill>
           <a:blip r:embed="rId2">
+            <a:duotone>
+              <a:schemeClr val="accent3">
+                <a:shade val="45000"/>
+                <a:satMod val="135000"/>
+              </a:schemeClr>
+              <a:prstClr val="white"/>
+            </a:duotone>
             <a:extLst>
               <a:ext uri="{28A0092B-C50C-407E-A947-70E740481C1C}">
                 <a14:useLocalDpi xmlns:a14="http://schemas.microsoft.com/office/drawing/2010/main" val="0"/>
@@ -13432,13 +13489,13 @@
         </p:spPr>
         <p:style>
           <a:lnRef idx="1">
-            <a:schemeClr val="accent3"/>
+            <a:schemeClr val="accent2"/>
           </a:lnRef>
           <a:fillRef idx="0">
-            <a:schemeClr val="accent3"/>
+            <a:schemeClr val="accent2"/>
           </a:fillRef>
           <a:effectRef idx="0">
-            <a:schemeClr val="accent3"/>
+            <a:schemeClr val="accent2"/>
           </a:effectRef>
           <a:fontRef idx="minor">
             <a:schemeClr val="tx1"/>
@@ -13488,8 +13545,8 @@
         </p:blipFill>
         <p:spPr>
           <a:xfrm>
-            <a:off x="7142339" y="3034793"/>
-            <a:ext cx="2260533" cy="900708"/>
+            <a:off x="7142339" y="3034792"/>
+            <a:ext cx="3485931" cy="1388967"/>
           </a:xfrm>
           <a:prstGeom prst="rect">
             <a:avLst/>
@@ -13557,7 +13614,7 @@
                   </a:outerShdw>
                 </a:effectLst>
               </a:rPr>
-              <a:t>Points spécifiques</a:t>
+              <a:t>Points spécifiques évalués</a:t>
             </a:r>
           </a:p>
         </p:txBody>
@@ -13593,7 +13650,7 @@
               <a:t>1. </a:t>
             </a:r>
             <a:r>
-              <a:rPr lang="fr-CH" u="sng" dirty="0"/>
+              <a:rPr lang="fr-CH" i="1" dirty="0"/>
               <a:t>Pertinence</a:t>
             </a:r>
             <a:r>
@@ -13615,7 +13672,7 @@
               <a:t>2. </a:t>
             </a:r>
             <a:r>
-              <a:rPr lang="fr-CH" u="sng" dirty="0"/>
+              <a:rPr lang="fr-CH" i="1" dirty="0"/>
               <a:t>Pertinence</a:t>
             </a:r>
             <a:r>
@@ -13657,7 +13714,7 @@
               <a:t>5. </a:t>
             </a:r>
             <a:r>
-              <a:rPr lang="fr-CH" u="sng" dirty="0"/>
+              <a:rPr lang="fr-CH" i="1" dirty="0"/>
               <a:t>Pertinence</a:t>
             </a:r>
             <a:r>
@@ -14003,7 +14060,7 @@
           <a:stretch/>
         </p:blipFill>
         <p:spPr bwMode="auto">
-          <a:xfrm>
+          <a:xfrm rot="2648289">
             <a:off x="7788442" y="3848099"/>
             <a:ext cx="368969" cy="331356"/>
           </a:xfrm>
@@ -14063,7 +14120,7 @@
           <a:stretch/>
         </p:blipFill>
         <p:spPr bwMode="auto">
-          <a:xfrm>
+          <a:xfrm rot="2216095">
             <a:off x="7419473" y="1521892"/>
             <a:ext cx="368969" cy="331356"/>
           </a:xfrm>
@@ -14123,7 +14180,7 @@
           <a:stretch/>
         </p:blipFill>
         <p:spPr bwMode="auto">
-          <a:xfrm>
+          <a:xfrm rot="2457142">
             <a:off x="9424737" y="1936047"/>
             <a:ext cx="368969" cy="331356"/>
           </a:xfrm>
@@ -14197,7 +14254,7 @@
                   </a:outerShdw>
                 </a:effectLst>
               </a:rPr>
-              <a:t>Conclusion &amp; retour personnel</a:t>
+              <a:t>Conclusion</a:t>
             </a:r>
           </a:p>
         </p:txBody>
@@ -14815,349 +14872,6 @@
 </p:sld>
 </file>
 
-<file path=ppt/slides/slide17.xml><?xml version="1.0" encoding="utf-8"?>
-<p:sld xmlns:a="http://schemas.openxmlformats.org/drawingml/2006/main" xmlns:r="http://schemas.openxmlformats.org/officeDocument/2006/relationships" xmlns:p="http://schemas.openxmlformats.org/presentationml/2006/main">
-  <p:cSld>
-    <p:spTree>
-      <p:nvGrpSpPr>
-        <p:cNvPr id="1" name=""/>
-        <p:cNvGrpSpPr/>
-        <p:nvPr/>
-      </p:nvGrpSpPr>
-      <p:grpSpPr>
-        <a:xfrm>
-          <a:off x="0" y="0"/>
-          <a:ext cx="0" cy="0"/>
-          <a:chOff x="0" y="0"/>
-          <a:chExt cx="0" cy="0"/>
-        </a:xfrm>
-      </p:grpSpPr>
-      <p:sp>
-        <p:nvSpPr>
-          <p:cNvPr id="2" name="Titre 1">
-            <a:extLst>
-              <a:ext uri="{FF2B5EF4-FFF2-40B4-BE49-F238E27FC236}">
-                <a16:creationId xmlns:a16="http://schemas.microsoft.com/office/drawing/2014/main" id="{0592E228-FE8F-FF0C-23DA-AA188C365D07}"/>
-              </a:ext>
-            </a:extLst>
-          </p:cNvPr>
-          <p:cNvSpPr>
-            <a:spLocks noGrp="1"/>
-          </p:cNvSpPr>
-          <p:nvPr>
-            <p:ph type="ctrTitle"/>
-          </p:nvPr>
-        </p:nvSpPr>
-        <p:spPr/>
-        <p:txBody>
-          <a:bodyPr/>
-          <a:lstStyle/>
-          <a:p>
-            <a:r>
-              <a:rPr lang="fr-CH" dirty="0"/>
-              <a:t>Slides de réserve</a:t>
-            </a:r>
-          </a:p>
-        </p:txBody>
-      </p:sp>
-      <p:sp>
-        <p:nvSpPr>
-          <p:cNvPr id="3" name="Sous-titre 2">
-            <a:extLst>
-              <a:ext uri="{FF2B5EF4-FFF2-40B4-BE49-F238E27FC236}">
-                <a16:creationId xmlns:a16="http://schemas.microsoft.com/office/drawing/2014/main" id="{67F210D2-4D63-C9DC-25D2-E8E573C5EE97}"/>
-              </a:ext>
-            </a:extLst>
-          </p:cNvPr>
-          <p:cNvSpPr>
-            <a:spLocks noGrp="1"/>
-          </p:cNvSpPr>
-          <p:nvPr>
-            <p:ph type="subTitle" idx="1"/>
-          </p:nvPr>
-        </p:nvSpPr>
-        <p:spPr/>
-        <p:txBody>
-          <a:bodyPr/>
-          <a:lstStyle/>
-          <a:p>
-            <a:endParaRPr lang="fr-CH"/>
-          </a:p>
-        </p:txBody>
-      </p:sp>
-    </p:spTree>
-    <p:extLst>
-      <p:ext uri="{BB962C8B-B14F-4D97-AF65-F5344CB8AC3E}">
-        <p14:creationId xmlns:p14="http://schemas.microsoft.com/office/powerpoint/2010/main" val="3322913745"/>
-      </p:ext>
-    </p:extLst>
-  </p:cSld>
-  <p:clrMapOvr>
-    <a:masterClrMapping/>
-  </p:clrMapOvr>
-</p:sld>
-</file>
-
-<file path=ppt/slides/slide18.xml><?xml version="1.0" encoding="utf-8"?>
-<p:sld xmlns:a="http://schemas.openxmlformats.org/drawingml/2006/main" xmlns:r="http://schemas.openxmlformats.org/officeDocument/2006/relationships" xmlns:p="http://schemas.openxmlformats.org/presentationml/2006/main">
-  <p:cSld>
-    <p:spTree>
-      <p:nvGrpSpPr>
-        <p:cNvPr id="1" name=""/>
-        <p:cNvGrpSpPr/>
-        <p:nvPr/>
-      </p:nvGrpSpPr>
-      <p:grpSpPr>
-        <a:xfrm>
-          <a:off x="0" y="0"/>
-          <a:ext cx="0" cy="0"/>
-          <a:chOff x="0" y="0"/>
-          <a:chExt cx="0" cy="0"/>
-        </a:xfrm>
-      </p:grpSpPr>
-      <p:sp>
-        <p:nvSpPr>
-          <p:cNvPr id="2" name="Titre 1"/>
-          <p:cNvSpPr>
-            <a:spLocks noGrp="1"/>
-          </p:cNvSpPr>
-          <p:nvPr>
-            <p:ph type="title"/>
-          </p:nvPr>
-        </p:nvSpPr>
-        <p:spPr/>
-        <p:txBody>
-          <a:bodyPr/>
-          <a:lstStyle/>
-          <a:p>
-            <a:endParaRPr lang="fr-CH"/>
-          </a:p>
-        </p:txBody>
-      </p:sp>
-      <p:sp>
-        <p:nvSpPr>
-          <p:cNvPr id="4" name="Espace réservé du pied de page 3"/>
-          <p:cNvSpPr>
-            <a:spLocks noGrp="1"/>
-          </p:cNvSpPr>
-          <p:nvPr>
-            <p:ph type="ftr" sz="quarter" idx="11"/>
-          </p:nvPr>
-        </p:nvSpPr>
-        <p:spPr/>
-        <p:txBody>
-          <a:bodyPr/>
-          <a:lstStyle/>
-          <a:p>
-            <a:r>
-              <a:rPr lang="fr-CH"/>
-              <a:t>Damien Mayor</a:t>
-            </a:r>
-          </a:p>
-        </p:txBody>
-      </p:sp>
-      <p:sp>
-        <p:nvSpPr>
-          <p:cNvPr id="5" name="Espace réservé du numéro de diapositive 4"/>
-          <p:cNvSpPr>
-            <a:spLocks noGrp="1"/>
-          </p:cNvSpPr>
-          <p:nvPr>
-            <p:ph type="sldNum" sz="quarter" idx="12"/>
-          </p:nvPr>
-        </p:nvSpPr>
-        <p:spPr/>
-        <p:txBody>
-          <a:bodyPr/>
-          <a:lstStyle/>
-          <a:p>
-            <a:fld id="{2FCD9DE2-19B8-4E75-A167-0E6B1D03D668}" type="slidenum">
-              <a:rPr lang="fr-CH" smtClean="0"/>
-              <a:t>18</a:t>
-            </a:fld>
-            <a:endParaRPr lang="fr-CH"/>
-          </a:p>
-        </p:txBody>
-      </p:sp>
-      <p:pic>
-        <p:nvPicPr>
-          <p:cNvPr id="7" name="Espace réservé du contenu 6"/>
-          <p:cNvPicPr>
-            <a:picLocks noGrp="1" noChangeAspect="1"/>
-          </p:cNvPicPr>
-          <p:nvPr>
-            <p:ph idx="1"/>
-          </p:nvPr>
-        </p:nvPicPr>
-        <p:blipFill>
-          <a:blip r:embed="rId2"/>
-          <a:stretch>
-            <a:fillRect/>
-          </a:stretch>
-        </p:blipFill>
-        <p:spPr>
-          <a:xfrm>
-            <a:off x="1847322" y="2052638"/>
-            <a:ext cx="7459132" cy="4195762"/>
-          </a:xfrm>
-          <a:prstGeom prst="rect">
-            <a:avLst/>
-          </a:prstGeom>
-        </p:spPr>
-      </p:pic>
-    </p:spTree>
-    <p:extLst>
-      <p:ext uri="{BB962C8B-B14F-4D97-AF65-F5344CB8AC3E}">
-        <p14:creationId xmlns:p14="http://schemas.microsoft.com/office/powerpoint/2010/main" val="1261366277"/>
-      </p:ext>
-    </p:extLst>
-  </p:cSld>
-  <p:clrMapOvr>
-    <a:masterClrMapping/>
-  </p:clrMapOvr>
-</p:sld>
-</file>
-
-<file path=ppt/slides/slide19.xml><?xml version="1.0" encoding="utf-8"?>
-<p:sld xmlns:a="http://schemas.openxmlformats.org/drawingml/2006/main" xmlns:r="http://schemas.openxmlformats.org/officeDocument/2006/relationships" xmlns:p="http://schemas.openxmlformats.org/presentationml/2006/main">
-  <p:cSld>
-    <p:spTree>
-      <p:nvGrpSpPr>
-        <p:cNvPr id="1" name=""/>
-        <p:cNvGrpSpPr/>
-        <p:nvPr/>
-      </p:nvGrpSpPr>
-      <p:grpSpPr>
-        <a:xfrm>
-          <a:off x="0" y="0"/>
-          <a:ext cx="0" cy="0"/>
-          <a:chOff x="0" y="0"/>
-          <a:chExt cx="0" cy="0"/>
-        </a:xfrm>
-      </p:grpSpPr>
-      <p:sp>
-        <p:nvSpPr>
-          <p:cNvPr id="2" name="Titre 1">
-            <a:extLst>
-              <a:ext uri="{FF2B5EF4-FFF2-40B4-BE49-F238E27FC236}">
-                <a16:creationId xmlns:a16="http://schemas.microsoft.com/office/drawing/2014/main" id="{CE4DC12E-E983-ECA8-5945-82732125F923}"/>
-              </a:ext>
-            </a:extLst>
-          </p:cNvPr>
-          <p:cNvSpPr>
-            <a:spLocks noGrp="1"/>
-          </p:cNvSpPr>
-          <p:nvPr>
-            <p:ph type="title"/>
-          </p:nvPr>
-        </p:nvSpPr>
-        <p:spPr/>
-        <p:txBody>
-          <a:bodyPr/>
-          <a:lstStyle/>
-          <a:p>
-            <a:endParaRPr lang="fr-CH" dirty="0"/>
-          </a:p>
-        </p:txBody>
-      </p:sp>
-      <p:sp>
-        <p:nvSpPr>
-          <p:cNvPr id="4" name="Espace réservé du pied de page 3">
-            <a:extLst>
-              <a:ext uri="{FF2B5EF4-FFF2-40B4-BE49-F238E27FC236}">
-                <a16:creationId xmlns:a16="http://schemas.microsoft.com/office/drawing/2014/main" id="{9F574106-9D10-5C99-1982-CF942C6A341C}"/>
-              </a:ext>
-            </a:extLst>
-          </p:cNvPr>
-          <p:cNvSpPr>
-            <a:spLocks noGrp="1"/>
-          </p:cNvSpPr>
-          <p:nvPr>
-            <p:ph type="ftr" sz="quarter" idx="11"/>
-          </p:nvPr>
-        </p:nvSpPr>
-        <p:spPr/>
-        <p:txBody>
-          <a:bodyPr/>
-          <a:lstStyle/>
-          <a:p>
-            <a:r>
-              <a:rPr lang="fr-CH"/>
-              <a:t>Damien Mayor</a:t>
-            </a:r>
-          </a:p>
-        </p:txBody>
-      </p:sp>
-      <p:sp>
-        <p:nvSpPr>
-          <p:cNvPr id="5" name="Espace réservé du numéro de diapositive 4">
-            <a:extLst>
-              <a:ext uri="{FF2B5EF4-FFF2-40B4-BE49-F238E27FC236}">
-                <a16:creationId xmlns:a16="http://schemas.microsoft.com/office/drawing/2014/main" id="{0B5183C6-D4A9-3190-08CC-AB9299B89E1E}"/>
-              </a:ext>
-            </a:extLst>
-          </p:cNvPr>
-          <p:cNvSpPr>
-            <a:spLocks noGrp="1"/>
-          </p:cNvSpPr>
-          <p:nvPr>
-            <p:ph type="sldNum" sz="quarter" idx="12"/>
-          </p:nvPr>
-        </p:nvSpPr>
-        <p:spPr/>
-        <p:txBody>
-          <a:bodyPr/>
-          <a:lstStyle/>
-          <a:p>
-            <a:fld id="{2FCD9DE2-19B8-4E75-A167-0E6B1D03D668}" type="slidenum">
-              <a:rPr lang="fr-CH" smtClean="0"/>
-              <a:t>19</a:t>
-            </a:fld>
-            <a:endParaRPr lang="fr-CH"/>
-          </a:p>
-        </p:txBody>
-      </p:sp>
-      <p:pic>
-        <p:nvPicPr>
-          <p:cNvPr id="7" name="Espace réservé du contenu 6"/>
-          <p:cNvPicPr>
-            <a:picLocks noGrp="1" noChangeAspect="1"/>
-          </p:cNvPicPr>
-          <p:nvPr>
-            <p:ph idx="1"/>
-          </p:nvPr>
-        </p:nvPicPr>
-        <p:blipFill rotWithShape="1">
-          <a:blip r:embed="rId2" cstate="print">
-            <a:extLst>
-              <a:ext uri="{28A0092B-C50C-407E-A947-70E740481C1C}">
-                <a14:useLocalDpi xmlns:a14="http://schemas.microsoft.com/office/drawing/2010/main" val="0"/>
-              </a:ext>
-            </a:extLst>
-          </a:blip>
-          <a:srcRect b="13802"/>
-          <a:stretch/>
-        </p:blipFill>
-        <p:spPr>
-          <a:xfrm>
-            <a:off x="4134337" y="2052638"/>
-            <a:ext cx="2885101" cy="3616642"/>
-          </a:xfrm>
-        </p:spPr>
-      </p:pic>
-    </p:spTree>
-    <p:extLst>
-      <p:ext uri="{BB962C8B-B14F-4D97-AF65-F5344CB8AC3E}">
-        <p14:creationId xmlns:p14="http://schemas.microsoft.com/office/powerpoint/2010/main" val="665468770"/>
-      </p:ext>
-    </p:extLst>
-  </p:cSld>
-  <p:clrMapOvr>
-    <a:masterClrMapping/>
-  </p:clrMapOvr>
-</p:sld>
-</file>
-
 <file path=ppt/slides/slide2.xml><?xml version="1.0" encoding="utf-8"?>
 <p:sld xmlns:a="http://schemas.openxmlformats.org/drawingml/2006/main" xmlns:r="http://schemas.openxmlformats.org/officeDocument/2006/relationships" xmlns:p="http://schemas.openxmlformats.org/presentationml/2006/main">
   <p:cSld>
@@ -15191,7 +14905,7 @@
           <a:lstStyle/>
           <a:p>
             <a:r>
-              <a:rPr lang="fr-CH" dirty="0" err="1">
+              <a:rPr lang="fr-CH" dirty="0">
                 <a:effectLst>
                   <a:outerShdw blurRad="38100" dist="38100" dir="2700000" algn="tl">
                     <a:srgbClr val="000000">
@@ -15200,17 +14914,8 @@
                   </a:outerShdw>
                 </a:effectLst>
               </a:rPr>
-              <a:t>XXXDéroulement</a:t>
-            </a:r>
-            <a:endParaRPr lang="fr-CH" dirty="0">
-              <a:effectLst>
-                <a:outerShdw blurRad="38100" dist="38100" dir="2700000" algn="tl">
-                  <a:srgbClr val="000000">
-                    <a:alpha val="43137"/>
-                  </a:srgbClr>
-                </a:outerShdw>
-              </a:effectLst>
-            </a:endParaRPr>
+              <a:t>Déroulement</a:t>
+            </a:r>
           </a:p>
         </p:txBody>
       </p:sp>
@@ -15224,7 +14929,12 @@
             <p:ph idx="1"/>
           </p:nvPr>
         </p:nvSpPr>
-        <p:spPr/>
+        <p:spPr>
+          <a:xfrm>
+            <a:off x="1104293" y="1853248"/>
+            <a:ext cx="8946541" cy="5004752"/>
+          </a:xfrm>
+        </p:spPr>
         <p:txBody>
           <a:bodyPr/>
           <a:lstStyle/>
@@ -15267,7 +14977,13 @@
           <a:p>
             <a:r>
               <a:rPr lang="fr-CH" dirty="0"/>
-              <a:t>Conclusion &amp; retour personnel</a:t>
+              <a:t>Points spécifiques évalués</a:t>
+            </a:r>
+          </a:p>
+          <a:p>
+            <a:r>
+              <a:rPr lang="fr-CH" dirty="0"/>
+              <a:t>Conclusion</a:t>
             </a:r>
           </a:p>
           <a:p>
@@ -15345,6 +15061,108 @@
           </a:p>
         </p:txBody>
       </p:sp>
+      <p:pic>
+        <p:nvPicPr>
+          <p:cNvPr id="7" name="Graphique 6" descr="Avertissement">
+            <a:extLst>
+              <a:ext uri="{FF2B5EF4-FFF2-40B4-BE49-F238E27FC236}">
+                <a16:creationId xmlns:a16="http://schemas.microsoft.com/office/drawing/2014/main" id="{0DAC5868-3B04-653B-2A0B-A18373F09989}"/>
+              </a:ext>
+            </a:extLst>
+          </p:cNvPr>
+          <p:cNvPicPr>
+            <a:picLocks noChangeAspect="1"/>
+          </p:cNvPicPr>
+          <p:nvPr/>
+        </p:nvPicPr>
+        <p:blipFill>
+          <a:blip r:embed="rId3" cstate="print">
+            <a:extLst>
+              <a:ext uri="{28A0092B-C50C-407E-A947-70E740481C1C}">
+                <a14:useLocalDpi xmlns:a14="http://schemas.microsoft.com/office/drawing/2010/main" val="0"/>
+              </a:ext>
+              <a:ext uri="{96DAC541-7B7A-43D3-8B79-37D633B846F1}">
+                <asvg:svgBlip xmlns:asvg="http://schemas.microsoft.com/office/drawing/2016/SVG/main" r:embed="rId4"/>
+              </a:ext>
+            </a:extLst>
+          </a:blip>
+          <a:stretch>
+            <a:fillRect/>
+          </a:stretch>
+        </p:blipFill>
+        <p:spPr>
+          <a:xfrm>
+            <a:off x="2935708" y="5307596"/>
+            <a:ext cx="336882" cy="336882"/>
+          </a:xfrm>
+          <a:prstGeom prst="rect">
+            <a:avLst/>
+          </a:prstGeom>
+        </p:spPr>
+      </p:pic>
+      <p:pic>
+        <p:nvPicPr>
+          <p:cNvPr id="1030" name="Picture 6">
+            <a:extLst>
+              <a:ext uri="{FF2B5EF4-FFF2-40B4-BE49-F238E27FC236}">
+                <a16:creationId xmlns:a16="http://schemas.microsoft.com/office/drawing/2014/main" id="{0202AF3C-C085-37CC-5CCF-FD531537832E}"/>
+              </a:ext>
+            </a:extLst>
+          </p:cNvPr>
+          <p:cNvPicPr>
+            <a:picLocks noChangeAspect="1" noChangeArrowheads="1"/>
+          </p:cNvPicPr>
+          <p:nvPr/>
+        </p:nvPicPr>
+        <p:blipFill rotWithShape="1">
+          <a:blip r:embed="rId5" cstate="print">
+            <a:extLst>
+              <a:ext uri="{BEBA8EAE-BF5A-486C-A8C5-ECC9F3942E4B}">
+                <a14:imgProps xmlns:a14="http://schemas.microsoft.com/office/drawing/2010/main">
+                  <a14:imgLayer r:embed="rId6">
+                    <a14:imgEffect>
+                      <a14:backgroundRemoval t="4306" b="94167" l="25625" r="74297">
+                        <a14:foregroundMark x1="73281" y1="55972" x2="73281" y2="55972"/>
+                        <a14:foregroundMark x1="73281" y1="55972" x2="73281" y2="55972"/>
+                        <a14:foregroundMark x1="25781" y1="45972" x2="25781" y2="45972"/>
+                        <a14:foregroundMark x1="43828" y1="8611" x2="43828" y2="8611"/>
+                        <a14:foregroundMark x1="42969" y1="4444" x2="42969" y2="4444"/>
+                        <a14:foregroundMark x1="74297" y1="70833" x2="74297" y2="70833"/>
+                        <a14:foregroundMark x1="68828" y1="88194" x2="68828" y2="88194"/>
+                        <a14:foregroundMark x1="50234" y1="94167" x2="50234" y2="94167"/>
+                      </a14:backgroundRemoval>
+                    </a14:imgEffect>
+                  </a14:imgLayer>
+                </a14:imgProps>
+              </a:ext>
+              <a:ext uri="{28A0092B-C50C-407E-A947-70E740481C1C}">
+                <a14:useLocalDpi xmlns:a14="http://schemas.microsoft.com/office/drawing/2010/main" val="0"/>
+              </a:ext>
+            </a:extLst>
+          </a:blip>
+          <a:srcRect l="23618" t="3391" r="24079" b="3977"/>
+          <a:stretch/>
+        </p:blipFill>
+        <p:spPr bwMode="auto">
+          <a:xfrm>
+            <a:off x="9446461" y="4122820"/>
+            <a:ext cx="2745539" cy="2735180"/>
+          </a:xfrm>
+          <a:prstGeom prst="rect">
+            <a:avLst/>
+          </a:prstGeom>
+          <a:noFill/>
+          <a:extLst>
+            <a:ext uri="{909E8E84-426E-40DD-AFC4-6F175D3DCCD1}">
+              <a14:hiddenFill xmlns:a14="http://schemas.microsoft.com/office/drawing/2010/main">
+                <a:solidFill>
+                  <a:srgbClr val="FFFFFF"/>
+                </a:solidFill>
+              </a14:hiddenFill>
+            </a:ext>
+          </a:extLst>
+        </p:spPr>
+      </p:pic>
     </p:spTree>
     <p:extLst>
       <p:ext uri="{BB962C8B-B14F-4D97-AF65-F5344CB8AC3E}">
@@ -15358,7 +15176,7 @@
 </p:sld>
 </file>
 
-<file path=ppt/slides/slide20.xml><?xml version="1.0" encoding="utf-8"?>
+<file path=ppt/slides/slide3.xml><?xml version="1.0" encoding="utf-8"?>
 <p:sld xmlns:a="http://schemas.openxmlformats.org/drawingml/2006/main" xmlns:r="http://schemas.openxmlformats.org/officeDocument/2006/relationships" xmlns:p="http://schemas.openxmlformats.org/presentationml/2006/main">
   <p:cSld>
     <p:spTree>
@@ -15377,128 +15195,611 @@
       </p:grpSpPr>
       <p:sp>
         <p:nvSpPr>
-          <p:cNvPr id="2" name="Titre 1">
+          <p:cNvPr id="2" name="Titre 1"/>
+          <p:cNvSpPr>
+            <a:spLocks noGrp="1"/>
+          </p:cNvSpPr>
+          <p:nvPr>
+            <p:ph type="title"/>
+          </p:nvPr>
+        </p:nvSpPr>
+        <p:spPr/>
+        <p:txBody>
+          <a:bodyPr/>
+          <a:lstStyle/>
+          <a:p>
+            <a:r>
+              <a:rPr lang="fr-CH" dirty="0">
+                <a:effectLst>
+                  <a:outerShdw blurRad="38100" dist="38100" dir="2700000" algn="tl">
+                    <a:srgbClr val="000000">
+                      <a:alpha val="43137"/>
+                    </a:srgbClr>
+                  </a:outerShdw>
+                </a:effectLst>
+              </a:rPr>
+              <a:t>Introduction</a:t>
+            </a:r>
+          </a:p>
+        </p:txBody>
+      </p:sp>
+      <p:sp>
+        <p:nvSpPr>
+          <p:cNvPr id="4" name="Espace réservé du pied de page 3"/>
+          <p:cNvSpPr>
+            <a:spLocks noGrp="1"/>
+          </p:cNvSpPr>
+          <p:nvPr>
+            <p:ph type="ftr" sz="quarter" idx="11"/>
+          </p:nvPr>
+        </p:nvSpPr>
+        <p:spPr/>
+        <p:txBody>
+          <a:bodyPr/>
+          <a:lstStyle/>
+          <a:p>
+            <a:r>
+              <a:rPr lang="fr-CH" dirty="0"/>
+              <a:t>Damien Mayor</a:t>
+            </a:r>
+          </a:p>
+        </p:txBody>
+      </p:sp>
+      <p:sp>
+        <p:nvSpPr>
+          <p:cNvPr id="5" name="Espace réservé du numéro de diapositive 4"/>
+          <p:cNvSpPr>
+            <a:spLocks noGrp="1"/>
+          </p:cNvSpPr>
+          <p:nvPr>
+            <p:ph type="sldNum" sz="quarter" idx="12"/>
+          </p:nvPr>
+        </p:nvSpPr>
+        <p:spPr/>
+        <p:txBody>
+          <a:bodyPr/>
+          <a:lstStyle/>
+          <a:p>
+            <a:fld id="{2FCD9DE2-19B8-4E75-A167-0E6B1D03D668}" type="slidenum">
+              <a:rPr lang="fr-CH" smtClean="0">
+                <a:solidFill>
+                  <a:srgbClr val="C00000"/>
+                </a:solidFill>
+                <a:effectLst>
+                  <a:outerShdw blurRad="38100" dist="38100" dir="2700000" algn="tl">
+                    <a:srgbClr val="000000">
+                      <a:alpha val="43137"/>
+                    </a:srgbClr>
+                  </a:outerShdw>
+                </a:effectLst>
+              </a:rPr>
+              <a:t>3</a:t>
+            </a:fld>
+            <a:endParaRPr lang="fr-CH" dirty="0">
+              <a:solidFill>
+                <a:srgbClr val="C00000"/>
+              </a:solidFill>
+              <a:effectLst>
+                <a:outerShdw blurRad="38100" dist="38100" dir="2700000" algn="tl">
+                  <a:srgbClr val="000000">
+                    <a:alpha val="43137"/>
+                  </a:srgbClr>
+                </a:outerShdw>
+              </a:effectLst>
+            </a:endParaRPr>
+          </a:p>
+        </p:txBody>
+      </p:sp>
+      <p:sp>
+        <p:nvSpPr>
+          <p:cNvPr id="7" name="Titre 1"/>
+          <p:cNvSpPr txBox="1">
+            <a:spLocks/>
+          </p:cNvSpPr>
+          <p:nvPr/>
+        </p:nvSpPr>
+        <p:spPr>
+          <a:xfrm>
+            <a:off x="1154953" y="4056833"/>
+            <a:ext cx="8825659" cy="991785"/>
+          </a:xfrm>
+          <a:prstGeom prst="rect">
+            <a:avLst/>
+          </a:prstGeom>
+          <a:ln>
+            <a:solidFill>
+              <a:schemeClr val="accent1"/>
+            </a:solidFill>
+          </a:ln>
+        </p:spPr>
+        <p:txBody>
+          <a:bodyPr vert="horz" lIns="91440" tIns="45720" rIns="91440" bIns="45720" rtlCol="0" anchor="t">
+            <a:noAutofit/>
+          </a:bodyPr>
+          <a:lstStyle>
+            <a:lvl1pPr algn="l" defTabSz="457200" rtl="0" eaLnBrk="1" latinLnBrk="0" hangingPunct="1">
+              <a:spcBef>
+                <a:spcPct val="0"/>
+              </a:spcBef>
+              <a:buNone/>
+              <a:defRPr sz="4800" b="0" i="0" kern="1200">
+                <a:solidFill>
+                  <a:schemeClr val="tx2"/>
+                </a:solidFill>
+                <a:latin typeface="+mj-lt"/>
+                <a:ea typeface="+mj-ea"/>
+                <a:cs typeface="+mj-cs"/>
+              </a:defRPr>
+            </a:lvl1pPr>
+            <a:lvl2pPr eaLnBrk="1" hangingPunct="1">
+              <a:defRPr>
+                <a:solidFill>
+                  <a:schemeClr val="tx2"/>
+                </a:solidFill>
+              </a:defRPr>
+            </a:lvl2pPr>
+            <a:lvl3pPr eaLnBrk="1" hangingPunct="1">
+              <a:defRPr>
+                <a:solidFill>
+                  <a:schemeClr val="tx2"/>
+                </a:solidFill>
+              </a:defRPr>
+            </a:lvl3pPr>
+            <a:lvl4pPr eaLnBrk="1" hangingPunct="1">
+              <a:defRPr>
+                <a:solidFill>
+                  <a:schemeClr val="tx2"/>
+                </a:solidFill>
+              </a:defRPr>
+            </a:lvl4pPr>
+            <a:lvl5pPr eaLnBrk="1" hangingPunct="1">
+              <a:defRPr>
+                <a:solidFill>
+                  <a:schemeClr val="tx2"/>
+                </a:solidFill>
+              </a:defRPr>
+            </a:lvl5pPr>
+            <a:lvl6pPr eaLnBrk="1" hangingPunct="1">
+              <a:defRPr>
+                <a:solidFill>
+                  <a:schemeClr val="tx2"/>
+                </a:solidFill>
+              </a:defRPr>
+            </a:lvl6pPr>
+            <a:lvl7pPr eaLnBrk="1" hangingPunct="1">
+              <a:defRPr>
+                <a:solidFill>
+                  <a:schemeClr val="tx2"/>
+                </a:solidFill>
+              </a:defRPr>
+            </a:lvl7pPr>
+            <a:lvl8pPr eaLnBrk="1" hangingPunct="1">
+              <a:defRPr>
+                <a:solidFill>
+                  <a:schemeClr val="tx2"/>
+                </a:solidFill>
+              </a:defRPr>
+            </a:lvl8pPr>
+            <a:lvl9pPr eaLnBrk="1" hangingPunct="1">
+              <a:defRPr>
+                <a:solidFill>
+                  <a:schemeClr val="tx2"/>
+                </a:solidFill>
+              </a:defRPr>
+            </a:lvl9pPr>
+          </a:lstStyle>
+          <a:p>
+            <a:r>
+              <a:rPr lang="fr-CH" sz="2400" dirty="0">
+                <a:solidFill>
+                  <a:schemeClr val="accent4">
+                    <a:lumMod val="75000"/>
+                  </a:schemeClr>
+                </a:solidFill>
+                <a:effectLst>
+                  <a:outerShdw blurRad="38100" dist="38100" dir="2700000" algn="tl">
+                    <a:srgbClr val="000000">
+                      <a:alpha val="43137"/>
+                    </a:srgbClr>
+                  </a:outerShdw>
+                </a:effectLst>
+              </a:rPr>
+              <a:t>Quel est le lien?</a:t>
+            </a:r>
+          </a:p>
+          <a:p>
+            <a:r>
+              <a:rPr lang="fr-CH" sz="2400" dirty="0"/>
+              <a:t>Le pare-feu est l’un des moyens de défense d'un réseau.</a:t>
+            </a:r>
+          </a:p>
+        </p:txBody>
+      </p:sp>
+      <p:sp>
+        <p:nvSpPr>
+          <p:cNvPr id="8" name="Titre 1"/>
+          <p:cNvSpPr txBox="1">
+            <a:spLocks/>
+          </p:cNvSpPr>
+          <p:nvPr/>
+        </p:nvSpPr>
+        <p:spPr>
+          <a:xfrm>
+            <a:off x="1154952" y="2800185"/>
+            <a:ext cx="8825659" cy="991785"/>
+          </a:xfrm>
+          <a:prstGeom prst="rect">
+            <a:avLst/>
+          </a:prstGeom>
+          <a:ln>
+            <a:solidFill>
+              <a:schemeClr val="accent1"/>
+            </a:solidFill>
+          </a:ln>
+        </p:spPr>
+        <p:txBody>
+          <a:bodyPr vert="horz" lIns="91440" tIns="45720" rIns="91440" bIns="45720" rtlCol="0" anchor="t">
+            <a:noAutofit/>
+          </a:bodyPr>
+          <a:lstStyle>
+            <a:lvl1pPr algn="l" defTabSz="457200" rtl="0" eaLnBrk="1" latinLnBrk="0" hangingPunct="1">
+              <a:spcBef>
+                <a:spcPct val="0"/>
+              </a:spcBef>
+              <a:buNone/>
+              <a:defRPr sz="4800" b="0" i="0" kern="1200">
+                <a:solidFill>
+                  <a:schemeClr val="tx2"/>
+                </a:solidFill>
+                <a:latin typeface="+mj-lt"/>
+                <a:ea typeface="+mj-ea"/>
+                <a:cs typeface="+mj-cs"/>
+              </a:defRPr>
+            </a:lvl1pPr>
+            <a:lvl2pPr eaLnBrk="1" hangingPunct="1">
+              <a:defRPr>
+                <a:solidFill>
+                  <a:schemeClr val="tx2"/>
+                </a:solidFill>
+              </a:defRPr>
+            </a:lvl2pPr>
+            <a:lvl3pPr eaLnBrk="1" hangingPunct="1">
+              <a:defRPr>
+                <a:solidFill>
+                  <a:schemeClr val="tx2"/>
+                </a:solidFill>
+              </a:defRPr>
+            </a:lvl3pPr>
+            <a:lvl4pPr eaLnBrk="1" hangingPunct="1">
+              <a:defRPr>
+                <a:solidFill>
+                  <a:schemeClr val="tx2"/>
+                </a:solidFill>
+              </a:defRPr>
+            </a:lvl4pPr>
+            <a:lvl5pPr eaLnBrk="1" hangingPunct="1">
+              <a:defRPr>
+                <a:solidFill>
+                  <a:schemeClr val="tx2"/>
+                </a:solidFill>
+              </a:defRPr>
+            </a:lvl5pPr>
+            <a:lvl6pPr eaLnBrk="1" hangingPunct="1">
+              <a:defRPr>
+                <a:solidFill>
+                  <a:schemeClr val="tx2"/>
+                </a:solidFill>
+              </a:defRPr>
+            </a:lvl6pPr>
+            <a:lvl7pPr eaLnBrk="1" hangingPunct="1">
+              <a:defRPr>
+                <a:solidFill>
+                  <a:schemeClr val="tx2"/>
+                </a:solidFill>
+              </a:defRPr>
+            </a:lvl7pPr>
+            <a:lvl8pPr eaLnBrk="1" hangingPunct="1">
+              <a:defRPr>
+                <a:solidFill>
+                  <a:schemeClr val="tx2"/>
+                </a:solidFill>
+              </a:defRPr>
+            </a:lvl8pPr>
+            <a:lvl9pPr eaLnBrk="1" hangingPunct="1">
+              <a:defRPr>
+                <a:solidFill>
+                  <a:schemeClr val="tx2"/>
+                </a:solidFill>
+              </a:defRPr>
+            </a:lvl9pPr>
+          </a:lstStyle>
+          <a:p>
+            <a:r>
+              <a:rPr lang="fr-CH" sz="2400" dirty="0">
+                <a:solidFill>
+                  <a:schemeClr val="accent3">
+                    <a:lumMod val="75000"/>
+                  </a:schemeClr>
+                </a:solidFill>
+                <a:effectLst>
+                  <a:outerShdw blurRad="38100" dist="38100" dir="2700000" algn="tl">
+                    <a:srgbClr val="000000">
+                      <a:alpha val="43137"/>
+                    </a:srgbClr>
+                  </a:outerShdw>
+                </a:effectLst>
+              </a:rPr>
+              <a:t>Sujet de pré-TPI</a:t>
+            </a:r>
+          </a:p>
+          <a:p>
+            <a:r>
+              <a:rPr lang="fr-CH" sz="2400" dirty="0"/>
+              <a:t>"Mise en service d'un pare-feu Fortinet"</a:t>
+            </a:r>
+          </a:p>
+        </p:txBody>
+      </p:sp>
+      <p:sp>
+        <p:nvSpPr>
+          <p:cNvPr id="9" name="Titre 1"/>
+          <p:cNvSpPr txBox="1">
+            <a:spLocks/>
+          </p:cNvSpPr>
+          <p:nvPr/>
+        </p:nvSpPr>
+        <p:spPr>
+          <a:xfrm>
+            <a:off x="1154952" y="1543537"/>
+            <a:ext cx="8825659" cy="991785"/>
+          </a:xfrm>
+          <a:prstGeom prst="rect">
+            <a:avLst/>
+          </a:prstGeom>
+          <a:ln>
+            <a:solidFill>
+              <a:schemeClr val="accent1"/>
+            </a:solidFill>
+          </a:ln>
+        </p:spPr>
+        <p:txBody>
+          <a:bodyPr vert="horz" lIns="91440" tIns="45720" rIns="91440" bIns="45720" rtlCol="0" anchor="t">
+            <a:noAutofit/>
+          </a:bodyPr>
+          <a:lstStyle>
+            <a:lvl1pPr algn="l" defTabSz="457200" rtl="0" eaLnBrk="1" latinLnBrk="0" hangingPunct="1">
+              <a:spcBef>
+                <a:spcPct val="0"/>
+              </a:spcBef>
+              <a:buNone/>
+              <a:defRPr sz="4800" b="0" i="0" kern="1200">
+                <a:solidFill>
+                  <a:schemeClr val="tx2"/>
+                </a:solidFill>
+                <a:latin typeface="+mj-lt"/>
+                <a:ea typeface="+mj-ea"/>
+                <a:cs typeface="+mj-cs"/>
+              </a:defRPr>
+            </a:lvl1pPr>
+            <a:lvl2pPr eaLnBrk="1" hangingPunct="1">
+              <a:defRPr>
+                <a:solidFill>
+                  <a:schemeClr val="tx2"/>
+                </a:solidFill>
+              </a:defRPr>
+            </a:lvl2pPr>
+            <a:lvl3pPr eaLnBrk="1" hangingPunct="1">
+              <a:defRPr>
+                <a:solidFill>
+                  <a:schemeClr val="tx2"/>
+                </a:solidFill>
+              </a:defRPr>
+            </a:lvl3pPr>
+            <a:lvl4pPr eaLnBrk="1" hangingPunct="1">
+              <a:defRPr>
+                <a:solidFill>
+                  <a:schemeClr val="tx2"/>
+                </a:solidFill>
+              </a:defRPr>
+            </a:lvl4pPr>
+            <a:lvl5pPr eaLnBrk="1" hangingPunct="1">
+              <a:defRPr>
+                <a:solidFill>
+                  <a:schemeClr val="tx2"/>
+                </a:solidFill>
+              </a:defRPr>
+            </a:lvl5pPr>
+            <a:lvl6pPr eaLnBrk="1" hangingPunct="1">
+              <a:defRPr>
+                <a:solidFill>
+                  <a:schemeClr val="tx2"/>
+                </a:solidFill>
+              </a:defRPr>
+            </a:lvl6pPr>
+            <a:lvl7pPr eaLnBrk="1" hangingPunct="1">
+              <a:defRPr>
+                <a:solidFill>
+                  <a:schemeClr val="tx2"/>
+                </a:solidFill>
+              </a:defRPr>
+            </a:lvl7pPr>
+            <a:lvl8pPr eaLnBrk="1" hangingPunct="1">
+              <a:defRPr>
+                <a:solidFill>
+                  <a:schemeClr val="tx2"/>
+                </a:solidFill>
+              </a:defRPr>
+            </a:lvl8pPr>
+            <a:lvl9pPr eaLnBrk="1" hangingPunct="1">
+              <a:defRPr>
+                <a:solidFill>
+                  <a:schemeClr val="tx2"/>
+                </a:solidFill>
+              </a:defRPr>
+            </a:lvl9pPr>
+          </a:lstStyle>
+          <a:p>
+            <a:r>
+              <a:rPr lang="fr-CH" sz="2400" dirty="0">
+                <a:solidFill>
+                  <a:schemeClr val="accent2">
+                    <a:lumMod val="75000"/>
+                  </a:schemeClr>
+                </a:solidFill>
+                <a:effectLst>
+                  <a:outerShdw blurRad="38100" dist="38100" dir="2700000" algn="tl">
+                    <a:srgbClr val="000000">
+                      <a:alpha val="43137"/>
+                    </a:srgbClr>
+                  </a:outerShdw>
+                </a:effectLst>
+              </a:rPr>
+              <a:t>Sujet de fiche signalétique:</a:t>
+            </a:r>
+          </a:p>
+          <a:p>
+            <a:r>
+              <a:rPr lang="fr-CH" sz="2400" dirty="0"/>
+              <a:t>"Assurer la sécurité d'un réseau informatique"</a:t>
+            </a:r>
+          </a:p>
+        </p:txBody>
+      </p:sp>
+      <p:sp>
+        <p:nvSpPr>
+          <p:cNvPr id="3" name="Titre 1">
             <a:extLst>
               <a:ext uri="{FF2B5EF4-FFF2-40B4-BE49-F238E27FC236}">
-                <a16:creationId xmlns:a16="http://schemas.microsoft.com/office/drawing/2014/main" id="{9CB3D25D-A96E-6C53-6177-5F129DF45F4A}"/>
+                <a16:creationId xmlns:a16="http://schemas.microsoft.com/office/drawing/2014/main" id="{2DF480FD-EE12-B14C-A279-1ED4F813AADD}"/>
               </a:ext>
             </a:extLst>
           </p:cNvPr>
-          <p:cNvSpPr>
-            <a:spLocks noGrp="1"/>
-          </p:cNvSpPr>
-          <p:nvPr>
-            <p:ph type="title"/>
-          </p:nvPr>
-        </p:nvSpPr>
-        <p:spPr/>
-        <p:txBody>
-          <a:bodyPr/>
-          <a:lstStyle/>
-          <a:p>
-            <a:r>
-              <a:rPr lang="fr-CH" dirty="0"/>
-              <a:t>Schéma</a:t>
-            </a:r>
-          </a:p>
-        </p:txBody>
-      </p:sp>
-      <p:pic>
-        <p:nvPicPr>
-          <p:cNvPr id="7" name="Espace réservé du contenu 6">
-            <a:extLst>
-              <a:ext uri="{FF2B5EF4-FFF2-40B4-BE49-F238E27FC236}">
-                <a16:creationId xmlns:a16="http://schemas.microsoft.com/office/drawing/2014/main" id="{47C5B229-C4E8-E4BB-6F62-C9E73EDE5426}"/>
-              </a:ext>
-            </a:extLst>
-          </p:cNvPr>
-          <p:cNvPicPr>
-            <a:picLocks noGrp="1" noChangeAspect="1"/>
-          </p:cNvPicPr>
-          <p:nvPr>
-            <p:ph idx="1"/>
-          </p:nvPr>
-        </p:nvPicPr>
-        <p:blipFill>
-          <a:blip r:embed="rId2">
-            <a:extLst>
-              <a:ext uri="{28A0092B-C50C-407E-A947-70E740481C1C}">
-                <a14:useLocalDpi xmlns:a14="http://schemas.microsoft.com/office/drawing/2010/main" val="0"/>
-              </a:ext>
-            </a:extLst>
-          </a:blip>
-          <a:stretch>
-            <a:fillRect/>
-          </a:stretch>
-        </p:blipFill>
+          <p:cNvSpPr txBox="1">
+            <a:spLocks/>
+          </p:cNvSpPr>
+          <p:nvPr/>
+        </p:nvSpPr>
         <p:spPr>
           <a:xfrm>
-            <a:off x="3085310" y="2052638"/>
-            <a:ext cx="4983155" cy="4195762"/>
+            <a:off x="1154951" y="5314463"/>
+            <a:ext cx="8825659" cy="991785"/>
           </a:xfrm>
+          <a:prstGeom prst="rect">
+            <a:avLst/>
+          </a:prstGeom>
+          <a:ln>
+            <a:solidFill>
+              <a:schemeClr val="accent1"/>
+            </a:solidFill>
+          </a:ln>
         </p:spPr>
-      </p:pic>
-      <p:sp>
-        <p:nvSpPr>
-          <p:cNvPr id="4" name="Espace réservé du pied de page 3">
-            <a:extLst>
-              <a:ext uri="{FF2B5EF4-FFF2-40B4-BE49-F238E27FC236}">
-                <a16:creationId xmlns:a16="http://schemas.microsoft.com/office/drawing/2014/main" id="{B39FBDBA-9567-25C7-AFAA-1AE810A6FC77}"/>
-              </a:ext>
-            </a:extLst>
-          </p:cNvPr>
-          <p:cNvSpPr>
-            <a:spLocks noGrp="1"/>
-          </p:cNvSpPr>
-          <p:nvPr>
-            <p:ph type="ftr" sz="quarter" idx="11"/>
-          </p:nvPr>
-        </p:nvSpPr>
-        <p:spPr/>
-        <p:txBody>
-          <a:bodyPr/>
-          <a:lstStyle/>
-          <a:p>
-            <a:r>
-              <a:rPr lang="fr-CH"/>
-              <a:t>Damien Mayor</a:t>
-            </a:r>
-          </a:p>
-        </p:txBody>
-      </p:sp>
-      <p:sp>
-        <p:nvSpPr>
-          <p:cNvPr id="5" name="Espace réservé du numéro de diapositive 4">
-            <a:extLst>
-              <a:ext uri="{FF2B5EF4-FFF2-40B4-BE49-F238E27FC236}">
-                <a16:creationId xmlns:a16="http://schemas.microsoft.com/office/drawing/2014/main" id="{4761D3C6-EE90-D91F-7F68-B78CECDAFB66}"/>
-              </a:ext>
-            </a:extLst>
-          </p:cNvPr>
-          <p:cNvSpPr>
-            <a:spLocks noGrp="1"/>
-          </p:cNvSpPr>
-          <p:nvPr>
-            <p:ph type="sldNum" sz="quarter" idx="12"/>
-          </p:nvPr>
-        </p:nvSpPr>
-        <p:spPr/>
-        <p:txBody>
-          <a:bodyPr/>
-          <a:lstStyle/>
-          <a:p>
-            <a:fld id="{2FCD9DE2-19B8-4E75-A167-0E6B1D03D668}" type="slidenum">
-              <a:rPr lang="fr-CH" smtClean="0"/>
-              <a:t>20</a:t>
-            </a:fld>
-            <a:endParaRPr lang="fr-CH"/>
+        <p:txBody>
+          <a:bodyPr vert="horz" lIns="91440" tIns="45720" rIns="91440" bIns="45720" rtlCol="0" anchor="t">
+            <a:noAutofit/>
+          </a:bodyPr>
+          <a:lstStyle>
+            <a:lvl1pPr algn="l" defTabSz="457200" rtl="0" eaLnBrk="1" latinLnBrk="0" hangingPunct="1">
+              <a:spcBef>
+                <a:spcPct val="0"/>
+              </a:spcBef>
+              <a:buNone/>
+              <a:defRPr sz="4800" b="0" i="0" kern="1200">
+                <a:solidFill>
+                  <a:schemeClr val="tx2"/>
+                </a:solidFill>
+                <a:latin typeface="+mj-lt"/>
+                <a:ea typeface="+mj-ea"/>
+                <a:cs typeface="+mj-cs"/>
+              </a:defRPr>
+            </a:lvl1pPr>
+            <a:lvl2pPr eaLnBrk="1" hangingPunct="1">
+              <a:defRPr>
+                <a:solidFill>
+                  <a:schemeClr val="tx2"/>
+                </a:solidFill>
+              </a:defRPr>
+            </a:lvl2pPr>
+            <a:lvl3pPr eaLnBrk="1" hangingPunct="1">
+              <a:defRPr>
+                <a:solidFill>
+                  <a:schemeClr val="tx2"/>
+                </a:solidFill>
+              </a:defRPr>
+            </a:lvl3pPr>
+            <a:lvl4pPr eaLnBrk="1" hangingPunct="1">
+              <a:defRPr>
+                <a:solidFill>
+                  <a:schemeClr val="tx2"/>
+                </a:solidFill>
+              </a:defRPr>
+            </a:lvl4pPr>
+            <a:lvl5pPr eaLnBrk="1" hangingPunct="1">
+              <a:defRPr>
+                <a:solidFill>
+                  <a:schemeClr val="tx2"/>
+                </a:solidFill>
+              </a:defRPr>
+            </a:lvl5pPr>
+            <a:lvl6pPr eaLnBrk="1" hangingPunct="1">
+              <a:defRPr>
+                <a:solidFill>
+                  <a:schemeClr val="tx2"/>
+                </a:solidFill>
+              </a:defRPr>
+            </a:lvl6pPr>
+            <a:lvl7pPr eaLnBrk="1" hangingPunct="1">
+              <a:defRPr>
+                <a:solidFill>
+                  <a:schemeClr val="tx2"/>
+                </a:solidFill>
+              </a:defRPr>
+            </a:lvl7pPr>
+            <a:lvl8pPr eaLnBrk="1" hangingPunct="1">
+              <a:defRPr>
+                <a:solidFill>
+                  <a:schemeClr val="tx2"/>
+                </a:solidFill>
+              </a:defRPr>
+            </a:lvl8pPr>
+            <a:lvl9pPr eaLnBrk="1" hangingPunct="1">
+              <a:defRPr>
+                <a:solidFill>
+                  <a:schemeClr val="tx2"/>
+                </a:solidFill>
+              </a:defRPr>
+            </a:lvl9pPr>
+          </a:lstStyle>
+          <a:p>
+            <a:r>
+              <a:rPr lang="fr-CH" sz="2400" dirty="0">
+                <a:solidFill>
+                  <a:schemeClr val="accent5">
+                    <a:lumMod val="75000"/>
+                  </a:schemeClr>
+                </a:solidFill>
+                <a:effectLst>
+                  <a:outerShdw blurRad="38100" dist="38100" dir="2700000" algn="tl">
+                    <a:srgbClr val="000000">
+                      <a:alpha val="43137"/>
+                    </a:srgbClr>
+                  </a:outerShdw>
+                </a:effectLst>
+              </a:rPr>
+              <a:t>Pourquoi ce thème?</a:t>
+            </a:r>
+          </a:p>
+          <a:p>
+            <a:r>
+              <a:rPr lang="fr-CH" sz="2400" dirty="0"/>
+              <a:t>C'est la raison de ma reconversion professionnelle</a:t>
+            </a:r>
           </a:p>
         </p:txBody>
       </p:sp>
     </p:spTree>
     <p:extLst>
       <p:ext uri="{BB962C8B-B14F-4D97-AF65-F5344CB8AC3E}">
-        <p14:creationId xmlns:p14="http://schemas.microsoft.com/office/powerpoint/2010/main" val="1117888082"/>
+        <p14:creationId xmlns:p14="http://schemas.microsoft.com/office/powerpoint/2010/main" val="1509537410"/>
       </p:ext>
     </p:extLst>
   </p:cSld>
@@ -15508,7 +15809,7 @@
 </p:sld>
 </file>
 
-<file path=ppt/slides/slide21.xml><?xml version="1.0" encoding="utf-8"?>
+<file path=ppt/slides/slide4.xml><?xml version="1.0" encoding="utf-8"?>
 <p:sld xmlns:a="http://schemas.openxmlformats.org/drawingml/2006/main" xmlns:r="http://schemas.openxmlformats.org/officeDocument/2006/relationships" xmlns:p="http://schemas.openxmlformats.org/presentationml/2006/main">
   <p:cSld>
     <p:spTree>
@@ -15535,25 +15836,224 @@
             <p:ph type="title"/>
           </p:nvPr>
         </p:nvSpPr>
-        <p:spPr/>
+        <p:spPr>
+          <a:xfrm>
+            <a:off x="646111" y="452718"/>
+            <a:ext cx="9404723" cy="788941"/>
+          </a:xfrm>
+        </p:spPr>
         <p:txBody>
           <a:bodyPr/>
           <a:lstStyle/>
           <a:p>
             <a:r>
               <a:rPr lang="fr-CH" dirty="0"/>
-              <a:t>Phase 1- Salle C111</a:t>
-            </a:r>
-          </a:p>
-        </p:txBody>
-      </p:sp>
-      <p:sp>
-        <p:nvSpPr>
-          <p:cNvPr id="4" name="Espace réservé du pied de page 3"/>
+              <a:t>Cahier des charges</a:t>
+            </a:r>
+          </a:p>
+        </p:txBody>
+      </p:sp>
+      <p:sp>
+        <p:nvSpPr>
+          <p:cNvPr id="4" name="Espace réservé du contenu 3"/>
           <p:cNvSpPr>
             <a:spLocks noGrp="1"/>
           </p:cNvSpPr>
           <p:nvPr>
+            <p:ph sz="half" idx="2"/>
+          </p:nvPr>
+        </p:nvSpPr>
+        <p:spPr>
+          <a:xfrm>
+            <a:off x="747177" y="2909236"/>
+            <a:ext cx="4396339" cy="3741738"/>
+          </a:xfrm>
+        </p:spPr>
+        <p:txBody>
+          <a:bodyPr>
+            <a:normAutofit fontScale="55000" lnSpcReduction="20000"/>
+          </a:bodyPr>
+          <a:lstStyle/>
+          <a:p>
+            <a:pPr marL="0" indent="0" algn="just">
+              <a:buNone/>
+            </a:pPr>
+            <a:r>
+              <a:rPr lang="fr-CH" sz="2000" dirty="0"/>
+              <a:t>Le module 146 abordant les grands réseau d’entreprise avec des VPN site à site et clients, et du NAT, ce projet cherche à évaluer les possibilités d’implémenter le schéma ci-dessous à l’aide d’un seul firewall Fortinet en exploitant les capacités de virtualisation de FortiGate.</a:t>
+            </a:r>
+          </a:p>
+          <a:p>
+            <a:pPr marL="0" indent="0" algn="just">
+              <a:buNone/>
+            </a:pPr>
+            <a:r>
+              <a:rPr lang="fr-CH" sz="2000" dirty="0"/>
+              <a:t>Dans un 1er temps la mise en place se fera en salle C111, afin de réaliser l’implémentation du schéma physique indépendamment du réseau de l’école.</a:t>
+            </a:r>
+          </a:p>
+          <a:p>
+            <a:pPr marL="0" indent="0" algn="just">
+              <a:buNone/>
+            </a:pPr>
+            <a:r>
+              <a:rPr lang="fr-CH" sz="2000" dirty="0"/>
+              <a:t>Dans un 2ème temps le FortiGate sera connecté au réseau physique de l’école en conservant sa configuration tel quel, afin de d’évaluer les possibilités et les limites d’un tel implémentation. L’idée étant que le module soit réalisé à distance en exploitant des PC et des VM dans les salles de classes.</a:t>
+            </a:r>
+          </a:p>
+          <a:p>
+            <a:pPr marL="0" indent="0" algn="just">
+              <a:buNone/>
+            </a:pPr>
+            <a:r>
+              <a:rPr lang="fr-CH" sz="2000" dirty="0"/>
+              <a:t>Les éléments nécessaires pour constituer la partie « Internet » et représenter les hôtes et les switches, sont laissé au choix du candidat, en tenant compte que lors du 2ème temps se sera le réseau réel du CPNV qui sera utilisé.</a:t>
+            </a:r>
+          </a:p>
+          <a:p>
+            <a:pPr marL="0" indent="0">
+              <a:buNone/>
+            </a:pPr>
+            <a:endParaRPr lang="fr-CH" dirty="0"/>
+          </a:p>
+        </p:txBody>
+      </p:sp>
+      <p:sp>
+        <p:nvSpPr>
+          <p:cNvPr id="6" name="Espace réservé du contenu 5"/>
+          <p:cNvSpPr>
+            <a:spLocks noGrp="1"/>
+          </p:cNvSpPr>
+          <p:nvPr>
+            <p:ph sz="quarter" idx="4"/>
+          </p:nvPr>
+        </p:nvSpPr>
+        <p:spPr>
+          <a:xfrm>
+            <a:off x="5654495" y="2909236"/>
+            <a:ext cx="4396339" cy="3481939"/>
+          </a:xfrm>
+        </p:spPr>
+        <p:txBody>
+          <a:bodyPr>
+            <a:noAutofit/>
+          </a:bodyPr>
+          <a:lstStyle/>
+          <a:p>
+            <a:pPr marL="0" indent="0">
+              <a:buNone/>
+            </a:pPr>
+            <a:r>
+              <a:rPr lang="fr-CH" sz="1100" dirty="0"/>
+              <a:t>1. Pertinence de l'implémentation du 1</a:t>
+            </a:r>
+            <a:r>
+              <a:rPr lang="fr-CH" sz="1100" baseline="30000" dirty="0"/>
+              <a:t>er</a:t>
+            </a:r>
+            <a:r>
+              <a:rPr lang="fr-CH" sz="1100" dirty="0"/>
+              <a:t> temps</a:t>
+            </a:r>
+          </a:p>
+          <a:p>
+            <a:pPr marL="0" indent="0">
+              <a:buNone/>
+            </a:pPr>
+            <a:r>
+              <a:rPr lang="fr-CH" sz="1100" dirty="0"/>
+              <a:t>2.  Pertinence de la partie "Internet" proposée dans le 1</a:t>
+            </a:r>
+            <a:r>
+              <a:rPr lang="fr-CH" sz="1100" baseline="30000" dirty="0"/>
+              <a:t>er</a:t>
+            </a:r>
+            <a:r>
+              <a:rPr lang="fr-CH" sz="1100" dirty="0"/>
+              <a:t> temps</a:t>
+            </a:r>
+          </a:p>
+          <a:p>
+            <a:pPr marL="0" indent="0">
+              <a:buNone/>
+            </a:pPr>
+            <a:r>
+              <a:rPr lang="fr-CH" sz="1100" dirty="0"/>
+              <a:t>3.  A la fin du 1</a:t>
+            </a:r>
+            <a:r>
+              <a:rPr lang="fr-CH" sz="1100" baseline="30000" dirty="0"/>
+              <a:t>er</a:t>
+            </a:r>
+            <a:r>
+              <a:rPr lang="fr-CH" sz="1100" dirty="0"/>
+              <a:t> temps tous les clients et le télétravailleur peuvent atteindre le serveur et les imprimantes par leur adresse IP</a:t>
+            </a:r>
+          </a:p>
+          <a:p>
+            <a:pPr marL="0" indent="0">
+              <a:buNone/>
+            </a:pPr>
+            <a:r>
+              <a:rPr lang="fr-CH" sz="1100" dirty="0"/>
+              <a:t>4.  Adressage IP proposé pour le siège, la succursale et le télétravailleur conforme au schéma du CDC</a:t>
+            </a:r>
+          </a:p>
+          <a:p>
+            <a:pPr marL="0" indent="0">
+              <a:buNone/>
+            </a:pPr>
+            <a:r>
+              <a:rPr lang="fr-CH" sz="1100" dirty="0"/>
+              <a:t>5.  Pertinence de l'implémentation du 2</a:t>
+            </a:r>
+            <a:r>
+              <a:rPr lang="fr-CH" sz="1100" baseline="30000" dirty="0"/>
+              <a:t>ème</a:t>
+            </a:r>
+            <a:r>
+              <a:rPr lang="fr-CH" sz="1100" dirty="0"/>
+              <a:t> temps</a:t>
+            </a:r>
+          </a:p>
+          <a:p>
+            <a:pPr marL="0" indent="0">
+              <a:buNone/>
+            </a:pPr>
+            <a:r>
+              <a:rPr lang="fr-CH" sz="1100" dirty="0"/>
+              <a:t>6.  A la fin du 2</a:t>
+            </a:r>
+            <a:r>
+              <a:rPr lang="fr-CH" sz="1100" baseline="30000" dirty="0"/>
+              <a:t>ème</a:t>
+            </a:r>
+            <a:r>
+              <a:rPr lang="fr-CH" sz="1100" dirty="0"/>
+              <a:t> tous les clients et le télétravailleur peuvent atteindre le serveur et les imprimantes par leur adresse IP </a:t>
+            </a:r>
+          </a:p>
+          <a:p>
+            <a:pPr marL="0" indent="0">
+              <a:buNone/>
+            </a:pPr>
+            <a:r>
+              <a:rPr lang="fr-CH" sz="1100" dirty="0"/>
+              <a:t>7.  En fonction des caractéristiques de l'Appliance Fortinet, déterminer le nombre maximal d'implémentations du schéma proposé qu'il est théoriquement possible de réaliser sans tenir compte des performances</a:t>
+            </a:r>
+          </a:p>
+          <a:p>
+            <a:endParaRPr lang="fr-CH" sz="1200" dirty="0"/>
+          </a:p>
+        </p:txBody>
+      </p:sp>
+      <p:sp>
+        <p:nvSpPr>
+          <p:cNvPr id="7" name="Espace réservé du pied de page 6"/>
+          <p:cNvSpPr>
+            <a:spLocks noGrp="1"/>
+          </p:cNvSpPr>
+          <p:nvPr>
             <p:ph type="ftr" sz="quarter" idx="11"/>
           </p:nvPr>
         </p:nvSpPr>
@@ -15571,7 +16071,7 @@
       </p:sp>
       <p:sp>
         <p:nvSpPr>
-          <p:cNvPr id="5" name="Espace réservé du numéro de diapositive 4"/>
+          <p:cNvPr id="8" name="Espace réservé du numéro de diapositive 7"/>
           <p:cNvSpPr>
             <a:spLocks noGrp="1"/>
           </p:cNvSpPr>
@@ -15598,7 +16098,7 @@
                 </a:effectLst>
               </a:rPr>
               <a:pPr/>
-              <a:t>21</a:t>
+              <a:t>4</a:t>
             </a:fld>
             <a:endParaRPr lang="fr-CH" dirty="0">
               <a:solidFill>
@@ -15615,431 +16115,379 @@
           </a:p>
         </p:txBody>
       </p:sp>
-      <p:pic>
-        <p:nvPicPr>
-          <p:cNvPr id="8" name="Espace réservé du contenu 7"/>
-          <p:cNvPicPr>
-            <a:picLocks noGrp="1" noChangeAspect="1"/>
-          </p:cNvPicPr>
-          <p:nvPr>
-            <p:ph idx="1"/>
-          </p:nvPr>
-        </p:nvPicPr>
-        <p:blipFill>
-          <a:blip r:embed="rId2">
+      <p:sp>
+        <p:nvSpPr>
+          <p:cNvPr id="9" name="Titre 1">
             <a:extLst>
-              <a:ext uri="{28A0092B-C50C-407E-A947-70E740481C1C}">
-                <a14:useLocalDpi xmlns:a14="http://schemas.microsoft.com/office/drawing/2010/main" val="0"/>
+              <a:ext uri="{FF2B5EF4-FFF2-40B4-BE49-F238E27FC236}">
+                <a16:creationId xmlns:a16="http://schemas.microsoft.com/office/drawing/2014/main" id="{EA430A85-0789-40CC-6588-3C05FE69A4D4}"/>
               </a:ext>
             </a:extLst>
-          </a:blip>
-          <a:stretch>
-            <a:fillRect/>
-          </a:stretch>
-        </p:blipFill>
+          </p:cNvPr>
+          <p:cNvSpPr txBox="1">
+            <a:spLocks/>
+          </p:cNvSpPr>
+          <p:nvPr/>
+        </p:nvSpPr>
         <p:spPr>
           <a:xfrm>
-            <a:off x="7163" y="1418304"/>
-            <a:ext cx="7878457" cy="5423632"/>
-          </a:xfrm>
-          <a:ln>
-            <a:solidFill>
-              <a:schemeClr val="accent4">
-                <a:lumMod val="75000"/>
-              </a:schemeClr>
-            </a:solidFill>
-          </a:ln>
-        </p:spPr>
-      </p:pic>
-      <p:sp>
-        <p:nvSpPr>
-          <p:cNvPr id="6" name="Espace réservé du contenu 2"/>
-          <p:cNvSpPr txBox="1">
-            <a:spLocks/>
-          </p:cNvSpPr>
-          <p:nvPr/>
-        </p:nvSpPr>
-        <p:spPr>
-          <a:xfrm>
-            <a:off x="8071444" y="1418304"/>
-            <a:ext cx="4051146" cy="5423632"/>
+            <a:off x="652463" y="1143556"/>
+            <a:ext cx="9404723" cy="662208"/>
           </a:xfrm>
           <a:prstGeom prst="rect">
             <a:avLst/>
           </a:prstGeom>
         </p:spPr>
         <p:txBody>
-          <a:bodyPr vert="horz" lIns="91440" tIns="45720" rIns="91440" bIns="45720" rtlCol="0">
-            <a:normAutofit fontScale="92500" lnSpcReduction="20000"/>
+          <a:bodyPr vert="horz" lIns="91440" tIns="45720" rIns="91440" bIns="45720" rtlCol="0" anchor="t">
+            <a:noAutofit/>
           </a:bodyPr>
           <a:lstStyle>
-            <a:lvl1pPr marL="342900" indent="-342900" algn="l" defTabSz="457200" rtl="0" eaLnBrk="1" latinLnBrk="0" hangingPunct="1">
+            <a:lvl1pPr algn="l" defTabSz="457200" rtl="0" eaLnBrk="1" latinLnBrk="0" hangingPunct="1">
               <a:spcBef>
-                <a:spcPts val="1000"/>
+                <a:spcPct val="0"/>
               </a:spcBef>
-              <a:spcAft>
-                <a:spcPts val="0"/>
-              </a:spcAft>
-              <a:buClr>
-                <a:schemeClr val="bg2">
-                  <a:lumMod val="40000"/>
-                  <a:lumOff val="60000"/>
-                </a:schemeClr>
-              </a:buClr>
-              <a:buSzPct val="80000"/>
-              <a:buFont typeface="Wingdings 3" charset="2"/>
-              <a:buChar char=""/>
-              <a:defRPr sz="2000" b="0" i="0" kern="1200">
+              <a:buNone/>
+              <a:defRPr sz="4200" b="0" i="0" kern="1200">
                 <a:solidFill>
-                  <a:schemeClr val="tx1"/>
+                  <a:schemeClr val="tx2"/>
                 </a:solidFill>
                 <a:latin typeface="+mj-lt"/>
                 <a:ea typeface="+mj-ea"/>
                 <a:cs typeface="+mj-cs"/>
               </a:defRPr>
             </a:lvl1pPr>
-            <a:lvl2pPr marL="742950" indent="-285750" algn="l" defTabSz="457200" rtl="0" eaLnBrk="1" latinLnBrk="0" hangingPunct="1">
+            <a:lvl2pPr eaLnBrk="1" hangingPunct="1">
+              <a:defRPr>
+                <a:solidFill>
+                  <a:schemeClr val="tx2"/>
+                </a:solidFill>
+              </a:defRPr>
+            </a:lvl2pPr>
+            <a:lvl3pPr eaLnBrk="1" hangingPunct="1">
+              <a:defRPr>
+                <a:solidFill>
+                  <a:schemeClr val="tx2"/>
+                </a:solidFill>
+              </a:defRPr>
+            </a:lvl3pPr>
+            <a:lvl4pPr eaLnBrk="1" hangingPunct="1">
+              <a:defRPr>
+                <a:solidFill>
+                  <a:schemeClr val="tx2"/>
+                </a:solidFill>
+              </a:defRPr>
+            </a:lvl4pPr>
+            <a:lvl5pPr eaLnBrk="1" hangingPunct="1">
+              <a:defRPr>
+                <a:solidFill>
+                  <a:schemeClr val="tx2"/>
+                </a:solidFill>
+              </a:defRPr>
+            </a:lvl5pPr>
+            <a:lvl6pPr eaLnBrk="1" hangingPunct="1">
+              <a:defRPr>
+                <a:solidFill>
+                  <a:schemeClr val="tx2"/>
+                </a:solidFill>
+              </a:defRPr>
+            </a:lvl6pPr>
+            <a:lvl7pPr eaLnBrk="1" hangingPunct="1">
+              <a:defRPr>
+                <a:solidFill>
+                  <a:schemeClr val="tx2"/>
+                </a:solidFill>
+              </a:defRPr>
+            </a:lvl7pPr>
+            <a:lvl8pPr eaLnBrk="1" hangingPunct="1">
+              <a:defRPr>
+                <a:solidFill>
+                  <a:schemeClr val="tx2"/>
+                </a:solidFill>
+              </a:defRPr>
+            </a:lvl8pPr>
+            <a:lvl9pPr eaLnBrk="1" hangingPunct="1">
+              <a:defRPr>
+                <a:solidFill>
+                  <a:schemeClr val="tx2"/>
+                </a:solidFill>
+              </a:defRPr>
+            </a:lvl9pPr>
+          </a:lstStyle>
+          <a:p>
+            <a:r>
+              <a:rPr lang="fr-CH" sz="3400" dirty="0">
+                <a:solidFill>
+                  <a:schemeClr val="accent2">
+                    <a:lumMod val="75000"/>
+                  </a:schemeClr>
+                </a:solidFill>
+                <a:effectLst>
+                  <a:outerShdw blurRad="38100" dist="38100" dir="2700000" algn="tl">
+                    <a:srgbClr val="000000">
+                      <a:alpha val="43137"/>
+                    </a:srgbClr>
+                  </a:outerShdw>
+                </a:effectLst>
+              </a:rPr>
+              <a:t>Mise en place de firewalls virtuels sur une Appliance </a:t>
+            </a:r>
+            <a:r>
+              <a:rPr lang="fr-CH" sz="3400" dirty="0">
+                <a:solidFill>
+                  <a:srgbClr val="C00000"/>
+                </a:solidFill>
+                <a:effectLst>
+                  <a:outerShdw blurRad="38100" dist="38100" dir="2700000" algn="tl">
+                    <a:srgbClr val="000000">
+                      <a:alpha val="43137"/>
+                    </a:srgbClr>
+                  </a:outerShdw>
+                </a:effectLst>
+              </a:rPr>
+              <a:t>FORTINET</a:t>
+            </a:r>
+            <a:r>
+              <a:rPr lang="fr-CH" sz="3400" dirty="0">
+                <a:solidFill>
+                  <a:schemeClr val="accent2">
+                    <a:lumMod val="75000"/>
+                  </a:schemeClr>
+                </a:solidFill>
+                <a:effectLst>
+                  <a:outerShdw blurRad="38100" dist="38100" dir="2700000" algn="tl">
+                    <a:srgbClr val="000000">
+                      <a:alpha val="43137"/>
+                    </a:srgbClr>
+                  </a:outerShdw>
+                </a:effectLst>
+              </a:rPr>
+              <a:t> adapté au module 146</a:t>
+            </a:r>
+          </a:p>
+        </p:txBody>
+      </p:sp>
+      <p:sp>
+        <p:nvSpPr>
+          <p:cNvPr id="10" name="Espace réservé du texte 2"/>
+          <p:cNvSpPr>
+            <a:spLocks noGrp="1"/>
+          </p:cNvSpPr>
+          <p:nvPr>
+            <p:ph type="body" idx="1"/>
+          </p:nvPr>
+        </p:nvSpPr>
+        <p:spPr>
+          <a:xfrm>
+            <a:off x="747177" y="2288507"/>
+            <a:ext cx="2946866" cy="576262"/>
+          </a:xfrm>
+        </p:spPr>
+        <p:txBody>
+          <a:bodyPr/>
+          <a:lstStyle/>
+          <a:p>
+            <a:r>
+              <a:rPr lang="fr-CH" dirty="0"/>
+              <a:t>Descriptif</a:t>
+            </a:r>
+          </a:p>
+        </p:txBody>
+      </p:sp>
+      <p:sp>
+        <p:nvSpPr>
+          <p:cNvPr id="11" name="Espace réservé du texte 6"/>
+          <p:cNvSpPr>
+            <a:spLocks noGrp="1"/>
+          </p:cNvSpPr>
+          <p:nvPr>
+            <p:ph type="body" sz="quarter" idx="4294967295"/>
+          </p:nvPr>
+        </p:nvSpPr>
+        <p:spPr>
+          <a:xfrm>
+            <a:off x="5654495" y="2371701"/>
+            <a:ext cx="2932113" cy="576262"/>
+          </a:xfrm>
+          <a:prstGeom prst="rect">
+            <a:avLst/>
+          </a:prstGeom>
+        </p:spPr>
+        <p:txBody>
+          <a:bodyPr/>
+          <a:lstStyle/>
+          <a:p>
+            <a:pPr marL="0" indent="0">
+              <a:buNone/>
+            </a:pPr>
+            <a:r>
+              <a:rPr lang="fr-CH" sz="2400" dirty="0">
+                <a:solidFill>
+                  <a:schemeClr val="bg2">
+                    <a:lumMod val="40000"/>
+                    <a:lumOff val="60000"/>
+                  </a:schemeClr>
+                </a:solidFill>
+              </a:rPr>
+              <a:t>Points spécifiques </a:t>
+            </a:r>
+          </a:p>
+        </p:txBody>
+      </p:sp>
+      <p:sp>
+        <p:nvSpPr>
+          <p:cNvPr id="14" name="Titre 1">
+            <a:extLst>
+              <a:ext uri="{FF2B5EF4-FFF2-40B4-BE49-F238E27FC236}">
+                <a16:creationId xmlns:a16="http://schemas.microsoft.com/office/drawing/2014/main" id="{EA430A85-0789-40CC-6588-3C05FE69A4D4}"/>
+              </a:ext>
+            </a:extLst>
+          </p:cNvPr>
+          <p:cNvSpPr txBox="1">
+            <a:spLocks/>
+          </p:cNvSpPr>
+          <p:nvPr/>
+        </p:nvSpPr>
+        <p:spPr>
+          <a:xfrm>
+            <a:off x="747177" y="5773434"/>
+            <a:ext cx="4396339" cy="662208"/>
+          </a:xfrm>
+          <a:prstGeom prst="rect">
+            <a:avLst/>
+          </a:prstGeom>
+        </p:spPr>
+        <p:txBody>
+          <a:bodyPr vert="horz" lIns="91440" tIns="45720" rIns="91440" bIns="45720" rtlCol="0" anchor="t">
+            <a:noAutofit/>
+          </a:bodyPr>
+          <a:lstStyle>
+            <a:lvl1pPr algn="l" defTabSz="457200" rtl="0" eaLnBrk="1" latinLnBrk="0" hangingPunct="1">
               <a:spcBef>
-                <a:spcPts val="1000"/>
+                <a:spcPct val="0"/>
               </a:spcBef>
-              <a:spcAft>
-                <a:spcPts val="0"/>
-              </a:spcAft>
-              <a:buClr>
-                <a:schemeClr val="bg2">
-                  <a:lumMod val="40000"/>
-                  <a:lumOff val="60000"/>
-                </a:schemeClr>
-              </a:buClr>
-              <a:buSzPct val="80000"/>
-              <a:buFont typeface="Wingdings 3" charset="2"/>
-              <a:buChar char=""/>
-              <a:defRPr sz="1800" b="0" i="0" kern="1200">
+              <a:buNone/>
+              <a:defRPr sz="4200" b="0" i="0" kern="1200">
                 <a:solidFill>
-                  <a:schemeClr val="tx1"/>
+                  <a:schemeClr val="tx2"/>
                 </a:solidFill>
                 <a:latin typeface="+mj-lt"/>
                 <a:ea typeface="+mj-ea"/>
                 <a:cs typeface="+mj-cs"/>
               </a:defRPr>
+            </a:lvl1pPr>
+            <a:lvl2pPr eaLnBrk="1" hangingPunct="1">
+              <a:defRPr>
+                <a:solidFill>
+                  <a:schemeClr val="tx2"/>
+                </a:solidFill>
+              </a:defRPr>
             </a:lvl2pPr>
-            <a:lvl3pPr marL="1143000" indent="-228600" algn="l" defTabSz="457200" rtl="0" eaLnBrk="1" latinLnBrk="0" hangingPunct="1">
-              <a:spcBef>
-                <a:spcPts val="1000"/>
-              </a:spcBef>
-              <a:spcAft>
-                <a:spcPts val="0"/>
-              </a:spcAft>
-              <a:buClr>
-                <a:schemeClr val="bg2">
-                  <a:lumMod val="40000"/>
-                  <a:lumOff val="60000"/>
-                </a:schemeClr>
-              </a:buClr>
-              <a:buSzPct val="80000"/>
-              <a:buFont typeface="Wingdings 3" charset="2"/>
-              <a:buChar char=""/>
-              <a:defRPr sz="1600" b="0" i="0" kern="1200">
+            <a:lvl3pPr eaLnBrk="1" hangingPunct="1">
+              <a:defRPr>
                 <a:solidFill>
-                  <a:schemeClr val="tx1"/>
+                  <a:schemeClr val="tx2"/>
                 </a:solidFill>
-                <a:latin typeface="+mj-lt"/>
-                <a:ea typeface="+mj-ea"/>
-                <a:cs typeface="+mj-cs"/>
               </a:defRPr>
             </a:lvl3pPr>
-            <a:lvl4pPr marL="1600200" indent="-228600" algn="l" defTabSz="457200" rtl="0" eaLnBrk="1" latinLnBrk="0" hangingPunct="1">
-              <a:spcBef>
-                <a:spcPts val="1000"/>
-              </a:spcBef>
-              <a:spcAft>
-                <a:spcPts val="0"/>
-              </a:spcAft>
-              <a:buClr>
-                <a:schemeClr val="bg2">
-                  <a:lumMod val="40000"/>
-                  <a:lumOff val="60000"/>
-                </a:schemeClr>
-              </a:buClr>
-              <a:buSzPct val="80000"/>
-              <a:buFont typeface="Wingdings 3" charset="2"/>
-              <a:buChar char=""/>
-              <a:defRPr sz="1400" b="0" i="0" kern="1200">
+            <a:lvl4pPr eaLnBrk="1" hangingPunct="1">
+              <a:defRPr>
                 <a:solidFill>
-                  <a:schemeClr val="tx1"/>
+                  <a:schemeClr val="tx2"/>
                 </a:solidFill>
-                <a:latin typeface="+mj-lt"/>
-                <a:ea typeface="+mj-ea"/>
-                <a:cs typeface="+mj-cs"/>
               </a:defRPr>
             </a:lvl4pPr>
-            <a:lvl5pPr marL="2057400" indent="-228600" algn="l" defTabSz="457200" rtl="0" eaLnBrk="1" latinLnBrk="0" hangingPunct="1">
-              <a:spcBef>
-                <a:spcPts val="1000"/>
-              </a:spcBef>
-              <a:spcAft>
-                <a:spcPts val="0"/>
-              </a:spcAft>
-              <a:buClr>
-                <a:schemeClr val="bg2">
-                  <a:lumMod val="40000"/>
-                  <a:lumOff val="60000"/>
-                </a:schemeClr>
-              </a:buClr>
-              <a:buSzPct val="80000"/>
-              <a:buFont typeface="Wingdings 3" charset="2"/>
-              <a:buChar char=""/>
-              <a:defRPr sz="1400" b="0" i="0" kern="1200">
+            <a:lvl5pPr eaLnBrk="1" hangingPunct="1">
+              <a:defRPr>
                 <a:solidFill>
-                  <a:schemeClr val="tx1"/>
+                  <a:schemeClr val="tx2"/>
                 </a:solidFill>
-                <a:latin typeface="+mj-lt"/>
-                <a:ea typeface="+mj-ea"/>
-                <a:cs typeface="+mj-cs"/>
               </a:defRPr>
             </a:lvl5pPr>
-            <a:lvl6pPr marL="2506000" indent="-228600" algn="l" defTabSz="457200" rtl="0" eaLnBrk="1" latinLnBrk="0" hangingPunct="1">
-              <a:spcBef>
-                <a:spcPts val="1000"/>
-              </a:spcBef>
-              <a:spcAft>
-                <a:spcPts val="0"/>
-              </a:spcAft>
-              <a:buClr>
-                <a:schemeClr val="bg2">
-                  <a:lumMod val="40000"/>
-                  <a:lumOff val="60000"/>
-                </a:schemeClr>
-              </a:buClr>
-              <a:buSzPct val="80000"/>
-              <a:buFont typeface="Wingdings 3" charset="2"/>
-              <a:buChar char=""/>
-              <a:defRPr sz="1400" b="0" i="0" kern="1200">
+            <a:lvl6pPr eaLnBrk="1" hangingPunct="1">
+              <a:defRPr>
                 <a:solidFill>
-                  <a:schemeClr val="tx1"/>
+                  <a:schemeClr val="tx2"/>
                 </a:solidFill>
-                <a:latin typeface="+mj-lt"/>
-                <a:ea typeface="+mj-ea"/>
-                <a:cs typeface="+mj-cs"/>
               </a:defRPr>
             </a:lvl6pPr>
-            <a:lvl7pPr marL="2971800" indent="-228600" algn="l" defTabSz="457200" rtl="0" eaLnBrk="1" latinLnBrk="0" hangingPunct="1">
-              <a:spcBef>
-                <a:spcPts val="1000"/>
-              </a:spcBef>
-              <a:spcAft>
-                <a:spcPts val="0"/>
-              </a:spcAft>
-              <a:buClr>
-                <a:schemeClr val="bg2">
-                  <a:lumMod val="40000"/>
-                  <a:lumOff val="60000"/>
-                </a:schemeClr>
-              </a:buClr>
-              <a:buSzPct val="80000"/>
-              <a:buFont typeface="Wingdings 3" charset="2"/>
-              <a:buChar char=""/>
-              <a:defRPr sz="1400" b="0" i="0" kern="1200">
+            <a:lvl7pPr eaLnBrk="1" hangingPunct="1">
+              <a:defRPr>
                 <a:solidFill>
-                  <a:schemeClr val="tx1"/>
+                  <a:schemeClr val="tx2"/>
                 </a:solidFill>
-                <a:latin typeface="+mj-lt"/>
-                <a:ea typeface="+mj-ea"/>
-                <a:cs typeface="+mj-cs"/>
               </a:defRPr>
             </a:lvl7pPr>
-            <a:lvl8pPr marL="3429000" indent="-228600" algn="l" defTabSz="457200" rtl="0" eaLnBrk="1" latinLnBrk="0" hangingPunct="1">
-              <a:spcBef>
-                <a:spcPts val="1000"/>
-              </a:spcBef>
-              <a:spcAft>
-                <a:spcPts val="0"/>
-              </a:spcAft>
-              <a:buClr>
-                <a:schemeClr val="bg2">
-                  <a:lumMod val="40000"/>
-                  <a:lumOff val="60000"/>
-                </a:schemeClr>
-              </a:buClr>
-              <a:buSzPct val="80000"/>
-              <a:buFont typeface="Wingdings 3" charset="2"/>
-              <a:buChar char=""/>
-              <a:defRPr sz="1400" b="0" i="0" kern="1200">
+            <a:lvl8pPr eaLnBrk="1" hangingPunct="1">
+              <a:defRPr>
                 <a:solidFill>
-                  <a:schemeClr val="tx1"/>
+                  <a:schemeClr val="tx2"/>
                 </a:solidFill>
-                <a:latin typeface="+mj-lt"/>
-                <a:ea typeface="+mj-ea"/>
-                <a:cs typeface="+mj-cs"/>
               </a:defRPr>
             </a:lvl8pPr>
-            <a:lvl9pPr marL="3886200" indent="-228600" algn="l" defTabSz="457200" rtl="0" eaLnBrk="1" latinLnBrk="0" hangingPunct="1">
-              <a:spcBef>
-                <a:spcPts val="1000"/>
-              </a:spcBef>
-              <a:spcAft>
-                <a:spcPts val="0"/>
-              </a:spcAft>
-              <a:buClr>
-                <a:schemeClr val="bg2">
-                  <a:lumMod val="40000"/>
-                  <a:lumOff val="60000"/>
-                </a:schemeClr>
-              </a:buClr>
-              <a:buSzPct val="80000"/>
-              <a:buFont typeface="Wingdings 3" charset="2"/>
-              <a:buChar char=""/>
-              <a:defRPr sz="1400" b="0" i="0" kern="1200">
+            <a:lvl9pPr eaLnBrk="1" hangingPunct="1">
+              <a:defRPr>
                 <a:solidFill>
-                  <a:schemeClr val="tx1"/>
+                  <a:schemeClr val="tx2"/>
                 </a:solidFill>
-                <a:latin typeface="+mj-lt"/>
-                <a:ea typeface="+mj-ea"/>
-                <a:cs typeface="+mj-cs"/>
               </a:defRPr>
             </a:lvl9pPr>
           </a:lstStyle>
           <a:p>
             <a:r>
-              <a:rPr lang="fr-CH" sz="1000" dirty="0"/>
-              <a:t>Configuration siège principal</a:t>
-            </a:r>
-          </a:p>
-          <a:p>
-            <a:r>
-              <a:rPr lang="fr-CH" sz="1000" dirty="0"/>
-              <a:t>Configuration FortiGate</a:t>
-            </a:r>
-          </a:p>
-          <a:p>
-            <a:r>
-              <a:rPr lang="fr-CH" sz="1000" dirty="0"/>
-              <a:t>Activation VDOMs</a:t>
-            </a:r>
-          </a:p>
-          <a:p>
-            <a:r>
-              <a:rPr lang="fr-CH" sz="1000" dirty="0"/>
-              <a:t>Création domaine Principal</a:t>
-            </a:r>
-          </a:p>
-          <a:p>
-            <a:r>
-              <a:rPr lang="fr-CH" sz="1000" dirty="0"/>
-              <a:t>Création domaine Secondaire</a:t>
-            </a:r>
-          </a:p>
-          <a:p>
-            <a:r>
-              <a:rPr lang="fr-CH" sz="1000" dirty="0"/>
-              <a:t>Création des administrateurs</a:t>
-            </a:r>
-          </a:p>
-          <a:p>
-            <a:r>
-              <a:rPr lang="fr-CH" sz="1000" dirty="0"/>
-              <a:t>Mise en place VDOM Principal</a:t>
-            </a:r>
-          </a:p>
-          <a:p>
-            <a:r>
-              <a:rPr lang="fr-CH" sz="1000" dirty="0"/>
-              <a:t>Création règles pare-feu</a:t>
-            </a:r>
-          </a:p>
-          <a:p>
-            <a:r>
-              <a:rPr lang="fr-CH" sz="1000" dirty="0"/>
-              <a:t>Configuration succursale secondaire</a:t>
-            </a:r>
-          </a:p>
-          <a:p>
-            <a:r>
-              <a:rPr lang="fr-CH" sz="1000" dirty="0"/>
-              <a:t>Mise en place VDOM Secondaire</a:t>
-            </a:r>
-          </a:p>
-          <a:p>
-            <a:r>
-              <a:rPr lang="fr-CH" sz="1000" dirty="0"/>
-              <a:t>Création règles pare-feu</a:t>
-            </a:r>
-          </a:p>
-          <a:p>
-            <a:r>
-              <a:rPr lang="fr-CH" sz="1000" dirty="0"/>
-              <a:t>Configuration Routeur</a:t>
-            </a:r>
-          </a:p>
-          <a:p>
-            <a:r>
-              <a:rPr lang="fr-CH" sz="1000" dirty="0"/>
-              <a:t>Configuration tunnels site-à-site SP</a:t>
-            </a:r>
-          </a:p>
-          <a:p>
-            <a:r>
-              <a:rPr lang="fr-CH" sz="1000" dirty="0"/>
-              <a:t>Création règle pare-feu pour tunnel SP</a:t>
-            </a:r>
-          </a:p>
-          <a:p>
-            <a:r>
-              <a:rPr lang="fr-CH" sz="1000" dirty="0"/>
-              <a:t>Création route pour tunnel SP</a:t>
-            </a:r>
-          </a:p>
-          <a:p>
-            <a:r>
-              <a:rPr lang="fr-CH" sz="1000" dirty="0"/>
-              <a:t>Configuration tunnels site-à-site SS</a:t>
-            </a:r>
-          </a:p>
-          <a:p>
-            <a:r>
-              <a:rPr lang="fr-CH" sz="1000" dirty="0"/>
-              <a:t>Création règle pare-feu pour tunnel SS</a:t>
-            </a:r>
-          </a:p>
-          <a:p>
-            <a:r>
-              <a:rPr lang="fr-CH" sz="1000" dirty="0"/>
-              <a:t>Création route pour tunnel SS</a:t>
-            </a:r>
-          </a:p>
-          <a:p>
-            <a:r>
-              <a:rPr lang="fr-CH" sz="1000" dirty="0"/>
-              <a:t>Remplacement routeur par switch</a:t>
-            </a:r>
-          </a:p>
-          <a:p>
-            <a:r>
-              <a:rPr lang="fr-CH" sz="1000" dirty="0"/>
-              <a:t>Configuration PC Télétravailleur</a:t>
-            </a:r>
-          </a:p>
-          <a:p>
-            <a:r>
-              <a:rPr lang="fr-CH" sz="1000" dirty="0"/>
-              <a:t>Configuration tunnel client-à-site</a:t>
-            </a:r>
-          </a:p>
-          <a:p>
-            <a:r>
-              <a:rPr lang="fr-CH" sz="1000" dirty="0"/>
-              <a:t>Configuration FortiClient VPN</a:t>
-            </a:r>
-          </a:p>
-          <a:p>
-            <a:endParaRPr lang="fr-CH" sz="1000" dirty="0"/>
-          </a:p>
-        </p:txBody>
-      </p:sp>
+              <a:rPr lang="fr-CH" sz="3400" dirty="0">
+                <a:solidFill>
+                  <a:schemeClr val="accent4">
+                    <a:lumMod val="75000"/>
+                  </a:schemeClr>
+                </a:solidFill>
+                <a:effectLst>
+                  <a:outerShdw blurRad="38100" dist="38100" dir="2700000" algn="tl">
+                    <a:srgbClr val="000000">
+                      <a:alpha val="43137"/>
+                    </a:srgbClr>
+                  </a:outerShdw>
+                </a:effectLst>
+              </a:rPr>
+              <a:t>Annexe 7.2 page 40</a:t>
+            </a:r>
+          </a:p>
+        </p:txBody>
+      </p:sp>
+      <p:cxnSp>
+        <p:nvCxnSpPr>
+          <p:cNvPr id="16" name="Connecteur droit 15"/>
+          <p:cNvCxnSpPr/>
+          <p:nvPr/>
+        </p:nvCxnSpPr>
+        <p:spPr>
+          <a:xfrm flipH="1">
+            <a:off x="5361273" y="2464067"/>
+            <a:ext cx="19249" cy="3753853"/>
+          </a:xfrm>
+          <a:prstGeom prst="line">
+            <a:avLst/>
+          </a:prstGeom>
+        </p:spPr>
+        <p:style>
+          <a:lnRef idx="1">
+            <a:schemeClr val="accent1"/>
+          </a:lnRef>
+          <a:fillRef idx="0">
+            <a:schemeClr val="accent1"/>
+          </a:fillRef>
+          <a:effectRef idx="0">
+            <a:schemeClr val="accent1"/>
+          </a:effectRef>
+          <a:fontRef idx="minor">
+            <a:schemeClr val="tx1"/>
+          </a:fontRef>
+        </p:style>
+      </p:cxnSp>
     </p:spTree>
     <p:extLst>
       <p:ext uri="{BB962C8B-B14F-4D97-AF65-F5344CB8AC3E}">
-        <p14:creationId xmlns:p14="http://schemas.microsoft.com/office/powerpoint/2010/main" val="1013049900"/>
+        <p14:creationId xmlns:p14="http://schemas.microsoft.com/office/powerpoint/2010/main" val="2678266736"/>
       </p:ext>
     </p:extLst>
   </p:cSld>
@@ -16049,7 +16497,7 @@
 </p:sld>
 </file>
 
-<file path=ppt/slides/slide22.xml><?xml version="1.0" encoding="utf-8"?>
+<file path=ppt/slides/slide5.xml><?xml version="1.0" encoding="utf-8"?>
 <p:sld xmlns:a="http://schemas.openxmlformats.org/drawingml/2006/main" xmlns:r="http://schemas.openxmlformats.org/officeDocument/2006/relationships" xmlns:p="http://schemas.openxmlformats.org/presentationml/2006/main">
   <p:cSld>
     <p:spTree>
@@ -16082,8 +16530,16 @@
           <a:lstStyle/>
           <a:p>
             <a:r>
-              <a:rPr lang="fr-CH" dirty="0"/>
-              <a:t>VDOMs</a:t>
+              <a:rPr lang="fr-CH" dirty="0">
+                <a:effectLst>
+                  <a:outerShdw blurRad="38100" dist="38100" dir="2700000" algn="tl">
+                    <a:srgbClr val="000000">
+                      <a:alpha val="43137"/>
+                    </a:srgbClr>
+                  </a:outerShdw>
+                </a:effectLst>
+              </a:rPr>
+              <a:t>Planification</a:t>
             </a:r>
           </a:p>
         </p:txBody>
@@ -16126,7 +16582,7 @@
           <a:lstStyle/>
           <a:p>
             <a:fld id="{2FCD9DE2-19B8-4E75-A167-0E6B1D03D668}" type="slidenum">
-              <a:rPr lang="fr-CH">
+              <a:rPr lang="fr-CH" smtClean="0">
                 <a:solidFill>
                   <a:srgbClr val="C00000"/>
                 </a:solidFill>
@@ -16138,8 +16594,7 @@
                   </a:outerShdw>
                 </a:effectLst>
               </a:rPr>
-              <a:pPr/>
-              <a:t>22</a:t>
+              <a:t>5</a:t>
             </a:fld>
             <a:endParaRPr lang="fr-CH" dirty="0">
               <a:solidFill>
@@ -16156,54 +16611,407 @@
           </a:p>
         </p:txBody>
       </p:sp>
-      <p:pic>
-        <p:nvPicPr>
-          <p:cNvPr id="6" name="Espace réservé du contenu 5"/>
-          <p:cNvPicPr>
-            <a:picLocks noGrp="1"/>
-          </p:cNvPicPr>
+      <p:graphicFrame>
+        <p:nvGraphicFramePr>
+          <p:cNvPr id="7" name="Graphique 6"/>
+          <p:cNvGraphicFramePr>
+            <a:graphicFrameLocks/>
+          </p:cNvGraphicFramePr>
+          <p:nvPr>
+            <p:extLst>
+              <p:ext uri="{D42A27DB-BD31-4B8C-83A1-F6EECF244321}">
+                <p14:modId xmlns:p14="http://schemas.microsoft.com/office/powerpoint/2010/main" val="3046648890"/>
+              </p:ext>
+            </p:extLst>
+          </p:nvPr>
+        </p:nvGraphicFramePr>
+        <p:xfrm>
+          <a:off x="734429" y="1729211"/>
+          <a:ext cx="4993908" cy="3020085"/>
+        </p:xfrm>
+        <a:graphic>
+          <a:graphicData uri="http://schemas.openxmlformats.org/drawingml/2006/chart">
+            <c:chart xmlns:c="http://schemas.openxmlformats.org/drawingml/2006/chart" xmlns:r="http://schemas.openxmlformats.org/officeDocument/2006/relationships" r:id="rId3"/>
+          </a:graphicData>
+        </a:graphic>
+      </p:graphicFrame>
+      <p:graphicFrame>
+        <p:nvGraphicFramePr>
+          <p:cNvPr id="8" name="Graphique 7"/>
+          <p:cNvGraphicFramePr>
+            <a:graphicFrameLocks/>
+          </p:cNvGraphicFramePr>
+          <p:nvPr>
+            <p:extLst>
+              <p:ext uri="{D42A27DB-BD31-4B8C-83A1-F6EECF244321}">
+                <p14:modId xmlns:p14="http://schemas.microsoft.com/office/powerpoint/2010/main" val="1357482943"/>
+              </p:ext>
+            </p:extLst>
+          </p:nvPr>
+        </p:nvGraphicFramePr>
+        <p:xfrm>
+          <a:off x="5816654" y="1729212"/>
+          <a:ext cx="4887426" cy="3020085"/>
+        </p:xfrm>
+        <a:graphic>
+          <a:graphicData uri="http://schemas.openxmlformats.org/drawingml/2006/chart">
+            <c:chart xmlns:c="http://schemas.openxmlformats.org/drawingml/2006/chart" xmlns:r="http://schemas.openxmlformats.org/officeDocument/2006/relationships" r:id="rId4"/>
+          </a:graphicData>
+        </a:graphic>
+      </p:graphicFrame>
+      <p:sp>
+        <p:nvSpPr>
+          <p:cNvPr id="9" name="Espace réservé du contenu 2"/>
+          <p:cNvSpPr>
+            <a:spLocks noGrp="1"/>
+          </p:cNvSpPr>
           <p:nvPr>
             <p:ph idx="1"/>
           </p:nvPr>
-        </p:nvPicPr>
-        <p:blipFill>
-          <a:blip r:embed="rId2">
+        </p:nvSpPr>
+        <p:spPr>
+          <a:xfrm>
+            <a:off x="734429" y="5004753"/>
+            <a:ext cx="8946541" cy="1346253"/>
+          </a:xfrm>
+        </p:spPr>
+        <p:txBody>
+          <a:bodyPr>
+            <a:normAutofit/>
+          </a:bodyPr>
+          <a:lstStyle/>
+          <a:p>
+            <a:r>
+              <a:rPr lang="fr-CH" dirty="0">
+                <a:solidFill>
+                  <a:schemeClr val="tx2"/>
+                </a:solidFill>
+              </a:rPr>
+              <a:t>Implémentation 2</a:t>
+            </a:r>
+            <a:r>
+              <a:rPr lang="fr-CH" baseline="30000" dirty="0">
+                <a:solidFill>
+                  <a:schemeClr val="tx2"/>
+                </a:solidFill>
+              </a:rPr>
+              <a:t>ème</a:t>
+            </a:r>
+            <a:r>
+              <a:rPr lang="fr-CH" dirty="0">
+                <a:solidFill>
+                  <a:schemeClr val="tx2"/>
+                </a:solidFill>
+              </a:rPr>
+              <a:t> temps : -21.2%</a:t>
+            </a:r>
+          </a:p>
+          <a:p>
+            <a:r>
+              <a:rPr lang="fr-CH" dirty="0">
+                <a:solidFill>
+                  <a:schemeClr val="tx2"/>
+                </a:solidFill>
+              </a:rPr>
+              <a:t>Documentation : +21.9%</a:t>
+            </a:r>
+          </a:p>
+        </p:txBody>
+      </p:sp>
+    </p:spTree>
+    <p:extLst>
+      <p:ext uri="{BB962C8B-B14F-4D97-AF65-F5344CB8AC3E}">
+        <p14:creationId xmlns:p14="http://schemas.microsoft.com/office/powerpoint/2010/main" val="3890381169"/>
+      </p:ext>
+    </p:extLst>
+  </p:cSld>
+  <p:clrMapOvr>
+    <a:masterClrMapping/>
+  </p:clrMapOvr>
+</p:sld>
+</file>
+
+<file path=ppt/slides/slide6.xml><?xml version="1.0" encoding="utf-8"?>
+<p:sld xmlns:a="http://schemas.openxmlformats.org/drawingml/2006/main" xmlns:r="http://schemas.openxmlformats.org/officeDocument/2006/relationships" xmlns:p="http://schemas.openxmlformats.org/presentationml/2006/main">
+  <p:cSld>
+    <p:spTree>
+      <p:nvGrpSpPr>
+        <p:cNvPr id="1" name=""/>
+        <p:cNvGrpSpPr/>
+        <p:nvPr/>
+      </p:nvGrpSpPr>
+      <p:grpSpPr>
+        <a:xfrm>
+          <a:off x="0" y="0"/>
+          <a:ext cx="0" cy="0"/>
+          <a:chOff x="0" y="0"/>
+          <a:chExt cx="0" cy="0"/>
+        </a:xfrm>
+      </p:grpSpPr>
+      <p:sp>
+        <p:nvSpPr>
+          <p:cNvPr id="2" name="Titre 1"/>
+          <p:cNvSpPr>
+            <a:spLocks noGrp="1"/>
+          </p:cNvSpPr>
+          <p:nvPr>
+            <p:ph type="title"/>
+          </p:nvPr>
+        </p:nvSpPr>
+        <p:spPr/>
+        <p:txBody>
+          <a:bodyPr/>
+          <a:lstStyle/>
+          <a:p>
+            <a:r>
+              <a:rPr lang="fr-CH" dirty="0">
+                <a:effectLst>
+                  <a:outerShdw blurRad="38100" dist="38100" dir="2700000" algn="tl">
+                    <a:srgbClr val="000000">
+                      <a:alpha val="43137"/>
+                    </a:srgbClr>
+                  </a:outerShdw>
+                </a:effectLst>
+              </a:rPr>
+              <a:t>Réalisation</a:t>
+            </a:r>
+          </a:p>
+        </p:txBody>
+      </p:sp>
+      <p:sp>
+        <p:nvSpPr>
+          <p:cNvPr id="4" name="Espace réservé du pied de page 3"/>
+          <p:cNvSpPr>
+            <a:spLocks noGrp="1"/>
+          </p:cNvSpPr>
+          <p:nvPr>
+            <p:ph type="ftr" sz="quarter" idx="11"/>
+          </p:nvPr>
+        </p:nvSpPr>
+        <p:spPr/>
+        <p:txBody>
+          <a:bodyPr/>
+          <a:lstStyle/>
+          <a:p>
+            <a:r>
+              <a:rPr lang="fr-CH" dirty="0"/>
+              <a:t>Damien Mayor</a:t>
+            </a:r>
+          </a:p>
+        </p:txBody>
+      </p:sp>
+      <p:sp>
+        <p:nvSpPr>
+          <p:cNvPr id="5" name="Espace réservé du numéro de diapositive 4"/>
+          <p:cNvSpPr>
+            <a:spLocks noGrp="1"/>
+          </p:cNvSpPr>
+          <p:nvPr>
+            <p:ph type="sldNum" sz="quarter" idx="12"/>
+          </p:nvPr>
+        </p:nvSpPr>
+        <p:spPr/>
+        <p:txBody>
+          <a:bodyPr/>
+          <a:lstStyle/>
+          <a:p>
+            <a:fld id="{2FCD9DE2-19B8-4E75-A167-0E6B1D03D668}" type="slidenum">
+              <a:rPr lang="fr-CH" smtClean="0">
+                <a:solidFill>
+                  <a:srgbClr val="C00000"/>
+                </a:solidFill>
+                <a:effectLst>
+                  <a:outerShdw blurRad="38100" dist="38100" dir="2700000" algn="tl">
+                    <a:srgbClr val="000000">
+                      <a:alpha val="43137"/>
+                    </a:srgbClr>
+                  </a:outerShdw>
+                </a:effectLst>
+              </a:rPr>
+              <a:t>6</a:t>
+            </a:fld>
+            <a:endParaRPr lang="fr-CH" dirty="0">
+              <a:solidFill>
+                <a:srgbClr val="C00000"/>
+              </a:solidFill>
+              <a:effectLst>
+                <a:outerShdw blurRad="38100" dist="38100" dir="2700000" algn="tl">
+                  <a:srgbClr val="000000">
+                    <a:alpha val="43137"/>
+                  </a:srgbClr>
+                </a:outerShdw>
+              </a:effectLst>
+            </a:endParaRPr>
+          </a:p>
+        </p:txBody>
+      </p:sp>
+      <p:graphicFrame>
+        <p:nvGraphicFramePr>
+          <p:cNvPr id="6" name="Diagramme 5"/>
+          <p:cNvGraphicFramePr/>
+          <p:nvPr>
+            <p:extLst>
+              <p:ext uri="{D42A27DB-BD31-4B8C-83A1-F6EECF244321}">
+                <p14:modId xmlns:p14="http://schemas.microsoft.com/office/powerpoint/2010/main" val="2863689163"/>
+              </p:ext>
+            </p:extLst>
+          </p:nvPr>
+        </p:nvGraphicFramePr>
+        <p:xfrm>
+          <a:off x="1318882" y="1297858"/>
+          <a:ext cx="7682271" cy="4840475"/>
+        </p:xfrm>
+        <a:graphic>
+          <a:graphicData uri="http://schemas.openxmlformats.org/drawingml/2006/diagram">
+            <dgm:relIds xmlns:dgm="http://schemas.openxmlformats.org/drawingml/2006/diagram" xmlns:r="http://schemas.openxmlformats.org/officeDocument/2006/relationships" r:dm="rId2" r:lo="rId3" r:qs="rId4" r:cs="rId5"/>
+          </a:graphicData>
+        </a:graphic>
+      </p:graphicFrame>
+    </p:spTree>
+    <p:extLst>
+      <p:ext uri="{BB962C8B-B14F-4D97-AF65-F5344CB8AC3E}">
+        <p14:creationId xmlns:p14="http://schemas.microsoft.com/office/powerpoint/2010/main" val="957871612"/>
+      </p:ext>
+    </p:extLst>
+  </p:cSld>
+  <p:clrMapOvr>
+    <a:masterClrMapping/>
+  </p:clrMapOvr>
+</p:sld>
+</file>
+
+<file path=ppt/slides/slide7.xml><?xml version="1.0" encoding="utf-8"?>
+<p:sld xmlns:a="http://schemas.openxmlformats.org/drawingml/2006/main" xmlns:r="http://schemas.openxmlformats.org/officeDocument/2006/relationships" xmlns:p="http://schemas.openxmlformats.org/presentationml/2006/main">
+  <p:cSld>
+    <p:spTree>
+      <p:nvGrpSpPr>
+        <p:cNvPr id="1" name=""/>
+        <p:cNvGrpSpPr/>
+        <p:nvPr/>
+      </p:nvGrpSpPr>
+      <p:grpSpPr>
+        <a:xfrm>
+          <a:off x="0" y="0"/>
+          <a:ext cx="0" cy="0"/>
+          <a:chOff x="0" y="0"/>
+          <a:chExt cx="0" cy="0"/>
+        </a:xfrm>
+      </p:grpSpPr>
+      <p:sp>
+        <p:nvSpPr>
+          <p:cNvPr id="2" name="Titre 1">
             <a:extLst>
-              <a:ext uri="{28A0092B-C50C-407E-A947-70E740481C1C}">
-                <a14:useLocalDpi xmlns:a14="http://schemas.microsoft.com/office/drawing/2010/main" val="0"/>
+              <a:ext uri="{FF2B5EF4-FFF2-40B4-BE49-F238E27FC236}">
+                <a16:creationId xmlns:a16="http://schemas.microsoft.com/office/drawing/2014/main" id="{DFA4AC1B-90D4-B3F9-A0A0-35ADD6801ED2}"/>
               </a:ext>
             </a:extLst>
-          </a:blip>
-          <a:stretch>
-            <a:fillRect/>
-          </a:stretch>
-        </p:blipFill>
+          </p:cNvPr>
+          <p:cNvSpPr>
+            <a:spLocks noGrp="1"/>
+          </p:cNvSpPr>
+          <p:nvPr>
+            <p:ph type="title"/>
+          </p:nvPr>
+        </p:nvSpPr>
+        <p:spPr/>
+        <p:txBody>
+          <a:bodyPr/>
+          <a:lstStyle/>
+          <a:p>
+            <a:r>
+              <a:rPr lang="fr-CH" dirty="0">
+                <a:effectLst>
+                  <a:outerShdw blurRad="38100" dist="38100" dir="2700000" algn="tl">
+                    <a:srgbClr val="000000">
+                      <a:alpha val="43137"/>
+                    </a:srgbClr>
+                  </a:outerShdw>
+                </a:effectLst>
+              </a:rPr>
+              <a:t>Mise en place infrastructure</a:t>
+            </a:r>
+          </a:p>
+        </p:txBody>
+      </p:sp>
+      <p:sp>
+        <p:nvSpPr>
+          <p:cNvPr id="5" name="Espace réservé du numéro de diapositive 4">
+            <a:extLst>
+              <a:ext uri="{FF2B5EF4-FFF2-40B4-BE49-F238E27FC236}">
+                <a16:creationId xmlns:a16="http://schemas.microsoft.com/office/drawing/2014/main" id="{1598F2CB-744D-36E7-CC85-06229BA5A8A5}"/>
+              </a:ext>
+            </a:extLst>
+          </p:cNvPr>
+          <p:cNvSpPr>
+            <a:spLocks noGrp="1"/>
+          </p:cNvSpPr>
+          <p:nvPr>
+            <p:ph type="sldNum" sz="quarter" idx="12"/>
+          </p:nvPr>
+        </p:nvSpPr>
+        <p:spPr/>
+        <p:txBody>
+          <a:bodyPr/>
+          <a:lstStyle/>
+          <a:p>
+            <a:fld id="{2FCD9DE2-19B8-4E75-A167-0E6B1D03D668}" type="slidenum">
+              <a:rPr lang="fr-CH" smtClean="0">
+                <a:solidFill>
+                  <a:srgbClr val="C00000"/>
+                </a:solidFill>
+                <a:effectLst>
+                  <a:outerShdw blurRad="38100" dist="38100" dir="2700000" algn="tl">
+                    <a:srgbClr val="000000">
+                      <a:alpha val="43137"/>
+                    </a:srgbClr>
+                  </a:outerShdw>
+                </a:effectLst>
+              </a:rPr>
+              <a:pPr/>
+              <a:t>7</a:t>
+            </a:fld>
+            <a:endParaRPr lang="fr-CH" dirty="0">
+              <a:solidFill>
+                <a:srgbClr val="C00000"/>
+              </a:solidFill>
+              <a:effectLst>
+                <a:outerShdw blurRad="38100" dist="38100" dir="2700000" algn="tl">
+                  <a:srgbClr val="000000">
+                    <a:alpha val="43137"/>
+                  </a:srgbClr>
+                </a:outerShdw>
+              </a:effectLst>
+            </a:endParaRPr>
+          </a:p>
+        </p:txBody>
+      </p:sp>
+      <p:sp>
+        <p:nvSpPr>
+          <p:cNvPr id="8" name="Espace réservé du contenu 2">
+            <a:extLst>
+              <a:ext uri="{FF2B5EF4-FFF2-40B4-BE49-F238E27FC236}">
+                <a16:creationId xmlns:a16="http://schemas.microsoft.com/office/drawing/2014/main" id="{A1EBACF5-3365-F202-79AD-E8268BAEBB0F}"/>
+              </a:ext>
+            </a:extLst>
+          </p:cNvPr>
+          <p:cNvSpPr txBox="1">
+            <a:spLocks/>
+          </p:cNvSpPr>
+          <p:nvPr/>
+        </p:nvSpPr>
         <p:spPr>
           <a:xfrm>
-            <a:off x="7783186" y="2070524"/>
-            <a:ext cx="2266667" cy="1580952"/>
+            <a:off x="7855202" y="1336684"/>
+            <a:ext cx="3690687" cy="3716789"/>
           </a:xfrm>
           <a:prstGeom prst="rect">
             <a:avLst/>
           </a:prstGeom>
-        </p:spPr>
-      </p:pic>
-      <p:sp>
-        <p:nvSpPr>
-          <p:cNvPr id="8" name="Espace réservé du contenu 2"/>
-          <p:cNvSpPr txBox="1">
-            <a:spLocks/>
-          </p:cNvSpPr>
-          <p:nvPr/>
-        </p:nvSpPr>
-        <p:spPr>
-          <a:xfrm>
-            <a:off x="1103312" y="2052918"/>
-            <a:ext cx="8946541" cy="4195481"/>
-          </a:xfrm>
-          <a:prstGeom prst="rect">
-            <a:avLst/>
-          </a:prstGeom>
+          <a:ln>
+            <a:solidFill>
+              <a:schemeClr val="accent1"/>
+            </a:solidFill>
+          </a:ln>
         </p:spPr>
         <p:txBody>
           <a:bodyPr vert="horz" lIns="91440" tIns="45720" rIns="91440" bIns="45720" rtlCol="0">
@@ -16438,40 +17246,122 @@
           </a:lstStyle>
           <a:p>
             <a:r>
-              <a:rPr lang="fr-CH" dirty="0"/>
-              <a:t>Solution de virtualisation</a:t>
+              <a:rPr lang="fr-CH" sz="1400" dirty="0"/>
+              <a:t>Configuration siège principal</a:t>
+            </a:r>
+          </a:p>
+          <a:p>
+            <a:r>
+              <a:rPr lang="fr-CH" sz="1400" dirty="0"/>
+              <a:t>Configuration FortiGate</a:t>
+            </a:r>
+          </a:p>
+          <a:p>
+            <a:r>
+              <a:rPr lang="fr-CH" sz="1400" dirty="0"/>
+              <a:t>Activation VDOMs</a:t>
+            </a:r>
+          </a:p>
+          <a:p>
+            <a:r>
+              <a:rPr lang="fr-CH" sz="1400" dirty="0"/>
+              <a:t>Création domaine Principal</a:t>
+            </a:r>
+          </a:p>
+          <a:p>
+            <a:r>
+              <a:rPr lang="fr-CH" sz="1400" dirty="0"/>
+              <a:t>Création domaine Secondaire</a:t>
+            </a:r>
+          </a:p>
+          <a:p>
+            <a:r>
+              <a:rPr lang="fr-CH" sz="1400" dirty="0"/>
+              <a:t>Création des administrateurs</a:t>
+            </a:r>
+          </a:p>
+          <a:p>
+            <a:r>
+              <a:rPr lang="fr-CH" sz="1400" dirty="0"/>
+              <a:t>Mise en place VDOM Principal</a:t>
+            </a:r>
+          </a:p>
+          <a:p>
+            <a:r>
+              <a:rPr lang="fr-CH" sz="1400" dirty="0"/>
+              <a:t>Création règles pare-feu Principal</a:t>
+            </a:r>
+          </a:p>
+          <a:p>
+            <a:r>
+              <a:rPr lang="fr-CH" sz="1400" dirty="0"/>
+              <a:t>Configuration succursale secondaire</a:t>
+            </a:r>
+          </a:p>
+          <a:p>
+            <a:r>
+              <a:rPr lang="fr-CH" sz="1400" dirty="0"/>
+              <a:t>Mise en place VDOM Secondaire</a:t>
+            </a:r>
+          </a:p>
+          <a:p>
+            <a:r>
+              <a:rPr lang="fr-CH" sz="1400" dirty="0"/>
+              <a:t>Création règles pare-feu Secondaire</a:t>
             </a:r>
           </a:p>
           <a:p>
             <a:pPr marL="0" indent="0">
               <a:buNone/>
             </a:pPr>
-            <a:endParaRPr lang="fr-CH" dirty="0"/>
-          </a:p>
-          <a:p>
-            <a:r>
-              <a:rPr lang="fr-CH" dirty="0"/>
-              <a:t>Mise en place</a:t>
-            </a:r>
-          </a:p>
-          <a:p>
-            <a:pPr marL="0" indent="0">
-              <a:buNone/>
-            </a:pPr>
-            <a:endParaRPr lang="fr-CH" dirty="0"/>
-          </a:p>
-          <a:p>
-            <a:r>
-              <a:rPr lang="fr-CH" dirty="0"/>
-              <a:t>Limitations</a:t>
-            </a:r>
-          </a:p>
-        </p:txBody>
-      </p:sp>
+            <a:endParaRPr lang="fr-CH" sz="1000" dirty="0"/>
+          </a:p>
+        </p:txBody>
+      </p:sp>
+      <p:pic>
+        <p:nvPicPr>
+          <p:cNvPr id="10" name="Espace réservé du contenu 9">
+            <a:extLst>
+              <a:ext uri="{FF2B5EF4-FFF2-40B4-BE49-F238E27FC236}">
+                <a16:creationId xmlns:a16="http://schemas.microsoft.com/office/drawing/2014/main" id="{5FC75E3A-0BDC-7618-F00E-42B62DF1AA4A}"/>
+              </a:ext>
+            </a:extLst>
+          </p:cNvPr>
+          <p:cNvPicPr>
+            <a:picLocks noGrp="1" noChangeAspect="1"/>
+          </p:cNvPicPr>
+          <p:nvPr>
+            <p:ph idx="1"/>
+          </p:nvPr>
+        </p:nvPicPr>
+        <p:blipFill>
+          <a:blip r:embed="rId2">
+            <a:extLst>
+              <a:ext uri="{28A0092B-C50C-407E-A947-70E740481C1C}">
+                <a14:useLocalDpi xmlns:a14="http://schemas.microsoft.com/office/drawing/2010/main" val="0"/>
+              </a:ext>
+            </a:extLst>
+          </a:blip>
+          <a:stretch>
+            <a:fillRect/>
+          </a:stretch>
+        </p:blipFill>
+        <p:spPr>
+          <a:xfrm>
+            <a:off x="646111" y="1331118"/>
+            <a:ext cx="6564077" cy="5526881"/>
+          </a:xfrm>
+          <a:ln>
+            <a:solidFill>
+              <a:schemeClr val="accent1"/>
+            </a:solidFill>
+          </a:ln>
+        </p:spPr>
+      </p:pic>
     </p:spTree>
     <p:extLst>
       <p:ext uri="{BB962C8B-B14F-4D97-AF65-F5344CB8AC3E}">
-        <p14:creationId xmlns:p14="http://schemas.microsoft.com/office/powerpoint/2010/main" val="787465654"/>
+        <p14:creationId xmlns:p14="http://schemas.microsoft.com/office/powerpoint/2010/main" val="3226001713"/>
       </p:ext>
     </p:extLst>
   </p:cSld>
@@ -16481,7 +17371,7 @@
 </p:sld>
 </file>
 
-<file path=ppt/slides/slide23.xml><?xml version="1.0" encoding="utf-8"?>
+<file path=ppt/slides/slide8.xml><?xml version="1.0" encoding="utf-8"?>
 <p:sld xmlns:a="http://schemas.openxmlformats.org/drawingml/2006/main" xmlns:r="http://schemas.openxmlformats.org/officeDocument/2006/relationships" xmlns:p="http://schemas.openxmlformats.org/presentationml/2006/main">
   <p:cSld>
     <p:spTree>
@@ -16500,7 +17390,13 @@
       </p:grpSpPr>
       <p:sp>
         <p:nvSpPr>
-          <p:cNvPr id="2" name="Titre 1"/>
+          <p:cNvPr id="2" name="Titre 1">
+            <a:extLst>
+              <a:ext uri="{FF2B5EF4-FFF2-40B4-BE49-F238E27FC236}">
+                <a16:creationId xmlns:a16="http://schemas.microsoft.com/office/drawing/2014/main" id="{3DB877D8-22C2-D938-2992-2DDE50FC2B6D}"/>
+              </a:ext>
+            </a:extLst>
+          </p:cNvPr>
           <p:cNvSpPr>
             <a:spLocks noGrp="1"/>
           </p:cNvSpPr>
@@ -16514,192 +17410,7 @@
           <a:lstStyle/>
           <a:p>
             <a:r>
-              <a:rPr lang="fr-CH" dirty="0"/>
-              <a:t>IPsec vs SSL</a:t>
-            </a:r>
-          </a:p>
-        </p:txBody>
-      </p:sp>
-      <p:sp>
-        <p:nvSpPr>
-          <p:cNvPr id="3" name="Espace réservé du contenu 2"/>
-          <p:cNvSpPr>
-            <a:spLocks noGrp="1"/>
-          </p:cNvSpPr>
-          <p:nvPr>
-            <p:ph idx="1"/>
-          </p:nvPr>
-        </p:nvSpPr>
-        <p:spPr/>
-        <p:txBody>
-          <a:bodyPr/>
-          <a:lstStyle/>
-          <a:p>
-            <a:r>
-              <a:rPr lang="fr-CH" dirty="0"/>
-              <a:t>vs</a:t>
-            </a:r>
-          </a:p>
-        </p:txBody>
-      </p:sp>
-      <p:sp>
-        <p:nvSpPr>
-          <p:cNvPr id="4" name="Espace réservé du pied de page 3"/>
-          <p:cNvSpPr>
-            <a:spLocks noGrp="1"/>
-          </p:cNvSpPr>
-          <p:nvPr>
-            <p:ph type="ftr" sz="quarter" idx="11"/>
-          </p:nvPr>
-        </p:nvSpPr>
-        <p:spPr/>
-        <p:txBody>
-          <a:bodyPr/>
-          <a:lstStyle/>
-          <a:p>
-            <a:r>
-              <a:rPr lang="fr-CH"/>
-              <a:t>Damien Mayor</a:t>
-            </a:r>
-          </a:p>
-        </p:txBody>
-      </p:sp>
-      <p:sp>
-        <p:nvSpPr>
-          <p:cNvPr id="5" name="Espace réservé du numéro de diapositive 4"/>
-          <p:cNvSpPr>
-            <a:spLocks noGrp="1"/>
-          </p:cNvSpPr>
-          <p:nvPr>
-            <p:ph type="sldNum" sz="quarter" idx="12"/>
-          </p:nvPr>
-        </p:nvSpPr>
-        <p:spPr/>
-        <p:txBody>
-          <a:bodyPr/>
-          <a:lstStyle/>
-          <a:p>
-            <a:fld id="{2FCD9DE2-19B8-4E75-A167-0E6B1D03D668}" type="slidenum">
-              <a:rPr lang="fr-CH" smtClean="0"/>
-              <a:t>23</a:t>
-            </a:fld>
-            <a:endParaRPr lang="fr-CH"/>
-          </a:p>
-        </p:txBody>
-      </p:sp>
-    </p:spTree>
-    <p:extLst>
-      <p:ext uri="{BB962C8B-B14F-4D97-AF65-F5344CB8AC3E}">
-        <p14:creationId xmlns:p14="http://schemas.microsoft.com/office/powerpoint/2010/main" val="571767169"/>
-      </p:ext>
-    </p:extLst>
-  </p:cSld>
-  <p:clrMapOvr>
-    <a:masterClrMapping/>
-  </p:clrMapOvr>
-</p:sld>
-</file>
-
-<file path=ppt/slides/slide24.xml><?xml version="1.0" encoding="utf-8"?>
-<p:sld xmlns:a="http://schemas.openxmlformats.org/drawingml/2006/main" xmlns:r="http://schemas.openxmlformats.org/officeDocument/2006/relationships" xmlns:p="http://schemas.openxmlformats.org/presentationml/2006/main">
-  <p:cSld>
-    <p:spTree>
-      <p:nvGrpSpPr>
-        <p:cNvPr id="1" name=""/>
-        <p:cNvGrpSpPr/>
-        <p:nvPr/>
-      </p:nvGrpSpPr>
-      <p:grpSpPr>
-        <a:xfrm>
-          <a:off x="0" y="0"/>
-          <a:ext cx="0" cy="0"/>
-          <a:chOff x="0" y="0"/>
-          <a:chExt cx="0" cy="0"/>
-        </a:xfrm>
-      </p:grpSpPr>
-      <p:sp>
-        <p:nvSpPr>
-          <p:cNvPr id="2" name="Titre 1"/>
-          <p:cNvSpPr>
-            <a:spLocks noGrp="1"/>
-          </p:cNvSpPr>
-          <p:nvPr>
-            <p:ph type="title"/>
-          </p:nvPr>
-        </p:nvSpPr>
-        <p:spPr/>
-        <p:txBody>
-          <a:bodyPr/>
-          <a:lstStyle/>
-          <a:p>
-            <a:r>
-              <a:rPr lang="fr-CH" dirty="0"/>
-              <a:t>Client-à-site</a:t>
-            </a:r>
-          </a:p>
-        </p:txBody>
-      </p:sp>
-      <p:sp>
-        <p:nvSpPr>
-          <p:cNvPr id="3" name="Espace réservé du contenu 2"/>
-          <p:cNvSpPr>
-            <a:spLocks noGrp="1"/>
-          </p:cNvSpPr>
-          <p:nvPr>
-            <p:ph idx="1"/>
-          </p:nvPr>
-        </p:nvSpPr>
-        <p:spPr/>
-        <p:txBody>
-          <a:bodyPr/>
-          <a:lstStyle/>
-          <a:p>
-            <a:endParaRPr lang="fr-CH"/>
-          </a:p>
-        </p:txBody>
-      </p:sp>
-      <p:sp>
-        <p:nvSpPr>
-          <p:cNvPr id="4" name="Espace réservé du pied de page 3"/>
-          <p:cNvSpPr>
-            <a:spLocks noGrp="1"/>
-          </p:cNvSpPr>
-          <p:nvPr>
-            <p:ph type="ftr" sz="quarter" idx="11"/>
-          </p:nvPr>
-        </p:nvSpPr>
-        <p:spPr/>
-        <p:txBody>
-          <a:bodyPr/>
-          <a:lstStyle/>
-          <a:p>
-            <a:r>
-              <a:rPr lang="fr-CH"/>
-              <a:t>Damien Mayor</a:t>
-            </a:r>
-          </a:p>
-        </p:txBody>
-      </p:sp>
-      <p:sp>
-        <p:nvSpPr>
-          <p:cNvPr id="5" name="Espace réservé du numéro de diapositive 4"/>
-          <p:cNvSpPr>
-            <a:spLocks noGrp="1"/>
-          </p:cNvSpPr>
-          <p:nvPr>
-            <p:ph type="sldNum" sz="quarter" idx="12"/>
-          </p:nvPr>
-        </p:nvSpPr>
-        <p:spPr/>
-        <p:txBody>
-          <a:bodyPr/>
-          <a:lstStyle/>
-          <a:p>
-            <a:fld id="{2FCD9DE2-19B8-4E75-A167-0E6B1D03D668}" type="slidenum">
-              <a:rPr lang="fr-CH">
-                <a:solidFill>
-                  <a:srgbClr val="C00000"/>
-                </a:solidFill>
+              <a:rPr lang="fr-CH" dirty="0">
                 <a:effectLst>
                   <a:outerShdw blurRad="38100" dist="38100" dir="2700000" algn="tl">
                     <a:srgbClr val="000000">
@@ -16708,147 +17419,20 @@
                   </a:outerShdw>
                 </a:effectLst>
               </a:rPr>
-              <a:pPr/>
-              <a:t>24</a:t>
-            </a:fld>
-            <a:endParaRPr lang="fr-CH" dirty="0">
-              <a:solidFill>
-                <a:srgbClr val="C00000"/>
-              </a:solidFill>
-              <a:effectLst>
-                <a:outerShdw blurRad="38100" dist="38100" dir="2700000" algn="tl">
-                  <a:srgbClr val="000000">
-                    <a:alpha val="43137"/>
-                  </a:srgbClr>
-                </a:outerShdw>
-              </a:effectLst>
-            </a:endParaRPr>
-          </a:p>
-        </p:txBody>
-      </p:sp>
-    </p:spTree>
-    <p:extLst>
-      <p:ext uri="{BB962C8B-B14F-4D97-AF65-F5344CB8AC3E}">
-        <p14:creationId xmlns:p14="http://schemas.microsoft.com/office/powerpoint/2010/main" val="3434550955"/>
-      </p:ext>
-    </p:extLst>
-  </p:cSld>
-  <p:clrMapOvr>
-    <a:masterClrMapping/>
-  </p:clrMapOvr>
-</p:sld>
-</file>
-
-<file path=ppt/slides/slide25.xml><?xml version="1.0" encoding="utf-8"?>
-<p:sld xmlns:a="http://schemas.openxmlformats.org/drawingml/2006/main" xmlns:r="http://schemas.openxmlformats.org/officeDocument/2006/relationships" xmlns:p="http://schemas.openxmlformats.org/presentationml/2006/main">
-  <p:cSld>
-    <p:spTree>
-      <p:nvGrpSpPr>
-        <p:cNvPr id="1" name=""/>
-        <p:cNvGrpSpPr/>
-        <p:nvPr/>
-      </p:nvGrpSpPr>
-      <p:grpSpPr>
-        <a:xfrm>
-          <a:off x="0" y="0"/>
-          <a:ext cx="0" cy="0"/>
-          <a:chOff x="0" y="0"/>
-          <a:chExt cx="0" cy="0"/>
-        </a:xfrm>
-      </p:grpSpPr>
-      <p:sp>
-        <p:nvSpPr>
-          <p:cNvPr id="2" name="Titre 1"/>
-          <p:cNvSpPr>
-            <a:spLocks noGrp="1"/>
-          </p:cNvSpPr>
-          <p:nvPr>
-            <p:ph type="title"/>
-          </p:nvPr>
-        </p:nvSpPr>
-        <p:spPr/>
-        <p:txBody>
-          <a:bodyPr/>
-          <a:lstStyle/>
-          <a:p>
-            <a:r>
-              <a:rPr lang="fr-CH" dirty="0"/>
-              <a:t>Phase 2 – Réseau CPNV</a:t>
-            </a:r>
-          </a:p>
-        </p:txBody>
-      </p:sp>
-      <p:sp>
-        <p:nvSpPr>
-          <p:cNvPr id="4" name="Espace réservé du pied de page 3"/>
-          <p:cNvSpPr>
-            <a:spLocks noGrp="1"/>
-          </p:cNvSpPr>
-          <p:nvPr>
-            <p:ph type="ftr" sz="quarter" idx="11"/>
-          </p:nvPr>
-        </p:nvSpPr>
-        <p:spPr/>
-        <p:txBody>
-          <a:bodyPr/>
-          <a:lstStyle/>
-          <a:p>
-            <a:r>
-              <a:rPr lang="fr-CH" dirty="0"/>
-              <a:t>Damien Mayor</a:t>
-            </a:r>
-          </a:p>
-        </p:txBody>
-      </p:sp>
-      <p:sp>
-        <p:nvSpPr>
-          <p:cNvPr id="5" name="Espace réservé du numéro de diapositive 4"/>
-          <p:cNvSpPr>
-            <a:spLocks noGrp="1"/>
-          </p:cNvSpPr>
-          <p:nvPr>
-            <p:ph type="sldNum" sz="quarter" idx="12"/>
-          </p:nvPr>
-        </p:nvSpPr>
-        <p:spPr/>
-        <p:txBody>
-          <a:bodyPr/>
-          <a:lstStyle/>
-          <a:p>
-            <a:fld id="{2FCD9DE2-19B8-4E75-A167-0E6B1D03D668}" type="slidenum">
-              <a:rPr lang="fr-CH">
-                <a:solidFill>
-                  <a:srgbClr val="C00000"/>
-                </a:solidFill>
-                <a:effectLst>
-                  <a:outerShdw blurRad="38100" dist="38100" dir="2700000" algn="tl">
-                    <a:srgbClr val="000000">
-                      <a:alpha val="43137"/>
-                    </a:srgbClr>
-                  </a:outerShdw>
-                </a:effectLst>
-              </a:rPr>
-              <a:pPr/>
-              <a:t>25</a:t>
-            </a:fld>
-            <a:endParaRPr lang="fr-CH" dirty="0">
-              <a:solidFill>
-                <a:srgbClr val="C00000"/>
-              </a:solidFill>
-              <a:effectLst>
-                <a:outerShdw blurRad="38100" dist="38100" dir="2700000" algn="tl">
-                  <a:srgbClr val="000000">
-                    <a:alpha val="43137"/>
-                  </a:srgbClr>
-                </a:outerShdw>
-              </a:effectLst>
-            </a:endParaRPr>
+              <a:t>Site à site</a:t>
+            </a:r>
           </a:p>
         </p:txBody>
       </p:sp>
       <p:pic>
         <p:nvPicPr>
-          <p:cNvPr id="8" name="Espace réservé du contenu 7"/>
+          <p:cNvPr id="7" name="Espace réservé du contenu 6">
+            <a:extLst>
+              <a:ext uri="{FF2B5EF4-FFF2-40B4-BE49-F238E27FC236}">
+                <a16:creationId xmlns:a16="http://schemas.microsoft.com/office/drawing/2014/main" id="{65F8CBC7-DFAB-A7A2-7F7A-9A58C7EB0A00}"/>
+              </a:ext>
+            </a:extLst>
+          </p:cNvPr>
           <p:cNvPicPr>
             <a:picLocks noGrp="1" noChangeAspect="1"/>
           </p:cNvPicPr>
@@ -16870,21 +17454,76 @@
         </p:blipFill>
         <p:spPr>
           <a:xfrm>
-            <a:off x="9441" y="1445463"/>
-            <a:ext cx="8219341" cy="5410200"/>
+            <a:off x="646111" y="1447800"/>
+            <a:ext cx="6880623" cy="5410200"/>
           </a:xfrm>
           <a:ln>
             <a:solidFill>
-              <a:schemeClr val="accent4">
-                <a:lumMod val="75000"/>
-              </a:schemeClr>
+              <a:schemeClr val="accent1"/>
             </a:solidFill>
           </a:ln>
         </p:spPr>
       </p:pic>
       <p:sp>
         <p:nvSpPr>
-          <p:cNvPr id="6" name="Espace réservé du contenu 2"/>
+          <p:cNvPr id="5" name="Espace réservé du numéro de diapositive 4">
+            <a:extLst>
+              <a:ext uri="{FF2B5EF4-FFF2-40B4-BE49-F238E27FC236}">
+                <a16:creationId xmlns:a16="http://schemas.microsoft.com/office/drawing/2014/main" id="{C72DAD11-2143-ABBB-F749-7CFD831687B7}"/>
+              </a:ext>
+            </a:extLst>
+          </p:cNvPr>
+          <p:cNvSpPr>
+            <a:spLocks noGrp="1"/>
+          </p:cNvSpPr>
+          <p:nvPr>
+            <p:ph type="sldNum" sz="quarter" idx="12"/>
+          </p:nvPr>
+        </p:nvSpPr>
+        <p:spPr/>
+        <p:txBody>
+          <a:bodyPr/>
+          <a:lstStyle/>
+          <a:p>
+            <a:fld id="{2FCD9DE2-19B8-4E75-A167-0E6B1D03D668}" type="slidenum">
+              <a:rPr lang="fr-CH" smtClean="0">
+                <a:solidFill>
+                  <a:srgbClr val="C00000"/>
+                </a:solidFill>
+                <a:effectLst>
+                  <a:outerShdw blurRad="38100" dist="38100" dir="2700000" algn="tl">
+                    <a:srgbClr val="000000">
+                      <a:alpha val="43137"/>
+                    </a:srgbClr>
+                  </a:outerShdw>
+                </a:effectLst>
+              </a:rPr>
+              <a:t>8</a:t>
+            </a:fld>
+            <a:endParaRPr lang="fr-CH" dirty="0">
+              <a:solidFill>
+                <a:srgbClr val="C00000"/>
+              </a:solidFill>
+              <a:effectLst>
+                <a:outerShdw blurRad="38100" dist="38100" dir="2700000" algn="tl">
+                  <a:srgbClr val="000000">
+                    <a:alpha val="43137"/>
+                  </a:srgbClr>
+                </a:outerShdw>
+              </a:effectLst>
+            </a:endParaRPr>
+          </a:p>
+        </p:txBody>
+      </p:sp>
+      <p:sp>
+        <p:nvSpPr>
+          <p:cNvPr id="8" name="Espace réservé du contenu 2">
+            <a:extLst>
+              <a:ext uri="{FF2B5EF4-FFF2-40B4-BE49-F238E27FC236}">
+                <a16:creationId xmlns:a16="http://schemas.microsoft.com/office/drawing/2014/main" id="{56E94B09-3DF2-B779-10AE-60DFB44E2F64}"/>
+              </a:ext>
+            </a:extLst>
+          </p:cNvPr>
           <p:cNvSpPr txBox="1">
             <a:spLocks/>
           </p:cNvSpPr>
@@ -16892,12 +17531,17 @@
         </p:nvSpPr>
         <p:spPr>
           <a:xfrm>
-            <a:off x="8228782" y="1418304"/>
-            <a:ext cx="3893808" cy="5423632"/>
+            <a:off x="7668191" y="1447800"/>
+            <a:ext cx="3877697" cy="2443811"/>
           </a:xfrm>
           <a:prstGeom prst="rect">
             <a:avLst/>
           </a:prstGeom>
+          <a:ln>
+            <a:solidFill>
+              <a:schemeClr val="accent1"/>
+            </a:solidFill>
+          </a:ln>
         </p:spPr>
         <p:txBody>
           <a:bodyPr vert="horz" lIns="91440" tIns="45720" rIns="91440" bIns="45720" rtlCol="0">
@@ -17131,3277 +17775,6 @@
             </a:lvl9pPr>
           </a:lstStyle>
           <a:p>
-            <a:endParaRPr lang="fr-CH" sz="1000" dirty="0"/>
-          </a:p>
-          <a:p>
-            <a:endParaRPr lang="fr-CH" sz="1000" dirty="0"/>
-          </a:p>
-        </p:txBody>
-      </p:sp>
-      <p:sp>
-        <p:nvSpPr>
-          <p:cNvPr id="7" name="Espace réservé du contenu 2"/>
-          <p:cNvSpPr txBox="1">
-            <a:spLocks/>
-          </p:cNvSpPr>
-          <p:nvPr/>
-        </p:nvSpPr>
-        <p:spPr>
-          <a:xfrm>
-            <a:off x="8228782" y="1418304"/>
-            <a:ext cx="3893808" cy="5423632"/>
-          </a:xfrm>
-          <a:prstGeom prst="rect">
-            <a:avLst/>
-          </a:prstGeom>
-        </p:spPr>
-        <p:txBody>
-          <a:bodyPr vert="horz" lIns="91440" tIns="45720" rIns="91440" bIns="45720" rtlCol="0">
-            <a:normAutofit/>
-          </a:bodyPr>
-          <a:lstStyle>
-            <a:lvl1pPr marL="342900" indent="-342900" algn="l" defTabSz="457200" rtl="0" eaLnBrk="1" latinLnBrk="0" hangingPunct="1">
-              <a:spcBef>
-                <a:spcPts val="1000"/>
-              </a:spcBef>
-              <a:spcAft>
-                <a:spcPts val="0"/>
-              </a:spcAft>
-              <a:buClr>
-                <a:schemeClr val="bg2">
-                  <a:lumMod val="40000"/>
-                  <a:lumOff val="60000"/>
-                </a:schemeClr>
-              </a:buClr>
-              <a:buSzPct val="80000"/>
-              <a:buFont typeface="Wingdings 3" charset="2"/>
-              <a:buChar char=""/>
-              <a:defRPr sz="2000" b="0" i="0" kern="1200">
-                <a:solidFill>
-                  <a:schemeClr val="tx1"/>
-                </a:solidFill>
-                <a:latin typeface="+mj-lt"/>
-                <a:ea typeface="+mj-ea"/>
-                <a:cs typeface="+mj-cs"/>
-              </a:defRPr>
-            </a:lvl1pPr>
-            <a:lvl2pPr marL="742950" indent="-285750" algn="l" defTabSz="457200" rtl="0" eaLnBrk="1" latinLnBrk="0" hangingPunct="1">
-              <a:spcBef>
-                <a:spcPts val="1000"/>
-              </a:spcBef>
-              <a:spcAft>
-                <a:spcPts val="0"/>
-              </a:spcAft>
-              <a:buClr>
-                <a:schemeClr val="bg2">
-                  <a:lumMod val="40000"/>
-                  <a:lumOff val="60000"/>
-                </a:schemeClr>
-              </a:buClr>
-              <a:buSzPct val="80000"/>
-              <a:buFont typeface="Wingdings 3" charset="2"/>
-              <a:buChar char=""/>
-              <a:defRPr sz="1800" b="0" i="0" kern="1200">
-                <a:solidFill>
-                  <a:schemeClr val="tx1"/>
-                </a:solidFill>
-                <a:latin typeface="+mj-lt"/>
-                <a:ea typeface="+mj-ea"/>
-                <a:cs typeface="+mj-cs"/>
-              </a:defRPr>
-            </a:lvl2pPr>
-            <a:lvl3pPr marL="1143000" indent="-228600" algn="l" defTabSz="457200" rtl="0" eaLnBrk="1" latinLnBrk="0" hangingPunct="1">
-              <a:spcBef>
-                <a:spcPts val="1000"/>
-              </a:spcBef>
-              <a:spcAft>
-                <a:spcPts val="0"/>
-              </a:spcAft>
-              <a:buClr>
-                <a:schemeClr val="bg2">
-                  <a:lumMod val="40000"/>
-                  <a:lumOff val="60000"/>
-                </a:schemeClr>
-              </a:buClr>
-              <a:buSzPct val="80000"/>
-              <a:buFont typeface="Wingdings 3" charset="2"/>
-              <a:buChar char=""/>
-              <a:defRPr sz="1600" b="0" i="0" kern="1200">
-                <a:solidFill>
-                  <a:schemeClr val="tx1"/>
-                </a:solidFill>
-                <a:latin typeface="+mj-lt"/>
-                <a:ea typeface="+mj-ea"/>
-                <a:cs typeface="+mj-cs"/>
-              </a:defRPr>
-            </a:lvl3pPr>
-            <a:lvl4pPr marL="1600200" indent="-228600" algn="l" defTabSz="457200" rtl="0" eaLnBrk="1" latinLnBrk="0" hangingPunct="1">
-              <a:spcBef>
-                <a:spcPts val="1000"/>
-              </a:spcBef>
-              <a:spcAft>
-                <a:spcPts val="0"/>
-              </a:spcAft>
-              <a:buClr>
-                <a:schemeClr val="bg2">
-                  <a:lumMod val="40000"/>
-                  <a:lumOff val="60000"/>
-                </a:schemeClr>
-              </a:buClr>
-              <a:buSzPct val="80000"/>
-              <a:buFont typeface="Wingdings 3" charset="2"/>
-              <a:buChar char=""/>
-              <a:defRPr sz="1400" b="0" i="0" kern="1200">
-                <a:solidFill>
-                  <a:schemeClr val="tx1"/>
-                </a:solidFill>
-                <a:latin typeface="+mj-lt"/>
-                <a:ea typeface="+mj-ea"/>
-                <a:cs typeface="+mj-cs"/>
-              </a:defRPr>
-            </a:lvl4pPr>
-            <a:lvl5pPr marL="2057400" indent="-228600" algn="l" defTabSz="457200" rtl="0" eaLnBrk="1" latinLnBrk="0" hangingPunct="1">
-              <a:spcBef>
-                <a:spcPts val="1000"/>
-              </a:spcBef>
-              <a:spcAft>
-                <a:spcPts val="0"/>
-              </a:spcAft>
-              <a:buClr>
-                <a:schemeClr val="bg2">
-                  <a:lumMod val="40000"/>
-                  <a:lumOff val="60000"/>
-                </a:schemeClr>
-              </a:buClr>
-              <a:buSzPct val="80000"/>
-              <a:buFont typeface="Wingdings 3" charset="2"/>
-              <a:buChar char=""/>
-              <a:defRPr sz="1400" b="0" i="0" kern="1200">
-                <a:solidFill>
-                  <a:schemeClr val="tx1"/>
-                </a:solidFill>
-                <a:latin typeface="+mj-lt"/>
-                <a:ea typeface="+mj-ea"/>
-                <a:cs typeface="+mj-cs"/>
-              </a:defRPr>
-            </a:lvl5pPr>
-            <a:lvl6pPr marL="2506000" indent="-228600" algn="l" defTabSz="457200" rtl="0" eaLnBrk="1" latinLnBrk="0" hangingPunct="1">
-              <a:spcBef>
-                <a:spcPts val="1000"/>
-              </a:spcBef>
-              <a:spcAft>
-                <a:spcPts val="0"/>
-              </a:spcAft>
-              <a:buClr>
-                <a:schemeClr val="bg2">
-                  <a:lumMod val="40000"/>
-                  <a:lumOff val="60000"/>
-                </a:schemeClr>
-              </a:buClr>
-              <a:buSzPct val="80000"/>
-              <a:buFont typeface="Wingdings 3" charset="2"/>
-              <a:buChar char=""/>
-              <a:defRPr sz="1400" b="0" i="0" kern="1200">
-                <a:solidFill>
-                  <a:schemeClr val="tx1"/>
-                </a:solidFill>
-                <a:latin typeface="+mj-lt"/>
-                <a:ea typeface="+mj-ea"/>
-                <a:cs typeface="+mj-cs"/>
-              </a:defRPr>
-            </a:lvl6pPr>
-            <a:lvl7pPr marL="2971800" indent="-228600" algn="l" defTabSz="457200" rtl="0" eaLnBrk="1" latinLnBrk="0" hangingPunct="1">
-              <a:spcBef>
-                <a:spcPts val="1000"/>
-              </a:spcBef>
-              <a:spcAft>
-                <a:spcPts val="0"/>
-              </a:spcAft>
-              <a:buClr>
-                <a:schemeClr val="bg2">
-                  <a:lumMod val="40000"/>
-                  <a:lumOff val="60000"/>
-                </a:schemeClr>
-              </a:buClr>
-              <a:buSzPct val="80000"/>
-              <a:buFont typeface="Wingdings 3" charset="2"/>
-              <a:buChar char=""/>
-              <a:defRPr sz="1400" b="0" i="0" kern="1200">
-                <a:solidFill>
-                  <a:schemeClr val="tx1"/>
-                </a:solidFill>
-                <a:latin typeface="+mj-lt"/>
-                <a:ea typeface="+mj-ea"/>
-                <a:cs typeface="+mj-cs"/>
-              </a:defRPr>
-            </a:lvl7pPr>
-            <a:lvl8pPr marL="3429000" indent="-228600" algn="l" defTabSz="457200" rtl="0" eaLnBrk="1" latinLnBrk="0" hangingPunct="1">
-              <a:spcBef>
-                <a:spcPts val="1000"/>
-              </a:spcBef>
-              <a:spcAft>
-                <a:spcPts val="0"/>
-              </a:spcAft>
-              <a:buClr>
-                <a:schemeClr val="bg2">
-                  <a:lumMod val="40000"/>
-                  <a:lumOff val="60000"/>
-                </a:schemeClr>
-              </a:buClr>
-              <a:buSzPct val="80000"/>
-              <a:buFont typeface="Wingdings 3" charset="2"/>
-              <a:buChar char=""/>
-              <a:defRPr sz="1400" b="0" i="0" kern="1200">
-                <a:solidFill>
-                  <a:schemeClr val="tx1"/>
-                </a:solidFill>
-                <a:latin typeface="+mj-lt"/>
-                <a:ea typeface="+mj-ea"/>
-                <a:cs typeface="+mj-cs"/>
-              </a:defRPr>
-            </a:lvl8pPr>
-            <a:lvl9pPr marL="3886200" indent="-228600" algn="l" defTabSz="457200" rtl="0" eaLnBrk="1" latinLnBrk="0" hangingPunct="1">
-              <a:spcBef>
-                <a:spcPts val="1000"/>
-              </a:spcBef>
-              <a:spcAft>
-                <a:spcPts val="0"/>
-              </a:spcAft>
-              <a:buClr>
-                <a:schemeClr val="bg2">
-                  <a:lumMod val="40000"/>
-                  <a:lumOff val="60000"/>
-                </a:schemeClr>
-              </a:buClr>
-              <a:buSzPct val="80000"/>
-              <a:buFont typeface="Wingdings 3" charset="2"/>
-              <a:buChar char=""/>
-              <a:defRPr sz="1400" b="0" i="0" kern="1200">
-                <a:solidFill>
-                  <a:schemeClr val="tx1"/>
-                </a:solidFill>
-                <a:latin typeface="+mj-lt"/>
-                <a:ea typeface="+mj-ea"/>
-                <a:cs typeface="+mj-cs"/>
-              </a:defRPr>
-            </a:lvl9pPr>
-          </a:lstStyle>
-          <a:p>
-            <a:r>
-              <a:rPr lang="fr-CH" sz="1000" dirty="0"/>
-              <a:t>Brancher le FortiGate au CPNV</a:t>
-            </a:r>
-          </a:p>
-          <a:p>
-            <a:r>
-              <a:rPr lang="fr-CH" sz="1000" dirty="0"/>
-              <a:t>Observer</a:t>
-            </a:r>
-          </a:p>
-          <a:p>
-            <a:r>
-              <a:rPr lang="fr-CH" sz="1000" dirty="0"/>
-              <a:t>???</a:t>
-            </a:r>
-          </a:p>
-          <a:p>
-            <a:endParaRPr lang="fr-CH" sz="1000" dirty="0"/>
-          </a:p>
-        </p:txBody>
-      </p:sp>
-    </p:spTree>
-    <p:extLst>
-      <p:ext uri="{BB962C8B-B14F-4D97-AF65-F5344CB8AC3E}">
-        <p14:creationId xmlns:p14="http://schemas.microsoft.com/office/powerpoint/2010/main" val="3900965896"/>
-      </p:ext>
-    </p:extLst>
-  </p:cSld>
-  <p:clrMapOvr>
-    <a:masterClrMapping/>
-  </p:clrMapOvr>
-</p:sld>
-</file>
-
-<file path=ppt/slides/slide26.xml><?xml version="1.0" encoding="utf-8"?>
-<p:sld xmlns:a="http://schemas.openxmlformats.org/drawingml/2006/main" xmlns:r="http://schemas.openxmlformats.org/officeDocument/2006/relationships" xmlns:p="http://schemas.openxmlformats.org/presentationml/2006/main">
-  <p:cSld>
-    <p:spTree>
-      <p:nvGrpSpPr>
-        <p:cNvPr id="1" name=""/>
-        <p:cNvGrpSpPr/>
-        <p:nvPr/>
-      </p:nvGrpSpPr>
-      <p:grpSpPr>
-        <a:xfrm>
-          <a:off x="0" y="0"/>
-          <a:ext cx="0" cy="0"/>
-          <a:chOff x="0" y="0"/>
-          <a:chExt cx="0" cy="0"/>
-        </a:xfrm>
-      </p:grpSpPr>
-      <p:sp>
-        <p:nvSpPr>
-          <p:cNvPr id="2" name="Titre 1">
-            <a:extLst>
-              <a:ext uri="{FF2B5EF4-FFF2-40B4-BE49-F238E27FC236}">
-                <a16:creationId xmlns:a16="http://schemas.microsoft.com/office/drawing/2014/main" id="{87149ED6-ABB6-931C-C63C-BF293F28BEB1}"/>
-              </a:ext>
-            </a:extLst>
-          </p:cNvPr>
-          <p:cNvSpPr>
-            <a:spLocks noGrp="1"/>
-          </p:cNvSpPr>
-          <p:nvPr>
-            <p:ph type="title"/>
-          </p:nvPr>
-        </p:nvSpPr>
-        <p:spPr/>
-        <p:txBody>
-          <a:bodyPr/>
-          <a:lstStyle/>
-          <a:p>
-            <a:endParaRPr lang="fr-CH"/>
-          </a:p>
-        </p:txBody>
-      </p:sp>
-      <p:sp>
-        <p:nvSpPr>
-          <p:cNvPr id="4" name="Espace réservé du pied de page 3">
-            <a:extLst>
-              <a:ext uri="{FF2B5EF4-FFF2-40B4-BE49-F238E27FC236}">
-                <a16:creationId xmlns:a16="http://schemas.microsoft.com/office/drawing/2014/main" id="{70A0A727-0061-21D6-8EF9-00EC15D9B04A}"/>
-              </a:ext>
-            </a:extLst>
-          </p:cNvPr>
-          <p:cNvSpPr>
-            <a:spLocks noGrp="1"/>
-          </p:cNvSpPr>
-          <p:nvPr>
-            <p:ph type="ftr" sz="quarter" idx="11"/>
-          </p:nvPr>
-        </p:nvSpPr>
-        <p:spPr/>
-        <p:txBody>
-          <a:bodyPr/>
-          <a:lstStyle/>
-          <a:p>
-            <a:r>
-              <a:rPr lang="fr-CH"/>
-              <a:t>Damien Mayor</a:t>
-            </a:r>
-          </a:p>
-        </p:txBody>
-      </p:sp>
-      <p:sp>
-        <p:nvSpPr>
-          <p:cNvPr id="5" name="Espace réservé du numéro de diapositive 4">
-            <a:extLst>
-              <a:ext uri="{FF2B5EF4-FFF2-40B4-BE49-F238E27FC236}">
-                <a16:creationId xmlns:a16="http://schemas.microsoft.com/office/drawing/2014/main" id="{4FE90BF8-7A22-8C03-9BC0-41225D1338CC}"/>
-              </a:ext>
-            </a:extLst>
-          </p:cNvPr>
-          <p:cNvSpPr>
-            <a:spLocks noGrp="1"/>
-          </p:cNvSpPr>
-          <p:nvPr>
-            <p:ph type="sldNum" sz="quarter" idx="12"/>
-          </p:nvPr>
-        </p:nvSpPr>
-        <p:spPr/>
-        <p:txBody>
-          <a:bodyPr/>
-          <a:lstStyle/>
-          <a:p>
-            <a:fld id="{2FCD9DE2-19B8-4E75-A167-0E6B1D03D668}" type="slidenum">
-              <a:rPr lang="fr-CH" smtClean="0"/>
-              <a:t>26</a:t>
-            </a:fld>
-            <a:endParaRPr lang="fr-CH"/>
-          </a:p>
-        </p:txBody>
-      </p:sp>
-      <p:pic>
-        <p:nvPicPr>
-          <p:cNvPr id="1026" name="Picture 2">
-            <a:extLst>
-              <a:ext uri="{FF2B5EF4-FFF2-40B4-BE49-F238E27FC236}">
-                <a16:creationId xmlns:a16="http://schemas.microsoft.com/office/drawing/2014/main" id="{40289A31-BA6E-9C2E-A1D0-01EDF1FF9DF4}"/>
-              </a:ext>
-            </a:extLst>
-          </p:cNvPr>
-          <p:cNvPicPr>
-            <a:picLocks noGrp="1" noChangeAspect="1" noChangeArrowheads="1"/>
-          </p:cNvPicPr>
-          <p:nvPr>
-            <p:ph idx="1"/>
-          </p:nvPr>
-        </p:nvPicPr>
-        <p:blipFill>
-          <a:blip r:embed="rId2">
-            <a:extLst>
-              <a:ext uri="{28A0092B-C50C-407E-A947-70E740481C1C}">
-                <a14:useLocalDpi xmlns:a14="http://schemas.microsoft.com/office/drawing/2010/main" val="0"/>
-              </a:ext>
-            </a:extLst>
-          </a:blip>
-          <a:srcRect/>
-          <a:stretch>
-            <a:fillRect/>
-          </a:stretch>
-        </p:blipFill>
-        <p:spPr bwMode="auto">
-          <a:xfrm>
-            <a:off x="4003477" y="2052638"/>
-            <a:ext cx="3146821" cy="4195762"/>
-          </a:xfrm>
-          <a:prstGeom prst="rect">
-            <a:avLst/>
-          </a:prstGeom>
-          <a:noFill/>
-          <a:extLst>
-            <a:ext uri="{909E8E84-426E-40DD-AFC4-6F175D3DCCD1}">
-              <a14:hiddenFill xmlns:a14="http://schemas.microsoft.com/office/drawing/2010/main">
-                <a:solidFill>
-                  <a:srgbClr val="FFFFFF"/>
-                </a:solidFill>
-              </a14:hiddenFill>
-            </a:ext>
-          </a:extLst>
-        </p:spPr>
-      </p:pic>
-    </p:spTree>
-    <p:extLst>
-      <p:ext uri="{BB962C8B-B14F-4D97-AF65-F5344CB8AC3E}">
-        <p14:creationId xmlns:p14="http://schemas.microsoft.com/office/powerpoint/2010/main" val="2785829591"/>
-      </p:ext>
-    </p:extLst>
-  </p:cSld>
-  <p:clrMapOvr>
-    <a:masterClrMapping/>
-  </p:clrMapOvr>
-</p:sld>
-</file>
-
-<file path=ppt/slides/slide27.xml><?xml version="1.0" encoding="utf-8"?>
-<p:sld xmlns:a="http://schemas.openxmlformats.org/drawingml/2006/main" xmlns:r="http://schemas.openxmlformats.org/officeDocument/2006/relationships" xmlns:p="http://schemas.openxmlformats.org/presentationml/2006/main">
-  <p:cSld>
-    <p:spTree>
-      <p:nvGrpSpPr>
-        <p:cNvPr id="1" name=""/>
-        <p:cNvGrpSpPr/>
-        <p:nvPr/>
-      </p:nvGrpSpPr>
-      <p:grpSpPr>
-        <a:xfrm>
-          <a:off x="0" y="0"/>
-          <a:ext cx="0" cy="0"/>
-          <a:chOff x="0" y="0"/>
-          <a:chExt cx="0" cy="0"/>
-        </a:xfrm>
-      </p:grpSpPr>
-      <p:sp>
-        <p:nvSpPr>
-          <p:cNvPr id="2" name="Titre 1">
-            <a:extLst>
-              <a:ext uri="{FF2B5EF4-FFF2-40B4-BE49-F238E27FC236}">
-                <a16:creationId xmlns:a16="http://schemas.microsoft.com/office/drawing/2014/main" id="{EC98BC84-1150-58BC-47E4-6EFA279C1615}"/>
-              </a:ext>
-            </a:extLst>
-          </p:cNvPr>
-          <p:cNvSpPr>
-            <a:spLocks noGrp="1"/>
-          </p:cNvSpPr>
-          <p:nvPr>
-            <p:ph type="title"/>
-          </p:nvPr>
-        </p:nvSpPr>
-        <p:spPr/>
-        <p:txBody>
-          <a:bodyPr/>
-          <a:lstStyle/>
-          <a:p>
-            <a:endParaRPr lang="fr-CH"/>
-          </a:p>
-        </p:txBody>
-      </p:sp>
-      <p:sp>
-        <p:nvSpPr>
-          <p:cNvPr id="4" name="Espace réservé du pied de page 3">
-            <a:extLst>
-              <a:ext uri="{FF2B5EF4-FFF2-40B4-BE49-F238E27FC236}">
-                <a16:creationId xmlns:a16="http://schemas.microsoft.com/office/drawing/2014/main" id="{38254E86-6AB1-5714-7567-7698C4299B8C}"/>
-              </a:ext>
-            </a:extLst>
-          </p:cNvPr>
-          <p:cNvSpPr>
-            <a:spLocks noGrp="1"/>
-          </p:cNvSpPr>
-          <p:nvPr>
-            <p:ph type="ftr" sz="quarter" idx="11"/>
-          </p:nvPr>
-        </p:nvSpPr>
-        <p:spPr/>
-        <p:txBody>
-          <a:bodyPr/>
-          <a:lstStyle/>
-          <a:p>
-            <a:r>
-              <a:rPr lang="fr-CH"/>
-              <a:t>Damien Mayor</a:t>
-            </a:r>
-          </a:p>
-        </p:txBody>
-      </p:sp>
-      <p:sp>
-        <p:nvSpPr>
-          <p:cNvPr id="5" name="Espace réservé du numéro de diapositive 4">
-            <a:extLst>
-              <a:ext uri="{FF2B5EF4-FFF2-40B4-BE49-F238E27FC236}">
-                <a16:creationId xmlns:a16="http://schemas.microsoft.com/office/drawing/2014/main" id="{20BC6133-686A-0FA3-1FE9-2BC61E5C13B4}"/>
-              </a:ext>
-            </a:extLst>
-          </p:cNvPr>
-          <p:cNvSpPr>
-            <a:spLocks noGrp="1"/>
-          </p:cNvSpPr>
-          <p:nvPr>
-            <p:ph type="sldNum" sz="quarter" idx="12"/>
-          </p:nvPr>
-        </p:nvSpPr>
-        <p:spPr/>
-        <p:txBody>
-          <a:bodyPr/>
-          <a:lstStyle/>
-          <a:p>
-            <a:fld id="{2FCD9DE2-19B8-4E75-A167-0E6B1D03D668}" type="slidenum">
-              <a:rPr lang="fr-CH" smtClean="0"/>
-              <a:t>27</a:t>
-            </a:fld>
-            <a:endParaRPr lang="fr-CH"/>
-          </a:p>
-        </p:txBody>
-      </p:sp>
-      <p:pic>
-        <p:nvPicPr>
-          <p:cNvPr id="3074" name="Picture 2" descr="Minecraft: Pocket Edition Video Game Heart The Legend Of ...">
-            <a:extLst>
-              <a:ext uri="{FF2B5EF4-FFF2-40B4-BE49-F238E27FC236}">
-                <a16:creationId xmlns:a16="http://schemas.microsoft.com/office/drawing/2014/main" id="{2E7B4289-B54A-B115-1F6F-EDBB39C4D65B}"/>
-              </a:ext>
-            </a:extLst>
-          </p:cNvPr>
-          <p:cNvPicPr>
-            <a:picLocks noGrp="1" noChangeAspect="1" noChangeArrowheads="1"/>
-          </p:cNvPicPr>
-          <p:nvPr>
-            <p:ph idx="1"/>
-          </p:nvPr>
-        </p:nvPicPr>
-        <p:blipFill rotWithShape="1">
-          <a:blip r:embed="rId2" cstate="print">
-            <a:extLst>
-              <a:ext uri="{BEBA8EAE-BF5A-486C-A8C5-ECC9F3942E4B}">
-                <a14:imgProps xmlns:a14="http://schemas.microsoft.com/office/drawing/2010/main">
-                  <a14:imgLayer r:embed="rId3">
-                    <a14:imgEffect>
-                      <a14:backgroundRemoval t="7283" b="89961" l="9890" r="89973">
-                        <a14:foregroundMark x1="34341" y1="41535" x2="34341" y2="41535"/>
-                        <a14:foregroundMark x1="41758" y1="29331" x2="41758" y2="29331"/>
-                        <a14:foregroundMark x1="30082" y1="7283" x2="30082" y2="7283"/>
-                        <a14:foregroundMark x1="40934" y1="29528" x2="40934" y2="29528"/>
-                        <a14:foregroundMark x1="32555" y1="37402" x2="32555" y2="37402"/>
-                      </a14:backgroundRemoval>
-                    </a14:imgEffect>
-                  </a14:imgLayer>
-                </a14:imgProps>
-              </a:ext>
-              <a:ext uri="{28A0092B-C50C-407E-A947-70E740481C1C}">
-                <a14:useLocalDpi xmlns:a14="http://schemas.microsoft.com/office/drawing/2010/main" val="0"/>
-              </a:ext>
-            </a:extLst>
-          </a:blip>
-          <a:srcRect l="15795" t="4285" r="15754" b="7619"/>
-          <a:stretch/>
-        </p:blipFill>
-        <p:spPr bwMode="auto">
-          <a:xfrm>
-            <a:off x="2951747" y="5788707"/>
-            <a:ext cx="368969" cy="331356"/>
-          </a:xfrm>
-          <a:prstGeom prst="rect">
-            <a:avLst/>
-          </a:prstGeom>
-          <a:noFill/>
-          <a:extLst>
-            <a:ext uri="{909E8E84-426E-40DD-AFC4-6F175D3DCCD1}">
-              <a14:hiddenFill xmlns:a14="http://schemas.microsoft.com/office/drawing/2010/main">
-                <a:solidFill>
-                  <a:srgbClr val="FFFFFF"/>
-                </a:solidFill>
-              </a14:hiddenFill>
-            </a:ext>
-          </a:extLst>
-        </p:spPr>
-      </p:pic>
-    </p:spTree>
-    <p:extLst>
-      <p:ext uri="{BB962C8B-B14F-4D97-AF65-F5344CB8AC3E}">
-        <p14:creationId xmlns:p14="http://schemas.microsoft.com/office/powerpoint/2010/main" val="258951326"/>
-      </p:ext>
-    </p:extLst>
-  </p:cSld>
-  <p:clrMapOvr>
-    <a:masterClrMapping/>
-  </p:clrMapOvr>
-</p:sld>
-</file>
-
-<file path=ppt/slides/slide3.xml><?xml version="1.0" encoding="utf-8"?>
-<p:sld xmlns:a="http://schemas.openxmlformats.org/drawingml/2006/main" xmlns:r="http://schemas.openxmlformats.org/officeDocument/2006/relationships" xmlns:p="http://schemas.openxmlformats.org/presentationml/2006/main">
-  <p:cSld>
-    <p:spTree>
-      <p:nvGrpSpPr>
-        <p:cNvPr id="1" name=""/>
-        <p:cNvGrpSpPr/>
-        <p:nvPr/>
-      </p:nvGrpSpPr>
-      <p:grpSpPr>
-        <a:xfrm>
-          <a:off x="0" y="0"/>
-          <a:ext cx="0" cy="0"/>
-          <a:chOff x="0" y="0"/>
-          <a:chExt cx="0" cy="0"/>
-        </a:xfrm>
-      </p:grpSpPr>
-      <p:sp>
-        <p:nvSpPr>
-          <p:cNvPr id="2" name="Titre 1"/>
-          <p:cNvSpPr>
-            <a:spLocks noGrp="1"/>
-          </p:cNvSpPr>
-          <p:nvPr>
-            <p:ph type="title"/>
-          </p:nvPr>
-        </p:nvSpPr>
-        <p:spPr/>
-        <p:txBody>
-          <a:bodyPr/>
-          <a:lstStyle/>
-          <a:p>
-            <a:r>
-              <a:rPr lang="fr-CH" dirty="0">
-                <a:effectLst>
-                  <a:outerShdw blurRad="38100" dist="38100" dir="2700000" algn="tl">
-                    <a:srgbClr val="000000">
-                      <a:alpha val="43137"/>
-                    </a:srgbClr>
-                  </a:outerShdw>
-                </a:effectLst>
-              </a:rPr>
-              <a:t>Introduction</a:t>
-            </a:r>
-          </a:p>
-        </p:txBody>
-      </p:sp>
-      <p:sp>
-        <p:nvSpPr>
-          <p:cNvPr id="4" name="Espace réservé du pied de page 3"/>
-          <p:cNvSpPr>
-            <a:spLocks noGrp="1"/>
-          </p:cNvSpPr>
-          <p:nvPr>
-            <p:ph type="ftr" sz="quarter" idx="11"/>
-          </p:nvPr>
-        </p:nvSpPr>
-        <p:spPr/>
-        <p:txBody>
-          <a:bodyPr/>
-          <a:lstStyle/>
-          <a:p>
-            <a:r>
-              <a:rPr lang="fr-CH" dirty="0"/>
-              <a:t>Damien Mayor</a:t>
-            </a:r>
-          </a:p>
-        </p:txBody>
-      </p:sp>
-      <p:sp>
-        <p:nvSpPr>
-          <p:cNvPr id="5" name="Espace réservé du numéro de diapositive 4"/>
-          <p:cNvSpPr>
-            <a:spLocks noGrp="1"/>
-          </p:cNvSpPr>
-          <p:nvPr>
-            <p:ph type="sldNum" sz="quarter" idx="12"/>
-          </p:nvPr>
-        </p:nvSpPr>
-        <p:spPr/>
-        <p:txBody>
-          <a:bodyPr/>
-          <a:lstStyle/>
-          <a:p>
-            <a:fld id="{2FCD9DE2-19B8-4E75-A167-0E6B1D03D668}" type="slidenum">
-              <a:rPr lang="fr-CH" smtClean="0">
-                <a:solidFill>
-                  <a:srgbClr val="C00000"/>
-                </a:solidFill>
-                <a:effectLst>
-                  <a:outerShdw blurRad="38100" dist="38100" dir="2700000" algn="tl">
-                    <a:srgbClr val="000000">
-                      <a:alpha val="43137"/>
-                    </a:srgbClr>
-                  </a:outerShdw>
-                </a:effectLst>
-              </a:rPr>
-              <a:t>3</a:t>
-            </a:fld>
-            <a:endParaRPr lang="fr-CH" dirty="0">
-              <a:solidFill>
-                <a:srgbClr val="C00000"/>
-              </a:solidFill>
-              <a:effectLst>
-                <a:outerShdw blurRad="38100" dist="38100" dir="2700000" algn="tl">
-                  <a:srgbClr val="000000">
-                    <a:alpha val="43137"/>
-                  </a:srgbClr>
-                </a:outerShdw>
-              </a:effectLst>
-            </a:endParaRPr>
-          </a:p>
-        </p:txBody>
-      </p:sp>
-      <p:sp>
-        <p:nvSpPr>
-          <p:cNvPr id="7" name="Titre 1"/>
-          <p:cNvSpPr txBox="1">
-            <a:spLocks/>
-          </p:cNvSpPr>
-          <p:nvPr/>
-        </p:nvSpPr>
-        <p:spPr>
-          <a:xfrm>
-            <a:off x="1154953" y="4056833"/>
-            <a:ext cx="8825659" cy="991785"/>
-          </a:xfrm>
-          <a:prstGeom prst="rect">
-            <a:avLst/>
-          </a:prstGeom>
-          <a:ln>
-            <a:solidFill>
-              <a:schemeClr val="accent1"/>
-            </a:solidFill>
-          </a:ln>
-        </p:spPr>
-        <p:txBody>
-          <a:bodyPr vert="horz" lIns="91440" tIns="45720" rIns="91440" bIns="45720" rtlCol="0" anchor="t">
-            <a:noAutofit/>
-          </a:bodyPr>
-          <a:lstStyle>
-            <a:lvl1pPr algn="l" defTabSz="457200" rtl="0" eaLnBrk="1" latinLnBrk="0" hangingPunct="1">
-              <a:spcBef>
-                <a:spcPct val="0"/>
-              </a:spcBef>
-              <a:buNone/>
-              <a:defRPr sz="4800" b="0" i="0" kern="1200">
-                <a:solidFill>
-                  <a:schemeClr val="tx2"/>
-                </a:solidFill>
-                <a:latin typeface="+mj-lt"/>
-                <a:ea typeface="+mj-ea"/>
-                <a:cs typeface="+mj-cs"/>
-              </a:defRPr>
-            </a:lvl1pPr>
-            <a:lvl2pPr eaLnBrk="1" hangingPunct="1">
-              <a:defRPr>
-                <a:solidFill>
-                  <a:schemeClr val="tx2"/>
-                </a:solidFill>
-              </a:defRPr>
-            </a:lvl2pPr>
-            <a:lvl3pPr eaLnBrk="1" hangingPunct="1">
-              <a:defRPr>
-                <a:solidFill>
-                  <a:schemeClr val="tx2"/>
-                </a:solidFill>
-              </a:defRPr>
-            </a:lvl3pPr>
-            <a:lvl4pPr eaLnBrk="1" hangingPunct="1">
-              <a:defRPr>
-                <a:solidFill>
-                  <a:schemeClr val="tx2"/>
-                </a:solidFill>
-              </a:defRPr>
-            </a:lvl4pPr>
-            <a:lvl5pPr eaLnBrk="1" hangingPunct="1">
-              <a:defRPr>
-                <a:solidFill>
-                  <a:schemeClr val="tx2"/>
-                </a:solidFill>
-              </a:defRPr>
-            </a:lvl5pPr>
-            <a:lvl6pPr eaLnBrk="1" hangingPunct="1">
-              <a:defRPr>
-                <a:solidFill>
-                  <a:schemeClr val="tx2"/>
-                </a:solidFill>
-              </a:defRPr>
-            </a:lvl6pPr>
-            <a:lvl7pPr eaLnBrk="1" hangingPunct="1">
-              <a:defRPr>
-                <a:solidFill>
-                  <a:schemeClr val="tx2"/>
-                </a:solidFill>
-              </a:defRPr>
-            </a:lvl7pPr>
-            <a:lvl8pPr eaLnBrk="1" hangingPunct="1">
-              <a:defRPr>
-                <a:solidFill>
-                  <a:schemeClr val="tx2"/>
-                </a:solidFill>
-              </a:defRPr>
-            </a:lvl8pPr>
-            <a:lvl9pPr eaLnBrk="1" hangingPunct="1">
-              <a:defRPr>
-                <a:solidFill>
-                  <a:schemeClr val="tx2"/>
-                </a:solidFill>
-              </a:defRPr>
-            </a:lvl9pPr>
-          </a:lstStyle>
-          <a:p>
-            <a:r>
-              <a:rPr lang="fr-CH" sz="2400" dirty="0">
-                <a:solidFill>
-                  <a:schemeClr val="accent4">
-                    <a:lumMod val="75000"/>
-                  </a:schemeClr>
-                </a:solidFill>
-                <a:effectLst>
-                  <a:outerShdw blurRad="38100" dist="38100" dir="2700000" algn="tl">
-                    <a:srgbClr val="000000">
-                      <a:alpha val="43137"/>
-                    </a:srgbClr>
-                  </a:outerShdw>
-                </a:effectLst>
-              </a:rPr>
-              <a:t>Quel est le lien?</a:t>
-            </a:r>
-          </a:p>
-          <a:p>
-            <a:r>
-              <a:rPr lang="fr-CH" sz="2400" dirty="0"/>
-              <a:t>Le pare-feu est un des moyens de défense d'un réseau.</a:t>
-            </a:r>
-          </a:p>
-        </p:txBody>
-      </p:sp>
-      <p:sp>
-        <p:nvSpPr>
-          <p:cNvPr id="8" name="Titre 1"/>
-          <p:cNvSpPr txBox="1">
-            <a:spLocks/>
-          </p:cNvSpPr>
-          <p:nvPr/>
-        </p:nvSpPr>
-        <p:spPr>
-          <a:xfrm>
-            <a:off x="1154952" y="2800185"/>
-            <a:ext cx="8825659" cy="991785"/>
-          </a:xfrm>
-          <a:prstGeom prst="rect">
-            <a:avLst/>
-          </a:prstGeom>
-          <a:ln>
-            <a:solidFill>
-              <a:schemeClr val="accent1"/>
-            </a:solidFill>
-          </a:ln>
-        </p:spPr>
-        <p:txBody>
-          <a:bodyPr vert="horz" lIns="91440" tIns="45720" rIns="91440" bIns="45720" rtlCol="0" anchor="t">
-            <a:noAutofit/>
-          </a:bodyPr>
-          <a:lstStyle>
-            <a:lvl1pPr algn="l" defTabSz="457200" rtl="0" eaLnBrk="1" latinLnBrk="0" hangingPunct="1">
-              <a:spcBef>
-                <a:spcPct val="0"/>
-              </a:spcBef>
-              <a:buNone/>
-              <a:defRPr sz="4800" b="0" i="0" kern="1200">
-                <a:solidFill>
-                  <a:schemeClr val="tx2"/>
-                </a:solidFill>
-                <a:latin typeface="+mj-lt"/>
-                <a:ea typeface="+mj-ea"/>
-                <a:cs typeface="+mj-cs"/>
-              </a:defRPr>
-            </a:lvl1pPr>
-            <a:lvl2pPr eaLnBrk="1" hangingPunct="1">
-              <a:defRPr>
-                <a:solidFill>
-                  <a:schemeClr val="tx2"/>
-                </a:solidFill>
-              </a:defRPr>
-            </a:lvl2pPr>
-            <a:lvl3pPr eaLnBrk="1" hangingPunct="1">
-              <a:defRPr>
-                <a:solidFill>
-                  <a:schemeClr val="tx2"/>
-                </a:solidFill>
-              </a:defRPr>
-            </a:lvl3pPr>
-            <a:lvl4pPr eaLnBrk="1" hangingPunct="1">
-              <a:defRPr>
-                <a:solidFill>
-                  <a:schemeClr val="tx2"/>
-                </a:solidFill>
-              </a:defRPr>
-            </a:lvl4pPr>
-            <a:lvl5pPr eaLnBrk="1" hangingPunct="1">
-              <a:defRPr>
-                <a:solidFill>
-                  <a:schemeClr val="tx2"/>
-                </a:solidFill>
-              </a:defRPr>
-            </a:lvl5pPr>
-            <a:lvl6pPr eaLnBrk="1" hangingPunct="1">
-              <a:defRPr>
-                <a:solidFill>
-                  <a:schemeClr val="tx2"/>
-                </a:solidFill>
-              </a:defRPr>
-            </a:lvl6pPr>
-            <a:lvl7pPr eaLnBrk="1" hangingPunct="1">
-              <a:defRPr>
-                <a:solidFill>
-                  <a:schemeClr val="tx2"/>
-                </a:solidFill>
-              </a:defRPr>
-            </a:lvl7pPr>
-            <a:lvl8pPr eaLnBrk="1" hangingPunct="1">
-              <a:defRPr>
-                <a:solidFill>
-                  <a:schemeClr val="tx2"/>
-                </a:solidFill>
-              </a:defRPr>
-            </a:lvl8pPr>
-            <a:lvl9pPr eaLnBrk="1" hangingPunct="1">
-              <a:defRPr>
-                <a:solidFill>
-                  <a:schemeClr val="tx2"/>
-                </a:solidFill>
-              </a:defRPr>
-            </a:lvl9pPr>
-          </a:lstStyle>
-          <a:p>
-            <a:r>
-              <a:rPr lang="fr-CH" sz="2400" dirty="0">
-                <a:solidFill>
-                  <a:schemeClr val="accent3">
-                    <a:lumMod val="75000"/>
-                  </a:schemeClr>
-                </a:solidFill>
-                <a:effectLst>
-                  <a:outerShdw blurRad="38100" dist="38100" dir="2700000" algn="tl">
-                    <a:srgbClr val="000000">
-                      <a:alpha val="43137"/>
-                    </a:srgbClr>
-                  </a:outerShdw>
-                </a:effectLst>
-              </a:rPr>
-              <a:t>Sujet de pré-TPI</a:t>
-            </a:r>
-          </a:p>
-          <a:p>
-            <a:r>
-              <a:rPr lang="fr-CH" sz="2400" dirty="0"/>
-              <a:t>"Mise en service d'un pare-feu Fortinet"</a:t>
-            </a:r>
-          </a:p>
-        </p:txBody>
-      </p:sp>
-      <p:sp>
-        <p:nvSpPr>
-          <p:cNvPr id="9" name="Titre 1"/>
-          <p:cNvSpPr txBox="1">
-            <a:spLocks/>
-          </p:cNvSpPr>
-          <p:nvPr/>
-        </p:nvSpPr>
-        <p:spPr>
-          <a:xfrm>
-            <a:off x="1154952" y="1543537"/>
-            <a:ext cx="8825659" cy="991785"/>
-          </a:xfrm>
-          <a:prstGeom prst="rect">
-            <a:avLst/>
-          </a:prstGeom>
-          <a:ln>
-            <a:solidFill>
-              <a:schemeClr val="accent1"/>
-            </a:solidFill>
-          </a:ln>
-        </p:spPr>
-        <p:txBody>
-          <a:bodyPr vert="horz" lIns="91440" tIns="45720" rIns="91440" bIns="45720" rtlCol="0" anchor="t">
-            <a:noAutofit/>
-          </a:bodyPr>
-          <a:lstStyle>
-            <a:lvl1pPr algn="l" defTabSz="457200" rtl="0" eaLnBrk="1" latinLnBrk="0" hangingPunct="1">
-              <a:spcBef>
-                <a:spcPct val="0"/>
-              </a:spcBef>
-              <a:buNone/>
-              <a:defRPr sz="4800" b="0" i="0" kern="1200">
-                <a:solidFill>
-                  <a:schemeClr val="tx2"/>
-                </a:solidFill>
-                <a:latin typeface="+mj-lt"/>
-                <a:ea typeface="+mj-ea"/>
-                <a:cs typeface="+mj-cs"/>
-              </a:defRPr>
-            </a:lvl1pPr>
-            <a:lvl2pPr eaLnBrk="1" hangingPunct="1">
-              <a:defRPr>
-                <a:solidFill>
-                  <a:schemeClr val="tx2"/>
-                </a:solidFill>
-              </a:defRPr>
-            </a:lvl2pPr>
-            <a:lvl3pPr eaLnBrk="1" hangingPunct="1">
-              <a:defRPr>
-                <a:solidFill>
-                  <a:schemeClr val="tx2"/>
-                </a:solidFill>
-              </a:defRPr>
-            </a:lvl3pPr>
-            <a:lvl4pPr eaLnBrk="1" hangingPunct="1">
-              <a:defRPr>
-                <a:solidFill>
-                  <a:schemeClr val="tx2"/>
-                </a:solidFill>
-              </a:defRPr>
-            </a:lvl4pPr>
-            <a:lvl5pPr eaLnBrk="1" hangingPunct="1">
-              <a:defRPr>
-                <a:solidFill>
-                  <a:schemeClr val="tx2"/>
-                </a:solidFill>
-              </a:defRPr>
-            </a:lvl5pPr>
-            <a:lvl6pPr eaLnBrk="1" hangingPunct="1">
-              <a:defRPr>
-                <a:solidFill>
-                  <a:schemeClr val="tx2"/>
-                </a:solidFill>
-              </a:defRPr>
-            </a:lvl6pPr>
-            <a:lvl7pPr eaLnBrk="1" hangingPunct="1">
-              <a:defRPr>
-                <a:solidFill>
-                  <a:schemeClr val="tx2"/>
-                </a:solidFill>
-              </a:defRPr>
-            </a:lvl7pPr>
-            <a:lvl8pPr eaLnBrk="1" hangingPunct="1">
-              <a:defRPr>
-                <a:solidFill>
-                  <a:schemeClr val="tx2"/>
-                </a:solidFill>
-              </a:defRPr>
-            </a:lvl8pPr>
-            <a:lvl9pPr eaLnBrk="1" hangingPunct="1">
-              <a:defRPr>
-                <a:solidFill>
-                  <a:schemeClr val="tx2"/>
-                </a:solidFill>
-              </a:defRPr>
-            </a:lvl9pPr>
-          </a:lstStyle>
-          <a:p>
-            <a:r>
-              <a:rPr lang="fr-CH" sz="2400" dirty="0">
-                <a:solidFill>
-                  <a:schemeClr val="accent2">
-                    <a:lumMod val="75000"/>
-                  </a:schemeClr>
-                </a:solidFill>
-                <a:effectLst>
-                  <a:outerShdw blurRad="38100" dist="38100" dir="2700000" algn="tl">
-                    <a:srgbClr val="000000">
-                      <a:alpha val="43137"/>
-                    </a:srgbClr>
-                  </a:outerShdw>
-                </a:effectLst>
-              </a:rPr>
-              <a:t>Sujet de fiche signalétique:</a:t>
-            </a:r>
-          </a:p>
-          <a:p>
-            <a:r>
-              <a:rPr lang="fr-CH" sz="2400" dirty="0"/>
-              <a:t>"Assurer la sécurité d'un réseau informatique"</a:t>
-            </a:r>
-          </a:p>
-        </p:txBody>
-      </p:sp>
-      <p:sp>
-        <p:nvSpPr>
-          <p:cNvPr id="3" name="Titre 1">
-            <a:extLst>
-              <a:ext uri="{FF2B5EF4-FFF2-40B4-BE49-F238E27FC236}">
-                <a16:creationId xmlns:a16="http://schemas.microsoft.com/office/drawing/2014/main" id="{2DF480FD-EE12-B14C-A279-1ED4F813AADD}"/>
-              </a:ext>
-            </a:extLst>
-          </p:cNvPr>
-          <p:cNvSpPr txBox="1">
-            <a:spLocks/>
-          </p:cNvSpPr>
-          <p:nvPr/>
-        </p:nvSpPr>
-        <p:spPr>
-          <a:xfrm>
-            <a:off x="1154951" y="5314463"/>
-            <a:ext cx="8825659" cy="991785"/>
-          </a:xfrm>
-          <a:prstGeom prst="rect">
-            <a:avLst/>
-          </a:prstGeom>
-          <a:ln>
-            <a:solidFill>
-              <a:schemeClr val="accent1"/>
-            </a:solidFill>
-          </a:ln>
-        </p:spPr>
-        <p:txBody>
-          <a:bodyPr vert="horz" lIns="91440" tIns="45720" rIns="91440" bIns="45720" rtlCol="0" anchor="t">
-            <a:noAutofit/>
-          </a:bodyPr>
-          <a:lstStyle>
-            <a:lvl1pPr algn="l" defTabSz="457200" rtl="0" eaLnBrk="1" latinLnBrk="0" hangingPunct="1">
-              <a:spcBef>
-                <a:spcPct val="0"/>
-              </a:spcBef>
-              <a:buNone/>
-              <a:defRPr sz="4800" b="0" i="0" kern="1200">
-                <a:solidFill>
-                  <a:schemeClr val="tx2"/>
-                </a:solidFill>
-                <a:latin typeface="+mj-lt"/>
-                <a:ea typeface="+mj-ea"/>
-                <a:cs typeface="+mj-cs"/>
-              </a:defRPr>
-            </a:lvl1pPr>
-            <a:lvl2pPr eaLnBrk="1" hangingPunct="1">
-              <a:defRPr>
-                <a:solidFill>
-                  <a:schemeClr val="tx2"/>
-                </a:solidFill>
-              </a:defRPr>
-            </a:lvl2pPr>
-            <a:lvl3pPr eaLnBrk="1" hangingPunct="1">
-              <a:defRPr>
-                <a:solidFill>
-                  <a:schemeClr val="tx2"/>
-                </a:solidFill>
-              </a:defRPr>
-            </a:lvl3pPr>
-            <a:lvl4pPr eaLnBrk="1" hangingPunct="1">
-              <a:defRPr>
-                <a:solidFill>
-                  <a:schemeClr val="tx2"/>
-                </a:solidFill>
-              </a:defRPr>
-            </a:lvl4pPr>
-            <a:lvl5pPr eaLnBrk="1" hangingPunct="1">
-              <a:defRPr>
-                <a:solidFill>
-                  <a:schemeClr val="tx2"/>
-                </a:solidFill>
-              </a:defRPr>
-            </a:lvl5pPr>
-            <a:lvl6pPr eaLnBrk="1" hangingPunct="1">
-              <a:defRPr>
-                <a:solidFill>
-                  <a:schemeClr val="tx2"/>
-                </a:solidFill>
-              </a:defRPr>
-            </a:lvl6pPr>
-            <a:lvl7pPr eaLnBrk="1" hangingPunct="1">
-              <a:defRPr>
-                <a:solidFill>
-                  <a:schemeClr val="tx2"/>
-                </a:solidFill>
-              </a:defRPr>
-            </a:lvl7pPr>
-            <a:lvl8pPr eaLnBrk="1" hangingPunct="1">
-              <a:defRPr>
-                <a:solidFill>
-                  <a:schemeClr val="tx2"/>
-                </a:solidFill>
-              </a:defRPr>
-            </a:lvl8pPr>
-            <a:lvl9pPr eaLnBrk="1" hangingPunct="1">
-              <a:defRPr>
-                <a:solidFill>
-                  <a:schemeClr val="tx2"/>
-                </a:solidFill>
-              </a:defRPr>
-            </a:lvl9pPr>
-          </a:lstStyle>
-          <a:p>
-            <a:r>
-              <a:rPr lang="fr-CH" sz="2400" dirty="0">
-                <a:solidFill>
-                  <a:schemeClr val="accent5">
-                    <a:lumMod val="75000"/>
-                  </a:schemeClr>
-                </a:solidFill>
-                <a:effectLst>
-                  <a:outerShdw blurRad="38100" dist="38100" dir="2700000" algn="tl">
-                    <a:srgbClr val="000000">
-                      <a:alpha val="43137"/>
-                    </a:srgbClr>
-                  </a:outerShdw>
-                </a:effectLst>
-              </a:rPr>
-              <a:t>Pourquoi ce thème?</a:t>
-            </a:r>
-          </a:p>
-          <a:p>
-            <a:r>
-              <a:rPr lang="fr-CH" sz="2400" dirty="0"/>
-              <a:t>C'est la raison de ma reconversion professionnelle</a:t>
-            </a:r>
-          </a:p>
-        </p:txBody>
-      </p:sp>
-    </p:spTree>
-    <p:extLst>
-      <p:ext uri="{BB962C8B-B14F-4D97-AF65-F5344CB8AC3E}">
-        <p14:creationId xmlns:p14="http://schemas.microsoft.com/office/powerpoint/2010/main" val="1509537410"/>
-      </p:ext>
-    </p:extLst>
-  </p:cSld>
-  <p:clrMapOvr>
-    <a:masterClrMapping/>
-  </p:clrMapOvr>
-</p:sld>
-</file>
-
-<file path=ppt/slides/slide4.xml><?xml version="1.0" encoding="utf-8"?>
-<p:sld xmlns:a="http://schemas.openxmlformats.org/drawingml/2006/main" xmlns:r="http://schemas.openxmlformats.org/officeDocument/2006/relationships" xmlns:p="http://schemas.openxmlformats.org/presentationml/2006/main">
-  <p:cSld>
-    <p:spTree>
-      <p:nvGrpSpPr>
-        <p:cNvPr id="1" name=""/>
-        <p:cNvGrpSpPr/>
-        <p:nvPr/>
-      </p:nvGrpSpPr>
-      <p:grpSpPr>
-        <a:xfrm>
-          <a:off x="0" y="0"/>
-          <a:ext cx="0" cy="0"/>
-          <a:chOff x="0" y="0"/>
-          <a:chExt cx="0" cy="0"/>
-        </a:xfrm>
-      </p:grpSpPr>
-      <p:sp>
-        <p:nvSpPr>
-          <p:cNvPr id="2" name="Titre 1"/>
-          <p:cNvSpPr>
-            <a:spLocks noGrp="1"/>
-          </p:cNvSpPr>
-          <p:nvPr>
-            <p:ph type="title"/>
-          </p:nvPr>
-        </p:nvSpPr>
-        <p:spPr>
-          <a:xfrm>
-            <a:off x="646111" y="452718"/>
-            <a:ext cx="9404723" cy="788941"/>
-          </a:xfrm>
-        </p:spPr>
-        <p:txBody>
-          <a:bodyPr/>
-          <a:lstStyle/>
-          <a:p>
-            <a:r>
-              <a:rPr lang="fr-CH" dirty="0"/>
-              <a:t>Cahier des charges</a:t>
-            </a:r>
-          </a:p>
-        </p:txBody>
-      </p:sp>
-      <p:sp>
-        <p:nvSpPr>
-          <p:cNvPr id="4" name="Espace réservé du contenu 3"/>
-          <p:cNvSpPr>
-            <a:spLocks noGrp="1"/>
-          </p:cNvSpPr>
-          <p:nvPr>
-            <p:ph sz="half" idx="2"/>
-          </p:nvPr>
-        </p:nvSpPr>
-        <p:spPr>
-          <a:xfrm>
-            <a:off x="747177" y="2909236"/>
-            <a:ext cx="4396339" cy="3741738"/>
-          </a:xfrm>
-        </p:spPr>
-        <p:txBody>
-          <a:bodyPr>
-            <a:normAutofit fontScale="55000" lnSpcReduction="20000"/>
-          </a:bodyPr>
-          <a:lstStyle/>
-          <a:p>
-            <a:pPr marL="0" indent="0" algn="just">
-              <a:buNone/>
-            </a:pPr>
-            <a:r>
-              <a:rPr lang="fr-CH" sz="2000" dirty="0"/>
-              <a:t>Le module 146 abordant les grands réseau d’entreprise avec des VPN site à site et clients, et du NAT, ce projet cherche à évaluer les possibilités d’implémenter le schéma ci-dessous à l’aide d’un seul firewall Fortinet en exploitant les capacités de virtualisation de FortiGate.</a:t>
-            </a:r>
-          </a:p>
-          <a:p>
-            <a:pPr marL="0" indent="0" algn="just">
-              <a:buNone/>
-            </a:pPr>
-            <a:r>
-              <a:rPr lang="fr-CH" sz="2000" dirty="0"/>
-              <a:t>Dans un 1er temps la mise en place se fera en salle C111, afin de réaliser l’implémentation du schéma physique indépendamment du réseau de l’école.</a:t>
-            </a:r>
-          </a:p>
-          <a:p>
-            <a:pPr marL="0" indent="0" algn="just">
-              <a:buNone/>
-            </a:pPr>
-            <a:r>
-              <a:rPr lang="fr-CH" sz="2000" dirty="0"/>
-              <a:t>Dans un 2ème temps le FortiGate sera connecté au réseau physique de l’école en conservant sa configuration tel quel, afin de d’évaluer les possibilités et les limites d’un tel implémentation. L’idée étant que le module soit réalisé à distance en exploitant des PC et des VM dans les salles de classes.</a:t>
-            </a:r>
-          </a:p>
-          <a:p>
-            <a:pPr marL="0" indent="0" algn="just">
-              <a:buNone/>
-            </a:pPr>
-            <a:r>
-              <a:rPr lang="fr-CH" sz="2000" dirty="0"/>
-              <a:t>Les éléments nécessaires pour constituer la partie « Internet » et représenter les hôtes et les switches, sont laissé au choix du candidat, en tenant compte que lors du 2ème temps se sera le réseau réel du CPNV qui sera utilisé.</a:t>
-            </a:r>
-          </a:p>
-          <a:p>
-            <a:pPr marL="0" indent="0">
-              <a:buNone/>
-            </a:pPr>
-            <a:endParaRPr lang="fr-CH" dirty="0"/>
-          </a:p>
-        </p:txBody>
-      </p:sp>
-      <p:sp>
-        <p:nvSpPr>
-          <p:cNvPr id="6" name="Espace réservé du contenu 5"/>
-          <p:cNvSpPr>
-            <a:spLocks noGrp="1"/>
-          </p:cNvSpPr>
-          <p:nvPr>
-            <p:ph sz="quarter" idx="4"/>
-          </p:nvPr>
-        </p:nvSpPr>
-        <p:spPr>
-          <a:xfrm>
-            <a:off x="5654495" y="2909236"/>
-            <a:ext cx="4396339" cy="3481939"/>
-          </a:xfrm>
-        </p:spPr>
-        <p:txBody>
-          <a:bodyPr>
-            <a:noAutofit/>
-          </a:bodyPr>
-          <a:lstStyle/>
-          <a:p>
-            <a:pPr marL="0" indent="0">
-              <a:buNone/>
-            </a:pPr>
-            <a:r>
-              <a:rPr lang="fr-CH" sz="1100" dirty="0"/>
-              <a:t>1. Pertinence de l'implémentation du 1</a:t>
-            </a:r>
-            <a:r>
-              <a:rPr lang="fr-CH" sz="1100" baseline="30000" dirty="0"/>
-              <a:t>er</a:t>
-            </a:r>
-            <a:r>
-              <a:rPr lang="fr-CH" sz="1100" dirty="0"/>
-              <a:t> temps</a:t>
-            </a:r>
-          </a:p>
-          <a:p>
-            <a:pPr marL="0" indent="0">
-              <a:buNone/>
-            </a:pPr>
-            <a:r>
-              <a:rPr lang="fr-CH" sz="1100" dirty="0"/>
-              <a:t>2.  Pertinence de la partie "Internet" proposée dans le 1</a:t>
-            </a:r>
-            <a:r>
-              <a:rPr lang="fr-CH" sz="1100" baseline="30000" dirty="0"/>
-              <a:t>er</a:t>
-            </a:r>
-            <a:r>
-              <a:rPr lang="fr-CH" sz="1100" dirty="0"/>
-              <a:t> temps</a:t>
-            </a:r>
-          </a:p>
-          <a:p>
-            <a:pPr marL="0" indent="0">
-              <a:buNone/>
-            </a:pPr>
-            <a:r>
-              <a:rPr lang="fr-CH" sz="1100" dirty="0"/>
-              <a:t>3.  A la fin du 1</a:t>
-            </a:r>
-            <a:r>
-              <a:rPr lang="fr-CH" sz="1100" baseline="30000" dirty="0"/>
-              <a:t>er</a:t>
-            </a:r>
-            <a:r>
-              <a:rPr lang="fr-CH" sz="1100" dirty="0"/>
-              <a:t> temps tous les clients et le télétravailleur peuvent atteindre le serveur et les imprimantes par leur adresse IP</a:t>
-            </a:r>
-          </a:p>
-          <a:p>
-            <a:pPr marL="0" indent="0">
-              <a:buNone/>
-            </a:pPr>
-            <a:r>
-              <a:rPr lang="fr-CH" sz="1100" dirty="0"/>
-              <a:t>4.  Adressage IP proposé pour le siège, la succursale et le télétravailleur conforme au schéma du CDC</a:t>
-            </a:r>
-          </a:p>
-          <a:p>
-            <a:pPr marL="0" indent="0">
-              <a:buNone/>
-            </a:pPr>
-            <a:r>
-              <a:rPr lang="fr-CH" sz="1100" dirty="0"/>
-              <a:t>5.  Pertinence de l'implémentation du 2</a:t>
-            </a:r>
-            <a:r>
-              <a:rPr lang="fr-CH" sz="1100" baseline="30000" dirty="0"/>
-              <a:t>ème</a:t>
-            </a:r>
-            <a:r>
-              <a:rPr lang="fr-CH" sz="1100" dirty="0"/>
-              <a:t> temps</a:t>
-            </a:r>
-          </a:p>
-          <a:p>
-            <a:pPr marL="0" indent="0">
-              <a:buNone/>
-            </a:pPr>
-            <a:r>
-              <a:rPr lang="fr-CH" sz="1100" dirty="0"/>
-              <a:t>6.  A la fin du 2</a:t>
-            </a:r>
-            <a:r>
-              <a:rPr lang="fr-CH" sz="1100" baseline="30000" dirty="0"/>
-              <a:t>ème</a:t>
-            </a:r>
-            <a:r>
-              <a:rPr lang="fr-CH" sz="1100" dirty="0"/>
-              <a:t> tous les clients et le télétravailleur peuvent atteindre le serveur et les imprimantes par leur adresse IP </a:t>
-            </a:r>
-          </a:p>
-          <a:p>
-            <a:pPr marL="0" indent="0">
-              <a:buNone/>
-            </a:pPr>
-            <a:r>
-              <a:rPr lang="fr-CH" sz="1100" dirty="0"/>
-              <a:t>7.  En fonction des caractéristiques de l'Appliance Fortinet, déterminer le nombre maximal d'implémentations du schéma proposé qu'il est théoriquement possible de réaliser sans tenir compte des performances</a:t>
-            </a:r>
-          </a:p>
-          <a:p>
-            <a:endParaRPr lang="fr-CH" sz="1200" dirty="0"/>
-          </a:p>
-        </p:txBody>
-      </p:sp>
-      <p:sp>
-        <p:nvSpPr>
-          <p:cNvPr id="7" name="Espace réservé du pied de page 6"/>
-          <p:cNvSpPr>
-            <a:spLocks noGrp="1"/>
-          </p:cNvSpPr>
-          <p:nvPr>
-            <p:ph type="ftr" sz="quarter" idx="11"/>
-          </p:nvPr>
-        </p:nvSpPr>
-        <p:spPr/>
-        <p:txBody>
-          <a:bodyPr/>
-          <a:lstStyle/>
-          <a:p>
-            <a:r>
-              <a:rPr lang="fr-CH" dirty="0"/>
-              <a:t>Damien Mayor</a:t>
-            </a:r>
-          </a:p>
-        </p:txBody>
-      </p:sp>
-      <p:sp>
-        <p:nvSpPr>
-          <p:cNvPr id="8" name="Espace réservé du numéro de diapositive 7"/>
-          <p:cNvSpPr>
-            <a:spLocks noGrp="1"/>
-          </p:cNvSpPr>
-          <p:nvPr>
-            <p:ph type="sldNum" sz="quarter" idx="12"/>
-          </p:nvPr>
-        </p:nvSpPr>
-        <p:spPr/>
-        <p:txBody>
-          <a:bodyPr/>
-          <a:lstStyle/>
-          <a:p>
-            <a:fld id="{2FCD9DE2-19B8-4E75-A167-0E6B1D03D668}" type="slidenum">
-              <a:rPr lang="fr-CH">
-                <a:solidFill>
-                  <a:srgbClr val="C00000"/>
-                </a:solidFill>
-                <a:effectLst>
-                  <a:outerShdw blurRad="38100" dist="38100" dir="2700000" algn="tl">
-                    <a:srgbClr val="000000">
-                      <a:alpha val="43137"/>
-                    </a:srgbClr>
-                  </a:outerShdw>
-                </a:effectLst>
-              </a:rPr>
-              <a:pPr/>
-              <a:t>4</a:t>
-            </a:fld>
-            <a:endParaRPr lang="fr-CH" dirty="0">
-              <a:solidFill>
-                <a:srgbClr val="C00000"/>
-              </a:solidFill>
-              <a:effectLst>
-                <a:outerShdw blurRad="38100" dist="38100" dir="2700000" algn="tl">
-                  <a:srgbClr val="000000">
-                    <a:alpha val="43137"/>
-                  </a:srgbClr>
-                </a:outerShdw>
-              </a:effectLst>
-            </a:endParaRPr>
-          </a:p>
-        </p:txBody>
-      </p:sp>
-      <p:sp>
-        <p:nvSpPr>
-          <p:cNvPr id="9" name="Titre 1">
-            <a:extLst>
-              <a:ext uri="{FF2B5EF4-FFF2-40B4-BE49-F238E27FC236}">
-                <a16:creationId xmlns:a16="http://schemas.microsoft.com/office/drawing/2014/main" id="{EA430A85-0789-40CC-6588-3C05FE69A4D4}"/>
-              </a:ext>
-            </a:extLst>
-          </p:cNvPr>
-          <p:cNvSpPr txBox="1">
-            <a:spLocks/>
-          </p:cNvSpPr>
-          <p:nvPr/>
-        </p:nvSpPr>
-        <p:spPr>
-          <a:xfrm>
-            <a:off x="652463" y="1143556"/>
-            <a:ext cx="9404723" cy="662208"/>
-          </a:xfrm>
-          <a:prstGeom prst="rect">
-            <a:avLst/>
-          </a:prstGeom>
-        </p:spPr>
-        <p:txBody>
-          <a:bodyPr vert="horz" lIns="91440" tIns="45720" rIns="91440" bIns="45720" rtlCol="0" anchor="t">
-            <a:noAutofit/>
-          </a:bodyPr>
-          <a:lstStyle>
-            <a:lvl1pPr algn="l" defTabSz="457200" rtl="0" eaLnBrk="1" latinLnBrk="0" hangingPunct="1">
-              <a:spcBef>
-                <a:spcPct val="0"/>
-              </a:spcBef>
-              <a:buNone/>
-              <a:defRPr sz="4200" b="0" i="0" kern="1200">
-                <a:solidFill>
-                  <a:schemeClr val="tx2"/>
-                </a:solidFill>
-                <a:latin typeface="+mj-lt"/>
-                <a:ea typeface="+mj-ea"/>
-                <a:cs typeface="+mj-cs"/>
-              </a:defRPr>
-            </a:lvl1pPr>
-            <a:lvl2pPr eaLnBrk="1" hangingPunct="1">
-              <a:defRPr>
-                <a:solidFill>
-                  <a:schemeClr val="tx2"/>
-                </a:solidFill>
-              </a:defRPr>
-            </a:lvl2pPr>
-            <a:lvl3pPr eaLnBrk="1" hangingPunct="1">
-              <a:defRPr>
-                <a:solidFill>
-                  <a:schemeClr val="tx2"/>
-                </a:solidFill>
-              </a:defRPr>
-            </a:lvl3pPr>
-            <a:lvl4pPr eaLnBrk="1" hangingPunct="1">
-              <a:defRPr>
-                <a:solidFill>
-                  <a:schemeClr val="tx2"/>
-                </a:solidFill>
-              </a:defRPr>
-            </a:lvl4pPr>
-            <a:lvl5pPr eaLnBrk="1" hangingPunct="1">
-              <a:defRPr>
-                <a:solidFill>
-                  <a:schemeClr val="tx2"/>
-                </a:solidFill>
-              </a:defRPr>
-            </a:lvl5pPr>
-            <a:lvl6pPr eaLnBrk="1" hangingPunct="1">
-              <a:defRPr>
-                <a:solidFill>
-                  <a:schemeClr val="tx2"/>
-                </a:solidFill>
-              </a:defRPr>
-            </a:lvl6pPr>
-            <a:lvl7pPr eaLnBrk="1" hangingPunct="1">
-              <a:defRPr>
-                <a:solidFill>
-                  <a:schemeClr val="tx2"/>
-                </a:solidFill>
-              </a:defRPr>
-            </a:lvl7pPr>
-            <a:lvl8pPr eaLnBrk="1" hangingPunct="1">
-              <a:defRPr>
-                <a:solidFill>
-                  <a:schemeClr val="tx2"/>
-                </a:solidFill>
-              </a:defRPr>
-            </a:lvl8pPr>
-            <a:lvl9pPr eaLnBrk="1" hangingPunct="1">
-              <a:defRPr>
-                <a:solidFill>
-                  <a:schemeClr val="tx2"/>
-                </a:solidFill>
-              </a:defRPr>
-            </a:lvl9pPr>
-          </a:lstStyle>
-          <a:p>
-            <a:r>
-              <a:rPr lang="fr-CH" sz="3400" dirty="0">
-                <a:solidFill>
-                  <a:schemeClr val="accent2">
-                    <a:lumMod val="75000"/>
-                  </a:schemeClr>
-                </a:solidFill>
-                <a:effectLst>
-                  <a:outerShdw blurRad="38100" dist="38100" dir="2700000" algn="tl">
-                    <a:srgbClr val="000000">
-                      <a:alpha val="43137"/>
-                    </a:srgbClr>
-                  </a:outerShdw>
-                </a:effectLst>
-              </a:rPr>
-              <a:t>Mise en place de firewalls virtuels sur une Appliance </a:t>
-            </a:r>
-            <a:r>
-              <a:rPr lang="fr-CH" sz="3400" dirty="0">
-                <a:solidFill>
-                  <a:srgbClr val="C00000"/>
-                </a:solidFill>
-                <a:effectLst>
-                  <a:outerShdw blurRad="38100" dist="38100" dir="2700000" algn="tl">
-                    <a:srgbClr val="000000">
-                      <a:alpha val="43137"/>
-                    </a:srgbClr>
-                  </a:outerShdw>
-                </a:effectLst>
-              </a:rPr>
-              <a:t>FORTINET</a:t>
-            </a:r>
-            <a:r>
-              <a:rPr lang="fr-CH" sz="3400" dirty="0">
-                <a:solidFill>
-                  <a:schemeClr val="accent2">
-                    <a:lumMod val="75000"/>
-                  </a:schemeClr>
-                </a:solidFill>
-                <a:effectLst>
-                  <a:outerShdw blurRad="38100" dist="38100" dir="2700000" algn="tl">
-                    <a:srgbClr val="000000">
-                      <a:alpha val="43137"/>
-                    </a:srgbClr>
-                  </a:outerShdw>
-                </a:effectLst>
-              </a:rPr>
-              <a:t> adapté au module 146</a:t>
-            </a:r>
-          </a:p>
-        </p:txBody>
-      </p:sp>
-      <p:sp>
-        <p:nvSpPr>
-          <p:cNvPr id="10" name="Espace réservé du texte 2"/>
-          <p:cNvSpPr>
-            <a:spLocks noGrp="1"/>
-          </p:cNvSpPr>
-          <p:nvPr>
-            <p:ph type="body" idx="1"/>
-          </p:nvPr>
-        </p:nvSpPr>
-        <p:spPr>
-          <a:xfrm>
-            <a:off x="747177" y="2288507"/>
-            <a:ext cx="2946866" cy="576262"/>
-          </a:xfrm>
-        </p:spPr>
-        <p:txBody>
-          <a:bodyPr/>
-          <a:lstStyle/>
-          <a:p>
-            <a:r>
-              <a:rPr lang="fr-CH" dirty="0"/>
-              <a:t>Descriptif</a:t>
-            </a:r>
-          </a:p>
-        </p:txBody>
-      </p:sp>
-      <p:sp>
-        <p:nvSpPr>
-          <p:cNvPr id="11" name="Espace réservé du texte 6"/>
-          <p:cNvSpPr>
-            <a:spLocks noGrp="1"/>
-          </p:cNvSpPr>
-          <p:nvPr>
-            <p:ph type="body" sz="quarter" idx="4294967295"/>
-          </p:nvPr>
-        </p:nvSpPr>
-        <p:spPr>
-          <a:xfrm>
-            <a:off x="5654495" y="2371701"/>
-            <a:ext cx="2932113" cy="576262"/>
-          </a:xfrm>
-          <a:prstGeom prst="rect">
-            <a:avLst/>
-          </a:prstGeom>
-        </p:spPr>
-        <p:txBody>
-          <a:bodyPr/>
-          <a:lstStyle/>
-          <a:p>
-            <a:pPr marL="0" indent="0">
-              <a:buNone/>
-            </a:pPr>
-            <a:r>
-              <a:rPr lang="fr-CH" sz="2400" dirty="0">
-                <a:solidFill>
-                  <a:schemeClr val="bg2">
-                    <a:lumMod val="40000"/>
-                    <a:lumOff val="60000"/>
-                  </a:schemeClr>
-                </a:solidFill>
-              </a:rPr>
-              <a:t>Points spécifiques </a:t>
-            </a:r>
-          </a:p>
-        </p:txBody>
-      </p:sp>
-      <p:sp>
-        <p:nvSpPr>
-          <p:cNvPr id="14" name="Titre 1">
-            <a:extLst>
-              <a:ext uri="{FF2B5EF4-FFF2-40B4-BE49-F238E27FC236}">
-                <a16:creationId xmlns:a16="http://schemas.microsoft.com/office/drawing/2014/main" id="{EA430A85-0789-40CC-6588-3C05FE69A4D4}"/>
-              </a:ext>
-            </a:extLst>
-          </p:cNvPr>
-          <p:cNvSpPr txBox="1">
-            <a:spLocks/>
-          </p:cNvSpPr>
-          <p:nvPr/>
-        </p:nvSpPr>
-        <p:spPr>
-          <a:xfrm>
-            <a:off x="747177" y="5773434"/>
-            <a:ext cx="4396339" cy="662208"/>
-          </a:xfrm>
-          <a:prstGeom prst="rect">
-            <a:avLst/>
-          </a:prstGeom>
-        </p:spPr>
-        <p:txBody>
-          <a:bodyPr vert="horz" lIns="91440" tIns="45720" rIns="91440" bIns="45720" rtlCol="0" anchor="t">
-            <a:noAutofit/>
-          </a:bodyPr>
-          <a:lstStyle>
-            <a:lvl1pPr algn="l" defTabSz="457200" rtl="0" eaLnBrk="1" latinLnBrk="0" hangingPunct="1">
-              <a:spcBef>
-                <a:spcPct val="0"/>
-              </a:spcBef>
-              <a:buNone/>
-              <a:defRPr sz="4200" b="0" i="0" kern="1200">
-                <a:solidFill>
-                  <a:schemeClr val="tx2"/>
-                </a:solidFill>
-                <a:latin typeface="+mj-lt"/>
-                <a:ea typeface="+mj-ea"/>
-                <a:cs typeface="+mj-cs"/>
-              </a:defRPr>
-            </a:lvl1pPr>
-            <a:lvl2pPr eaLnBrk="1" hangingPunct="1">
-              <a:defRPr>
-                <a:solidFill>
-                  <a:schemeClr val="tx2"/>
-                </a:solidFill>
-              </a:defRPr>
-            </a:lvl2pPr>
-            <a:lvl3pPr eaLnBrk="1" hangingPunct="1">
-              <a:defRPr>
-                <a:solidFill>
-                  <a:schemeClr val="tx2"/>
-                </a:solidFill>
-              </a:defRPr>
-            </a:lvl3pPr>
-            <a:lvl4pPr eaLnBrk="1" hangingPunct="1">
-              <a:defRPr>
-                <a:solidFill>
-                  <a:schemeClr val="tx2"/>
-                </a:solidFill>
-              </a:defRPr>
-            </a:lvl4pPr>
-            <a:lvl5pPr eaLnBrk="1" hangingPunct="1">
-              <a:defRPr>
-                <a:solidFill>
-                  <a:schemeClr val="tx2"/>
-                </a:solidFill>
-              </a:defRPr>
-            </a:lvl5pPr>
-            <a:lvl6pPr eaLnBrk="1" hangingPunct="1">
-              <a:defRPr>
-                <a:solidFill>
-                  <a:schemeClr val="tx2"/>
-                </a:solidFill>
-              </a:defRPr>
-            </a:lvl6pPr>
-            <a:lvl7pPr eaLnBrk="1" hangingPunct="1">
-              <a:defRPr>
-                <a:solidFill>
-                  <a:schemeClr val="tx2"/>
-                </a:solidFill>
-              </a:defRPr>
-            </a:lvl7pPr>
-            <a:lvl8pPr eaLnBrk="1" hangingPunct="1">
-              <a:defRPr>
-                <a:solidFill>
-                  <a:schemeClr val="tx2"/>
-                </a:solidFill>
-              </a:defRPr>
-            </a:lvl8pPr>
-            <a:lvl9pPr eaLnBrk="1" hangingPunct="1">
-              <a:defRPr>
-                <a:solidFill>
-                  <a:schemeClr val="tx2"/>
-                </a:solidFill>
-              </a:defRPr>
-            </a:lvl9pPr>
-          </a:lstStyle>
-          <a:p>
-            <a:r>
-              <a:rPr lang="fr-CH" sz="3400" dirty="0">
-                <a:solidFill>
-                  <a:schemeClr val="accent4">
-                    <a:lumMod val="75000"/>
-                  </a:schemeClr>
-                </a:solidFill>
-                <a:effectLst>
-                  <a:outerShdw blurRad="38100" dist="38100" dir="2700000" algn="tl">
-                    <a:srgbClr val="000000">
-                      <a:alpha val="43137"/>
-                    </a:srgbClr>
-                  </a:outerShdw>
-                </a:effectLst>
-              </a:rPr>
-              <a:t>Annexe 7.2 page 40</a:t>
-            </a:r>
-          </a:p>
-        </p:txBody>
-      </p:sp>
-      <p:cxnSp>
-        <p:nvCxnSpPr>
-          <p:cNvPr id="16" name="Connecteur droit 15"/>
-          <p:cNvCxnSpPr/>
-          <p:nvPr/>
-        </p:nvCxnSpPr>
-        <p:spPr>
-          <a:xfrm flipH="1">
-            <a:off x="5361273" y="2464067"/>
-            <a:ext cx="19249" cy="3753853"/>
-          </a:xfrm>
-          <a:prstGeom prst="line">
-            <a:avLst/>
-          </a:prstGeom>
-        </p:spPr>
-        <p:style>
-          <a:lnRef idx="1">
-            <a:schemeClr val="accent1"/>
-          </a:lnRef>
-          <a:fillRef idx="0">
-            <a:schemeClr val="accent1"/>
-          </a:fillRef>
-          <a:effectRef idx="0">
-            <a:schemeClr val="accent1"/>
-          </a:effectRef>
-          <a:fontRef idx="minor">
-            <a:schemeClr val="tx1"/>
-          </a:fontRef>
-        </p:style>
-      </p:cxnSp>
-    </p:spTree>
-    <p:extLst>
-      <p:ext uri="{BB962C8B-B14F-4D97-AF65-F5344CB8AC3E}">
-        <p14:creationId xmlns:p14="http://schemas.microsoft.com/office/powerpoint/2010/main" val="2678266736"/>
-      </p:ext>
-    </p:extLst>
-  </p:cSld>
-  <p:clrMapOvr>
-    <a:masterClrMapping/>
-  </p:clrMapOvr>
-</p:sld>
-</file>
-
-<file path=ppt/slides/slide5.xml><?xml version="1.0" encoding="utf-8"?>
-<p:sld xmlns:a="http://schemas.openxmlformats.org/drawingml/2006/main" xmlns:r="http://schemas.openxmlformats.org/officeDocument/2006/relationships" xmlns:p="http://schemas.openxmlformats.org/presentationml/2006/main">
-  <p:cSld>
-    <p:spTree>
-      <p:nvGrpSpPr>
-        <p:cNvPr id="1" name=""/>
-        <p:cNvGrpSpPr/>
-        <p:nvPr/>
-      </p:nvGrpSpPr>
-      <p:grpSpPr>
-        <a:xfrm>
-          <a:off x="0" y="0"/>
-          <a:ext cx="0" cy="0"/>
-          <a:chOff x="0" y="0"/>
-          <a:chExt cx="0" cy="0"/>
-        </a:xfrm>
-      </p:grpSpPr>
-      <p:sp>
-        <p:nvSpPr>
-          <p:cNvPr id="2" name="Titre 1"/>
-          <p:cNvSpPr>
-            <a:spLocks noGrp="1"/>
-          </p:cNvSpPr>
-          <p:nvPr>
-            <p:ph type="title"/>
-          </p:nvPr>
-        </p:nvSpPr>
-        <p:spPr/>
-        <p:txBody>
-          <a:bodyPr/>
-          <a:lstStyle/>
-          <a:p>
-            <a:r>
-              <a:rPr lang="fr-CH" dirty="0">
-                <a:effectLst>
-                  <a:outerShdw blurRad="38100" dist="38100" dir="2700000" algn="tl">
-                    <a:srgbClr val="000000">
-                      <a:alpha val="43137"/>
-                    </a:srgbClr>
-                  </a:outerShdw>
-                </a:effectLst>
-              </a:rPr>
-              <a:t>Planification</a:t>
-            </a:r>
-          </a:p>
-        </p:txBody>
-      </p:sp>
-      <p:sp>
-        <p:nvSpPr>
-          <p:cNvPr id="4" name="Espace réservé du pied de page 3"/>
-          <p:cNvSpPr>
-            <a:spLocks noGrp="1"/>
-          </p:cNvSpPr>
-          <p:nvPr>
-            <p:ph type="ftr" sz="quarter" idx="11"/>
-          </p:nvPr>
-        </p:nvSpPr>
-        <p:spPr/>
-        <p:txBody>
-          <a:bodyPr/>
-          <a:lstStyle/>
-          <a:p>
-            <a:r>
-              <a:rPr lang="fr-CH" dirty="0"/>
-              <a:t>Damien Mayor</a:t>
-            </a:r>
-          </a:p>
-        </p:txBody>
-      </p:sp>
-      <p:sp>
-        <p:nvSpPr>
-          <p:cNvPr id="5" name="Espace réservé du numéro de diapositive 4"/>
-          <p:cNvSpPr>
-            <a:spLocks noGrp="1"/>
-          </p:cNvSpPr>
-          <p:nvPr>
-            <p:ph type="sldNum" sz="quarter" idx="12"/>
-          </p:nvPr>
-        </p:nvSpPr>
-        <p:spPr/>
-        <p:txBody>
-          <a:bodyPr/>
-          <a:lstStyle/>
-          <a:p>
-            <a:fld id="{2FCD9DE2-19B8-4E75-A167-0E6B1D03D668}" type="slidenum">
-              <a:rPr lang="fr-CH" smtClean="0">
-                <a:solidFill>
-                  <a:srgbClr val="C00000"/>
-                </a:solidFill>
-                <a:effectLst>
-                  <a:outerShdw blurRad="38100" dist="38100" dir="2700000" algn="tl">
-                    <a:srgbClr val="000000">
-                      <a:alpha val="43137"/>
-                    </a:srgbClr>
-                  </a:outerShdw>
-                </a:effectLst>
-              </a:rPr>
-              <a:t>5</a:t>
-            </a:fld>
-            <a:endParaRPr lang="fr-CH" dirty="0">
-              <a:solidFill>
-                <a:srgbClr val="C00000"/>
-              </a:solidFill>
-              <a:effectLst>
-                <a:outerShdw blurRad="38100" dist="38100" dir="2700000" algn="tl">
-                  <a:srgbClr val="000000">
-                    <a:alpha val="43137"/>
-                  </a:srgbClr>
-                </a:outerShdw>
-              </a:effectLst>
-            </a:endParaRPr>
-          </a:p>
-        </p:txBody>
-      </p:sp>
-      <p:graphicFrame>
-        <p:nvGraphicFramePr>
-          <p:cNvPr id="7" name="Graphique 6"/>
-          <p:cNvGraphicFramePr>
-            <a:graphicFrameLocks/>
-          </p:cNvGraphicFramePr>
-          <p:nvPr>
-            <p:extLst>
-              <p:ext uri="{D42A27DB-BD31-4B8C-83A1-F6EECF244321}">
-                <p14:modId xmlns:p14="http://schemas.microsoft.com/office/powerpoint/2010/main" val="3046648890"/>
-              </p:ext>
-            </p:extLst>
-          </p:nvPr>
-        </p:nvGraphicFramePr>
-        <p:xfrm>
-          <a:off x="734429" y="1729211"/>
-          <a:ext cx="4993908" cy="3020085"/>
-        </p:xfrm>
-        <a:graphic>
-          <a:graphicData uri="http://schemas.openxmlformats.org/drawingml/2006/chart">
-            <c:chart xmlns:c="http://schemas.openxmlformats.org/drawingml/2006/chart" xmlns:r="http://schemas.openxmlformats.org/officeDocument/2006/relationships" r:id="rId3"/>
-          </a:graphicData>
-        </a:graphic>
-      </p:graphicFrame>
-      <p:graphicFrame>
-        <p:nvGraphicFramePr>
-          <p:cNvPr id="8" name="Graphique 7"/>
-          <p:cNvGraphicFramePr>
-            <a:graphicFrameLocks/>
-          </p:cNvGraphicFramePr>
-          <p:nvPr>
-            <p:extLst>
-              <p:ext uri="{D42A27DB-BD31-4B8C-83A1-F6EECF244321}">
-                <p14:modId xmlns:p14="http://schemas.microsoft.com/office/powerpoint/2010/main" val="1357482943"/>
-              </p:ext>
-            </p:extLst>
-          </p:nvPr>
-        </p:nvGraphicFramePr>
-        <p:xfrm>
-          <a:off x="5816654" y="1729212"/>
-          <a:ext cx="4887426" cy="3020085"/>
-        </p:xfrm>
-        <a:graphic>
-          <a:graphicData uri="http://schemas.openxmlformats.org/drawingml/2006/chart">
-            <c:chart xmlns:c="http://schemas.openxmlformats.org/drawingml/2006/chart" xmlns:r="http://schemas.openxmlformats.org/officeDocument/2006/relationships" r:id="rId4"/>
-          </a:graphicData>
-        </a:graphic>
-      </p:graphicFrame>
-      <p:sp>
-        <p:nvSpPr>
-          <p:cNvPr id="9" name="Espace réservé du contenu 2"/>
-          <p:cNvSpPr>
-            <a:spLocks noGrp="1"/>
-          </p:cNvSpPr>
-          <p:nvPr>
-            <p:ph idx="1"/>
-          </p:nvPr>
-        </p:nvSpPr>
-        <p:spPr>
-          <a:xfrm>
-            <a:off x="734429" y="5004753"/>
-            <a:ext cx="8946541" cy="1346253"/>
-          </a:xfrm>
-        </p:spPr>
-        <p:txBody>
-          <a:bodyPr>
-            <a:normAutofit/>
-          </a:bodyPr>
-          <a:lstStyle/>
-          <a:p>
-            <a:r>
-              <a:rPr lang="fr-CH" dirty="0">
-                <a:solidFill>
-                  <a:schemeClr val="tx2"/>
-                </a:solidFill>
-              </a:rPr>
-              <a:t>Implémentation 2</a:t>
-            </a:r>
-            <a:r>
-              <a:rPr lang="fr-CH" baseline="30000" dirty="0">
-                <a:solidFill>
-                  <a:schemeClr val="tx2"/>
-                </a:solidFill>
-              </a:rPr>
-              <a:t>ème</a:t>
-            </a:r>
-            <a:r>
-              <a:rPr lang="fr-CH" dirty="0">
-                <a:solidFill>
-                  <a:schemeClr val="tx2"/>
-                </a:solidFill>
-              </a:rPr>
-              <a:t> temps : -21.2%</a:t>
-            </a:r>
-          </a:p>
-          <a:p>
-            <a:r>
-              <a:rPr lang="fr-CH" dirty="0">
-                <a:solidFill>
-                  <a:schemeClr val="tx2"/>
-                </a:solidFill>
-              </a:rPr>
-              <a:t>Documentation : +21.9%</a:t>
-            </a:r>
-          </a:p>
-        </p:txBody>
-      </p:sp>
-    </p:spTree>
-    <p:extLst>
-      <p:ext uri="{BB962C8B-B14F-4D97-AF65-F5344CB8AC3E}">
-        <p14:creationId xmlns:p14="http://schemas.microsoft.com/office/powerpoint/2010/main" val="3890381169"/>
-      </p:ext>
-    </p:extLst>
-  </p:cSld>
-  <p:clrMapOvr>
-    <a:masterClrMapping/>
-  </p:clrMapOvr>
-</p:sld>
-</file>
-
-<file path=ppt/slides/slide6.xml><?xml version="1.0" encoding="utf-8"?>
-<p:sld xmlns:a="http://schemas.openxmlformats.org/drawingml/2006/main" xmlns:r="http://schemas.openxmlformats.org/officeDocument/2006/relationships" xmlns:p="http://schemas.openxmlformats.org/presentationml/2006/main">
-  <p:cSld>
-    <p:spTree>
-      <p:nvGrpSpPr>
-        <p:cNvPr id="1" name=""/>
-        <p:cNvGrpSpPr/>
-        <p:nvPr/>
-      </p:nvGrpSpPr>
-      <p:grpSpPr>
-        <a:xfrm>
-          <a:off x="0" y="0"/>
-          <a:ext cx="0" cy="0"/>
-          <a:chOff x="0" y="0"/>
-          <a:chExt cx="0" cy="0"/>
-        </a:xfrm>
-      </p:grpSpPr>
-      <p:sp>
-        <p:nvSpPr>
-          <p:cNvPr id="2" name="Titre 1"/>
-          <p:cNvSpPr>
-            <a:spLocks noGrp="1"/>
-          </p:cNvSpPr>
-          <p:nvPr>
-            <p:ph type="title"/>
-          </p:nvPr>
-        </p:nvSpPr>
-        <p:spPr/>
-        <p:txBody>
-          <a:bodyPr/>
-          <a:lstStyle/>
-          <a:p>
-            <a:r>
-              <a:rPr lang="fr-CH" dirty="0">
-                <a:effectLst>
-                  <a:outerShdw blurRad="38100" dist="38100" dir="2700000" algn="tl">
-                    <a:srgbClr val="000000">
-                      <a:alpha val="43137"/>
-                    </a:srgbClr>
-                  </a:outerShdw>
-                </a:effectLst>
-              </a:rPr>
-              <a:t>Réalisation</a:t>
-            </a:r>
-          </a:p>
-        </p:txBody>
-      </p:sp>
-      <p:sp>
-        <p:nvSpPr>
-          <p:cNvPr id="4" name="Espace réservé du pied de page 3"/>
-          <p:cNvSpPr>
-            <a:spLocks noGrp="1"/>
-          </p:cNvSpPr>
-          <p:nvPr>
-            <p:ph type="ftr" sz="quarter" idx="11"/>
-          </p:nvPr>
-        </p:nvSpPr>
-        <p:spPr/>
-        <p:txBody>
-          <a:bodyPr/>
-          <a:lstStyle/>
-          <a:p>
-            <a:r>
-              <a:rPr lang="fr-CH" dirty="0"/>
-              <a:t>Damien Mayor</a:t>
-            </a:r>
-          </a:p>
-        </p:txBody>
-      </p:sp>
-      <p:sp>
-        <p:nvSpPr>
-          <p:cNvPr id="5" name="Espace réservé du numéro de diapositive 4"/>
-          <p:cNvSpPr>
-            <a:spLocks noGrp="1"/>
-          </p:cNvSpPr>
-          <p:nvPr>
-            <p:ph type="sldNum" sz="quarter" idx="12"/>
-          </p:nvPr>
-        </p:nvSpPr>
-        <p:spPr/>
-        <p:txBody>
-          <a:bodyPr/>
-          <a:lstStyle/>
-          <a:p>
-            <a:fld id="{2FCD9DE2-19B8-4E75-A167-0E6B1D03D668}" type="slidenum">
-              <a:rPr lang="fr-CH" smtClean="0">
-                <a:solidFill>
-                  <a:srgbClr val="C00000"/>
-                </a:solidFill>
-                <a:effectLst>
-                  <a:outerShdw blurRad="38100" dist="38100" dir="2700000" algn="tl">
-                    <a:srgbClr val="000000">
-                      <a:alpha val="43137"/>
-                    </a:srgbClr>
-                  </a:outerShdw>
-                </a:effectLst>
-              </a:rPr>
-              <a:t>6</a:t>
-            </a:fld>
-            <a:endParaRPr lang="fr-CH" dirty="0">
-              <a:solidFill>
-                <a:srgbClr val="C00000"/>
-              </a:solidFill>
-              <a:effectLst>
-                <a:outerShdw blurRad="38100" dist="38100" dir="2700000" algn="tl">
-                  <a:srgbClr val="000000">
-                    <a:alpha val="43137"/>
-                  </a:srgbClr>
-                </a:outerShdw>
-              </a:effectLst>
-            </a:endParaRPr>
-          </a:p>
-        </p:txBody>
-      </p:sp>
-      <p:graphicFrame>
-        <p:nvGraphicFramePr>
-          <p:cNvPr id="6" name="Diagramme 5"/>
-          <p:cNvGraphicFramePr/>
-          <p:nvPr>
-            <p:extLst>
-              <p:ext uri="{D42A27DB-BD31-4B8C-83A1-F6EECF244321}">
-                <p14:modId xmlns:p14="http://schemas.microsoft.com/office/powerpoint/2010/main" val="3696211957"/>
-              </p:ext>
-            </p:extLst>
-          </p:nvPr>
-        </p:nvGraphicFramePr>
-        <p:xfrm>
-          <a:off x="1318882" y="1297858"/>
-          <a:ext cx="7682271" cy="4840475"/>
-        </p:xfrm>
-        <a:graphic>
-          <a:graphicData uri="http://schemas.openxmlformats.org/drawingml/2006/diagram">
-            <dgm:relIds xmlns:dgm="http://schemas.openxmlformats.org/drawingml/2006/diagram" xmlns:r="http://schemas.openxmlformats.org/officeDocument/2006/relationships" r:dm="rId2" r:lo="rId3" r:qs="rId4" r:cs="rId5"/>
-          </a:graphicData>
-        </a:graphic>
-      </p:graphicFrame>
-    </p:spTree>
-    <p:extLst>
-      <p:ext uri="{BB962C8B-B14F-4D97-AF65-F5344CB8AC3E}">
-        <p14:creationId xmlns:p14="http://schemas.microsoft.com/office/powerpoint/2010/main" val="957871612"/>
-      </p:ext>
-    </p:extLst>
-  </p:cSld>
-  <p:clrMapOvr>
-    <a:masterClrMapping/>
-  </p:clrMapOvr>
-</p:sld>
-</file>
-
-<file path=ppt/slides/slide7.xml><?xml version="1.0" encoding="utf-8"?>
-<p:sld xmlns:a="http://schemas.openxmlformats.org/drawingml/2006/main" xmlns:r="http://schemas.openxmlformats.org/officeDocument/2006/relationships" xmlns:p="http://schemas.openxmlformats.org/presentationml/2006/main">
-  <p:cSld>
-    <p:spTree>
-      <p:nvGrpSpPr>
-        <p:cNvPr id="1" name=""/>
-        <p:cNvGrpSpPr/>
-        <p:nvPr/>
-      </p:nvGrpSpPr>
-      <p:grpSpPr>
-        <a:xfrm>
-          <a:off x="0" y="0"/>
-          <a:ext cx="0" cy="0"/>
-          <a:chOff x="0" y="0"/>
-          <a:chExt cx="0" cy="0"/>
-        </a:xfrm>
-      </p:grpSpPr>
-      <p:sp>
-        <p:nvSpPr>
-          <p:cNvPr id="2" name="Titre 1">
-            <a:extLst>
-              <a:ext uri="{FF2B5EF4-FFF2-40B4-BE49-F238E27FC236}">
-                <a16:creationId xmlns:a16="http://schemas.microsoft.com/office/drawing/2014/main" id="{DFA4AC1B-90D4-B3F9-A0A0-35ADD6801ED2}"/>
-              </a:ext>
-            </a:extLst>
-          </p:cNvPr>
-          <p:cNvSpPr>
-            <a:spLocks noGrp="1"/>
-          </p:cNvSpPr>
-          <p:nvPr>
-            <p:ph type="title"/>
-          </p:nvPr>
-        </p:nvSpPr>
-        <p:spPr/>
-        <p:txBody>
-          <a:bodyPr/>
-          <a:lstStyle/>
-          <a:p>
-            <a:r>
-              <a:rPr lang="fr-CH" dirty="0">
-                <a:effectLst>
-                  <a:outerShdw blurRad="38100" dist="38100" dir="2700000" algn="tl">
-                    <a:srgbClr val="000000">
-                      <a:alpha val="43137"/>
-                    </a:srgbClr>
-                  </a:outerShdw>
-                </a:effectLst>
-              </a:rPr>
-              <a:t>Mise en place infrastructure</a:t>
-            </a:r>
-          </a:p>
-        </p:txBody>
-      </p:sp>
-      <p:pic>
-        <p:nvPicPr>
-          <p:cNvPr id="7" name="Espace réservé du contenu 6">
-            <a:extLst>
-              <a:ext uri="{FF2B5EF4-FFF2-40B4-BE49-F238E27FC236}">
-                <a16:creationId xmlns:a16="http://schemas.microsoft.com/office/drawing/2014/main" id="{78F7BA45-198D-5DDF-F090-AF78117E24F8}"/>
-              </a:ext>
-            </a:extLst>
-          </p:cNvPr>
-          <p:cNvPicPr>
-            <a:picLocks noGrp="1" noChangeAspect="1"/>
-          </p:cNvPicPr>
-          <p:nvPr>
-            <p:ph idx="1"/>
-          </p:nvPr>
-        </p:nvPicPr>
-        <p:blipFill>
-          <a:blip r:embed="rId2">
-            <a:extLst>
-              <a:ext uri="{28A0092B-C50C-407E-A947-70E740481C1C}">
-                <a14:useLocalDpi xmlns:a14="http://schemas.microsoft.com/office/drawing/2010/main" val="0"/>
-              </a:ext>
-            </a:extLst>
-          </a:blip>
-          <a:stretch>
-            <a:fillRect/>
-          </a:stretch>
-        </p:blipFill>
-        <p:spPr>
-          <a:xfrm>
-            <a:off x="646111" y="1447800"/>
-            <a:ext cx="7425333" cy="4163738"/>
-          </a:xfrm>
-          <a:ln>
-            <a:solidFill>
-              <a:schemeClr val="accent1"/>
-            </a:solidFill>
-          </a:ln>
-        </p:spPr>
-      </p:pic>
-      <p:sp>
-        <p:nvSpPr>
-          <p:cNvPr id="4" name="Espace réservé du pied de page 3">
-            <a:extLst>
-              <a:ext uri="{FF2B5EF4-FFF2-40B4-BE49-F238E27FC236}">
-                <a16:creationId xmlns:a16="http://schemas.microsoft.com/office/drawing/2014/main" id="{31371B31-7B02-6009-357D-C6F52A8D791D}"/>
-              </a:ext>
-            </a:extLst>
-          </p:cNvPr>
-          <p:cNvSpPr>
-            <a:spLocks noGrp="1"/>
-          </p:cNvSpPr>
-          <p:nvPr>
-            <p:ph type="ftr" sz="quarter" idx="11"/>
-          </p:nvPr>
-        </p:nvSpPr>
-        <p:spPr/>
-        <p:txBody>
-          <a:bodyPr/>
-          <a:lstStyle/>
-          <a:p>
-            <a:r>
-              <a:rPr lang="fr-CH"/>
-              <a:t>Damien Mayor</a:t>
-            </a:r>
-          </a:p>
-        </p:txBody>
-      </p:sp>
-      <p:sp>
-        <p:nvSpPr>
-          <p:cNvPr id="5" name="Espace réservé du numéro de diapositive 4">
-            <a:extLst>
-              <a:ext uri="{FF2B5EF4-FFF2-40B4-BE49-F238E27FC236}">
-                <a16:creationId xmlns:a16="http://schemas.microsoft.com/office/drawing/2014/main" id="{1598F2CB-744D-36E7-CC85-06229BA5A8A5}"/>
-              </a:ext>
-            </a:extLst>
-          </p:cNvPr>
-          <p:cNvSpPr>
-            <a:spLocks noGrp="1"/>
-          </p:cNvSpPr>
-          <p:nvPr>
-            <p:ph type="sldNum" sz="quarter" idx="12"/>
-          </p:nvPr>
-        </p:nvSpPr>
-        <p:spPr/>
-        <p:txBody>
-          <a:bodyPr/>
-          <a:lstStyle/>
-          <a:p>
-            <a:fld id="{2FCD9DE2-19B8-4E75-A167-0E6B1D03D668}" type="slidenum">
-              <a:rPr lang="fr-CH" smtClean="0">
-                <a:solidFill>
-                  <a:srgbClr val="C00000"/>
-                </a:solidFill>
-                <a:effectLst>
-                  <a:outerShdw blurRad="38100" dist="38100" dir="2700000" algn="tl">
-                    <a:srgbClr val="000000">
-                      <a:alpha val="43137"/>
-                    </a:srgbClr>
-                  </a:outerShdw>
-                </a:effectLst>
-              </a:rPr>
-              <a:pPr/>
-              <a:t>7</a:t>
-            </a:fld>
-            <a:endParaRPr lang="fr-CH" dirty="0">
-              <a:solidFill>
-                <a:srgbClr val="C00000"/>
-              </a:solidFill>
-              <a:effectLst>
-                <a:outerShdw blurRad="38100" dist="38100" dir="2700000" algn="tl">
-                  <a:srgbClr val="000000">
-                    <a:alpha val="43137"/>
-                  </a:srgbClr>
-                </a:outerShdw>
-              </a:effectLst>
-            </a:endParaRPr>
-          </a:p>
-        </p:txBody>
-      </p:sp>
-      <p:sp>
-        <p:nvSpPr>
-          <p:cNvPr id="8" name="Espace réservé du contenu 2">
-            <a:extLst>
-              <a:ext uri="{FF2B5EF4-FFF2-40B4-BE49-F238E27FC236}">
-                <a16:creationId xmlns:a16="http://schemas.microsoft.com/office/drawing/2014/main" id="{A1EBACF5-3365-F202-79AD-E8268BAEBB0F}"/>
-              </a:ext>
-            </a:extLst>
-          </p:cNvPr>
-          <p:cNvSpPr txBox="1">
-            <a:spLocks/>
-          </p:cNvSpPr>
-          <p:nvPr/>
-        </p:nvSpPr>
-        <p:spPr>
-          <a:xfrm>
-            <a:off x="8205490" y="2595779"/>
-            <a:ext cx="3690687" cy="4262221"/>
-          </a:xfrm>
-          <a:prstGeom prst="rect">
-            <a:avLst/>
-          </a:prstGeom>
-        </p:spPr>
-        <p:txBody>
-          <a:bodyPr vert="horz" lIns="91440" tIns="45720" rIns="91440" bIns="45720" rtlCol="0">
-            <a:normAutofit/>
-          </a:bodyPr>
-          <a:lstStyle>
-            <a:lvl1pPr marL="342900" indent="-342900" algn="l" defTabSz="457200" rtl="0" eaLnBrk="1" latinLnBrk="0" hangingPunct="1">
-              <a:spcBef>
-                <a:spcPts val="1000"/>
-              </a:spcBef>
-              <a:spcAft>
-                <a:spcPts val="0"/>
-              </a:spcAft>
-              <a:buClr>
-                <a:schemeClr val="bg2">
-                  <a:lumMod val="40000"/>
-                  <a:lumOff val="60000"/>
-                </a:schemeClr>
-              </a:buClr>
-              <a:buSzPct val="80000"/>
-              <a:buFont typeface="Wingdings 3" charset="2"/>
-              <a:buChar char=""/>
-              <a:defRPr sz="2000" b="0" i="0" kern="1200">
-                <a:solidFill>
-                  <a:schemeClr val="tx1"/>
-                </a:solidFill>
-                <a:latin typeface="+mj-lt"/>
-                <a:ea typeface="+mj-ea"/>
-                <a:cs typeface="+mj-cs"/>
-              </a:defRPr>
-            </a:lvl1pPr>
-            <a:lvl2pPr marL="742950" indent="-285750" algn="l" defTabSz="457200" rtl="0" eaLnBrk="1" latinLnBrk="0" hangingPunct="1">
-              <a:spcBef>
-                <a:spcPts val="1000"/>
-              </a:spcBef>
-              <a:spcAft>
-                <a:spcPts val="0"/>
-              </a:spcAft>
-              <a:buClr>
-                <a:schemeClr val="bg2">
-                  <a:lumMod val="40000"/>
-                  <a:lumOff val="60000"/>
-                </a:schemeClr>
-              </a:buClr>
-              <a:buSzPct val="80000"/>
-              <a:buFont typeface="Wingdings 3" charset="2"/>
-              <a:buChar char=""/>
-              <a:defRPr sz="1800" b="0" i="0" kern="1200">
-                <a:solidFill>
-                  <a:schemeClr val="tx1"/>
-                </a:solidFill>
-                <a:latin typeface="+mj-lt"/>
-                <a:ea typeface="+mj-ea"/>
-                <a:cs typeface="+mj-cs"/>
-              </a:defRPr>
-            </a:lvl2pPr>
-            <a:lvl3pPr marL="1143000" indent="-228600" algn="l" defTabSz="457200" rtl="0" eaLnBrk="1" latinLnBrk="0" hangingPunct="1">
-              <a:spcBef>
-                <a:spcPts val="1000"/>
-              </a:spcBef>
-              <a:spcAft>
-                <a:spcPts val="0"/>
-              </a:spcAft>
-              <a:buClr>
-                <a:schemeClr val="bg2">
-                  <a:lumMod val="40000"/>
-                  <a:lumOff val="60000"/>
-                </a:schemeClr>
-              </a:buClr>
-              <a:buSzPct val="80000"/>
-              <a:buFont typeface="Wingdings 3" charset="2"/>
-              <a:buChar char=""/>
-              <a:defRPr sz="1600" b="0" i="0" kern="1200">
-                <a:solidFill>
-                  <a:schemeClr val="tx1"/>
-                </a:solidFill>
-                <a:latin typeface="+mj-lt"/>
-                <a:ea typeface="+mj-ea"/>
-                <a:cs typeface="+mj-cs"/>
-              </a:defRPr>
-            </a:lvl3pPr>
-            <a:lvl4pPr marL="1600200" indent="-228600" algn="l" defTabSz="457200" rtl="0" eaLnBrk="1" latinLnBrk="0" hangingPunct="1">
-              <a:spcBef>
-                <a:spcPts val="1000"/>
-              </a:spcBef>
-              <a:spcAft>
-                <a:spcPts val="0"/>
-              </a:spcAft>
-              <a:buClr>
-                <a:schemeClr val="bg2">
-                  <a:lumMod val="40000"/>
-                  <a:lumOff val="60000"/>
-                </a:schemeClr>
-              </a:buClr>
-              <a:buSzPct val="80000"/>
-              <a:buFont typeface="Wingdings 3" charset="2"/>
-              <a:buChar char=""/>
-              <a:defRPr sz="1400" b="0" i="0" kern="1200">
-                <a:solidFill>
-                  <a:schemeClr val="tx1"/>
-                </a:solidFill>
-                <a:latin typeface="+mj-lt"/>
-                <a:ea typeface="+mj-ea"/>
-                <a:cs typeface="+mj-cs"/>
-              </a:defRPr>
-            </a:lvl4pPr>
-            <a:lvl5pPr marL="2057400" indent="-228600" algn="l" defTabSz="457200" rtl="0" eaLnBrk="1" latinLnBrk="0" hangingPunct="1">
-              <a:spcBef>
-                <a:spcPts val="1000"/>
-              </a:spcBef>
-              <a:spcAft>
-                <a:spcPts val="0"/>
-              </a:spcAft>
-              <a:buClr>
-                <a:schemeClr val="bg2">
-                  <a:lumMod val="40000"/>
-                  <a:lumOff val="60000"/>
-                </a:schemeClr>
-              </a:buClr>
-              <a:buSzPct val="80000"/>
-              <a:buFont typeface="Wingdings 3" charset="2"/>
-              <a:buChar char=""/>
-              <a:defRPr sz="1400" b="0" i="0" kern="1200">
-                <a:solidFill>
-                  <a:schemeClr val="tx1"/>
-                </a:solidFill>
-                <a:latin typeface="+mj-lt"/>
-                <a:ea typeface="+mj-ea"/>
-                <a:cs typeface="+mj-cs"/>
-              </a:defRPr>
-            </a:lvl5pPr>
-            <a:lvl6pPr marL="2506000" indent="-228600" algn="l" defTabSz="457200" rtl="0" eaLnBrk="1" latinLnBrk="0" hangingPunct="1">
-              <a:spcBef>
-                <a:spcPts val="1000"/>
-              </a:spcBef>
-              <a:spcAft>
-                <a:spcPts val="0"/>
-              </a:spcAft>
-              <a:buClr>
-                <a:schemeClr val="bg2">
-                  <a:lumMod val="40000"/>
-                  <a:lumOff val="60000"/>
-                </a:schemeClr>
-              </a:buClr>
-              <a:buSzPct val="80000"/>
-              <a:buFont typeface="Wingdings 3" charset="2"/>
-              <a:buChar char=""/>
-              <a:defRPr sz="1400" b="0" i="0" kern="1200">
-                <a:solidFill>
-                  <a:schemeClr val="tx1"/>
-                </a:solidFill>
-                <a:latin typeface="+mj-lt"/>
-                <a:ea typeface="+mj-ea"/>
-                <a:cs typeface="+mj-cs"/>
-              </a:defRPr>
-            </a:lvl6pPr>
-            <a:lvl7pPr marL="2971800" indent="-228600" algn="l" defTabSz="457200" rtl="0" eaLnBrk="1" latinLnBrk="0" hangingPunct="1">
-              <a:spcBef>
-                <a:spcPts val="1000"/>
-              </a:spcBef>
-              <a:spcAft>
-                <a:spcPts val="0"/>
-              </a:spcAft>
-              <a:buClr>
-                <a:schemeClr val="bg2">
-                  <a:lumMod val="40000"/>
-                  <a:lumOff val="60000"/>
-                </a:schemeClr>
-              </a:buClr>
-              <a:buSzPct val="80000"/>
-              <a:buFont typeface="Wingdings 3" charset="2"/>
-              <a:buChar char=""/>
-              <a:defRPr sz="1400" b="0" i="0" kern="1200">
-                <a:solidFill>
-                  <a:schemeClr val="tx1"/>
-                </a:solidFill>
-                <a:latin typeface="+mj-lt"/>
-                <a:ea typeface="+mj-ea"/>
-                <a:cs typeface="+mj-cs"/>
-              </a:defRPr>
-            </a:lvl7pPr>
-            <a:lvl8pPr marL="3429000" indent="-228600" algn="l" defTabSz="457200" rtl="0" eaLnBrk="1" latinLnBrk="0" hangingPunct="1">
-              <a:spcBef>
-                <a:spcPts val="1000"/>
-              </a:spcBef>
-              <a:spcAft>
-                <a:spcPts val="0"/>
-              </a:spcAft>
-              <a:buClr>
-                <a:schemeClr val="bg2">
-                  <a:lumMod val="40000"/>
-                  <a:lumOff val="60000"/>
-                </a:schemeClr>
-              </a:buClr>
-              <a:buSzPct val="80000"/>
-              <a:buFont typeface="Wingdings 3" charset="2"/>
-              <a:buChar char=""/>
-              <a:defRPr sz="1400" b="0" i="0" kern="1200">
-                <a:solidFill>
-                  <a:schemeClr val="tx1"/>
-                </a:solidFill>
-                <a:latin typeface="+mj-lt"/>
-                <a:ea typeface="+mj-ea"/>
-                <a:cs typeface="+mj-cs"/>
-              </a:defRPr>
-            </a:lvl8pPr>
-            <a:lvl9pPr marL="3886200" indent="-228600" algn="l" defTabSz="457200" rtl="0" eaLnBrk="1" latinLnBrk="0" hangingPunct="1">
-              <a:spcBef>
-                <a:spcPts val="1000"/>
-              </a:spcBef>
-              <a:spcAft>
-                <a:spcPts val="0"/>
-              </a:spcAft>
-              <a:buClr>
-                <a:schemeClr val="bg2">
-                  <a:lumMod val="40000"/>
-                  <a:lumOff val="60000"/>
-                </a:schemeClr>
-              </a:buClr>
-              <a:buSzPct val="80000"/>
-              <a:buFont typeface="Wingdings 3" charset="2"/>
-              <a:buChar char=""/>
-              <a:defRPr sz="1400" b="0" i="0" kern="1200">
-                <a:solidFill>
-                  <a:schemeClr val="tx1"/>
-                </a:solidFill>
-                <a:latin typeface="+mj-lt"/>
-                <a:ea typeface="+mj-ea"/>
-                <a:cs typeface="+mj-cs"/>
-              </a:defRPr>
-            </a:lvl9pPr>
-          </a:lstStyle>
-          <a:p>
-            <a:r>
-              <a:rPr lang="fr-CH" sz="1400" dirty="0"/>
-              <a:t>Configuration siège principal</a:t>
-            </a:r>
-          </a:p>
-          <a:p>
-            <a:r>
-              <a:rPr lang="fr-CH" sz="1400" dirty="0"/>
-              <a:t>Configuration FortiGate</a:t>
-            </a:r>
-          </a:p>
-          <a:p>
-            <a:r>
-              <a:rPr lang="fr-CH" sz="1400" dirty="0"/>
-              <a:t>Activation VDOMs</a:t>
-            </a:r>
-          </a:p>
-          <a:p>
-            <a:r>
-              <a:rPr lang="fr-CH" sz="1400" dirty="0"/>
-              <a:t>Création domaine Principal</a:t>
-            </a:r>
-          </a:p>
-          <a:p>
-            <a:r>
-              <a:rPr lang="fr-CH" sz="1400" dirty="0"/>
-              <a:t>Création domaine Secondaire</a:t>
-            </a:r>
-          </a:p>
-          <a:p>
-            <a:r>
-              <a:rPr lang="fr-CH" sz="1400" dirty="0"/>
-              <a:t>Création des administrateurs</a:t>
-            </a:r>
-          </a:p>
-          <a:p>
-            <a:r>
-              <a:rPr lang="fr-CH" sz="1400" dirty="0"/>
-              <a:t>Mise en place VDOM Principal</a:t>
-            </a:r>
-          </a:p>
-          <a:p>
-            <a:r>
-              <a:rPr lang="fr-CH" sz="1400" dirty="0"/>
-              <a:t>Création règles pare-feu Principal</a:t>
-            </a:r>
-          </a:p>
-          <a:p>
-            <a:r>
-              <a:rPr lang="fr-CH" sz="1400" dirty="0"/>
-              <a:t>Configuration succursale secondaire</a:t>
-            </a:r>
-          </a:p>
-          <a:p>
-            <a:r>
-              <a:rPr lang="fr-CH" sz="1400" dirty="0"/>
-              <a:t>Mise en place VDOM Secondaire</a:t>
-            </a:r>
-          </a:p>
-          <a:p>
-            <a:r>
-              <a:rPr lang="fr-CH" sz="1400" dirty="0"/>
-              <a:t>Création règles pare-feu Secondaire</a:t>
-            </a:r>
-          </a:p>
-          <a:p>
-            <a:pPr marL="0" indent="0">
-              <a:buNone/>
-            </a:pPr>
-            <a:endParaRPr lang="fr-CH" sz="1000" dirty="0"/>
-          </a:p>
-        </p:txBody>
-      </p:sp>
-    </p:spTree>
-    <p:extLst>
-      <p:ext uri="{BB962C8B-B14F-4D97-AF65-F5344CB8AC3E}">
-        <p14:creationId xmlns:p14="http://schemas.microsoft.com/office/powerpoint/2010/main" val="3226001713"/>
-      </p:ext>
-    </p:extLst>
-  </p:cSld>
-  <p:clrMapOvr>
-    <a:masterClrMapping/>
-  </p:clrMapOvr>
-</p:sld>
-</file>
-
-<file path=ppt/slides/slide8.xml><?xml version="1.0" encoding="utf-8"?>
-<p:sld xmlns:a="http://schemas.openxmlformats.org/drawingml/2006/main" xmlns:r="http://schemas.openxmlformats.org/officeDocument/2006/relationships" xmlns:p="http://schemas.openxmlformats.org/presentationml/2006/main">
-  <p:cSld>
-    <p:spTree>
-      <p:nvGrpSpPr>
-        <p:cNvPr id="1" name=""/>
-        <p:cNvGrpSpPr/>
-        <p:nvPr/>
-      </p:nvGrpSpPr>
-      <p:grpSpPr>
-        <a:xfrm>
-          <a:off x="0" y="0"/>
-          <a:ext cx="0" cy="0"/>
-          <a:chOff x="0" y="0"/>
-          <a:chExt cx="0" cy="0"/>
-        </a:xfrm>
-      </p:grpSpPr>
-      <p:sp>
-        <p:nvSpPr>
-          <p:cNvPr id="2" name="Titre 1">
-            <a:extLst>
-              <a:ext uri="{FF2B5EF4-FFF2-40B4-BE49-F238E27FC236}">
-                <a16:creationId xmlns:a16="http://schemas.microsoft.com/office/drawing/2014/main" id="{3DB877D8-22C2-D938-2992-2DDE50FC2B6D}"/>
-              </a:ext>
-            </a:extLst>
-          </p:cNvPr>
-          <p:cNvSpPr>
-            <a:spLocks noGrp="1"/>
-          </p:cNvSpPr>
-          <p:nvPr>
-            <p:ph type="title"/>
-          </p:nvPr>
-        </p:nvSpPr>
-        <p:spPr/>
-        <p:txBody>
-          <a:bodyPr/>
-          <a:lstStyle/>
-          <a:p>
-            <a:r>
-              <a:rPr lang="fr-CH" dirty="0">
-                <a:effectLst>
-                  <a:outerShdw blurRad="38100" dist="38100" dir="2700000" algn="tl">
-                    <a:srgbClr val="000000">
-                      <a:alpha val="43137"/>
-                    </a:srgbClr>
-                  </a:outerShdw>
-                </a:effectLst>
-              </a:rPr>
-              <a:t>Site à site</a:t>
-            </a:r>
-          </a:p>
-        </p:txBody>
-      </p:sp>
-      <p:pic>
-        <p:nvPicPr>
-          <p:cNvPr id="7" name="Espace réservé du contenu 6">
-            <a:extLst>
-              <a:ext uri="{FF2B5EF4-FFF2-40B4-BE49-F238E27FC236}">
-                <a16:creationId xmlns:a16="http://schemas.microsoft.com/office/drawing/2014/main" id="{65F8CBC7-DFAB-A7A2-7F7A-9A58C7EB0A00}"/>
-              </a:ext>
-            </a:extLst>
-          </p:cNvPr>
-          <p:cNvPicPr>
-            <a:picLocks noGrp="1" noChangeAspect="1"/>
-          </p:cNvPicPr>
-          <p:nvPr>
-            <p:ph idx="1"/>
-          </p:nvPr>
-        </p:nvPicPr>
-        <p:blipFill>
-          <a:blip r:embed="rId2">
-            <a:extLst>
-              <a:ext uri="{28A0092B-C50C-407E-A947-70E740481C1C}">
-                <a14:useLocalDpi xmlns:a14="http://schemas.microsoft.com/office/drawing/2010/main" val="0"/>
-              </a:ext>
-            </a:extLst>
-          </a:blip>
-          <a:stretch>
-            <a:fillRect/>
-          </a:stretch>
-        </p:blipFill>
-        <p:spPr>
-          <a:xfrm>
-            <a:off x="646111" y="1447800"/>
-            <a:ext cx="6510063" cy="5118830"/>
-          </a:xfrm>
-          <a:ln>
-            <a:solidFill>
-              <a:schemeClr val="accent1"/>
-            </a:solidFill>
-          </a:ln>
-        </p:spPr>
-      </p:pic>
-      <p:sp>
-        <p:nvSpPr>
-          <p:cNvPr id="4" name="Espace réservé du pied de page 3">
-            <a:extLst>
-              <a:ext uri="{FF2B5EF4-FFF2-40B4-BE49-F238E27FC236}">
-                <a16:creationId xmlns:a16="http://schemas.microsoft.com/office/drawing/2014/main" id="{6CED1735-C7AF-A86F-A675-931FA4C53F51}"/>
-              </a:ext>
-            </a:extLst>
-          </p:cNvPr>
-          <p:cNvSpPr>
-            <a:spLocks noGrp="1"/>
-          </p:cNvSpPr>
-          <p:nvPr>
-            <p:ph type="ftr" sz="quarter" idx="11"/>
-          </p:nvPr>
-        </p:nvSpPr>
-        <p:spPr/>
-        <p:txBody>
-          <a:bodyPr/>
-          <a:lstStyle/>
-          <a:p>
-            <a:r>
-              <a:rPr lang="fr-CH"/>
-              <a:t>Damien Mayor</a:t>
-            </a:r>
-          </a:p>
-        </p:txBody>
-      </p:sp>
-      <p:sp>
-        <p:nvSpPr>
-          <p:cNvPr id="5" name="Espace réservé du numéro de diapositive 4">
-            <a:extLst>
-              <a:ext uri="{FF2B5EF4-FFF2-40B4-BE49-F238E27FC236}">
-                <a16:creationId xmlns:a16="http://schemas.microsoft.com/office/drawing/2014/main" id="{C72DAD11-2143-ABBB-F749-7CFD831687B7}"/>
-              </a:ext>
-            </a:extLst>
-          </p:cNvPr>
-          <p:cNvSpPr>
-            <a:spLocks noGrp="1"/>
-          </p:cNvSpPr>
-          <p:nvPr>
-            <p:ph type="sldNum" sz="quarter" idx="12"/>
-          </p:nvPr>
-        </p:nvSpPr>
-        <p:spPr/>
-        <p:txBody>
-          <a:bodyPr/>
-          <a:lstStyle/>
-          <a:p>
-            <a:fld id="{2FCD9DE2-19B8-4E75-A167-0E6B1D03D668}" type="slidenum">
-              <a:rPr lang="fr-CH" smtClean="0">
-                <a:solidFill>
-                  <a:srgbClr val="C00000"/>
-                </a:solidFill>
-                <a:effectLst>
-                  <a:outerShdw blurRad="38100" dist="38100" dir="2700000" algn="tl">
-                    <a:srgbClr val="000000">
-                      <a:alpha val="43137"/>
-                    </a:srgbClr>
-                  </a:outerShdw>
-                </a:effectLst>
-              </a:rPr>
-              <a:t>8</a:t>
-            </a:fld>
-            <a:endParaRPr lang="fr-CH" dirty="0">
-              <a:solidFill>
-                <a:srgbClr val="C00000"/>
-              </a:solidFill>
-              <a:effectLst>
-                <a:outerShdw blurRad="38100" dist="38100" dir="2700000" algn="tl">
-                  <a:srgbClr val="000000">
-                    <a:alpha val="43137"/>
-                  </a:srgbClr>
-                </a:outerShdw>
-              </a:effectLst>
-            </a:endParaRPr>
-          </a:p>
-        </p:txBody>
-      </p:sp>
-      <p:sp>
-        <p:nvSpPr>
-          <p:cNvPr id="8" name="Espace réservé du contenu 2">
-            <a:extLst>
-              <a:ext uri="{FF2B5EF4-FFF2-40B4-BE49-F238E27FC236}">
-                <a16:creationId xmlns:a16="http://schemas.microsoft.com/office/drawing/2014/main" id="{56E94B09-3DF2-B779-10AE-60DFB44E2F64}"/>
-              </a:ext>
-            </a:extLst>
-          </p:cNvPr>
-          <p:cNvSpPr txBox="1">
-            <a:spLocks/>
-          </p:cNvSpPr>
-          <p:nvPr/>
-        </p:nvSpPr>
-        <p:spPr>
-          <a:xfrm>
-            <a:off x="8111985" y="2625494"/>
-            <a:ext cx="3877697" cy="4232506"/>
-          </a:xfrm>
-          <a:prstGeom prst="rect">
-            <a:avLst/>
-          </a:prstGeom>
-        </p:spPr>
-        <p:txBody>
-          <a:bodyPr vert="horz" lIns="91440" tIns="45720" rIns="91440" bIns="45720" rtlCol="0">
-            <a:normAutofit/>
-          </a:bodyPr>
-          <a:lstStyle>
-            <a:lvl1pPr marL="342900" indent="-342900" algn="l" defTabSz="457200" rtl="0" eaLnBrk="1" latinLnBrk="0" hangingPunct="1">
-              <a:spcBef>
-                <a:spcPts val="1000"/>
-              </a:spcBef>
-              <a:spcAft>
-                <a:spcPts val="0"/>
-              </a:spcAft>
-              <a:buClr>
-                <a:schemeClr val="bg2">
-                  <a:lumMod val="40000"/>
-                  <a:lumOff val="60000"/>
-                </a:schemeClr>
-              </a:buClr>
-              <a:buSzPct val="80000"/>
-              <a:buFont typeface="Wingdings 3" charset="2"/>
-              <a:buChar char=""/>
-              <a:defRPr sz="2000" b="0" i="0" kern="1200">
-                <a:solidFill>
-                  <a:schemeClr val="tx1"/>
-                </a:solidFill>
-                <a:latin typeface="+mj-lt"/>
-                <a:ea typeface="+mj-ea"/>
-                <a:cs typeface="+mj-cs"/>
-              </a:defRPr>
-            </a:lvl1pPr>
-            <a:lvl2pPr marL="742950" indent="-285750" algn="l" defTabSz="457200" rtl="0" eaLnBrk="1" latinLnBrk="0" hangingPunct="1">
-              <a:spcBef>
-                <a:spcPts val="1000"/>
-              </a:spcBef>
-              <a:spcAft>
-                <a:spcPts val="0"/>
-              </a:spcAft>
-              <a:buClr>
-                <a:schemeClr val="bg2">
-                  <a:lumMod val="40000"/>
-                  <a:lumOff val="60000"/>
-                </a:schemeClr>
-              </a:buClr>
-              <a:buSzPct val="80000"/>
-              <a:buFont typeface="Wingdings 3" charset="2"/>
-              <a:buChar char=""/>
-              <a:defRPr sz="1800" b="0" i="0" kern="1200">
-                <a:solidFill>
-                  <a:schemeClr val="tx1"/>
-                </a:solidFill>
-                <a:latin typeface="+mj-lt"/>
-                <a:ea typeface="+mj-ea"/>
-                <a:cs typeface="+mj-cs"/>
-              </a:defRPr>
-            </a:lvl2pPr>
-            <a:lvl3pPr marL="1143000" indent="-228600" algn="l" defTabSz="457200" rtl="0" eaLnBrk="1" latinLnBrk="0" hangingPunct="1">
-              <a:spcBef>
-                <a:spcPts val="1000"/>
-              </a:spcBef>
-              <a:spcAft>
-                <a:spcPts val="0"/>
-              </a:spcAft>
-              <a:buClr>
-                <a:schemeClr val="bg2">
-                  <a:lumMod val="40000"/>
-                  <a:lumOff val="60000"/>
-                </a:schemeClr>
-              </a:buClr>
-              <a:buSzPct val="80000"/>
-              <a:buFont typeface="Wingdings 3" charset="2"/>
-              <a:buChar char=""/>
-              <a:defRPr sz="1600" b="0" i="0" kern="1200">
-                <a:solidFill>
-                  <a:schemeClr val="tx1"/>
-                </a:solidFill>
-                <a:latin typeface="+mj-lt"/>
-                <a:ea typeface="+mj-ea"/>
-                <a:cs typeface="+mj-cs"/>
-              </a:defRPr>
-            </a:lvl3pPr>
-            <a:lvl4pPr marL="1600200" indent="-228600" algn="l" defTabSz="457200" rtl="0" eaLnBrk="1" latinLnBrk="0" hangingPunct="1">
-              <a:spcBef>
-                <a:spcPts val="1000"/>
-              </a:spcBef>
-              <a:spcAft>
-                <a:spcPts val="0"/>
-              </a:spcAft>
-              <a:buClr>
-                <a:schemeClr val="bg2">
-                  <a:lumMod val="40000"/>
-                  <a:lumOff val="60000"/>
-                </a:schemeClr>
-              </a:buClr>
-              <a:buSzPct val="80000"/>
-              <a:buFont typeface="Wingdings 3" charset="2"/>
-              <a:buChar char=""/>
-              <a:defRPr sz="1400" b="0" i="0" kern="1200">
-                <a:solidFill>
-                  <a:schemeClr val="tx1"/>
-                </a:solidFill>
-                <a:latin typeface="+mj-lt"/>
-                <a:ea typeface="+mj-ea"/>
-                <a:cs typeface="+mj-cs"/>
-              </a:defRPr>
-            </a:lvl4pPr>
-            <a:lvl5pPr marL="2057400" indent="-228600" algn="l" defTabSz="457200" rtl="0" eaLnBrk="1" latinLnBrk="0" hangingPunct="1">
-              <a:spcBef>
-                <a:spcPts val="1000"/>
-              </a:spcBef>
-              <a:spcAft>
-                <a:spcPts val="0"/>
-              </a:spcAft>
-              <a:buClr>
-                <a:schemeClr val="bg2">
-                  <a:lumMod val="40000"/>
-                  <a:lumOff val="60000"/>
-                </a:schemeClr>
-              </a:buClr>
-              <a:buSzPct val="80000"/>
-              <a:buFont typeface="Wingdings 3" charset="2"/>
-              <a:buChar char=""/>
-              <a:defRPr sz="1400" b="0" i="0" kern="1200">
-                <a:solidFill>
-                  <a:schemeClr val="tx1"/>
-                </a:solidFill>
-                <a:latin typeface="+mj-lt"/>
-                <a:ea typeface="+mj-ea"/>
-                <a:cs typeface="+mj-cs"/>
-              </a:defRPr>
-            </a:lvl5pPr>
-            <a:lvl6pPr marL="2506000" indent="-228600" algn="l" defTabSz="457200" rtl="0" eaLnBrk="1" latinLnBrk="0" hangingPunct="1">
-              <a:spcBef>
-                <a:spcPts val="1000"/>
-              </a:spcBef>
-              <a:spcAft>
-                <a:spcPts val="0"/>
-              </a:spcAft>
-              <a:buClr>
-                <a:schemeClr val="bg2">
-                  <a:lumMod val="40000"/>
-                  <a:lumOff val="60000"/>
-                </a:schemeClr>
-              </a:buClr>
-              <a:buSzPct val="80000"/>
-              <a:buFont typeface="Wingdings 3" charset="2"/>
-              <a:buChar char=""/>
-              <a:defRPr sz="1400" b="0" i="0" kern="1200">
-                <a:solidFill>
-                  <a:schemeClr val="tx1"/>
-                </a:solidFill>
-                <a:latin typeface="+mj-lt"/>
-                <a:ea typeface="+mj-ea"/>
-                <a:cs typeface="+mj-cs"/>
-              </a:defRPr>
-            </a:lvl6pPr>
-            <a:lvl7pPr marL="2971800" indent="-228600" algn="l" defTabSz="457200" rtl="0" eaLnBrk="1" latinLnBrk="0" hangingPunct="1">
-              <a:spcBef>
-                <a:spcPts val="1000"/>
-              </a:spcBef>
-              <a:spcAft>
-                <a:spcPts val="0"/>
-              </a:spcAft>
-              <a:buClr>
-                <a:schemeClr val="bg2">
-                  <a:lumMod val="40000"/>
-                  <a:lumOff val="60000"/>
-                </a:schemeClr>
-              </a:buClr>
-              <a:buSzPct val="80000"/>
-              <a:buFont typeface="Wingdings 3" charset="2"/>
-              <a:buChar char=""/>
-              <a:defRPr sz="1400" b="0" i="0" kern="1200">
-                <a:solidFill>
-                  <a:schemeClr val="tx1"/>
-                </a:solidFill>
-                <a:latin typeface="+mj-lt"/>
-                <a:ea typeface="+mj-ea"/>
-                <a:cs typeface="+mj-cs"/>
-              </a:defRPr>
-            </a:lvl7pPr>
-            <a:lvl8pPr marL="3429000" indent="-228600" algn="l" defTabSz="457200" rtl="0" eaLnBrk="1" latinLnBrk="0" hangingPunct="1">
-              <a:spcBef>
-                <a:spcPts val="1000"/>
-              </a:spcBef>
-              <a:spcAft>
-                <a:spcPts val="0"/>
-              </a:spcAft>
-              <a:buClr>
-                <a:schemeClr val="bg2">
-                  <a:lumMod val="40000"/>
-                  <a:lumOff val="60000"/>
-                </a:schemeClr>
-              </a:buClr>
-              <a:buSzPct val="80000"/>
-              <a:buFont typeface="Wingdings 3" charset="2"/>
-              <a:buChar char=""/>
-              <a:defRPr sz="1400" b="0" i="0" kern="1200">
-                <a:solidFill>
-                  <a:schemeClr val="tx1"/>
-                </a:solidFill>
-                <a:latin typeface="+mj-lt"/>
-                <a:ea typeface="+mj-ea"/>
-                <a:cs typeface="+mj-cs"/>
-              </a:defRPr>
-            </a:lvl8pPr>
-            <a:lvl9pPr marL="3886200" indent="-228600" algn="l" defTabSz="457200" rtl="0" eaLnBrk="1" latinLnBrk="0" hangingPunct="1">
-              <a:spcBef>
-                <a:spcPts val="1000"/>
-              </a:spcBef>
-              <a:spcAft>
-                <a:spcPts val="0"/>
-              </a:spcAft>
-              <a:buClr>
-                <a:schemeClr val="bg2">
-                  <a:lumMod val="40000"/>
-                  <a:lumOff val="60000"/>
-                </a:schemeClr>
-              </a:buClr>
-              <a:buSzPct val="80000"/>
-              <a:buFont typeface="Wingdings 3" charset="2"/>
-              <a:buChar char=""/>
-              <a:defRPr sz="1400" b="0" i="0" kern="1200">
-                <a:solidFill>
-                  <a:schemeClr val="tx1"/>
-                </a:solidFill>
-                <a:latin typeface="+mj-lt"/>
-                <a:ea typeface="+mj-ea"/>
-                <a:cs typeface="+mj-cs"/>
-              </a:defRPr>
-            </a:lvl9pPr>
-          </a:lstStyle>
-          <a:p>
             <a:r>
               <a:rPr lang="fr-CH" sz="1400" dirty="0"/>
               <a:t>Configuration Routeur</a:t>
@@ -20548,7 +17921,7 @@
         <p:spPr>
           <a:xfrm>
             <a:off x="646111" y="1447799"/>
-            <a:ext cx="7425333" cy="5111695"/>
+            <a:ext cx="7858948" cy="5410201"/>
           </a:xfrm>
           <a:ln>
             <a:solidFill>
@@ -20557,34 +17930,6 @@
           </a:ln>
         </p:spPr>
       </p:pic>
-      <p:sp>
-        <p:nvSpPr>
-          <p:cNvPr id="4" name="Espace réservé du pied de page 3">
-            <a:extLst>
-              <a:ext uri="{FF2B5EF4-FFF2-40B4-BE49-F238E27FC236}">
-                <a16:creationId xmlns:a16="http://schemas.microsoft.com/office/drawing/2014/main" id="{3A245E7E-A359-CEA8-B2A1-3E428ED03EDF}"/>
-              </a:ext>
-            </a:extLst>
-          </p:cNvPr>
-          <p:cNvSpPr>
-            <a:spLocks noGrp="1"/>
-          </p:cNvSpPr>
-          <p:nvPr>
-            <p:ph type="ftr" sz="quarter" idx="11"/>
-          </p:nvPr>
-        </p:nvSpPr>
-        <p:spPr/>
-        <p:txBody>
-          <a:bodyPr/>
-          <a:lstStyle/>
-          <a:p>
-            <a:r>
-              <a:rPr lang="fr-CH"/>
-              <a:t>Damien Mayor</a:t>
-            </a:r>
-          </a:p>
-        </p:txBody>
-      </p:sp>
       <p:sp>
         <p:nvSpPr>
           <p:cNvPr id="5" name="Espace réservé du numéro de diapositive 4">
@@ -20652,12 +17997,17 @@
         </p:nvSpPr>
         <p:spPr>
           <a:xfrm>
-            <a:off x="8313611" y="2567853"/>
-            <a:ext cx="3474445" cy="4146862"/>
+            <a:off x="8615317" y="1447799"/>
+            <a:ext cx="3474445" cy="1400530"/>
           </a:xfrm>
           <a:prstGeom prst="rect">
             <a:avLst/>
           </a:prstGeom>
+          <a:ln>
+            <a:solidFill>
+              <a:schemeClr val="accent1"/>
+            </a:solidFill>
+          </a:ln>
         </p:spPr>
         <p:txBody>
           <a:bodyPr vert="horz" lIns="91440" tIns="45720" rIns="91440" bIns="45720" rtlCol="0">

--- a/Présentation/Présentation TPI DMA.pptx
+++ b/Présentation/Présentation TPI DMA.pptx
@@ -14613,19 +14613,17 @@
           </a:xfrm>
         </p:spPr>
         <p:txBody>
-          <a:bodyPr/>
+          <a:bodyPr>
+            <a:normAutofit fontScale="92500" lnSpcReduction="20000"/>
+          </a:bodyPr>
           <a:lstStyle/>
           <a:p>
             <a:r>
               <a:rPr lang="fr-CH" dirty="0"/>
-              <a:t>Solution fonctionnelle qui </a:t>
-            </a:r>
-            <a:r>
-              <a:rPr lang="fr-CH"/>
-              <a:t>répond aux points </a:t>
-            </a:r>
-            <a:r>
-              <a:rPr lang="fr-CH" u="sng" dirty="0"/>
+              <a:t>Solution fonctionnelle qui répond aux points </a:t>
+            </a:r>
+            <a:r>
+              <a:rPr lang="fr-CH" i="1" dirty="0"/>
               <a:t>mesurables</a:t>
             </a:r>
             <a:r>
@@ -14634,22 +14632,102 @@
             </a:r>
           </a:p>
           <a:p>
+            <a:pPr marL="0" indent="0">
+              <a:buNone/>
+            </a:pPr>
+            <a:endParaRPr lang="fr-CH" dirty="0"/>
+          </a:p>
+          <a:p>
             <a:r>
               <a:rPr lang="fr-CH" dirty="0"/>
               <a:t>2</a:t>
             </a:r>
           </a:p>
           <a:p>
+            <a:endParaRPr lang="fr-CH" dirty="0"/>
+          </a:p>
+          <a:p>
             <a:r>
               <a:rPr lang="fr-CH" dirty="0"/>
               <a:t>3</a:t>
             </a:r>
           </a:p>
           <a:p>
+            <a:pPr marL="0" indent="0">
+              <a:buNone/>
+            </a:pPr>
             <a:endParaRPr lang="fr-CH" dirty="0"/>
           </a:p>
-        </p:txBody>
-      </p:sp>
+          <a:p>
+            <a:endParaRPr lang="fr-CH" dirty="0"/>
+          </a:p>
+          <a:p>
+            <a:endParaRPr lang="fr-CH" dirty="0"/>
+          </a:p>
+        </p:txBody>
+      </p:sp>
+      <p:pic>
+        <p:nvPicPr>
+          <p:cNvPr id="7" name="Image 6">
+            <a:extLst>
+              <a:ext uri="{FF2B5EF4-FFF2-40B4-BE49-F238E27FC236}">
+                <a16:creationId xmlns:a16="http://schemas.microsoft.com/office/drawing/2014/main" id="{B00E51CD-F0B3-7B84-2F79-FF9B0ED8BED2}"/>
+              </a:ext>
+            </a:extLst>
+          </p:cNvPr>
+          <p:cNvPicPr>
+            <a:picLocks noChangeAspect="1"/>
+          </p:cNvPicPr>
+          <p:nvPr/>
+        </p:nvPicPr>
+        <p:blipFill>
+          <a:blip r:embed="rId2" cstate="print">
+            <a:duotone>
+              <a:schemeClr val="accent3">
+                <a:shade val="45000"/>
+                <a:satMod val="135000"/>
+              </a:schemeClr>
+              <a:prstClr val="white"/>
+            </a:duotone>
+            <a:extLst>
+              <a:ext uri="{BEBA8EAE-BF5A-486C-A8C5-ECC9F3942E4B}">
+                <a14:imgProps xmlns:a14="http://schemas.microsoft.com/office/drawing/2010/main">
+                  <a14:imgLayer r:embed="rId3">
+                    <a14:imgEffect>
+                      <a14:backgroundRemoval t="9804" b="89706" l="5719" r="91667">
+                        <a14:foregroundMark x1="50490" y1="17484" x2="50490" y2="17484"/>
+                        <a14:foregroundMark x1="32843" y1="17157" x2="32843" y2="17157"/>
+                        <a14:foregroundMark x1="22549" y1="28758" x2="22549" y2="28758"/>
+                        <a14:foregroundMark x1="13072" y1="39052" x2="13072" y2="39052"/>
+                        <a14:foregroundMark x1="9150" y1="51471" x2="9150" y2="51471"/>
+                        <a14:foregroundMark x1="5719" y1="51961" x2="5719" y2="51961"/>
+                        <a14:foregroundMark x1="91667" y1="57026" x2="91667" y2="57026"/>
+                        <a14:foregroundMark x1="28431" y1="20915" x2="28431" y2="20915"/>
+                        <a14:foregroundMark x1="18137" y1="35621" x2="18137" y2="35621"/>
+                      </a14:backgroundRemoval>
+                    </a14:imgEffect>
+                  </a14:imgLayer>
+                </a14:imgProps>
+              </a:ext>
+              <a:ext uri="{28A0092B-C50C-407E-A947-70E740481C1C}">
+                <a14:useLocalDpi xmlns:a14="http://schemas.microsoft.com/office/drawing/2010/main" val="0"/>
+              </a:ext>
+            </a:extLst>
+          </a:blip>
+          <a:stretch>
+            <a:fillRect/>
+          </a:stretch>
+        </p:blipFill>
+        <p:spPr>
+          <a:xfrm>
+            <a:off x="4872984" y="4751136"/>
+            <a:ext cx="1865376" cy="1865376"/>
+          </a:xfrm>
+          <a:prstGeom prst="rect">
+            <a:avLst/>
+          </a:prstGeom>
+        </p:spPr>
+      </p:pic>
     </p:spTree>
     <p:extLst>
       <p:ext uri="{BB962C8B-B14F-4D97-AF65-F5344CB8AC3E}">

--- a/Présentation/Présentation TPI DMA.pptx
+++ b/Présentation/Présentation TPI DMA.pptx
@@ -5370,7 +5370,7 @@
           <a:p>
             <a:fld id="{EA33A278-C497-483E-9478-E90100C45B60}" type="datetimeFigureOut">
               <a:rPr lang="fr-CH" smtClean="0"/>
-              <a:t>11.06.2023</a:t>
+              <a:t>12.06.2023</a:t>
             </a:fld>
             <a:endParaRPr lang="fr-CH"/>
           </a:p>
@@ -6314,7 +6314,7 @@
           <a:p>
             <a:fld id="{4078D55A-F282-4229-B0AD-5471D7149A00}" type="datetime1">
               <a:rPr lang="fr-CH" smtClean="0"/>
-              <a:t>11.06.2023</a:t>
+              <a:t>12.06.2023</a:t>
             </a:fld>
             <a:endParaRPr lang="fr-CH"/>
           </a:p>
@@ -6592,7 +6592,7 @@
           <a:p>
             <a:fld id="{3AB7BCF0-DE29-4A4E-B9DC-EE086987C3F6}" type="datetime1">
               <a:rPr lang="fr-CH" smtClean="0"/>
-              <a:t>11.06.2023</a:t>
+              <a:t>12.06.2023</a:t>
             </a:fld>
             <a:endParaRPr lang="fr-CH"/>
           </a:p>
@@ -6789,7 +6789,7 @@
           <a:p>
             <a:fld id="{C873B47A-1E7F-4EE7-9D8F-668FD4412AA6}" type="datetime1">
               <a:rPr lang="fr-CH" smtClean="0"/>
-              <a:t>11.06.2023</a:t>
+              <a:t>12.06.2023</a:t>
             </a:fld>
             <a:endParaRPr lang="fr-CH"/>
           </a:p>
@@ -7065,7 +7065,7 @@
           <a:p>
             <a:fld id="{953B0343-2783-4E77-AE0B-E6C994245F40}" type="datetime1">
               <a:rPr lang="fr-CH" smtClean="0"/>
-              <a:t>11.06.2023</a:t>
+              <a:t>12.06.2023</a:t>
             </a:fld>
             <a:endParaRPr lang="fr-CH"/>
           </a:p>
@@ -7409,7 +7409,7 @@
           <a:p>
             <a:fld id="{AF15959C-DFE8-4160-9033-F7A5ECB47ADC}" type="datetime1">
               <a:rPr lang="fr-CH" smtClean="0"/>
-              <a:t>11.06.2023</a:t>
+              <a:t>12.06.2023</a:t>
             </a:fld>
             <a:endParaRPr lang="fr-CH"/>
           </a:p>
@@ -8035,7 +8035,7 @@
           <a:p>
             <a:fld id="{29B5814B-84BE-42B3-B8D6-3505A3B96C83}" type="datetime1">
               <a:rPr lang="fr-CH" smtClean="0"/>
-              <a:t>11.06.2023</a:t>
+              <a:t>12.06.2023</a:t>
             </a:fld>
             <a:endParaRPr lang="fr-CH"/>
           </a:p>
@@ -8898,7 +8898,7 @@
           <a:p>
             <a:fld id="{61B8FD67-CC35-445D-A5AD-855A66946585}" type="datetime1">
               <a:rPr lang="fr-CH" smtClean="0"/>
-              <a:t>11.06.2023</a:t>
+              <a:t>12.06.2023</a:t>
             </a:fld>
             <a:endParaRPr lang="fr-CH"/>
           </a:p>
@@ -9071,7 +9071,7 @@
           <a:p>
             <a:fld id="{219BBFBA-68E1-44DC-A685-51DFFD597C46}" type="datetime1">
               <a:rPr lang="fr-CH" smtClean="0"/>
-              <a:t>11.06.2023</a:t>
+              <a:t>12.06.2023</a:t>
             </a:fld>
             <a:endParaRPr lang="fr-CH"/>
           </a:p>
@@ -9254,7 +9254,7 @@
           <a:p>
             <a:fld id="{186A523B-F31B-4316-A0C6-E4EAA07C6ACE}" type="datetime1">
               <a:rPr lang="fr-CH" smtClean="0"/>
-              <a:t>11.06.2023</a:t>
+              <a:t>12.06.2023</a:t>
             </a:fld>
             <a:endParaRPr lang="fr-CH"/>
           </a:p>
@@ -9427,7 +9427,7 @@
           <a:p>
             <a:fld id="{D20EDD74-6E23-4231-A09A-AB29CFC4E040}" type="datetime1">
               <a:rPr lang="fr-CH" smtClean="0"/>
-              <a:t>11.06.2023</a:t>
+              <a:t>12.06.2023</a:t>
             </a:fld>
             <a:endParaRPr lang="fr-CH"/>
           </a:p>
@@ -9677,7 +9677,7 @@
           <a:p>
             <a:fld id="{B0F2FA08-EEE0-46F6-B5CC-3AAA0DD17086}" type="datetime1">
               <a:rPr lang="fr-CH" smtClean="0"/>
-              <a:t>11.06.2023</a:t>
+              <a:t>12.06.2023</a:t>
             </a:fld>
             <a:endParaRPr lang="fr-CH"/>
           </a:p>
@@ -9972,7 +9972,7 @@
           <a:p>
             <a:fld id="{64D03F82-11E3-4147-A0D6-0C02F8B897EB}" type="datetime1">
               <a:rPr lang="fr-CH" smtClean="0"/>
-              <a:t>11.06.2023</a:t>
+              <a:t>12.06.2023</a:t>
             </a:fld>
             <a:endParaRPr lang="fr-CH"/>
           </a:p>
@@ -10419,7 +10419,7 @@
           <a:p>
             <a:fld id="{17E33147-EE39-422D-97C5-D9B35B3F8914}" type="datetime1">
               <a:rPr lang="fr-CH" smtClean="0"/>
-              <a:t>11.06.2023</a:t>
+              <a:t>12.06.2023</a:t>
             </a:fld>
             <a:endParaRPr lang="fr-CH"/>
           </a:p>
@@ -10540,7 +10540,7 @@
           <a:p>
             <a:fld id="{21989639-79D9-45CE-8B2B-5566F6A978D1}" type="datetime1">
               <a:rPr lang="fr-CH" smtClean="0"/>
-              <a:t>11.06.2023</a:t>
+              <a:t>12.06.2023</a:t>
             </a:fld>
             <a:endParaRPr lang="fr-CH"/>
           </a:p>
@@ -10638,7 +10638,7 @@
           <a:p>
             <a:fld id="{3303979B-A48B-479E-AE25-399F9449CF35}" type="datetime1">
               <a:rPr lang="fr-CH" smtClean="0"/>
-              <a:t>11.06.2023</a:t>
+              <a:t>12.06.2023</a:t>
             </a:fld>
             <a:endParaRPr lang="fr-CH"/>
           </a:p>
@@ -10920,7 +10920,7 @@
           <a:p>
             <a:fld id="{BBA436E7-9520-416B-A0F2-F5D6DDDD9DFC}" type="datetime1">
               <a:rPr lang="fr-CH" smtClean="0"/>
-              <a:t>11.06.2023</a:t>
+              <a:t>12.06.2023</a:t>
             </a:fld>
             <a:endParaRPr lang="fr-CH"/>
           </a:p>
@@ -11198,7 +11198,7 @@
           <a:p>
             <a:fld id="{F11FCDA8-281B-4250-B365-D93DDB08F04F}" type="datetime1">
               <a:rPr lang="fr-CH" smtClean="0"/>
-              <a:t>11.06.2023</a:t>
+              <a:t>12.06.2023</a:t>
             </a:fld>
             <a:endParaRPr lang="fr-CH"/>
           </a:p>
@@ -11630,7 +11630,7 @@
           <a:p>
             <a:fld id="{C6DE1F3E-C4B5-4DDD-8095-8C4B5943318B}" type="datetime1">
               <a:rPr lang="fr-CH" smtClean="0"/>
-              <a:t>11.06.2023</a:t>
+              <a:t>12.06.2023</a:t>
             </a:fld>
             <a:endParaRPr lang="fr-CH"/>
           </a:p>
@@ -13086,8 +13086,19 @@
           </a:xfrm>
         </p:spPr>
         <p:txBody>
-          <a:bodyPr/>
+          <a:bodyPr>
+            <a:normAutofit fontScale="92500" lnSpcReduction="20000"/>
+          </a:bodyPr>
           <a:lstStyle/>
+          <a:p>
+            <a:r>
+              <a:rPr lang="fr-CH" dirty="0"/>
+              <a:t>Cahier des charges…</a:t>
+            </a:r>
+          </a:p>
+          <a:p>
+            <a:endParaRPr lang="fr-CH" dirty="0"/>
+          </a:p>
           <a:p>
             <a:r>
               <a:rPr lang="fr-CH" dirty="0"/>
@@ -14590,88 +14601,12 @@
           </a:p>
         </p:txBody>
       </p:sp>
-      <p:sp>
-        <p:nvSpPr>
-          <p:cNvPr id="9" name="Espace réservé du contenu 2">
+      <p:pic>
+        <p:nvPicPr>
+          <p:cNvPr id="17" name="Image 16">
             <a:extLst>
               <a:ext uri="{FF2B5EF4-FFF2-40B4-BE49-F238E27FC236}">
-                <a16:creationId xmlns:a16="http://schemas.microsoft.com/office/drawing/2014/main" id="{3E084FC4-3368-D2C6-C983-3E4ED4245484}"/>
-              </a:ext>
-            </a:extLst>
-          </p:cNvPr>
-          <p:cNvSpPr>
-            <a:spLocks noGrp="1"/>
-          </p:cNvSpPr>
-          <p:nvPr>
-            <p:ph idx="1"/>
-          </p:nvPr>
-        </p:nvSpPr>
-        <p:spPr>
-          <a:xfrm>
-            <a:off x="1103311" y="2052918"/>
-            <a:ext cx="9404723" cy="1869377"/>
-          </a:xfrm>
-        </p:spPr>
-        <p:txBody>
-          <a:bodyPr>
-            <a:normAutofit fontScale="92500" lnSpcReduction="20000"/>
-          </a:bodyPr>
-          <a:lstStyle/>
-          <a:p>
-            <a:r>
-              <a:rPr lang="fr-CH" dirty="0"/>
-              <a:t>Solution fonctionnelle qui répond aux points </a:t>
-            </a:r>
-            <a:r>
-              <a:rPr lang="fr-CH" i="1" dirty="0"/>
-              <a:t>mesurables</a:t>
-            </a:r>
-            <a:r>
-              <a:rPr lang="fr-CH" dirty="0"/>
-              <a:t> du CDC</a:t>
-            </a:r>
-          </a:p>
-          <a:p>
-            <a:pPr marL="0" indent="0">
-              <a:buNone/>
-            </a:pPr>
-            <a:endParaRPr lang="fr-CH" dirty="0"/>
-          </a:p>
-          <a:p>
-            <a:r>
-              <a:rPr lang="fr-CH" dirty="0"/>
-              <a:t>2</a:t>
-            </a:r>
-          </a:p>
-          <a:p>
-            <a:endParaRPr lang="fr-CH" dirty="0"/>
-          </a:p>
-          <a:p>
-            <a:r>
-              <a:rPr lang="fr-CH" dirty="0"/>
-              <a:t>3</a:t>
-            </a:r>
-          </a:p>
-          <a:p>
-            <a:pPr marL="0" indent="0">
-              <a:buNone/>
-            </a:pPr>
-            <a:endParaRPr lang="fr-CH" dirty="0"/>
-          </a:p>
-          <a:p>
-            <a:endParaRPr lang="fr-CH" dirty="0"/>
-          </a:p>
-          <a:p>
-            <a:endParaRPr lang="fr-CH" dirty="0"/>
-          </a:p>
-        </p:txBody>
-      </p:sp>
-      <p:pic>
-        <p:nvPicPr>
-          <p:cNvPr id="7" name="Image 6">
-            <a:extLst>
-              <a:ext uri="{FF2B5EF4-FFF2-40B4-BE49-F238E27FC236}">
-                <a16:creationId xmlns:a16="http://schemas.microsoft.com/office/drawing/2014/main" id="{B00E51CD-F0B3-7B84-2F79-FF9B0ED8BED2}"/>
+                <a16:creationId xmlns:a16="http://schemas.microsoft.com/office/drawing/2014/main" id="{4CF35098-E30A-CDF4-B35C-92C1957157C7}"/>
               </a:ext>
             </a:extLst>
           </p:cNvPr>
@@ -14681,34 +14616,8 @@
           <p:nvPr/>
         </p:nvPicPr>
         <p:blipFill>
-          <a:blip r:embed="rId2" cstate="print">
-            <a:duotone>
-              <a:schemeClr val="accent3">
-                <a:shade val="45000"/>
-                <a:satMod val="135000"/>
-              </a:schemeClr>
-              <a:prstClr val="white"/>
-            </a:duotone>
+          <a:blip r:embed="rId2">
             <a:extLst>
-              <a:ext uri="{BEBA8EAE-BF5A-486C-A8C5-ECC9F3942E4B}">
-                <a14:imgProps xmlns:a14="http://schemas.microsoft.com/office/drawing/2010/main">
-                  <a14:imgLayer r:embed="rId3">
-                    <a14:imgEffect>
-                      <a14:backgroundRemoval t="9804" b="89706" l="5719" r="91667">
-                        <a14:foregroundMark x1="50490" y1="17484" x2="50490" y2="17484"/>
-                        <a14:foregroundMark x1="32843" y1="17157" x2="32843" y2="17157"/>
-                        <a14:foregroundMark x1="22549" y1="28758" x2="22549" y2="28758"/>
-                        <a14:foregroundMark x1="13072" y1="39052" x2="13072" y2="39052"/>
-                        <a14:foregroundMark x1="9150" y1="51471" x2="9150" y2="51471"/>
-                        <a14:foregroundMark x1="5719" y1="51961" x2="5719" y2="51961"/>
-                        <a14:foregroundMark x1="91667" y1="57026" x2="91667" y2="57026"/>
-                        <a14:foregroundMark x1="28431" y1="20915" x2="28431" y2="20915"/>
-                        <a14:foregroundMark x1="18137" y1="35621" x2="18137" y2="35621"/>
-                      </a14:backgroundRemoval>
-                    </a14:imgEffect>
-                  </a14:imgLayer>
-                </a14:imgProps>
-              </a:ext>
               <a:ext uri="{28A0092B-C50C-407E-A947-70E740481C1C}">
                 <a14:useLocalDpi xmlns:a14="http://schemas.microsoft.com/office/drawing/2010/main" val="0"/>
               </a:ext>
@@ -14720,8 +14629,8 @@
         </p:blipFill>
         <p:spPr>
           <a:xfrm>
-            <a:off x="4872984" y="4751136"/>
-            <a:ext cx="1865376" cy="1865376"/>
+            <a:off x="0" y="24075"/>
+            <a:ext cx="10242884" cy="6833925"/>
           </a:xfrm>
           <a:prstGeom prst="rect">
             <a:avLst/>

--- a/Présentation/Présentation TPI DMA.pptx
+++ b/Présentation/Présentation TPI DMA.pptx
@@ -5,7 +5,7 @@
     <p:sldMasterId id="2147483802" r:id="rId1"/>
   </p:sldMasterIdLst>
   <p:notesMasterIdLst>
-    <p:notesMasterId r:id="rId18"/>
+    <p:notesMasterId r:id="rId19"/>
   </p:notesMasterIdLst>
   <p:sldIdLst>
     <p:sldId id="256" r:id="rId2"/>
@@ -24,6 +24,7 @@
     <p:sldId id="300" r:id="rId15"/>
     <p:sldId id="263" r:id="rId16"/>
     <p:sldId id="264" r:id="rId17"/>
+    <p:sldId id="301" r:id="rId18"/>
   </p:sldIdLst>
   <p:sldSz cx="12192000" cy="6858000"/>
   <p:notesSz cx="6858000" cy="9144000"/>
@@ -14859,6 +14860,170 @@
 </p:sld>
 </file>
 
+<file path=ppt/slides/slide17.xml><?xml version="1.0" encoding="utf-8"?>
+<p:sld xmlns:a="http://schemas.openxmlformats.org/drawingml/2006/main" xmlns:r="http://schemas.openxmlformats.org/officeDocument/2006/relationships" xmlns:p="http://schemas.openxmlformats.org/presentationml/2006/main">
+  <p:cSld>
+    <p:spTree>
+      <p:nvGrpSpPr>
+        <p:cNvPr id="1" name=""/>
+        <p:cNvGrpSpPr/>
+        <p:nvPr/>
+      </p:nvGrpSpPr>
+      <p:grpSpPr>
+        <a:xfrm>
+          <a:off x="0" y="0"/>
+          <a:ext cx="0" cy="0"/>
+          <a:chOff x="0" y="0"/>
+          <a:chExt cx="0" cy="0"/>
+        </a:xfrm>
+      </p:grpSpPr>
+      <p:sp>
+        <p:nvSpPr>
+          <p:cNvPr id="2" name="Titre 1">
+            <a:extLst>
+              <a:ext uri="{FF2B5EF4-FFF2-40B4-BE49-F238E27FC236}">
+                <a16:creationId xmlns:a16="http://schemas.microsoft.com/office/drawing/2014/main" id="{BD99B964-E212-9479-78E7-5006D359A701}"/>
+              </a:ext>
+            </a:extLst>
+          </p:cNvPr>
+          <p:cNvSpPr>
+            <a:spLocks noGrp="1"/>
+          </p:cNvSpPr>
+          <p:nvPr>
+            <p:ph type="title"/>
+          </p:nvPr>
+        </p:nvSpPr>
+        <p:spPr/>
+        <p:txBody>
+          <a:bodyPr/>
+          <a:lstStyle/>
+          <a:p>
+            <a:r>
+              <a:rPr lang="fr-CH" dirty="0"/>
+              <a:t>Slide de réserve</a:t>
+            </a:r>
+          </a:p>
+        </p:txBody>
+      </p:sp>
+      <p:sp>
+        <p:nvSpPr>
+          <p:cNvPr id="4" name="Espace réservé du pied de page 3">
+            <a:extLst>
+              <a:ext uri="{FF2B5EF4-FFF2-40B4-BE49-F238E27FC236}">
+                <a16:creationId xmlns:a16="http://schemas.microsoft.com/office/drawing/2014/main" id="{6F0D8D0F-CDE0-B311-75D6-DBA9B60A28AB}"/>
+              </a:ext>
+            </a:extLst>
+          </p:cNvPr>
+          <p:cNvSpPr>
+            <a:spLocks noGrp="1"/>
+          </p:cNvSpPr>
+          <p:nvPr>
+            <p:ph type="ftr" sz="quarter" idx="11"/>
+          </p:nvPr>
+        </p:nvSpPr>
+        <p:spPr/>
+        <p:txBody>
+          <a:bodyPr/>
+          <a:lstStyle/>
+          <a:p>
+            <a:r>
+              <a:rPr lang="fr-CH"/>
+              <a:t>Damien Mayor</a:t>
+            </a:r>
+          </a:p>
+        </p:txBody>
+      </p:sp>
+      <p:sp>
+        <p:nvSpPr>
+          <p:cNvPr id="5" name="Espace réservé du numéro de diapositive 4">
+            <a:extLst>
+              <a:ext uri="{FF2B5EF4-FFF2-40B4-BE49-F238E27FC236}">
+                <a16:creationId xmlns:a16="http://schemas.microsoft.com/office/drawing/2014/main" id="{3DE19E0F-0D33-9927-8E6C-D5E546E827A6}"/>
+              </a:ext>
+            </a:extLst>
+          </p:cNvPr>
+          <p:cNvSpPr>
+            <a:spLocks noGrp="1"/>
+          </p:cNvSpPr>
+          <p:nvPr>
+            <p:ph type="sldNum" sz="quarter" idx="12"/>
+          </p:nvPr>
+        </p:nvSpPr>
+        <p:spPr/>
+        <p:txBody>
+          <a:bodyPr/>
+          <a:lstStyle/>
+          <a:p>
+            <a:fld id="{2FCD9DE2-19B8-4E75-A167-0E6B1D03D668}" type="slidenum">
+              <a:rPr lang="fr-CH" smtClean="0"/>
+              <a:t>17</a:t>
+            </a:fld>
+            <a:endParaRPr lang="fr-CH"/>
+          </a:p>
+        </p:txBody>
+      </p:sp>
+      <p:pic>
+        <p:nvPicPr>
+          <p:cNvPr id="1026" name="Picture 2">
+            <a:extLst>
+              <a:ext uri="{FF2B5EF4-FFF2-40B4-BE49-F238E27FC236}">
+                <a16:creationId xmlns:a16="http://schemas.microsoft.com/office/drawing/2014/main" id="{A705017F-8C9F-ED9B-3613-48F2C5D274A5}"/>
+              </a:ext>
+            </a:extLst>
+          </p:cNvPr>
+          <p:cNvPicPr>
+            <a:picLocks noGrp="1" noChangeAspect="1" noChangeArrowheads="1"/>
+          </p:cNvPicPr>
+          <p:nvPr>
+            <p:ph idx="1"/>
+          </p:nvPr>
+        </p:nvPicPr>
+        <p:blipFill>
+          <a:blip r:embed="rId2">
+            <a:extLst>
+              <a:ext uri="{28A0092B-C50C-407E-A947-70E740481C1C}">
+                <a14:useLocalDpi xmlns:a14="http://schemas.microsoft.com/office/drawing/2010/main" val="0"/>
+              </a:ext>
+            </a:extLst>
+          </a:blip>
+          <a:srcRect/>
+          <a:stretch>
+            <a:fillRect/>
+          </a:stretch>
+        </p:blipFill>
+        <p:spPr bwMode="auto">
+          <a:xfrm>
+            <a:off x="3960488" y="2052638"/>
+            <a:ext cx="3232800" cy="4195762"/>
+          </a:xfrm>
+          <a:prstGeom prst="rect">
+            <a:avLst/>
+          </a:prstGeom>
+          <a:noFill/>
+          <a:extLst>
+            <a:ext uri="{909E8E84-426E-40DD-AFC4-6F175D3DCCD1}">
+              <a14:hiddenFill xmlns:a14="http://schemas.microsoft.com/office/drawing/2010/main">
+                <a:solidFill>
+                  <a:srgbClr val="FFFFFF"/>
+                </a:solidFill>
+              </a14:hiddenFill>
+            </a:ext>
+          </a:extLst>
+        </p:spPr>
+      </p:pic>
+    </p:spTree>
+    <p:extLst>
+      <p:ext uri="{BB962C8B-B14F-4D97-AF65-F5344CB8AC3E}">
+        <p14:creationId xmlns:p14="http://schemas.microsoft.com/office/powerpoint/2010/main" val="3569477182"/>
+      </p:ext>
+    </p:extLst>
+  </p:cSld>
+  <p:clrMapOvr>
+    <a:masterClrMapping/>
+  </p:clrMapOvr>
+</p:sld>
+</file>
+
 <file path=ppt/slides/slide2.xml><?xml version="1.0" encoding="utf-8"?>
 <p:sld xmlns:a="http://schemas.openxmlformats.org/drawingml/2006/main" xmlns:r="http://schemas.openxmlformats.org/officeDocument/2006/relationships" xmlns:p="http://schemas.openxmlformats.org/presentationml/2006/main">
   <p:cSld>
@@ -15288,7 +15453,7 @@
         <p:spPr>
           <a:xfrm>
             <a:off x="1154953" y="4056833"/>
-            <a:ext cx="8825659" cy="991785"/>
+            <a:ext cx="8825659" cy="1164872"/>
           </a:xfrm>
           <a:prstGeom prst="rect">
             <a:avLst/>
@@ -15397,7 +15562,7 @@
           <a:p>
             <a:r>
               <a:rPr lang="fr-CH" sz="2400" dirty="0"/>
-              <a:t>Le pare-feu est l’un des moyens de défense d'un réseau.</a:t>
+              <a:t>Le pare-feu, appareil de sécurité par excellence offre des possibilités bien au-delà du filtrage</a:t>
             </a:r>
           </a:p>
         </p:txBody>
@@ -15668,7 +15833,7 @@
         </p:nvSpPr>
         <p:spPr>
           <a:xfrm>
-            <a:off x="1154951" y="5314463"/>
+            <a:off x="1154951" y="5499662"/>
             <a:ext cx="8825659" cy="991785"/>
           </a:xfrm>
           <a:prstGeom prst="rect">
@@ -15778,7 +15943,7 @@
           <a:p>
             <a:r>
               <a:rPr lang="fr-CH" sz="2400" dirty="0"/>
-              <a:t>C'est la raison de ma reconversion professionnelle</a:t>
+              <a:t>Intérêt pour la sécurité informatique</a:t>
             </a:r>
           </a:p>
         </p:txBody>

--- a/Présentation/Présentation TPI DMA.pptx
+++ b/Présentation/Présentation TPI DMA.pptx
@@ -134,7 +134,7 @@
 <file path=ppt/charts/chart1.xml><?xml version="1.0" encoding="utf-8"?>
 <c:chartSpace xmlns:c="http://schemas.openxmlformats.org/drawingml/2006/chart" xmlns:a="http://schemas.openxmlformats.org/drawingml/2006/main" xmlns:r="http://schemas.openxmlformats.org/officeDocument/2006/relationships" xmlns:c16r2="http://schemas.microsoft.com/office/drawing/2015/06/chart">
   <c:date1904 val="0"/>
-  <c:lang val="fr-FR"/>
+  <c:lang val="en-GB"/>
   <c:roundedCorners val="0"/>
   <mc:AlternateContent xmlns:mc="http://schemas.openxmlformats.org/markup-compatibility/2006">
     <mc:Choice xmlns:c14="http://schemas.microsoft.com/office/drawing/2007/8/2/chart" Requires="c14">
@@ -177,7 +177,7 @@
               <a:cs typeface="+mn-cs"/>
             </a:defRPr>
           </a:pPr>
-          <a:endParaRPr lang="fr-FR"/>
+          <a:endParaRPr lang="en-CH"/>
         </a:p>
       </c:txPr>
     </c:title>
@@ -511,7 +511,7 @@
                     <a:cs typeface="+mn-cs"/>
                   </a:defRPr>
                 </a:pPr>
-                <a:endParaRPr lang="fr-FR"/>
+                <a:endParaRPr lang="en-CH"/>
               </a:p>
             </c:txPr>
             <c:showLegendKey val="0"/>
@@ -646,7 +646,7 @@
               <a:cs typeface="+mn-cs"/>
             </a:defRPr>
           </a:pPr>
-          <a:endParaRPr lang="fr-FR"/>
+          <a:endParaRPr lang="en-CH"/>
         </a:p>
       </c:txPr>
     </c:legend>
@@ -687,7 +687,7 @@
       <a:pPr>
         <a:defRPr/>
       </a:pPr>
-      <a:endParaRPr lang="fr-FR"/>
+      <a:endParaRPr lang="en-CH"/>
     </a:p>
   </c:txPr>
   <c:externalData r:id="rId3">
@@ -699,7 +699,7 @@
 <file path=ppt/charts/chart2.xml><?xml version="1.0" encoding="utf-8"?>
 <c:chartSpace xmlns:c="http://schemas.openxmlformats.org/drawingml/2006/chart" xmlns:a="http://schemas.openxmlformats.org/drawingml/2006/main" xmlns:r="http://schemas.openxmlformats.org/officeDocument/2006/relationships" xmlns:c16r2="http://schemas.microsoft.com/office/drawing/2015/06/chart">
   <c:date1904 val="0"/>
-  <c:lang val="fr-FR"/>
+  <c:lang val="en-GB"/>
   <c:roundedCorners val="0"/>
   <mc:AlternateContent xmlns:mc="http://schemas.openxmlformats.org/markup-compatibility/2006">
     <mc:Choice xmlns:c14="http://schemas.microsoft.com/office/drawing/2007/8/2/chart" Requires="c14">
@@ -742,7 +742,7 @@
               <a:cs typeface="+mn-cs"/>
             </a:defRPr>
           </a:pPr>
-          <a:endParaRPr lang="fr-FR"/>
+          <a:endParaRPr lang="en-CH"/>
         </a:p>
       </c:txPr>
     </c:title>
@@ -1076,7 +1076,7 @@
                     <a:cs typeface="+mn-cs"/>
                   </a:defRPr>
                 </a:pPr>
-                <a:endParaRPr lang="fr-FR"/>
+                <a:endParaRPr lang="en-CH"/>
               </a:p>
             </c:txPr>
             <c:showLegendKey val="0"/>
@@ -1211,7 +1211,7 @@
               <a:cs typeface="+mn-cs"/>
             </a:defRPr>
           </a:pPr>
-          <a:endParaRPr lang="fr-FR"/>
+          <a:endParaRPr lang="en-CH"/>
         </a:p>
       </c:txPr>
     </c:legend>
@@ -1252,7 +1252,7 @@
       <a:pPr>
         <a:defRPr/>
       </a:pPr>
-      <a:endParaRPr lang="fr-FR"/>
+      <a:endParaRPr lang="en-CH"/>
     </a:p>
   </c:txPr>
   <c:externalData r:id="rId3">
@@ -5371,7 +5371,7 @@
           <a:p>
             <a:fld id="{EA33A278-C497-483E-9478-E90100C45B60}" type="datetimeFigureOut">
               <a:rPr lang="fr-CH" smtClean="0"/>
-              <a:t>12.06.2023</a:t>
+              <a:t>12.06.23</a:t>
             </a:fld>
             <a:endParaRPr lang="fr-CH"/>
           </a:p>
@@ -5530,7 +5530,7 @@
           <a:p>
             <a:fld id="{E5B182D0-A1C7-4980-AD66-8484012760C2}" type="slidenum">
               <a:rPr lang="fr-CH" smtClean="0"/>
-              <a:t>‹N°›</a:t>
+              <a:t>‹#›</a:t>
             </a:fld>
             <a:endParaRPr lang="fr-CH"/>
           </a:p>
@@ -6315,7 +6315,7 @@
           <a:p>
             <a:fld id="{4078D55A-F282-4229-B0AD-5471D7149A00}" type="datetime1">
               <a:rPr lang="fr-CH" smtClean="0"/>
-              <a:t>12.06.2023</a:t>
+              <a:t>12.06.23</a:t>
             </a:fld>
             <a:endParaRPr lang="fr-CH"/>
           </a:p>
@@ -6360,7 +6360,7 @@
           <a:p>
             <a:fld id="{2FCD9DE2-19B8-4E75-A167-0E6B1D03D668}" type="slidenum">
               <a:rPr lang="fr-CH" smtClean="0"/>
-              <a:t>‹N°›</a:t>
+              <a:t>‹#›</a:t>
             </a:fld>
             <a:endParaRPr lang="fr-CH"/>
           </a:p>
@@ -6593,7 +6593,7 @@
           <a:p>
             <a:fld id="{3AB7BCF0-DE29-4A4E-B9DC-EE086987C3F6}" type="datetime1">
               <a:rPr lang="fr-CH" smtClean="0"/>
-              <a:t>12.06.2023</a:t>
+              <a:t>12.06.23</a:t>
             </a:fld>
             <a:endParaRPr lang="fr-CH"/>
           </a:p>
@@ -6638,7 +6638,7 @@
           <a:p>
             <a:fld id="{2FCD9DE2-19B8-4E75-A167-0E6B1D03D668}" type="slidenum">
               <a:rPr lang="fr-CH" smtClean="0"/>
-              <a:t>‹N°›</a:t>
+              <a:t>‹#›</a:t>
             </a:fld>
             <a:endParaRPr lang="fr-CH"/>
           </a:p>
@@ -6790,7 +6790,7 @@
           <a:p>
             <a:fld id="{C873B47A-1E7F-4EE7-9D8F-668FD4412AA6}" type="datetime1">
               <a:rPr lang="fr-CH" smtClean="0"/>
-              <a:t>12.06.2023</a:t>
+              <a:t>12.06.23</a:t>
             </a:fld>
             <a:endParaRPr lang="fr-CH"/>
           </a:p>
@@ -6835,7 +6835,7 @@
           <a:p>
             <a:fld id="{2FCD9DE2-19B8-4E75-A167-0E6B1D03D668}" type="slidenum">
               <a:rPr lang="fr-CH" smtClean="0"/>
-              <a:t>‹N°›</a:t>
+              <a:t>‹#›</a:t>
             </a:fld>
             <a:endParaRPr lang="fr-CH"/>
           </a:p>
@@ -7066,7 +7066,7 @@
           <a:p>
             <a:fld id="{953B0343-2783-4E77-AE0B-E6C994245F40}" type="datetime1">
               <a:rPr lang="fr-CH" smtClean="0"/>
-              <a:t>12.06.2023</a:t>
+              <a:t>12.06.23</a:t>
             </a:fld>
             <a:endParaRPr lang="fr-CH"/>
           </a:p>
@@ -7111,7 +7111,7 @@
           <a:p>
             <a:fld id="{2FCD9DE2-19B8-4E75-A167-0E6B1D03D668}" type="slidenum">
               <a:rPr lang="fr-CH" smtClean="0"/>
-              <a:t>‹N°›</a:t>
+              <a:t>‹#›</a:t>
             </a:fld>
             <a:endParaRPr lang="fr-CH"/>
           </a:p>
@@ -7410,7 +7410,7 @@
           <a:p>
             <a:fld id="{AF15959C-DFE8-4160-9033-F7A5ECB47ADC}" type="datetime1">
               <a:rPr lang="fr-CH" smtClean="0"/>
-              <a:t>12.06.2023</a:t>
+              <a:t>12.06.23</a:t>
             </a:fld>
             <a:endParaRPr lang="fr-CH"/>
           </a:p>
@@ -7455,7 +7455,7 @@
           <a:p>
             <a:fld id="{2FCD9DE2-19B8-4E75-A167-0E6B1D03D668}" type="slidenum">
               <a:rPr lang="fr-CH" smtClean="0"/>
-              <a:t>‹N°›</a:t>
+              <a:t>‹#›</a:t>
             </a:fld>
             <a:endParaRPr lang="fr-CH"/>
           </a:p>
@@ -8036,7 +8036,7 @@
           <a:p>
             <a:fld id="{29B5814B-84BE-42B3-B8D6-3505A3B96C83}" type="datetime1">
               <a:rPr lang="fr-CH" smtClean="0"/>
-              <a:t>12.06.2023</a:t>
+              <a:t>12.06.23</a:t>
             </a:fld>
             <a:endParaRPr lang="fr-CH"/>
           </a:p>
@@ -8081,7 +8081,7 @@
           <a:p>
             <a:fld id="{2FCD9DE2-19B8-4E75-A167-0E6B1D03D668}" type="slidenum">
               <a:rPr lang="fr-CH" smtClean="0"/>
-              <a:t>‹N°›</a:t>
+              <a:t>‹#›</a:t>
             </a:fld>
             <a:endParaRPr lang="fr-CH"/>
           </a:p>
@@ -8899,7 +8899,7 @@
           <a:p>
             <a:fld id="{61B8FD67-CC35-445D-A5AD-855A66946585}" type="datetime1">
               <a:rPr lang="fr-CH" smtClean="0"/>
-              <a:t>12.06.2023</a:t>
+              <a:t>12.06.23</a:t>
             </a:fld>
             <a:endParaRPr lang="fr-CH"/>
           </a:p>
@@ -8944,7 +8944,7 @@
           <a:p>
             <a:fld id="{2FCD9DE2-19B8-4E75-A167-0E6B1D03D668}" type="slidenum">
               <a:rPr lang="fr-CH" smtClean="0"/>
-              <a:t>‹N°›</a:t>
+              <a:t>‹#›</a:t>
             </a:fld>
             <a:endParaRPr lang="fr-CH"/>
           </a:p>
@@ -9072,7 +9072,7 @@
           <a:p>
             <a:fld id="{219BBFBA-68E1-44DC-A685-51DFFD597C46}" type="datetime1">
               <a:rPr lang="fr-CH" smtClean="0"/>
-              <a:t>12.06.2023</a:t>
+              <a:t>12.06.23</a:t>
             </a:fld>
             <a:endParaRPr lang="fr-CH"/>
           </a:p>
@@ -9117,7 +9117,7 @@
           <a:p>
             <a:fld id="{2FCD9DE2-19B8-4E75-A167-0E6B1D03D668}" type="slidenum">
               <a:rPr lang="fr-CH" smtClean="0"/>
-              <a:t>‹N°›</a:t>
+              <a:t>‹#›</a:t>
             </a:fld>
             <a:endParaRPr lang="fr-CH"/>
           </a:p>
@@ -9255,7 +9255,7 @@
           <a:p>
             <a:fld id="{186A523B-F31B-4316-A0C6-E4EAA07C6ACE}" type="datetime1">
               <a:rPr lang="fr-CH" smtClean="0"/>
-              <a:t>12.06.2023</a:t>
+              <a:t>12.06.23</a:t>
             </a:fld>
             <a:endParaRPr lang="fr-CH"/>
           </a:p>
@@ -9300,7 +9300,7 @@
           <a:p>
             <a:fld id="{2FCD9DE2-19B8-4E75-A167-0E6B1D03D668}" type="slidenum">
               <a:rPr lang="fr-CH" smtClean="0"/>
-              <a:t>‹N°›</a:t>
+              <a:t>‹#›</a:t>
             </a:fld>
             <a:endParaRPr lang="fr-CH"/>
           </a:p>
@@ -9428,7 +9428,7 @@
           <a:p>
             <a:fld id="{D20EDD74-6E23-4231-A09A-AB29CFC4E040}" type="datetime1">
               <a:rPr lang="fr-CH" smtClean="0"/>
-              <a:t>12.06.2023</a:t>
+              <a:t>12.06.23</a:t>
             </a:fld>
             <a:endParaRPr lang="fr-CH"/>
           </a:p>
@@ -9473,7 +9473,7 @@
           <a:p>
             <a:fld id="{2FCD9DE2-19B8-4E75-A167-0E6B1D03D668}" type="slidenum">
               <a:rPr lang="fr-CH" smtClean="0"/>
-              <a:t>‹N°›</a:t>
+              <a:t>‹#›</a:t>
             </a:fld>
             <a:endParaRPr lang="fr-CH"/>
           </a:p>
@@ -9678,7 +9678,7 @@
           <a:p>
             <a:fld id="{B0F2FA08-EEE0-46F6-B5CC-3AAA0DD17086}" type="datetime1">
               <a:rPr lang="fr-CH" smtClean="0"/>
-              <a:t>12.06.2023</a:t>
+              <a:t>12.06.23</a:t>
             </a:fld>
             <a:endParaRPr lang="fr-CH"/>
           </a:p>
@@ -9723,7 +9723,7 @@
           <a:p>
             <a:fld id="{2FCD9DE2-19B8-4E75-A167-0E6B1D03D668}" type="slidenum">
               <a:rPr lang="fr-CH" smtClean="0"/>
-              <a:t>‹N°›</a:t>
+              <a:t>‹#›</a:t>
             </a:fld>
             <a:endParaRPr lang="fr-CH"/>
           </a:p>
@@ -9973,7 +9973,7 @@
           <a:p>
             <a:fld id="{64D03F82-11E3-4147-A0D6-0C02F8B897EB}" type="datetime1">
               <a:rPr lang="fr-CH" smtClean="0"/>
-              <a:t>12.06.2023</a:t>
+              <a:t>12.06.23</a:t>
             </a:fld>
             <a:endParaRPr lang="fr-CH"/>
           </a:p>
@@ -10018,7 +10018,7 @@
           <a:p>
             <a:fld id="{2FCD9DE2-19B8-4E75-A167-0E6B1D03D668}" type="slidenum">
               <a:rPr lang="fr-CH" smtClean="0"/>
-              <a:t>‹N°›</a:t>
+              <a:t>‹#›</a:t>
             </a:fld>
             <a:endParaRPr lang="fr-CH"/>
           </a:p>
@@ -10420,7 +10420,7 @@
           <a:p>
             <a:fld id="{17E33147-EE39-422D-97C5-D9B35B3F8914}" type="datetime1">
               <a:rPr lang="fr-CH" smtClean="0"/>
-              <a:t>12.06.2023</a:t>
+              <a:t>12.06.23</a:t>
             </a:fld>
             <a:endParaRPr lang="fr-CH"/>
           </a:p>
@@ -10465,7 +10465,7 @@
           <a:p>
             <a:fld id="{2FCD9DE2-19B8-4E75-A167-0E6B1D03D668}" type="slidenum">
               <a:rPr lang="fr-CH" smtClean="0"/>
-              <a:t>‹N°›</a:t>
+              <a:t>‹#›</a:t>
             </a:fld>
             <a:endParaRPr lang="fr-CH"/>
           </a:p>
@@ -10541,7 +10541,7 @@
           <a:p>
             <a:fld id="{21989639-79D9-45CE-8B2B-5566F6A978D1}" type="datetime1">
               <a:rPr lang="fr-CH" smtClean="0"/>
-              <a:t>12.06.2023</a:t>
+              <a:t>12.06.23</a:t>
             </a:fld>
             <a:endParaRPr lang="fr-CH"/>
           </a:p>
@@ -10586,7 +10586,7 @@
           <a:p>
             <a:fld id="{2FCD9DE2-19B8-4E75-A167-0E6B1D03D668}" type="slidenum">
               <a:rPr lang="fr-CH" smtClean="0"/>
-              <a:t>‹N°›</a:t>
+              <a:t>‹#›</a:t>
             </a:fld>
             <a:endParaRPr lang="fr-CH"/>
           </a:p>
@@ -10639,7 +10639,7 @@
           <a:p>
             <a:fld id="{3303979B-A48B-479E-AE25-399F9449CF35}" type="datetime1">
               <a:rPr lang="fr-CH" smtClean="0"/>
-              <a:t>12.06.2023</a:t>
+              <a:t>12.06.23</a:t>
             </a:fld>
             <a:endParaRPr lang="fr-CH"/>
           </a:p>
@@ -10684,7 +10684,7 @@
           <a:p>
             <a:fld id="{2FCD9DE2-19B8-4E75-A167-0E6B1D03D668}" type="slidenum">
               <a:rPr lang="fr-CH" smtClean="0"/>
-              <a:t>‹N°›</a:t>
+              <a:t>‹#›</a:t>
             </a:fld>
             <a:endParaRPr lang="fr-CH"/>
           </a:p>
@@ -10921,7 +10921,7 @@
           <a:p>
             <a:fld id="{BBA436E7-9520-416B-A0F2-F5D6DDDD9DFC}" type="datetime1">
               <a:rPr lang="fr-CH" smtClean="0"/>
-              <a:t>12.06.2023</a:t>
+              <a:t>12.06.23</a:t>
             </a:fld>
             <a:endParaRPr lang="fr-CH"/>
           </a:p>
@@ -10966,7 +10966,7 @@
           <a:p>
             <a:fld id="{2FCD9DE2-19B8-4E75-A167-0E6B1D03D668}" type="slidenum">
               <a:rPr lang="fr-CH" smtClean="0"/>
-              <a:t>‹N°›</a:t>
+              <a:t>‹#›</a:t>
             </a:fld>
             <a:endParaRPr lang="fr-CH"/>
           </a:p>
@@ -11199,7 +11199,7 @@
           <a:p>
             <a:fld id="{F11FCDA8-281B-4250-B365-D93DDB08F04F}" type="datetime1">
               <a:rPr lang="fr-CH" smtClean="0"/>
-              <a:t>12.06.2023</a:t>
+              <a:t>12.06.23</a:t>
             </a:fld>
             <a:endParaRPr lang="fr-CH"/>
           </a:p>
@@ -11244,7 +11244,7 @@
           <a:p>
             <a:fld id="{2FCD9DE2-19B8-4E75-A167-0E6B1D03D668}" type="slidenum">
               <a:rPr lang="fr-CH" smtClean="0"/>
-              <a:t>‹N°›</a:t>
+              <a:t>‹#›</a:t>
             </a:fld>
             <a:endParaRPr lang="fr-CH"/>
           </a:p>
@@ -11631,7 +11631,7 @@
           <a:p>
             <a:fld id="{C6DE1F3E-C4B5-4DDD-8095-8C4B5943318B}" type="datetime1">
               <a:rPr lang="fr-CH" smtClean="0"/>
-              <a:t>12.06.2023</a:t>
+              <a:t>12.06.23</a:t>
             </a:fld>
             <a:endParaRPr lang="fr-CH"/>
           </a:p>
@@ -11713,7 +11713,7 @@
           <a:p>
             <a:fld id="{2FCD9DE2-19B8-4E75-A167-0E6B1D03D668}" type="slidenum">
               <a:rPr lang="fr-CH" smtClean="0"/>
-              <a:t>‹N°›</a:t>
+              <a:t>‹#›</a:t>
             </a:fld>
             <a:endParaRPr lang="fr-CH"/>
           </a:p>
@@ -12871,7 +12871,7 @@
         </p:blipFill>
         <p:spPr>
           <a:xfrm>
-            <a:off x="8249287" y="2605400"/>
+            <a:off x="8249287" y="2757800"/>
             <a:ext cx="3902958" cy="2374483"/>
           </a:xfrm>
           <a:prstGeom prst="rect">
@@ -12926,7 +12926,7 @@
         </p:nvSpPr>
         <p:spPr>
           <a:xfrm>
-            <a:off x="9578565" y="5819513"/>
+            <a:off x="9578565" y="5656553"/>
             <a:ext cx="2009871" cy="343234"/>
           </a:xfrm>
           <a:prstGeom prst="ellipse">
@@ -13375,16 +13375,7 @@
           <a:p>
             <a:r>
               <a:rPr lang="fr-CH" dirty="0"/>
-              <a:t>Mise en place logique permanente</a:t>
-            </a:r>
-          </a:p>
-          <a:p>
-            <a:endParaRPr lang="fr-CH" dirty="0"/>
-          </a:p>
-          <a:p>
-            <a:r>
-              <a:rPr lang="fr-CH" dirty="0"/>
-              <a:t>Mise en place physique permanente</a:t>
+              <a:t>Mise en place logique &amp; physique permanente</a:t>
             </a:r>
           </a:p>
           <a:p>
@@ -13489,7 +13480,7 @@
         </p:nvCxnSpPr>
         <p:spPr>
           <a:xfrm>
-            <a:off x="2895600" y="4423763"/>
+            <a:off x="2824480" y="3570323"/>
             <a:ext cx="832338" cy="0"/>
           </a:xfrm>
           <a:prstGeom prst="straightConnector1">
@@ -17442,12 +17433,6 @@
             <a:r>
               <a:rPr lang="fr-CH" sz="1400" dirty="0"/>
               <a:t>Création règles pare-feu Principal</a:t>
-            </a:r>
-          </a:p>
-          <a:p>
-            <a:r>
-              <a:rPr lang="fr-CH" sz="1400" dirty="0"/>
-              <a:t>Configuration succursale secondaire</a:t>
             </a:r>
           </a:p>
           <a:p>
